--- a/paper/fig-ppt/comparison_const_acc_with_pvt.pptx
+++ b/paper/fig-ppt/comparison_const_acc_with_pvt.pptx
@@ -2,13 +2,15 @@
 <file path=ppt/presentation.xml><?xml version="1.0" encoding="utf-8"?>
 <p:presentation xmlns:a="http://schemas.openxmlformats.org/drawingml/2006/main" xmlns:r="http://schemas.openxmlformats.org/officeDocument/2006/relationships" xmlns:p="http://schemas.openxmlformats.org/presentationml/2006/main" saveSubsetFonts="1">
   <p:sldMasterIdLst>
-    <p:sldMasterId id="2147483708" r:id="rId1"/>
+    <p:sldMasterId id="2147483720" r:id="rId1"/>
   </p:sldMasterIdLst>
   <p:sldIdLst>
     <p:sldId id="263" r:id="rId2"/>
-    <p:sldId id="262" r:id="rId3"/>
+    <p:sldId id="265" r:id="rId3"/>
+    <p:sldId id="264" r:id="rId4"/>
+    <p:sldId id="262" r:id="rId5"/>
   </p:sldIdLst>
-  <p:sldSz cx="7815263" cy="4711700"/>
+  <p:sldSz cx="7815263" cy="4481513"/>
   <p:notesSz cx="6858000" cy="9144000"/>
   <p:defaultTextStyle>
     <a:defPPr>
@@ -142,8 +144,8 @@
         </p:nvSpPr>
         <p:spPr>
           <a:xfrm>
-            <a:off x="976908" y="771105"/>
-            <a:ext cx="5861447" cy="1640370"/>
+            <a:off x="976908" y="733433"/>
+            <a:ext cx="5861447" cy="1560230"/>
           </a:xfrm>
         </p:spPr>
         <p:txBody>
@@ -174,8 +176,8 @@
         </p:nvSpPr>
         <p:spPr>
           <a:xfrm>
-            <a:off x="976908" y="2474733"/>
-            <a:ext cx="5861447" cy="1137570"/>
+            <a:off x="976908" y="2353832"/>
+            <a:ext cx="5861447" cy="1081995"/>
           </a:xfrm>
         </p:spPr>
         <p:txBody>
@@ -295,7 +297,7 @@
     </p:spTree>
     <p:extLst>
       <p:ext uri="{BB962C8B-B14F-4D97-AF65-F5344CB8AC3E}">
-        <p14:creationId xmlns:p14="http://schemas.microsoft.com/office/powerpoint/2010/main" val="619764253"/>
+        <p14:creationId xmlns:p14="http://schemas.microsoft.com/office/powerpoint/2010/main" val="1955187165"/>
       </p:ext>
     </p:extLst>
   </p:cSld>
@@ -465,7 +467,7 @@
     </p:spTree>
     <p:extLst>
       <p:ext uri="{BB962C8B-B14F-4D97-AF65-F5344CB8AC3E}">
-        <p14:creationId xmlns:p14="http://schemas.microsoft.com/office/powerpoint/2010/main" val="3886588106"/>
+        <p14:creationId xmlns:p14="http://schemas.microsoft.com/office/powerpoint/2010/main" val="2386211257"/>
       </p:ext>
     </p:extLst>
   </p:cSld>
@@ -504,8 +506,8 @@
         </p:nvSpPr>
         <p:spPr>
           <a:xfrm>
-            <a:off x="5592798" y="250854"/>
-            <a:ext cx="1685166" cy="3992948"/>
+            <a:off x="5592798" y="238599"/>
+            <a:ext cx="1685166" cy="3797875"/>
           </a:xfrm>
         </p:spPr>
         <p:txBody>
@@ -532,8 +534,8 @@
         </p:nvSpPr>
         <p:spPr>
           <a:xfrm>
-            <a:off x="537300" y="250854"/>
-            <a:ext cx="4957807" cy="3992948"/>
+            <a:off x="537300" y="238599"/>
+            <a:ext cx="4957807" cy="3797875"/>
           </a:xfrm>
         </p:spPr>
         <p:txBody>
@@ -645,7 +647,7 @@
     </p:spTree>
     <p:extLst>
       <p:ext uri="{BB962C8B-B14F-4D97-AF65-F5344CB8AC3E}">
-        <p14:creationId xmlns:p14="http://schemas.microsoft.com/office/powerpoint/2010/main" val="1956857142"/>
+        <p14:creationId xmlns:p14="http://schemas.microsoft.com/office/powerpoint/2010/main" val="2988783373"/>
       </p:ext>
     </p:extLst>
   </p:cSld>
@@ -815,7 +817,7 @@
     </p:spTree>
     <p:extLst>
       <p:ext uri="{BB962C8B-B14F-4D97-AF65-F5344CB8AC3E}">
-        <p14:creationId xmlns:p14="http://schemas.microsoft.com/office/powerpoint/2010/main" val="338114682"/>
+        <p14:creationId xmlns:p14="http://schemas.microsoft.com/office/powerpoint/2010/main" val="2408832216"/>
       </p:ext>
     </p:extLst>
   </p:cSld>
@@ -854,8 +856,8 @@
         </p:nvSpPr>
         <p:spPr>
           <a:xfrm>
-            <a:off x="533229" y="1174654"/>
-            <a:ext cx="6740664" cy="1959936"/>
+            <a:off x="533229" y="1117267"/>
+            <a:ext cx="6740664" cy="1864185"/>
           </a:xfrm>
         </p:spPr>
         <p:txBody>
@@ -886,8 +888,8 @@
         </p:nvSpPr>
         <p:spPr>
           <a:xfrm>
-            <a:off x="533229" y="3153131"/>
-            <a:ext cx="6740664" cy="1030684"/>
+            <a:off x="533229" y="2999087"/>
+            <a:ext cx="6740664" cy="980331"/>
           </a:xfrm>
         </p:spPr>
         <p:txBody>
@@ -1061,7 +1063,7 @@
     </p:spTree>
     <p:extLst>
       <p:ext uri="{BB962C8B-B14F-4D97-AF65-F5344CB8AC3E}">
-        <p14:creationId xmlns:p14="http://schemas.microsoft.com/office/powerpoint/2010/main" val="604579932"/>
+        <p14:creationId xmlns:p14="http://schemas.microsoft.com/office/powerpoint/2010/main" val="3228405118"/>
       </p:ext>
     </p:extLst>
   </p:cSld>
@@ -1123,8 +1125,8 @@
         </p:nvSpPr>
         <p:spPr>
           <a:xfrm>
-            <a:off x="537299" y="1254272"/>
-            <a:ext cx="3321487" cy="2989530"/>
+            <a:off x="537299" y="1192995"/>
+            <a:ext cx="3321487" cy="2843479"/>
           </a:xfrm>
         </p:spPr>
         <p:txBody>
@@ -1180,8 +1182,8 @@
         </p:nvSpPr>
         <p:spPr>
           <a:xfrm>
-            <a:off x="3956477" y="1254272"/>
-            <a:ext cx="3321487" cy="2989530"/>
+            <a:off x="3956477" y="1192995"/>
+            <a:ext cx="3321487" cy="2843479"/>
           </a:xfrm>
         </p:spPr>
         <p:txBody>
@@ -1293,7 +1295,7 @@
     </p:spTree>
     <p:extLst>
       <p:ext uri="{BB962C8B-B14F-4D97-AF65-F5344CB8AC3E}">
-        <p14:creationId xmlns:p14="http://schemas.microsoft.com/office/powerpoint/2010/main" val="3824491811"/>
+        <p14:creationId xmlns:p14="http://schemas.microsoft.com/office/powerpoint/2010/main" val="3476627342"/>
       </p:ext>
     </p:extLst>
   </p:cSld>
@@ -1332,8 +1334,8 @@
         </p:nvSpPr>
         <p:spPr>
           <a:xfrm>
-            <a:off x="538317" y="250855"/>
-            <a:ext cx="6740664" cy="910711"/>
+            <a:off x="538317" y="238599"/>
+            <a:ext cx="6740664" cy="866219"/>
           </a:xfrm>
         </p:spPr>
         <p:txBody>
@@ -1360,8 +1362,8 @@
         </p:nvSpPr>
         <p:spPr>
           <a:xfrm>
-            <a:off x="538318" y="1155021"/>
-            <a:ext cx="3306222" cy="566058"/>
+            <a:off x="538318" y="1098593"/>
+            <a:ext cx="3306222" cy="538404"/>
           </a:xfrm>
         </p:spPr>
         <p:txBody>
@@ -1425,8 +1427,8 @@
         </p:nvSpPr>
         <p:spPr>
           <a:xfrm>
-            <a:off x="538318" y="1721080"/>
-            <a:ext cx="3306222" cy="2531448"/>
+            <a:off x="538318" y="1636997"/>
+            <a:ext cx="3306222" cy="2407776"/>
           </a:xfrm>
         </p:spPr>
         <p:txBody>
@@ -1482,8 +1484,8 @@
         </p:nvSpPr>
         <p:spPr>
           <a:xfrm>
-            <a:off x="3956477" y="1155021"/>
-            <a:ext cx="3322505" cy="566058"/>
+            <a:off x="3956477" y="1098593"/>
+            <a:ext cx="3322505" cy="538404"/>
           </a:xfrm>
         </p:spPr>
         <p:txBody>
@@ -1547,8 +1549,8 @@
         </p:nvSpPr>
         <p:spPr>
           <a:xfrm>
-            <a:off x="3956477" y="1721080"/>
-            <a:ext cx="3322505" cy="2531448"/>
+            <a:off x="3956477" y="1636997"/>
+            <a:ext cx="3322505" cy="2407776"/>
           </a:xfrm>
         </p:spPr>
         <p:txBody>
@@ -1660,7 +1662,7 @@
     </p:spTree>
     <p:extLst>
       <p:ext uri="{BB962C8B-B14F-4D97-AF65-F5344CB8AC3E}">
-        <p14:creationId xmlns:p14="http://schemas.microsoft.com/office/powerpoint/2010/main" val="3608592156"/>
+        <p14:creationId xmlns:p14="http://schemas.microsoft.com/office/powerpoint/2010/main" val="908889254"/>
       </p:ext>
     </p:extLst>
   </p:cSld>
@@ -1778,7 +1780,7 @@
     </p:spTree>
     <p:extLst>
       <p:ext uri="{BB962C8B-B14F-4D97-AF65-F5344CB8AC3E}">
-        <p14:creationId xmlns:p14="http://schemas.microsoft.com/office/powerpoint/2010/main" val="2689397065"/>
+        <p14:creationId xmlns:p14="http://schemas.microsoft.com/office/powerpoint/2010/main" val="104250475"/>
       </p:ext>
     </p:extLst>
   </p:cSld>
@@ -1873,7 +1875,7 @@
     </p:spTree>
     <p:extLst>
       <p:ext uri="{BB962C8B-B14F-4D97-AF65-F5344CB8AC3E}">
-        <p14:creationId xmlns:p14="http://schemas.microsoft.com/office/powerpoint/2010/main" val="3734152112"/>
+        <p14:creationId xmlns:p14="http://schemas.microsoft.com/office/powerpoint/2010/main" val="3367854371"/>
       </p:ext>
     </p:extLst>
   </p:cSld>
@@ -1912,8 +1914,8 @@
         </p:nvSpPr>
         <p:spPr>
           <a:xfrm>
-            <a:off x="538317" y="314113"/>
-            <a:ext cx="2520626" cy="1099397"/>
+            <a:off x="538317" y="298768"/>
+            <a:ext cx="2520626" cy="1045686"/>
           </a:xfrm>
         </p:spPr>
         <p:txBody>
@@ -1944,8 +1946,8 @@
         </p:nvSpPr>
         <p:spPr>
           <a:xfrm>
-            <a:off x="3322505" y="678398"/>
-            <a:ext cx="3956477" cy="3348361"/>
+            <a:off x="3322505" y="645255"/>
+            <a:ext cx="3956477" cy="3184779"/>
           </a:xfrm>
         </p:spPr>
         <p:txBody>
@@ -2029,8 +2031,8 @@
         </p:nvSpPr>
         <p:spPr>
           <a:xfrm>
-            <a:off x="538317" y="1413510"/>
-            <a:ext cx="2520626" cy="2618702"/>
+            <a:off x="538317" y="1344454"/>
+            <a:ext cx="2520626" cy="2490767"/>
           </a:xfrm>
         </p:spPr>
         <p:txBody>
@@ -2150,7 +2152,7 @@
     </p:spTree>
     <p:extLst>
       <p:ext uri="{BB962C8B-B14F-4D97-AF65-F5344CB8AC3E}">
-        <p14:creationId xmlns:p14="http://schemas.microsoft.com/office/powerpoint/2010/main" val="910805477"/>
+        <p14:creationId xmlns:p14="http://schemas.microsoft.com/office/powerpoint/2010/main" val="297680922"/>
       </p:ext>
     </p:extLst>
   </p:cSld>
@@ -2189,8 +2191,8 @@
         </p:nvSpPr>
         <p:spPr>
           <a:xfrm>
-            <a:off x="538317" y="314113"/>
-            <a:ext cx="2520626" cy="1099397"/>
+            <a:off x="538317" y="298768"/>
+            <a:ext cx="2520626" cy="1045686"/>
           </a:xfrm>
         </p:spPr>
         <p:txBody>
@@ -2221,8 +2223,8 @@
         </p:nvSpPr>
         <p:spPr>
           <a:xfrm>
-            <a:off x="3322505" y="678398"/>
-            <a:ext cx="3956477" cy="3348361"/>
+            <a:off x="3322505" y="645255"/>
+            <a:ext cx="3956477" cy="3184779"/>
           </a:xfrm>
         </p:spPr>
         <p:txBody>
@@ -2286,8 +2288,8 @@
         </p:nvSpPr>
         <p:spPr>
           <a:xfrm>
-            <a:off x="538317" y="1413510"/>
-            <a:ext cx="2520626" cy="2618702"/>
+            <a:off x="538317" y="1344454"/>
+            <a:ext cx="2520626" cy="2490767"/>
           </a:xfrm>
         </p:spPr>
         <p:txBody>
@@ -2407,7 +2409,7 @@
     </p:spTree>
     <p:extLst>
       <p:ext uri="{BB962C8B-B14F-4D97-AF65-F5344CB8AC3E}">
-        <p14:creationId xmlns:p14="http://schemas.microsoft.com/office/powerpoint/2010/main" val="1470855522"/>
+        <p14:creationId xmlns:p14="http://schemas.microsoft.com/office/powerpoint/2010/main" val="1965052794"/>
       </p:ext>
     </p:extLst>
   </p:cSld>
@@ -2451,8 +2453,8 @@
         </p:nvSpPr>
         <p:spPr>
           <a:xfrm>
-            <a:off x="537300" y="250855"/>
-            <a:ext cx="6740664" cy="910711"/>
+            <a:off x="537300" y="238599"/>
+            <a:ext cx="6740664" cy="866219"/>
           </a:xfrm>
           <a:prstGeom prst="rect">
             <a:avLst/>
@@ -2484,8 +2486,8 @@
         </p:nvSpPr>
         <p:spPr>
           <a:xfrm>
-            <a:off x="537300" y="1254272"/>
-            <a:ext cx="6740664" cy="2989530"/>
+            <a:off x="537300" y="1192995"/>
+            <a:ext cx="6740664" cy="2843479"/>
           </a:xfrm>
           <a:prstGeom prst="rect">
             <a:avLst/>
@@ -2546,8 +2548,8 @@
         </p:nvSpPr>
         <p:spPr>
           <a:xfrm>
-            <a:off x="537299" y="4367048"/>
-            <a:ext cx="1758434" cy="250854"/>
+            <a:off x="537299" y="4153699"/>
+            <a:ext cx="1758434" cy="238599"/>
           </a:xfrm>
           <a:prstGeom prst="rect">
             <a:avLst/>
@@ -2587,8 +2589,8 @@
         </p:nvSpPr>
         <p:spPr>
           <a:xfrm>
-            <a:off x="2588806" y="4367048"/>
-            <a:ext cx="2637651" cy="250854"/>
+            <a:off x="2588806" y="4153699"/>
+            <a:ext cx="2637651" cy="238599"/>
           </a:xfrm>
           <a:prstGeom prst="rect">
             <a:avLst/>
@@ -2624,8 +2626,8 @@
         </p:nvSpPr>
         <p:spPr>
           <a:xfrm>
-            <a:off x="5519530" y="4367048"/>
-            <a:ext cx="1758434" cy="250854"/>
+            <a:off x="5519530" y="4153699"/>
+            <a:ext cx="1758434" cy="238599"/>
           </a:xfrm>
           <a:prstGeom prst="rect">
             <a:avLst/>
@@ -2656,23 +2658,23 @@
     </p:spTree>
     <p:extLst>
       <p:ext uri="{BB962C8B-B14F-4D97-AF65-F5344CB8AC3E}">
-        <p14:creationId xmlns:p14="http://schemas.microsoft.com/office/powerpoint/2010/main" val="429570282"/>
+        <p14:creationId xmlns:p14="http://schemas.microsoft.com/office/powerpoint/2010/main" val="2391867321"/>
       </p:ext>
     </p:extLst>
   </p:cSld>
   <p:clrMap bg1="lt1" tx1="dk1" bg2="lt2" tx2="dk2" accent1="accent1" accent2="accent2" accent3="accent3" accent4="accent4" accent5="accent5" accent6="accent6" hlink="hlink" folHlink="folHlink"/>
   <p:sldLayoutIdLst>
-    <p:sldLayoutId id="2147483709" r:id="rId1"/>
-    <p:sldLayoutId id="2147483710" r:id="rId2"/>
-    <p:sldLayoutId id="2147483711" r:id="rId3"/>
-    <p:sldLayoutId id="2147483712" r:id="rId4"/>
-    <p:sldLayoutId id="2147483713" r:id="rId5"/>
-    <p:sldLayoutId id="2147483714" r:id="rId6"/>
-    <p:sldLayoutId id="2147483715" r:id="rId7"/>
-    <p:sldLayoutId id="2147483716" r:id="rId8"/>
-    <p:sldLayoutId id="2147483717" r:id="rId9"/>
-    <p:sldLayoutId id="2147483718" r:id="rId10"/>
-    <p:sldLayoutId id="2147483719" r:id="rId11"/>
+    <p:sldLayoutId id="2147483721" r:id="rId1"/>
+    <p:sldLayoutId id="2147483722" r:id="rId2"/>
+    <p:sldLayoutId id="2147483723" r:id="rId3"/>
+    <p:sldLayoutId id="2147483724" r:id="rId4"/>
+    <p:sldLayoutId id="2147483725" r:id="rId5"/>
+    <p:sldLayoutId id="2147483726" r:id="rId6"/>
+    <p:sldLayoutId id="2147483727" r:id="rId7"/>
+    <p:sldLayoutId id="2147483728" r:id="rId8"/>
+    <p:sldLayoutId id="2147483729" r:id="rId9"/>
+    <p:sldLayoutId id="2147483730" r:id="rId10"/>
+    <p:sldLayoutId id="2147483731" r:id="rId11"/>
   </p:sldLayoutIdLst>
   <p:txStyles>
     <p:titleStyle>
@@ -2976,10 +2978,10 @@
       </p:grpSpPr>
       <p:grpSp>
         <p:nvGrpSpPr>
-          <p:cNvPr id="168" name="组合 167">
+          <p:cNvPr id="5" name="组合 4">
             <a:extLst>
               <a:ext uri="{FF2B5EF4-FFF2-40B4-BE49-F238E27FC236}">
-                <a16:creationId xmlns:a16="http://schemas.microsoft.com/office/drawing/2014/main" id="{4F317C86-81B5-3FD0-BE00-5F558EFC0D31}"/>
+                <a16:creationId xmlns:a16="http://schemas.microsoft.com/office/drawing/2014/main" id="{A6D99CB9-327E-42CA-3728-FC8234713A40}"/>
               </a:ext>
             </a:extLst>
           </p:cNvPr>
@@ -2988,10 +2990,10 @@
         </p:nvGrpSpPr>
         <p:grpSpPr>
           <a:xfrm>
-            <a:off x="3892059" y="-12789"/>
-            <a:ext cx="3969043" cy="4724489"/>
-            <a:chOff x="2664746" y="1565907"/>
-            <a:chExt cx="3969043" cy="4724489"/>
+            <a:off x="3892060" y="-2097"/>
+            <a:ext cx="3940189" cy="4503405"/>
+            <a:chOff x="3892060" y="20388"/>
+            <a:chExt cx="3940189" cy="4503405"/>
           </a:xfrm>
         </p:grpSpPr>
         <p:pic>
@@ -3015,7 +3017,7 @@
           </p:blipFill>
           <p:spPr>
             <a:xfrm>
-              <a:off x="3016131" y="1918316"/>
+              <a:off x="4243444" y="321961"/>
               <a:ext cx="3148394" cy="3742674"/>
             </a:xfrm>
             <a:prstGeom prst="rect">
@@ -3039,7 +3041,7 @@
           </p:nvCxnSpPr>
           <p:spPr>
             <a:xfrm flipH="1">
-              <a:off x="3750329" y="2021312"/>
+              <a:off x="4977643" y="424957"/>
               <a:ext cx="1" cy="3567776"/>
             </a:xfrm>
             <a:prstGeom prst="line">
@@ -3080,7 +3082,7 @@
           </p:nvCxnSpPr>
           <p:spPr>
             <a:xfrm>
-              <a:off x="5012393" y="2021312"/>
+              <a:off x="6239706" y="424957"/>
               <a:ext cx="0" cy="3567776"/>
             </a:xfrm>
             <a:prstGeom prst="line">
@@ -3119,8 +3121,8 @@
           </p:nvSpPr>
           <p:spPr>
             <a:xfrm>
-              <a:off x="4034772" y="1577576"/>
-              <a:ext cx="1238481" cy="369332"/>
+              <a:off x="5380908" y="20388"/>
+              <a:ext cx="1081322" cy="338554"/>
             </a:xfrm>
             <a:prstGeom prst="rect">
               <a:avLst/>
@@ -3134,14 +3136,12 @@
             <a:lstStyle/>
             <a:p>
               <a:r>
-                <a:rPr lang="en-US" altLang="zh-CN" b="1" dirty="0">
-                  <a:latin typeface="Times New Roman" panose="02020603050405020304" pitchFamily="18" charset="0"/>
+                <a:rPr lang="en-US" altLang="zh-CN" sz="1600" dirty="0">
                   <a:cs typeface="Times New Roman" panose="02020603050405020304" pitchFamily="18" charset="0"/>
                 </a:rPr>
-                <a:t>PVT mode</a:t>
+                <a:t>PVT model</a:t>
               </a:r>
-              <a:endParaRPr lang="zh-CN" altLang="en-US" b="1" dirty="0">
-                <a:latin typeface="Times New Roman" panose="02020603050405020304" pitchFamily="18" charset="0"/>
+              <a:endParaRPr lang="zh-CN" altLang="en-US" sz="1600" dirty="0">
                 <a:cs typeface="Times New Roman" panose="02020603050405020304" pitchFamily="18" charset="0"/>
               </a:endParaRPr>
             </a:p>
@@ -3161,8 +3161,8 @@
           </p:nvSpPr>
           <p:spPr>
             <a:xfrm>
-              <a:off x="3108062" y="1565907"/>
-              <a:ext cx="393056" cy="369332"/>
+              <a:off x="4255567" y="20388"/>
+              <a:ext cx="393056" cy="338554"/>
             </a:xfrm>
             <a:prstGeom prst="rect">
               <a:avLst/>
@@ -3176,14 +3176,12 @@
             <a:lstStyle/>
             <a:p>
               <a:r>
-                <a:rPr lang="en-US" altLang="zh-CN" b="1" dirty="0">
-                  <a:latin typeface="Times New Roman" panose="02020603050405020304" pitchFamily="18" charset="0"/>
+                <a:rPr lang="en-US" altLang="zh-CN" sz="1600" b="1" dirty="0">
                   <a:cs typeface="Times New Roman" panose="02020603050405020304" pitchFamily="18" charset="0"/>
                 </a:rPr>
                 <a:t>(b)</a:t>
               </a:r>
-              <a:endParaRPr lang="zh-CN" altLang="en-US" b="1" dirty="0">
-                <a:latin typeface="Times New Roman" panose="02020603050405020304" pitchFamily="18" charset="0"/>
+              <a:endParaRPr lang="zh-CN" altLang="en-US" sz="1600" b="1" dirty="0">
                 <a:cs typeface="Times New Roman" panose="02020603050405020304" pitchFamily="18" charset="0"/>
               </a:endParaRPr>
             </a:p>
@@ -3203,8 +3201,8 @@
           </p:nvSpPr>
           <p:spPr>
             <a:xfrm>
-              <a:off x="6077226" y="3628237"/>
-              <a:ext cx="556563" cy="307777"/>
+              <a:off x="7304540" y="2031883"/>
+              <a:ext cx="527709" cy="307777"/>
             </a:xfrm>
             <a:prstGeom prst="rect">
               <a:avLst/>
@@ -3219,13 +3217,11 @@
             <a:p>
               <a:r>
                 <a:rPr lang="en-US" altLang="zh-CN" sz="1400" dirty="0">
-                  <a:latin typeface="Times New Roman" panose="02020603050405020304" pitchFamily="18" charset="0"/>
                   <a:cs typeface="Times New Roman" panose="02020603050405020304" pitchFamily="18" charset="0"/>
                 </a:rPr>
                 <a:t>v = 0</a:t>
               </a:r>
               <a:endParaRPr lang="zh-CN" altLang="en-US" sz="1400" dirty="0">
-                <a:latin typeface="Times New Roman" panose="02020603050405020304" pitchFamily="18" charset="0"/>
                 <a:cs typeface="Times New Roman" panose="02020603050405020304" pitchFamily="18" charset="0"/>
               </a:endParaRPr>
             </a:p>
@@ -3247,8 +3243,8 @@
               </p:nvSpPr>
               <p:spPr>
                 <a:xfrm>
-                  <a:off x="3023239" y="5674845"/>
-                  <a:ext cx="293542" cy="276999"/>
+                  <a:off x="4250552" y="4047230"/>
+                  <a:ext cx="226152" cy="215444"/>
                 </a:xfrm>
                 <a:prstGeom prst="rect">
                   <a:avLst/>
@@ -3271,14 +3267,14 @@
                         <m:sSup>
                           <m:sSupPr>
                             <m:ctrlPr>
-                              <a:rPr lang="en-US" altLang="zh-CN" i="1">
+                              <a:rPr lang="en-US" altLang="zh-CN" sz="1400" i="1">
                                 <a:latin typeface="Cambria Math" panose="02040503050406030204" pitchFamily="18" charset="0"/>
                               </a:rPr>
                             </m:ctrlPr>
                           </m:sSupPr>
                           <m:e>
                             <m:r>
-                              <a:rPr lang="en-US" altLang="zh-CN" i="1">
+                              <a:rPr lang="en-US" altLang="zh-CN" sz="1400" i="1">
                                 <a:latin typeface="Cambria Math" panose="02040503050406030204" pitchFamily="18" charset="0"/>
                               </a:rPr>
                               <m:t>𝑝</m:t>
@@ -3286,7 +3282,7 @@
                           </m:e>
                           <m:sup>
                             <m:r>
-                              <a:rPr lang="en-US" altLang="zh-CN" i="1">
+                              <a:rPr lang="en-US" altLang="zh-CN" sz="1400" i="1">
                                 <a:latin typeface="Cambria Math" panose="02040503050406030204" pitchFamily="18" charset="0"/>
                               </a:rPr>
                               <m:t>0</m:t>
@@ -3296,7 +3292,7 @@
                       </m:oMath>
                     </m:oMathPara>
                   </a14:m>
-                  <a:endParaRPr lang="zh-CN" altLang="en-US" dirty="0"/>
+                  <a:endParaRPr lang="zh-CN" altLang="en-US" sz="1400" dirty="0"/>
                 </a:p>
               </p:txBody>
             </p:sp>
@@ -3318,8 +3314,8 @@
               </p:nvSpPr>
               <p:spPr>
                 <a:xfrm>
-                  <a:off x="3023239" y="5674845"/>
-                  <a:ext cx="293542" cy="276999"/>
+                  <a:off x="4250552" y="4047230"/>
+                  <a:ext cx="226152" cy="215444"/>
                 </a:xfrm>
                 <a:prstGeom prst="rect">
                   <a:avLst/>
@@ -3327,7 +3323,7 @@
                 <a:blipFill>
                   <a:blip r:embed="rId3"/>
                   <a:stretch>
-                    <a:fillRect l="-20833" t="-4444" r="-4167" b="-26667"/>
+                    <a:fillRect l="-18919" r="-2703" b="-25000"/>
                   </a:stretch>
                 </a:blipFill>
               </p:spPr>
@@ -3362,8 +3358,8 @@
               </p:nvSpPr>
               <p:spPr>
                 <a:xfrm>
-                  <a:off x="3593327" y="5674844"/>
-                  <a:ext cx="288605" cy="276999"/>
+                  <a:off x="4851900" y="4047229"/>
+                  <a:ext cx="222304" cy="215444"/>
                 </a:xfrm>
                 <a:prstGeom prst="rect">
                   <a:avLst/>
@@ -3386,14 +3382,14 @@
                         <m:sSup>
                           <m:sSupPr>
                             <m:ctrlPr>
-                              <a:rPr lang="en-US" altLang="zh-CN" i="1">
+                              <a:rPr lang="en-US" altLang="zh-CN" sz="1400" i="1">
                                 <a:latin typeface="Cambria Math" panose="02040503050406030204" pitchFamily="18" charset="0"/>
                               </a:rPr>
                             </m:ctrlPr>
                           </m:sSupPr>
                           <m:e>
                             <m:r>
-                              <a:rPr lang="en-US" altLang="zh-CN" i="1">
+                              <a:rPr lang="en-US" altLang="zh-CN" sz="1400" i="1">
                                 <a:latin typeface="Cambria Math" panose="02040503050406030204" pitchFamily="18" charset="0"/>
                               </a:rPr>
                               <m:t>𝑝</m:t>
@@ -3401,7 +3397,7 @@
                           </m:e>
                           <m:sup>
                             <m:r>
-                              <a:rPr lang="en-US" altLang="zh-CN" i="1">
+                              <a:rPr lang="en-US" altLang="zh-CN" sz="1400" i="1">
                                 <a:latin typeface="Cambria Math" panose="02040503050406030204" pitchFamily="18" charset="0"/>
                               </a:rPr>
                               <m:t>1</m:t>
@@ -3411,7 +3407,7 @@
                       </m:oMath>
                     </m:oMathPara>
                   </a14:m>
-                  <a:endParaRPr lang="zh-CN" altLang="en-US" dirty="0"/>
+                  <a:endParaRPr lang="zh-CN" altLang="en-US" sz="1400" dirty="0"/>
                 </a:p>
               </p:txBody>
             </p:sp>
@@ -3433,8 +3429,8 @@
               </p:nvSpPr>
               <p:spPr>
                 <a:xfrm>
-                  <a:off x="3593327" y="5674844"/>
-                  <a:ext cx="288605" cy="276999"/>
+                  <a:off x="4851900" y="4047229"/>
+                  <a:ext cx="222304" cy="215444"/>
                 </a:xfrm>
                 <a:prstGeom prst="rect">
                   <a:avLst/>
@@ -3442,7 +3438,7 @@
                 <a:blipFill>
                   <a:blip r:embed="rId4"/>
                   <a:stretch>
-                    <a:fillRect l="-20833" t="-4444" r="-4167" b="-26667"/>
+                    <a:fillRect l="-22222" r="-5556" b="-25000"/>
                   </a:stretch>
                 </a:blipFill>
               </p:spPr>
@@ -3477,8 +3473,8 @@
               </p:nvSpPr>
               <p:spPr>
                 <a:xfrm>
-                  <a:off x="4852922" y="5676599"/>
-                  <a:ext cx="293542" cy="276999"/>
+                  <a:off x="6111495" y="4048984"/>
+                  <a:ext cx="226152" cy="215444"/>
                 </a:xfrm>
                 <a:prstGeom prst="rect">
                   <a:avLst/>
@@ -3501,14 +3497,14 @@
                         <m:sSup>
                           <m:sSupPr>
                             <m:ctrlPr>
-                              <a:rPr lang="en-US" altLang="zh-CN" i="1">
+                              <a:rPr lang="en-US" altLang="zh-CN" sz="1400" i="1">
                                 <a:latin typeface="Cambria Math" panose="02040503050406030204" pitchFamily="18" charset="0"/>
                               </a:rPr>
                             </m:ctrlPr>
                           </m:sSupPr>
                           <m:e>
                             <m:r>
-                              <a:rPr lang="en-US" altLang="zh-CN" i="1">
+                              <a:rPr lang="en-US" altLang="zh-CN" sz="1400" i="1">
                                 <a:latin typeface="Cambria Math" panose="02040503050406030204" pitchFamily="18" charset="0"/>
                               </a:rPr>
                               <m:t>𝑝</m:t>
@@ -3516,7 +3512,7 @@
                           </m:e>
                           <m:sup>
                             <m:r>
-                              <a:rPr lang="en-US" altLang="zh-CN" i="1">
+                              <a:rPr lang="en-US" altLang="zh-CN" sz="1400" i="1">
                                 <a:latin typeface="Cambria Math" panose="02040503050406030204" pitchFamily="18" charset="0"/>
                               </a:rPr>
                               <m:t>2</m:t>
@@ -3526,7 +3522,7 @@
                       </m:oMath>
                     </m:oMathPara>
                   </a14:m>
-                  <a:endParaRPr lang="zh-CN" altLang="en-US" dirty="0"/>
+                  <a:endParaRPr lang="zh-CN" altLang="en-US" sz="1400" dirty="0"/>
                 </a:p>
               </p:txBody>
             </p:sp>
@@ -3548,8 +3544,8 @@
               </p:nvSpPr>
               <p:spPr>
                 <a:xfrm>
-                  <a:off x="4852922" y="5676599"/>
-                  <a:ext cx="293542" cy="276999"/>
+                  <a:off x="6111495" y="4048984"/>
+                  <a:ext cx="226152" cy="215444"/>
                 </a:xfrm>
                 <a:prstGeom prst="rect">
                   <a:avLst/>
@@ -3557,7 +3553,7 @@
                 <a:blipFill>
                   <a:blip r:embed="rId5"/>
                   <a:stretch>
-                    <a:fillRect l="-20833" t="-4348" r="-4167" b="-23913"/>
+                    <a:fillRect l="-21622" r="-2703" b="-25714"/>
                   </a:stretch>
                 </a:blipFill>
               </p:spPr>
@@ -3592,8 +3588,8 @@
               </p:nvSpPr>
               <p:spPr>
                 <a:xfrm>
-                  <a:off x="5898712" y="5674843"/>
-                  <a:ext cx="293542" cy="276999"/>
+                  <a:off x="7157285" y="4047228"/>
+                  <a:ext cx="226152" cy="215444"/>
                 </a:xfrm>
                 <a:prstGeom prst="rect">
                   <a:avLst/>
@@ -3616,14 +3612,14 @@
                         <m:sSup>
                           <m:sSupPr>
                             <m:ctrlPr>
-                              <a:rPr lang="en-US" altLang="zh-CN" i="1">
+                              <a:rPr lang="en-US" altLang="zh-CN" sz="1400" i="1">
                                 <a:latin typeface="Cambria Math" panose="02040503050406030204" pitchFamily="18" charset="0"/>
                               </a:rPr>
                             </m:ctrlPr>
                           </m:sSupPr>
                           <m:e>
                             <m:r>
-                              <a:rPr lang="en-US" altLang="zh-CN" i="1">
+                              <a:rPr lang="en-US" altLang="zh-CN" sz="1400" i="1">
                                 <a:latin typeface="Cambria Math" panose="02040503050406030204" pitchFamily="18" charset="0"/>
                               </a:rPr>
                               <m:t>𝑝</m:t>
@@ -3631,7 +3627,7 @@
                           </m:e>
                           <m:sup>
                             <m:r>
-                              <a:rPr lang="en-US" altLang="zh-CN" i="1">
+                              <a:rPr lang="en-US" altLang="zh-CN" sz="1400" i="1">
                                 <a:latin typeface="Cambria Math" panose="02040503050406030204" pitchFamily="18" charset="0"/>
                               </a:rPr>
                               <m:t>3</m:t>
@@ -3641,7 +3637,7 @@
                       </m:oMath>
                     </m:oMathPara>
                   </a14:m>
-                  <a:endParaRPr lang="zh-CN" altLang="en-US" dirty="0"/>
+                  <a:endParaRPr lang="zh-CN" altLang="en-US" sz="1400" dirty="0"/>
                 </a:p>
               </p:txBody>
             </p:sp>
@@ -3663,8 +3659,8 @@
               </p:nvSpPr>
               <p:spPr>
                 <a:xfrm>
-                  <a:off x="5898712" y="5674843"/>
-                  <a:ext cx="293542" cy="276999"/>
+                  <a:off x="7157285" y="4047228"/>
+                  <a:ext cx="226152" cy="215444"/>
                 </a:xfrm>
                 <a:prstGeom prst="rect">
                   <a:avLst/>
@@ -3672,7 +3668,7 @@
                 <a:blipFill>
                   <a:blip r:embed="rId6"/>
                   <a:stretch>
-                    <a:fillRect l="-20833" t="-4444" r="-4167" b="-26667"/>
+                    <a:fillRect l="-18919" r="-2703" b="-25000"/>
                   </a:stretch>
                 </a:blipFill>
               </p:spPr>
@@ -3705,7 +3701,7 @@
           </p:nvSpPr>
           <p:spPr>
             <a:xfrm rot="16200000">
-              <a:off x="2320901" y="5018058"/>
+              <a:off x="3548215" y="3421703"/>
               <a:ext cx="1026243" cy="338554"/>
             </a:xfrm>
             <a:prstGeom prst="rect">
@@ -3720,28 +3716,24 @@
             <a:lstStyle/>
             <a:p>
               <a:r>
-                <a:rPr lang="en-US" altLang="zh-CN" sz="1600" b="1" dirty="0">
-                  <a:latin typeface="Times New Roman" panose="02020603050405020304" pitchFamily="18" charset="0"/>
+                <a:rPr lang="en-US" altLang="zh-CN" sz="1600" dirty="0">
                   <a:cs typeface="Times New Roman" panose="02020603050405020304" pitchFamily="18" charset="0"/>
                 </a:rPr>
                 <a:t>a [mm/s</a:t>
               </a:r>
               <a:r>
-                <a:rPr lang="en-US" altLang="zh-CN" sz="1600" b="1" baseline="30000" dirty="0">
-                  <a:latin typeface="Times New Roman" panose="02020603050405020304" pitchFamily="18" charset="0"/>
+                <a:rPr lang="en-US" altLang="zh-CN" sz="1600" baseline="30000" dirty="0">
                   <a:cs typeface="Times New Roman" panose="02020603050405020304" pitchFamily="18" charset="0"/>
                 </a:rPr>
                 <a:t>2</a:t>
               </a:r>
               <a:r>
-                <a:rPr lang="en-US" altLang="zh-CN" sz="1600" b="1" dirty="0">
-                  <a:latin typeface="Times New Roman" panose="02020603050405020304" pitchFamily="18" charset="0"/>
+                <a:rPr lang="en-US" altLang="zh-CN" sz="1600" dirty="0">
                   <a:cs typeface="Times New Roman" panose="02020603050405020304" pitchFamily="18" charset="0"/>
                 </a:rPr>
                 <a:t>]</a:t>
               </a:r>
-              <a:endParaRPr lang="zh-CN" altLang="en-US" sz="1600" b="1" dirty="0">
-                <a:latin typeface="Times New Roman" panose="02020603050405020304" pitchFamily="18" charset="0"/>
+              <a:endParaRPr lang="zh-CN" altLang="en-US" sz="1600" dirty="0">
                 <a:cs typeface="Times New Roman" panose="02020603050405020304" pitchFamily="18" charset="0"/>
               </a:endParaRPr>
             </a:p>
@@ -3761,7 +3753,7 @@
           </p:nvSpPr>
           <p:spPr>
             <a:xfrm rot="16200000">
-              <a:off x="2355367" y="3720480"/>
+              <a:off x="3582681" y="2124125"/>
               <a:ext cx="957313" cy="338554"/>
             </a:xfrm>
             <a:prstGeom prst="rect">
@@ -3776,14 +3768,12 @@
             <a:lstStyle/>
             <a:p>
               <a:r>
-                <a:rPr lang="en-US" altLang="zh-CN" sz="1600" b="1" dirty="0">
-                  <a:latin typeface="Times New Roman" panose="02020603050405020304" pitchFamily="18" charset="0"/>
+                <a:rPr lang="en-US" altLang="zh-CN" sz="1600" dirty="0">
                   <a:cs typeface="Times New Roman" panose="02020603050405020304" pitchFamily="18" charset="0"/>
                 </a:rPr>
                 <a:t>v [mm/s]</a:t>
               </a:r>
-              <a:endParaRPr lang="zh-CN" altLang="en-US" sz="1600" b="1" dirty="0">
-                <a:latin typeface="Times New Roman" panose="02020603050405020304" pitchFamily="18" charset="0"/>
+              <a:endParaRPr lang="zh-CN" altLang="en-US" sz="1600" dirty="0">
                 <a:cs typeface="Times New Roman" panose="02020603050405020304" pitchFamily="18" charset="0"/>
               </a:endParaRPr>
             </a:p>
@@ -3803,8 +3793,8 @@
           </p:nvSpPr>
           <p:spPr>
             <a:xfrm rot="16200000">
-              <a:off x="2419536" y="2329930"/>
-              <a:ext cx="830677" cy="338554"/>
+              <a:off x="3663682" y="733575"/>
+              <a:ext cx="797013" cy="338554"/>
             </a:xfrm>
             <a:prstGeom prst="rect">
               <a:avLst/>
@@ -3818,14 +3808,12 @@
             <a:lstStyle/>
             <a:p>
               <a:r>
-                <a:rPr lang="en-US" altLang="zh-CN" sz="1600" b="1" dirty="0">
-                  <a:latin typeface="Times New Roman" panose="02020603050405020304" pitchFamily="18" charset="0"/>
+                <a:rPr lang="en-US" altLang="zh-CN" sz="1600" dirty="0">
                   <a:cs typeface="Times New Roman" panose="02020603050405020304" pitchFamily="18" charset="0"/>
                 </a:rPr>
                 <a:t>p [mm]</a:t>
               </a:r>
-              <a:endParaRPr lang="zh-CN" altLang="en-US" sz="1600" b="1" dirty="0">
-                <a:latin typeface="Times New Roman" panose="02020603050405020304" pitchFamily="18" charset="0"/>
+              <a:endParaRPr lang="zh-CN" altLang="en-US" sz="1600" dirty="0">
                 <a:cs typeface="Times New Roman" panose="02020603050405020304" pitchFamily="18" charset="0"/>
               </a:endParaRPr>
             </a:p>
@@ -3845,7 +3833,7 @@
           </p:nvSpPr>
           <p:spPr>
             <a:xfrm>
-              <a:off x="4160730" y="5951842"/>
+              <a:off x="5555545" y="4185239"/>
               <a:ext cx="522900" cy="338554"/>
             </a:xfrm>
             <a:prstGeom prst="rect">
@@ -3860,14 +3848,12 @@
             <a:lstStyle/>
             <a:p>
               <a:r>
-                <a:rPr lang="en-US" altLang="zh-CN" sz="1600" b="1" dirty="0">
-                  <a:latin typeface="Times New Roman" panose="02020603050405020304" pitchFamily="18" charset="0"/>
+                <a:rPr lang="en-US" altLang="zh-CN" sz="1600" dirty="0">
                   <a:cs typeface="Times New Roman" panose="02020603050405020304" pitchFamily="18" charset="0"/>
                 </a:rPr>
                 <a:t>t [s]</a:t>
               </a:r>
-              <a:endParaRPr lang="zh-CN" altLang="en-US" sz="1600" b="1" dirty="0">
-                <a:latin typeface="Times New Roman" panose="02020603050405020304" pitchFamily="18" charset="0"/>
+              <a:endParaRPr lang="zh-CN" altLang="en-US" sz="1600" dirty="0">
                 <a:cs typeface="Times New Roman" panose="02020603050405020304" pitchFamily="18" charset="0"/>
               </a:endParaRPr>
             </a:p>
@@ -3876,10 +3862,10 @@
       </p:grpSp>
       <p:grpSp>
         <p:nvGrpSpPr>
-          <p:cNvPr id="167" name="组合 166">
+          <p:cNvPr id="9" name="组合 8">
             <a:extLst>
               <a:ext uri="{FF2B5EF4-FFF2-40B4-BE49-F238E27FC236}">
-                <a16:creationId xmlns:a16="http://schemas.microsoft.com/office/drawing/2014/main" id="{9D86F625-14F4-9078-F746-0376669580E2}"/>
+                <a16:creationId xmlns:a16="http://schemas.microsoft.com/office/drawing/2014/main" id="{65C0AAC9-ED22-1C45-E506-888F68E69BD1}"/>
               </a:ext>
             </a:extLst>
           </p:cNvPr>
@@ -3888,10 +3874,10 @@
         </p:nvGrpSpPr>
         <p:grpSpPr>
           <a:xfrm>
-            <a:off x="-7337" y="-1120"/>
-            <a:ext cx="3931903" cy="4712820"/>
-            <a:chOff x="6479136" y="1577576"/>
-            <a:chExt cx="3931903" cy="4712820"/>
+            <a:off x="39258" y="6565"/>
+            <a:ext cx="3856455" cy="4496179"/>
+            <a:chOff x="39258" y="29050"/>
+            <a:chExt cx="3856455" cy="4496179"/>
           </a:xfrm>
         </p:grpSpPr>
         <p:pic>
@@ -3915,7 +3901,7 @@
           </p:blipFill>
           <p:spPr>
             <a:xfrm>
-              <a:off x="6864527" y="1937492"/>
+              <a:off x="378055" y="348632"/>
               <a:ext cx="3104071" cy="3752794"/>
             </a:xfrm>
             <a:prstGeom prst="rect">
@@ -3939,7 +3925,7 @@
           </p:nvCxnSpPr>
           <p:spPr>
             <a:xfrm>
-              <a:off x="7542232" y="2021312"/>
+              <a:off x="1055759" y="432452"/>
               <a:ext cx="26428" cy="3567776"/>
             </a:xfrm>
             <a:prstGeom prst="line">
@@ -3980,7 +3966,7 @@
           </p:nvCxnSpPr>
           <p:spPr>
             <a:xfrm>
-              <a:off x="8813185" y="2021947"/>
+              <a:off x="2326712" y="433088"/>
               <a:ext cx="17518" cy="3567141"/>
             </a:xfrm>
             <a:prstGeom prst="line">
@@ -4019,7 +4005,7 @@
           </p:nvSpPr>
           <p:spPr>
             <a:xfrm rot="16200000">
-              <a:off x="6181886" y="5018058"/>
+              <a:off x="-304587" y="3429198"/>
               <a:ext cx="1026243" cy="338554"/>
             </a:xfrm>
             <a:prstGeom prst="rect">
@@ -4034,28 +4020,24 @@
             <a:lstStyle/>
             <a:p>
               <a:r>
-                <a:rPr lang="en-US" altLang="zh-CN" sz="1600" b="1" dirty="0">
-                  <a:latin typeface="Times New Roman" panose="02020603050405020304" pitchFamily="18" charset="0"/>
+                <a:rPr lang="en-US" altLang="zh-CN" sz="1600" dirty="0">
                   <a:cs typeface="Times New Roman" panose="02020603050405020304" pitchFamily="18" charset="0"/>
                 </a:rPr>
                 <a:t>a [mm/s</a:t>
               </a:r>
               <a:r>
-                <a:rPr lang="en-US" altLang="zh-CN" sz="1600" b="1" baseline="30000" dirty="0">
-                  <a:latin typeface="Times New Roman" panose="02020603050405020304" pitchFamily="18" charset="0"/>
+                <a:rPr lang="en-US" altLang="zh-CN" sz="1600" baseline="30000" dirty="0">
                   <a:cs typeface="Times New Roman" panose="02020603050405020304" pitchFamily="18" charset="0"/>
                 </a:rPr>
                 <a:t>2</a:t>
               </a:r>
               <a:r>
-                <a:rPr lang="en-US" altLang="zh-CN" sz="1600" b="1" dirty="0">
-                  <a:latin typeface="Times New Roman" panose="02020603050405020304" pitchFamily="18" charset="0"/>
+                <a:rPr lang="en-US" altLang="zh-CN" sz="1600" dirty="0">
                   <a:cs typeface="Times New Roman" panose="02020603050405020304" pitchFamily="18" charset="0"/>
                 </a:rPr>
                 <a:t>]</a:t>
               </a:r>
-              <a:endParaRPr lang="zh-CN" altLang="en-US" sz="1600" b="1" dirty="0">
-                <a:latin typeface="Times New Roman" panose="02020603050405020304" pitchFamily="18" charset="0"/>
+              <a:endParaRPr lang="zh-CN" altLang="en-US" sz="1600" dirty="0">
                 <a:cs typeface="Times New Roman" panose="02020603050405020304" pitchFamily="18" charset="0"/>
               </a:endParaRPr>
             </a:p>
@@ -4075,7 +4057,7 @@
           </p:nvSpPr>
           <p:spPr>
             <a:xfrm rot="16200000">
-              <a:off x="6216352" y="3720480"/>
+              <a:off x="-270121" y="2131620"/>
               <a:ext cx="957313" cy="338554"/>
             </a:xfrm>
             <a:prstGeom prst="rect">
@@ -4090,14 +4072,12 @@
             <a:lstStyle/>
             <a:p>
               <a:r>
-                <a:rPr lang="en-US" altLang="zh-CN" sz="1600" b="1" dirty="0">
-                  <a:latin typeface="Times New Roman" panose="02020603050405020304" pitchFamily="18" charset="0"/>
+                <a:rPr lang="en-US" altLang="zh-CN" sz="1600" dirty="0">
                   <a:cs typeface="Times New Roman" panose="02020603050405020304" pitchFamily="18" charset="0"/>
                 </a:rPr>
                 <a:t>v [mm/s]</a:t>
               </a:r>
-              <a:endParaRPr lang="zh-CN" altLang="en-US" sz="1600" b="1" dirty="0">
-                <a:latin typeface="Times New Roman" panose="02020603050405020304" pitchFamily="18" charset="0"/>
+              <a:endParaRPr lang="zh-CN" altLang="en-US" sz="1600" dirty="0">
                 <a:cs typeface="Times New Roman" panose="02020603050405020304" pitchFamily="18" charset="0"/>
               </a:endParaRPr>
             </a:p>
@@ -4117,8 +4097,8 @@
           </p:nvSpPr>
           <p:spPr>
             <a:xfrm rot="16200000">
-              <a:off x="6280521" y="2329930"/>
-              <a:ext cx="830677" cy="338554"/>
+              <a:off x="-189120" y="741071"/>
+              <a:ext cx="797013" cy="338554"/>
             </a:xfrm>
             <a:prstGeom prst="rect">
               <a:avLst/>
@@ -4132,14 +4112,12 @@
             <a:lstStyle/>
             <a:p>
               <a:r>
-                <a:rPr lang="en-US" altLang="zh-CN" sz="1600" b="1" dirty="0">
-                  <a:latin typeface="Times New Roman" panose="02020603050405020304" pitchFamily="18" charset="0"/>
+                <a:rPr lang="en-US" altLang="zh-CN" sz="1600" dirty="0">
                   <a:cs typeface="Times New Roman" panose="02020603050405020304" pitchFamily="18" charset="0"/>
                 </a:rPr>
                 <a:t>p [mm]</a:t>
               </a:r>
-              <a:endParaRPr lang="zh-CN" altLang="en-US" sz="1600" b="1" dirty="0">
-                <a:latin typeface="Times New Roman" panose="02020603050405020304" pitchFamily="18" charset="0"/>
+              <a:endParaRPr lang="zh-CN" altLang="en-US" sz="1600" dirty="0">
                 <a:cs typeface="Times New Roman" panose="02020603050405020304" pitchFamily="18" charset="0"/>
               </a:endParaRPr>
             </a:p>
@@ -4159,8 +4137,8 @@
           </p:nvSpPr>
           <p:spPr>
             <a:xfrm>
-              <a:off x="6936739" y="1577576"/>
-              <a:ext cx="2929007" cy="369332"/>
+              <a:off x="773145" y="29050"/>
+              <a:ext cx="2566665" cy="338554"/>
             </a:xfrm>
             <a:prstGeom prst="rect">
               <a:avLst/>
@@ -4177,14 +4155,12 @@
             <a:lstStyle/>
             <a:p>
               <a:r>
-                <a:rPr lang="en-US" altLang="zh-CN" b="1" dirty="0">
-                  <a:latin typeface="Times New Roman" panose="02020603050405020304" pitchFamily="18" charset="0"/>
+                <a:rPr lang="en-US" altLang="zh-CN" sz="1600" dirty="0">
                   <a:cs typeface="Times New Roman" panose="02020603050405020304" pitchFamily="18" charset="0"/>
                 </a:rPr>
-                <a:t>Constant acceleration mode</a:t>
+                <a:t>Constant-acceleration model</a:t>
               </a:r>
-              <a:endParaRPr lang="zh-CN" altLang="en-US" b="1" dirty="0">
-                <a:latin typeface="Times New Roman" panose="02020603050405020304" pitchFamily="18" charset="0"/>
+              <a:endParaRPr lang="zh-CN" altLang="en-US" sz="1600" dirty="0">
                 <a:cs typeface="Times New Roman" panose="02020603050405020304" pitchFamily="18" charset="0"/>
               </a:endParaRPr>
             </a:p>
@@ -4204,8 +4180,8 @@
           </p:nvSpPr>
           <p:spPr>
             <a:xfrm>
-              <a:off x="6479136" y="1577576"/>
-              <a:ext cx="402674" cy="369332"/>
+              <a:off x="332734" y="29050"/>
+              <a:ext cx="402674" cy="338554"/>
             </a:xfrm>
             <a:prstGeom prst="rect">
               <a:avLst/>
@@ -4313,14 +4289,12 @@
             </a:lstStyle>
             <a:p>
               <a:r>
-                <a:rPr lang="en-US" altLang="zh-CN" b="1" dirty="0">
-                  <a:latin typeface="Times New Roman" panose="02020603050405020304" pitchFamily="18" charset="0"/>
+                <a:rPr lang="en-US" altLang="zh-CN" sz="1600" b="1" dirty="0">
                   <a:cs typeface="Times New Roman" panose="02020603050405020304" pitchFamily="18" charset="0"/>
                 </a:rPr>
                 <a:t>(a)</a:t>
               </a:r>
-              <a:endParaRPr lang="zh-CN" altLang="en-US" b="1" dirty="0">
-                <a:latin typeface="Times New Roman" panose="02020603050405020304" pitchFamily="18" charset="0"/>
+              <a:endParaRPr lang="zh-CN" altLang="en-US" sz="1600" b="1" dirty="0">
                 <a:cs typeface="Times New Roman" panose="02020603050405020304" pitchFamily="18" charset="0"/>
               </a:endParaRPr>
             </a:p>
@@ -4340,8 +4314,8 @@
           </p:nvSpPr>
           <p:spPr>
             <a:xfrm>
-              <a:off x="9854476" y="3655347"/>
-              <a:ext cx="556563" cy="307777"/>
+              <a:off x="3368004" y="2066488"/>
+              <a:ext cx="527709" cy="307777"/>
             </a:xfrm>
             <a:prstGeom prst="rect">
               <a:avLst/>
@@ -4356,13 +4330,11 @@
             <a:p>
               <a:r>
                 <a:rPr lang="en-US" altLang="zh-CN" sz="1400" dirty="0">
-                  <a:latin typeface="Times New Roman" panose="02020603050405020304" pitchFamily="18" charset="0"/>
                   <a:cs typeface="Times New Roman" panose="02020603050405020304" pitchFamily="18" charset="0"/>
                 </a:rPr>
                 <a:t>v = 0</a:t>
               </a:r>
               <a:endParaRPr lang="zh-CN" altLang="en-US" sz="1400" dirty="0">
-                <a:latin typeface="Times New Roman" panose="02020603050405020304" pitchFamily="18" charset="0"/>
                 <a:cs typeface="Times New Roman" panose="02020603050405020304" pitchFamily="18" charset="0"/>
               </a:endParaRPr>
             </a:p>
@@ -4384,8 +4356,8 @@
               </p:nvSpPr>
               <p:spPr>
                 <a:xfrm>
-                  <a:off x="6845820" y="5674845"/>
-                  <a:ext cx="293542" cy="276999"/>
+                  <a:off x="359347" y="4054725"/>
+                  <a:ext cx="226152" cy="215444"/>
                 </a:xfrm>
                 <a:prstGeom prst="rect">
                   <a:avLst/>
@@ -4408,14 +4380,14 @@
                         <m:sSup>
                           <m:sSupPr>
                             <m:ctrlPr>
-                              <a:rPr lang="en-US" altLang="zh-CN" i="1">
+                              <a:rPr lang="en-US" altLang="zh-CN" sz="1400" i="1">
                                 <a:latin typeface="Cambria Math" panose="02040503050406030204" pitchFamily="18" charset="0"/>
                               </a:rPr>
                             </m:ctrlPr>
                           </m:sSupPr>
                           <m:e>
                             <m:r>
-                              <a:rPr lang="en-US" altLang="zh-CN" i="1">
+                              <a:rPr lang="en-US" altLang="zh-CN" sz="1400" i="1">
                                 <a:latin typeface="Cambria Math" panose="02040503050406030204" pitchFamily="18" charset="0"/>
                               </a:rPr>
                               <m:t>𝑝</m:t>
@@ -4423,7 +4395,7 @@
                           </m:e>
                           <m:sup>
                             <m:r>
-                              <a:rPr lang="en-US" altLang="zh-CN" i="1">
+                              <a:rPr lang="en-US" altLang="zh-CN" sz="1400" i="1">
                                 <a:latin typeface="Cambria Math" panose="02040503050406030204" pitchFamily="18" charset="0"/>
                               </a:rPr>
                               <m:t>0</m:t>
@@ -4433,7 +4405,7 @@
                       </m:oMath>
                     </m:oMathPara>
                   </a14:m>
-                  <a:endParaRPr lang="zh-CN" altLang="en-US" dirty="0"/>
+                  <a:endParaRPr lang="zh-CN" altLang="en-US" sz="1400" dirty="0"/>
                 </a:p>
               </p:txBody>
             </p:sp>
@@ -4455,8 +4427,8 @@
               </p:nvSpPr>
               <p:spPr>
                 <a:xfrm>
-                  <a:off x="6845820" y="5674845"/>
-                  <a:ext cx="293542" cy="276999"/>
+                  <a:off x="359347" y="4054725"/>
+                  <a:ext cx="226152" cy="215444"/>
                 </a:xfrm>
                 <a:prstGeom prst="rect">
                   <a:avLst/>
@@ -4464,7 +4436,7 @@
                 <a:blipFill>
                   <a:blip r:embed="rId8"/>
                   <a:stretch>
-                    <a:fillRect l="-20833" t="-4444" r="-4167" b="-26667"/>
+                    <a:fillRect l="-21622" r="-2703" b="-25000"/>
                   </a:stretch>
                 </a:blipFill>
               </p:spPr>
@@ -4499,8 +4471,8 @@
               </p:nvSpPr>
               <p:spPr>
                 <a:xfrm>
-                  <a:off x="7415908" y="5674844"/>
-                  <a:ext cx="288605" cy="276999"/>
+                  <a:off x="960695" y="4054724"/>
+                  <a:ext cx="222304" cy="215444"/>
                 </a:xfrm>
                 <a:prstGeom prst="rect">
                   <a:avLst/>
@@ -4523,14 +4495,14 @@
                         <m:sSup>
                           <m:sSupPr>
                             <m:ctrlPr>
-                              <a:rPr lang="en-US" altLang="zh-CN" i="1">
+                              <a:rPr lang="en-US" altLang="zh-CN" sz="1400" i="1">
                                 <a:latin typeface="Cambria Math" panose="02040503050406030204" pitchFamily="18" charset="0"/>
                               </a:rPr>
                             </m:ctrlPr>
                           </m:sSupPr>
                           <m:e>
                             <m:r>
-                              <a:rPr lang="en-US" altLang="zh-CN" i="1">
+                              <a:rPr lang="en-US" altLang="zh-CN" sz="1400" i="1">
                                 <a:latin typeface="Cambria Math" panose="02040503050406030204" pitchFamily="18" charset="0"/>
                               </a:rPr>
                               <m:t>𝑝</m:t>
@@ -4538,7 +4510,7 @@
                           </m:e>
                           <m:sup>
                             <m:r>
-                              <a:rPr lang="en-US" altLang="zh-CN" i="1">
+                              <a:rPr lang="en-US" altLang="zh-CN" sz="1400" i="1">
                                 <a:latin typeface="Cambria Math" panose="02040503050406030204" pitchFamily="18" charset="0"/>
                               </a:rPr>
                               <m:t>1</m:t>
@@ -4548,7 +4520,7 @@
                       </m:oMath>
                     </m:oMathPara>
                   </a14:m>
-                  <a:endParaRPr lang="zh-CN" altLang="en-US" dirty="0"/>
+                  <a:endParaRPr lang="zh-CN" altLang="en-US" sz="1400" dirty="0"/>
                 </a:p>
               </p:txBody>
             </p:sp>
@@ -4570,16 +4542,16 @@
               </p:nvSpPr>
               <p:spPr>
                 <a:xfrm>
-                  <a:off x="7415908" y="5674844"/>
-                  <a:ext cx="288605" cy="276999"/>
+                  <a:off x="960695" y="4054724"/>
+                  <a:ext cx="222304" cy="215444"/>
                 </a:xfrm>
                 <a:prstGeom prst="rect">
                   <a:avLst/>
                 </a:prstGeom>
                 <a:blipFill>
-                  <a:blip r:embed="rId9"/>
+                  <a:blip r:embed="rId4"/>
                   <a:stretch>
-                    <a:fillRect l="-21277" t="-4444" r="-6383" b="-26667"/>
+                    <a:fillRect l="-22222" r="-5556" b="-25000"/>
                   </a:stretch>
                 </a:blipFill>
               </p:spPr>
@@ -4614,8 +4586,8 @@
               </p:nvSpPr>
               <p:spPr>
                 <a:xfrm>
-                  <a:off x="8675503" y="5676599"/>
-                  <a:ext cx="293542" cy="276999"/>
+                  <a:off x="2220290" y="4056479"/>
+                  <a:ext cx="226152" cy="215444"/>
                 </a:xfrm>
                 <a:prstGeom prst="rect">
                   <a:avLst/>
@@ -4638,14 +4610,14 @@
                         <m:sSup>
                           <m:sSupPr>
                             <m:ctrlPr>
-                              <a:rPr lang="en-US" altLang="zh-CN" i="1">
+                              <a:rPr lang="en-US" altLang="zh-CN" sz="1400" i="1">
                                 <a:latin typeface="Cambria Math" panose="02040503050406030204" pitchFamily="18" charset="0"/>
                               </a:rPr>
                             </m:ctrlPr>
                           </m:sSupPr>
                           <m:e>
                             <m:r>
-                              <a:rPr lang="en-US" altLang="zh-CN" i="1">
+                              <a:rPr lang="en-US" altLang="zh-CN" sz="1400" i="1">
                                 <a:latin typeface="Cambria Math" panose="02040503050406030204" pitchFamily="18" charset="0"/>
                               </a:rPr>
                               <m:t>𝑝</m:t>
@@ -4653,7 +4625,7 @@
                           </m:e>
                           <m:sup>
                             <m:r>
-                              <a:rPr lang="en-US" altLang="zh-CN" i="1">
+                              <a:rPr lang="en-US" altLang="zh-CN" sz="1400" i="1">
                                 <a:latin typeface="Cambria Math" panose="02040503050406030204" pitchFamily="18" charset="0"/>
                               </a:rPr>
                               <m:t>2</m:t>
@@ -4663,7 +4635,7 @@
                       </m:oMath>
                     </m:oMathPara>
                   </a14:m>
-                  <a:endParaRPr lang="zh-CN" altLang="en-US" dirty="0"/>
+                  <a:endParaRPr lang="zh-CN" altLang="en-US" sz="1400" dirty="0"/>
                 </a:p>
               </p:txBody>
             </p:sp>
@@ -4685,16 +4657,16 @@
               </p:nvSpPr>
               <p:spPr>
                 <a:xfrm>
-                  <a:off x="8675503" y="5676599"/>
-                  <a:ext cx="293542" cy="276999"/>
+                  <a:off x="2220290" y="4056479"/>
+                  <a:ext cx="226152" cy="215444"/>
                 </a:xfrm>
                 <a:prstGeom prst="rect">
                   <a:avLst/>
                 </a:prstGeom>
                 <a:blipFill>
-                  <a:blip r:embed="rId10"/>
+                  <a:blip r:embed="rId9"/>
                   <a:stretch>
-                    <a:fillRect l="-20833" t="-4348" r="-4167" b="-23913"/>
+                    <a:fillRect l="-18919" r="-2703" b="-25714"/>
                   </a:stretch>
                 </a:blipFill>
               </p:spPr>
@@ -4729,8 +4701,8 @@
               </p:nvSpPr>
               <p:spPr>
                 <a:xfrm>
-                  <a:off x="9721293" y="5674843"/>
-                  <a:ext cx="293542" cy="276999"/>
+                  <a:off x="3266080" y="4054723"/>
+                  <a:ext cx="226152" cy="215444"/>
                 </a:xfrm>
                 <a:prstGeom prst="rect">
                   <a:avLst/>
@@ -4753,14 +4725,14 @@
                         <m:sSup>
                           <m:sSupPr>
                             <m:ctrlPr>
-                              <a:rPr lang="en-US" altLang="zh-CN" i="1">
+                              <a:rPr lang="en-US" altLang="zh-CN" sz="1400" i="1">
                                 <a:latin typeface="Cambria Math" panose="02040503050406030204" pitchFamily="18" charset="0"/>
                               </a:rPr>
                             </m:ctrlPr>
                           </m:sSupPr>
                           <m:e>
                             <m:r>
-                              <a:rPr lang="en-US" altLang="zh-CN" i="1">
+                              <a:rPr lang="en-US" altLang="zh-CN" sz="1400" i="1">
                                 <a:latin typeface="Cambria Math" panose="02040503050406030204" pitchFamily="18" charset="0"/>
                               </a:rPr>
                               <m:t>𝑝</m:t>
@@ -4768,7 +4740,7 @@
                           </m:e>
                           <m:sup>
                             <m:r>
-                              <a:rPr lang="en-US" altLang="zh-CN" i="1">
+                              <a:rPr lang="en-US" altLang="zh-CN" sz="1400" i="1">
                                 <a:latin typeface="Cambria Math" panose="02040503050406030204" pitchFamily="18" charset="0"/>
                               </a:rPr>
                               <m:t>3</m:t>
@@ -4778,7 +4750,7 @@
                       </m:oMath>
                     </m:oMathPara>
                   </a14:m>
-                  <a:endParaRPr lang="zh-CN" altLang="en-US" dirty="0"/>
+                  <a:endParaRPr lang="zh-CN" altLang="en-US" sz="1400" dirty="0"/>
                 </a:p>
               </p:txBody>
             </p:sp>
@@ -4800,16 +4772,16 @@
               </p:nvSpPr>
               <p:spPr>
                 <a:xfrm>
-                  <a:off x="9721293" y="5674843"/>
-                  <a:ext cx="293542" cy="276999"/>
+                  <a:off x="3266080" y="4054723"/>
+                  <a:ext cx="226152" cy="215444"/>
                 </a:xfrm>
                 <a:prstGeom prst="rect">
                   <a:avLst/>
                 </a:prstGeom>
                 <a:blipFill>
-                  <a:blip r:embed="rId11"/>
+                  <a:blip r:embed="rId10"/>
                   <a:stretch>
-                    <a:fillRect l="-20833" t="-4444" r="-6250" b="-26667"/>
+                    <a:fillRect l="-21622" r="-2703" b="-25000"/>
                   </a:stretch>
                 </a:blipFill>
               </p:spPr>
@@ -4830,10 +4802,10 @@
         </mc:AlternateContent>
         <p:cxnSp>
           <p:nvCxnSpPr>
-            <p:cNvPr id="50" name="直接连接符 49">
-              <a:extLst>
-                <a:ext uri="{FF2B5EF4-FFF2-40B4-BE49-F238E27FC236}">
-                  <a16:creationId xmlns:a16="http://schemas.microsoft.com/office/drawing/2014/main" id="{EB5882E8-2FFC-86C8-701D-4B9207248C2E}"/>
+            <p:cNvPr id="53" name="直接连接符 52">
+              <a:extLst>
+                <a:ext uri="{FF2B5EF4-FFF2-40B4-BE49-F238E27FC236}">
+                  <a16:creationId xmlns:a16="http://schemas.microsoft.com/office/drawing/2014/main" id="{6D1B6BDD-EC63-0B90-1DC4-EA6A2DEF38EA}"/>
                 </a:ext>
               </a:extLst>
             </p:cNvPr>
@@ -4844,50 +4816,7 @@
           </p:nvCxnSpPr>
           <p:spPr>
             <a:xfrm flipH="1">
-              <a:off x="9769508" y="3824472"/>
-              <a:ext cx="103422" cy="93515"/>
-            </a:xfrm>
-            <a:prstGeom prst="line">
-              <a:avLst/>
-            </a:prstGeom>
-            <a:ln>
-              <a:solidFill>
-                <a:srgbClr val="FF7979"/>
-              </a:solidFill>
-            </a:ln>
-          </p:spPr>
-          <p:style>
-            <a:lnRef idx="1">
-              <a:schemeClr val="accent1"/>
-            </a:lnRef>
-            <a:fillRef idx="0">
-              <a:schemeClr val="accent1"/>
-            </a:fillRef>
-            <a:effectRef idx="0">
-              <a:schemeClr val="accent1"/>
-            </a:effectRef>
-            <a:fontRef idx="minor">
-              <a:schemeClr val="tx1"/>
-            </a:fontRef>
-          </p:style>
-        </p:cxnSp>
-        <p:cxnSp>
-          <p:nvCxnSpPr>
-            <p:cNvPr id="53" name="直接连接符 52">
-              <a:extLst>
-                <a:ext uri="{FF2B5EF4-FFF2-40B4-BE49-F238E27FC236}">
-                  <a16:creationId xmlns:a16="http://schemas.microsoft.com/office/drawing/2014/main" id="{6D1B6BDD-EC63-0B90-1DC4-EA6A2DEF38EA}"/>
-                </a:ext>
-              </a:extLst>
-            </p:cNvPr>
-            <p:cNvCxnSpPr>
-              <a:cxnSpLocks/>
-            </p:cNvCxnSpPr>
-            <p:nvPr/>
-          </p:nvCxnSpPr>
-          <p:spPr>
-            <a:xfrm flipH="1">
-              <a:off x="9789319" y="3824472"/>
+              <a:off x="3293321" y="2235612"/>
               <a:ext cx="91434" cy="107730"/>
             </a:xfrm>
             <a:prstGeom prst="line">
@@ -4930,7 +4859,7 @@
           </p:nvCxnSpPr>
           <p:spPr>
             <a:xfrm flipH="1">
-              <a:off x="9721190" y="3817496"/>
+              <a:off x="3234718" y="2228637"/>
               <a:ext cx="86985" cy="100491"/>
             </a:xfrm>
             <a:prstGeom prst="line">
@@ -4973,7 +4902,7 @@
           </p:nvCxnSpPr>
           <p:spPr>
             <a:xfrm flipH="1">
-              <a:off x="9651314" y="3824472"/>
+              <a:off x="3164842" y="2235613"/>
               <a:ext cx="73925" cy="93515"/>
             </a:xfrm>
             <a:prstGeom prst="line">
@@ -5016,7 +4945,7 @@
           </p:nvCxnSpPr>
           <p:spPr>
             <a:xfrm flipH="1">
-              <a:off x="9585487" y="3817496"/>
+              <a:off x="3099015" y="2228636"/>
               <a:ext cx="75893" cy="81284"/>
             </a:xfrm>
             <a:prstGeom prst="line">
@@ -5059,7 +4988,7 @@
           </p:nvCxnSpPr>
           <p:spPr>
             <a:xfrm flipH="1">
-              <a:off x="9538332" y="3824472"/>
+              <a:off x="3051860" y="2235613"/>
               <a:ext cx="36961" cy="53865"/>
             </a:xfrm>
             <a:prstGeom prst="line">
@@ -5102,7 +5031,7 @@
           </p:nvCxnSpPr>
           <p:spPr>
             <a:xfrm flipH="1">
-              <a:off x="9469602" y="3818573"/>
+              <a:off x="2983130" y="2229714"/>
               <a:ext cx="34453" cy="34525"/>
             </a:xfrm>
             <a:prstGeom prst="line">
@@ -5145,7 +5074,7 @@
           </p:nvCxnSpPr>
           <p:spPr>
             <a:xfrm flipH="1">
-              <a:off x="8822454" y="3634960"/>
+              <a:off x="2335982" y="2046101"/>
               <a:ext cx="176801" cy="166103"/>
             </a:xfrm>
             <a:prstGeom prst="line">
@@ -5183,8 +5112,8 @@
           </p:nvCxnSpPr>
           <p:spPr>
             <a:xfrm flipH="1">
-              <a:off x="8736772" y="3602996"/>
-              <a:ext cx="213263" cy="198067"/>
+              <a:off x="2222756" y="2014136"/>
+              <a:ext cx="240807" cy="221476"/>
             </a:xfrm>
             <a:prstGeom prst="line">
               <a:avLst/>
@@ -5221,7 +5150,7 @@
           </p:nvCxnSpPr>
           <p:spPr>
             <a:xfrm flipH="1">
-              <a:off x="8897718" y="3668365"/>
+              <a:off x="2411246" y="2079506"/>
               <a:ext cx="160599" cy="148953"/>
             </a:xfrm>
             <a:prstGeom prst="line">
@@ -5259,46 +5188,8 @@
           </p:nvCxnSpPr>
           <p:spPr>
             <a:xfrm flipH="1">
-              <a:off x="9233363" y="3778492"/>
+              <a:off x="2727838" y="2184870"/>
               <a:ext cx="40624" cy="45143"/>
-            </a:xfrm>
-            <a:prstGeom prst="line">
-              <a:avLst/>
-            </a:prstGeom>
-          </p:spPr>
-          <p:style>
-            <a:lnRef idx="1">
-              <a:schemeClr val="accent1"/>
-            </a:lnRef>
-            <a:fillRef idx="0">
-              <a:schemeClr val="accent1"/>
-            </a:fillRef>
-            <a:effectRef idx="0">
-              <a:schemeClr val="accent1"/>
-            </a:effectRef>
-            <a:fontRef idx="minor">
-              <a:schemeClr val="tx1"/>
-            </a:fontRef>
-          </p:style>
-        </p:cxnSp>
-        <p:cxnSp>
-          <p:nvCxnSpPr>
-            <p:cNvPr id="103" name="直接连接符 102">
-              <a:extLst>
-                <a:ext uri="{FF2B5EF4-FFF2-40B4-BE49-F238E27FC236}">
-                  <a16:creationId xmlns:a16="http://schemas.microsoft.com/office/drawing/2014/main" id="{188E9261-4B95-A2D3-E968-08A368852A40}"/>
-                </a:ext>
-              </a:extLst>
-            </p:cNvPr>
-            <p:cNvCxnSpPr>
-              <a:cxnSpLocks/>
-            </p:cNvCxnSpPr>
-            <p:nvPr/>
-          </p:nvCxnSpPr>
-          <p:spPr>
-            <a:xfrm flipH="1">
-              <a:off x="9185157" y="3753548"/>
-              <a:ext cx="58477" cy="63948"/>
             </a:xfrm>
             <a:prstGeom prst="line">
               <a:avLst/>
@@ -5335,7 +5226,7 @@
           </p:nvCxnSpPr>
           <p:spPr>
             <a:xfrm flipH="1">
-              <a:off x="9134922" y="3736552"/>
+              <a:off x="2667502" y="2147692"/>
               <a:ext cx="71429" cy="74308"/>
             </a:xfrm>
             <a:prstGeom prst="line">
@@ -5373,7 +5264,7 @@
           </p:nvCxnSpPr>
           <p:spPr>
             <a:xfrm flipH="1">
-              <a:off x="9079158" y="3712523"/>
+              <a:off x="2597448" y="2128426"/>
               <a:ext cx="87220" cy="92162"/>
             </a:xfrm>
             <a:prstGeom prst="line">
@@ -5411,7 +5302,7 @@
           </p:nvCxnSpPr>
           <p:spPr>
             <a:xfrm flipH="1">
-              <a:off x="9008187" y="3698600"/>
+              <a:off x="2521715" y="2109741"/>
               <a:ext cx="106187" cy="107703"/>
             </a:xfrm>
             <a:prstGeom prst="line">
@@ -5449,7 +5340,7 @@
           </p:nvCxnSpPr>
           <p:spPr>
             <a:xfrm flipH="1">
-              <a:off x="8621848" y="3581634"/>
+              <a:off x="2135376" y="1992774"/>
               <a:ext cx="261695" cy="227756"/>
             </a:xfrm>
             <a:prstGeom prst="line">
@@ -5487,7 +5378,7 @@
           </p:nvCxnSpPr>
           <p:spPr>
             <a:xfrm flipH="1">
-              <a:off x="8531066" y="3565522"/>
+              <a:off x="2035067" y="1976662"/>
               <a:ext cx="268998" cy="251796"/>
             </a:xfrm>
             <a:prstGeom prst="line">
@@ -5525,7 +5416,7 @@
           </p:nvCxnSpPr>
           <p:spPr>
             <a:xfrm flipH="1">
-              <a:off x="8421738" y="3552976"/>
+              <a:off x="1930503" y="1964116"/>
               <a:ext cx="292253" cy="256414"/>
             </a:xfrm>
             <a:prstGeom prst="line">
@@ -5563,7 +5454,7 @@
           </p:nvCxnSpPr>
           <p:spPr>
             <a:xfrm flipH="1">
-              <a:off x="8312361" y="3552976"/>
+              <a:off x="1816363" y="1964116"/>
               <a:ext cx="292253" cy="256414"/>
             </a:xfrm>
             <a:prstGeom prst="line">
@@ -5601,7 +5492,7 @@
           </p:nvCxnSpPr>
           <p:spPr>
             <a:xfrm flipH="1">
-              <a:off x="8206401" y="3544649"/>
+              <a:off x="1710403" y="1955789"/>
               <a:ext cx="292253" cy="256414"/>
             </a:xfrm>
             <a:prstGeom prst="line">
@@ -5639,7 +5530,7 @@
           </p:nvCxnSpPr>
           <p:spPr>
             <a:xfrm flipH="1">
-              <a:off x="8088803" y="3556940"/>
+              <a:off x="1592805" y="1968080"/>
               <a:ext cx="292253" cy="256414"/>
             </a:xfrm>
             <a:prstGeom prst="line">
@@ -5677,7 +5568,7 @@
           </p:nvCxnSpPr>
           <p:spPr>
             <a:xfrm flipH="1">
-              <a:off x="7980886" y="3552976"/>
+              <a:off x="1484888" y="1964116"/>
               <a:ext cx="292253" cy="256414"/>
             </a:xfrm>
             <a:prstGeom prst="line">
@@ -5715,7 +5606,7 @@
           </p:nvCxnSpPr>
           <p:spPr>
             <a:xfrm flipH="1">
-              <a:off x="7859503" y="3562652"/>
+              <a:off x="1363505" y="1973792"/>
               <a:ext cx="292253" cy="256414"/>
             </a:xfrm>
             <a:prstGeom prst="line">
@@ -5753,7 +5644,7 @@
           </p:nvCxnSpPr>
           <p:spPr>
             <a:xfrm flipH="1">
-              <a:off x="7755814" y="3562652"/>
+              <a:off x="1255053" y="1973792"/>
               <a:ext cx="292253" cy="256414"/>
             </a:xfrm>
             <a:prstGeom prst="line">
@@ -5791,46 +5682,8 @@
           </p:nvCxnSpPr>
           <p:spPr>
             <a:xfrm flipH="1">
-              <a:off x="7650530" y="3621923"/>
+              <a:off x="1145006" y="2033064"/>
               <a:ext cx="236173" cy="195395"/>
-            </a:xfrm>
-            <a:prstGeom prst="line">
-              <a:avLst/>
-            </a:prstGeom>
-          </p:spPr>
-          <p:style>
-            <a:lnRef idx="1">
-              <a:schemeClr val="accent1"/>
-            </a:lnRef>
-            <a:fillRef idx="0">
-              <a:schemeClr val="accent1"/>
-            </a:fillRef>
-            <a:effectRef idx="0">
-              <a:schemeClr val="accent1"/>
-            </a:effectRef>
-            <a:fontRef idx="minor">
-              <a:schemeClr val="tx1"/>
-            </a:fontRef>
-          </p:style>
-        </p:cxnSp>
-        <p:cxnSp>
-          <p:nvCxnSpPr>
-            <p:cNvPr id="141" name="直接连接符 140">
-              <a:extLst>
-                <a:ext uri="{FF2B5EF4-FFF2-40B4-BE49-F238E27FC236}">
-                  <a16:creationId xmlns:a16="http://schemas.microsoft.com/office/drawing/2014/main" id="{1AA649F7-67A7-4452-9C4B-3BBA87C10AF2}"/>
-                </a:ext>
-              </a:extLst>
-            </p:cNvPr>
-            <p:cNvCxnSpPr>
-              <a:cxnSpLocks/>
-            </p:cNvCxnSpPr>
-            <p:nvPr/>
-          </p:nvCxnSpPr>
-          <p:spPr>
-            <a:xfrm flipH="1">
-              <a:off x="7594060" y="3732838"/>
-              <a:ext cx="83616" cy="76552"/>
             </a:xfrm>
             <a:prstGeom prst="line">
               <a:avLst/>
@@ -5867,7 +5720,7 @@
           </p:nvCxnSpPr>
           <p:spPr>
             <a:xfrm flipH="1">
-              <a:off x="7441617" y="3773007"/>
+              <a:off x="955145" y="2184148"/>
               <a:ext cx="59863" cy="51465"/>
             </a:xfrm>
             <a:prstGeom prst="line">
@@ -5905,7 +5758,7 @@
           </p:nvCxnSpPr>
           <p:spPr>
             <a:xfrm flipH="1">
-              <a:off x="7376646" y="3773007"/>
+              <a:off x="890174" y="2184148"/>
               <a:ext cx="59863" cy="51465"/>
             </a:xfrm>
             <a:prstGeom prst="line">
@@ -5943,7 +5796,7 @@
           </p:nvCxnSpPr>
           <p:spPr>
             <a:xfrm flipH="1">
-              <a:off x="7317874" y="3773007"/>
+              <a:off x="831402" y="2184148"/>
               <a:ext cx="59863" cy="51465"/>
             </a:xfrm>
             <a:prstGeom prst="line">
@@ -5981,7 +5834,7 @@
           </p:nvCxnSpPr>
           <p:spPr>
             <a:xfrm flipH="1">
-              <a:off x="7260620" y="3773007"/>
+              <a:off x="774148" y="2184148"/>
               <a:ext cx="59863" cy="51465"/>
             </a:xfrm>
             <a:prstGeom prst="line">
@@ -6019,7 +5872,7 @@
           </p:nvCxnSpPr>
           <p:spPr>
             <a:xfrm flipH="1">
-              <a:off x="7209349" y="3767477"/>
+              <a:off x="722877" y="2178618"/>
               <a:ext cx="59863" cy="51465"/>
             </a:xfrm>
             <a:prstGeom prst="line">
@@ -6057,7 +5910,7 @@
           </p:nvCxnSpPr>
           <p:spPr>
             <a:xfrm flipH="1">
-              <a:off x="7140869" y="3767476"/>
+              <a:off x="654397" y="2178617"/>
               <a:ext cx="59863" cy="51465"/>
             </a:xfrm>
             <a:prstGeom prst="line">
@@ -6095,7 +5948,7 @@
           </p:nvCxnSpPr>
           <p:spPr>
             <a:xfrm flipH="1">
-              <a:off x="7073272" y="3765853"/>
+              <a:off x="586800" y="2176994"/>
               <a:ext cx="59863" cy="51465"/>
             </a:xfrm>
             <a:prstGeom prst="line">
@@ -6133,7 +5986,7 @@
           </p:nvCxnSpPr>
           <p:spPr>
             <a:xfrm flipH="1">
-              <a:off x="7012987" y="3767475"/>
+              <a:off x="526515" y="2178616"/>
               <a:ext cx="59863" cy="51465"/>
             </a:xfrm>
             <a:prstGeom prst="line">
@@ -6169,7 +6022,7 @@
           </p:nvSpPr>
           <p:spPr>
             <a:xfrm>
-              <a:off x="8846728" y="3954980"/>
+              <a:off x="2360255" y="2366121"/>
               <a:ext cx="1098378" cy="307777"/>
             </a:xfrm>
             <a:prstGeom prst="rect">
@@ -6213,7 +6066,7 @@
           </p:nvCxnSpPr>
           <p:spPr>
             <a:xfrm flipV="1">
-              <a:off x="9454490" y="3855174"/>
+              <a:off x="2968017" y="2266315"/>
               <a:ext cx="271356" cy="216681"/>
             </a:xfrm>
             <a:prstGeom prst="straightConnector1">
@@ -6256,7 +6109,7 @@
           </p:nvSpPr>
           <p:spPr>
             <a:xfrm>
-              <a:off x="7572069" y="3891186"/>
+              <a:off x="1085597" y="2302327"/>
               <a:ext cx="1027845" cy="307777"/>
             </a:xfrm>
             <a:prstGeom prst="rect">
@@ -6300,7 +6153,7 @@
           </p:nvCxnSpPr>
           <p:spPr>
             <a:xfrm flipV="1">
-              <a:off x="8033440" y="3729667"/>
+              <a:off x="1546967" y="2140808"/>
               <a:ext cx="271356" cy="216681"/>
             </a:xfrm>
             <a:prstGeom prst="straightConnector1">
@@ -6343,7 +6196,7 @@
           </p:nvSpPr>
           <p:spPr>
             <a:xfrm>
-              <a:off x="7983724" y="5951842"/>
+              <a:off x="1668639" y="4186675"/>
               <a:ext cx="522900" cy="338554"/>
             </a:xfrm>
             <a:prstGeom prst="rect">
@@ -6358,14 +6211,12 @@
             <a:lstStyle/>
             <a:p>
               <a:r>
-                <a:rPr lang="en-US" altLang="zh-CN" sz="1600" b="1" dirty="0">
-                  <a:latin typeface="Times New Roman" panose="02020603050405020304" pitchFamily="18" charset="0"/>
+                <a:rPr lang="en-US" altLang="zh-CN" sz="1600" dirty="0">
                   <a:cs typeface="Times New Roman" panose="02020603050405020304" pitchFamily="18" charset="0"/>
                 </a:rPr>
                 <a:t>t [s]</a:t>
               </a:r>
-              <a:endParaRPr lang="zh-CN" altLang="en-US" sz="1600" b="1" dirty="0">
-                <a:latin typeface="Times New Roman" panose="02020603050405020304" pitchFamily="18" charset="0"/>
+              <a:endParaRPr lang="zh-CN" altLang="en-US" sz="1600" dirty="0">
                 <a:cs typeface="Times New Roman" panose="02020603050405020304" pitchFamily="18" charset="0"/>
               </a:endParaRPr>
             </a:p>
@@ -6386,6 +6237,6820 @@
 </file>
 
 <file path=ppt/slides/slide2.xml><?xml version="1.0" encoding="utf-8"?>
+<p:sld xmlns:a="http://schemas.openxmlformats.org/drawingml/2006/main" xmlns:r="http://schemas.openxmlformats.org/officeDocument/2006/relationships" xmlns:p="http://schemas.openxmlformats.org/presentationml/2006/main">
+  <p:cSld>
+    <p:spTree>
+      <p:nvGrpSpPr>
+        <p:cNvPr id="1" name=""/>
+        <p:cNvGrpSpPr/>
+        <p:nvPr/>
+      </p:nvGrpSpPr>
+      <p:grpSpPr>
+        <a:xfrm>
+          <a:off x="0" y="0"/>
+          <a:ext cx="0" cy="0"/>
+          <a:chOff x="0" y="0"/>
+          <a:chExt cx="0" cy="0"/>
+        </a:xfrm>
+      </p:grpSpPr>
+      <p:sp>
+        <p:nvSpPr>
+          <p:cNvPr id="10" name="矩形 9">
+            <a:extLst>
+              <a:ext uri="{FF2B5EF4-FFF2-40B4-BE49-F238E27FC236}">
+                <a16:creationId xmlns:a16="http://schemas.microsoft.com/office/drawing/2014/main" id="{19D16503-CC37-E4EC-DC2D-0E49BBE111FD}"/>
+              </a:ext>
+            </a:extLst>
+          </p:cNvPr>
+          <p:cNvSpPr/>
+          <p:nvPr/>
+        </p:nvSpPr>
+        <p:spPr>
+          <a:xfrm>
+            <a:off x="0" y="2926031"/>
+            <a:ext cx="7823754" cy="1103489"/>
+          </a:xfrm>
+          <a:prstGeom prst="rect">
+            <a:avLst/>
+          </a:prstGeom>
+          <a:solidFill>
+            <a:schemeClr val="accent5">
+              <a:lumMod val="60000"/>
+              <a:lumOff val="40000"/>
+            </a:schemeClr>
+          </a:solidFill>
+        </p:spPr>
+        <p:style>
+          <a:lnRef idx="2">
+            <a:schemeClr val="accent1">
+              <a:shade val="50000"/>
+            </a:schemeClr>
+          </a:lnRef>
+          <a:fillRef idx="1">
+            <a:schemeClr val="accent1"/>
+          </a:fillRef>
+          <a:effectRef idx="0">
+            <a:schemeClr val="accent1"/>
+          </a:effectRef>
+          <a:fontRef idx="minor">
+            <a:schemeClr val="lt1"/>
+          </a:fontRef>
+        </p:style>
+        <p:txBody>
+          <a:bodyPr rtlCol="0" anchor="ctr"/>
+          <a:lstStyle/>
+          <a:p>
+            <a:pPr algn="ctr"/>
+            <a:endParaRPr lang="zh-CN" altLang="en-US"/>
+          </a:p>
+        </p:txBody>
+      </p:sp>
+      <p:sp>
+        <p:nvSpPr>
+          <p:cNvPr id="3" name="矩形 2">
+            <a:extLst>
+              <a:ext uri="{FF2B5EF4-FFF2-40B4-BE49-F238E27FC236}">
+                <a16:creationId xmlns:a16="http://schemas.microsoft.com/office/drawing/2014/main" id="{B10A1659-89E1-325A-802C-BB5C800E7F80}"/>
+              </a:ext>
+            </a:extLst>
+          </p:cNvPr>
+          <p:cNvSpPr/>
+          <p:nvPr/>
+        </p:nvSpPr>
+        <p:spPr>
+          <a:xfrm>
+            <a:off x="-8492" y="1598456"/>
+            <a:ext cx="7832245" cy="1215271"/>
+          </a:xfrm>
+          <a:prstGeom prst="rect">
+            <a:avLst/>
+          </a:prstGeom>
+          <a:solidFill>
+            <a:schemeClr val="accent5">
+              <a:lumMod val="60000"/>
+              <a:lumOff val="40000"/>
+            </a:schemeClr>
+          </a:solidFill>
+        </p:spPr>
+        <p:style>
+          <a:lnRef idx="2">
+            <a:schemeClr val="accent1">
+              <a:shade val="50000"/>
+            </a:schemeClr>
+          </a:lnRef>
+          <a:fillRef idx="1">
+            <a:schemeClr val="accent1"/>
+          </a:fillRef>
+          <a:effectRef idx="0">
+            <a:schemeClr val="accent1"/>
+          </a:effectRef>
+          <a:fontRef idx="minor">
+            <a:schemeClr val="lt1"/>
+          </a:fontRef>
+        </p:style>
+        <p:txBody>
+          <a:bodyPr rtlCol="0" anchor="ctr"/>
+          <a:lstStyle/>
+          <a:p>
+            <a:pPr algn="ctr"/>
+            <a:endParaRPr lang="zh-CN" altLang="en-US"/>
+          </a:p>
+        </p:txBody>
+      </p:sp>
+      <p:sp>
+        <p:nvSpPr>
+          <p:cNvPr id="2" name="矩形 1">
+            <a:extLst>
+              <a:ext uri="{FF2B5EF4-FFF2-40B4-BE49-F238E27FC236}">
+                <a16:creationId xmlns:a16="http://schemas.microsoft.com/office/drawing/2014/main" id="{0A6BA269-576E-9271-90D0-E5FF45987202}"/>
+              </a:ext>
+            </a:extLst>
+          </p:cNvPr>
+          <p:cNvSpPr/>
+          <p:nvPr/>
+        </p:nvSpPr>
+        <p:spPr>
+          <a:xfrm>
+            <a:off x="0" y="326147"/>
+            <a:ext cx="7832245" cy="1145210"/>
+          </a:xfrm>
+          <a:prstGeom prst="rect">
+            <a:avLst/>
+          </a:prstGeom>
+          <a:solidFill>
+            <a:schemeClr val="accent5">
+              <a:lumMod val="60000"/>
+              <a:lumOff val="40000"/>
+            </a:schemeClr>
+          </a:solidFill>
+        </p:spPr>
+        <p:style>
+          <a:lnRef idx="2">
+            <a:schemeClr val="accent1">
+              <a:shade val="50000"/>
+            </a:schemeClr>
+          </a:lnRef>
+          <a:fillRef idx="1">
+            <a:schemeClr val="accent1"/>
+          </a:fillRef>
+          <a:effectRef idx="0">
+            <a:schemeClr val="accent1"/>
+          </a:effectRef>
+          <a:fontRef idx="minor">
+            <a:schemeClr val="lt1"/>
+          </a:fontRef>
+        </p:style>
+        <p:txBody>
+          <a:bodyPr rtlCol="0" anchor="ctr"/>
+          <a:lstStyle/>
+          <a:p>
+            <a:pPr algn="ctr"/>
+            <a:endParaRPr lang="zh-CN" altLang="en-US"/>
+          </a:p>
+        </p:txBody>
+      </p:sp>
+      <p:grpSp>
+        <p:nvGrpSpPr>
+          <p:cNvPr id="5" name="组合 4">
+            <a:extLst>
+              <a:ext uri="{FF2B5EF4-FFF2-40B4-BE49-F238E27FC236}">
+                <a16:creationId xmlns:a16="http://schemas.microsoft.com/office/drawing/2014/main" id="{A6D99CB9-327E-42CA-3728-FC8234713A40}"/>
+              </a:ext>
+            </a:extLst>
+          </p:cNvPr>
+          <p:cNvGrpSpPr/>
+          <p:nvPr/>
+        </p:nvGrpSpPr>
+        <p:grpSpPr>
+          <a:xfrm>
+            <a:off x="3892060" y="-2097"/>
+            <a:ext cx="3940189" cy="4503405"/>
+            <a:chOff x="3892060" y="20388"/>
+            <a:chExt cx="3940189" cy="4503405"/>
+          </a:xfrm>
+        </p:grpSpPr>
+        <p:pic>
+          <p:nvPicPr>
+            <p:cNvPr id="34" name="图片 33">
+              <a:extLst>
+                <a:ext uri="{FF2B5EF4-FFF2-40B4-BE49-F238E27FC236}">
+                  <a16:creationId xmlns:a16="http://schemas.microsoft.com/office/drawing/2014/main" id="{9B96FE5E-F04A-664A-D3B6-31FFB86C2869}"/>
+                </a:ext>
+              </a:extLst>
+            </p:cNvPr>
+            <p:cNvPicPr>
+              <a:picLocks noChangeAspect="1"/>
+            </p:cNvPicPr>
+            <p:nvPr/>
+          </p:nvPicPr>
+          <p:blipFill rotWithShape="1">
+            <a:blip r:embed="rId2"/>
+            <a:srcRect l="10470" t="5406" r="6895" b="9173"/>
+            <a:stretch/>
+          </p:blipFill>
+          <p:spPr>
+            <a:xfrm>
+              <a:off x="4243444" y="321961"/>
+              <a:ext cx="3148394" cy="3742674"/>
+            </a:xfrm>
+            <a:prstGeom prst="rect">
+              <a:avLst/>
+            </a:prstGeom>
+          </p:spPr>
+        </p:pic>
+        <p:cxnSp>
+          <p:nvCxnSpPr>
+            <p:cNvPr id="4" name="直接连接符 3">
+              <a:extLst>
+                <a:ext uri="{FF2B5EF4-FFF2-40B4-BE49-F238E27FC236}">
+                  <a16:creationId xmlns:a16="http://schemas.microsoft.com/office/drawing/2014/main" id="{EC565A78-4ED1-FCC5-EA39-D1D368B839C3}"/>
+                </a:ext>
+              </a:extLst>
+            </p:cNvPr>
+            <p:cNvCxnSpPr>
+              <a:cxnSpLocks/>
+            </p:cNvCxnSpPr>
+            <p:nvPr/>
+          </p:nvCxnSpPr>
+          <p:spPr>
+            <a:xfrm flipH="1">
+              <a:off x="4977643" y="424957"/>
+              <a:ext cx="1" cy="3567776"/>
+            </a:xfrm>
+            <a:prstGeom prst="line">
+              <a:avLst/>
+            </a:prstGeom>
+            <a:ln>
+              <a:prstDash val="lgDash"/>
+            </a:ln>
+          </p:spPr>
+          <p:style>
+            <a:lnRef idx="1">
+              <a:schemeClr val="accent1"/>
+            </a:lnRef>
+            <a:fillRef idx="0">
+              <a:schemeClr val="accent1"/>
+            </a:fillRef>
+            <a:effectRef idx="0">
+              <a:schemeClr val="accent1"/>
+            </a:effectRef>
+            <a:fontRef idx="minor">
+              <a:schemeClr val="tx1"/>
+            </a:fontRef>
+          </p:style>
+        </p:cxnSp>
+        <p:cxnSp>
+          <p:nvCxnSpPr>
+            <p:cNvPr id="6" name="直接连接符 5">
+              <a:extLst>
+                <a:ext uri="{FF2B5EF4-FFF2-40B4-BE49-F238E27FC236}">
+                  <a16:creationId xmlns:a16="http://schemas.microsoft.com/office/drawing/2014/main" id="{039509C6-E277-78C6-259C-6B4CBDBC74CF}"/>
+                </a:ext>
+              </a:extLst>
+            </p:cNvPr>
+            <p:cNvCxnSpPr>
+              <a:cxnSpLocks/>
+            </p:cNvCxnSpPr>
+            <p:nvPr/>
+          </p:nvCxnSpPr>
+          <p:spPr>
+            <a:xfrm>
+              <a:off x="6239706" y="424957"/>
+              <a:ext cx="0" cy="3567776"/>
+            </a:xfrm>
+            <a:prstGeom prst="line">
+              <a:avLst/>
+            </a:prstGeom>
+            <a:ln>
+              <a:prstDash val="lgDash"/>
+            </a:ln>
+          </p:spPr>
+          <p:style>
+            <a:lnRef idx="1">
+              <a:schemeClr val="accent1"/>
+            </a:lnRef>
+            <a:fillRef idx="0">
+              <a:schemeClr val="accent1"/>
+            </a:fillRef>
+            <a:effectRef idx="0">
+              <a:schemeClr val="accent1"/>
+            </a:effectRef>
+            <a:fontRef idx="minor">
+              <a:schemeClr val="tx1"/>
+            </a:fontRef>
+          </p:style>
+        </p:cxnSp>
+        <p:sp>
+          <p:nvSpPr>
+            <p:cNvPr id="29" name="文本框 9">
+              <a:extLst>
+                <a:ext uri="{FF2B5EF4-FFF2-40B4-BE49-F238E27FC236}">
+                  <a16:creationId xmlns:a16="http://schemas.microsoft.com/office/drawing/2014/main" id="{D8282914-EA22-9580-8907-2293E7676346}"/>
+                </a:ext>
+              </a:extLst>
+            </p:cNvPr>
+            <p:cNvSpPr txBox="1"/>
+            <p:nvPr/>
+          </p:nvSpPr>
+          <p:spPr>
+            <a:xfrm>
+              <a:off x="5380908" y="20388"/>
+              <a:ext cx="1034835" cy="338554"/>
+            </a:xfrm>
+            <a:prstGeom prst="rect">
+              <a:avLst/>
+            </a:prstGeom>
+            <a:noFill/>
+          </p:spPr>
+          <p:txBody>
+            <a:bodyPr wrap="none" rtlCol="0">
+              <a:spAutoFit/>
+            </a:bodyPr>
+            <a:lstStyle/>
+            <a:p>
+              <a:r>
+                <a:rPr lang="en-US" altLang="zh-CN" sz="1600" dirty="0">
+                  <a:cs typeface="Times New Roman" panose="02020603050405020304" pitchFamily="18" charset="0"/>
+                </a:rPr>
+                <a:t>PVT mode</a:t>
+              </a:r>
+              <a:endParaRPr lang="zh-CN" altLang="en-US" sz="1600" dirty="0">
+                <a:cs typeface="Times New Roman" panose="02020603050405020304" pitchFamily="18" charset="0"/>
+              </a:endParaRPr>
+            </a:p>
+          </p:txBody>
+        </p:sp>
+        <p:sp>
+          <p:nvSpPr>
+            <p:cNvPr id="31" name="文本框 9">
+              <a:extLst>
+                <a:ext uri="{FF2B5EF4-FFF2-40B4-BE49-F238E27FC236}">
+                  <a16:creationId xmlns:a16="http://schemas.microsoft.com/office/drawing/2014/main" id="{1E754B2C-0832-A0B2-39A3-8BA0AFDCDC48}"/>
+                </a:ext>
+              </a:extLst>
+            </p:cNvPr>
+            <p:cNvSpPr txBox="1"/>
+            <p:nvPr/>
+          </p:nvSpPr>
+          <p:spPr>
+            <a:xfrm>
+              <a:off x="4255567" y="20388"/>
+              <a:ext cx="393056" cy="338554"/>
+            </a:xfrm>
+            <a:prstGeom prst="rect">
+              <a:avLst/>
+            </a:prstGeom>
+            <a:noFill/>
+          </p:spPr>
+          <p:txBody>
+            <a:bodyPr wrap="square" rtlCol="0">
+              <a:spAutoFit/>
+            </a:bodyPr>
+            <a:lstStyle/>
+            <a:p>
+              <a:r>
+                <a:rPr lang="en-US" altLang="zh-CN" sz="1600" b="1" dirty="0">
+                  <a:cs typeface="Times New Roman" panose="02020603050405020304" pitchFamily="18" charset="0"/>
+                </a:rPr>
+                <a:t>(b)</a:t>
+              </a:r>
+              <a:endParaRPr lang="zh-CN" altLang="en-US" sz="1600" b="1" dirty="0">
+                <a:cs typeface="Times New Roman" panose="02020603050405020304" pitchFamily="18" charset="0"/>
+              </a:endParaRPr>
+            </a:p>
+          </p:txBody>
+        </p:sp>
+        <p:sp>
+          <p:nvSpPr>
+            <p:cNvPr id="38" name="文本框 37">
+              <a:extLst>
+                <a:ext uri="{FF2B5EF4-FFF2-40B4-BE49-F238E27FC236}">
+                  <a16:creationId xmlns:a16="http://schemas.microsoft.com/office/drawing/2014/main" id="{5C78D5FC-FED0-F84C-A2DB-EDFE54999F78}"/>
+                </a:ext>
+              </a:extLst>
+            </p:cNvPr>
+            <p:cNvSpPr txBox="1"/>
+            <p:nvPr/>
+          </p:nvSpPr>
+          <p:spPr>
+            <a:xfrm>
+              <a:off x="7304540" y="2031883"/>
+              <a:ext cx="527709" cy="307777"/>
+            </a:xfrm>
+            <a:prstGeom prst="rect">
+              <a:avLst/>
+            </a:prstGeom>
+            <a:noFill/>
+          </p:spPr>
+          <p:txBody>
+            <a:bodyPr wrap="none" rtlCol="0">
+              <a:spAutoFit/>
+            </a:bodyPr>
+            <a:lstStyle/>
+            <a:p>
+              <a:r>
+                <a:rPr lang="en-US" altLang="zh-CN" sz="1400" dirty="0">
+                  <a:cs typeface="Times New Roman" panose="02020603050405020304" pitchFamily="18" charset="0"/>
+                </a:rPr>
+                <a:t>v = 0</a:t>
+              </a:r>
+              <a:endParaRPr lang="zh-CN" altLang="en-US" sz="1400" dirty="0">
+                <a:cs typeface="Times New Roman" panose="02020603050405020304" pitchFamily="18" charset="0"/>
+              </a:endParaRPr>
+            </a:p>
+          </p:txBody>
+        </p:sp>
+        <mc:AlternateContent xmlns:mc="http://schemas.openxmlformats.org/markup-compatibility/2006" xmlns:a14="http://schemas.microsoft.com/office/drawing/2010/main">
+          <mc:Choice Requires="a14">
+            <p:sp>
+              <p:nvSpPr>
+                <p:cNvPr id="39" name="文本框 38">
+                  <a:extLst>
+                    <a:ext uri="{FF2B5EF4-FFF2-40B4-BE49-F238E27FC236}">
+                      <a16:creationId xmlns:a16="http://schemas.microsoft.com/office/drawing/2014/main" id="{9BFA64E0-7A2A-A134-61BC-361305EB3BB8}"/>
+                    </a:ext>
+                  </a:extLst>
+                </p:cNvPr>
+                <p:cNvSpPr txBox="1"/>
+                <p:nvPr/>
+              </p:nvSpPr>
+              <p:spPr>
+                <a:xfrm>
+                  <a:off x="4250552" y="4047230"/>
+                  <a:ext cx="226152" cy="215444"/>
+                </a:xfrm>
+                <a:prstGeom prst="rect">
+                  <a:avLst/>
+                </a:prstGeom>
+                <a:noFill/>
+              </p:spPr>
+              <p:txBody>
+                <a:bodyPr wrap="none" lIns="0" tIns="0" rIns="0" bIns="0" rtlCol="0">
+                  <a:spAutoFit/>
+                </a:bodyPr>
+                <a:lstStyle/>
+                <a:p>
+                  <a:pPr/>
+                  <a14:m>
+                    <m:oMathPara xmlns:m="http://schemas.openxmlformats.org/officeDocument/2006/math">
+                      <m:oMathParaPr>
+                        <m:jc m:val="centerGroup"/>
+                      </m:oMathParaPr>
+                      <m:oMath xmlns:m="http://schemas.openxmlformats.org/officeDocument/2006/math">
+                        <m:sSup>
+                          <m:sSupPr>
+                            <m:ctrlPr>
+                              <a:rPr lang="en-US" altLang="zh-CN" sz="1400" i="1">
+                                <a:latin typeface="Cambria Math" panose="02040503050406030204" pitchFamily="18" charset="0"/>
+                              </a:rPr>
+                            </m:ctrlPr>
+                          </m:sSupPr>
+                          <m:e>
+                            <m:r>
+                              <a:rPr lang="en-US" altLang="zh-CN" sz="1400" i="1">
+                                <a:latin typeface="Cambria Math" panose="02040503050406030204" pitchFamily="18" charset="0"/>
+                              </a:rPr>
+                              <m:t>𝑝</m:t>
+                            </m:r>
+                          </m:e>
+                          <m:sup>
+                            <m:r>
+                              <a:rPr lang="en-US" altLang="zh-CN" sz="1400" i="1">
+                                <a:latin typeface="Cambria Math" panose="02040503050406030204" pitchFamily="18" charset="0"/>
+                              </a:rPr>
+                              <m:t>0</m:t>
+                            </m:r>
+                          </m:sup>
+                        </m:sSup>
+                      </m:oMath>
+                    </m:oMathPara>
+                  </a14:m>
+                  <a:endParaRPr lang="zh-CN" altLang="en-US" sz="1400" dirty="0"/>
+                </a:p>
+              </p:txBody>
+            </p:sp>
+          </mc:Choice>
+          <mc:Fallback xmlns="">
+            <p:sp>
+              <p:nvSpPr>
+                <p:cNvPr id="39" name="文本框 38">
+                  <a:extLst>
+                    <a:ext uri="{FF2B5EF4-FFF2-40B4-BE49-F238E27FC236}">
+                      <a16:creationId xmlns:a16="http://schemas.microsoft.com/office/drawing/2014/main" id="{9BFA64E0-7A2A-A134-61BC-361305EB3BB8}"/>
+                    </a:ext>
+                  </a:extLst>
+                </p:cNvPr>
+                <p:cNvSpPr txBox="1">
+                  <a:spLocks noRot="1" noChangeAspect="1" noMove="1" noResize="1" noEditPoints="1" noAdjustHandles="1" noChangeArrowheads="1" noChangeShapeType="1" noTextEdit="1"/>
+                </p:cNvSpPr>
+                <p:nvPr/>
+              </p:nvSpPr>
+              <p:spPr>
+                <a:xfrm>
+                  <a:off x="4250552" y="4047230"/>
+                  <a:ext cx="226152" cy="215444"/>
+                </a:xfrm>
+                <a:prstGeom prst="rect">
+                  <a:avLst/>
+                </a:prstGeom>
+                <a:blipFill>
+                  <a:blip r:embed="rId3"/>
+                  <a:stretch>
+                    <a:fillRect l="-18919" r="-2703" b="-25000"/>
+                  </a:stretch>
+                </a:blipFill>
+              </p:spPr>
+              <p:txBody>
+                <a:bodyPr/>
+                <a:lstStyle/>
+                <a:p>
+                  <a:r>
+                    <a:rPr lang="zh-CN" altLang="en-US">
+                      <a:noFill/>
+                    </a:rPr>
+                    <a:t> </a:t>
+                  </a:r>
+                </a:p>
+              </p:txBody>
+            </p:sp>
+          </mc:Fallback>
+        </mc:AlternateContent>
+        <mc:AlternateContent xmlns:mc="http://schemas.openxmlformats.org/markup-compatibility/2006" xmlns:a14="http://schemas.microsoft.com/office/drawing/2010/main">
+          <mc:Choice Requires="a14">
+            <p:sp>
+              <p:nvSpPr>
+                <p:cNvPr id="40" name="文本框 39">
+                  <a:extLst>
+                    <a:ext uri="{FF2B5EF4-FFF2-40B4-BE49-F238E27FC236}">
+                      <a16:creationId xmlns:a16="http://schemas.microsoft.com/office/drawing/2014/main" id="{D6526E17-2C46-9417-8136-D0B6FC37A108}"/>
+                    </a:ext>
+                  </a:extLst>
+                </p:cNvPr>
+                <p:cNvSpPr txBox="1"/>
+                <p:nvPr/>
+              </p:nvSpPr>
+              <p:spPr>
+                <a:xfrm>
+                  <a:off x="4851900" y="4047229"/>
+                  <a:ext cx="222304" cy="215444"/>
+                </a:xfrm>
+                <a:prstGeom prst="rect">
+                  <a:avLst/>
+                </a:prstGeom>
+                <a:noFill/>
+              </p:spPr>
+              <p:txBody>
+                <a:bodyPr wrap="none" lIns="0" tIns="0" rIns="0" bIns="0" rtlCol="0">
+                  <a:spAutoFit/>
+                </a:bodyPr>
+                <a:lstStyle/>
+                <a:p>
+                  <a:pPr/>
+                  <a14:m>
+                    <m:oMathPara xmlns:m="http://schemas.openxmlformats.org/officeDocument/2006/math">
+                      <m:oMathParaPr>
+                        <m:jc m:val="centerGroup"/>
+                      </m:oMathParaPr>
+                      <m:oMath xmlns:m="http://schemas.openxmlformats.org/officeDocument/2006/math">
+                        <m:sSup>
+                          <m:sSupPr>
+                            <m:ctrlPr>
+                              <a:rPr lang="en-US" altLang="zh-CN" sz="1400" i="1">
+                                <a:latin typeface="Cambria Math" panose="02040503050406030204" pitchFamily="18" charset="0"/>
+                              </a:rPr>
+                            </m:ctrlPr>
+                          </m:sSupPr>
+                          <m:e>
+                            <m:r>
+                              <a:rPr lang="en-US" altLang="zh-CN" sz="1400" i="1">
+                                <a:latin typeface="Cambria Math" panose="02040503050406030204" pitchFamily="18" charset="0"/>
+                              </a:rPr>
+                              <m:t>𝑝</m:t>
+                            </m:r>
+                          </m:e>
+                          <m:sup>
+                            <m:r>
+                              <a:rPr lang="en-US" altLang="zh-CN" sz="1400" i="1">
+                                <a:latin typeface="Cambria Math" panose="02040503050406030204" pitchFamily="18" charset="0"/>
+                              </a:rPr>
+                              <m:t>1</m:t>
+                            </m:r>
+                          </m:sup>
+                        </m:sSup>
+                      </m:oMath>
+                    </m:oMathPara>
+                  </a14:m>
+                  <a:endParaRPr lang="zh-CN" altLang="en-US" sz="1400" dirty="0"/>
+                </a:p>
+              </p:txBody>
+            </p:sp>
+          </mc:Choice>
+          <mc:Fallback xmlns="">
+            <p:sp>
+              <p:nvSpPr>
+                <p:cNvPr id="40" name="文本框 39">
+                  <a:extLst>
+                    <a:ext uri="{FF2B5EF4-FFF2-40B4-BE49-F238E27FC236}">
+                      <a16:creationId xmlns:a16="http://schemas.microsoft.com/office/drawing/2014/main" id="{D6526E17-2C46-9417-8136-D0B6FC37A108}"/>
+                    </a:ext>
+                  </a:extLst>
+                </p:cNvPr>
+                <p:cNvSpPr txBox="1">
+                  <a:spLocks noRot="1" noChangeAspect="1" noMove="1" noResize="1" noEditPoints="1" noAdjustHandles="1" noChangeArrowheads="1" noChangeShapeType="1" noTextEdit="1"/>
+                </p:cNvSpPr>
+                <p:nvPr/>
+              </p:nvSpPr>
+              <p:spPr>
+                <a:xfrm>
+                  <a:off x="4851900" y="4047229"/>
+                  <a:ext cx="222304" cy="215444"/>
+                </a:xfrm>
+                <a:prstGeom prst="rect">
+                  <a:avLst/>
+                </a:prstGeom>
+                <a:blipFill>
+                  <a:blip r:embed="rId4"/>
+                  <a:stretch>
+                    <a:fillRect l="-22222" r="-5556" b="-25000"/>
+                  </a:stretch>
+                </a:blipFill>
+              </p:spPr>
+              <p:txBody>
+                <a:bodyPr/>
+                <a:lstStyle/>
+                <a:p>
+                  <a:r>
+                    <a:rPr lang="zh-CN" altLang="en-US">
+                      <a:noFill/>
+                    </a:rPr>
+                    <a:t> </a:t>
+                  </a:r>
+                </a:p>
+              </p:txBody>
+            </p:sp>
+          </mc:Fallback>
+        </mc:AlternateContent>
+        <mc:AlternateContent xmlns:mc="http://schemas.openxmlformats.org/markup-compatibility/2006" xmlns:a14="http://schemas.microsoft.com/office/drawing/2010/main">
+          <mc:Choice Requires="a14">
+            <p:sp>
+              <p:nvSpPr>
+                <p:cNvPr id="41" name="文本框 40">
+                  <a:extLst>
+                    <a:ext uri="{FF2B5EF4-FFF2-40B4-BE49-F238E27FC236}">
+                      <a16:creationId xmlns:a16="http://schemas.microsoft.com/office/drawing/2014/main" id="{E468733E-6BB6-4FD4-B382-AC85AD15930C}"/>
+                    </a:ext>
+                  </a:extLst>
+                </p:cNvPr>
+                <p:cNvSpPr txBox="1"/>
+                <p:nvPr/>
+              </p:nvSpPr>
+              <p:spPr>
+                <a:xfrm>
+                  <a:off x="6111495" y="4048984"/>
+                  <a:ext cx="226152" cy="215444"/>
+                </a:xfrm>
+                <a:prstGeom prst="rect">
+                  <a:avLst/>
+                </a:prstGeom>
+                <a:noFill/>
+              </p:spPr>
+              <p:txBody>
+                <a:bodyPr wrap="none" lIns="0" tIns="0" rIns="0" bIns="0" rtlCol="0">
+                  <a:spAutoFit/>
+                </a:bodyPr>
+                <a:lstStyle/>
+                <a:p>
+                  <a:pPr/>
+                  <a14:m>
+                    <m:oMathPara xmlns:m="http://schemas.openxmlformats.org/officeDocument/2006/math">
+                      <m:oMathParaPr>
+                        <m:jc m:val="centerGroup"/>
+                      </m:oMathParaPr>
+                      <m:oMath xmlns:m="http://schemas.openxmlformats.org/officeDocument/2006/math">
+                        <m:sSup>
+                          <m:sSupPr>
+                            <m:ctrlPr>
+                              <a:rPr lang="en-US" altLang="zh-CN" sz="1400" i="1">
+                                <a:latin typeface="Cambria Math" panose="02040503050406030204" pitchFamily="18" charset="0"/>
+                              </a:rPr>
+                            </m:ctrlPr>
+                          </m:sSupPr>
+                          <m:e>
+                            <m:r>
+                              <a:rPr lang="en-US" altLang="zh-CN" sz="1400" i="1">
+                                <a:latin typeface="Cambria Math" panose="02040503050406030204" pitchFamily="18" charset="0"/>
+                              </a:rPr>
+                              <m:t>𝑝</m:t>
+                            </m:r>
+                          </m:e>
+                          <m:sup>
+                            <m:r>
+                              <a:rPr lang="en-US" altLang="zh-CN" sz="1400" i="1">
+                                <a:latin typeface="Cambria Math" panose="02040503050406030204" pitchFamily="18" charset="0"/>
+                              </a:rPr>
+                              <m:t>2</m:t>
+                            </m:r>
+                          </m:sup>
+                        </m:sSup>
+                      </m:oMath>
+                    </m:oMathPara>
+                  </a14:m>
+                  <a:endParaRPr lang="zh-CN" altLang="en-US" sz="1400" dirty="0"/>
+                </a:p>
+              </p:txBody>
+            </p:sp>
+          </mc:Choice>
+          <mc:Fallback xmlns="">
+            <p:sp>
+              <p:nvSpPr>
+                <p:cNvPr id="41" name="文本框 40">
+                  <a:extLst>
+                    <a:ext uri="{FF2B5EF4-FFF2-40B4-BE49-F238E27FC236}">
+                      <a16:creationId xmlns:a16="http://schemas.microsoft.com/office/drawing/2014/main" id="{E468733E-6BB6-4FD4-B382-AC85AD15930C}"/>
+                    </a:ext>
+                  </a:extLst>
+                </p:cNvPr>
+                <p:cNvSpPr txBox="1">
+                  <a:spLocks noRot="1" noChangeAspect="1" noMove="1" noResize="1" noEditPoints="1" noAdjustHandles="1" noChangeArrowheads="1" noChangeShapeType="1" noTextEdit="1"/>
+                </p:cNvSpPr>
+                <p:nvPr/>
+              </p:nvSpPr>
+              <p:spPr>
+                <a:xfrm>
+                  <a:off x="6111495" y="4048984"/>
+                  <a:ext cx="226152" cy="215444"/>
+                </a:xfrm>
+                <a:prstGeom prst="rect">
+                  <a:avLst/>
+                </a:prstGeom>
+                <a:blipFill>
+                  <a:blip r:embed="rId5"/>
+                  <a:stretch>
+                    <a:fillRect l="-21622" r="-2703" b="-25714"/>
+                  </a:stretch>
+                </a:blipFill>
+              </p:spPr>
+              <p:txBody>
+                <a:bodyPr/>
+                <a:lstStyle/>
+                <a:p>
+                  <a:r>
+                    <a:rPr lang="zh-CN" altLang="en-US">
+                      <a:noFill/>
+                    </a:rPr>
+                    <a:t> </a:t>
+                  </a:r>
+                </a:p>
+              </p:txBody>
+            </p:sp>
+          </mc:Fallback>
+        </mc:AlternateContent>
+        <mc:AlternateContent xmlns:mc="http://schemas.openxmlformats.org/markup-compatibility/2006" xmlns:a14="http://schemas.microsoft.com/office/drawing/2010/main">
+          <mc:Choice Requires="a14">
+            <p:sp>
+              <p:nvSpPr>
+                <p:cNvPr id="42" name="文本框 41">
+                  <a:extLst>
+                    <a:ext uri="{FF2B5EF4-FFF2-40B4-BE49-F238E27FC236}">
+                      <a16:creationId xmlns:a16="http://schemas.microsoft.com/office/drawing/2014/main" id="{9ABB427A-6C46-77AB-F367-A6CF0AEE1AF0}"/>
+                    </a:ext>
+                  </a:extLst>
+                </p:cNvPr>
+                <p:cNvSpPr txBox="1"/>
+                <p:nvPr/>
+              </p:nvSpPr>
+              <p:spPr>
+                <a:xfrm>
+                  <a:off x="7157285" y="4047228"/>
+                  <a:ext cx="226152" cy="215444"/>
+                </a:xfrm>
+                <a:prstGeom prst="rect">
+                  <a:avLst/>
+                </a:prstGeom>
+                <a:noFill/>
+              </p:spPr>
+              <p:txBody>
+                <a:bodyPr wrap="none" lIns="0" tIns="0" rIns="0" bIns="0" rtlCol="0">
+                  <a:spAutoFit/>
+                </a:bodyPr>
+                <a:lstStyle/>
+                <a:p>
+                  <a:pPr/>
+                  <a14:m>
+                    <m:oMathPara xmlns:m="http://schemas.openxmlformats.org/officeDocument/2006/math">
+                      <m:oMathParaPr>
+                        <m:jc m:val="centerGroup"/>
+                      </m:oMathParaPr>
+                      <m:oMath xmlns:m="http://schemas.openxmlformats.org/officeDocument/2006/math">
+                        <m:sSup>
+                          <m:sSupPr>
+                            <m:ctrlPr>
+                              <a:rPr lang="en-US" altLang="zh-CN" sz="1400" i="1">
+                                <a:latin typeface="Cambria Math" panose="02040503050406030204" pitchFamily="18" charset="0"/>
+                              </a:rPr>
+                            </m:ctrlPr>
+                          </m:sSupPr>
+                          <m:e>
+                            <m:r>
+                              <a:rPr lang="en-US" altLang="zh-CN" sz="1400" i="1">
+                                <a:latin typeface="Cambria Math" panose="02040503050406030204" pitchFamily="18" charset="0"/>
+                              </a:rPr>
+                              <m:t>𝑝</m:t>
+                            </m:r>
+                          </m:e>
+                          <m:sup>
+                            <m:r>
+                              <a:rPr lang="en-US" altLang="zh-CN" sz="1400" i="1">
+                                <a:latin typeface="Cambria Math" panose="02040503050406030204" pitchFamily="18" charset="0"/>
+                              </a:rPr>
+                              <m:t>3</m:t>
+                            </m:r>
+                          </m:sup>
+                        </m:sSup>
+                      </m:oMath>
+                    </m:oMathPara>
+                  </a14:m>
+                  <a:endParaRPr lang="zh-CN" altLang="en-US" sz="1400" dirty="0"/>
+                </a:p>
+              </p:txBody>
+            </p:sp>
+          </mc:Choice>
+          <mc:Fallback xmlns="">
+            <p:sp>
+              <p:nvSpPr>
+                <p:cNvPr id="42" name="文本框 41">
+                  <a:extLst>
+                    <a:ext uri="{FF2B5EF4-FFF2-40B4-BE49-F238E27FC236}">
+                      <a16:creationId xmlns:a16="http://schemas.microsoft.com/office/drawing/2014/main" id="{9ABB427A-6C46-77AB-F367-A6CF0AEE1AF0}"/>
+                    </a:ext>
+                  </a:extLst>
+                </p:cNvPr>
+                <p:cNvSpPr txBox="1">
+                  <a:spLocks noRot="1" noChangeAspect="1" noMove="1" noResize="1" noEditPoints="1" noAdjustHandles="1" noChangeArrowheads="1" noChangeShapeType="1" noTextEdit="1"/>
+                </p:cNvSpPr>
+                <p:nvPr/>
+              </p:nvSpPr>
+              <p:spPr>
+                <a:xfrm>
+                  <a:off x="7157285" y="4047228"/>
+                  <a:ext cx="226152" cy="215444"/>
+                </a:xfrm>
+                <a:prstGeom prst="rect">
+                  <a:avLst/>
+                </a:prstGeom>
+                <a:blipFill>
+                  <a:blip r:embed="rId6"/>
+                  <a:stretch>
+                    <a:fillRect l="-18919" r="-2703" b="-25000"/>
+                  </a:stretch>
+                </a:blipFill>
+              </p:spPr>
+              <p:txBody>
+                <a:bodyPr/>
+                <a:lstStyle/>
+                <a:p>
+                  <a:r>
+                    <a:rPr lang="zh-CN" altLang="en-US">
+                      <a:noFill/>
+                    </a:rPr>
+                    <a:t> </a:t>
+                  </a:r>
+                </a:p>
+              </p:txBody>
+            </p:sp>
+          </mc:Fallback>
+        </mc:AlternateContent>
+        <p:sp>
+          <p:nvSpPr>
+            <p:cNvPr id="156" name="文本框 155">
+              <a:extLst>
+                <a:ext uri="{FF2B5EF4-FFF2-40B4-BE49-F238E27FC236}">
+                  <a16:creationId xmlns:a16="http://schemas.microsoft.com/office/drawing/2014/main" id="{F4622A1D-826C-7ED6-A3C1-AB8D3009EC06}"/>
+                </a:ext>
+              </a:extLst>
+            </p:cNvPr>
+            <p:cNvSpPr txBox="1"/>
+            <p:nvPr/>
+          </p:nvSpPr>
+          <p:spPr>
+            <a:xfrm rot="16200000">
+              <a:off x="3548215" y="3421703"/>
+              <a:ext cx="1026243" cy="338554"/>
+            </a:xfrm>
+            <a:prstGeom prst="rect">
+              <a:avLst/>
+            </a:prstGeom>
+            <a:noFill/>
+          </p:spPr>
+          <p:txBody>
+            <a:bodyPr wrap="none" rtlCol="0">
+              <a:spAutoFit/>
+            </a:bodyPr>
+            <a:lstStyle/>
+            <a:p>
+              <a:r>
+                <a:rPr lang="en-US" altLang="zh-CN" sz="1600" dirty="0">
+                  <a:cs typeface="Times New Roman" panose="02020603050405020304" pitchFamily="18" charset="0"/>
+                </a:rPr>
+                <a:t>a [mm/s</a:t>
+              </a:r>
+              <a:r>
+                <a:rPr lang="en-US" altLang="zh-CN" sz="1600" baseline="30000" dirty="0">
+                  <a:cs typeface="Times New Roman" panose="02020603050405020304" pitchFamily="18" charset="0"/>
+                </a:rPr>
+                <a:t>2</a:t>
+              </a:r>
+              <a:r>
+                <a:rPr lang="en-US" altLang="zh-CN" sz="1600" dirty="0">
+                  <a:cs typeface="Times New Roman" panose="02020603050405020304" pitchFamily="18" charset="0"/>
+                </a:rPr>
+                <a:t>]</a:t>
+              </a:r>
+              <a:endParaRPr lang="zh-CN" altLang="en-US" sz="1600" dirty="0">
+                <a:cs typeface="Times New Roman" panose="02020603050405020304" pitchFamily="18" charset="0"/>
+              </a:endParaRPr>
+            </a:p>
+          </p:txBody>
+        </p:sp>
+        <p:sp>
+          <p:nvSpPr>
+            <p:cNvPr id="157" name="文本框 156">
+              <a:extLst>
+                <a:ext uri="{FF2B5EF4-FFF2-40B4-BE49-F238E27FC236}">
+                  <a16:creationId xmlns:a16="http://schemas.microsoft.com/office/drawing/2014/main" id="{E868CED0-C093-FB7F-69A9-57F3DCCB7E3B}"/>
+                </a:ext>
+              </a:extLst>
+            </p:cNvPr>
+            <p:cNvSpPr txBox="1"/>
+            <p:nvPr/>
+          </p:nvSpPr>
+          <p:spPr>
+            <a:xfrm rot="16200000">
+              <a:off x="3582681" y="2124125"/>
+              <a:ext cx="957313" cy="338554"/>
+            </a:xfrm>
+            <a:prstGeom prst="rect">
+              <a:avLst/>
+            </a:prstGeom>
+            <a:noFill/>
+          </p:spPr>
+          <p:txBody>
+            <a:bodyPr wrap="none" rtlCol="0">
+              <a:spAutoFit/>
+            </a:bodyPr>
+            <a:lstStyle/>
+            <a:p>
+              <a:r>
+                <a:rPr lang="en-US" altLang="zh-CN" sz="1600" dirty="0">
+                  <a:cs typeface="Times New Roman" panose="02020603050405020304" pitchFamily="18" charset="0"/>
+                </a:rPr>
+                <a:t>v [mm/s]</a:t>
+              </a:r>
+              <a:endParaRPr lang="zh-CN" altLang="en-US" sz="1600" dirty="0">
+                <a:cs typeface="Times New Roman" panose="02020603050405020304" pitchFamily="18" charset="0"/>
+              </a:endParaRPr>
+            </a:p>
+          </p:txBody>
+        </p:sp>
+        <p:sp>
+          <p:nvSpPr>
+            <p:cNvPr id="158" name="文本框 157">
+              <a:extLst>
+                <a:ext uri="{FF2B5EF4-FFF2-40B4-BE49-F238E27FC236}">
+                  <a16:creationId xmlns:a16="http://schemas.microsoft.com/office/drawing/2014/main" id="{D213C4AA-5363-884D-5C6F-E757446FD54F}"/>
+                </a:ext>
+              </a:extLst>
+            </p:cNvPr>
+            <p:cNvSpPr txBox="1"/>
+            <p:nvPr/>
+          </p:nvSpPr>
+          <p:spPr>
+            <a:xfrm rot="16200000">
+              <a:off x="3663682" y="733575"/>
+              <a:ext cx="797013" cy="338554"/>
+            </a:xfrm>
+            <a:prstGeom prst="rect">
+              <a:avLst/>
+            </a:prstGeom>
+            <a:noFill/>
+          </p:spPr>
+          <p:txBody>
+            <a:bodyPr wrap="none" rtlCol="0">
+              <a:spAutoFit/>
+            </a:bodyPr>
+            <a:lstStyle/>
+            <a:p>
+              <a:r>
+                <a:rPr lang="en-US" altLang="zh-CN" sz="1600" dirty="0">
+                  <a:cs typeface="Times New Roman" panose="02020603050405020304" pitchFamily="18" charset="0"/>
+                </a:rPr>
+                <a:t>p [mm]</a:t>
+              </a:r>
+              <a:endParaRPr lang="zh-CN" altLang="en-US" sz="1600" dirty="0">
+                <a:cs typeface="Times New Roman" panose="02020603050405020304" pitchFamily="18" charset="0"/>
+              </a:endParaRPr>
+            </a:p>
+          </p:txBody>
+        </p:sp>
+        <p:sp>
+          <p:nvSpPr>
+            <p:cNvPr id="159" name="文本框 158">
+              <a:extLst>
+                <a:ext uri="{FF2B5EF4-FFF2-40B4-BE49-F238E27FC236}">
+                  <a16:creationId xmlns:a16="http://schemas.microsoft.com/office/drawing/2014/main" id="{DA1F76CB-B0D1-F3BE-65DB-F44319B64AF1}"/>
+                </a:ext>
+              </a:extLst>
+            </p:cNvPr>
+            <p:cNvSpPr txBox="1"/>
+            <p:nvPr/>
+          </p:nvSpPr>
+          <p:spPr>
+            <a:xfrm>
+              <a:off x="5555545" y="4185239"/>
+              <a:ext cx="522900" cy="338554"/>
+            </a:xfrm>
+            <a:prstGeom prst="rect">
+              <a:avLst/>
+            </a:prstGeom>
+            <a:noFill/>
+          </p:spPr>
+          <p:txBody>
+            <a:bodyPr wrap="none" rtlCol="0">
+              <a:spAutoFit/>
+            </a:bodyPr>
+            <a:lstStyle/>
+            <a:p>
+              <a:r>
+                <a:rPr lang="en-US" altLang="zh-CN" sz="1600" dirty="0">
+                  <a:cs typeface="Times New Roman" panose="02020603050405020304" pitchFamily="18" charset="0"/>
+                </a:rPr>
+                <a:t>t [s]</a:t>
+              </a:r>
+              <a:endParaRPr lang="zh-CN" altLang="en-US" sz="1600" dirty="0">
+                <a:cs typeface="Times New Roman" panose="02020603050405020304" pitchFamily="18" charset="0"/>
+              </a:endParaRPr>
+            </a:p>
+          </p:txBody>
+        </p:sp>
+      </p:grpSp>
+      <p:grpSp>
+        <p:nvGrpSpPr>
+          <p:cNvPr id="9" name="组合 8">
+            <a:extLst>
+              <a:ext uri="{FF2B5EF4-FFF2-40B4-BE49-F238E27FC236}">
+                <a16:creationId xmlns:a16="http://schemas.microsoft.com/office/drawing/2014/main" id="{65C0AAC9-ED22-1C45-E506-888F68E69BD1}"/>
+              </a:ext>
+            </a:extLst>
+          </p:cNvPr>
+          <p:cNvGrpSpPr/>
+          <p:nvPr/>
+        </p:nvGrpSpPr>
+        <p:grpSpPr>
+          <a:xfrm>
+            <a:off x="39258" y="6565"/>
+            <a:ext cx="3856455" cy="4496179"/>
+            <a:chOff x="39258" y="29050"/>
+            <a:chExt cx="3856455" cy="4496179"/>
+          </a:xfrm>
+        </p:grpSpPr>
+        <p:pic>
+          <p:nvPicPr>
+            <p:cNvPr id="13" name="图片 12">
+              <a:extLst>
+                <a:ext uri="{FF2B5EF4-FFF2-40B4-BE49-F238E27FC236}">
+                  <a16:creationId xmlns:a16="http://schemas.microsoft.com/office/drawing/2014/main" id="{A878A33E-5400-711B-8BEF-B76F02ABADE7}"/>
+                </a:ext>
+              </a:extLst>
+            </p:cNvPr>
+            <p:cNvPicPr>
+              <a:picLocks noChangeAspect="1"/>
+            </p:cNvPicPr>
+            <p:nvPr/>
+          </p:nvPicPr>
+          <p:blipFill rotWithShape="1">
+            <a:blip r:embed="rId7"/>
+            <a:srcRect l="11222" t="5389" r="7306" b="8959"/>
+            <a:stretch/>
+          </p:blipFill>
+          <p:spPr>
+            <a:xfrm>
+              <a:off x="378055" y="348632"/>
+              <a:ext cx="3104071" cy="3752794"/>
+            </a:xfrm>
+            <a:prstGeom prst="rect">
+              <a:avLst/>
+            </a:prstGeom>
+          </p:spPr>
+        </p:pic>
+        <p:cxnSp>
+          <p:nvCxnSpPr>
+            <p:cNvPr id="7" name="直接连接符 6">
+              <a:extLst>
+                <a:ext uri="{FF2B5EF4-FFF2-40B4-BE49-F238E27FC236}">
+                  <a16:creationId xmlns:a16="http://schemas.microsoft.com/office/drawing/2014/main" id="{1C3A3B7D-21FD-E1A8-E1DE-7F477C3BE64B}"/>
+                </a:ext>
+              </a:extLst>
+            </p:cNvPr>
+            <p:cNvCxnSpPr>
+              <a:cxnSpLocks/>
+            </p:cNvCxnSpPr>
+            <p:nvPr/>
+          </p:nvCxnSpPr>
+          <p:spPr>
+            <a:xfrm>
+              <a:off x="1055759" y="432452"/>
+              <a:ext cx="26428" cy="3567776"/>
+            </a:xfrm>
+            <a:prstGeom prst="line">
+              <a:avLst/>
+            </a:prstGeom>
+            <a:ln>
+              <a:prstDash val="lgDash"/>
+            </a:ln>
+          </p:spPr>
+          <p:style>
+            <a:lnRef idx="1">
+              <a:schemeClr val="accent1"/>
+            </a:lnRef>
+            <a:fillRef idx="0">
+              <a:schemeClr val="accent1"/>
+            </a:fillRef>
+            <a:effectRef idx="0">
+              <a:schemeClr val="accent1"/>
+            </a:effectRef>
+            <a:fontRef idx="minor">
+              <a:schemeClr val="tx1"/>
+            </a:fontRef>
+          </p:style>
+        </p:cxnSp>
+        <p:cxnSp>
+          <p:nvCxnSpPr>
+            <p:cNvPr id="8" name="直接连接符 7">
+              <a:extLst>
+                <a:ext uri="{FF2B5EF4-FFF2-40B4-BE49-F238E27FC236}">
+                  <a16:creationId xmlns:a16="http://schemas.microsoft.com/office/drawing/2014/main" id="{33DC7FF8-BF37-330E-DA7F-969A34D532E4}"/>
+                </a:ext>
+              </a:extLst>
+            </p:cNvPr>
+            <p:cNvCxnSpPr>
+              <a:cxnSpLocks/>
+            </p:cNvCxnSpPr>
+            <p:nvPr/>
+          </p:nvCxnSpPr>
+          <p:spPr>
+            <a:xfrm>
+              <a:off x="2326712" y="433088"/>
+              <a:ext cx="17518" cy="3567141"/>
+            </a:xfrm>
+            <a:prstGeom prst="line">
+              <a:avLst/>
+            </a:prstGeom>
+            <a:ln>
+              <a:prstDash val="lgDash"/>
+            </a:ln>
+          </p:spPr>
+          <p:style>
+            <a:lnRef idx="1">
+              <a:schemeClr val="accent1"/>
+            </a:lnRef>
+            <a:fillRef idx="0">
+              <a:schemeClr val="accent1"/>
+            </a:fillRef>
+            <a:effectRef idx="0">
+              <a:schemeClr val="accent1"/>
+            </a:effectRef>
+            <a:fontRef idx="minor">
+              <a:schemeClr val="tx1"/>
+            </a:fontRef>
+          </p:style>
+        </p:cxnSp>
+        <p:sp>
+          <p:nvSpPr>
+            <p:cNvPr id="26" name="文本框 25">
+              <a:extLst>
+                <a:ext uri="{FF2B5EF4-FFF2-40B4-BE49-F238E27FC236}">
+                  <a16:creationId xmlns:a16="http://schemas.microsoft.com/office/drawing/2014/main" id="{7225F53B-AA49-C740-8B1B-53AA596D782D}"/>
+                </a:ext>
+              </a:extLst>
+            </p:cNvPr>
+            <p:cNvSpPr txBox="1"/>
+            <p:nvPr/>
+          </p:nvSpPr>
+          <p:spPr>
+            <a:xfrm rot="16200000">
+              <a:off x="-304587" y="3429198"/>
+              <a:ext cx="1026243" cy="338554"/>
+            </a:xfrm>
+            <a:prstGeom prst="rect">
+              <a:avLst/>
+            </a:prstGeom>
+            <a:noFill/>
+          </p:spPr>
+          <p:txBody>
+            <a:bodyPr wrap="none" rtlCol="0">
+              <a:spAutoFit/>
+            </a:bodyPr>
+            <a:lstStyle/>
+            <a:p>
+              <a:r>
+                <a:rPr lang="en-US" altLang="zh-CN" sz="1600" dirty="0">
+                  <a:cs typeface="Times New Roman" panose="02020603050405020304" pitchFamily="18" charset="0"/>
+                </a:rPr>
+                <a:t>a [mm/s</a:t>
+              </a:r>
+              <a:r>
+                <a:rPr lang="en-US" altLang="zh-CN" sz="1600" baseline="30000" dirty="0">
+                  <a:cs typeface="Times New Roman" panose="02020603050405020304" pitchFamily="18" charset="0"/>
+                </a:rPr>
+                <a:t>2</a:t>
+              </a:r>
+              <a:r>
+                <a:rPr lang="en-US" altLang="zh-CN" sz="1600" dirty="0">
+                  <a:cs typeface="Times New Roman" panose="02020603050405020304" pitchFamily="18" charset="0"/>
+                </a:rPr>
+                <a:t>]</a:t>
+              </a:r>
+              <a:endParaRPr lang="zh-CN" altLang="en-US" sz="1600" dirty="0">
+                <a:cs typeface="Times New Roman" panose="02020603050405020304" pitchFamily="18" charset="0"/>
+              </a:endParaRPr>
+            </a:p>
+          </p:txBody>
+        </p:sp>
+        <p:sp>
+          <p:nvSpPr>
+            <p:cNvPr id="27" name="文本框 26">
+              <a:extLst>
+                <a:ext uri="{FF2B5EF4-FFF2-40B4-BE49-F238E27FC236}">
+                  <a16:creationId xmlns:a16="http://schemas.microsoft.com/office/drawing/2014/main" id="{18A2DC0F-231C-2180-4EA9-6F69E09F4C61}"/>
+                </a:ext>
+              </a:extLst>
+            </p:cNvPr>
+            <p:cNvSpPr txBox="1"/>
+            <p:nvPr/>
+          </p:nvSpPr>
+          <p:spPr>
+            <a:xfrm rot="16200000">
+              <a:off x="-270121" y="2131620"/>
+              <a:ext cx="957313" cy="338554"/>
+            </a:xfrm>
+            <a:prstGeom prst="rect">
+              <a:avLst/>
+            </a:prstGeom>
+            <a:noFill/>
+          </p:spPr>
+          <p:txBody>
+            <a:bodyPr wrap="none" rtlCol="0">
+              <a:spAutoFit/>
+            </a:bodyPr>
+            <a:lstStyle/>
+            <a:p>
+              <a:r>
+                <a:rPr lang="en-US" altLang="zh-CN" sz="1600" dirty="0">
+                  <a:cs typeface="Times New Roman" panose="02020603050405020304" pitchFamily="18" charset="0"/>
+                </a:rPr>
+                <a:t>v [mm/s]</a:t>
+              </a:r>
+              <a:endParaRPr lang="zh-CN" altLang="en-US" sz="1600" dirty="0">
+                <a:cs typeface="Times New Roman" panose="02020603050405020304" pitchFamily="18" charset="0"/>
+              </a:endParaRPr>
+            </a:p>
+          </p:txBody>
+        </p:sp>
+        <p:sp>
+          <p:nvSpPr>
+            <p:cNvPr id="28" name="文本框 27">
+              <a:extLst>
+                <a:ext uri="{FF2B5EF4-FFF2-40B4-BE49-F238E27FC236}">
+                  <a16:creationId xmlns:a16="http://schemas.microsoft.com/office/drawing/2014/main" id="{38DE6F59-5DFE-671C-AD51-05B26993EFEB}"/>
+                </a:ext>
+              </a:extLst>
+            </p:cNvPr>
+            <p:cNvSpPr txBox="1"/>
+            <p:nvPr/>
+          </p:nvSpPr>
+          <p:spPr>
+            <a:xfrm rot="16200000">
+              <a:off x="-189120" y="741071"/>
+              <a:ext cx="797013" cy="338554"/>
+            </a:xfrm>
+            <a:prstGeom prst="rect">
+              <a:avLst/>
+            </a:prstGeom>
+            <a:noFill/>
+          </p:spPr>
+          <p:txBody>
+            <a:bodyPr wrap="none" rtlCol="0">
+              <a:spAutoFit/>
+            </a:bodyPr>
+            <a:lstStyle/>
+            <a:p>
+              <a:r>
+                <a:rPr lang="en-US" altLang="zh-CN" sz="1600" dirty="0">
+                  <a:cs typeface="Times New Roman" panose="02020603050405020304" pitchFamily="18" charset="0"/>
+                </a:rPr>
+                <a:t>p [mm]</a:t>
+              </a:r>
+              <a:endParaRPr lang="zh-CN" altLang="en-US" sz="1600" dirty="0">
+                <a:cs typeface="Times New Roman" panose="02020603050405020304" pitchFamily="18" charset="0"/>
+              </a:endParaRPr>
+            </a:p>
+          </p:txBody>
+        </p:sp>
+        <p:sp>
+          <p:nvSpPr>
+            <p:cNvPr id="30" name="文本框 9">
+              <a:extLst>
+                <a:ext uri="{FF2B5EF4-FFF2-40B4-BE49-F238E27FC236}">
+                  <a16:creationId xmlns:a16="http://schemas.microsoft.com/office/drawing/2014/main" id="{B43545C6-D76A-A3B1-C6EB-1FDDEF107FF1}"/>
+                </a:ext>
+              </a:extLst>
+            </p:cNvPr>
+            <p:cNvSpPr txBox="1"/>
+            <p:nvPr/>
+          </p:nvSpPr>
+          <p:spPr>
+            <a:xfrm>
+              <a:off x="773145" y="29050"/>
+              <a:ext cx="2520177" cy="338554"/>
+            </a:xfrm>
+            <a:prstGeom prst="rect">
+              <a:avLst/>
+            </a:prstGeom>
+            <a:noFill/>
+            <a:ln>
+              <a:noFill/>
+            </a:ln>
+          </p:spPr>
+          <p:txBody>
+            <a:bodyPr wrap="none" rtlCol="0">
+              <a:spAutoFit/>
+            </a:bodyPr>
+            <a:lstStyle/>
+            <a:p>
+              <a:r>
+                <a:rPr lang="en-US" altLang="zh-CN" sz="1600" dirty="0">
+                  <a:cs typeface="Times New Roman" panose="02020603050405020304" pitchFamily="18" charset="0"/>
+                </a:rPr>
+                <a:t>Constant acceleration mode</a:t>
+              </a:r>
+              <a:endParaRPr lang="zh-CN" altLang="en-US" sz="1600" dirty="0">
+                <a:cs typeface="Times New Roman" panose="02020603050405020304" pitchFamily="18" charset="0"/>
+              </a:endParaRPr>
+            </a:p>
+          </p:txBody>
+        </p:sp>
+        <p:sp>
+          <p:nvSpPr>
+            <p:cNvPr id="32" name="文本框 9">
+              <a:extLst>
+                <a:ext uri="{FF2B5EF4-FFF2-40B4-BE49-F238E27FC236}">
+                  <a16:creationId xmlns:a16="http://schemas.microsoft.com/office/drawing/2014/main" id="{8B697C78-E872-5662-DB30-6E88E42872EE}"/>
+                </a:ext>
+              </a:extLst>
+            </p:cNvPr>
+            <p:cNvSpPr txBox="1"/>
+            <p:nvPr/>
+          </p:nvSpPr>
+          <p:spPr>
+            <a:xfrm>
+              <a:off x="332734" y="29050"/>
+              <a:ext cx="402674" cy="338554"/>
+            </a:xfrm>
+            <a:prstGeom prst="rect">
+              <a:avLst/>
+            </a:prstGeom>
+            <a:noFill/>
+          </p:spPr>
+          <p:txBody>
+            <a:bodyPr wrap="square" rtlCol="0">
+              <a:spAutoFit/>
+            </a:bodyPr>
+            <a:lstStyle>
+              <a:defPPr>
+                <a:defRPr lang="en-US"/>
+              </a:defPPr>
+              <a:lvl1pPr marL="0" algn="l" defTabSz="457200" rtl="0" eaLnBrk="1" latinLnBrk="0" hangingPunct="1">
+                <a:defRPr sz="1800" kern="1200">
+                  <a:solidFill>
+                    <a:schemeClr val="tx1"/>
+                  </a:solidFill>
+                  <a:latin typeface="+mn-lt"/>
+                  <a:ea typeface="+mn-ea"/>
+                  <a:cs typeface="+mn-cs"/>
+                </a:defRPr>
+              </a:lvl1pPr>
+              <a:lvl2pPr marL="457200" algn="l" defTabSz="457200" rtl="0" eaLnBrk="1" latinLnBrk="0" hangingPunct="1">
+                <a:defRPr sz="1800" kern="1200">
+                  <a:solidFill>
+                    <a:schemeClr val="tx1"/>
+                  </a:solidFill>
+                  <a:latin typeface="+mn-lt"/>
+                  <a:ea typeface="+mn-ea"/>
+                  <a:cs typeface="+mn-cs"/>
+                </a:defRPr>
+              </a:lvl2pPr>
+              <a:lvl3pPr marL="914400" algn="l" defTabSz="457200" rtl="0" eaLnBrk="1" latinLnBrk="0" hangingPunct="1">
+                <a:defRPr sz="1800" kern="1200">
+                  <a:solidFill>
+                    <a:schemeClr val="tx1"/>
+                  </a:solidFill>
+                  <a:latin typeface="+mn-lt"/>
+                  <a:ea typeface="+mn-ea"/>
+                  <a:cs typeface="+mn-cs"/>
+                </a:defRPr>
+              </a:lvl3pPr>
+              <a:lvl4pPr marL="1371600" algn="l" defTabSz="457200" rtl="0" eaLnBrk="1" latinLnBrk="0" hangingPunct="1">
+                <a:defRPr sz="1800" kern="1200">
+                  <a:solidFill>
+                    <a:schemeClr val="tx1"/>
+                  </a:solidFill>
+                  <a:latin typeface="+mn-lt"/>
+                  <a:ea typeface="+mn-ea"/>
+                  <a:cs typeface="+mn-cs"/>
+                </a:defRPr>
+              </a:lvl4pPr>
+              <a:lvl5pPr marL="1828800" algn="l" defTabSz="457200" rtl="0" eaLnBrk="1" latinLnBrk="0" hangingPunct="1">
+                <a:defRPr sz="1800" kern="1200">
+                  <a:solidFill>
+                    <a:schemeClr val="tx1"/>
+                  </a:solidFill>
+                  <a:latin typeface="+mn-lt"/>
+                  <a:ea typeface="+mn-ea"/>
+                  <a:cs typeface="+mn-cs"/>
+                </a:defRPr>
+              </a:lvl5pPr>
+              <a:lvl6pPr marL="2286000" algn="l" defTabSz="457200" rtl="0" eaLnBrk="1" latinLnBrk="0" hangingPunct="1">
+                <a:defRPr sz="1800" kern="1200">
+                  <a:solidFill>
+                    <a:schemeClr val="tx1"/>
+                  </a:solidFill>
+                  <a:latin typeface="+mn-lt"/>
+                  <a:ea typeface="+mn-ea"/>
+                  <a:cs typeface="+mn-cs"/>
+                </a:defRPr>
+              </a:lvl6pPr>
+              <a:lvl7pPr marL="2743200" algn="l" defTabSz="457200" rtl="0" eaLnBrk="1" latinLnBrk="0" hangingPunct="1">
+                <a:defRPr sz="1800" kern="1200">
+                  <a:solidFill>
+                    <a:schemeClr val="tx1"/>
+                  </a:solidFill>
+                  <a:latin typeface="+mn-lt"/>
+                  <a:ea typeface="+mn-ea"/>
+                  <a:cs typeface="+mn-cs"/>
+                </a:defRPr>
+              </a:lvl7pPr>
+              <a:lvl8pPr marL="3200400" algn="l" defTabSz="457200" rtl="0" eaLnBrk="1" latinLnBrk="0" hangingPunct="1">
+                <a:defRPr sz="1800" kern="1200">
+                  <a:solidFill>
+                    <a:schemeClr val="tx1"/>
+                  </a:solidFill>
+                  <a:latin typeface="+mn-lt"/>
+                  <a:ea typeface="+mn-ea"/>
+                  <a:cs typeface="+mn-cs"/>
+                </a:defRPr>
+              </a:lvl8pPr>
+              <a:lvl9pPr marL="3657600" algn="l" defTabSz="457200" rtl="0" eaLnBrk="1" latinLnBrk="0" hangingPunct="1">
+                <a:defRPr sz="1800" kern="1200">
+                  <a:solidFill>
+                    <a:schemeClr val="tx1"/>
+                  </a:solidFill>
+                  <a:latin typeface="+mn-lt"/>
+                  <a:ea typeface="+mn-ea"/>
+                  <a:cs typeface="+mn-cs"/>
+                </a:defRPr>
+              </a:lvl9pPr>
+            </a:lstStyle>
+            <a:p>
+              <a:r>
+                <a:rPr lang="en-US" altLang="zh-CN" sz="1600" b="1" dirty="0">
+                  <a:cs typeface="Times New Roman" panose="02020603050405020304" pitchFamily="18" charset="0"/>
+                </a:rPr>
+                <a:t>(a)</a:t>
+              </a:r>
+              <a:endParaRPr lang="zh-CN" altLang="en-US" sz="1600" b="1" dirty="0">
+                <a:cs typeface="Times New Roman" panose="02020603050405020304" pitchFamily="18" charset="0"/>
+              </a:endParaRPr>
+            </a:p>
+          </p:txBody>
+        </p:sp>
+        <p:sp>
+          <p:nvSpPr>
+            <p:cNvPr id="36" name="文本框 35">
+              <a:extLst>
+                <a:ext uri="{FF2B5EF4-FFF2-40B4-BE49-F238E27FC236}">
+                  <a16:creationId xmlns:a16="http://schemas.microsoft.com/office/drawing/2014/main" id="{7697FFCD-8604-4E4A-A9EE-18D70FE3E98D}"/>
+                </a:ext>
+              </a:extLst>
+            </p:cNvPr>
+            <p:cNvSpPr txBox="1"/>
+            <p:nvPr/>
+          </p:nvSpPr>
+          <p:spPr>
+            <a:xfrm>
+              <a:off x="3368004" y="2066488"/>
+              <a:ext cx="527709" cy="307777"/>
+            </a:xfrm>
+            <a:prstGeom prst="rect">
+              <a:avLst/>
+            </a:prstGeom>
+            <a:noFill/>
+          </p:spPr>
+          <p:txBody>
+            <a:bodyPr wrap="none" rtlCol="0">
+              <a:spAutoFit/>
+            </a:bodyPr>
+            <a:lstStyle/>
+            <a:p>
+              <a:r>
+                <a:rPr lang="en-US" altLang="zh-CN" sz="1400" dirty="0">
+                  <a:cs typeface="Times New Roman" panose="02020603050405020304" pitchFamily="18" charset="0"/>
+                </a:rPr>
+                <a:t>v = 0</a:t>
+              </a:r>
+              <a:endParaRPr lang="zh-CN" altLang="en-US" sz="1400" dirty="0">
+                <a:cs typeface="Times New Roman" panose="02020603050405020304" pitchFamily="18" charset="0"/>
+              </a:endParaRPr>
+            </a:p>
+          </p:txBody>
+        </p:sp>
+        <mc:AlternateContent xmlns:mc="http://schemas.openxmlformats.org/markup-compatibility/2006" xmlns:a14="http://schemas.microsoft.com/office/drawing/2010/main">
+          <mc:Choice Requires="a14">
+            <p:sp>
+              <p:nvSpPr>
+                <p:cNvPr id="45" name="文本框 44">
+                  <a:extLst>
+                    <a:ext uri="{FF2B5EF4-FFF2-40B4-BE49-F238E27FC236}">
+                      <a16:creationId xmlns:a16="http://schemas.microsoft.com/office/drawing/2014/main" id="{67D956E6-2588-8A06-CEFC-E6D75487120F}"/>
+                    </a:ext>
+                  </a:extLst>
+                </p:cNvPr>
+                <p:cNvSpPr txBox="1"/>
+                <p:nvPr/>
+              </p:nvSpPr>
+              <p:spPr>
+                <a:xfrm>
+                  <a:off x="359347" y="4054725"/>
+                  <a:ext cx="226152" cy="215444"/>
+                </a:xfrm>
+                <a:prstGeom prst="rect">
+                  <a:avLst/>
+                </a:prstGeom>
+                <a:noFill/>
+              </p:spPr>
+              <p:txBody>
+                <a:bodyPr wrap="none" lIns="0" tIns="0" rIns="0" bIns="0" rtlCol="0">
+                  <a:spAutoFit/>
+                </a:bodyPr>
+                <a:lstStyle/>
+                <a:p>
+                  <a:pPr/>
+                  <a14:m>
+                    <m:oMathPara xmlns:m="http://schemas.openxmlformats.org/officeDocument/2006/math">
+                      <m:oMathParaPr>
+                        <m:jc m:val="centerGroup"/>
+                      </m:oMathParaPr>
+                      <m:oMath xmlns:m="http://schemas.openxmlformats.org/officeDocument/2006/math">
+                        <m:sSup>
+                          <m:sSupPr>
+                            <m:ctrlPr>
+                              <a:rPr lang="en-US" altLang="zh-CN" sz="1400" i="1">
+                                <a:latin typeface="Cambria Math" panose="02040503050406030204" pitchFamily="18" charset="0"/>
+                              </a:rPr>
+                            </m:ctrlPr>
+                          </m:sSupPr>
+                          <m:e>
+                            <m:r>
+                              <a:rPr lang="en-US" altLang="zh-CN" sz="1400" i="1">
+                                <a:latin typeface="Cambria Math" panose="02040503050406030204" pitchFamily="18" charset="0"/>
+                              </a:rPr>
+                              <m:t>𝑝</m:t>
+                            </m:r>
+                          </m:e>
+                          <m:sup>
+                            <m:r>
+                              <a:rPr lang="en-US" altLang="zh-CN" sz="1400" i="1">
+                                <a:latin typeface="Cambria Math" panose="02040503050406030204" pitchFamily="18" charset="0"/>
+                              </a:rPr>
+                              <m:t>0</m:t>
+                            </m:r>
+                          </m:sup>
+                        </m:sSup>
+                      </m:oMath>
+                    </m:oMathPara>
+                  </a14:m>
+                  <a:endParaRPr lang="zh-CN" altLang="en-US" sz="1400" dirty="0"/>
+                </a:p>
+              </p:txBody>
+            </p:sp>
+          </mc:Choice>
+          <mc:Fallback xmlns="">
+            <p:sp>
+              <p:nvSpPr>
+                <p:cNvPr id="45" name="文本框 44">
+                  <a:extLst>
+                    <a:ext uri="{FF2B5EF4-FFF2-40B4-BE49-F238E27FC236}">
+                      <a16:creationId xmlns:a16="http://schemas.microsoft.com/office/drawing/2014/main" id="{67D956E6-2588-8A06-CEFC-E6D75487120F}"/>
+                    </a:ext>
+                  </a:extLst>
+                </p:cNvPr>
+                <p:cNvSpPr txBox="1">
+                  <a:spLocks noRot="1" noChangeAspect="1" noMove="1" noResize="1" noEditPoints="1" noAdjustHandles="1" noChangeArrowheads="1" noChangeShapeType="1" noTextEdit="1"/>
+                </p:cNvSpPr>
+                <p:nvPr/>
+              </p:nvSpPr>
+              <p:spPr>
+                <a:xfrm>
+                  <a:off x="359347" y="4054725"/>
+                  <a:ext cx="226152" cy="215444"/>
+                </a:xfrm>
+                <a:prstGeom prst="rect">
+                  <a:avLst/>
+                </a:prstGeom>
+                <a:blipFill>
+                  <a:blip r:embed="rId8"/>
+                  <a:stretch>
+                    <a:fillRect l="-21622" r="-2703" b="-25000"/>
+                  </a:stretch>
+                </a:blipFill>
+              </p:spPr>
+              <p:txBody>
+                <a:bodyPr/>
+                <a:lstStyle/>
+                <a:p>
+                  <a:r>
+                    <a:rPr lang="zh-CN" altLang="en-US">
+                      <a:noFill/>
+                    </a:rPr>
+                    <a:t> </a:t>
+                  </a:r>
+                </a:p>
+              </p:txBody>
+            </p:sp>
+          </mc:Fallback>
+        </mc:AlternateContent>
+        <mc:AlternateContent xmlns:mc="http://schemas.openxmlformats.org/markup-compatibility/2006" xmlns:a14="http://schemas.microsoft.com/office/drawing/2010/main">
+          <mc:Choice Requires="a14">
+            <p:sp>
+              <p:nvSpPr>
+                <p:cNvPr id="46" name="文本框 45">
+                  <a:extLst>
+                    <a:ext uri="{FF2B5EF4-FFF2-40B4-BE49-F238E27FC236}">
+                      <a16:creationId xmlns:a16="http://schemas.microsoft.com/office/drawing/2014/main" id="{B564E61A-17F9-FD47-ACF5-19EE87D5836D}"/>
+                    </a:ext>
+                  </a:extLst>
+                </p:cNvPr>
+                <p:cNvSpPr txBox="1"/>
+                <p:nvPr/>
+              </p:nvSpPr>
+              <p:spPr>
+                <a:xfrm>
+                  <a:off x="960695" y="4054724"/>
+                  <a:ext cx="222304" cy="215444"/>
+                </a:xfrm>
+                <a:prstGeom prst="rect">
+                  <a:avLst/>
+                </a:prstGeom>
+                <a:noFill/>
+              </p:spPr>
+              <p:txBody>
+                <a:bodyPr wrap="none" lIns="0" tIns="0" rIns="0" bIns="0" rtlCol="0">
+                  <a:spAutoFit/>
+                </a:bodyPr>
+                <a:lstStyle/>
+                <a:p>
+                  <a:pPr/>
+                  <a14:m>
+                    <m:oMathPara xmlns:m="http://schemas.openxmlformats.org/officeDocument/2006/math">
+                      <m:oMathParaPr>
+                        <m:jc m:val="centerGroup"/>
+                      </m:oMathParaPr>
+                      <m:oMath xmlns:m="http://schemas.openxmlformats.org/officeDocument/2006/math">
+                        <m:sSup>
+                          <m:sSupPr>
+                            <m:ctrlPr>
+                              <a:rPr lang="en-US" altLang="zh-CN" sz="1400" i="1">
+                                <a:latin typeface="Cambria Math" panose="02040503050406030204" pitchFamily="18" charset="0"/>
+                              </a:rPr>
+                            </m:ctrlPr>
+                          </m:sSupPr>
+                          <m:e>
+                            <m:r>
+                              <a:rPr lang="en-US" altLang="zh-CN" sz="1400" i="1">
+                                <a:latin typeface="Cambria Math" panose="02040503050406030204" pitchFamily="18" charset="0"/>
+                              </a:rPr>
+                              <m:t>𝑝</m:t>
+                            </m:r>
+                          </m:e>
+                          <m:sup>
+                            <m:r>
+                              <a:rPr lang="en-US" altLang="zh-CN" sz="1400" i="1">
+                                <a:latin typeface="Cambria Math" panose="02040503050406030204" pitchFamily="18" charset="0"/>
+                              </a:rPr>
+                              <m:t>1</m:t>
+                            </m:r>
+                          </m:sup>
+                        </m:sSup>
+                      </m:oMath>
+                    </m:oMathPara>
+                  </a14:m>
+                  <a:endParaRPr lang="zh-CN" altLang="en-US" sz="1400" dirty="0"/>
+                </a:p>
+              </p:txBody>
+            </p:sp>
+          </mc:Choice>
+          <mc:Fallback xmlns="">
+            <p:sp>
+              <p:nvSpPr>
+                <p:cNvPr id="46" name="文本框 45">
+                  <a:extLst>
+                    <a:ext uri="{FF2B5EF4-FFF2-40B4-BE49-F238E27FC236}">
+                      <a16:creationId xmlns:a16="http://schemas.microsoft.com/office/drawing/2014/main" id="{B564E61A-17F9-FD47-ACF5-19EE87D5836D}"/>
+                    </a:ext>
+                  </a:extLst>
+                </p:cNvPr>
+                <p:cNvSpPr txBox="1">
+                  <a:spLocks noRot="1" noChangeAspect="1" noMove="1" noResize="1" noEditPoints="1" noAdjustHandles="1" noChangeArrowheads="1" noChangeShapeType="1" noTextEdit="1"/>
+                </p:cNvSpPr>
+                <p:nvPr/>
+              </p:nvSpPr>
+              <p:spPr>
+                <a:xfrm>
+                  <a:off x="960695" y="4054724"/>
+                  <a:ext cx="222304" cy="215444"/>
+                </a:xfrm>
+                <a:prstGeom prst="rect">
+                  <a:avLst/>
+                </a:prstGeom>
+                <a:blipFill>
+                  <a:blip r:embed="rId4"/>
+                  <a:stretch>
+                    <a:fillRect l="-22222" r="-5556" b="-25000"/>
+                  </a:stretch>
+                </a:blipFill>
+              </p:spPr>
+              <p:txBody>
+                <a:bodyPr/>
+                <a:lstStyle/>
+                <a:p>
+                  <a:r>
+                    <a:rPr lang="zh-CN" altLang="en-US">
+                      <a:noFill/>
+                    </a:rPr>
+                    <a:t> </a:t>
+                  </a:r>
+                </a:p>
+              </p:txBody>
+            </p:sp>
+          </mc:Fallback>
+        </mc:AlternateContent>
+        <mc:AlternateContent xmlns:mc="http://schemas.openxmlformats.org/markup-compatibility/2006" xmlns:a14="http://schemas.microsoft.com/office/drawing/2010/main">
+          <mc:Choice Requires="a14">
+            <p:sp>
+              <p:nvSpPr>
+                <p:cNvPr id="47" name="文本框 46">
+                  <a:extLst>
+                    <a:ext uri="{FF2B5EF4-FFF2-40B4-BE49-F238E27FC236}">
+                      <a16:creationId xmlns:a16="http://schemas.microsoft.com/office/drawing/2014/main" id="{F2E10B80-FC50-C5EA-CC00-C9722397A88B}"/>
+                    </a:ext>
+                  </a:extLst>
+                </p:cNvPr>
+                <p:cNvSpPr txBox="1"/>
+                <p:nvPr/>
+              </p:nvSpPr>
+              <p:spPr>
+                <a:xfrm>
+                  <a:off x="2220290" y="4056479"/>
+                  <a:ext cx="226152" cy="215444"/>
+                </a:xfrm>
+                <a:prstGeom prst="rect">
+                  <a:avLst/>
+                </a:prstGeom>
+                <a:noFill/>
+              </p:spPr>
+              <p:txBody>
+                <a:bodyPr wrap="none" lIns="0" tIns="0" rIns="0" bIns="0" rtlCol="0">
+                  <a:spAutoFit/>
+                </a:bodyPr>
+                <a:lstStyle/>
+                <a:p>
+                  <a:pPr/>
+                  <a14:m>
+                    <m:oMathPara xmlns:m="http://schemas.openxmlformats.org/officeDocument/2006/math">
+                      <m:oMathParaPr>
+                        <m:jc m:val="centerGroup"/>
+                      </m:oMathParaPr>
+                      <m:oMath xmlns:m="http://schemas.openxmlformats.org/officeDocument/2006/math">
+                        <m:sSup>
+                          <m:sSupPr>
+                            <m:ctrlPr>
+                              <a:rPr lang="en-US" altLang="zh-CN" sz="1400" i="1">
+                                <a:latin typeface="Cambria Math" panose="02040503050406030204" pitchFamily="18" charset="0"/>
+                              </a:rPr>
+                            </m:ctrlPr>
+                          </m:sSupPr>
+                          <m:e>
+                            <m:r>
+                              <a:rPr lang="en-US" altLang="zh-CN" sz="1400" i="1">
+                                <a:latin typeface="Cambria Math" panose="02040503050406030204" pitchFamily="18" charset="0"/>
+                              </a:rPr>
+                              <m:t>𝑝</m:t>
+                            </m:r>
+                          </m:e>
+                          <m:sup>
+                            <m:r>
+                              <a:rPr lang="en-US" altLang="zh-CN" sz="1400" i="1">
+                                <a:latin typeface="Cambria Math" panose="02040503050406030204" pitchFamily="18" charset="0"/>
+                              </a:rPr>
+                              <m:t>2</m:t>
+                            </m:r>
+                          </m:sup>
+                        </m:sSup>
+                      </m:oMath>
+                    </m:oMathPara>
+                  </a14:m>
+                  <a:endParaRPr lang="zh-CN" altLang="en-US" sz="1400" dirty="0"/>
+                </a:p>
+              </p:txBody>
+            </p:sp>
+          </mc:Choice>
+          <mc:Fallback xmlns="">
+            <p:sp>
+              <p:nvSpPr>
+                <p:cNvPr id="47" name="文本框 46">
+                  <a:extLst>
+                    <a:ext uri="{FF2B5EF4-FFF2-40B4-BE49-F238E27FC236}">
+                      <a16:creationId xmlns:a16="http://schemas.microsoft.com/office/drawing/2014/main" id="{F2E10B80-FC50-C5EA-CC00-C9722397A88B}"/>
+                    </a:ext>
+                  </a:extLst>
+                </p:cNvPr>
+                <p:cNvSpPr txBox="1">
+                  <a:spLocks noRot="1" noChangeAspect="1" noMove="1" noResize="1" noEditPoints="1" noAdjustHandles="1" noChangeArrowheads="1" noChangeShapeType="1" noTextEdit="1"/>
+                </p:cNvSpPr>
+                <p:nvPr/>
+              </p:nvSpPr>
+              <p:spPr>
+                <a:xfrm>
+                  <a:off x="2220290" y="4056479"/>
+                  <a:ext cx="226152" cy="215444"/>
+                </a:xfrm>
+                <a:prstGeom prst="rect">
+                  <a:avLst/>
+                </a:prstGeom>
+                <a:blipFill>
+                  <a:blip r:embed="rId9"/>
+                  <a:stretch>
+                    <a:fillRect l="-18919" r="-2703" b="-25714"/>
+                  </a:stretch>
+                </a:blipFill>
+              </p:spPr>
+              <p:txBody>
+                <a:bodyPr/>
+                <a:lstStyle/>
+                <a:p>
+                  <a:r>
+                    <a:rPr lang="zh-CN" altLang="en-US">
+                      <a:noFill/>
+                    </a:rPr>
+                    <a:t> </a:t>
+                  </a:r>
+                </a:p>
+              </p:txBody>
+            </p:sp>
+          </mc:Fallback>
+        </mc:AlternateContent>
+        <mc:AlternateContent xmlns:mc="http://schemas.openxmlformats.org/markup-compatibility/2006" xmlns:a14="http://schemas.microsoft.com/office/drawing/2010/main">
+          <mc:Choice Requires="a14">
+            <p:sp>
+              <p:nvSpPr>
+                <p:cNvPr id="48" name="文本框 47">
+                  <a:extLst>
+                    <a:ext uri="{FF2B5EF4-FFF2-40B4-BE49-F238E27FC236}">
+                      <a16:creationId xmlns:a16="http://schemas.microsoft.com/office/drawing/2014/main" id="{425B7C84-8F1C-532B-0DCA-7E07D9659504}"/>
+                    </a:ext>
+                  </a:extLst>
+                </p:cNvPr>
+                <p:cNvSpPr txBox="1"/>
+                <p:nvPr/>
+              </p:nvSpPr>
+              <p:spPr>
+                <a:xfrm>
+                  <a:off x="3266080" y="4054723"/>
+                  <a:ext cx="226152" cy="215444"/>
+                </a:xfrm>
+                <a:prstGeom prst="rect">
+                  <a:avLst/>
+                </a:prstGeom>
+                <a:noFill/>
+              </p:spPr>
+              <p:txBody>
+                <a:bodyPr wrap="none" lIns="0" tIns="0" rIns="0" bIns="0" rtlCol="0">
+                  <a:spAutoFit/>
+                </a:bodyPr>
+                <a:lstStyle/>
+                <a:p>
+                  <a:pPr/>
+                  <a14:m>
+                    <m:oMathPara xmlns:m="http://schemas.openxmlformats.org/officeDocument/2006/math">
+                      <m:oMathParaPr>
+                        <m:jc m:val="centerGroup"/>
+                      </m:oMathParaPr>
+                      <m:oMath xmlns:m="http://schemas.openxmlformats.org/officeDocument/2006/math">
+                        <m:sSup>
+                          <m:sSupPr>
+                            <m:ctrlPr>
+                              <a:rPr lang="en-US" altLang="zh-CN" sz="1400" i="1">
+                                <a:latin typeface="Cambria Math" panose="02040503050406030204" pitchFamily="18" charset="0"/>
+                              </a:rPr>
+                            </m:ctrlPr>
+                          </m:sSupPr>
+                          <m:e>
+                            <m:r>
+                              <a:rPr lang="en-US" altLang="zh-CN" sz="1400" i="1">
+                                <a:latin typeface="Cambria Math" panose="02040503050406030204" pitchFamily="18" charset="0"/>
+                              </a:rPr>
+                              <m:t>𝑝</m:t>
+                            </m:r>
+                          </m:e>
+                          <m:sup>
+                            <m:r>
+                              <a:rPr lang="en-US" altLang="zh-CN" sz="1400" i="1">
+                                <a:latin typeface="Cambria Math" panose="02040503050406030204" pitchFamily="18" charset="0"/>
+                              </a:rPr>
+                              <m:t>3</m:t>
+                            </m:r>
+                          </m:sup>
+                        </m:sSup>
+                      </m:oMath>
+                    </m:oMathPara>
+                  </a14:m>
+                  <a:endParaRPr lang="zh-CN" altLang="en-US" sz="1400" dirty="0"/>
+                </a:p>
+              </p:txBody>
+            </p:sp>
+          </mc:Choice>
+          <mc:Fallback xmlns="">
+            <p:sp>
+              <p:nvSpPr>
+                <p:cNvPr id="48" name="文本框 47">
+                  <a:extLst>
+                    <a:ext uri="{FF2B5EF4-FFF2-40B4-BE49-F238E27FC236}">
+                      <a16:creationId xmlns:a16="http://schemas.microsoft.com/office/drawing/2014/main" id="{425B7C84-8F1C-532B-0DCA-7E07D9659504}"/>
+                    </a:ext>
+                  </a:extLst>
+                </p:cNvPr>
+                <p:cNvSpPr txBox="1">
+                  <a:spLocks noRot="1" noChangeAspect="1" noMove="1" noResize="1" noEditPoints="1" noAdjustHandles="1" noChangeArrowheads="1" noChangeShapeType="1" noTextEdit="1"/>
+                </p:cNvSpPr>
+                <p:nvPr/>
+              </p:nvSpPr>
+              <p:spPr>
+                <a:xfrm>
+                  <a:off x="3266080" y="4054723"/>
+                  <a:ext cx="226152" cy="215444"/>
+                </a:xfrm>
+                <a:prstGeom prst="rect">
+                  <a:avLst/>
+                </a:prstGeom>
+                <a:blipFill>
+                  <a:blip r:embed="rId10"/>
+                  <a:stretch>
+                    <a:fillRect l="-21622" r="-2703" b="-25000"/>
+                  </a:stretch>
+                </a:blipFill>
+              </p:spPr>
+              <p:txBody>
+                <a:bodyPr/>
+                <a:lstStyle/>
+                <a:p>
+                  <a:r>
+                    <a:rPr lang="zh-CN" altLang="en-US">
+                      <a:noFill/>
+                    </a:rPr>
+                    <a:t> </a:t>
+                  </a:r>
+                </a:p>
+              </p:txBody>
+            </p:sp>
+          </mc:Fallback>
+        </mc:AlternateContent>
+        <p:cxnSp>
+          <p:nvCxnSpPr>
+            <p:cNvPr id="53" name="直接连接符 52">
+              <a:extLst>
+                <a:ext uri="{FF2B5EF4-FFF2-40B4-BE49-F238E27FC236}">
+                  <a16:creationId xmlns:a16="http://schemas.microsoft.com/office/drawing/2014/main" id="{6D1B6BDD-EC63-0B90-1DC4-EA6A2DEF38EA}"/>
+                </a:ext>
+              </a:extLst>
+            </p:cNvPr>
+            <p:cNvCxnSpPr>
+              <a:cxnSpLocks/>
+            </p:cNvCxnSpPr>
+            <p:nvPr/>
+          </p:nvCxnSpPr>
+          <p:spPr>
+            <a:xfrm flipH="1">
+              <a:off x="3293321" y="2235612"/>
+              <a:ext cx="91434" cy="107730"/>
+            </a:xfrm>
+            <a:prstGeom prst="line">
+              <a:avLst/>
+            </a:prstGeom>
+            <a:ln>
+              <a:solidFill>
+                <a:srgbClr val="FF5757"/>
+              </a:solidFill>
+            </a:ln>
+          </p:spPr>
+          <p:style>
+            <a:lnRef idx="1">
+              <a:schemeClr val="accent1"/>
+            </a:lnRef>
+            <a:fillRef idx="0">
+              <a:schemeClr val="accent1"/>
+            </a:fillRef>
+            <a:effectRef idx="0">
+              <a:schemeClr val="accent1"/>
+            </a:effectRef>
+            <a:fontRef idx="minor">
+              <a:schemeClr val="tx1"/>
+            </a:fontRef>
+          </p:style>
+        </p:cxnSp>
+        <p:cxnSp>
+          <p:nvCxnSpPr>
+            <p:cNvPr id="56" name="直接连接符 55">
+              <a:extLst>
+                <a:ext uri="{FF2B5EF4-FFF2-40B4-BE49-F238E27FC236}">
+                  <a16:creationId xmlns:a16="http://schemas.microsoft.com/office/drawing/2014/main" id="{B2F6BD54-46FB-23E3-2E3F-380E3BA3A44D}"/>
+                </a:ext>
+              </a:extLst>
+            </p:cNvPr>
+            <p:cNvCxnSpPr>
+              <a:cxnSpLocks/>
+            </p:cNvCxnSpPr>
+            <p:nvPr/>
+          </p:nvCxnSpPr>
+          <p:spPr>
+            <a:xfrm flipH="1">
+              <a:off x="3234718" y="2228637"/>
+              <a:ext cx="86985" cy="100491"/>
+            </a:xfrm>
+            <a:prstGeom prst="line">
+              <a:avLst/>
+            </a:prstGeom>
+            <a:ln>
+              <a:solidFill>
+                <a:srgbClr val="FF5757"/>
+              </a:solidFill>
+            </a:ln>
+          </p:spPr>
+          <p:style>
+            <a:lnRef idx="1">
+              <a:schemeClr val="accent1"/>
+            </a:lnRef>
+            <a:fillRef idx="0">
+              <a:schemeClr val="accent1"/>
+            </a:fillRef>
+            <a:effectRef idx="0">
+              <a:schemeClr val="accent1"/>
+            </a:effectRef>
+            <a:fontRef idx="minor">
+              <a:schemeClr val="tx1"/>
+            </a:fontRef>
+          </p:style>
+        </p:cxnSp>
+        <p:cxnSp>
+          <p:nvCxnSpPr>
+            <p:cNvPr id="60" name="直接连接符 59">
+              <a:extLst>
+                <a:ext uri="{FF2B5EF4-FFF2-40B4-BE49-F238E27FC236}">
+                  <a16:creationId xmlns:a16="http://schemas.microsoft.com/office/drawing/2014/main" id="{C0EFC571-254E-46A4-AFF6-2F6CC0F15A21}"/>
+                </a:ext>
+              </a:extLst>
+            </p:cNvPr>
+            <p:cNvCxnSpPr>
+              <a:cxnSpLocks/>
+            </p:cNvCxnSpPr>
+            <p:nvPr/>
+          </p:nvCxnSpPr>
+          <p:spPr>
+            <a:xfrm flipH="1">
+              <a:off x="3164842" y="2235613"/>
+              <a:ext cx="73925" cy="93515"/>
+            </a:xfrm>
+            <a:prstGeom prst="line">
+              <a:avLst/>
+            </a:prstGeom>
+            <a:ln>
+              <a:solidFill>
+                <a:srgbClr val="FF5757"/>
+              </a:solidFill>
+            </a:ln>
+          </p:spPr>
+          <p:style>
+            <a:lnRef idx="1">
+              <a:schemeClr val="accent1"/>
+            </a:lnRef>
+            <a:fillRef idx="0">
+              <a:schemeClr val="accent1"/>
+            </a:fillRef>
+            <a:effectRef idx="0">
+              <a:schemeClr val="accent1"/>
+            </a:effectRef>
+            <a:fontRef idx="minor">
+              <a:schemeClr val="tx1"/>
+            </a:fontRef>
+          </p:style>
+        </p:cxnSp>
+        <p:cxnSp>
+          <p:nvCxnSpPr>
+            <p:cNvPr id="64" name="直接连接符 63">
+              <a:extLst>
+                <a:ext uri="{FF2B5EF4-FFF2-40B4-BE49-F238E27FC236}">
+                  <a16:creationId xmlns:a16="http://schemas.microsoft.com/office/drawing/2014/main" id="{A32C375F-A339-2805-BCF3-F66BD6D9D482}"/>
+                </a:ext>
+              </a:extLst>
+            </p:cNvPr>
+            <p:cNvCxnSpPr>
+              <a:cxnSpLocks/>
+            </p:cNvCxnSpPr>
+            <p:nvPr/>
+          </p:nvCxnSpPr>
+          <p:spPr>
+            <a:xfrm flipH="1">
+              <a:off x="3099015" y="2228636"/>
+              <a:ext cx="75893" cy="81284"/>
+            </a:xfrm>
+            <a:prstGeom prst="line">
+              <a:avLst/>
+            </a:prstGeom>
+            <a:ln>
+              <a:solidFill>
+                <a:srgbClr val="FF5757"/>
+              </a:solidFill>
+            </a:ln>
+          </p:spPr>
+          <p:style>
+            <a:lnRef idx="1">
+              <a:schemeClr val="accent1"/>
+            </a:lnRef>
+            <a:fillRef idx="0">
+              <a:schemeClr val="accent1"/>
+            </a:fillRef>
+            <a:effectRef idx="0">
+              <a:schemeClr val="accent1"/>
+            </a:effectRef>
+            <a:fontRef idx="minor">
+              <a:schemeClr val="tx1"/>
+            </a:fontRef>
+          </p:style>
+        </p:cxnSp>
+        <p:cxnSp>
+          <p:nvCxnSpPr>
+            <p:cNvPr id="66" name="直接连接符 65">
+              <a:extLst>
+                <a:ext uri="{FF2B5EF4-FFF2-40B4-BE49-F238E27FC236}">
+                  <a16:creationId xmlns:a16="http://schemas.microsoft.com/office/drawing/2014/main" id="{D38EF4EC-C63F-2EAF-8EB1-0DD371465F0B}"/>
+                </a:ext>
+              </a:extLst>
+            </p:cNvPr>
+            <p:cNvCxnSpPr>
+              <a:cxnSpLocks/>
+            </p:cNvCxnSpPr>
+            <p:nvPr/>
+          </p:nvCxnSpPr>
+          <p:spPr>
+            <a:xfrm flipH="1">
+              <a:off x="3051860" y="2235613"/>
+              <a:ext cx="36961" cy="53865"/>
+            </a:xfrm>
+            <a:prstGeom prst="line">
+              <a:avLst/>
+            </a:prstGeom>
+            <a:ln>
+              <a:solidFill>
+                <a:srgbClr val="FF5757"/>
+              </a:solidFill>
+            </a:ln>
+          </p:spPr>
+          <p:style>
+            <a:lnRef idx="1">
+              <a:schemeClr val="accent1"/>
+            </a:lnRef>
+            <a:fillRef idx="0">
+              <a:schemeClr val="accent1"/>
+            </a:fillRef>
+            <a:effectRef idx="0">
+              <a:schemeClr val="accent1"/>
+            </a:effectRef>
+            <a:fontRef idx="minor">
+              <a:schemeClr val="tx1"/>
+            </a:fontRef>
+          </p:style>
+        </p:cxnSp>
+        <p:cxnSp>
+          <p:nvCxnSpPr>
+            <p:cNvPr id="73" name="直接连接符 72">
+              <a:extLst>
+                <a:ext uri="{FF2B5EF4-FFF2-40B4-BE49-F238E27FC236}">
+                  <a16:creationId xmlns:a16="http://schemas.microsoft.com/office/drawing/2014/main" id="{ADF2D282-E2EC-03DA-ADA1-CDFB2165D717}"/>
+                </a:ext>
+              </a:extLst>
+            </p:cNvPr>
+            <p:cNvCxnSpPr>
+              <a:cxnSpLocks/>
+            </p:cNvCxnSpPr>
+            <p:nvPr/>
+          </p:nvCxnSpPr>
+          <p:spPr>
+            <a:xfrm flipH="1">
+              <a:off x="2983130" y="2229714"/>
+              <a:ext cx="34453" cy="34525"/>
+            </a:xfrm>
+            <a:prstGeom prst="line">
+              <a:avLst/>
+            </a:prstGeom>
+            <a:ln>
+              <a:solidFill>
+                <a:srgbClr val="FF5757"/>
+              </a:solidFill>
+            </a:ln>
+          </p:spPr>
+          <p:style>
+            <a:lnRef idx="1">
+              <a:schemeClr val="accent1"/>
+            </a:lnRef>
+            <a:fillRef idx="0">
+              <a:schemeClr val="accent1"/>
+            </a:fillRef>
+            <a:effectRef idx="0">
+              <a:schemeClr val="accent1"/>
+            </a:effectRef>
+            <a:fontRef idx="minor">
+              <a:schemeClr val="tx1"/>
+            </a:fontRef>
+          </p:style>
+        </p:cxnSp>
+        <p:cxnSp>
+          <p:nvCxnSpPr>
+            <p:cNvPr id="85" name="直接连接符 84">
+              <a:extLst>
+                <a:ext uri="{FF2B5EF4-FFF2-40B4-BE49-F238E27FC236}">
+                  <a16:creationId xmlns:a16="http://schemas.microsoft.com/office/drawing/2014/main" id="{B5891E5F-278B-48A8-D045-B81DC468CDCD}"/>
+                </a:ext>
+              </a:extLst>
+            </p:cNvPr>
+            <p:cNvCxnSpPr>
+              <a:cxnSpLocks/>
+            </p:cNvCxnSpPr>
+            <p:nvPr/>
+          </p:nvCxnSpPr>
+          <p:spPr>
+            <a:xfrm flipH="1">
+              <a:off x="2335982" y="2046101"/>
+              <a:ext cx="176801" cy="166103"/>
+            </a:xfrm>
+            <a:prstGeom prst="line">
+              <a:avLst/>
+            </a:prstGeom>
+          </p:spPr>
+          <p:style>
+            <a:lnRef idx="1">
+              <a:schemeClr val="accent1"/>
+            </a:lnRef>
+            <a:fillRef idx="0">
+              <a:schemeClr val="accent1"/>
+            </a:fillRef>
+            <a:effectRef idx="0">
+              <a:schemeClr val="accent1"/>
+            </a:effectRef>
+            <a:fontRef idx="minor">
+              <a:schemeClr val="tx1"/>
+            </a:fontRef>
+          </p:style>
+        </p:cxnSp>
+        <p:cxnSp>
+          <p:nvCxnSpPr>
+            <p:cNvPr id="86" name="直接连接符 85">
+              <a:extLst>
+                <a:ext uri="{FF2B5EF4-FFF2-40B4-BE49-F238E27FC236}">
+                  <a16:creationId xmlns:a16="http://schemas.microsoft.com/office/drawing/2014/main" id="{44F9779D-8B9E-694A-FC66-792C9782F367}"/>
+                </a:ext>
+              </a:extLst>
+            </p:cNvPr>
+            <p:cNvCxnSpPr>
+              <a:cxnSpLocks/>
+            </p:cNvCxnSpPr>
+            <p:nvPr/>
+          </p:nvCxnSpPr>
+          <p:spPr>
+            <a:xfrm flipH="1">
+              <a:off x="2222756" y="2014136"/>
+              <a:ext cx="240807" cy="221476"/>
+            </a:xfrm>
+            <a:prstGeom prst="line">
+              <a:avLst/>
+            </a:prstGeom>
+          </p:spPr>
+          <p:style>
+            <a:lnRef idx="1">
+              <a:schemeClr val="accent1"/>
+            </a:lnRef>
+            <a:fillRef idx="0">
+              <a:schemeClr val="accent1"/>
+            </a:fillRef>
+            <a:effectRef idx="0">
+              <a:schemeClr val="accent1"/>
+            </a:effectRef>
+            <a:fontRef idx="minor">
+              <a:schemeClr val="tx1"/>
+            </a:fontRef>
+          </p:style>
+        </p:cxnSp>
+        <p:cxnSp>
+          <p:nvCxnSpPr>
+            <p:cNvPr id="90" name="直接连接符 89">
+              <a:extLst>
+                <a:ext uri="{FF2B5EF4-FFF2-40B4-BE49-F238E27FC236}">
+                  <a16:creationId xmlns:a16="http://schemas.microsoft.com/office/drawing/2014/main" id="{43FAF1F0-5948-3449-CAE2-89C034C3F98F}"/>
+                </a:ext>
+              </a:extLst>
+            </p:cNvPr>
+            <p:cNvCxnSpPr>
+              <a:cxnSpLocks/>
+            </p:cNvCxnSpPr>
+            <p:nvPr/>
+          </p:nvCxnSpPr>
+          <p:spPr>
+            <a:xfrm flipH="1">
+              <a:off x="2411246" y="2079506"/>
+              <a:ext cx="160599" cy="148953"/>
+            </a:xfrm>
+            <a:prstGeom prst="line">
+              <a:avLst/>
+            </a:prstGeom>
+          </p:spPr>
+          <p:style>
+            <a:lnRef idx="1">
+              <a:schemeClr val="accent1"/>
+            </a:lnRef>
+            <a:fillRef idx="0">
+              <a:schemeClr val="accent1"/>
+            </a:fillRef>
+            <a:effectRef idx="0">
+              <a:schemeClr val="accent1"/>
+            </a:effectRef>
+            <a:fontRef idx="minor">
+              <a:schemeClr val="tx1"/>
+            </a:fontRef>
+          </p:style>
+        </p:cxnSp>
+        <p:cxnSp>
+          <p:nvCxnSpPr>
+            <p:cNvPr id="98" name="直接连接符 97">
+              <a:extLst>
+                <a:ext uri="{FF2B5EF4-FFF2-40B4-BE49-F238E27FC236}">
+                  <a16:creationId xmlns:a16="http://schemas.microsoft.com/office/drawing/2014/main" id="{B9E629FB-51D8-8B5F-0AE8-4394A942F887}"/>
+                </a:ext>
+              </a:extLst>
+            </p:cNvPr>
+            <p:cNvCxnSpPr>
+              <a:cxnSpLocks/>
+            </p:cNvCxnSpPr>
+            <p:nvPr/>
+          </p:nvCxnSpPr>
+          <p:spPr>
+            <a:xfrm flipH="1">
+              <a:off x="2727838" y="2184870"/>
+              <a:ext cx="40624" cy="45143"/>
+            </a:xfrm>
+            <a:prstGeom prst="line">
+              <a:avLst/>
+            </a:prstGeom>
+          </p:spPr>
+          <p:style>
+            <a:lnRef idx="1">
+              <a:schemeClr val="accent1"/>
+            </a:lnRef>
+            <a:fillRef idx="0">
+              <a:schemeClr val="accent1"/>
+            </a:fillRef>
+            <a:effectRef idx="0">
+              <a:schemeClr val="accent1"/>
+            </a:effectRef>
+            <a:fontRef idx="minor">
+              <a:schemeClr val="tx1"/>
+            </a:fontRef>
+          </p:style>
+        </p:cxnSp>
+        <p:cxnSp>
+          <p:nvCxnSpPr>
+            <p:cNvPr id="109" name="直接连接符 108">
+              <a:extLst>
+                <a:ext uri="{FF2B5EF4-FFF2-40B4-BE49-F238E27FC236}">
+                  <a16:creationId xmlns:a16="http://schemas.microsoft.com/office/drawing/2014/main" id="{C29CEE2A-0AEB-81E3-4C6E-6ACF824375CA}"/>
+                </a:ext>
+              </a:extLst>
+            </p:cNvPr>
+            <p:cNvCxnSpPr>
+              <a:cxnSpLocks/>
+            </p:cNvCxnSpPr>
+            <p:nvPr/>
+          </p:nvCxnSpPr>
+          <p:spPr>
+            <a:xfrm flipH="1">
+              <a:off x="2667502" y="2147692"/>
+              <a:ext cx="71429" cy="74308"/>
+            </a:xfrm>
+            <a:prstGeom prst="line">
+              <a:avLst/>
+            </a:prstGeom>
+          </p:spPr>
+          <p:style>
+            <a:lnRef idx="1">
+              <a:schemeClr val="accent1"/>
+            </a:lnRef>
+            <a:fillRef idx="0">
+              <a:schemeClr val="accent1"/>
+            </a:fillRef>
+            <a:effectRef idx="0">
+              <a:schemeClr val="accent1"/>
+            </a:effectRef>
+            <a:fontRef idx="minor">
+              <a:schemeClr val="tx1"/>
+            </a:fontRef>
+          </p:style>
+        </p:cxnSp>
+        <p:cxnSp>
+          <p:nvCxnSpPr>
+            <p:cNvPr id="116" name="直接连接符 115">
+              <a:extLst>
+                <a:ext uri="{FF2B5EF4-FFF2-40B4-BE49-F238E27FC236}">
+                  <a16:creationId xmlns:a16="http://schemas.microsoft.com/office/drawing/2014/main" id="{31385BC9-1527-861F-E5C2-FB000D48F78E}"/>
+                </a:ext>
+              </a:extLst>
+            </p:cNvPr>
+            <p:cNvCxnSpPr>
+              <a:cxnSpLocks/>
+            </p:cNvCxnSpPr>
+            <p:nvPr/>
+          </p:nvCxnSpPr>
+          <p:spPr>
+            <a:xfrm flipH="1">
+              <a:off x="2597448" y="2128426"/>
+              <a:ext cx="87220" cy="92162"/>
+            </a:xfrm>
+            <a:prstGeom prst="line">
+              <a:avLst/>
+            </a:prstGeom>
+          </p:spPr>
+          <p:style>
+            <a:lnRef idx="1">
+              <a:schemeClr val="accent1"/>
+            </a:lnRef>
+            <a:fillRef idx="0">
+              <a:schemeClr val="accent1"/>
+            </a:fillRef>
+            <a:effectRef idx="0">
+              <a:schemeClr val="accent1"/>
+            </a:effectRef>
+            <a:fontRef idx="minor">
+              <a:schemeClr val="tx1"/>
+            </a:fontRef>
+          </p:style>
+        </p:cxnSp>
+        <p:cxnSp>
+          <p:nvCxnSpPr>
+            <p:cNvPr id="118" name="直接连接符 117">
+              <a:extLst>
+                <a:ext uri="{FF2B5EF4-FFF2-40B4-BE49-F238E27FC236}">
+                  <a16:creationId xmlns:a16="http://schemas.microsoft.com/office/drawing/2014/main" id="{005DD819-E5FB-90B8-42C7-C747DC2E01B3}"/>
+                </a:ext>
+              </a:extLst>
+            </p:cNvPr>
+            <p:cNvCxnSpPr>
+              <a:cxnSpLocks/>
+            </p:cNvCxnSpPr>
+            <p:nvPr/>
+          </p:nvCxnSpPr>
+          <p:spPr>
+            <a:xfrm flipH="1">
+              <a:off x="2521715" y="2109741"/>
+              <a:ext cx="106187" cy="107703"/>
+            </a:xfrm>
+            <a:prstGeom prst="line">
+              <a:avLst/>
+            </a:prstGeom>
+          </p:spPr>
+          <p:style>
+            <a:lnRef idx="1">
+              <a:schemeClr val="accent1"/>
+            </a:lnRef>
+            <a:fillRef idx="0">
+              <a:schemeClr val="accent1"/>
+            </a:fillRef>
+            <a:effectRef idx="0">
+              <a:schemeClr val="accent1"/>
+            </a:effectRef>
+            <a:fontRef idx="minor">
+              <a:schemeClr val="tx1"/>
+            </a:fontRef>
+          </p:style>
+        </p:cxnSp>
+        <p:cxnSp>
+          <p:nvCxnSpPr>
+            <p:cNvPr id="125" name="直接连接符 124">
+              <a:extLst>
+                <a:ext uri="{FF2B5EF4-FFF2-40B4-BE49-F238E27FC236}">
+                  <a16:creationId xmlns:a16="http://schemas.microsoft.com/office/drawing/2014/main" id="{F1510BD1-3D6D-4AAF-4818-39C79001E1D4}"/>
+                </a:ext>
+              </a:extLst>
+            </p:cNvPr>
+            <p:cNvCxnSpPr>
+              <a:cxnSpLocks/>
+            </p:cNvCxnSpPr>
+            <p:nvPr/>
+          </p:nvCxnSpPr>
+          <p:spPr>
+            <a:xfrm flipH="1">
+              <a:off x="2135376" y="1992774"/>
+              <a:ext cx="261695" cy="227756"/>
+            </a:xfrm>
+            <a:prstGeom prst="line">
+              <a:avLst/>
+            </a:prstGeom>
+          </p:spPr>
+          <p:style>
+            <a:lnRef idx="1">
+              <a:schemeClr val="accent1"/>
+            </a:lnRef>
+            <a:fillRef idx="0">
+              <a:schemeClr val="accent1"/>
+            </a:fillRef>
+            <a:effectRef idx="0">
+              <a:schemeClr val="accent1"/>
+            </a:effectRef>
+            <a:fontRef idx="minor">
+              <a:schemeClr val="tx1"/>
+            </a:fontRef>
+          </p:style>
+        </p:cxnSp>
+        <p:cxnSp>
+          <p:nvCxnSpPr>
+            <p:cNvPr id="127" name="直接连接符 126">
+              <a:extLst>
+                <a:ext uri="{FF2B5EF4-FFF2-40B4-BE49-F238E27FC236}">
+                  <a16:creationId xmlns:a16="http://schemas.microsoft.com/office/drawing/2014/main" id="{39D1CC26-C680-9F36-2189-0D7F28F50D62}"/>
+                </a:ext>
+              </a:extLst>
+            </p:cNvPr>
+            <p:cNvCxnSpPr>
+              <a:cxnSpLocks/>
+            </p:cNvCxnSpPr>
+            <p:nvPr/>
+          </p:nvCxnSpPr>
+          <p:spPr>
+            <a:xfrm flipH="1">
+              <a:off x="2035067" y="1976662"/>
+              <a:ext cx="268998" cy="251796"/>
+            </a:xfrm>
+            <a:prstGeom prst="line">
+              <a:avLst/>
+            </a:prstGeom>
+          </p:spPr>
+          <p:style>
+            <a:lnRef idx="1">
+              <a:schemeClr val="accent1"/>
+            </a:lnRef>
+            <a:fillRef idx="0">
+              <a:schemeClr val="accent1"/>
+            </a:fillRef>
+            <a:effectRef idx="0">
+              <a:schemeClr val="accent1"/>
+            </a:effectRef>
+            <a:fontRef idx="minor">
+              <a:schemeClr val="tx1"/>
+            </a:fontRef>
+          </p:style>
+        </p:cxnSp>
+        <p:cxnSp>
+          <p:nvCxnSpPr>
+            <p:cNvPr id="129" name="直接连接符 128">
+              <a:extLst>
+                <a:ext uri="{FF2B5EF4-FFF2-40B4-BE49-F238E27FC236}">
+                  <a16:creationId xmlns:a16="http://schemas.microsoft.com/office/drawing/2014/main" id="{DDFB0889-B531-B7C4-3AF3-8B81BFC1C431}"/>
+                </a:ext>
+              </a:extLst>
+            </p:cNvPr>
+            <p:cNvCxnSpPr>
+              <a:cxnSpLocks/>
+            </p:cNvCxnSpPr>
+            <p:nvPr/>
+          </p:nvCxnSpPr>
+          <p:spPr>
+            <a:xfrm flipH="1">
+              <a:off x="1930503" y="1964116"/>
+              <a:ext cx="292253" cy="256414"/>
+            </a:xfrm>
+            <a:prstGeom prst="line">
+              <a:avLst/>
+            </a:prstGeom>
+          </p:spPr>
+          <p:style>
+            <a:lnRef idx="1">
+              <a:schemeClr val="accent1"/>
+            </a:lnRef>
+            <a:fillRef idx="0">
+              <a:schemeClr val="accent1"/>
+            </a:fillRef>
+            <a:effectRef idx="0">
+              <a:schemeClr val="accent1"/>
+            </a:effectRef>
+            <a:fontRef idx="minor">
+              <a:schemeClr val="tx1"/>
+            </a:fontRef>
+          </p:style>
+        </p:cxnSp>
+        <p:cxnSp>
+          <p:nvCxnSpPr>
+            <p:cNvPr id="132" name="直接连接符 131">
+              <a:extLst>
+                <a:ext uri="{FF2B5EF4-FFF2-40B4-BE49-F238E27FC236}">
+                  <a16:creationId xmlns:a16="http://schemas.microsoft.com/office/drawing/2014/main" id="{4380BAF0-5285-54D4-4A9F-012E649C21C3}"/>
+                </a:ext>
+              </a:extLst>
+            </p:cNvPr>
+            <p:cNvCxnSpPr>
+              <a:cxnSpLocks/>
+            </p:cNvCxnSpPr>
+            <p:nvPr/>
+          </p:nvCxnSpPr>
+          <p:spPr>
+            <a:xfrm flipH="1">
+              <a:off x="1816363" y="1964116"/>
+              <a:ext cx="292253" cy="256414"/>
+            </a:xfrm>
+            <a:prstGeom prst="line">
+              <a:avLst/>
+            </a:prstGeom>
+          </p:spPr>
+          <p:style>
+            <a:lnRef idx="1">
+              <a:schemeClr val="accent1"/>
+            </a:lnRef>
+            <a:fillRef idx="0">
+              <a:schemeClr val="accent1"/>
+            </a:fillRef>
+            <a:effectRef idx="0">
+              <a:schemeClr val="accent1"/>
+            </a:effectRef>
+            <a:fontRef idx="minor">
+              <a:schemeClr val="tx1"/>
+            </a:fontRef>
+          </p:style>
+        </p:cxnSp>
+        <p:cxnSp>
+          <p:nvCxnSpPr>
+            <p:cNvPr id="133" name="直接连接符 132">
+              <a:extLst>
+                <a:ext uri="{FF2B5EF4-FFF2-40B4-BE49-F238E27FC236}">
+                  <a16:creationId xmlns:a16="http://schemas.microsoft.com/office/drawing/2014/main" id="{74086F1D-847A-20BC-6F25-5CB4DCE3DCF6}"/>
+                </a:ext>
+              </a:extLst>
+            </p:cNvPr>
+            <p:cNvCxnSpPr>
+              <a:cxnSpLocks/>
+            </p:cNvCxnSpPr>
+            <p:nvPr/>
+          </p:nvCxnSpPr>
+          <p:spPr>
+            <a:xfrm flipH="1">
+              <a:off x="1710403" y="1955789"/>
+              <a:ext cx="292253" cy="256414"/>
+            </a:xfrm>
+            <a:prstGeom prst="line">
+              <a:avLst/>
+            </a:prstGeom>
+          </p:spPr>
+          <p:style>
+            <a:lnRef idx="1">
+              <a:schemeClr val="accent1"/>
+            </a:lnRef>
+            <a:fillRef idx="0">
+              <a:schemeClr val="accent1"/>
+            </a:fillRef>
+            <a:effectRef idx="0">
+              <a:schemeClr val="accent1"/>
+            </a:effectRef>
+            <a:fontRef idx="minor">
+              <a:schemeClr val="tx1"/>
+            </a:fontRef>
+          </p:style>
+        </p:cxnSp>
+        <p:cxnSp>
+          <p:nvCxnSpPr>
+            <p:cNvPr id="134" name="直接连接符 133">
+              <a:extLst>
+                <a:ext uri="{FF2B5EF4-FFF2-40B4-BE49-F238E27FC236}">
+                  <a16:creationId xmlns:a16="http://schemas.microsoft.com/office/drawing/2014/main" id="{8B2049F6-F674-6473-06CC-2BB21B35E0EC}"/>
+                </a:ext>
+              </a:extLst>
+            </p:cNvPr>
+            <p:cNvCxnSpPr>
+              <a:cxnSpLocks/>
+            </p:cNvCxnSpPr>
+            <p:nvPr/>
+          </p:nvCxnSpPr>
+          <p:spPr>
+            <a:xfrm flipH="1">
+              <a:off x="1592805" y="1968080"/>
+              <a:ext cx="292253" cy="256414"/>
+            </a:xfrm>
+            <a:prstGeom prst="line">
+              <a:avLst/>
+            </a:prstGeom>
+          </p:spPr>
+          <p:style>
+            <a:lnRef idx="1">
+              <a:schemeClr val="accent1"/>
+            </a:lnRef>
+            <a:fillRef idx="0">
+              <a:schemeClr val="accent1"/>
+            </a:fillRef>
+            <a:effectRef idx="0">
+              <a:schemeClr val="accent1"/>
+            </a:effectRef>
+            <a:fontRef idx="minor">
+              <a:schemeClr val="tx1"/>
+            </a:fontRef>
+          </p:style>
+        </p:cxnSp>
+        <p:cxnSp>
+          <p:nvCxnSpPr>
+            <p:cNvPr id="135" name="直接连接符 134">
+              <a:extLst>
+                <a:ext uri="{FF2B5EF4-FFF2-40B4-BE49-F238E27FC236}">
+                  <a16:creationId xmlns:a16="http://schemas.microsoft.com/office/drawing/2014/main" id="{DE90D148-65A3-01C6-F177-F42FB457FE4F}"/>
+                </a:ext>
+              </a:extLst>
+            </p:cNvPr>
+            <p:cNvCxnSpPr>
+              <a:cxnSpLocks/>
+            </p:cNvCxnSpPr>
+            <p:nvPr/>
+          </p:nvCxnSpPr>
+          <p:spPr>
+            <a:xfrm flipH="1">
+              <a:off x="1484888" y="1964116"/>
+              <a:ext cx="292253" cy="256414"/>
+            </a:xfrm>
+            <a:prstGeom prst="line">
+              <a:avLst/>
+            </a:prstGeom>
+          </p:spPr>
+          <p:style>
+            <a:lnRef idx="1">
+              <a:schemeClr val="accent1"/>
+            </a:lnRef>
+            <a:fillRef idx="0">
+              <a:schemeClr val="accent1"/>
+            </a:fillRef>
+            <a:effectRef idx="0">
+              <a:schemeClr val="accent1"/>
+            </a:effectRef>
+            <a:fontRef idx="minor">
+              <a:schemeClr val="tx1"/>
+            </a:fontRef>
+          </p:style>
+        </p:cxnSp>
+        <p:cxnSp>
+          <p:nvCxnSpPr>
+            <p:cNvPr id="136" name="直接连接符 135">
+              <a:extLst>
+                <a:ext uri="{FF2B5EF4-FFF2-40B4-BE49-F238E27FC236}">
+                  <a16:creationId xmlns:a16="http://schemas.microsoft.com/office/drawing/2014/main" id="{BC147E4B-F18C-3570-9AD5-696B4C17ECC6}"/>
+                </a:ext>
+              </a:extLst>
+            </p:cNvPr>
+            <p:cNvCxnSpPr>
+              <a:cxnSpLocks/>
+            </p:cNvCxnSpPr>
+            <p:nvPr/>
+          </p:nvCxnSpPr>
+          <p:spPr>
+            <a:xfrm flipH="1">
+              <a:off x="1363505" y="1973792"/>
+              <a:ext cx="292253" cy="256414"/>
+            </a:xfrm>
+            <a:prstGeom prst="line">
+              <a:avLst/>
+            </a:prstGeom>
+          </p:spPr>
+          <p:style>
+            <a:lnRef idx="1">
+              <a:schemeClr val="accent1"/>
+            </a:lnRef>
+            <a:fillRef idx="0">
+              <a:schemeClr val="accent1"/>
+            </a:fillRef>
+            <a:effectRef idx="0">
+              <a:schemeClr val="accent1"/>
+            </a:effectRef>
+            <a:fontRef idx="minor">
+              <a:schemeClr val="tx1"/>
+            </a:fontRef>
+          </p:style>
+        </p:cxnSp>
+        <p:cxnSp>
+          <p:nvCxnSpPr>
+            <p:cNvPr id="137" name="直接连接符 136">
+              <a:extLst>
+                <a:ext uri="{FF2B5EF4-FFF2-40B4-BE49-F238E27FC236}">
+                  <a16:creationId xmlns:a16="http://schemas.microsoft.com/office/drawing/2014/main" id="{167D8CE3-A231-6D95-28B6-9BB2A73A7420}"/>
+                </a:ext>
+              </a:extLst>
+            </p:cNvPr>
+            <p:cNvCxnSpPr>
+              <a:cxnSpLocks/>
+            </p:cNvCxnSpPr>
+            <p:nvPr/>
+          </p:nvCxnSpPr>
+          <p:spPr>
+            <a:xfrm flipH="1">
+              <a:off x="1255053" y="1973792"/>
+              <a:ext cx="292253" cy="256414"/>
+            </a:xfrm>
+            <a:prstGeom prst="line">
+              <a:avLst/>
+            </a:prstGeom>
+          </p:spPr>
+          <p:style>
+            <a:lnRef idx="1">
+              <a:schemeClr val="accent1"/>
+            </a:lnRef>
+            <a:fillRef idx="0">
+              <a:schemeClr val="accent1"/>
+            </a:fillRef>
+            <a:effectRef idx="0">
+              <a:schemeClr val="accent1"/>
+            </a:effectRef>
+            <a:fontRef idx="minor">
+              <a:schemeClr val="tx1"/>
+            </a:fontRef>
+          </p:style>
+        </p:cxnSp>
+        <p:cxnSp>
+          <p:nvCxnSpPr>
+            <p:cNvPr id="138" name="直接连接符 137">
+              <a:extLst>
+                <a:ext uri="{FF2B5EF4-FFF2-40B4-BE49-F238E27FC236}">
+                  <a16:creationId xmlns:a16="http://schemas.microsoft.com/office/drawing/2014/main" id="{AA2E03D0-5CCD-57E9-17A1-A20BD48F1470}"/>
+                </a:ext>
+              </a:extLst>
+            </p:cNvPr>
+            <p:cNvCxnSpPr>
+              <a:cxnSpLocks/>
+            </p:cNvCxnSpPr>
+            <p:nvPr/>
+          </p:nvCxnSpPr>
+          <p:spPr>
+            <a:xfrm flipH="1">
+              <a:off x="1145006" y="2033064"/>
+              <a:ext cx="236173" cy="195395"/>
+            </a:xfrm>
+            <a:prstGeom prst="line">
+              <a:avLst/>
+            </a:prstGeom>
+          </p:spPr>
+          <p:style>
+            <a:lnRef idx="1">
+              <a:schemeClr val="accent1"/>
+            </a:lnRef>
+            <a:fillRef idx="0">
+              <a:schemeClr val="accent1"/>
+            </a:fillRef>
+            <a:effectRef idx="0">
+              <a:schemeClr val="accent1"/>
+            </a:effectRef>
+            <a:fontRef idx="minor">
+              <a:schemeClr val="tx1"/>
+            </a:fontRef>
+          </p:style>
+        </p:cxnSp>
+        <p:cxnSp>
+          <p:nvCxnSpPr>
+            <p:cNvPr id="143" name="直接连接符 142">
+              <a:extLst>
+                <a:ext uri="{FF2B5EF4-FFF2-40B4-BE49-F238E27FC236}">
+                  <a16:creationId xmlns:a16="http://schemas.microsoft.com/office/drawing/2014/main" id="{55CBD2D3-D7CD-D97E-3F22-88B16B39D083}"/>
+                </a:ext>
+              </a:extLst>
+            </p:cNvPr>
+            <p:cNvCxnSpPr>
+              <a:cxnSpLocks/>
+            </p:cNvCxnSpPr>
+            <p:nvPr/>
+          </p:nvCxnSpPr>
+          <p:spPr>
+            <a:xfrm flipH="1">
+              <a:off x="955145" y="2184148"/>
+              <a:ext cx="59863" cy="51465"/>
+            </a:xfrm>
+            <a:prstGeom prst="line">
+              <a:avLst/>
+            </a:prstGeom>
+          </p:spPr>
+          <p:style>
+            <a:lnRef idx="1">
+              <a:schemeClr val="accent1"/>
+            </a:lnRef>
+            <a:fillRef idx="0">
+              <a:schemeClr val="accent1"/>
+            </a:fillRef>
+            <a:effectRef idx="0">
+              <a:schemeClr val="accent1"/>
+            </a:effectRef>
+            <a:fontRef idx="minor">
+              <a:schemeClr val="tx1"/>
+            </a:fontRef>
+          </p:style>
+        </p:cxnSp>
+        <p:cxnSp>
+          <p:nvCxnSpPr>
+            <p:cNvPr id="145" name="直接连接符 144">
+              <a:extLst>
+                <a:ext uri="{FF2B5EF4-FFF2-40B4-BE49-F238E27FC236}">
+                  <a16:creationId xmlns:a16="http://schemas.microsoft.com/office/drawing/2014/main" id="{9E544F47-4384-8879-9C98-33265B844E5C}"/>
+                </a:ext>
+              </a:extLst>
+            </p:cNvPr>
+            <p:cNvCxnSpPr>
+              <a:cxnSpLocks/>
+            </p:cNvCxnSpPr>
+            <p:nvPr/>
+          </p:nvCxnSpPr>
+          <p:spPr>
+            <a:xfrm flipH="1">
+              <a:off x="890174" y="2184148"/>
+              <a:ext cx="59863" cy="51465"/>
+            </a:xfrm>
+            <a:prstGeom prst="line">
+              <a:avLst/>
+            </a:prstGeom>
+          </p:spPr>
+          <p:style>
+            <a:lnRef idx="1">
+              <a:schemeClr val="accent1"/>
+            </a:lnRef>
+            <a:fillRef idx="0">
+              <a:schemeClr val="accent1"/>
+            </a:fillRef>
+            <a:effectRef idx="0">
+              <a:schemeClr val="accent1"/>
+            </a:effectRef>
+            <a:fontRef idx="minor">
+              <a:schemeClr val="tx1"/>
+            </a:fontRef>
+          </p:style>
+        </p:cxnSp>
+        <p:cxnSp>
+          <p:nvCxnSpPr>
+            <p:cNvPr id="146" name="直接连接符 145">
+              <a:extLst>
+                <a:ext uri="{FF2B5EF4-FFF2-40B4-BE49-F238E27FC236}">
+                  <a16:creationId xmlns:a16="http://schemas.microsoft.com/office/drawing/2014/main" id="{61FBF47E-61FC-8018-8EEF-74B9B45ABE6A}"/>
+                </a:ext>
+              </a:extLst>
+            </p:cNvPr>
+            <p:cNvCxnSpPr>
+              <a:cxnSpLocks/>
+            </p:cNvCxnSpPr>
+            <p:nvPr/>
+          </p:nvCxnSpPr>
+          <p:spPr>
+            <a:xfrm flipH="1">
+              <a:off x="831402" y="2184148"/>
+              <a:ext cx="59863" cy="51465"/>
+            </a:xfrm>
+            <a:prstGeom prst="line">
+              <a:avLst/>
+            </a:prstGeom>
+          </p:spPr>
+          <p:style>
+            <a:lnRef idx="1">
+              <a:schemeClr val="accent1"/>
+            </a:lnRef>
+            <a:fillRef idx="0">
+              <a:schemeClr val="accent1"/>
+            </a:fillRef>
+            <a:effectRef idx="0">
+              <a:schemeClr val="accent1"/>
+            </a:effectRef>
+            <a:fontRef idx="minor">
+              <a:schemeClr val="tx1"/>
+            </a:fontRef>
+          </p:style>
+        </p:cxnSp>
+        <p:cxnSp>
+          <p:nvCxnSpPr>
+            <p:cNvPr id="147" name="直接连接符 146">
+              <a:extLst>
+                <a:ext uri="{FF2B5EF4-FFF2-40B4-BE49-F238E27FC236}">
+                  <a16:creationId xmlns:a16="http://schemas.microsoft.com/office/drawing/2014/main" id="{E8B6594F-F379-986E-8BE1-EDDB0D64DBFC}"/>
+                </a:ext>
+              </a:extLst>
+            </p:cNvPr>
+            <p:cNvCxnSpPr>
+              <a:cxnSpLocks/>
+            </p:cNvCxnSpPr>
+            <p:nvPr/>
+          </p:nvCxnSpPr>
+          <p:spPr>
+            <a:xfrm flipH="1">
+              <a:off x="774148" y="2184148"/>
+              <a:ext cx="59863" cy="51465"/>
+            </a:xfrm>
+            <a:prstGeom prst="line">
+              <a:avLst/>
+            </a:prstGeom>
+          </p:spPr>
+          <p:style>
+            <a:lnRef idx="1">
+              <a:schemeClr val="accent1"/>
+            </a:lnRef>
+            <a:fillRef idx="0">
+              <a:schemeClr val="accent1"/>
+            </a:fillRef>
+            <a:effectRef idx="0">
+              <a:schemeClr val="accent1"/>
+            </a:effectRef>
+            <a:fontRef idx="minor">
+              <a:schemeClr val="tx1"/>
+            </a:fontRef>
+          </p:style>
+        </p:cxnSp>
+        <p:cxnSp>
+          <p:nvCxnSpPr>
+            <p:cNvPr id="148" name="直接连接符 147">
+              <a:extLst>
+                <a:ext uri="{FF2B5EF4-FFF2-40B4-BE49-F238E27FC236}">
+                  <a16:creationId xmlns:a16="http://schemas.microsoft.com/office/drawing/2014/main" id="{D839AFC9-9263-AC57-1FAE-E490F30D3D12}"/>
+                </a:ext>
+              </a:extLst>
+            </p:cNvPr>
+            <p:cNvCxnSpPr>
+              <a:cxnSpLocks/>
+            </p:cNvCxnSpPr>
+            <p:nvPr/>
+          </p:nvCxnSpPr>
+          <p:spPr>
+            <a:xfrm flipH="1">
+              <a:off x="722877" y="2178618"/>
+              <a:ext cx="59863" cy="51465"/>
+            </a:xfrm>
+            <a:prstGeom prst="line">
+              <a:avLst/>
+            </a:prstGeom>
+          </p:spPr>
+          <p:style>
+            <a:lnRef idx="1">
+              <a:schemeClr val="accent1"/>
+            </a:lnRef>
+            <a:fillRef idx="0">
+              <a:schemeClr val="accent1"/>
+            </a:fillRef>
+            <a:effectRef idx="0">
+              <a:schemeClr val="accent1"/>
+            </a:effectRef>
+            <a:fontRef idx="minor">
+              <a:schemeClr val="tx1"/>
+            </a:fontRef>
+          </p:style>
+        </p:cxnSp>
+        <p:cxnSp>
+          <p:nvCxnSpPr>
+            <p:cNvPr id="149" name="直接连接符 148">
+              <a:extLst>
+                <a:ext uri="{FF2B5EF4-FFF2-40B4-BE49-F238E27FC236}">
+                  <a16:creationId xmlns:a16="http://schemas.microsoft.com/office/drawing/2014/main" id="{86CC8F17-2F86-5F43-A0A2-CDC4484217BD}"/>
+                </a:ext>
+              </a:extLst>
+            </p:cNvPr>
+            <p:cNvCxnSpPr>
+              <a:cxnSpLocks/>
+            </p:cNvCxnSpPr>
+            <p:nvPr/>
+          </p:nvCxnSpPr>
+          <p:spPr>
+            <a:xfrm flipH="1">
+              <a:off x="654397" y="2178617"/>
+              <a:ext cx="59863" cy="51465"/>
+            </a:xfrm>
+            <a:prstGeom prst="line">
+              <a:avLst/>
+            </a:prstGeom>
+          </p:spPr>
+          <p:style>
+            <a:lnRef idx="1">
+              <a:schemeClr val="accent1"/>
+            </a:lnRef>
+            <a:fillRef idx="0">
+              <a:schemeClr val="accent1"/>
+            </a:fillRef>
+            <a:effectRef idx="0">
+              <a:schemeClr val="accent1"/>
+            </a:effectRef>
+            <a:fontRef idx="minor">
+              <a:schemeClr val="tx1"/>
+            </a:fontRef>
+          </p:style>
+        </p:cxnSp>
+        <p:cxnSp>
+          <p:nvCxnSpPr>
+            <p:cNvPr id="150" name="直接连接符 149">
+              <a:extLst>
+                <a:ext uri="{FF2B5EF4-FFF2-40B4-BE49-F238E27FC236}">
+                  <a16:creationId xmlns:a16="http://schemas.microsoft.com/office/drawing/2014/main" id="{17D85120-9F17-7292-51B3-9AB0BF5D0C46}"/>
+                </a:ext>
+              </a:extLst>
+            </p:cNvPr>
+            <p:cNvCxnSpPr>
+              <a:cxnSpLocks/>
+            </p:cNvCxnSpPr>
+            <p:nvPr/>
+          </p:nvCxnSpPr>
+          <p:spPr>
+            <a:xfrm flipH="1">
+              <a:off x="586800" y="2176994"/>
+              <a:ext cx="59863" cy="51465"/>
+            </a:xfrm>
+            <a:prstGeom prst="line">
+              <a:avLst/>
+            </a:prstGeom>
+          </p:spPr>
+          <p:style>
+            <a:lnRef idx="1">
+              <a:schemeClr val="accent1"/>
+            </a:lnRef>
+            <a:fillRef idx="0">
+              <a:schemeClr val="accent1"/>
+            </a:fillRef>
+            <a:effectRef idx="0">
+              <a:schemeClr val="accent1"/>
+            </a:effectRef>
+            <a:fontRef idx="minor">
+              <a:schemeClr val="tx1"/>
+            </a:fontRef>
+          </p:style>
+        </p:cxnSp>
+        <p:cxnSp>
+          <p:nvCxnSpPr>
+            <p:cNvPr id="151" name="直接连接符 150">
+              <a:extLst>
+                <a:ext uri="{FF2B5EF4-FFF2-40B4-BE49-F238E27FC236}">
+                  <a16:creationId xmlns:a16="http://schemas.microsoft.com/office/drawing/2014/main" id="{A88B9C6A-5C1C-2B10-4FEA-B3B5B981B5F3}"/>
+                </a:ext>
+              </a:extLst>
+            </p:cNvPr>
+            <p:cNvCxnSpPr>
+              <a:cxnSpLocks/>
+            </p:cNvCxnSpPr>
+            <p:nvPr/>
+          </p:nvCxnSpPr>
+          <p:spPr>
+            <a:xfrm flipH="1">
+              <a:off x="526515" y="2178616"/>
+              <a:ext cx="59863" cy="51465"/>
+            </a:xfrm>
+            <a:prstGeom prst="line">
+              <a:avLst/>
+            </a:prstGeom>
+          </p:spPr>
+          <p:style>
+            <a:lnRef idx="1">
+              <a:schemeClr val="accent1"/>
+            </a:lnRef>
+            <a:fillRef idx="0">
+              <a:schemeClr val="accent1"/>
+            </a:fillRef>
+            <a:effectRef idx="0">
+              <a:schemeClr val="accent1"/>
+            </a:effectRef>
+            <a:fontRef idx="minor">
+              <a:schemeClr val="tx1"/>
+            </a:fontRef>
+          </p:style>
+        </p:cxnSp>
+        <p:sp>
+          <p:nvSpPr>
+            <p:cNvPr id="152" name="文本框 9">
+              <a:extLst>
+                <a:ext uri="{FF2B5EF4-FFF2-40B4-BE49-F238E27FC236}">
+                  <a16:creationId xmlns:a16="http://schemas.microsoft.com/office/drawing/2014/main" id="{C59EB463-58EA-9032-7E0B-7E801894CD08}"/>
+                </a:ext>
+              </a:extLst>
+            </p:cNvPr>
+            <p:cNvSpPr txBox="1"/>
+            <p:nvPr/>
+          </p:nvSpPr>
+          <p:spPr>
+            <a:xfrm>
+              <a:off x="2360255" y="2366121"/>
+              <a:ext cx="1098378" cy="307777"/>
+            </a:xfrm>
+            <a:prstGeom prst="rect">
+              <a:avLst/>
+            </a:prstGeom>
+            <a:noFill/>
+          </p:spPr>
+          <p:txBody>
+            <a:bodyPr wrap="none" rtlCol="0">
+              <a:spAutoFit/>
+            </a:bodyPr>
+            <a:lstStyle/>
+            <a:p>
+              <a:r>
+                <a:rPr lang="en-US" altLang="zh-CN" sz="1400" dirty="0">
+                  <a:latin typeface="Times New Roman" panose="02020603050405020304" pitchFamily="18" charset="0"/>
+                  <a:cs typeface="Times New Roman" panose="02020603050405020304" pitchFamily="18" charset="0"/>
+                </a:rPr>
+                <a:t>Negative (-)</a:t>
+              </a:r>
+              <a:endParaRPr lang="zh-CN" altLang="en-US" sz="1400" baseline="-25000" dirty="0">
+                <a:latin typeface="Times New Roman" panose="02020603050405020304" pitchFamily="18" charset="0"/>
+                <a:cs typeface="Times New Roman" panose="02020603050405020304" pitchFamily="18" charset="0"/>
+              </a:endParaRPr>
+            </a:p>
+          </p:txBody>
+        </p:sp>
+        <p:cxnSp>
+          <p:nvCxnSpPr>
+            <p:cNvPr id="153" name="直接箭头连接符 152">
+              <a:extLst>
+                <a:ext uri="{FF2B5EF4-FFF2-40B4-BE49-F238E27FC236}">
+                  <a16:creationId xmlns:a16="http://schemas.microsoft.com/office/drawing/2014/main" id="{5C7A4089-950A-0732-EB86-A071A3A945C2}"/>
+                </a:ext>
+              </a:extLst>
+            </p:cNvPr>
+            <p:cNvCxnSpPr>
+              <a:cxnSpLocks/>
+            </p:cNvCxnSpPr>
+            <p:nvPr/>
+          </p:nvCxnSpPr>
+          <p:spPr>
+            <a:xfrm flipV="1">
+              <a:off x="2968017" y="2266315"/>
+              <a:ext cx="271356" cy="216681"/>
+            </a:xfrm>
+            <a:prstGeom prst="straightConnector1">
+              <a:avLst/>
+            </a:prstGeom>
+            <a:ln w="12700">
+              <a:solidFill>
+                <a:schemeClr val="tx1"/>
+              </a:solidFill>
+              <a:prstDash val="lgDash"/>
+              <a:tailEnd type="triangle"/>
+            </a:ln>
+          </p:spPr>
+          <p:style>
+            <a:lnRef idx="1">
+              <a:schemeClr val="accent1"/>
+            </a:lnRef>
+            <a:fillRef idx="0">
+              <a:schemeClr val="accent1"/>
+            </a:fillRef>
+            <a:effectRef idx="0">
+              <a:schemeClr val="accent1"/>
+            </a:effectRef>
+            <a:fontRef idx="minor">
+              <a:schemeClr val="tx1"/>
+            </a:fontRef>
+          </p:style>
+        </p:cxnSp>
+        <p:sp>
+          <p:nvSpPr>
+            <p:cNvPr id="154" name="文本框 9">
+              <a:extLst>
+                <a:ext uri="{FF2B5EF4-FFF2-40B4-BE49-F238E27FC236}">
+                  <a16:creationId xmlns:a16="http://schemas.microsoft.com/office/drawing/2014/main" id="{0D308A44-2558-F0D1-9F8B-E88B3804A501}"/>
+                </a:ext>
+              </a:extLst>
+            </p:cNvPr>
+            <p:cNvSpPr txBox="1"/>
+            <p:nvPr/>
+          </p:nvSpPr>
+          <p:spPr>
+            <a:xfrm>
+              <a:off x="1085597" y="2302327"/>
+              <a:ext cx="1027845" cy="307777"/>
+            </a:xfrm>
+            <a:prstGeom prst="rect">
+              <a:avLst/>
+            </a:prstGeom>
+            <a:noFill/>
+          </p:spPr>
+          <p:txBody>
+            <a:bodyPr wrap="none" rtlCol="0">
+              <a:spAutoFit/>
+            </a:bodyPr>
+            <a:lstStyle/>
+            <a:p>
+              <a:r>
+                <a:rPr lang="en-US" altLang="zh-CN" sz="1400" dirty="0">
+                  <a:latin typeface="Times New Roman" panose="02020603050405020304" pitchFamily="18" charset="0"/>
+                  <a:cs typeface="Times New Roman" panose="02020603050405020304" pitchFamily="18" charset="0"/>
+                </a:rPr>
+                <a:t>Positive (+)</a:t>
+              </a:r>
+              <a:endParaRPr lang="zh-CN" altLang="en-US" sz="1400" baseline="-25000" dirty="0">
+                <a:latin typeface="Times New Roman" panose="02020603050405020304" pitchFamily="18" charset="0"/>
+                <a:cs typeface="Times New Roman" panose="02020603050405020304" pitchFamily="18" charset="0"/>
+              </a:endParaRPr>
+            </a:p>
+          </p:txBody>
+        </p:sp>
+        <p:cxnSp>
+          <p:nvCxnSpPr>
+            <p:cNvPr id="155" name="直接箭头连接符 154">
+              <a:extLst>
+                <a:ext uri="{FF2B5EF4-FFF2-40B4-BE49-F238E27FC236}">
+                  <a16:creationId xmlns:a16="http://schemas.microsoft.com/office/drawing/2014/main" id="{C061DE33-60D1-5645-D4E3-7279BE959608}"/>
+                </a:ext>
+              </a:extLst>
+            </p:cNvPr>
+            <p:cNvCxnSpPr>
+              <a:cxnSpLocks/>
+            </p:cNvCxnSpPr>
+            <p:nvPr/>
+          </p:nvCxnSpPr>
+          <p:spPr>
+            <a:xfrm flipV="1">
+              <a:off x="1546967" y="2140808"/>
+              <a:ext cx="271356" cy="216681"/>
+            </a:xfrm>
+            <a:prstGeom prst="straightConnector1">
+              <a:avLst/>
+            </a:prstGeom>
+            <a:ln w="12700">
+              <a:solidFill>
+                <a:schemeClr val="tx1"/>
+              </a:solidFill>
+              <a:prstDash val="lgDash"/>
+              <a:tailEnd type="triangle"/>
+            </a:ln>
+          </p:spPr>
+          <p:style>
+            <a:lnRef idx="1">
+              <a:schemeClr val="accent1"/>
+            </a:lnRef>
+            <a:fillRef idx="0">
+              <a:schemeClr val="accent1"/>
+            </a:fillRef>
+            <a:effectRef idx="0">
+              <a:schemeClr val="accent1"/>
+            </a:effectRef>
+            <a:fontRef idx="minor">
+              <a:schemeClr val="tx1"/>
+            </a:fontRef>
+          </p:style>
+        </p:cxnSp>
+        <p:sp>
+          <p:nvSpPr>
+            <p:cNvPr id="160" name="文本框 159">
+              <a:extLst>
+                <a:ext uri="{FF2B5EF4-FFF2-40B4-BE49-F238E27FC236}">
+                  <a16:creationId xmlns:a16="http://schemas.microsoft.com/office/drawing/2014/main" id="{5EFE072F-A6F5-FAD4-231E-B0E79B915055}"/>
+                </a:ext>
+              </a:extLst>
+            </p:cNvPr>
+            <p:cNvSpPr txBox="1"/>
+            <p:nvPr/>
+          </p:nvSpPr>
+          <p:spPr>
+            <a:xfrm>
+              <a:off x="1668639" y="4186675"/>
+              <a:ext cx="522900" cy="338554"/>
+            </a:xfrm>
+            <a:prstGeom prst="rect">
+              <a:avLst/>
+            </a:prstGeom>
+            <a:noFill/>
+          </p:spPr>
+          <p:txBody>
+            <a:bodyPr wrap="none" rtlCol="0">
+              <a:spAutoFit/>
+            </a:bodyPr>
+            <a:lstStyle/>
+            <a:p>
+              <a:r>
+                <a:rPr lang="en-US" altLang="zh-CN" sz="1600" dirty="0">
+                  <a:cs typeface="Times New Roman" panose="02020603050405020304" pitchFamily="18" charset="0"/>
+                </a:rPr>
+                <a:t>t [s]</a:t>
+              </a:r>
+              <a:endParaRPr lang="zh-CN" altLang="en-US" sz="1600" dirty="0">
+                <a:cs typeface="Times New Roman" panose="02020603050405020304" pitchFamily="18" charset="0"/>
+              </a:endParaRPr>
+            </a:p>
+          </p:txBody>
+        </p:sp>
+      </p:grpSp>
+    </p:spTree>
+    <p:extLst>
+      <p:ext uri="{BB962C8B-B14F-4D97-AF65-F5344CB8AC3E}">
+        <p14:creationId xmlns:p14="http://schemas.microsoft.com/office/powerpoint/2010/main" val="3974747198"/>
+      </p:ext>
+    </p:extLst>
+  </p:cSld>
+  <p:clrMapOvr>
+    <a:masterClrMapping/>
+  </p:clrMapOvr>
+</p:sld>
+</file>
+
+<file path=ppt/slides/slide3.xml><?xml version="1.0" encoding="utf-8"?>
+<p:sld xmlns:a="http://schemas.openxmlformats.org/drawingml/2006/main" xmlns:r="http://schemas.openxmlformats.org/officeDocument/2006/relationships" xmlns:p="http://schemas.openxmlformats.org/presentationml/2006/main">
+  <p:cSld>
+    <p:spTree>
+      <p:nvGrpSpPr>
+        <p:cNvPr id="1" name=""/>
+        <p:cNvGrpSpPr/>
+        <p:nvPr/>
+      </p:nvGrpSpPr>
+      <p:grpSpPr>
+        <a:xfrm>
+          <a:off x="0" y="0"/>
+          <a:ext cx="0" cy="0"/>
+          <a:chOff x="0" y="0"/>
+          <a:chExt cx="0" cy="0"/>
+        </a:xfrm>
+      </p:grpSpPr>
+      <p:sp>
+        <p:nvSpPr>
+          <p:cNvPr id="3" name="矩形 2">
+            <a:extLst>
+              <a:ext uri="{FF2B5EF4-FFF2-40B4-BE49-F238E27FC236}">
+                <a16:creationId xmlns:a16="http://schemas.microsoft.com/office/drawing/2014/main" id="{0F646B7B-0A4B-BFA1-2F8D-85D4B16667ED}"/>
+              </a:ext>
+            </a:extLst>
+          </p:cNvPr>
+          <p:cNvSpPr/>
+          <p:nvPr/>
+        </p:nvSpPr>
+        <p:spPr>
+          <a:xfrm>
+            <a:off x="3902619" y="0"/>
+            <a:ext cx="3912644" cy="4468383"/>
+          </a:xfrm>
+          <a:prstGeom prst="rect">
+            <a:avLst/>
+          </a:prstGeom>
+          <a:solidFill>
+            <a:schemeClr val="accent6">
+              <a:lumMod val="60000"/>
+              <a:lumOff val="40000"/>
+            </a:schemeClr>
+          </a:solidFill>
+        </p:spPr>
+        <p:style>
+          <a:lnRef idx="2">
+            <a:schemeClr val="accent1">
+              <a:shade val="50000"/>
+            </a:schemeClr>
+          </a:lnRef>
+          <a:fillRef idx="1">
+            <a:schemeClr val="accent1"/>
+          </a:fillRef>
+          <a:effectRef idx="0">
+            <a:schemeClr val="accent1"/>
+          </a:effectRef>
+          <a:fontRef idx="minor">
+            <a:schemeClr val="lt1"/>
+          </a:fontRef>
+        </p:style>
+        <p:txBody>
+          <a:bodyPr rtlCol="0" anchor="ctr"/>
+          <a:lstStyle/>
+          <a:p>
+            <a:pPr algn="ctr"/>
+            <a:endParaRPr lang="zh-CN" altLang="en-US"/>
+          </a:p>
+        </p:txBody>
+      </p:sp>
+      <p:sp>
+        <p:nvSpPr>
+          <p:cNvPr id="2" name="矩形 1">
+            <a:extLst>
+              <a:ext uri="{FF2B5EF4-FFF2-40B4-BE49-F238E27FC236}">
+                <a16:creationId xmlns:a16="http://schemas.microsoft.com/office/drawing/2014/main" id="{94CC7A89-6349-8FE9-FACE-3DD1BFC6BB30}"/>
+              </a:ext>
+            </a:extLst>
+          </p:cNvPr>
+          <p:cNvSpPr/>
+          <p:nvPr/>
+        </p:nvSpPr>
+        <p:spPr>
+          <a:xfrm>
+            <a:off x="0" y="-930"/>
+            <a:ext cx="3898803" cy="4468383"/>
+          </a:xfrm>
+          <a:prstGeom prst="rect">
+            <a:avLst/>
+          </a:prstGeom>
+          <a:solidFill>
+            <a:schemeClr val="accent5">
+              <a:lumMod val="60000"/>
+              <a:lumOff val="40000"/>
+            </a:schemeClr>
+          </a:solidFill>
+        </p:spPr>
+        <p:style>
+          <a:lnRef idx="2">
+            <a:schemeClr val="accent1">
+              <a:shade val="50000"/>
+            </a:schemeClr>
+          </a:lnRef>
+          <a:fillRef idx="1">
+            <a:schemeClr val="accent1"/>
+          </a:fillRef>
+          <a:effectRef idx="0">
+            <a:schemeClr val="accent1"/>
+          </a:effectRef>
+          <a:fontRef idx="minor">
+            <a:schemeClr val="lt1"/>
+          </a:fontRef>
+        </p:style>
+        <p:txBody>
+          <a:bodyPr rtlCol="0" anchor="ctr"/>
+          <a:lstStyle/>
+          <a:p>
+            <a:pPr algn="ctr"/>
+            <a:endParaRPr lang="zh-CN" altLang="en-US"/>
+          </a:p>
+        </p:txBody>
+      </p:sp>
+      <p:grpSp>
+        <p:nvGrpSpPr>
+          <p:cNvPr id="5" name="组合 4">
+            <a:extLst>
+              <a:ext uri="{FF2B5EF4-FFF2-40B4-BE49-F238E27FC236}">
+                <a16:creationId xmlns:a16="http://schemas.microsoft.com/office/drawing/2014/main" id="{A6D99CB9-327E-42CA-3728-FC8234713A40}"/>
+              </a:ext>
+            </a:extLst>
+          </p:cNvPr>
+          <p:cNvGrpSpPr/>
+          <p:nvPr/>
+        </p:nvGrpSpPr>
+        <p:grpSpPr>
+          <a:xfrm>
+            <a:off x="3892060" y="-2097"/>
+            <a:ext cx="3940189" cy="4503405"/>
+            <a:chOff x="3892060" y="20388"/>
+            <a:chExt cx="3940189" cy="4503405"/>
+          </a:xfrm>
+        </p:grpSpPr>
+        <p:pic>
+          <p:nvPicPr>
+            <p:cNvPr id="34" name="图片 33">
+              <a:extLst>
+                <a:ext uri="{FF2B5EF4-FFF2-40B4-BE49-F238E27FC236}">
+                  <a16:creationId xmlns:a16="http://schemas.microsoft.com/office/drawing/2014/main" id="{9B96FE5E-F04A-664A-D3B6-31FFB86C2869}"/>
+                </a:ext>
+              </a:extLst>
+            </p:cNvPr>
+            <p:cNvPicPr>
+              <a:picLocks noChangeAspect="1"/>
+            </p:cNvPicPr>
+            <p:nvPr/>
+          </p:nvPicPr>
+          <p:blipFill rotWithShape="1">
+            <a:blip r:embed="rId2"/>
+            <a:srcRect l="10470" t="5406" r="6895" b="9173"/>
+            <a:stretch/>
+          </p:blipFill>
+          <p:spPr>
+            <a:xfrm>
+              <a:off x="4243444" y="321961"/>
+              <a:ext cx="3148394" cy="3742674"/>
+            </a:xfrm>
+            <a:prstGeom prst="rect">
+              <a:avLst/>
+            </a:prstGeom>
+          </p:spPr>
+        </p:pic>
+        <p:cxnSp>
+          <p:nvCxnSpPr>
+            <p:cNvPr id="4" name="直接连接符 3">
+              <a:extLst>
+                <a:ext uri="{FF2B5EF4-FFF2-40B4-BE49-F238E27FC236}">
+                  <a16:creationId xmlns:a16="http://schemas.microsoft.com/office/drawing/2014/main" id="{EC565A78-4ED1-FCC5-EA39-D1D368B839C3}"/>
+                </a:ext>
+              </a:extLst>
+            </p:cNvPr>
+            <p:cNvCxnSpPr>
+              <a:cxnSpLocks/>
+            </p:cNvCxnSpPr>
+            <p:nvPr/>
+          </p:nvCxnSpPr>
+          <p:spPr>
+            <a:xfrm flipH="1">
+              <a:off x="4977643" y="424957"/>
+              <a:ext cx="1" cy="3567776"/>
+            </a:xfrm>
+            <a:prstGeom prst="line">
+              <a:avLst/>
+            </a:prstGeom>
+            <a:ln>
+              <a:prstDash val="lgDash"/>
+            </a:ln>
+          </p:spPr>
+          <p:style>
+            <a:lnRef idx="1">
+              <a:schemeClr val="accent1"/>
+            </a:lnRef>
+            <a:fillRef idx="0">
+              <a:schemeClr val="accent1"/>
+            </a:fillRef>
+            <a:effectRef idx="0">
+              <a:schemeClr val="accent1"/>
+            </a:effectRef>
+            <a:fontRef idx="minor">
+              <a:schemeClr val="tx1"/>
+            </a:fontRef>
+          </p:style>
+        </p:cxnSp>
+        <p:cxnSp>
+          <p:nvCxnSpPr>
+            <p:cNvPr id="6" name="直接连接符 5">
+              <a:extLst>
+                <a:ext uri="{FF2B5EF4-FFF2-40B4-BE49-F238E27FC236}">
+                  <a16:creationId xmlns:a16="http://schemas.microsoft.com/office/drawing/2014/main" id="{039509C6-E277-78C6-259C-6B4CBDBC74CF}"/>
+                </a:ext>
+              </a:extLst>
+            </p:cNvPr>
+            <p:cNvCxnSpPr>
+              <a:cxnSpLocks/>
+            </p:cNvCxnSpPr>
+            <p:nvPr/>
+          </p:nvCxnSpPr>
+          <p:spPr>
+            <a:xfrm>
+              <a:off x="6239706" y="424957"/>
+              <a:ext cx="0" cy="3567776"/>
+            </a:xfrm>
+            <a:prstGeom prst="line">
+              <a:avLst/>
+            </a:prstGeom>
+            <a:ln>
+              <a:prstDash val="lgDash"/>
+            </a:ln>
+          </p:spPr>
+          <p:style>
+            <a:lnRef idx="1">
+              <a:schemeClr val="accent1"/>
+            </a:lnRef>
+            <a:fillRef idx="0">
+              <a:schemeClr val="accent1"/>
+            </a:fillRef>
+            <a:effectRef idx="0">
+              <a:schemeClr val="accent1"/>
+            </a:effectRef>
+            <a:fontRef idx="minor">
+              <a:schemeClr val="tx1"/>
+            </a:fontRef>
+          </p:style>
+        </p:cxnSp>
+        <p:sp>
+          <p:nvSpPr>
+            <p:cNvPr id="29" name="文本框 9">
+              <a:extLst>
+                <a:ext uri="{FF2B5EF4-FFF2-40B4-BE49-F238E27FC236}">
+                  <a16:creationId xmlns:a16="http://schemas.microsoft.com/office/drawing/2014/main" id="{D8282914-EA22-9580-8907-2293E7676346}"/>
+                </a:ext>
+              </a:extLst>
+            </p:cNvPr>
+            <p:cNvSpPr txBox="1"/>
+            <p:nvPr/>
+          </p:nvSpPr>
+          <p:spPr>
+            <a:xfrm>
+              <a:off x="5380908" y="20388"/>
+              <a:ext cx="1034835" cy="338554"/>
+            </a:xfrm>
+            <a:prstGeom prst="rect">
+              <a:avLst/>
+            </a:prstGeom>
+            <a:noFill/>
+          </p:spPr>
+          <p:txBody>
+            <a:bodyPr wrap="none" rtlCol="0">
+              <a:spAutoFit/>
+            </a:bodyPr>
+            <a:lstStyle/>
+            <a:p>
+              <a:r>
+                <a:rPr lang="en-US" altLang="zh-CN" sz="1600" dirty="0">
+                  <a:cs typeface="Times New Roman" panose="02020603050405020304" pitchFamily="18" charset="0"/>
+                </a:rPr>
+                <a:t>PVT mode</a:t>
+              </a:r>
+              <a:endParaRPr lang="zh-CN" altLang="en-US" sz="1600" dirty="0">
+                <a:cs typeface="Times New Roman" panose="02020603050405020304" pitchFamily="18" charset="0"/>
+              </a:endParaRPr>
+            </a:p>
+          </p:txBody>
+        </p:sp>
+        <p:sp>
+          <p:nvSpPr>
+            <p:cNvPr id="31" name="文本框 9">
+              <a:extLst>
+                <a:ext uri="{FF2B5EF4-FFF2-40B4-BE49-F238E27FC236}">
+                  <a16:creationId xmlns:a16="http://schemas.microsoft.com/office/drawing/2014/main" id="{1E754B2C-0832-A0B2-39A3-8BA0AFDCDC48}"/>
+                </a:ext>
+              </a:extLst>
+            </p:cNvPr>
+            <p:cNvSpPr txBox="1"/>
+            <p:nvPr/>
+          </p:nvSpPr>
+          <p:spPr>
+            <a:xfrm>
+              <a:off x="4255567" y="20388"/>
+              <a:ext cx="393056" cy="338554"/>
+            </a:xfrm>
+            <a:prstGeom prst="rect">
+              <a:avLst/>
+            </a:prstGeom>
+            <a:noFill/>
+          </p:spPr>
+          <p:txBody>
+            <a:bodyPr wrap="square" rtlCol="0">
+              <a:spAutoFit/>
+            </a:bodyPr>
+            <a:lstStyle/>
+            <a:p>
+              <a:r>
+                <a:rPr lang="en-US" altLang="zh-CN" sz="1600" b="1" dirty="0">
+                  <a:cs typeface="Times New Roman" panose="02020603050405020304" pitchFamily="18" charset="0"/>
+                </a:rPr>
+                <a:t>(b)</a:t>
+              </a:r>
+              <a:endParaRPr lang="zh-CN" altLang="en-US" sz="1600" b="1" dirty="0">
+                <a:cs typeface="Times New Roman" panose="02020603050405020304" pitchFamily="18" charset="0"/>
+              </a:endParaRPr>
+            </a:p>
+          </p:txBody>
+        </p:sp>
+        <p:sp>
+          <p:nvSpPr>
+            <p:cNvPr id="38" name="文本框 37">
+              <a:extLst>
+                <a:ext uri="{FF2B5EF4-FFF2-40B4-BE49-F238E27FC236}">
+                  <a16:creationId xmlns:a16="http://schemas.microsoft.com/office/drawing/2014/main" id="{5C78D5FC-FED0-F84C-A2DB-EDFE54999F78}"/>
+                </a:ext>
+              </a:extLst>
+            </p:cNvPr>
+            <p:cNvSpPr txBox="1"/>
+            <p:nvPr/>
+          </p:nvSpPr>
+          <p:spPr>
+            <a:xfrm>
+              <a:off x="7304540" y="2031883"/>
+              <a:ext cx="527709" cy="307777"/>
+            </a:xfrm>
+            <a:prstGeom prst="rect">
+              <a:avLst/>
+            </a:prstGeom>
+            <a:noFill/>
+          </p:spPr>
+          <p:txBody>
+            <a:bodyPr wrap="none" rtlCol="0">
+              <a:spAutoFit/>
+            </a:bodyPr>
+            <a:lstStyle/>
+            <a:p>
+              <a:r>
+                <a:rPr lang="en-US" altLang="zh-CN" sz="1400" dirty="0">
+                  <a:cs typeface="Times New Roman" panose="02020603050405020304" pitchFamily="18" charset="0"/>
+                </a:rPr>
+                <a:t>v = 0</a:t>
+              </a:r>
+              <a:endParaRPr lang="zh-CN" altLang="en-US" sz="1400" dirty="0">
+                <a:cs typeface="Times New Roman" panose="02020603050405020304" pitchFamily="18" charset="0"/>
+              </a:endParaRPr>
+            </a:p>
+          </p:txBody>
+        </p:sp>
+        <mc:AlternateContent xmlns:mc="http://schemas.openxmlformats.org/markup-compatibility/2006" xmlns:a14="http://schemas.microsoft.com/office/drawing/2010/main">
+          <mc:Choice Requires="a14">
+            <p:sp>
+              <p:nvSpPr>
+                <p:cNvPr id="39" name="文本框 38">
+                  <a:extLst>
+                    <a:ext uri="{FF2B5EF4-FFF2-40B4-BE49-F238E27FC236}">
+                      <a16:creationId xmlns:a16="http://schemas.microsoft.com/office/drawing/2014/main" id="{9BFA64E0-7A2A-A134-61BC-361305EB3BB8}"/>
+                    </a:ext>
+                  </a:extLst>
+                </p:cNvPr>
+                <p:cNvSpPr txBox="1"/>
+                <p:nvPr/>
+              </p:nvSpPr>
+              <p:spPr>
+                <a:xfrm>
+                  <a:off x="4250552" y="4047230"/>
+                  <a:ext cx="226152" cy="215444"/>
+                </a:xfrm>
+                <a:prstGeom prst="rect">
+                  <a:avLst/>
+                </a:prstGeom>
+                <a:noFill/>
+              </p:spPr>
+              <p:txBody>
+                <a:bodyPr wrap="none" lIns="0" tIns="0" rIns="0" bIns="0" rtlCol="0">
+                  <a:spAutoFit/>
+                </a:bodyPr>
+                <a:lstStyle/>
+                <a:p>
+                  <a:pPr/>
+                  <a14:m>
+                    <m:oMathPara xmlns:m="http://schemas.openxmlformats.org/officeDocument/2006/math">
+                      <m:oMathParaPr>
+                        <m:jc m:val="centerGroup"/>
+                      </m:oMathParaPr>
+                      <m:oMath xmlns:m="http://schemas.openxmlformats.org/officeDocument/2006/math">
+                        <m:sSup>
+                          <m:sSupPr>
+                            <m:ctrlPr>
+                              <a:rPr lang="en-US" altLang="zh-CN" sz="1400" i="1">
+                                <a:latin typeface="Cambria Math" panose="02040503050406030204" pitchFamily="18" charset="0"/>
+                              </a:rPr>
+                            </m:ctrlPr>
+                          </m:sSupPr>
+                          <m:e>
+                            <m:r>
+                              <a:rPr lang="en-US" altLang="zh-CN" sz="1400" i="1">
+                                <a:latin typeface="Cambria Math" panose="02040503050406030204" pitchFamily="18" charset="0"/>
+                              </a:rPr>
+                              <m:t>𝑝</m:t>
+                            </m:r>
+                          </m:e>
+                          <m:sup>
+                            <m:r>
+                              <a:rPr lang="en-US" altLang="zh-CN" sz="1400" i="1">
+                                <a:latin typeface="Cambria Math" panose="02040503050406030204" pitchFamily="18" charset="0"/>
+                              </a:rPr>
+                              <m:t>0</m:t>
+                            </m:r>
+                          </m:sup>
+                        </m:sSup>
+                      </m:oMath>
+                    </m:oMathPara>
+                  </a14:m>
+                  <a:endParaRPr lang="zh-CN" altLang="en-US" sz="1400" dirty="0"/>
+                </a:p>
+              </p:txBody>
+            </p:sp>
+          </mc:Choice>
+          <mc:Fallback xmlns="">
+            <p:sp>
+              <p:nvSpPr>
+                <p:cNvPr id="39" name="文本框 38">
+                  <a:extLst>
+                    <a:ext uri="{FF2B5EF4-FFF2-40B4-BE49-F238E27FC236}">
+                      <a16:creationId xmlns:a16="http://schemas.microsoft.com/office/drawing/2014/main" id="{9BFA64E0-7A2A-A134-61BC-361305EB3BB8}"/>
+                    </a:ext>
+                  </a:extLst>
+                </p:cNvPr>
+                <p:cNvSpPr txBox="1">
+                  <a:spLocks noRot="1" noChangeAspect="1" noMove="1" noResize="1" noEditPoints="1" noAdjustHandles="1" noChangeArrowheads="1" noChangeShapeType="1" noTextEdit="1"/>
+                </p:cNvSpPr>
+                <p:nvPr/>
+              </p:nvSpPr>
+              <p:spPr>
+                <a:xfrm>
+                  <a:off x="4250552" y="4047230"/>
+                  <a:ext cx="226152" cy="215444"/>
+                </a:xfrm>
+                <a:prstGeom prst="rect">
+                  <a:avLst/>
+                </a:prstGeom>
+                <a:blipFill>
+                  <a:blip r:embed="rId3"/>
+                  <a:stretch>
+                    <a:fillRect l="-18919" r="-2703" b="-25000"/>
+                  </a:stretch>
+                </a:blipFill>
+              </p:spPr>
+              <p:txBody>
+                <a:bodyPr/>
+                <a:lstStyle/>
+                <a:p>
+                  <a:r>
+                    <a:rPr lang="zh-CN" altLang="en-US">
+                      <a:noFill/>
+                    </a:rPr>
+                    <a:t> </a:t>
+                  </a:r>
+                </a:p>
+              </p:txBody>
+            </p:sp>
+          </mc:Fallback>
+        </mc:AlternateContent>
+        <mc:AlternateContent xmlns:mc="http://schemas.openxmlformats.org/markup-compatibility/2006" xmlns:a14="http://schemas.microsoft.com/office/drawing/2010/main">
+          <mc:Choice Requires="a14">
+            <p:sp>
+              <p:nvSpPr>
+                <p:cNvPr id="40" name="文本框 39">
+                  <a:extLst>
+                    <a:ext uri="{FF2B5EF4-FFF2-40B4-BE49-F238E27FC236}">
+                      <a16:creationId xmlns:a16="http://schemas.microsoft.com/office/drawing/2014/main" id="{D6526E17-2C46-9417-8136-D0B6FC37A108}"/>
+                    </a:ext>
+                  </a:extLst>
+                </p:cNvPr>
+                <p:cNvSpPr txBox="1"/>
+                <p:nvPr/>
+              </p:nvSpPr>
+              <p:spPr>
+                <a:xfrm>
+                  <a:off x="4851900" y="4047229"/>
+                  <a:ext cx="222304" cy="215444"/>
+                </a:xfrm>
+                <a:prstGeom prst="rect">
+                  <a:avLst/>
+                </a:prstGeom>
+                <a:noFill/>
+              </p:spPr>
+              <p:txBody>
+                <a:bodyPr wrap="none" lIns="0" tIns="0" rIns="0" bIns="0" rtlCol="0">
+                  <a:spAutoFit/>
+                </a:bodyPr>
+                <a:lstStyle/>
+                <a:p>
+                  <a:pPr/>
+                  <a14:m>
+                    <m:oMathPara xmlns:m="http://schemas.openxmlformats.org/officeDocument/2006/math">
+                      <m:oMathParaPr>
+                        <m:jc m:val="centerGroup"/>
+                      </m:oMathParaPr>
+                      <m:oMath xmlns:m="http://schemas.openxmlformats.org/officeDocument/2006/math">
+                        <m:sSup>
+                          <m:sSupPr>
+                            <m:ctrlPr>
+                              <a:rPr lang="en-US" altLang="zh-CN" sz="1400" i="1">
+                                <a:latin typeface="Cambria Math" panose="02040503050406030204" pitchFamily="18" charset="0"/>
+                              </a:rPr>
+                            </m:ctrlPr>
+                          </m:sSupPr>
+                          <m:e>
+                            <m:r>
+                              <a:rPr lang="en-US" altLang="zh-CN" sz="1400" i="1">
+                                <a:latin typeface="Cambria Math" panose="02040503050406030204" pitchFamily="18" charset="0"/>
+                              </a:rPr>
+                              <m:t>𝑝</m:t>
+                            </m:r>
+                          </m:e>
+                          <m:sup>
+                            <m:r>
+                              <a:rPr lang="en-US" altLang="zh-CN" sz="1400" i="1">
+                                <a:latin typeface="Cambria Math" panose="02040503050406030204" pitchFamily="18" charset="0"/>
+                              </a:rPr>
+                              <m:t>1</m:t>
+                            </m:r>
+                          </m:sup>
+                        </m:sSup>
+                      </m:oMath>
+                    </m:oMathPara>
+                  </a14:m>
+                  <a:endParaRPr lang="zh-CN" altLang="en-US" sz="1400" dirty="0"/>
+                </a:p>
+              </p:txBody>
+            </p:sp>
+          </mc:Choice>
+          <mc:Fallback xmlns="">
+            <p:sp>
+              <p:nvSpPr>
+                <p:cNvPr id="40" name="文本框 39">
+                  <a:extLst>
+                    <a:ext uri="{FF2B5EF4-FFF2-40B4-BE49-F238E27FC236}">
+                      <a16:creationId xmlns:a16="http://schemas.microsoft.com/office/drawing/2014/main" id="{D6526E17-2C46-9417-8136-D0B6FC37A108}"/>
+                    </a:ext>
+                  </a:extLst>
+                </p:cNvPr>
+                <p:cNvSpPr txBox="1">
+                  <a:spLocks noRot="1" noChangeAspect="1" noMove="1" noResize="1" noEditPoints="1" noAdjustHandles="1" noChangeArrowheads="1" noChangeShapeType="1" noTextEdit="1"/>
+                </p:cNvSpPr>
+                <p:nvPr/>
+              </p:nvSpPr>
+              <p:spPr>
+                <a:xfrm>
+                  <a:off x="4851900" y="4047229"/>
+                  <a:ext cx="222304" cy="215444"/>
+                </a:xfrm>
+                <a:prstGeom prst="rect">
+                  <a:avLst/>
+                </a:prstGeom>
+                <a:blipFill>
+                  <a:blip r:embed="rId4"/>
+                  <a:stretch>
+                    <a:fillRect l="-22222" r="-5556" b="-25000"/>
+                  </a:stretch>
+                </a:blipFill>
+              </p:spPr>
+              <p:txBody>
+                <a:bodyPr/>
+                <a:lstStyle/>
+                <a:p>
+                  <a:r>
+                    <a:rPr lang="zh-CN" altLang="en-US">
+                      <a:noFill/>
+                    </a:rPr>
+                    <a:t> </a:t>
+                  </a:r>
+                </a:p>
+              </p:txBody>
+            </p:sp>
+          </mc:Fallback>
+        </mc:AlternateContent>
+        <mc:AlternateContent xmlns:mc="http://schemas.openxmlformats.org/markup-compatibility/2006" xmlns:a14="http://schemas.microsoft.com/office/drawing/2010/main">
+          <mc:Choice Requires="a14">
+            <p:sp>
+              <p:nvSpPr>
+                <p:cNvPr id="41" name="文本框 40">
+                  <a:extLst>
+                    <a:ext uri="{FF2B5EF4-FFF2-40B4-BE49-F238E27FC236}">
+                      <a16:creationId xmlns:a16="http://schemas.microsoft.com/office/drawing/2014/main" id="{E468733E-6BB6-4FD4-B382-AC85AD15930C}"/>
+                    </a:ext>
+                  </a:extLst>
+                </p:cNvPr>
+                <p:cNvSpPr txBox="1"/>
+                <p:nvPr/>
+              </p:nvSpPr>
+              <p:spPr>
+                <a:xfrm>
+                  <a:off x="6111495" y="4048984"/>
+                  <a:ext cx="226152" cy="215444"/>
+                </a:xfrm>
+                <a:prstGeom prst="rect">
+                  <a:avLst/>
+                </a:prstGeom>
+                <a:noFill/>
+              </p:spPr>
+              <p:txBody>
+                <a:bodyPr wrap="none" lIns="0" tIns="0" rIns="0" bIns="0" rtlCol="0">
+                  <a:spAutoFit/>
+                </a:bodyPr>
+                <a:lstStyle/>
+                <a:p>
+                  <a:pPr/>
+                  <a14:m>
+                    <m:oMathPara xmlns:m="http://schemas.openxmlformats.org/officeDocument/2006/math">
+                      <m:oMathParaPr>
+                        <m:jc m:val="centerGroup"/>
+                      </m:oMathParaPr>
+                      <m:oMath xmlns:m="http://schemas.openxmlformats.org/officeDocument/2006/math">
+                        <m:sSup>
+                          <m:sSupPr>
+                            <m:ctrlPr>
+                              <a:rPr lang="en-US" altLang="zh-CN" sz="1400" i="1">
+                                <a:latin typeface="Cambria Math" panose="02040503050406030204" pitchFamily="18" charset="0"/>
+                              </a:rPr>
+                            </m:ctrlPr>
+                          </m:sSupPr>
+                          <m:e>
+                            <m:r>
+                              <a:rPr lang="en-US" altLang="zh-CN" sz="1400" i="1">
+                                <a:latin typeface="Cambria Math" panose="02040503050406030204" pitchFamily="18" charset="0"/>
+                              </a:rPr>
+                              <m:t>𝑝</m:t>
+                            </m:r>
+                          </m:e>
+                          <m:sup>
+                            <m:r>
+                              <a:rPr lang="en-US" altLang="zh-CN" sz="1400" i="1">
+                                <a:latin typeface="Cambria Math" panose="02040503050406030204" pitchFamily="18" charset="0"/>
+                              </a:rPr>
+                              <m:t>2</m:t>
+                            </m:r>
+                          </m:sup>
+                        </m:sSup>
+                      </m:oMath>
+                    </m:oMathPara>
+                  </a14:m>
+                  <a:endParaRPr lang="zh-CN" altLang="en-US" sz="1400" dirty="0"/>
+                </a:p>
+              </p:txBody>
+            </p:sp>
+          </mc:Choice>
+          <mc:Fallback xmlns="">
+            <p:sp>
+              <p:nvSpPr>
+                <p:cNvPr id="41" name="文本框 40">
+                  <a:extLst>
+                    <a:ext uri="{FF2B5EF4-FFF2-40B4-BE49-F238E27FC236}">
+                      <a16:creationId xmlns:a16="http://schemas.microsoft.com/office/drawing/2014/main" id="{E468733E-6BB6-4FD4-B382-AC85AD15930C}"/>
+                    </a:ext>
+                  </a:extLst>
+                </p:cNvPr>
+                <p:cNvSpPr txBox="1">
+                  <a:spLocks noRot="1" noChangeAspect="1" noMove="1" noResize="1" noEditPoints="1" noAdjustHandles="1" noChangeArrowheads="1" noChangeShapeType="1" noTextEdit="1"/>
+                </p:cNvSpPr>
+                <p:nvPr/>
+              </p:nvSpPr>
+              <p:spPr>
+                <a:xfrm>
+                  <a:off x="6111495" y="4048984"/>
+                  <a:ext cx="226152" cy="215444"/>
+                </a:xfrm>
+                <a:prstGeom prst="rect">
+                  <a:avLst/>
+                </a:prstGeom>
+                <a:blipFill>
+                  <a:blip r:embed="rId5"/>
+                  <a:stretch>
+                    <a:fillRect l="-21622" r="-2703" b="-25714"/>
+                  </a:stretch>
+                </a:blipFill>
+              </p:spPr>
+              <p:txBody>
+                <a:bodyPr/>
+                <a:lstStyle/>
+                <a:p>
+                  <a:r>
+                    <a:rPr lang="zh-CN" altLang="en-US">
+                      <a:noFill/>
+                    </a:rPr>
+                    <a:t> </a:t>
+                  </a:r>
+                </a:p>
+              </p:txBody>
+            </p:sp>
+          </mc:Fallback>
+        </mc:AlternateContent>
+        <mc:AlternateContent xmlns:mc="http://schemas.openxmlformats.org/markup-compatibility/2006" xmlns:a14="http://schemas.microsoft.com/office/drawing/2010/main">
+          <mc:Choice Requires="a14">
+            <p:sp>
+              <p:nvSpPr>
+                <p:cNvPr id="42" name="文本框 41">
+                  <a:extLst>
+                    <a:ext uri="{FF2B5EF4-FFF2-40B4-BE49-F238E27FC236}">
+                      <a16:creationId xmlns:a16="http://schemas.microsoft.com/office/drawing/2014/main" id="{9ABB427A-6C46-77AB-F367-A6CF0AEE1AF0}"/>
+                    </a:ext>
+                  </a:extLst>
+                </p:cNvPr>
+                <p:cNvSpPr txBox="1"/>
+                <p:nvPr/>
+              </p:nvSpPr>
+              <p:spPr>
+                <a:xfrm>
+                  <a:off x="7157285" y="4047228"/>
+                  <a:ext cx="226152" cy="215444"/>
+                </a:xfrm>
+                <a:prstGeom prst="rect">
+                  <a:avLst/>
+                </a:prstGeom>
+                <a:noFill/>
+              </p:spPr>
+              <p:txBody>
+                <a:bodyPr wrap="none" lIns="0" tIns="0" rIns="0" bIns="0" rtlCol="0">
+                  <a:spAutoFit/>
+                </a:bodyPr>
+                <a:lstStyle/>
+                <a:p>
+                  <a:pPr/>
+                  <a14:m>
+                    <m:oMathPara xmlns:m="http://schemas.openxmlformats.org/officeDocument/2006/math">
+                      <m:oMathParaPr>
+                        <m:jc m:val="centerGroup"/>
+                      </m:oMathParaPr>
+                      <m:oMath xmlns:m="http://schemas.openxmlformats.org/officeDocument/2006/math">
+                        <m:sSup>
+                          <m:sSupPr>
+                            <m:ctrlPr>
+                              <a:rPr lang="en-US" altLang="zh-CN" sz="1400" i="1">
+                                <a:latin typeface="Cambria Math" panose="02040503050406030204" pitchFamily="18" charset="0"/>
+                              </a:rPr>
+                            </m:ctrlPr>
+                          </m:sSupPr>
+                          <m:e>
+                            <m:r>
+                              <a:rPr lang="en-US" altLang="zh-CN" sz="1400" i="1">
+                                <a:latin typeface="Cambria Math" panose="02040503050406030204" pitchFamily="18" charset="0"/>
+                              </a:rPr>
+                              <m:t>𝑝</m:t>
+                            </m:r>
+                          </m:e>
+                          <m:sup>
+                            <m:r>
+                              <a:rPr lang="en-US" altLang="zh-CN" sz="1400" i="1">
+                                <a:latin typeface="Cambria Math" panose="02040503050406030204" pitchFamily="18" charset="0"/>
+                              </a:rPr>
+                              <m:t>3</m:t>
+                            </m:r>
+                          </m:sup>
+                        </m:sSup>
+                      </m:oMath>
+                    </m:oMathPara>
+                  </a14:m>
+                  <a:endParaRPr lang="zh-CN" altLang="en-US" sz="1400" dirty="0"/>
+                </a:p>
+              </p:txBody>
+            </p:sp>
+          </mc:Choice>
+          <mc:Fallback xmlns="">
+            <p:sp>
+              <p:nvSpPr>
+                <p:cNvPr id="42" name="文本框 41">
+                  <a:extLst>
+                    <a:ext uri="{FF2B5EF4-FFF2-40B4-BE49-F238E27FC236}">
+                      <a16:creationId xmlns:a16="http://schemas.microsoft.com/office/drawing/2014/main" id="{9ABB427A-6C46-77AB-F367-A6CF0AEE1AF0}"/>
+                    </a:ext>
+                  </a:extLst>
+                </p:cNvPr>
+                <p:cNvSpPr txBox="1">
+                  <a:spLocks noRot="1" noChangeAspect="1" noMove="1" noResize="1" noEditPoints="1" noAdjustHandles="1" noChangeArrowheads="1" noChangeShapeType="1" noTextEdit="1"/>
+                </p:cNvSpPr>
+                <p:nvPr/>
+              </p:nvSpPr>
+              <p:spPr>
+                <a:xfrm>
+                  <a:off x="7157285" y="4047228"/>
+                  <a:ext cx="226152" cy="215444"/>
+                </a:xfrm>
+                <a:prstGeom prst="rect">
+                  <a:avLst/>
+                </a:prstGeom>
+                <a:blipFill>
+                  <a:blip r:embed="rId6"/>
+                  <a:stretch>
+                    <a:fillRect l="-18919" r="-2703" b="-25000"/>
+                  </a:stretch>
+                </a:blipFill>
+              </p:spPr>
+              <p:txBody>
+                <a:bodyPr/>
+                <a:lstStyle/>
+                <a:p>
+                  <a:r>
+                    <a:rPr lang="zh-CN" altLang="en-US">
+                      <a:noFill/>
+                    </a:rPr>
+                    <a:t> </a:t>
+                  </a:r>
+                </a:p>
+              </p:txBody>
+            </p:sp>
+          </mc:Fallback>
+        </mc:AlternateContent>
+        <p:sp>
+          <p:nvSpPr>
+            <p:cNvPr id="156" name="文本框 155">
+              <a:extLst>
+                <a:ext uri="{FF2B5EF4-FFF2-40B4-BE49-F238E27FC236}">
+                  <a16:creationId xmlns:a16="http://schemas.microsoft.com/office/drawing/2014/main" id="{F4622A1D-826C-7ED6-A3C1-AB8D3009EC06}"/>
+                </a:ext>
+              </a:extLst>
+            </p:cNvPr>
+            <p:cNvSpPr txBox="1"/>
+            <p:nvPr/>
+          </p:nvSpPr>
+          <p:spPr>
+            <a:xfrm rot="16200000">
+              <a:off x="3548215" y="3421703"/>
+              <a:ext cx="1026243" cy="338554"/>
+            </a:xfrm>
+            <a:prstGeom prst="rect">
+              <a:avLst/>
+            </a:prstGeom>
+            <a:noFill/>
+          </p:spPr>
+          <p:txBody>
+            <a:bodyPr wrap="none" rtlCol="0">
+              <a:spAutoFit/>
+            </a:bodyPr>
+            <a:lstStyle/>
+            <a:p>
+              <a:r>
+                <a:rPr lang="en-US" altLang="zh-CN" sz="1600" dirty="0">
+                  <a:cs typeface="Times New Roman" panose="02020603050405020304" pitchFamily="18" charset="0"/>
+                </a:rPr>
+                <a:t>a [mm/s</a:t>
+              </a:r>
+              <a:r>
+                <a:rPr lang="en-US" altLang="zh-CN" sz="1600" baseline="30000" dirty="0">
+                  <a:cs typeface="Times New Roman" panose="02020603050405020304" pitchFamily="18" charset="0"/>
+                </a:rPr>
+                <a:t>2</a:t>
+              </a:r>
+              <a:r>
+                <a:rPr lang="en-US" altLang="zh-CN" sz="1600" dirty="0">
+                  <a:cs typeface="Times New Roman" panose="02020603050405020304" pitchFamily="18" charset="0"/>
+                </a:rPr>
+                <a:t>]</a:t>
+              </a:r>
+              <a:endParaRPr lang="zh-CN" altLang="en-US" sz="1600" dirty="0">
+                <a:cs typeface="Times New Roman" panose="02020603050405020304" pitchFamily="18" charset="0"/>
+              </a:endParaRPr>
+            </a:p>
+          </p:txBody>
+        </p:sp>
+        <p:sp>
+          <p:nvSpPr>
+            <p:cNvPr id="157" name="文本框 156">
+              <a:extLst>
+                <a:ext uri="{FF2B5EF4-FFF2-40B4-BE49-F238E27FC236}">
+                  <a16:creationId xmlns:a16="http://schemas.microsoft.com/office/drawing/2014/main" id="{E868CED0-C093-FB7F-69A9-57F3DCCB7E3B}"/>
+                </a:ext>
+              </a:extLst>
+            </p:cNvPr>
+            <p:cNvSpPr txBox="1"/>
+            <p:nvPr/>
+          </p:nvSpPr>
+          <p:spPr>
+            <a:xfrm rot="16200000">
+              <a:off x="3582681" y="2124125"/>
+              <a:ext cx="957313" cy="338554"/>
+            </a:xfrm>
+            <a:prstGeom prst="rect">
+              <a:avLst/>
+            </a:prstGeom>
+            <a:noFill/>
+          </p:spPr>
+          <p:txBody>
+            <a:bodyPr wrap="none" rtlCol="0">
+              <a:spAutoFit/>
+            </a:bodyPr>
+            <a:lstStyle/>
+            <a:p>
+              <a:r>
+                <a:rPr lang="en-US" altLang="zh-CN" sz="1600" dirty="0">
+                  <a:cs typeface="Times New Roman" panose="02020603050405020304" pitchFamily="18" charset="0"/>
+                </a:rPr>
+                <a:t>v [mm/s]</a:t>
+              </a:r>
+              <a:endParaRPr lang="zh-CN" altLang="en-US" sz="1600" dirty="0">
+                <a:cs typeface="Times New Roman" panose="02020603050405020304" pitchFamily="18" charset="0"/>
+              </a:endParaRPr>
+            </a:p>
+          </p:txBody>
+        </p:sp>
+        <p:sp>
+          <p:nvSpPr>
+            <p:cNvPr id="158" name="文本框 157">
+              <a:extLst>
+                <a:ext uri="{FF2B5EF4-FFF2-40B4-BE49-F238E27FC236}">
+                  <a16:creationId xmlns:a16="http://schemas.microsoft.com/office/drawing/2014/main" id="{D213C4AA-5363-884D-5C6F-E757446FD54F}"/>
+                </a:ext>
+              </a:extLst>
+            </p:cNvPr>
+            <p:cNvSpPr txBox="1"/>
+            <p:nvPr/>
+          </p:nvSpPr>
+          <p:spPr>
+            <a:xfrm rot="16200000">
+              <a:off x="3663682" y="733575"/>
+              <a:ext cx="797013" cy="338554"/>
+            </a:xfrm>
+            <a:prstGeom prst="rect">
+              <a:avLst/>
+            </a:prstGeom>
+            <a:noFill/>
+          </p:spPr>
+          <p:txBody>
+            <a:bodyPr wrap="none" rtlCol="0">
+              <a:spAutoFit/>
+            </a:bodyPr>
+            <a:lstStyle/>
+            <a:p>
+              <a:r>
+                <a:rPr lang="en-US" altLang="zh-CN" sz="1600" dirty="0">
+                  <a:cs typeface="Times New Roman" panose="02020603050405020304" pitchFamily="18" charset="0"/>
+                </a:rPr>
+                <a:t>p [mm]</a:t>
+              </a:r>
+              <a:endParaRPr lang="zh-CN" altLang="en-US" sz="1600" dirty="0">
+                <a:cs typeface="Times New Roman" panose="02020603050405020304" pitchFamily="18" charset="0"/>
+              </a:endParaRPr>
+            </a:p>
+          </p:txBody>
+        </p:sp>
+        <p:sp>
+          <p:nvSpPr>
+            <p:cNvPr id="159" name="文本框 158">
+              <a:extLst>
+                <a:ext uri="{FF2B5EF4-FFF2-40B4-BE49-F238E27FC236}">
+                  <a16:creationId xmlns:a16="http://schemas.microsoft.com/office/drawing/2014/main" id="{DA1F76CB-B0D1-F3BE-65DB-F44319B64AF1}"/>
+                </a:ext>
+              </a:extLst>
+            </p:cNvPr>
+            <p:cNvSpPr txBox="1"/>
+            <p:nvPr/>
+          </p:nvSpPr>
+          <p:spPr>
+            <a:xfrm>
+              <a:off x="5555545" y="4185239"/>
+              <a:ext cx="522900" cy="338554"/>
+            </a:xfrm>
+            <a:prstGeom prst="rect">
+              <a:avLst/>
+            </a:prstGeom>
+            <a:noFill/>
+          </p:spPr>
+          <p:txBody>
+            <a:bodyPr wrap="none" rtlCol="0">
+              <a:spAutoFit/>
+            </a:bodyPr>
+            <a:lstStyle/>
+            <a:p>
+              <a:r>
+                <a:rPr lang="en-US" altLang="zh-CN" sz="1600" dirty="0">
+                  <a:cs typeface="Times New Roman" panose="02020603050405020304" pitchFamily="18" charset="0"/>
+                </a:rPr>
+                <a:t>t [s]</a:t>
+              </a:r>
+              <a:endParaRPr lang="zh-CN" altLang="en-US" sz="1600" dirty="0">
+                <a:cs typeface="Times New Roman" panose="02020603050405020304" pitchFamily="18" charset="0"/>
+              </a:endParaRPr>
+            </a:p>
+          </p:txBody>
+        </p:sp>
+      </p:grpSp>
+      <p:grpSp>
+        <p:nvGrpSpPr>
+          <p:cNvPr id="9" name="组合 8">
+            <a:extLst>
+              <a:ext uri="{FF2B5EF4-FFF2-40B4-BE49-F238E27FC236}">
+                <a16:creationId xmlns:a16="http://schemas.microsoft.com/office/drawing/2014/main" id="{65C0AAC9-ED22-1C45-E506-888F68E69BD1}"/>
+              </a:ext>
+            </a:extLst>
+          </p:cNvPr>
+          <p:cNvGrpSpPr/>
+          <p:nvPr/>
+        </p:nvGrpSpPr>
+        <p:grpSpPr>
+          <a:xfrm>
+            <a:off x="39258" y="6565"/>
+            <a:ext cx="3856455" cy="4496179"/>
+            <a:chOff x="39258" y="29050"/>
+            <a:chExt cx="3856455" cy="4496179"/>
+          </a:xfrm>
+        </p:grpSpPr>
+        <p:pic>
+          <p:nvPicPr>
+            <p:cNvPr id="13" name="图片 12">
+              <a:extLst>
+                <a:ext uri="{FF2B5EF4-FFF2-40B4-BE49-F238E27FC236}">
+                  <a16:creationId xmlns:a16="http://schemas.microsoft.com/office/drawing/2014/main" id="{A878A33E-5400-711B-8BEF-B76F02ABADE7}"/>
+                </a:ext>
+              </a:extLst>
+            </p:cNvPr>
+            <p:cNvPicPr>
+              <a:picLocks noChangeAspect="1"/>
+            </p:cNvPicPr>
+            <p:nvPr/>
+          </p:nvPicPr>
+          <p:blipFill rotWithShape="1">
+            <a:blip r:embed="rId7"/>
+            <a:srcRect l="11222" t="5389" r="7306" b="8959"/>
+            <a:stretch/>
+          </p:blipFill>
+          <p:spPr>
+            <a:xfrm>
+              <a:off x="378055" y="348632"/>
+              <a:ext cx="3104071" cy="3752794"/>
+            </a:xfrm>
+            <a:prstGeom prst="rect">
+              <a:avLst/>
+            </a:prstGeom>
+          </p:spPr>
+        </p:pic>
+        <p:cxnSp>
+          <p:nvCxnSpPr>
+            <p:cNvPr id="7" name="直接连接符 6">
+              <a:extLst>
+                <a:ext uri="{FF2B5EF4-FFF2-40B4-BE49-F238E27FC236}">
+                  <a16:creationId xmlns:a16="http://schemas.microsoft.com/office/drawing/2014/main" id="{1C3A3B7D-21FD-E1A8-E1DE-7F477C3BE64B}"/>
+                </a:ext>
+              </a:extLst>
+            </p:cNvPr>
+            <p:cNvCxnSpPr>
+              <a:cxnSpLocks/>
+            </p:cNvCxnSpPr>
+            <p:nvPr/>
+          </p:nvCxnSpPr>
+          <p:spPr>
+            <a:xfrm>
+              <a:off x="1055759" y="432452"/>
+              <a:ext cx="26428" cy="3567776"/>
+            </a:xfrm>
+            <a:prstGeom prst="line">
+              <a:avLst/>
+            </a:prstGeom>
+            <a:ln>
+              <a:prstDash val="lgDash"/>
+            </a:ln>
+          </p:spPr>
+          <p:style>
+            <a:lnRef idx="1">
+              <a:schemeClr val="accent1"/>
+            </a:lnRef>
+            <a:fillRef idx="0">
+              <a:schemeClr val="accent1"/>
+            </a:fillRef>
+            <a:effectRef idx="0">
+              <a:schemeClr val="accent1"/>
+            </a:effectRef>
+            <a:fontRef idx="minor">
+              <a:schemeClr val="tx1"/>
+            </a:fontRef>
+          </p:style>
+        </p:cxnSp>
+        <p:cxnSp>
+          <p:nvCxnSpPr>
+            <p:cNvPr id="8" name="直接连接符 7">
+              <a:extLst>
+                <a:ext uri="{FF2B5EF4-FFF2-40B4-BE49-F238E27FC236}">
+                  <a16:creationId xmlns:a16="http://schemas.microsoft.com/office/drawing/2014/main" id="{33DC7FF8-BF37-330E-DA7F-969A34D532E4}"/>
+                </a:ext>
+              </a:extLst>
+            </p:cNvPr>
+            <p:cNvCxnSpPr>
+              <a:cxnSpLocks/>
+            </p:cNvCxnSpPr>
+            <p:nvPr/>
+          </p:nvCxnSpPr>
+          <p:spPr>
+            <a:xfrm>
+              <a:off x="2326712" y="433088"/>
+              <a:ext cx="17518" cy="3567141"/>
+            </a:xfrm>
+            <a:prstGeom prst="line">
+              <a:avLst/>
+            </a:prstGeom>
+            <a:ln>
+              <a:prstDash val="lgDash"/>
+            </a:ln>
+          </p:spPr>
+          <p:style>
+            <a:lnRef idx="1">
+              <a:schemeClr val="accent1"/>
+            </a:lnRef>
+            <a:fillRef idx="0">
+              <a:schemeClr val="accent1"/>
+            </a:fillRef>
+            <a:effectRef idx="0">
+              <a:schemeClr val="accent1"/>
+            </a:effectRef>
+            <a:fontRef idx="minor">
+              <a:schemeClr val="tx1"/>
+            </a:fontRef>
+          </p:style>
+        </p:cxnSp>
+        <p:sp>
+          <p:nvSpPr>
+            <p:cNvPr id="26" name="文本框 25">
+              <a:extLst>
+                <a:ext uri="{FF2B5EF4-FFF2-40B4-BE49-F238E27FC236}">
+                  <a16:creationId xmlns:a16="http://schemas.microsoft.com/office/drawing/2014/main" id="{7225F53B-AA49-C740-8B1B-53AA596D782D}"/>
+                </a:ext>
+              </a:extLst>
+            </p:cNvPr>
+            <p:cNvSpPr txBox="1"/>
+            <p:nvPr/>
+          </p:nvSpPr>
+          <p:spPr>
+            <a:xfrm rot="16200000">
+              <a:off x="-304587" y="3429198"/>
+              <a:ext cx="1026243" cy="338554"/>
+            </a:xfrm>
+            <a:prstGeom prst="rect">
+              <a:avLst/>
+            </a:prstGeom>
+            <a:noFill/>
+          </p:spPr>
+          <p:txBody>
+            <a:bodyPr wrap="none" rtlCol="0">
+              <a:spAutoFit/>
+            </a:bodyPr>
+            <a:lstStyle/>
+            <a:p>
+              <a:r>
+                <a:rPr lang="en-US" altLang="zh-CN" sz="1600" dirty="0">
+                  <a:cs typeface="Times New Roman" panose="02020603050405020304" pitchFamily="18" charset="0"/>
+                </a:rPr>
+                <a:t>a [mm/s</a:t>
+              </a:r>
+              <a:r>
+                <a:rPr lang="en-US" altLang="zh-CN" sz="1600" baseline="30000" dirty="0">
+                  <a:cs typeface="Times New Roman" panose="02020603050405020304" pitchFamily="18" charset="0"/>
+                </a:rPr>
+                <a:t>2</a:t>
+              </a:r>
+              <a:r>
+                <a:rPr lang="en-US" altLang="zh-CN" sz="1600" dirty="0">
+                  <a:cs typeface="Times New Roman" panose="02020603050405020304" pitchFamily="18" charset="0"/>
+                </a:rPr>
+                <a:t>]</a:t>
+              </a:r>
+              <a:endParaRPr lang="zh-CN" altLang="en-US" sz="1600" dirty="0">
+                <a:cs typeface="Times New Roman" panose="02020603050405020304" pitchFamily="18" charset="0"/>
+              </a:endParaRPr>
+            </a:p>
+          </p:txBody>
+        </p:sp>
+        <p:sp>
+          <p:nvSpPr>
+            <p:cNvPr id="27" name="文本框 26">
+              <a:extLst>
+                <a:ext uri="{FF2B5EF4-FFF2-40B4-BE49-F238E27FC236}">
+                  <a16:creationId xmlns:a16="http://schemas.microsoft.com/office/drawing/2014/main" id="{18A2DC0F-231C-2180-4EA9-6F69E09F4C61}"/>
+                </a:ext>
+              </a:extLst>
+            </p:cNvPr>
+            <p:cNvSpPr txBox="1"/>
+            <p:nvPr/>
+          </p:nvSpPr>
+          <p:spPr>
+            <a:xfrm rot="16200000">
+              <a:off x="-270121" y="2131620"/>
+              <a:ext cx="957313" cy="338554"/>
+            </a:xfrm>
+            <a:prstGeom prst="rect">
+              <a:avLst/>
+            </a:prstGeom>
+            <a:noFill/>
+          </p:spPr>
+          <p:txBody>
+            <a:bodyPr wrap="none" rtlCol="0">
+              <a:spAutoFit/>
+            </a:bodyPr>
+            <a:lstStyle/>
+            <a:p>
+              <a:r>
+                <a:rPr lang="en-US" altLang="zh-CN" sz="1600" dirty="0">
+                  <a:cs typeface="Times New Roman" panose="02020603050405020304" pitchFamily="18" charset="0"/>
+                </a:rPr>
+                <a:t>v [mm/s]</a:t>
+              </a:r>
+              <a:endParaRPr lang="zh-CN" altLang="en-US" sz="1600" dirty="0">
+                <a:cs typeface="Times New Roman" panose="02020603050405020304" pitchFamily="18" charset="0"/>
+              </a:endParaRPr>
+            </a:p>
+          </p:txBody>
+        </p:sp>
+        <p:sp>
+          <p:nvSpPr>
+            <p:cNvPr id="28" name="文本框 27">
+              <a:extLst>
+                <a:ext uri="{FF2B5EF4-FFF2-40B4-BE49-F238E27FC236}">
+                  <a16:creationId xmlns:a16="http://schemas.microsoft.com/office/drawing/2014/main" id="{38DE6F59-5DFE-671C-AD51-05B26993EFEB}"/>
+                </a:ext>
+              </a:extLst>
+            </p:cNvPr>
+            <p:cNvSpPr txBox="1"/>
+            <p:nvPr/>
+          </p:nvSpPr>
+          <p:spPr>
+            <a:xfrm rot="16200000">
+              <a:off x="-189120" y="741071"/>
+              <a:ext cx="797013" cy="338554"/>
+            </a:xfrm>
+            <a:prstGeom prst="rect">
+              <a:avLst/>
+            </a:prstGeom>
+            <a:noFill/>
+          </p:spPr>
+          <p:txBody>
+            <a:bodyPr wrap="none" rtlCol="0">
+              <a:spAutoFit/>
+            </a:bodyPr>
+            <a:lstStyle/>
+            <a:p>
+              <a:r>
+                <a:rPr lang="en-US" altLang="zh-CN" sz="1600" dirty="0">
+                  <a:cs typeface="Times New Roman" panose="02020603050405020304" pitchFamily="18" charset="0"/>
+                </a:rPr>
+                <a:t>p [mm]</a:t>
+              </a:r>
+              <a:endParaRPr lang="zh-CN" altLang="en-US" sz="1600" dirty="0">
+                <a:cs typeface="Times New Roman" panose="02020603050405020304" pitchFamily="18" charset="0"/>
+              </a:endParaRPr>
+            </a:p>
+          </p:txBody>
+        </p:sp>
+        <p:sp>
+          <p:nvSpPr>
+            <p:cNvPr id="30" name="文本框 9">
+              <a:extLst>
+                <a:ext uri="{FF2B5EF4-FFF2-40B4-BE49-F238E27FC236}">
+                  <a16:creationId xmlns:a16="http://schemas.microsoft.com/office/drawing/2014/main" id="{B43545C6-D76A-A3B1-C6EB-1FDDEF107FF1}"/>
+                </a:ext>
+              </a:extLst>
+            </p:cNvPr>
+            <p:cNvSpPr txBox="1"/>
+            <p:nvPr/>
+          </p:nvSpPr>
+          <p:spPr>
+            <a:xfrm>
+              <a:off x="773145" y="29050"/>
+              <a:ext cx="2520177" cy="338554"/>
+            </a:xfrm>
+            <a:prstGeom prst="rect">
+              <a:avLst/>
+            </a:prstGeom>
+            <a:noFill/>
+            <a:ln>
+              <a:noFill/>
+            </a:ln>
+          </p:spPr>
+          <p:txBody>
+            <a:bodyPr wrap="none" rtlCol="0">
+              <a:spAutoFit/>
+            </a:bodyPr>
+            <a:lstStyle/>
+            <a:p>
+              <a:r>
+                <a:rPr lang="en-US" altLang="zh-CN" sz="1600" dirty="0">
+                  <a:cs typeface="Times New Roman" panose="02020603050405020304" pitchFamily="18" charset="0"/>
+                </a:rPr>
+                <a:t>Constant acceleration mode</a:t>
+              </a:r>
+              <a:endParaRPr lang="zh-CN" altLang="en-US" sz="1600" dirty="0">
+                <a:cs typeface="Times New Roman" panose="02020603050405020304" pitchFamily="18" charset="0"/>
+              </a:endParaRPr>
+            </a:p>
+          </p:txBody>
+        </p:sp>
+        <p:sp>
+          <p:nvSpPr>
+            <p:cNvPr id="32" name="文本框 9">
+              <a:extLst>
+                <a:ext uri="{FF2B5EF4-FFF2-40B4-BE49-F238E27FC236}">
+                  <a16:creationId xmlns:a16="http://schemas.microsoft.com/office/drawing/2014/main" id="{8B697C78-E872-5662-DB30-6E88E42872EE}"/>
+                </a:ext>
+              </a:extLst>
+            </p:cNvPr>
+            <p:cNvSpPr txBox="1"/>
+            <p:nvPr/>
+          </p:nvSpPr>
+          <p:spPr>
+            <a:xfrm>
+              <a:off x="332734" y="29050"/>
+              <a:ext cx="402674" cy="338554"/>
+            </a:xfrm>
+            <a:prstGeom prst="rect">
+              <a:avLst/>
+            </a:prstGeom>
+            <a:noFill/>
+          </p:spPr>
+          <p:txBody>
+            <a:bodyPr wrap="square" rtlCol="0">
+              <a:spAutoFit/>
+            </a:bodyPr>
+            <a:lstStyle>
+              <a:defPPr>
+                <a:defRPr lang="en-US"/>
+              </a:defPPr>
+              <a:lvl1pPr marL="0" algn="l" defTabSz="457200" rtl="0" eaLnBrk="1" latinLnBrk="0" hangingPunct="1">
+                <a:defRPr sz="1800" kern="1200">
+                  <a:solidFill>
+                    <a:schemeClr val="tx1"/>
+                  </a:solidFill>
+                  <a:latin typeface="+mn-lt"/>
+                  <a:ea typeface="+mn-ea"/>
+                  <a:cs typeface="+mn-cs"/>
+                </a:defRPr>
+              </a:lvl1pPr>
+              <a:lvl2pPr marL="457200" algn="l" defTabSz="457200" rtl="0" eaLnBrk="1" latinLnBrk="0" hangingPunct="1">
+                <a:defRPr sz="1800" kern="1200">
+                  <a:solidFill>
+                    <a:schemeClr val="tx1"/>
+                  </a:solidFill>
+                  <a:latin typeface="+mn-lt"/>
+                  <a:ea typeface="+mn-ea"/>
+                  <a:cs typeface="+mn-cs"/>
+                </a:defRPr>
+              </a:lvl2pPr>
+              <a:lvl3pPr marL="914400" algn="l" defTabSz="457200" rtl="0" eaLnBrk="1" latinLnBrk="0" hangingPunct="1">
+                <a:defRPr sz="1800" kern="1200">
+                  <a:solidFill>
+                    <a:schemeClr val="tx1"/>
+                  </a:solidFill>
+                  <a:latin typeface="+mn-lt"/>
+                  <a:ea typeface="+mn-ea"/>
+                  <a:cs typeface="+mn-cs"/>
+                </a:defRPr>
+              </a:lvl3pPr>
+              <a:lvl4pPr marL="1371600" algn="l" defTabSz="457200" rtl="0" eaLnBrk="1" latinLnBrk="0" hangingPunct="1">
+                <a:defRPr sz="1800" kern="1200">
+                  <a:solidFill>
+                    <a:schemeClr val="tx1"/>
+                  </a:solidFill>
+                  <a:latin typeface="+mn-lt"/>
+                  <a:ea typeface="+mn-ea"/>
+                  <a:cs typeface="+mn-cs"/>
+                </a:defRPr>
+              </a:lvl4pPr>
+              <a:lvl5pPr marL="1828800" algn="l" defTabSz="457200" rtl="0" eaLnBrk="1" latinLnBrk="0" hangingPunct="1">
+                <a:defRPr sz="1800" kern="1200">
+                  <a:solidFill>
+                    <a:schemeClr val="tx1"/>
+                  </a:solidFill>
+                  <a:latin typeface="+mn-lt"/>
+                  <a:ea typeface="+mn-ea"/>
+                  <a:cs typeface="+mn-cs"/>
+                </a:defRPr>
+              </a:lvl5pPr>
+              <a:lvl6pPr marL="2286000" algn="l" defTabSz="457200" rtl="0" eaLnBrk="1" latinLnBrk="0" hangingPunct="1">
+                <a:defRPr sz="1800" kern="1200">
+                  <a:solidFill>
+                    <a:schemeClr val="tx1"/>
+                  </a:solidFill>
+                  <a:latin typeface="+mn-lt"/>
+                  <a:ea typeface="+mn-ea"/>
+                  <a:cs typeface="+mn-cs"/>
+                </a:defRPr>
+              </a:lvl6pPr>
+              <a:lvl7pPr marL="2743200" algn="l" defTabSz="457200" rtl="0" eaLnBrk="1" latinLnBrk="0" hangingPunct="1">
+                <a:defRPr sz="1800" kern="1200">
+                  <a:solidFill>
+                    <a:schemeClr val="tx1"/>
+                  </a:solidFill>
+                  <a:latin typeface="+mn-lt"/>
+                  <a:ea typeface="+mn-ea"/>
+                  <a:cs typeface="+mn-cs"/>
+                </a:defRPr>
+              </a:lvl7pPr>
+              <a:lvl8pPr marL="3200400" algn="l" defTabSz="457200" rtl="0" eaLnBrk="1" latinLnBrk="0" hangingPunct="1">
+                <a:defRPr sz="1800" kern="1200">
+                  <a:solidFill>
+                    <a:schemeClr val="tx1"/>
+                  </a:solidFill>
+                  <a:latin typeface="+mn-lt"/>
+                  <a:ea typeface="+mn-ea"/>
+                  <a:cs typeface="+mn-cs"/>
+                </a:defRPr>
+              </a:lvl8pPr>
+              <a:lvl9pPr marL="3657600" algn="l" defTabSz="457200" rtl="0" eaLnBrk="1" latinLnBrk="0" hangingPunct="1">
+                <a:defRPr sz="1800" kern="1200">
+                  <a:solidFill>
+                    <a:schemeClr val="tx1"/>
+                  </a:solidFill>
+                  <a:latin typeface="+mn-lt"/>
+                  <a:ea typeface="+mn-ea"/>
+                  <a:cs typeface="+mn-cs"/>
+                </a:defRPr>
+              </a:lvl9pPr>
+            </a:lstStyle>
+            <a:p>
+              <a:r>
+                <a:rPr lang="en-US" altLang="zh-CN" sz="1600" b="1" dirty="0">
+                  <a:cs typeface="Times New Roman" panose="02020603050405020304" pitchFamily="18" charset="0"/>
+                </a:rPr>
+                <a:t>(a)</a:t>
+              </a:r>
+              <a:endParaRPr lang="zh-CN" altLang="en-US" sz="1600" b="1" dirty="0">
+                <a:cs typeface="Times New Roman" panose="02020603050405020304" pitchFamily="18" charset="0"/>
+              </a:endParaRPr>
+            </a:p>
+          </p:txBody>
+        </p:sp>
+        <p:sp>
+          <p:nvSpPr>
+            <p:cNvPr id="36" name="文本框 35">
+              <a:extLst>
+                <a:ext uri="{FF2B5EF4-FFF2-40B4-BE49-F238E27FC236}">
+                  <a16:creationId xmlns:a16="http://schemas.microsoft.com/office/drawing/2014/main" id="{7697FFCD-8604-4E4A-A9EE-18D70FE3E98D}"/>
+                </a:ext>
+              </a:extLst>
+            </p:cNvPr>
+            <p:cNvSpPr txBox="1"/>
+            <p:nvPr/>
+          </p:nvSpPr>
+          <p:spPr>
+            <a:xfrm>
+              <a:off x="3368004" y="2066488"/>
+              <a:ext cx="527709" cy="307777"/>
+            </a:xfrm>
+            <a:prstGeom prst="rect">
+              <a:avLst/>
+            </a:prstGeom>
+            <a:noFill/>
+          </p:spPr>
+          <p:txBody>
+            <a:bodyPr wrap="none" rtlCol="0">
+              <a:spAutoFit/>
+            </a:bodyPr>
+            <a:lstStyle/>
+            <a:p>
+              <a:r>
+                <a:rPr lang="en-US" altLang="zh-CN" sz="1400" dirty="0">
+                  <a:cs typeface="Times New Roman" panose="02020603050405020304" pitchFamily="18" charset="0"/>
+                </a:rPr>
+                <a:t>v = 0</a:t>
+              </a:r>
+              <a:endParaRPr lang="zh-CN" altLang="en-US" sz="1400" dirty="0">
+                <a:cs typeface="Times New Roman" panose="02020603050405020304" pitchFamily="18" charset="0"/>
+              </a:endParaRPr>
+            </a:p>
+          </p:txBody>
+        </p:sp>
+        <mc:AlternateContent xmlns:mc="http://schemas.openxmlformats.org/markup-compatibility/2006" xmlns:a14="http://schemas.microsoft.com/office/drawing/2010/main">
+          <mc:Choice Requires="a14">
+            <p:sp>
+              <p:nvSpPr>
+                <p:cNvPr id="45" name="文本框 44">
+                  <a:extLst>
+                    <a:ext uri="{FF2B5EF4-FFF2-40B4-BE49-F238E27FC236}">
+                      <a16:creationId xmlns:a16="http://schemas.microsoft.com/office/drawing/2014/main" id="{67D956E6-2588-8A06-CEFC-E6D75487120F}"/>
+                    </a:ext>
+                  </a:extLst>
+                </p:cNvPr>
+                <p:cNvSpPr txBox="1"/>
+                <p:nvPr/>
+              </p:nvSpPr>
+              <p:spPr>
+                <a:xfrm>
+                  <a:off x="359347" y="4054725"/>
+                  <a:ext cx="226152" cy="215444"/>
+                </a:xfrm>
+                <a:prstGeom prst="rect">
+                  <a:avLst/>
+                </a:prstGeom>
+                <a:noFill/>
+              </p:spPr>
+              <p:txBody>
+                <a:bodyPr wrap="none" lIns="0" tIns="0" rIns="0" bIns="0" rtlCol="0">
+                  <a:spAutoFit/>
+                </a:bodyPr>
+                <a:lstStyle/>
+                <a:p>
+                  <a:pPr/>
+                  <a14:m>
+                    <m:oMathPara xmlns:m="http://schemas.openxmlformats.org/officeDocument/2006/math">
+                      <m:oMathParaPr>
+                        <m:jc m:val="centerGroup"/>
+                      </m:oMathParaPr>
+                      <m:oMath xmlns:m="http://schemas.openxmlformats.org/officeDocument/2006/math">
+                        <m:sSup>
+                          <m:sSupPr>
+                            <m:ctrlPr>
+                              <a:rPr lang="en-US" altLang="zh-CN" sz="1400" i="1">
+                                <a:latin typeface="Cambria Math" panose="02040503050406030204" pitchFamily="18" charset="0"/>
+                              </a:rPr>
+                            </m:ctrlPr>
+                          </m:sSupPr>
+                          <m:e>
+                            <m:r>
+                              <a:rPr lang="en-US" altLang="zh-CN" sz="1400" i="1">
+                                <a:latin typeface="Cambria Math" panose="02040503050406030204" pitchFamily="18" charset="0"/>
+                              </a:rPr>
+                              <m:t>𝑝</m:t>
+                            </m:r>
+                          </m:e>
+                          <m:sup>
+                            <m:r>
+                              <a:rPr lang="en-US" altLang="zh-CN" sz="1400" i="1">
+                                <a:latin typeface="Cambria Math" panose="02040503050406030204" pitchFamily="18" charset="0"/>
+                              </a:rPr>
+                              <m:t>0</m:t>
+                            </m:r>
+                          </m:sup>
+                        </m:sSup>
+                      </m:oMath>
+                    </m:oMathPara>
+                  </a14:m>
+                  <a:endParaRPr lang="zh-CN" altLang="en-US" sz="1400" dirty="0"/>
+                </a:p>
+              </p:txBody>
+            </p:sp>
+          </mc:Choice>
+          <mc:Fallback xmlns="">
+            <p:sp>
+              <p:nvSpPr>
+                <p:cNvPr id="45" name="文本框 44">
+                  <a:extLst>
+                    <a:ext uri="{FF2B5EF4-FFF2-40B4-BE49-F238E27FC236}">
+                      <a16:creationId xmlns:a16="http://schemas.microsoft.com/office/drawing/2014/main" id="{67D956E6-2588-8A06-CEFC-E6D75487120F}"/>
+                    </a:ext>
+                  </a:extLst>
+                </p:cNvPr>
+                <p:cNvSpPr txBox="1">
+                  <a:spLocks noRot="1" noChangeAspect="1" noMove="1" noResize="1" noEditPoints="1" noAdjustHandles="1" noChangeArrowheads="1" noChangeShapeType="1" noTextEdit="1"/>
+                </p:cNvSpPr>
+                <p:nvPr/>
+              </p:nvSpPr>
+              <p:spPr>
+                <a:xfrm>
+                  <a:off x="359347" y="4054725"/>
+                  <a:ext cx="226152" cy="215444"/>
+                </a:xfrm>
+                <a:prstGeom prst="rect">
+                  <a:avLst/>
+                </a:prstGeom>
+                <a:blipFill>
+                  <a:blip r:embed="rId8"/>
+                  <a:stretch>
+                    <a:fillRect l="-21622" r="-2703" b="-25000"/>
+                  </a:stretch>
+                </a:blipFill>
+              </p:spPr>
+              <p:txBody>
+                <a:bodyPr/>
+                <a:lstStyle/>
+                <a:p>
+                  <a:r>
+                    <a:rPr lang="zh-CN" altLang="en-US">
+                      <a:noFill/>
+                    </a:rPr>
+                    <a:t> </a:t>
+                  </a:r>
+                </a:p>
+              </p:txBody>
+            </p:sp>
+          </mc:Fallback>
+        </mc:AlternateContent>
+        <mc:AlternateContent xmlns:mc="http://schemas.openxmlformats.org/markup-compatibility/2006" xmlns:a14="http://schemas.microsoft.com/office/drawing/2010/main">
+          <mc:Choice Requires="a14">
+            <p:sp>
+              <p:nvSpPr>
+                <p:cNvPr id="46" name="文本框 45">
+                  <a:extLst>
+                    <a:ext uri="{FF2B5EF4-FFF2-40B4-BE49-F238E27FC236}">
+                      <a16:creationId xmlns:a16="http://schemas.microsoft.com/office/drawing/2014/main" id="{B564E61A-17F9-FD47-ACF5-19EE87D5836D}"/>
+                    </a:ext>
+                  </a:extLst>
+                </p:cNvPr>
+                <p:cNvSpPr txBox="1"/>
+                <p:nvPr/>
+              </p:nvSpPr>
+              <p:spPr>
+                <a:xfrm>
+                  <a:off x="960695" y="4054724"/>
+                  <a:ext cx="222304" cy="215444"/>
+                </a:xfrm>
+                <a:prstGeom prst="rect">
+                  <a:avLst/>
+                </a:prstGeom>
+                <a:noFill/>
+              </p:spPr>
+              <p:txBody>
+                <a:bodyPr wrap="none" lIns="0" tIns="0" rIns="0" bIns="0" rtlCol="0">
+                  <a:spAutoFit/>
+                </a:bodyPr>
+                <a:lstStyle/>
+                <a:p>
+                  <a:pPr/>
+                  <a14:m>
+                    <m:oMathPara xmlns:m="http://schemas.openxmlformats.org/officeDocument/2006/math">
+                      <m:oMathParaPr>
+                        <m:jc m:val="centerGroup"/>
+                      </m:oMathParaPr>
+                      <m:oMath xmlns:m="http://schemas.openxmlformats.org/officeDocument/2006/math">
+                        <m:sSup>
+                          <m:sSupPr>
+                            <m:ctrlPr>
+                              <a:rPr lang="en-US" altLang="zh-CN" sz="1400" i="1">
+                                <a:latin typeface="Cambria Math" panose="02040503050406030204" pitchFamily="18" charset="0"/>
+                              </a:rPr>
+                            </m:ctrlPr>
+                          </m:sSupPr>
+                          <m:e>
+                            <m:r>
+                              <a:rPr lang="en-US" altLang="zh-CN" sz="1400" i="1">
+                                <a:latin typeface="Cambria Math" panose="02040503050406030204" pitchFamily="18" charset="0"/>
+                              </a:rPr>
+                              <m:t>𝑝</m:t>
+                            </m:r>
+                          </m:e>
+                          <m:sup>
+                            <m:r>
+                              <a:rPr lang="en-US" altLang="zh-CN" sz="1400" i="1">
+                                <a:latin typeface="Cambria Math" panose="02040503050406030204" pitchFamily="18" charset="0"/>
+                              </a:rPr>
+                              <m:t>1</m:t>
+                            </m:r>
+                          </m:sup>
+                        </m:sSup>
+                      </m:oMath>
+                    </m:oMathPara>
+                  </a14:m>
+                  <a:endParaRPr lang="zh-CN" altLang="en-US" sz="1400" dirty="0"/>
+                </a:p>
+              </p:txBody>
+            </p:sp>
+          </mc:Choice>
+          <mc:Fallback xmlns="">
+            <p:sp>
+              <p:nvSpPr>
+                <p:cNvPr id="46" name="文本框 45">
+                  <a:extLst>
+                    <a:ext uri="{FF2B5EF4-FFF2-40B4-BE49-F238E27FC236}">
+                      <a16:creationId xmlns:a16="http://schemas.microsoft.com/office/drawing/2014/main" id="{B564E61A-17F9-FD47-ACF5-19EE87D5836D}"/>
+                    </a:ext>
+                  </a:extLst>
+                </p:cNvPr>
+                <p:cNvSpPr txBox="1">
+                  <a:spLocks noRot="1" noChangeAspect="1" noMove="1" noResize="1" noEditPoints="1" noAdjustHandles="1" noChangeArrowheads="1" noChangeShapeType="1" noTextEdit="1"/>
+                </p:cNvSpPr>
+                <p:nvPr/>
+              </p:nvSpPr>
+              <p:spPr>
+                <a:xfrm>
+                  <a:off x="960695" y="4054724"/>
+                  <a:ext cx="222304" cy="215444"/>
+                </a:xfrm>
+                <a:prstGeom prst="rect">
+                  <a:avLst/>
+                </a:prstGeom>
+                <a:blipFill>
+                  <a:blip r:embed="rId4"/>
+                  <a:stretch>
+                    <a:fillRect l="-22222" r="-5556" b="-25000"/>
+                  </a:stretch>
+                </a:blipFill>
+              </p:spPr>
+              <p:txBody>
+                <a:bodyPr/>
+                <a:lstStyle/>
+                <a:p>
+                  <a:r>
+                    <a:rPr lang="zh-CN" altLang="en-US">
+                      <a:noFill/>
+                    </a:rPr>
+                    <a:t> </a:t>
+                  </a:r>
+                </a:p>
+              </p:txBody>
+            </p:sp>
+          </mc:Fallback>
+        </mc:AlternateContent>
+        <mc:AlternateContent xmlns:mc="http://schemas.openxmlformats.org/markup-compatibility/2006" xmlns:a14="http://schemas.microsoft.com/office/drawing/2010/main">
+          <mc:Choice Requires="a14">
+            <p:sp>
+              <p:nvSpPr>
+                <p:cNvPr id="47" name="文本框 46">
+                  <a:extLst>
+                    <a:ext uri="{FF2B5EF4-FFF2-40B4-BE49-F238E27FC236}">
+                      <a16:creationId xmlns:a16="http://schemas.microsoft.com/office/drawing/2014/main" id="{F2E10B80-FC50-C5EA-CC00-C9722397A88B}"/>
+                    </a:ext>
+                  </a:extLst>
+                </p:cNvPr>
+                <p:cNvSpPr txBox="1"/>
+                <p:nvPr/>
+              </p:nvSpPr>
+              <p:spPr>
+                <a:xfrm>
+                  <a:off x="2220290" y="4056479"/>
+                  <a:ext cx="226152" cy="215444"/>
+                </a:xfrm>
+                <a:prstGeom prst="rect">
+                  <a:avLst/>
+                </a:prstGeom>
+                <a:noFill/>
+              </p:spPr>
+              <p:txBody>
+                <a:bodyPr wrap="none" lIns="0" tIns="0" rIns="0" bIns="0" rtlCol="0">
+                  <a:spAutoFit/>
+                </a:bodyPr>
+                <a:lstStyle/>
+                <a:p>
+                  <a:pPr/>
+                  <a14:m>
+                    <m:oMathPara xmlns:m="http://schemas.openxmlformats.org/officeDocument/2006/math">
+                      <m:oMathParaPr>
+                        <m:jc m:val="centerGroup"/>
+                      </m:oMathParaPr>
+                      <m:oMath xmlns:m="http://schemas.openxmlformats.org/officeDocument/2006/math">
+                        <m:sSup>
+                          <m:sSupPr>
+                            <m:ctrlPr>
+                              <a:rPr lang="en-US" altLang="zh-CN" sz="1400" i="1">
+                                <a:latin typeface="Cambria Math" panose="02040503050406030204" pitchFamily="18" charset="0"/>
+                              </a:rPr>
+                            </m:ctrlPr>
+                          </m:sSupPr>
+                          <m:e>
+                            <m:r>
+                              <a:rPr lang="en-US" altLang="zh-CN" sz="1400" i="1">
+                                <a:latin typeface="Cambria Math" panose="02040503050406030204" pitchFamily="18" charset="0"/>
+                              </a:rPr>
+                              <m:t>𝑝</m:t>
+                            </m:r>
+                          </m:e>
+                          <m:sup>
+                            <m:r>
+                              <a:rPr lang="en-US" altLang="zh-CN" sz="1400" i="1">
+                                <a:latin typeface="Cambria Math" panose="02040503050406030204" pitchFamily="18" charset="0"/>
+                              </a:rPr>
+                              <m:t>2</m:t>
+                            </m:r>
+                          </m:sup>
+                        </m:sSup>
+                      </m:oMath>
+                    </m:oMathPara>
+                  </a14:m>
+                  <a:endParaRPr lang="zh-CN" altLang="en-US" sz="1400" dirty="0"/>
+                </a:p>
+              </p:txBody>
+            </p:sp>
+          </mc:Choice>
+          <mc:Fallback xmlns="">
+            <p:sp>
+              <p:nvSpPr>
+                <p:cNvPr id="47" name="文本框 46">
+                  <a:extLst>
+                    <a:ext uri="{FF2B5EF4-FFF2-40B4-BE49-F238E27FC236}">
+                      <a16:creationId xmlns:a16="http://schemas.microsoft.com/office/drawing/2014/main" id="{F2E10B80-FC50-C5EA-CC00-C9722397A88B}"/>
+                    </a:ext>
+                  </a:extLst>
+                </p:cNvPr>
+                <p:cNvSpPr txBox="1">
+                  <a:spLocks noRot="1" noChangeAspect="1" noMove="1" noResize="1" noEditPoints="1" noAdjustHandles="1" noChangeArrowheads="1" noChangeShapeType="1" noTextEdit="1"/>
+                </p:cNvSpPr>
+                <p:nvPr/>
+              </p:nvSpPr>
+              <p:spPr>
+                <a:xfrm>
+                  <a:off x="2220290" y="4056479"/>
+                  <a:ext cx="226152" cy="215444"/>
+                </a:xfrm>
+                <a:prstGeom prst="rect">
+                  <a:avLst/>
+                </a:prstGeom>
+                <a:blipFill>
+                  <a:blip r:embed="rId9"/>
+                  <a:stretch>
+                    <a:fillRect l="-18919" r="-2703" b="-25714"/>
+                  </a:stretch>
+                </a:blipFill>
+              </p:spPr>
+              <p:txBody>
+                <a:bodyPr/>
+                <a:lstStyle/>
+                <a:p>
+                  <a:r>
+                    <a:rPr lang="zh-CN" altLang="en-US">
+                      <a:noFill/>
+                    </a:rPr>
+                    <a:t> </a:t>
+                  </a:r>
+                </a:p>
+              </p:txBody>
+            </p:sp>
+          </mc:Fallback>
+        </mc:AlternateContent>
+        <mc:AlternateContent xmlns:mc="http://schemas.openxmlformats.org/markup-compatibility/2006" xmlns:a14="http://schemas.microsoft.com/office/drawing/2010/main">
+          <mc:Choice Requires="a14">
+            <p:sp>
+              <p:nvSpPr>
+                <p:cNvPr id="48" name="文本框 47">
+                  <a:extLst>
+                    <a:ext uri="{FF2B5EF4-FFF2-40B4-BE49-F238E27FC236}">
+                      <a16:creationId xmlns:a16="http://schemas.microsoft.com/office/drawing/2014/main" id="{425B7C84-8F1C-532B-0DCA-7E07D9659504}"/>
+                    </a:ext>
+                  </a:extLst>
+                </p:cNvPr>
+                <p:cNvSpPr txBox="1"/>
+                <p:nvPr/>
+              </p:nvSpPr>
+              <p:spPr>
+                <a:xfrm>
+                  <a:off x="3266080" y="4054723"/>
+                  <a:ext cx="226152" cy="215444"/>
+                </a:xfrm>
+                <a:prstGeom prst="rect">
+                  <a:avLst/>
+                </a:prstGeom>
+                <a:noFill/>
+              </p:spPr>
+              <p:txBody>
+                <a:bodyPr wrap="none" lIns="0" tIns="0" rIns="0" bIns="0" rtlCol="0">
+                  <a:spAutoFit/>
+                </a:bodyPr>
+                <a:lstStyle/>
+                <a:p>
+                  <a:pPr/>
+                  <a14:m>
+                    <m:oMathPara xmlns:m="http://schemas.openxmlformats.org/officeDocument/2006/math">
+                      <m:oMathParaPr>
+                        <m:jc m:val="centerGroup"/>
+                      </m:oMathParaPr>
+                      <m:oMath xmlns:m="http://schemas.openxmlformats.org/officeDocument/2006/math">
+                        <m:sSup>
+                          <m:sSupPr>
+                            <m:ctrlPr>
+                              <a:rPr lang="en-US" altLang="zh-CN" sz="1400" i="1">
+                                <a:latin typeface="Cambria Math" panose="02040503050406030204" pitchFamily="18" charset="0"/>
+                              </a:rPr>
+                            </m:ctrlPr>
+                          </m:sSupPr>
+                          <m:e>
+                            <m:r>
+                              <a:rPr lang="en-US" altLang="zh-CN" sz="1400" i="1">
+                                <a:latin typeface="Cambria Math" panose="02040503050406030204" pitchFamily="18" charset="0"/>
+                              </a:rPr>
+                              <m:t>𝑝</m:t>
+                            </m:r>
+                          </m:e>
+                          <m:sup>
+                            <m:r>
+                              <a:rPr lang="en-US" altLang="zh-CN" sz="1400" i="1">
+                                <a:latin typeface="Cambria Math" panose="02040503050406030204" pitchFamily="18" charset="0"/>
+                              </a:rPr>
+                              <m:t>3</m:t>
+                            </m:r>
+                          </m:sup>
+                        </m:sSup>
+                      </m:oMath>
+                    </m:oMathPara>
+                  </a14:m>
+                  <a:endParaRPr lang="zh-CN" altLang="en-US" sz="1400" dirty="0"/>
+                </a:p>
+              </p:txBody>
+            </p:sp>
+          </mc:Choice>
+          <mc:Fallback xmlns="">
+            <p:sp>
+              <p:nvSpPr>
+                <p:cNvPr id="48" name="文本框 47">
+                  <a:extLst>
+                    <a:ext uri="{FF2B5EF4-FFF2-40B4-BE49-F238E27FC236}">
+                      <a16:creationId xmlns:a16="http://schemas.microsoft.com/office/drawing/2014/main" id="{425B7C84-8F1C-532B-0DCA-7E07D9659504}"/>
+                    </a:ext>
+                  </a:extLst>
+                </p:cNvPr>
+                <p:cNvSpPr txBox="1">
+                  <a:spLocks noRot="1" noChangeAspect="1" noMove="1" noResize="1" noEditPoints="1" noAdjustHandles="1" noChangeArrowheads="1" noChangeShapeType="1" noTextEdit="1"/>
+                </p:cNvSpPr>
+                <p:nvPr/>
+              </p:nvSpPr>
+              <p:spPr>
+                <a:xfrm>
+                  <a:off x="3266080" y="4054723"/>
+                  <a:ext cx="226152" cy="215444"/>
+                </a:xfrm>
+                <a:prstGeom prst="rect">
+                  <a:avLst/>
+                </a:prstGeom>
+                <a:blipFill>
+                  <a:blip r:embed="rId10"/>
+                  <a:stretch>
+                    <a:fillRect l="-21622" r="-2703" b="-25000"/>
+                  </a:stretch>
+                </a:blipFill>
+              </p:spPr>
+              <p:txBody>
+                <a:bodyPr/>
+                <a:lstStyle/>
+                <a:p>
+                  <a:r>
+                    <a:rPr lang="zh-CN" altLang="en-US">
+                      <a:noFill/>
+                    </a:rPr>
+                    <a:t> </a:t>
+                  </a:r>
+                </a:p>
+              </p:txBody>
+            </p:sp>
+          </mc:Fallback>
+        </mc:AlternateContent>
+        <p:cxnSp>
+          <p:nvCxnSpPr>
+            <p:cNvPr id="53" name="直接连接符 52">
+              <a:extLst>
+                <a:ext uri="{FF2B5EF4-FFF2-40B4-BE49-F238E27FC236}">
+                  <a16:creationId xmlns:a16="http://schemas.microsoft.com/office/drawing/2014/main" id="{6D1B6BDD-EC63-0B90-1DC4-EA6A2DEF38EA}"/>
+                </a:ext>
+              </a:extLst>
+            </p:cNvPr>
+            <p:cNvCxnSpPr>
+              <a:cxnSpLocks/>
+            </p:cNvCxnSpPr>
+            <p:nvPr/>
+          </p:nvCxnSpPr>
+          <p:spPr>
+            <a:xfrm flipH="1">
+              <a:off x="3293321" y="2235612"/>
+              <a:ext cx="91434" cy="107730"/>
+            </a:xfrm>
+            <a:prstGeom prst="line">
+              <a:avLst/>
+            </a:prstGeom>
+            <a:ln>
+              <a:solidFill>
+                <a:srgbClr val="FF5757"/>
+              </a:solidFill>
+            </a:ln>
+          </p:spPr>
+          <p:style>
+            <a:lnRef idx="1">
+              <a:schemeClr val="accent1"/>
+            </a:lnRef>
+            <a:fillRef idx="0">
+              <a:schemeClr val="accent1"/>
+            </a:fillRef>
+            <a:effectRef idx="0">
+              <a:schemeClr val="accent1"/>
+            </a:effectRef>
+            <a:fontRef idx="minor">
+              <a:schemeClr val="tx1"/>
+            </a:fontRef>
+          </p:style>
+        </p:cxnSp>
+        <p:cxnSp>
+          <p:nvCxnSpPr>
+            <p:cNvPr id="56" name="直接连接符 55">
+              <a:extLst>
+                <a:ext uri="{FF2B5EF4-FFF2-40B4-BE49-F238E27FC236}">
+                  <a16:creationId xmlns:a16="http://schemas.microsoft.com/office/drawing/2014/main" id="{B2F6BD54-46FB-23E3-2E3F-380E3BA3A44D}"/>
+                </a:ext>
+              </a:extLst>
+            </p:cNvPr>
+            <p:cNvCxnSpPr>
+              <a:cxnSpLocks/>
+            </p:cNvCxnSpPr>
+            <p:nvPr/>
+          </p:nvCxnSpPr>
+          <p:spPr>
+            <a:xfrm flipH="1">
+              <a:off x="3234718" y="2228637"/>
+              <a:ext cx="86985" cy="100491"/>
+            </a:xfrm>
+            <a:prstGeom prst="line">
+              <a:avLst/>
+            </a:prstGeom>
+            <a:ln>
+              <a:solidFill>
+                <a:srgbClr val="FF5757"/>
+              </a:solidFill>
+            </a:ln>
+          </p:spPr>
+          <p:style>
+            <a:lnRef idx="1">
+              <a:schemeClr val="accent1"/>
+            </a:lnRef>
+            <a:fillRef idx="0">
+              <a:schemeClr val="accent1"/>
+            </a:fillRef>
+            <a:effectRef idx="0">
+              <a:schemeClr val="accent1"/>
+            </a:effectRef>
+            <a:fontRef idx="minor">
+              <a:schemeClr val="tx1"/>
+            </a:fontRef>
+          </p:style>
+        </p:cxnSp>
+        <p:cxnSp>
+          <p:nvCxnSpPr>
+            <p:cNvPr id="60" name="直接连接符 59">
+              <a:extLst>
+                <a:ext uri="{FF2B5EF4-FFF2-40B4-BE49-F238E27FC236}">
+                  <a16:creationId xmlns:a16="http://schemas.microsoft.com/office/drawing/2014/main" id="{C0EFC571-254E-46A4-AFF6-2F6CC0F15A21}"/>
+                </a:ext>
+              </a:extLst>
+            </p:cNvPr>
+            <p:cNvCxnSpPr>
+              <a:cxnSpLocks/>
+            </p:cNvCxnSpPr>
+            <p:nvPr/>
+          </p:nvCxnSpPr>
+          <p:spPr>
+            <a:xfrm flipH="1">
+              <a:off x="3164842" y="2235613"/>
+              <a:ext cx="73925" cy="93515"/>
+            </a:xfrm>
+            <a:prstGeom prst="line">
+              <a:avLst/>
+            </a:prstGeom>
+            <a:ln>
+              <a:solidFill>
+                <a:srgbClr val="FF5757"/>
+              </a:solidFill>
+            </a:ln>
+          </p:spPr>
+          <p:style>
+            <a:lnRef idx="1">
+              <a:schemeClr val="accent1"/>
+            </a:lnRef>
+            <a:fillRef idx="0">
+              <a:schemeClr val="accent1"/>
+            </a:fillRef>
+            <a:effectRef idx="0">
+              <a:schemeClr val="accent1"/>
+            </a:effectRef>
+            <a:fontRef idx="minor">
+              <a:schemeClr val="tx1"/>
+            </a:fontRef>
+          </p:style>
+        </p:cxnSp>
+        <p:cxnSp>
+          <p:nvCxnSpPr>
+            <p:cNvPr id="64" name="直接连接符 63">
+              <a:extLst>
+                <a:ext uri="{FF2B5EF4-FFF2-40B4-BE49-F238E27FC236}">
+                  <a16:creationId xmlns:a16="http://schemas.microsoft.com/office/drawing/2014/main" id="{A32C375F-A339-2805-BCF3-F66BD6D9D482}"/>
+                </a:ext>
+              </a:extLst>
+            </p:cNvPr>
+            <p:cNvCxnSpPr>
+              <a:cxnSpLocks/>
+            </p:cNvCxnSpPr>
+            <p:nvPr/>
+          </p:nvCxnSpPr>
+          <p:spPr>
+            <a:xfrm flipH="1">
+              <a:off x="3099015" y="2228636"/>
+              <a:ext cx="75893" cy="81284"/>
+            </a:xfrm>
+            <a:prstGeom prst="line">
+              <a:avLst/>
+            </a:prstGeom>
+            <a:ln>
+              <a:solidFill>
+                <a:srgbClr val="FF5757"/>
+              </a:solidFill>
+            </a:ln>
+          </p:spPr>
+          <p:style>
+            <a:lnRef idx="1">
+              <a:schemeClr val="accent1"/>
+            </a:lnRef>
+            <a:fillRef idx="0">
+              <a:schemeClr val="accent1"/>
+            </a:fillRef>
+            <a:effectRef idx="0">
+              <a:schemeClr val="accent1"/>
+            </a:effectRef>
+            <a:fontRef idx="minor">
+              <a:schemeClr val="tx1"/>
+            </a:fontRef>
+          </p:style>
+        </p:cxnSp>
+        <p:cxnSp>
+          <p:nvCxnSpPr>
+            <p:cNvPr id="66" name="直接连接符 65">
+              <a:extLst>
+                <a:ext uri="{FF2B5EF4-FFF2-40B4-BE49-F238E27FC236}">
+                  <a16:creationId xmlns:a16="http://schemas.microsoft.com/office/drawing/2014/main" id="{D38EF4EC-C63F-2EAF-8EB1-0DD371465F0B}"/>
+                </a:ext>
+              </a:extLst>
+            </p:cNvPr>
+            <p:cNvCxnSpPr>
+              <a:cxnSpLocks/>
+            </p:cNvCxnSpPr>
+            <p:nvPr/>
+          </p:nvCxnSpPr>
+          <p:spPr>
+            <a:xfrm flipH="1">
+              <a:off x="3051860" y="2235613"/>
+              <a:ext cx="36961" cy="53865"/>
+            </a:xfrm>
+            <a:prstGeom prst="line">
+              <a:avLst/>
+            </a:prstGeom>
+            <a:ln>
+              <a:solidFill>
+                <a:srgbClr val="FF5757"/>
+              </a:solidFill>
+            </a:ln>
+          </p:spPr>
+          <p:style>
+            <a:lnRef idx="1">
+              <a:schemeClr val="accent1"/>
+            </a:lnRef>
+            <a:fillRef idx="0">
+              <a:schemeClr val="accent1"/>
+            </a:fillRef>
+            <a:effectRef idx="0">
+              <a:schemeClr val="accent1"/>
+            </a:effectRef>
+            <a:fontRef idx="minor">
+              <a:schemeClr val="tx1"/>
+            </a:fontRef>
+          </p:style>
+        </p:cxnSp>
+        <p:cxnSp>
+          <p:nvCxnSpPr>
+            <p:cNvPr id="73" name="直接连接符 72">
+              <a:extLst>
+                <a:ext uri="{FF2B5EF4-FFF2-40B4-BE49-F238E27FC236}">
+                  <a16:creationId xmlns:a16="http://schemas.microsoft.com/office/drawing/2014/main" id="{ADF2D282-E2EC-03DA-ADA1-CDFB2165D717}"/>
+                </a:ext>
+              </a:extLst>
+            </p:cNvPr>
+            <p:cNvCxnSpPr>
+              <a:cxnSpLocks/>
+            </p:cNvCxnSpPr>
+            <p:nvPr/>
+          </p:nvCxnSpPr>
+          <p:spPr>
+            <a:xfrm flipH="1">
+              <a:off x="2983130" y="2229714"/>
+              <a:ext cx="34453" cy="34525"/>
+            </a:xfrm>
+            <a:prstGeom prst="line">
+              <a:avLst/>
+            </a:prstGeom>
+            <a:ln>
+              <a:solidFill>
+                <a:srgbClr val="FF5757"/>
+              </a:solidFill>
+            </a:ln>
+          </p:spPr>
+          <p:style>
+            <a:lnRef idx="1">
+              <a:schemeClr val="accent1"/>
+            </a:lnRef>
+            <a:fillRef idx="0">
+              <a:schemeClr val="accent1"/>
+            </a:fillRef>
+            <a:effectRef idx="0">
+              <a:schemeClr val="accent1"/>
+            </a:effectRef>
+            <a:fontRef idx="minor">
+              <a:schemeClr val="tx1"/>
+            </a:fontRef>
+          </p:style>
+        </p:cxnSp>
+        <p:cxnSp>
+          <p:nvCxnSpPr>
+            <p:cNvPr id="85" name="直接连接符 84">
+              <a:extLst>
+                <a:ext uri="{FF2B5EF4-FFF2-40B4-BE49-F238E27FC236}">
+                  <a16:creationId xmlns:a16="http://schemas.microsoft.com/office/drawing/2014/main" id="{B5891E5F-278B-48A8-D045-B81DC468CDCD}"/>
+                </a:ext>
+              </a:extLst>
+            </p:cNvPr>
+            <p:cNvCxnSpPr>
+              <a:cxnSpLocks/>
+            </p:cNvCxnSpPr>
+            <p:nvPr/>
+          </p:nvCxnSpPr>
+          <p:spPr>
+            <a:xfrm flipH="1">
+              <a:off x="2335982" y="2046101"/>
+              <a:ext cx="176801" cy="166103"/>
+            </a:xfrm>
+            <a:prstGeom prst="line">
+              <a:avLst/>
+            </a:prstGeom>
+          </p:spPr>
+          <p:style>
+            <a:lnRef idx="1">
+              <a:schemeClr val="accent1"/>
+            </a:lnRef>
+            <a:fillRef idx="0">
+              <a:schemeClr val="accent1"/>
+            </a:fillRef>
+            <a:effectRef idx="0">
+              <a:schemeClr val="accent1"/>
+            </a:effectRef>
+            <a:fontRef idx="minor">
+              <a:schemeClr val="tx1"/>
+            </a:fontRef>
+          </p:style>
+        </p:cxnSp>
+        <p:cxnSp>
+          <p:nvCxnSpPr>
+            <p:cNvPr id="86" name="直接连接符 85">
+              <a:extLst>
+                <a:ext uri="{FF2B5EF4-FFF2-40B4-BE49-F238E27FC236}">
+                  <a16:creationId xmlns:a16="http://schemas.microsoft.com/office/drawing/2014/main" id="{44F9779D-8B9E-694A-FC66-792C9782F367}"/>
+                </a:ext>
+              </a:extLst>
+            </p:cNvPr>
+            <p:cNvCxnSpPr>
+              <a:cxnSpLocks/>
+            </p:cNvCxnSpPr>
+            <p:nvPr/>
+          </p:nvCxnSpPr>
+          <p:spPr>
+            <a:xfrm flipH="1">
+              <a:off x="2222756" y="2014136"/>
+              <a:ext cx="240807" cy="221476"/>
+            </a:xfrm>
+            <a:prstGeom prst="line">
+              <a:avLst/>
+            </a:prstGeom>
+          </p:spPr>
+          <p:style>
+            <a:lnRef idx="1">
+              <a:schemeClr val="accent1"/>
+            </a:lnRef>
+            <a:fillRef idx="0">
+              <a:schemeClr val="accent1"/>
+            </a:fillRef>
+            <a:effectRef idx="0">
+              <a:schemeClr val="accent1"/>
+            </a:effectRef>
+            <a:fontRef idx="minor">
+              <a:schemeClr val="tx1"/>
+            </a:fontRef>
+          </p:style>
+        </p:cxnSp>
+        <p:cxnSp>
+          <p:nvCxnSpPr>
+            <p:cNvPr id="90" name="直接连接符 89">
+              <a:extLst>
+                <a:ext uri="{FF2B5EF4-FFF2-40B4-BE49-F238E27FC236}">
+                  <a16:creationId xmlns:a16="http://schemas.microsoft.com/office/drawing/2014/main" id="{43FAF1F0-5948-3449-CAE2-89C034C3F98F}"/>
+                </a:ext>
+              </a:extLst>
+            </p:cNvPr>
+            <p:cNvCxnSpPr>
+              <a:cxnSpLocks/>
+            </p:cNvCxnSpPr>
+            <p:nvPr/>
+          </p:nvCxnSpPr>
+          <p:spPr>
+            <a:xfrm flipH="1">
+              <a:off x="2411246" y="2079506"/>
+              <a:ext cx="160599" cy="148953"/>
+            </a:xfrm>
+            <a:prstGeom prst="line">
+              <a:avLst/>
+            </a:prstGeom>
+          </p:spPr>
+          <p:style>
+            <a:lnRef idx="1">
+              <a:schemeClr val="accent1"/>
+            </a:lnRef>
+            <a:fillRef idx="0">
+              <a:schemeClr val="accent1"/>
+            </a:fillRef>
+            <a:effectRef idx="0">
+              <a:schemeClr val="accent1"/>
+            </a:effectRef>
+            <a:fontRef idx="minor">
+              <a:schemeClr val="tx1"/>
+            </a:fontRef>
+          </p:style>
+        </p:cxnSp>
+        <p:cxnSp>
+          <p:nvCxnSpPr>
+            <p:cNvPr id="98" name="直接连接符 97">
+              <a:extLst>
+                <a:ext uri="{FF2B5EF4-FFF2-40B4-BE49-F238E27FC236}">
+                  <a16:creationId xmlns:a16="http://schemas.microsoft.com/office/drawing/2014/main" id="{B9E629FB-51D8-8B5F-0AE8-4394A942F887}"/>
+                </a:ext>
+              </a:extLst>
+            </p:cNvPr>
+            <p:cNvCxnSpPr>
+              <a:cxnSpLocks/>
+            </p:cNvCxnSpPr>
+            <p:nvPr/>
+          </p:nvCxnSpPr>
+          <p:spPr>
+            <a:xfrm flipH="1">
+              <a:off x="2727838" y="2184870"/>
+              <a:ext cx="40624" cy="45143"/>
+            </a:xfrm>
+            <a:prstGeom prst="line">
+              <a:avLst/>
+            </a:prstGeom>
+          </p:spPr>
+          <p:style>
+            <a:lnRef idx="1">
+              <a:schemeClr val="accent1"/>
+            </a:lnRef>
+            <a:fillRef idx="0">
+              <a:schemeClr val="accent1"/>
+            </a:fillRef>
+            <a:effectRef idx="0">
+              <a:schemeClr val="accent1"/>
+            </a:effectRef>
+            <a:fontRef idx="minor">
+              <a:schemeClr val="tx1"/>
+            </a:fontRef>
+          </p:style>
+        </p:cxnSp>
+        <p:cxnSp>
+          <p:nvCxnSpPr>
+            <p:cNvPr id="109" name="直接连接符 108">
+              <a:extLst>
+                <a:ext uri="{FF2B5EF4-FFF2-40B4-BE49-F238E27FC236}">
+                  <a16:creationId xmlns:a16="http://schemas.microsoft.com/office/drawing/2014/main" id="{C29CEE2A-0AEB-81E3-4C6E-6ACF824375CA}"/>
+                </a:ext>
+              </a:extLst>
+            </p:cNvPr>
+            <p:cNvCxnSpPr>
+              <a:cxnSpLocks/>
+            </p:cNvCxnSpPr>
+            <p:nvPr/>
+          </p:nvCxnSpPr>
+          <p:spPr>
+            <a:xfrm flipH="1">
+              <a:off x="2667502" y="2147692"/>
+              <a:ext cx="71429" cy="74308"/>
+            </a:xfrm>
+            <a:prstGeom prst="line">
+              <a:avLst/>
+            </a:prstGeom>
+          </p:spPr>
+          <p:style>
+            <a:lnRef idx="1">
+              <a:schemeClr val="accent1"/>
+            </a:lnRef>
+            <a:fillRef idx="0">
+              <a:schemeClr val="accent1"/>
+            </a:fillRef>
+            <a:effectRef idx="0">
+              <a:schemeClr val="accent1"/>
+            </a:effectRef>
+            <a:fontRef idx="minor">
+              <a:schemeClr val="tx1"/>
+            </a:fontRef>
+          </p:style>
+        </p:cxnSp>
+        <p:cxnSp>
+          <p:nvCxnSpPr>
+            <p:cNvPr id="116" name="直接连接符 115">
+              <a:extLst>
+                <a:ext uri="{FF2B5EF4-FFF2-40B4-BE49-F238E27FC236}">
+                  <a16:creationId xmlns:a16="http://schemas.microsoft.com/office/drawing/2014/main" id="{31385BC9-1527-861F-E5C2-FB000D48F78E}"/>
+                </a:ext>
+              </a:extLst>
+            </p:cNvPr>
+            <p:cNvCxnSpPr>
+              <a:cxnSpLocks/>
+            </p:cNvCxnSpPr>
+            <p:nvPr/>
+          </p:nvCxnSpPr>
+          <p:spPr>
+            <a:xfrm flipH="1">
+              <a:off x="2597448" y="2128426"/>
+              <a:ext cx="87220" cy="92162"/>
+            </a:xfrm>
+            <a:prstGeom prst="line">
+              <a:avLst/>
+            </a:prstGeom>
+          </p:spPr>
+          <p:style>
+            <a:lnRef idx="1">
+              <a:schemeClr val="accent1"/>
+            </a:lnRef>
+            <a:fillRef idx="0">
+              <a:schemeClr val="accent1"/>
+            </a:fillRef>
+            <a:effectRef idx="0">
+              <a:schemeClr val="accent1"/>
+            </a:effectRef>
+            <a:fontRef idx="minor">
+              <a:schemeClr val="tx1"/>
+            </a:fontRef>
+          </p:style>
+        </p:cxnSp>
+        <p:cxnSp>
+          <p:nvCxnSpPr>
+            <p:cNvPr id="118" name="直接连接符 117">
+              <a:extLst>
+                <a:ext uri="{FF2B5EF4-FFF2-40B4-BE49-F238E27FC236}">
+                  <a16:creationId xmlns:a16="http://schemas.microsoft.com/office/drawing/2014/main" id="{005DD819-E5FB-90B8-42C7-C747DC2E01B3}"/>
+                </a:ext>
+              </a:extLst>
+            </p:cNvPr>
+            <p:cNvCxnSpPr>
+              <a:cxnSpLocks/>
+            </p:cNvCxnSpPr>
+            <p:nvPr/>
+          </p:nvCxnSpPr>
+          <p:spPr>
+            <a:xfrm flipH="1">
+              <a:off x="2521715" y="2109741"/>
+              <a:ext cx="106187" cy="107703"/>
+            </a:xfrm>
+            <a:prstGeom prst="line">
+              <a:avLst/>
+            </a:prstGeom>
+          </p:spPr>
+          <p:style>
+            <a:lnRef idx="1">
+              <a:schemeClr val="accent1"/>
+            </a:lnRef>
+            <a:fillRef idx="0">
+              <a:schemeClr val="accent1"/>
+            </a:fillRef>
+            <a:effectRef idx="0">
+              <a:schemeClr val="accent1"/>
+            </a:effectRef>
+            <a:fontRef idx="minor">
+              <a:schemeClr val="tx1"/>
+            </a:fontRef>
+          </p:style>
+        </p:cxnSp>
+        <p:cxnSp>
+          <p:nvCxnSpPr>
+            <p:cNvPr id="125" name="直接连接符 124">
+              <a:extLst>
+                <a:ext uri="{FF2B5EF4-FFF2-40B4-BE49-F238E27FC236}">
+                  <a16:creationId xmlns:a16="http://schemas.microsoft.com/office/drawing/2014/main" id="{F1510BD1-3D6D-4AAF-4818-39C79001E1D4}"/>
+                </a:ext>
+              </a:extLst>
+            </p:cNvPr>
+            <p:cNvCxnSpPr>
+              <a:cxnSpLocks/>
+            </p:cNvCxnSpPr>
+            <p:nvPr/>
+          </p:nvCxnSpPr>
+          <p:spPr>
+            <a:xfrm flipH="1">
+              <a:off x="2135376" y="1992774"/>
+              <a:ext cx="261695" cy="227756"/>
+            </a:xfrm>
+            <a:prstGeom prst="line">
+              <a:avLst/>
+            </a:prstGeom>
+          </p:spPr>
+          <p:style>
+            <a:lnRef idx="1">
+              <a:schemeClr val="accent1"/>
+            </a:lnRef>
+            <a:fillRef idx="0">
+              <a:schemeClr val="accent1"/>
+            </a:fillRef>
+            <a:effectRef idx="0">
+              <a:schemeClr val="accent1"/>
+            </a:effectRef>
+            <a:fontRef idx="minor">
+              <a:schemeClr val="tx1"/>
+            </a:fontRef>
+          </p:style>
+        </p:cxnSp>
+        <p:cxnSp>
+          <p:nvCxnSpPr>
+            <p:cNvPr id="127" name="直接连接符 126">
+              <a:extLst>
+                <a:ext uri="{FF2B5EF4-FFF2-40B4-BE49-F238E27FC236}">
+                  <a16:creationId xmlns:a16="http://schemas.microsoft.com/office/drawing/2014/main" id="{39D1CC26-C680-9F36-2189-0D7F28F50D62}"/>
+                </a:ext>
+              </a:extLst>
+            </p:cNvPr>
+            <p:cNvCxnSpPr>
+              <a:cxnSpLocks/>
+            </p:cNvCxnSpPr>
+            <p:nvPr/>
+          </p:nvCxnSpPr>
+          <p:spPr>
+            <a:xfrm flipH="1">
+              <a:off x="2035067" y="1976662"/>
+              <a:ext cx="268998" cy="251796"/>
+            </a:xfrm>
+            <a:prstGeom prst="line">
+              <a:avLst/>
+            </a:prstGeom>
+          </p:spPr>
+          <p:style>
+            <a:lnRef idx="1">
+              <a:schemeClr val="accent1"/>
+            </a:lnRef>
+            <a:fillRef idx="0">
+              <a:schemeClr val="accent1"/>
+            </a:fillRef>
+            <a:effectRef idx="0">
+              <a:schemeClr val="accent1"/>
+            </a:effectRef>
+            <a:fontRef idx="minor">
+              <a:schemeClr val="tx1"/>
+            </a:fontRef>
+          </p:style>
+        </p:cxnSp>
+        <p:cxnSp>
+          <p:nvCxnSpPr>
+            <p:cNvPr id="129" name="直接连接符 128">
+              <a:extLst>
+                <a:ext uri="{FF2B5EF4-FFF2-40B4-BE49-F238E27FC236}">
+                  <a16:creationId xmlns:a16="http://schemas.microsoft.com/office/drawing/2014/main" id="{DDFB0889-B531-B7C4-3AF3-8B81BFC1C431}"/>
+                </a:ext>
+              </a:extLst>
+            </p:cNvPr>
+            <p:cNvCxnSpPr>
+              <a:cxnSpLocks/>
+            </p:cNvCxnSpPr>
+            <p:nvPr/>
+          </p:nvCxnSpPr>
+          <p:spPr>
+            <a:xfrm flipH="1">
+              <a:off x="1930503" y="1964116"/>
+              <a:ext cx="292253" cy="256414"/>
+            </a:xfrm>
+            <a:prstGeom prst="line">
+              <a:avLst/>
+            </a:prstGeom>
+          </p:spPr>
+          <p:style>
+            <a:lnRef idx="1">
+              <a:schemeClr val="accent1"/>
+            </a:lnRef>
+            <a:fillRef idx="0">
+              <a:schemeClr val="accent1"/>
+            </a:fillRef>
+            <a:effectRef idx="0">
+              <a:schemeClr val="accent1"/>
+            </a:effectRef>
+            <a:fontRef idx="minor">
+              <a:schemeClr val="tx1"/>
+            </a:fontRef>
+          </p:style>
+        </p:cxnSp>
+        <p:cxnSp>
+          <p:nvCxnSpPr>
+            <p:cNvPr id="132" name="直接连接符 131">
+              <a:extLst>
+                <a:ext uri="{FF2B5EF4-FFF2-40B4-BE49-F238E27FC236}">
+                  <a16:creationId xmlns:a16="http://schemas.microsoft.com/office/drawing/2014/main" id="{4380BAF0-5285-54D4-4A9F-012E649C21C3}"/>
+                </a:ext>
+              </a:extLst>
+            </p:cNvPr>
+            <p:cNvCxnSpPr>
+              <a:cxnSpLocks/>
+            </p:cNvCxnSpPr>
+            <p:nvPr/>
+          </p:nvCxnSpPr>
+          <p:spPr>
+            <a:xfrm flipH="1">
+              <a:off x="1816363" y="1964116"/>
+              <a:ext cx="292253" cy="256414"/>
+            </a:xfrm>
+            <a:prstGeom prst="line">
+              <a:avLst/>
+            </a:prstGeom>
+          </p:spPr>
+          <p:style>
+            <a:lnRef idx="1">
+              <a:schemeClr val="accent1"/>
+            </a:lnRef>
+            <a:fillRef idx="0">
+              <a:schemeClr val="accent1"/>
+            </a:fillRef>
+            <a:effectRef idx="0">
+              <a:schemeClr val="accent1"/>
+            </a:effectRef>
+            <a:fontRef idx="minor">
+              <a:schemeClr val="tx1"/>
+            </a:fontRef>
+          </p:style>
+        </p:cxnSp>
+        <p:cxnSp>
+          <p:nvCxnSpPr>
+            <p:cNvPr id="133" name="直接连接符 132">
+              <a:extLst>
+                <a:ext uri="{FF2B5EF4-FFF2-40B4-BE49-F238E27FC236}">
+                  <a16:creationId xmlns:a16="http://schemas.microsoft.com/office/drawing/2014/main" id="{74086F1D-847A-20BC-6F25-5CB4DCE3DCF6}"/>
+                </a:ext>
+              </a:extLst>
+            </p:cNvPr>
+            <p:cNvCxnSpPr>
+              <a:cxnSpLocks/>
+            </p:cNvCxnSpPr>
+            <p:nvPr/>
+          </p:nvCxnSpPr>
+          <p:spPr>
+            <a:xfrm flipH="1">
+              <a:off x="1710403" y="1955789"/>
+              <a:ext cx="292253" cy="256414"/>
+            </a:xfrm>
+            <a:prstGeom prst="line">
+              <a:avLst/>
+            </a:prstGeom>
+          </p:spPr>
+          <p:style>
+            <a:lnRef idx="1">
+              <a:schemeClr val="accent1"/>
+            </a:lnRef>
+            <a:fillRef idx="0">
+              <a:schemeClr val="accent1"/>
+            </a:fillRef>
+            <a:effectRef idx="0">
+              <a:schemeClr val="accent1"/>
+            </a:effectRef>
+            <a:fontRef idx="minor">
+              <a:schemeClr val="tx1"/>
+            </a:fontRef>
+          </p:style>
+        </p:cxnSp>
+        <p:cxnSp>
+          <p:nvCxnSpPr>
+            <p:cNvPr id="134" name="直接连接符 133">
+              <a:extLst>
+                <a:ext uri="{FF2B5EF4-FFF2-40B4-BE49-F238E27FC236}">
+                  <a16:creationId xmlns:a16="http://schemas.microsoft.com/office/drawing/2014/main" id="{8B2049F6-F674-6473-06CC-2BB21B35E0EC}"/>
+                </a:ext>
+              </a:extLst>
+            </p:cNvPr>
+            <p:cNvCxnSpPr>
+              <a:cxnSpLocks/>
+            </p:cNvCxnSpPr>
+            <p:nvPr/>
+          </p:nvCxnSpPr>
+          <p:spPr>
+            <a:xfrm flipH="1">
+              <a:off x="1592805" y="1968080"/>
+              <a:ext cx="292253" cy="256414"/>
+            </a:xfrm>
+            <a:prstGeom prst="line">
+              <a:avLst/>
+            </a:prstGeom>
+          </p:spPr>
+          <p:style>
+            <a:lnRef idx="1">
+              <a:schemeClr val="accent1"/>
+            </a:lnRef>
+            <a:fillRef idx="0">
+              <a:schemeClr val="accent1"/>
+            </a:fillRef>
+            <a:effectRef idx="0">
+              <a:schemeClr val="accent1"/>
+            </a:effectRef>
+            <a:fontRef idx="minor">
+              <a:schemeClr val="tx1"/>
+            </a:fontRef>
+          </p:style>
+        </p:cxnSp>
+        <p:cxnSp>
+          <p:nvCxnSpPr>
+            <p:cNvPr id="135" name="直接连接符 134">
+              <a:extLst>
+                <a:ext uri="{FF2B5EF4-FFF2-40B4-BE49-F238E27FC236}">
+                  <a16:creationId xmlns:a16="http://schemas.microsoft.com/office/drawing/2014/main" id="{DE90D148-65A3-01C6-F177-F42FB457FE4F}"/>
+                </a:ext>
+              </a:extLst>
+            </p:cNvPr>
+            <p:cNvCxnSpPr>
+              <a:cxnSpLocks/>
+            </p:cNvCxnSpPr>
+            <p:nvPr/>
+          </p:nvCxnSpPr>
+          <p:spPr>
+            <a:xfrm flipH="1">
+              <a:off x="1484888" y="1964116"/>
+              <a:ext cx="292253" cy="256414"/>
+            </a:xfrm>
+            <a:prstGeom prst="line">
+              <a:avLst/>
+            </a:prstGeom>
+          </p:spPr>
+          <p:style>
+            <a:lnRef idx="1">
+              <a:schemeClr val="accent1"/>
+            </a:lnRef>
+            <a:fillRef idx="0">
+              <a:schemeClr val="accent1"/>
+            </a:fillRef>
+            <a:effectRef idx="0">
+              <a:schemeClr val="accent1"/>
+            </a:effectRef>
+            <a:fontRef idx="minor">
+              <a:schemeClr val="tx1"/>
+            </a:fontRef>
+          </p:style>
+        </p:cxnSp>
+        <p:cxnSp>
+          <p:nvCxnSpPr>
+            <p:cNvPr id="136" name="直接连接符 135">
+              <a:extLst>
+                <a:ext uri="{FF2B5EF4-FFF2-40B4-BE49-F238E27FC236}">
+                  <a16:creationId xmlns:a16="http://schemas.microsoft.com/office/drawing/2014/main" id="{BC147E4B-F18C-3570-9AD5-696B4C17ECC6}"/>
+                </a:ext>
+              </a:extLst>
+            </p:cNvPr>
+            <p:cNvCxnSpPr>
+              <a:cxnSpLocks/>
+            </p:cNvCxnSpPr>
+            <p:nvPr/>
+          </p:nvCxnSpPr>
+          <p:spPr>
+            <a:xfrm flipH="1">
+              <a:off x="1363505" y="1973792"/>
+              <a:ext cx="292253" cy="256414"/>
+            </a:xfrm>
+            <a:prstGeom prst="line">
+              <a:avLst/>
+            </a:prstGeom>
+          </p:spPr>
+          <p:style>
+            <a:lnRef idx="1">
+              <a:schemeClr val="accent1"/>
+            </a:lnRef>
+            <a:fillRef idx="0">
+              <a:schemeClr val="accent1"/>
+            </a:fillRef>
+            <a:effectRef idx="0">
+              <a:schemeClr val="accent1"/>
+            </a:effectRef>
+            <a:fontRef idx="minor">
+              <a:schemeClr val="tx1"/>
+            </a:fontRef>
+          </p:style>
+        </p:cxnSp>
+        <p:cxnSp>
+          <p:nvCxnSpPr>
+            <p:cNvPr id="137" name="直接连接符 136">
+              <a:extLst>
+                <a:ext uri="{FF2B5EF4-FFF2-40B4-BE49-F238E27FC236}">
+                  <a16:creationId xmlns:a16="http://schemas.microsoft.com/office/drawing/2014/main" id="{167D8CE3-A231-6D95-28B6-9BB2A73A7420}"/>
+                </a:ext>
+              </a:extLst>
+            </p:cNvPr>
+            <p:cNvCxnSpPr>
+              <a:cxnSpLocks/>
+            </p:cNvCxnSpPr>
+            <p:nvPr/>
+          </p:nvCxnSpPr>
+          <p:spPr>
+            <a:xfrm flipH="1">
+              <a:off x="1255053" y="1973792"/>
+              <a:ext cx="292253" cy="256414"/>
+            </a:xfrm>
+            <a:prstGeom prst="line">
+              <a:avLst/>
+            </a:prstGeom>
+          </p:spPr>
+          <p:style>
+            <a:lnRef idx="1">
+              <a:schemeClr val="accent1"/>
+            </a:lnRef>
+            <a:fillRef idx="0">
+              <a:schemeClr val="accent1"/>
+            </a:fillRef>
+            <a:effectRef idx="0">
+              <a:schemeClr val="accent1"/>
+            </a:effectRef>
+            <a:fontRef idx="minor">
+              <a:schemeClr val="tx1"/>
+            </a:fontRef>
+          </p:style>
+        </p:cxnSp>
+        <p:cxnSp>
+          <p:nvCxnSpPr>
+            <p:cNvPr id="138" name="直接连接符 137">
+              <a:extLst>
+                <a:ext uri="{FF2B5EF4-FFF2-40B4-BE49-F238E27FC236}">
+                  <a16:creationId xmlns:a16="http://schemas.microsoft.com/office/drawing/2014/main" id="{AA2E03D0-5CCD-57E9-17A1-A20BD48F1470}"/>
+                </a:ext>
+              </a:extLst>
+            </p:cNvPr>
+            <p:cNvCxnSpPr>
+              <a:cxnSpLocks/>
+            </p:cNvCxnSpPr>
+            <p:nvPr/>
+          </p:nvCxnSpPr>
+          <p:spPr>
+            <a:xfrm flipH="1">
+              <a:off x="1145006" y="2033064"/>
+              <a:ext cx="236173" cy="195395"/>
+            </a:xfrm>
+            <a:prstGeom prst="line">
+              <a:avLst/>
+            </a:prstGeom>
+          </p:spPr>
+          <p:style>
+            <a:lnRef idx="1">
+              <a:schemeClr val="accent1"/>
+            </a:lnRef>
+            <a:fillRef idx="0">
+              <a:schemeClr val="accent1"/>
+            </a:fillRef>
+            <a:effectRef idx="0">
+              <a:schemeClr val="accent1"/>
+            </a:effectRef>
+            <a:fontRef idx="minor">
+              <a:schemeClr val="tx1"/>
+            </a:fontRef>
+          </p:style>
+        </p:cxnSp>
+        <p:cxnSp>
+          <p:nvCxnSpPr>
+            <p:cNvPr id="143" name="直接连接符 142">
+              <a:extLst>
+                <a:ext uri="{FF2B5EF4-FFF2-40B4-BE49-F238E27FC236}">
+                  <a16:creationId xmlns:a16="http://schemas.microsoft.com/office/drawing/2014/main" id="{55CBD2D3-D7CD-D97E-3F22-88B16B39D083}"/>
+                </a:ext>
+              </a:extLst>
+            </p:cNvPr>
+            <p:cNvCxnSpPr>
+              <a:cxnSpLocks/>
+            </p:cNvCxnSpPr>
+            <p:nvPr/>
+          </p:nvCxnSpPr>
+          <p:spPr>
+            <a:xfrm flipH="1">
+              <a:off x="955145" y="2184148"/>
+              <a:ext cx="59863" cy="51465"/>
+            </a:xfrm>
+            <a:prstGeom prst="line">
+              <a:avLst/>
+            </a:prstGeom>
+          </p:spPr>
+          <p:style>
+            <a:lnRef idx="1">
+              <a:schemeClr val="accent1"/>
+            </a:lnRef>
+            <a:fillRef idx="0">
+              <a:schemeClr val="accent1"/>
+            </a:fillRef>
+            <a:effectRef idx="0">
+              <a:schemeClr val="accent1"/>
+            </a:effectRef>
+            <a:fontRef idx="minor">
+              <a:schemeClr val="tx1"/>
+            </a:fontRef>
+          </p:style>
+        </p:cxnSp>
+        <p:cxnSp>
+          <p:nvCxnSpPr>
+            <p:cNvPr id="145" name="直接连接符 144">
+              <a:extLst>
+                <a:ext uri="{FF2B5EF4-FFF2-40B4-BE49-F238E27FC236}">
+                  <a16:creationId xmlns:a16="http://schemas.microsoft.com/office/drawing/2014/main" id="{9E544F47-4384-8879-9C98-33265B844E5C}"/>
+                </a:ext>
+              </a:extLst>
+            </p:cNvPr>
+            <p:cNvCxnSpPr>
+              <a:cxnSpLocks/>
+            </p:cNvCxnSpPr>
+            <p:nvPr/>
+          </p:nvCxnSpPr>
+          <p:spPr>
+            <a:xfrm flipH="1">
+              <a:off x="890174" y="2184148"/>
+              <a:ext cx="59863" cy="51465"/>
+            </a:xfrm>
+            <a:prstGeom prst="line">
+              <a:avLst/>
+            </a:prstGeom>
+          </p:spPr>
+          <p:style>
+            <a:lnRef idx="1">
+              <a:schemeClr val="accent1"/>
+            </a:lnRef>
+            <a:fillRef idx="0">
+              <a:schemeClr val="accent1"/>
+            </a:fillRef>
+            <a:effectRef idx="0">
+              <a:schemeClr val="accent1"/>
+            </a:effectRef>
+            <a:fontRef idx="minor">
+              <a:schemeClr val="tx1"/>
+            </a:fontRef>
+          </p:style>
+        </p:cxnSp>
+        <p:cxnSp>
+          <p:nvCxnSpPr>
+            <p:cNvPr id="146" name="直接连接符 145">
+              <a:extLst>
+                <a:ext uri="{FF2B5EF4-FFF2-40B4-BE49-F238E27FC236}">
+                  <a16:creationId xmlns:a16="http://schemas.microsoft.com/office/drawing/2014/main" id="{61FBF47E-61FC-8018-8EEF-74B9B45ABE6A}"/>
+                </a:ext>
+              </a:extLst>
+            </p:cNvPr>
+            <p:cNvCxnSpPr>
+              <a:cxnSpLocks/>
+            </p:cNvCxnSpPr>
+            <p:nvPr/>
+          </p:nvCxnSpPr>
+          <p:spPr>
+            <a:xfrm flipH="1">
+              <a:off x="831402" y="2184148"/>
+              <a:ext cx="59863" cy="51465"/>
+            </a:xfrm>
+            <a:prstGeom prst="line">
+              <a:avLst/>
+            </a:prstGeom>
+          </p:spPr>
+          <p:style>
+            <a:lnRef idx="1">
+              <a:schemeClr val="accent1"/>
+            </a:lnRef>
+            <a:fillRef idx="0">
+              <a:schemeClr val="accent1"/>
+            </a:fillRef>
+            <a:effectRef idx="0">
+              <a:schemeClr val="accent1"/>
+            </a:effectRef>
+            <a:fontRef idx="minor">
+              <a:schemeClr val="tx1"/>
+            </a:fontRef>
+          </p:style>
+        </p:cxnSp>
+        <p:cxnSp>
+          <p:nvCxnSpPr>
+            <p:cNvPr id="147" name="直接连接符 146">
+              <a:extLst>
+                <a:ext uri="{FF2B5EF4-FFF2-40B4-BE49-F238E27FC236}">
+                  <a16:creationId xmlns:a16="http://schemas.microsoft.com/office/drawing/2014/main" id="{E8B6594F-F379-986E-8BE1-EDDB0D64DBFC}"/>
+                </a:ext>
+              </a:extLst>
+            </p:cNvPr>
+            <p:cNvCxnSpPr>
+              <a:cxnSpLocks/>
+            </p:cNvCxnSpPr>
+            <p:nvPr/>
+          </p:nvCxnSpPr>
+          <p:spPr>
+            <a:xfrm flipH="1">
+              <a:off x="774148" y="2184148"/>
+              <a:ext cx="59863" cy="51465"/>
+            </a:xfrm>
+            <a:prstGeom prst="line">
+              <a:avLst/>
+            </a:prstGeom>
+          </p:spPr>
+          <p:style>
+            <a:lnRef idx="1">
+              <a:schemeClr val="accent1"/>
+            </a:lnRef>
+            <a:fillRef idx="0">
+              <a:schemeClr val="accent1"/>
+            </a:fillRef>
+            <a:effectRef idx="0">
+              <a:schemeClr val="accent1"/>
+            </a:effectRef>
+            <a:fontRef idx="minor">
+              <a:schemeClr val="tx1"/>
+            </a:fontRef>
+          </p:style>
+        </p:cxnSp>
+        <p:cxnSp>
+          <p:nvCxnSpPr>
+            <p:cNvPr id="148" name="直接连接符 147">
+              <a:extLst>
+                <a:ext uri="{FF2B5EF4-FFF2-40B4-BE49-F238E27FC236}">
+                  <a16:creationId xmlns:a16="http://schemas.microsoft.com/office/drawing/2014/main" id="{D839AFC9-9263-AC57-1FAE-E490F30D3D12}"/>
+                </a:ext>
+              </a:extLst>
+            </p:cNvPr>
+            <p:cNvCxnSpPr>
+              <a:cxnSpLocks/>
+            </p:cNvCxnSpPr>
+            <p:nvPr/>
+          </p:nvCxnSpPr>
+          <p:spPr>
+            <a:xfrm flipH="1">
+              <a:off x="722877" y="2178618"/>
+              <a:ext cx="59863" cy="51465"/>
+            </a:xfrm>
+            <a:prstGeom prst="line">
+              <a:avLst/>
+            </a:prstGeom>
+          </p:spPr>
+          <p:style>
+            <a:lnRef idx="1">
+              <a:schemeClr val="accent1"/>
+            </a:lnRef>
+            <a:fillRef idx="0">
+              <a:schemeClr val="accent1"/>
+            </a:fillRef>
+            <a:effectRef idx="0">
+              <a:schemeClr val="accent1"/>
+            </a:effectRef>
+            <a:fontRef idx="minor">
+              <a:schemeClr val="tx1"/>
+            </a:fontRef>
+          </p:style>
+        </p:cxnSp>
+        <p:cxnSp>
+          <p:nvCxnSpPr>
+            <p:cNvPr id="149" name="直接连接符 148">
+              <a:extLst>
+                <a:ext uri="{FF2B5EF4-FFF2-40B4-BE49-F238E27FC236}">
+                  <a16:creationId xmlns:a16="http://schemas.microsoft.com/office/drawing/2014/main" id="{86CC8F17-2F86-5F43-A0A2-CDC4484217BD}"/>
+                </a:ext>
+              </a:extLst>
+            </p:cNvPr>
+            <p:cNvCxnSpPr>
+              <a:cxnSpLocks/>
+            </p:cNvCxnSpPr>
+            <p:nvPr/>
+          </p:nvCxnSpPr>
+          <p:spPr>
+            <a:xfrm flipH="1">
+              <a:off x="654397" y="2178617"/>
+              <a:ext cx="59863" cy="51465"/>
+            </a:xfrm>
+            <a:prstGeom prst="line">
+              <a:avLst/>
+            </a:prstGeom>
+          </p:spPr>
+          <p:style>
+            <a:lnRef idx="1">
+              <a:schemeClr val="accent1"/>
+            </a:lnRef>
+            <a:fillRef idx="0">
+              <a:schemeClr val="accent1"/>
+            </a:fillRef>
+            <a:effectRef idx="0">
+              <a:schemeClr val="accent1"/>
+            </a:effectRef>
+            <a:fontRef idx="minor">
+              <a:schemeClr val="tx1"/>
+            </a:fontRef>
+          </p:style>
+        </p:cxnSp>
+        <p:cxnSp>
+          <p:nvCxnSpPr>
+            <p:cNvPr id="150" name="直接连接符 149">
+              <a:extLst>
+                <a:ext uri="{FF2B5EF4-FFF2-40B4-BE49-F238E27FC236}">
+                  <a16:creationId xmlns:a16="http://schemas.microsoft.com/office/drawing/2014/main" id="{17D85120-9F17-7292-51B3-9AB0BF5D0C46}"/>
+                </a:ext>
+              </a:extLst>
+            </p:cNvPr>
+            <p:cNvCxnSpPr>
+              <a:cxnSpLocks/>
+            </p:cNvCxnSpPr>
+            <p:nvPr/>
+          </p:nvCxnSpPr>
+          <p:spPr>
+            <a:xfrm flipH="1">
+              <a:off x="586800" y="2176994"/>
+              <a:ext cx="59863" cy="51465"/>
+            </a:xfrm>
+            <a:prstGeom prst="line">
+              <a:avLst/>
+            </a:prstGeom>
+          </p:spPr>
+          <p:style>
+            <a:lnRef idx="1">
+              <a:schemeClr val="accent1"/>
+            </a:lnRef>
+            <a:fillRef idx="0">
+              <a:schemeClr val="accent1"/>
+            </a:fillRef>
+            <a:effectRef idx="0">
+              <a:schemeClr val="accent1"/>
+            </a:effectRef>
+            <a:fontRef idx="minor">
+              <a:schemeClr val="tx1"/>
+            </a:fontRef>
+          </p:style>
+        </p:cxnSp>
+        <p:cxnSp>
+          <p:nvCxnSpPr>
+            <p:cNvPr id="151" name="直接连接符 150">
+              <a:extLst>
+                <a:ext uri="{FF2B5EF4-FFF2-40B4-BE49-F238E27FC236}">
+                  <a16:creationId xmlns:a16="http://schemas.microsoft.com/office/drawing/2014/main" id="{A88B9C6A-5C1C-2B10-4FEA-B3B5B981B5F3}"/>
+                </a:ext>
+              </a:extLst>
+            </p:cNvPr>
+            <p:cNvCxnSpPr>
+              <a:cxnSpLocks/>
+            </p:cNvCxnSpPr>
+            <p:nvPr/>
+          </p:nvCxnSpPr>
+          <p:spPr>
+            <a:xfrm flipH="1">
+              <a:off x="526515" y="2178616"/>
+              <a:ext cx="59863" cy="51465"/>
+            </a:xfrm>
+            <a:prstGeom prst="line">
+              <a:avLst/>
+            </a:prstGeom>
+          </p:spPr>
+          <p:style>
+            <a:lnRef idx="1">
+              <a:schemeClr val="accent1"/>
+            </a:lnRef>
+            <a:fillRef idx="0">
+              <a:schemeClr val="accent1"/>
+            </a:fillRef>
+            <a:effectRef idx="0">
+              <a:schemeClr val="accent1"/>
+            </a:effectRef>
+            <a:fontRef idx="minor">
+              <a:schemeClr val="tx1"/>
+            </a:fontRef>
+          </p:style>
+        </p:cxnSp>
+        <p:sp>
+          <p:nvSpPr>
+            <p:cNvPr id="152" name="文本框 9">
+              <a:extLst>
+                <a:ext uri="{FF2B5EF4-FFF2-40B4-BE49-F238E27FC236}">
+                  <a16:creationId xmlns:a16="http://schemas.microsoft.com/office/drawing/2014/main" id="{C59EB463-58EA-9032-7E0B-7E801894CD08}"/>
+                </a:ext>
+              </a:extLst>
+            </p:cNvPr>
+            <p:cNvSpPr txBox="1"/>
+            <p:nvPr/>
+          </p:nvSpPr>
+          <p:spPr>
+            <a:xfrm>
+              <a:off x="2360255" y="2366121"/>
+              <a:ext cx="1098378" cy="307777"/>
+            </a:xfrm>
+            <a:prstGeom prst="rect">
+              <a:avLst/>
+            </a:prstGeom>
+            <a:noFill/>
+          </p:spPr>
+          <p:txBody>
+            <a:bodyPr wrap="none" rtlCol="0">
+              <a:spAutoFit/>
+            </a:bodyPr>
+            <a:lstStyle/>
+            <a:p>
+              <a:r>
+                <a:rPr lang="en-US" altLang="zh-CN" sz="1400" dirty="0">
+                  <a:latin typeface="Times New Roman" panose="02020603050405020304" pitchFamily="18" charset="0"/>
+                  <a:cs typeface="Times New Roman" panose="02020603050405020304" pitchFamily="18" charset="0"/>
+                </a:rPr>
+                <a:t>Negative (-)</a:t>
+              </a:r>
+              <a:endParaRPr lang="zh-CN" altLang="en-US" sz="1400" baseline="-25000" dirty="0">
+                <a:latin typeface="Times New Roman" panose="02020603050405020304" pitchFamily="18" charset="0"/>
+                <a:cs typeface="Times New Roman" panose="02020603050405020304" pitchFamily="18" charset="0"/>
+              </a:endParaRPr>
+            </a:p>
+          </p:txBody>
+        </p:sp>
+        <p:cxnSp>
+          <p:nvCxnSpPr>
+            <p:cNvPr id="153" name="直接箭头连接符 152">
+              <a:extLst>
+                <a:ext uri="{FF2B5EF4-FFF2-40B4-BE49-F238E27FC236}">
+                  <a16:creationId xmlns:a16="http://schemas.microsoft.com/office/drawing/2014/main" id="{5C7A4089-950A-0732-EB86-A071A3A945C2}"/>
+                </a:ext>
+              </a:extLst>
+            </p:cNvPr>
+            <p:cNvCxnSpPr>
+              <a:cxnSpLocks/>
+            </p:cNvCxnSpPr>
+            <p:nvPr/>
+          </p:nvCxnSpPr>
+          <p:spPr>
+            <a:xfrm flipV="1">
+              <a:off x="2968017" y="2266315"/>
+              <a:ext cx="271356" cy="216681"/>
+            </a:xfrm>
+            <a:prstGeom prst="straightConnector1">
+              <a:avLst/>
+            </a:prstGeom>
+            <a:ln w="12700">
+              <a:solidFill>
+                <a:schemeClr val="tx1"/>
+              </a:solidFill>
+              <a:prstDash val="lgDash"/>
+              <a:tailEnd type="triangle"/>
+            </a:ln>
+          </p:spPr>
+          <p:style>
+            <a:lnRef idx="1">
+              <a:schemeClr val="accent1"/>
+            </a:lnRef>
+            <a:fillRef idx="0">
+              <a:schemeClr val="accent1"/>
+            </a:fillRef>
+            <a:effectRef idx="0">
+              <a:schemeClr val="accent1"/>
+            </a:effectRef>
+            <a:fontRef idx="minor">
+              <a:schemeClr val="tx1"/>
+            </a:fontRef>
+          </p:style>
+        </p:cxnSp>
+        <p:sp>
+          <p:nvSpPr>
+            <p:cNvPr id="154" name="文本框 9">
+              <a:extLst>
+                <a:ext uri="{FF2B5EF4-FFF2-40B4-BE49-F238E27FC236}">
+                  <a16:creationId xmlns:a16="http://schemas.microsoft.com/office/drawing/2014/main" id="{0D308A44-2558-F0D1-9F8B-E88B3804A501}"/>
+                </a:ext>
+              </a:extLst>
+            </p:cNvPr>
+            <p:cNvSpPr txBox="1"/>
+            <p:nvPr/>
+          </p:nvSpPr>
+          <p:spPr>
+            <a:xfrm>
+              <a:off x="1085597" y="2302327"/>
+              <a:ext cx="1027845" cy="307777"/>
+            </a:xfrm>
+            <a:prstGeom prst="rect">
+              <a:avLst/>
+            </a:prstGeom>
+            <a:noFill/>
+          </p:spPr>
+          <p:txBody>
+            <a:bodyPr wrap="none" rtlCol="0">
+              <a:spAutoFit/>
+            </a:bodyPr>
+            <a:lstStyle/>
+            <a:p>
+              <a:r>
+                <a:rPr lang="en-US" altLang="zh-CN" sz="1400" dirty="0">
+                  <a:latin typeface="Times New Roman" panose="02020603050405020304" pitchFamily="18" charset="0"/>
+                  <a:cs typeface="Times New Roman" panose="02020603050405020304" pitchFamily="18" charset="0"/>
+                </a:rPr>
+                <a:t>Positive (+)</a:t>
+              </a:r>
+              <a:endParaRPr lang="zh-CN" altLang="en-US" sz="1400" baseline="-25000" dirty="0">
+                <a:latin typeface="Times New Roman" panose="02020603050405020304" pitchFamily="18" charset="0"/>
+                <a:cs typeface="Times New Roman" panose="02020603050405020304" pitchFamily="18" charset="0"/>
+              </a:endParaRPr>
+            </a:p>
+          </p:txBody>
+        </p:sp>
+        <p:cxnSp>
+          <p:nvCxnSpPr>
+            <p:cNvPr id="155" name="直接箭头连接符 154">
+              <a:extLst>
+                <a:ext uri="{FF2B5EF4-FFF2-40B4-BE49-F238E27FC236}">
+                  <a16:creationId xmlns:a16="http://schemas.microsoft.com/office/drawing/2014/main" id="{C061DE33-60D1-5645-D4E3-7279BE959608}"/>
+                </a:ext>
+              </a:extLst>
+            </p:cNvPr>
+            <p:cNvCxnSpPr>
+              <a:cxnSpLocks/>
+            </p:cNvCxnSpPr>
+            <p:nvPr/>
+          </p:nvCxnSpPr>
+          <p:spPr>
+            <a:xfrm flipV="1">
+              <a:off x="1546967" y="2140808"/>
+              <a:ext cx="271356" cy="216681"/>
+            </a:xfrm>
+            <a:prstGeom prst="straightConnector1">
+              <a:avLst/>
+            </a:prstGeom>
+            <a:ln w="12700">
+              <a:solidFill>
+                <a:schemeClr val="tx1"/>
+              </a:solidFill>
+              <a:prstDash val="lgDash"/>
+              <a:tailEnd type="triangle"/>
+            </a:ln>
+          </p:spPr>
+          <p:style>
+            <a:lnRef idx="1">
+              <a:schemeClr val="accent1"/>
+            </a:lnRef>
+            <a:fillRef idx="0">
+              <a:schemeClr val="accent1"/>
+            </a:fillRef>
+            <a:effectRef idx="0">
+              <a:schemeClr val="accent1"/>
+            </a:effectRef>
+            <a:fontRef idx="minor">
+              <a:schemeClr val="tx1"/>
+            </a:fontRef>
+          </p:style>
+        </p:cxnSp>
+        <p:sp>
+          <p:nvSpPr>
+            <p:cNvPr id="160" name="文本框 159">
+              <a:extLst>
+                <a:ext uri="{FF2B5EF4-FFF2-40B4-BE49-F238E27FC236}">
+                  <a16:creationId xmlns:a16="http://schemas.microsoft.com/office/drawing/2014/main" id="{5EFE072F-A6F5-FAD4-231E-B0E79B915055}"/>
+                </a:ext>
+              </a:extLst>
+            </p:cNvPr>
+            <p:cNvSpPr txBox="1"/>
+            <p:nvPr/>
+          </p:nvSpPr>
+          <p:spPr>
+            <a:xfrm>
+              <a:off x="1668639" y="4186675"/>
+              <a:ext cx="522900" cy="338554"/>
+            </a:xfrm>
+            <a:prstGeom prst="rect">
+              <a:avLst/>
+            </a:prstGeom>
+            <a:noFill/>
+          </p:spPr>
+          <p:txBody>
+            <a:bodyPr wrap="none" rtlCol="0">
+              <a:spAutoFit/>
+            </a:bodyPr>
+            <a:lstStyle/>
+            <a:p>
+              <a:r>
+                <a:rPr lang="en-US" altLang="zh-CN" sz="1600" dirty="0">
+                  <a:cs typeface="Times New Roman" panose="02020603050405020304" pitchFamily="18" charset="0"/>
+                </a:rPr>
+                <a:t>t [s]</a:t>
+              </a:r>
+              <a:endParaRPr lang="zh-CN" altLang="en-US" sz="1600" dirty="0">
+                <a:cs typeface="Times New Roman" panose="02020603050405020304" pitchFamily="18" charset="0"/>
+              </a:endParaRPr>
+            </a:p>
+          </p:txBody>
+        </p:sp>
+      </p:grpSp>
+    </p:spTree>
+    <p:extLst>
+      <p:ext uri="{BB962C8B-B14F-4D97-AF65-F5344CB8AC3E}">
+        <p14:creationId xmlns:p14="http://schemas.microsoft.com/office/powerpoint/2010/main" val="2380693302"/>
+      </p:ext>
+    </p:extLst>
+  </p:cSld>
+  <p:clrMapOvr>
+    <a:masterClrMapping/>
+  </p:clrMapOvr>
+</p:sld>
+</file>
+
+<file path=ppt/slides/slide4.xml><?xml version="1.0" encoding="utf-8"?>
 <p:sld xmlns:a="http://schemas.openxmlformats.org/drawingml/2006/main" xmlns:r="http://schemas.openxmlformats.org/officeDocument/2006/relationships" xmlns:p="http://schemas.openxmlformats.org/presentationml/2006/main">
   <p:cSld>
     <p:spTree>
@@ -6423,7 +13088,7 @@
         </p:blipFill>
         <p:spPr>
           <a:xfrm>
-            <a:off x="-1837170" y="-168780"/>
+            <a:off x="-1837170" y="-283874"/>
             <a:ext cx="3149600" cy="2997200"/>
           </a:xfrm>
           <a:prstGeom prst="rect">
@@ -6452,7 +13117,7 @@
         </p:blipFill>
         <p:spPr>
           <a:xfrm>
-            <a:off x="1983944" y="-168780"/>
+            <a:off x="1983944" y="-283874"/>
             <a:ext cx="3149600" cy="2997200"/>
           </a:xfrm>
           <a:prstGeom prst="rect">
@@ -6476,7 +13141,7 @@
         </p:nvCxnSpPr>
         <p:spPr>
           <a:xfrm>
-            <a:off x="-759304" y="-84960"/>
+            <a:off x="-759304" y="-200054"/>
             <a:ext cx="0" cy="2809240"/>
           </a:xfrm>
           <a:prstGeom prst="line">
@@ -6517,7 +13182,7 @@
         </p:nvCxnSpPr>
         <p:spPr>
           <a:xfrm>
-            <a:off x="142396" y="-84960"/>
+            <a:off x="142396" y="-200054"/>
             <a:ext cx="0" cy="2809240"/>
           </a:xfrm>
           <a:prstGeom prst="line">
@@ -6558,7 +13223,7 @@
         </p:nvCxnSpPr>
         <p:spPr>
           <a:xfrm>
-            <a:off x="2710335" y="-84960"/>
+            <a:off x="2710335" y="-200054"/>
             <a:ext cx="0" cy="2809240"/>
           </a:xfrm>
           <a:prstGeom prst="line">
@@ -6599,7 +13264,7 @@
         </p:nvCxnSpPr>
         <p:spPr>
           <a:xfrm>
-            <a:off x="3968588" y="-84325"/>
+            <a:off x="3968588" y="-199419"/>
             <a:ext cx="0" cy="2809240"/>
           </a:xfrm>
           <a:prstGeom prst="line">
@@ -6638,7 +13303,7 @@
         </p:nvSpPr>
         <p:spPr>
           <a:xfrm>
-            <a:off x="-1555953" y="2745644"/>
+            <a:off x="-1555953" y="2630551"/>
             <a:ext cx="352982" cy="307777"/>
           </a:xfrm>
           <a:prstGeom prst="rect">
@@ -6687,7 +13352,7 @@
         </p:nvSpPr>
         <p:spPr>
           <a:xfrm>
-            <a:off x="-630420" y="3015321"/>
+            <a:off x="-630420" y="2900228"/>
             <a:ext cx="478016" cy="307777"/>
           </a:xfrm>
           <a:prstGeom prst="rect">
@@ -6729,7 +13394,7 @@
         </p:nvSpPr>
         <p:spPr>
           <a:xfrm>
-            <a:off x="-935795" y="2745644"/>
+            <a:off x="-935795" y="2630551"/>
             <a:ext cx="352982" cy="307777"/>
           </a:xfrm>
           <a:prstGeom prst="rect">
@@ -6778,7 +13443,7 @@
         </p:nvSpPr>
         <p:spPr>
           <a:xfrm>
-            <a:off x="-9089" y="2745644"/>
+            <a:off x="-9089" y="2630551"/>
             <a:ext cx="352982" cy="307777"/>
           </a:xfrm>
           <a:prstGeom prst="rect">
@@ -6827,7 +13492,7 @@
         </p:nvSpPr>
         <p:spPr>
           <a:xfrm>
-            <a:off x="997548" y="2739736"/>
+            <a:off x="997548" y="2624643"/>
             <a:ext cx="352982" cy="307777"/>
           </a:xfrm>
           <a:prstGeom prst="rect">
@@ -6876,7 +13541,7 @@
         </p:nvSpPr>
         <p:spPr>
           <a:xfrm>
-            <a:off x="1929369" y="2733825"/>
+            <a:off x="1929369" y="2618732"/>
             <a:ext cx="352982" cy="307777"/>
           </a:xfrm>
           <a:prstGeom prst="rect">
@@ -6925,7 +13590,7 @@
         </p:nvSpPr>
         <p:spPr>
           <a:xfrm>
-            <a:off x="2556315" y="2739736"/>
+            <a:off x="2556315" y="2624643"/>
             <a:ext cx="352982" cy="307777"/>
           </a:xfrm>
           <a:prstGeom prst="rect">
@@ -6974,7 +13639,7 @@
         </p:nvSpPr>
         <p:spPr>
           <a:xfrm>
-            <a:off x="3843384" y="2739736"/>
+            <a:off x="3843384" y="2624643"/>
             <a:ext cx="352982" cy="307777"/>
           </a:xfrm>
           <a:prstGeom prst="rect">
@@ -7023,7 +13688,7 @@
         </p:nvSpPr>
         <p:spPr>
           <a:xfrm>
-            <a:off x="4850021" y="2733826"/>
+            <a:off x="4850021" y="2618733"/>
             <a:ext cx="352982" cy="307777"/>
           </a:xfrm>
           <a:prstGeom prst="rect">
@@ -7072,7 +13737,7 @@
         </p:nvSpPr>
         <p:spPr>
           <a:xfrm>
-            <a:off x="3097041" y="3015323"/>
+            <a:off x="3097041" y="2900230"/>
             <a:ext cx="478016" cy="307777"/>
           </a:xfrm>
           <a:prstGeom prst="rect">
@@ -7114,7 +13779,7 @@
         </p:nvSpPr>
         <p:spPr>
           <a:xfrm rot="16200000">
-            <a:off x="-2127635" y="2201487"/>
+            <a:off x="-2127634" y="2086394"/>
             <a:ext cx="946093" cy="307777"/>
           </a:xfrm>
           <a:prstGeom prst="rect">
@@ -7170,7 +13835,7 @@
         </p:nvSpPr>
         <p:spPr>
           <a:xfrm rot="16200000">
-            <a:off x="-2082751" y="1175933"/>
+            <a:off x="-2082750" y="1060840"/>
             <a:ext cx="856325" cy="307777"/>
           </a:xfrm>
           <a:prstGeom prst="rect">
@@ -7212,7 +13877,7 @@
         </p:nvSpPr>
         <p:spPr>
           <a:xfrm rot="16200000">
-            <a:off x="-2027447" y="172604"/>
+            <a:off x="-2027446" y="57511"/>
             <a:ext cx="745717" cy="307777"/>
           </a:xfrm>
           <a:prstGeom prst="rect">
@@ -7254,7 +13919,7 @@
         </p:nvSpPr>
         <p:spPr>
           <a:xfrm rot="16200000">
-            <a:off x="1302685" y="2201489"/>
+            <a:off x="1302686" y="2086396"/>
             <a:ext cx="946093" cy="307777"/>
           </a:xfrm>
           <a:prstGeom prst="rect">
@@ -7310,7 +13975,7 @@
         </p:nvSpPr>
         <p:spPr>
           <a:xfrm rot="16200000">
-            <a:off x="1347569" y="1175935"/>
+            <a:off x="1347570" y="1060842"/>
             <a:ext cx="856325" cy="307777"/>
           </a:xfrm>
           <a:prstGeom prst="rect">
@@ -7352,7 +14017,7 @@
         </p:nvSpPr>
         <p:spPr>
           <a:xfrm rot="16200000">
-            <a:off x="1402873" y="172606"/>
+            <a:off x="1402874" y="57513"/>
             <a:ext cx="745717" cy="307777"/>
           </a:xfrm>
           <a:prstGeom prst="rect">
@@ -7661,7 +14326,7 @@
         </p:nvCxnSpPr>
         <p:spPr>
           <a:xfrm flipV="1">
-            <a:off x="4892657" y="1121744"/>
+            <a:off x="4892658" y="1006650"/>
             <a:ext cx="263281" cy="197916"/>
           </a:xfrm>
           <a:prstGeom prst="straightConnector1">
@@ -7704,7 +14369,7 @@
         </p:nvSpPr>
         <p:spPr>
           <a:xfrm>
-            <a:off x="5133548" y="888016"/>
+            <a:off x="5133549" y="772923"/>
             <a:ext cx="556563" cy="307777"/>
           </a:xfrm>
           <a:prstGeom prst="rect">
@@ -7748,7 +14413,7 @@
         </p:nvCxnSpPr>
         <p:spPr>
           <a:xfrm flipV="1">
-            <a:off x="188074" y="1189949"/>
+            <a:off x="188075" y="1074856"/>
             <a:ext cx="360973" cy="128771"/>
           </a:xfrm>
           <a:prstGeom prst="straightConnector1">
@@ -7791,7 +14456,7 @@
         </p:nvSpPr>
         <p:spPr>
           <a:xfrm>
-            <a:off x="533337" y="977384"/>
+            <a:off x="533338" y="862291"/>
             <a:ext cx="556563" cy="307777"/>
           </a:xfrm>
           <a:prstGeom prst="rect">
@@ -7840,7 +14505,7 @@
         </p:blipFill>
         <p:spPr>
           <a:xfrm>
-            <a:off x="6672362" y="746215"/>
+            <a:off x="6672362" y="631121"/>
             <a:ext cx="2870490" cy="1851654"/>
           </a:xfrm>
           <a:prstGeom prst="rect">
@@ -7864,7 +14529,7 @@
         </p:nvCxnSpPr>
         <p:spPr>
           <a:xfrm flipV="1">
-            <a:off x="6672362" y="440227"/>
+            <a:off x="6672362" y="325134"/>
             <a:ext cx="0" cy="2180325"/>
           </a:xfrm>
           <a:prstGeom prst="straightConnector1">
@@ -7908,7 +14573,7 @@
         </p:nvCxnSpPr>
         <p:spPr>
           <a:xfrm>
-            <a:off x="6672362" y="1605367"/>
+            <a:off x="6672362" y="1490273"/>
             <a:ext cx="3088792" cy="0"/>
           </a:xfrm>
           <a:prstGeom prst="straightConnector1">
@@ -7950,7 +14615,7 @@
         </p:nvSpPr>
         <p:spPr>
           <a:xfrm>
-            <a:off x="9161784" y="1672044"/>
+            <a:off x="9161784" y="1556951"/>
             <a:ext cx="478016" cy="307777"/>
           </a:xfrm>
           <a:prstGeom prst="rect">
@@ -7992,7 +14657,7 @@
         </p:nvSpPr>
         <p:spPr>
           <a:xfrm>
-            <a:off x="6350467" y="67368"/>
+            <a:off x="6350468" y="-47726"/>
             <a:ext cx="856325" cy="307777"/>
           </a:xfrm>
           <a:prstGeom prst="rect">
@@ -8034,7 +14699,7 @@
         </p:nvSpPr>
         <p:spPr>
           <a:xfrm>
-            <a:off x="6093413" y="1451482"/>
+            <a:off x="6093414" y="1336389"/>
             <a:ext cx="556563" cy="307777"/>
           </a:xfrm>
           <a:prstGeom prst="rect">
@@ -8076,7 +14741,7 @@
         </p:nvSpPr>
         <p:spPr>
           <a:xfrm>
-            <a:off x="6646885" y="1657831"/>
+            <a:off x="6646886" y="1542738"/>
             <a:ext cx="1027845" cy="307777"/>
           </a:xfrm>
           <a:prstGeom prst="rect">
@@ -8118,7 +14783,7 @@
         </p:nvSpPr>
         <p:spPr>
           <a:xfrm>
-            <a:off x="7863077" y="1813917"/>
+            <a:off x="7863077" y="1698824"/>
             <a:ext cx="1098378" cy="307777"/>
           </a:xfrm>
           <a:prstGeom prst="rect">
@@ -8162,7 +14827,7 @@
         </p:nvCxnSpPr>
         <p:spPr>
           <a:xfrm flipH="1">
-            <a:off x="8469088" y="1605425"/>
+            <a:off x="8469088" y="1490332"/>
             <a:ext cx="235387" cy="178779"/>
           </a:xfrm>
           <a:prstGeom prst="line">
@@ -8205,7 +14870,7 @@
         </p:nvCxnSpPr>
         <p:spPr>
           <a:xfrm flipH="1">
-            <a:off x="8590402" y="1613731"/>
+            <a:off x="8590402" y="1498638"/>
             <a:ext cx="235387" cy="178779"/>
           </a:xfrm>
           <a:prstGeom prst="line">
@@ -8248,7 +14913,7 @@
         </p:nvCxnSpPr>
         <p:spPr>
           <a:xfrm flipH="1">
-            <a:off x="8752793" y="1605425"/>
+            <a:off x="8752793" y="1490332"/>
             <a:ext cx="235387" cy="178779"/>
           </a:xfrm>
           <a:prstGeom prst="line">
@@ -8291,7 +14956,7 @@
         </p:nvCxnSpPr>
         <p:spPr>
           <a:xfrm flipH="1">
-            <a:off x="8372100" y="1613731"/>
+            <a:off x="8372100" y="1498638"/>
             <a:ext cx="162391" cy="133097"/>
           </a:xfrm>
           <a:prstGeom prst="line">
@@ -8334,7 +14999,7 @@
         </p:nvCxnSpPr>
         <p:spPr>
           <a:xfrm flipH="1">
-            <a:off x="8274776" y="1611519"/>
+            <a:off x="8274776" y="1496426"/>
             <a:ext cx="110796" cy="91601"/>
           </a:xfrm>
           <a:prstGeom prst="line">
@@ -8377,7 +15042,7 @@
         </p:nvCxnSpPr>
         <p:spPr>
           <a:xfrm flipH="1">
-            <a:off x="8133092" y="1605425"/>
+            <a:off x="8133092" y="1490332"/>
             <a:ext cx="99927" cy="81515"/>
           </a:xfrm>
           <a:prstGeom prst="line">
@@ -8420,7 +15085,7 @@
         </p:nvCxnSpPr>
         <p:spPr>
           <a:xfrm flipH="1">
-            <a:off x="6672364" y="1228972"/>
+            <a:off x="6672365" y="1113879"/>
             <a:ext cx="235387" cy="178779"/>
           </a:xfrm>
           <a:prstGeom prst="line">
@@ -8458,7 +15123,7 @@
         </p:nvCxnSpPr>
         <p:spPr>
           <a:xfrm flipH="1">
-            <a:off x="6672359" y="1228917"/>
+            <a:off x="6672359" y="1113824"/>
             <a:ext cx="388458" cy="320403"/>
           </a:xfrm>
           <a:prstGeom prst="line">
@@ -8496,7 +15161,7 @@
         </p:nvCxnSpPr>
         <p:spPr>
           <a:xfrm flipH="1">
-            <a:off x="6790053" y="1219088"/>
+            <a:off x="6790053" y="1103995"/>
             <a:ext cx="437386" cy="376175"/>
           </a:xfrm>
           <a:prstGeom prst="line">
@@ -8534,7 +15199,7 @@
         </p:nvCxnSpPr>
         <p:spPr>
           <a:xfrm flipH="1">
-            <a:off x="6975737" y="1256938"/>
+            <a:off x="6975737" y="1141844"/>
             <a:ext cx="388454" cy="335858"/>
           </a:xfrm>
           <a:prstGeom prst="line">
@@ -8572,7 +15237,7 @@
         </p:nvCxnSpPr>
         <p:spPr>
           <a:xfrm flipH="1">
-            <a:off x="7128811" y="1288268"/>
+            <a:off x="7128812" y="1173175"/>
             <a:ext cx="367213" cy="322505"/>
           </a:xfrm>
           <a:prstGeom prst="line">
@@ -8610,7 +15275,7 @@
         </p:nvCxnSpPr>
         <p:spPr>
           <a:xfrm flipH="1">
-            <a:off x="7320736" y="1347716"/>
+            <a:off x="7320736" y="1232623"/>
             <a:ext cx="317508" cy="273109"/>
           </a:xfrm>
           <a:prstGeom prst="line">
@@ -8648,7 +15313,7 @@
         </p:nvCxnSpPr>
         <p:spPr>
           <a:xfrm flipH="1">
-            <a:off x="7513560" y="1415648"/>
+            <a:off x="7513561" y="1300555"/>
             <a:ext cx="252533" cy="195125"/>
           </a:xfrm>
           <a:prstGeom prst="line">
@@ -8686,7 +15351,7 @@
         </p:nvCxnSpPr>
         <p:spPr>
           <a:xfrm flipH="1">
-            <a:off x="7679035" y="1426694"/>
+            <a:off x="7679035" y="1311601"/>
             <a:ext cx="254280" cy="184079"/>
           </a:xfrm>
           <a:prstGeom prst="line">
@@ -8724,7 +15389,7 @@
         </p:nvCxnSpPr>
         <p:spPr>
           <a:xfrm flipH="1">
-            <a:off x="7863077" y="1481881"/>
+            <a:off x="7863077" y="1366787"/>
             <a:ext cx="170938" cy="128888"/>
           </a:xfrm>
           <a:prstGeom prst="line">
@@ -8762,7 +15427,7 @@
         </p:nvCxnSpPr>
         <p:spPr>
           <a:xfrm flipH="1">
-            <a:off x="8038960" y="1528688"/>
+            <a:off x="8038960" y="1413594"/>
             <a:ext cx="102876" cy="76678"/>
           </a:xfrm>
           <a:prstGeom prst="line">
@@ -8800,7 +15465,7 @@
         </p:nvCxnSpPr>
         <p:spPr>
           <a:xfrm flipV="1">
-            <a:off x="7045296" y="1429730"/>
+            <a:off x="7045297" y="1314636"/>
             <a:ext cx="54675" cy="265082"/>
           </a:xfrm>
           <a:prstGeom prst="straightConnector1">
@@ -8845,7 +15510,7 @@
         </p:nvCxnSpPr>
         <p:spPr>
           <a:xfrm flipV="1">
-            <a:off x="8218865" y="1673070"/>
+            <a:off x="8218865" y="1557977"/>
             <a:ext cx="271356" cy="216681"/>
           </a:xfrm>
           <a:prstGeom prst="straightConnector1">
@@ -8888,7 +15553,7 @@
         </p:nvSpPr>
         <p:spPr>
           <a:xfrm>
-            <a:off x="6067631" y="-168779"/>
+            <a:off x="6067631" y="-283873"/>
             <a:ext cx="402674" cy="338554"/>
           </a:xfrm>
           <a:prstGeom prst="rect">
@@ -9024,7 +15689,7 @@
         </p:nvSpPr>
         <p:spPr>
           <a:xfrm>
-            <a:off x="4121823" y="699353"/>
+            <a:off x="4121823" y="584260"/>
             <a:ext cx="1649844" cy="1088465"/>
           </a:xfrm>
           <a:prstGeom prst="ellipse">
@@ -9071,7 +15736,7 @@
         </p:nvSpPr>
         <p:spPr>
           <a:xfrm>
-            <a:off x="6082561" y="-168778"/>
+            <a:off x="6082562" y="-283872"/>
             <a:ext cx="3917605" cy="3044065"/>
           </a:xfrm>
           <a:prstGeom prst="rect">
@@ -9120,7 +15785,7 @@
         </p:nvCxnSpPr>
         <p:spPr>
           <a:xfrm flipV="1">
-            <a:off x="5145971" y="132085"/>
+            <a:off x="5145972" y="16992"/>
             <a:ext cx="936025" cy="581865"/>
           </a:xfrm>
           <a:prstGeom prst="straightConnector1">

--- a/paper/fig-ppt/comparison_const_acc_with_pvt.pptx
+++ b/paper/fig-ppt/comparison_const_acc_with_pvt.pptx
@@ -5,10 +5,11 @@
     <p:sldMasterId id="2147483720" r:id="rId1"/>
   </p:sldMasterIdLst>
   <p:sldIdLst>
-    <p:sldId id="263" r:id="rId2"/>
-    <p:sldId id="265" r:id="rId3"/>
-    <p:sldId id="264" r:id="rId4"/>
-    <p:sldId id="262" r:id="rId5"/>
+    <p:sldId id="269" r:id="rId2"/>
+    <p:sldId id="266" r:id="rId3"/>
+    <p:sldId id="265" r:id="rId4"/>
+    <p:sldId id="264" r:id="rId5"/>
+    <p:sldId id="262" r:id="rId6"/>
   </p:sldIdLst>
   <p:sldSz cx="7815263" cy="4481513"/>
   <p:notesSz cx="6858000" cy="9144000"/>
@@ -246,7 +247,7 @@
           <a:p>
             <a:fld id="{BE6E867C-90FD-4EAD-88A4-6CF01D9E62A0}" type="datetimeFigureOut">
               <a:rPr lang="zh-CN" altLang="en-US" smtClean="0"/>
-              <a:t>2022/8/25</a:t>
+              <a:t>2022/8/26</a:t>
             </a:fld>
             <a:endParaRPr lang="zh-CN" altLang="en-US"/>
           </a:p>
@@ -416,7 +417,7 @@
           <a:p>
             <a:fld id="{BE6E867C-90FD-4EAD-88A4-6CF01D9E62A0}" type="datetimeFigureOut">
               <a:rPr lang="zh-CN" altLang="en-US" smtClean="0"/>
-              <a:t>2022/8/25</a:t>
+              <a:t>2022/8/26</a:t>
             </a:fld>
             <a:endParaRPr lang="zh-CN" altLang="en-US"/>
           </a:p>
@@ -596,7 +597,7 @@
           <a:p>
             <a:fld id="{BE6E867C-90FD-4EAD-88A4-6CF01D9E62A0}" type="datetimeFigureOut">
               <a:rPr lang="zh-CN" altLang="en-US" smtClean="0"/>
-              <a:t>2022/8/25</a:t>
+              <a:t>2022/8/26</a:t>
             </a:fld>
             <a:endParaRPr lang="zh-CN" altLang="en-US"/>
           </a:p>
@@ -766,7 +767,7 @@
           <a:p>
             <a:fld id="{BE6E867C-90FD-4EAD-88A4-6CF01D9E62A0}" type="datetimeFigureOut">
               <a:rPr lang="zh-CN" altLang="en-US" smtClean="0"/>
-              <a:t>2022/8/25</a:t>
+              <a:t>2022/8/26</a:t>
             </a:fld>
             <a:endParaRPr lang="zh-CN" altLang="en-US"/>
           </a:p>
@@ -1012,7 +1013,7 @@
           <a:p>
             <a:fld id="{BE6E867C-90FD-4EAD-88A4-6CF01D9E62A0}" type="datetimeFigureOut">
               <a:rPr lang="zh-CN" altLang="en-US" smtClean="0"/>
-              <a:t>2022/8/25</a:t>
+              <a:t>2022/8/26</a:t>
             </a:fld>
             <a:endParaRPr lang="zh-CN" altLang="en-US"/>
           </a:p>
@@ -1244,7 +1245,7 @@
           <a:p>
             <a:fld id="{BE6E867C-90FD-4EAD-88A4-6CF01D9E62A0}" type="datetimeFigureOut">
               <a:rPr lang="zh-CN" altLang="en-US" smtClean="0"/>
-              <a:t>2022/8/25</a:t>
+              <a:t>2022/8/26</a:t>
             </a:fld>
             <a:endParaRPr lang="zh-CN" altLang="en-US"/>
           </a:p>
@@ -1611,7 +1612,7 @@
           <a:p>
             <a:fld id="{BE6E867C-90FD-4EAD-88A4-6CF01D9E62A0}" type="datetimeFigureOut">
               <a:rPr lang="zh-CN" altLang="en-US" smtClean="0"/>
-              <a:t>2022/8/25</a:t>
+              <a:t>2022/8/26</a:t>
             </a:fld>
             <a:endParaRPr lang="zh-CN" altLang="en-US"/>
           </a:p>
@@ -1729,7 +1730,7 @@
           <a:p>
             <a:fld id="{BE6E867C-90FD-4EAD-88A4-6CF01D9E62A0}" type="datetimeFigureOut">
               <a:rPr lang="zh-CN" altLang="en-US" smtClean="0"/>
-              <a:t>2022/8/25</a:t>
+              <a:t>2022/8/26</a:t>
             </a:fld>
             <a:endParaRPr lang="zh-CN" altLang="en-US"/>
           </a:p>
@@ -1824,7 +1825,7 @@
           <a:p>
             <a:fld id="{BE6E867C-90FD-4EAD-88A4-6CF01D9E62A0}" type="datetimeFigureOut">
               <a:rPr lang="zh-CN" altLang="en-US" smtClean="0"/>
-              <a:t>2022/8/25</a:t>
+              <a:t>2022/8/26</a:t>
             </a:fld>
             <a:endParaRPr lang="zh-CN" altLang="en-US"/>
           </a:p>
@@ -2101,7 +2102,7 @@
           <a:p>
             <a:fld id="{BE6E867C-90FD-4EAD-88A4-6CF01D9E62A0}" type="datetimeFigureOut">
               <a:rPr lang="zh-CN" altLang="en-US" smtClean="0"/>
-              <a:t>2022/8/25</a:t>
+              <a:t>2022/8/26</a:t>
             </a:fld>
             <a:endParaRPr lang="zh-CN" altLang="en-US"/>
           </a:p>
@@ -2358,7 +2359,7 @@
           <a:p>
             <a:fld id="{BE6E867C-90FD-4EAD-88A4-6CF01D9E62A0}" type="datetimeFigureOut">
               <a:rPr lang="zh-CN" altLang="en-US" smtClean="0"/>
-              <a:t>2022/8/25</a:t>
+              <a:t>2022/8/26</a:t>
             </a:fld>
             <a:endParaRPr lang="zh-CN" altLang="en-US"/>
           </a:p>
@@ -2571,7 +2572,7 @@
           <a:p>
             <a:fld id="{BE6E867C-90FD-4EAD-88A4-6CF01D9E62A0}" type="datetimeFigureOut">
               <a:rPr lang="zh-CN" altLang="en-US" smtClean="0"/>
-              <a:t>2022/8/25</a:t>
+              <a:t>2022/8/26</a:t>
             </a:fld>
             <a:endParaRPr lang="zh-CN" altLang="en-US"/>
           </a:p>
@@ -2960,6 +2961,3723 @@
 </file>
 
 <file path=ppt/slides/slide1.xml><?xml version="1.0" encoding="utf-8"?>
+<p:sld xmlns:a="http://schemas.openxmlformats.org/drawingml/2006/main" xmlns:r="http://schemas.openxmlformats.org/officeDocument/2006/relationships" xmlns:p="http://schemas.openxmlformats.org/presentationml/2006/main">
+  <p:cSld>
+    <p:spTree>
+      <p:nvGrpSpPr>
+        <p:cNvPr id="1" name=""/>
+        <p:cNvGrpSpPr/>
+        <p:nvPr/>
+      </p:nvGrpSpPr>
+      <p:grpSpPr>
+        <a:xfrm>
+          <a:off x="0" y="0"/>
+          <a:ext cx="0" cy="0"/>
+          <a:chOff x="0" y="0"/>
+          <a:chExt cx="0" cy="0"/>
+        </a:xfrm>
+      </p:grpSpPr>
+      <p:grpSp>
+        <p:nvGrpSpPr>
+          <p:cNvPr id="47" name="组合 46">
+            <a:extLst>
+              <a:ext uri="{FF2B5EF4-FFF2-40B4-BE49-F238E27FC236}">
+                <a16:creationId xmlns:a16="http://schemas.microsoft.com/office/drawing/2014/main" id="{C8D21F92-0C0C-9442-C030-56E1FE7F5221}"/>
+              </a:ext>
+            </a:extLst>
+          </p:cNvPr>
+          <p:cNvGrpSpPr/>
+          <p:nvPr/>
+        </p:nvGrpSpPr>
+        <p:grpSpPr>
+          <a:xfrm>
+            <a:off x="4043743" y="82303"/>
+            <a:ext cx="3591217" cy="4309680"/>
+            <a:chOff x="4102797" y="43546"/>
+            <a:chExt cx="3591217" cy="4309680"/>
+          </a:xfrm>
+        </p:grpSpPr>
+        <p:pic>
+          <p:nvPicPr>
+            <p:cNvPr id="34" name="图片 33">
+              <a:extLst>
+                <a:ext uri="{FF2B5EF4-FFF2-40B4-BE49-F238E27FC236}">
+                  <a16:creationId xmlns:a16="http://schemas.microsoft.com/office/drawing/2014/main" id="{9B96FE5E-F04A-664A-D3B6-31FFB86C2869}"/>
+                </a:ext>
+              </a:extLst>
+            </p:cNvPr>
+            <p:cNvPicPr>
+              <a:picLocks noChangeAspect="1"/>
+            </p:cNvPicPr>
+            <p:nvPr/>
+          </p:nvPicPr>
+          <p:blipFill rotWithShape="1">
+            <a:blip r:embed="rId2"/>
+            <a:srcRect l="10470" t="5406" r="6895" b="9173"/>
+            <a:stretch/>
+          </p:blipFill>
+          <p:spPr>
+            <a:xfrm>
+              <a:off x="4545620" y="345119"/>
+              <a:ext cx="3148394" cy="3742674"/>
+            </a:xfrm>
+            <a:prstGeom prst="rect">
+              <a:avLst/>
+            </a:prstGeom>
+          </p:spPr>
+        </p:pic>
+        <p:cxnSp>
+          <p:nvCxnSpPr>
+            <p:cNvPr id="4" name="直接连接符 3">
+              <a:extLst>
+                <a:ext uri="{FF2B5EF4-FFF2-40B4-BE49-F238E27FC236}">
+                  <a16:creationId xmlns:a16="http://schemas.microsoft.com/office/drawing/2014/main" id="{EC565A78-4ED1-FCC5-EA39-D1D368B839C3}"/>
+                </a:ext>
+              </a:extLst>
+            </p:cNvPr>
+            <p:cNvCxnSpPr>
+              <a:cxnSpLocks/>
+            </p:cNvCxnSpPr>
+            <p:nvPr/>
+          </p:nvCxnSpPr>
+          <p:spPr>
+            <a:xfrm flipH="1">
+              <a:off x="5279819" y="448115"/>
+              <a:ext cx="1" cy="3567776"/>
+            </a:xfrm>
+            <a:prstGeom prst="line">
+              <a:avLst/>
+            </a:prstGeom>
+            <a:ln>
+              <a:prstDash val="lgDash"/>
+            </a:ln>
+          </p:spPr>
+          <p:style>
+            <a:lnRef idx="1">
+              <a:schemeClr val="accent1"/>
+            </a:lnRef>
+            <a:fillRef idx="0">
+              <a:schemeClr val="accent1"/>
+            </a:fillRef>
+            <a:effectRef idx="0">
+              <a:schemeClr val="accent1"/>
+            </a:effectRef>
+            <a:fontRef idx="minor">
+              <a:schemeClr val="tx1"/>
+            </a:fontRef>
+          </p:style>
+        </p:cxnSp>
+        <p:cxnSp>
+          <p:nvCxnSpPr>
+            <p:cNvPr id="6" name="直接连接符 5">
+              <a:extLst>
+                <a:ext uri="{FF2B5EF4-FFF2-40B4-BE49-F238E27FC236}">
+                  <a16:creationId xmlns:a16="http://schemas.microsoft.com/office/drawing/2014/main" id="{039509C6-E277-78C6-259C-6B4CBDBC74CF}"/>
+                </a:ext>
+              </a:extLst>
+            </p:cNvPr>
+            <p:cNvCxnSpPr>
+              <a:cxnSpLocks/>
+            </p:cNvCxnSpPr>
+            <p:nvPr/>
+          </p:nvCxnSpPr>
+          <p:spPr>
+            <a:xfrm>
+              <a:off x="6541882" y="448115"/>
+              <a:ext cx="0" cy="3567776"/>
+            </a:xfrm>
+            <a:prstGeom prst="line">
+              <a:avLst/>
+            </a:prstGeom>
+            <a:ln>
+              <a:prstDash val="lgDash"/>
+            </a:ln>
+          </p:spPr>
+          <p:style>
+            <a:lnRef idx="1">
+              <a:schemeClr val="accent1"/>
+            </a:lnRef>
+            <a:fillRef idx="0">
+              <a:schemeClr val="accent1"/>
+            </a:fillRef>
+            <a:effectRef idx="0">
+              <a:schemeClr val="accent1"/>
+            </a:effectRef>
+            <a:fontRef idx="minor">
+              <a:schemeClr val="tx1"/>
+            </a:fontRef>
+          </p:style>
+        </p:cxnSp>
+        <p:sp>
+          <p:nvSpPr>
+            <p:cNvPr id="29" name="文本框 9">
+              <a:extLst>
+                <a:ext uri="{FF2B5EF4-FFF2-40B4-BE49-F238E27FC236}">
+                  <a16:creationId xmlns:a16="http://schemas.microsoft.com/office/drawing/2014/main" id="{D8282914-EA22-9580-8907-2293E7676346}"/>
+                </a:ext>
+              </a:extLst>
+            </p:cNvPr>
+            <p:cNvSpPr txBox="1"/>
+            <p:nvPr/>
+          </p:nvSpPr>
+          <p:spPr>
+            <a:xfrm>
+              <a:off x="5683084" y="43546"/>
+              <a:ext cx="1081322" cy="338554"/>
+            </a:xfrm>
+            <a:prstGeom prst="rect">
+              <a:avLst/>
+            </a:prstGeom>
+            <a:noFill/>
+          </p:spPr>
+          <p:txBody>
+            <a:bodyPr wrap="none" rtlCol="0">
+              <a:spAutoFit/>
+            </a:bodyPr>
+            <a:lstStyle/>
+            <a:p>
+              <a:r>
+                <a:rPr lang="en-US" altLang="zh-CN" sz="1600" dirty="0">
+                  <a:cs typeface="Times New Roman" panose="02020603050405020304" pitchFamily="18" charset="0"/>
+                </a:rPr>
+                <a:t>PVT model</a:t>
+              </a:r>
+              <a:endParaRPr lang="zh-CN" altLang="en-US" sz="1600" dirty="0">
+                <a:cs typeface="Times New Roman" panose="02020603050405020304" pitchFamily="18" charset="0"/>
+              </a:endParaRPr>
+            </a:p>
+          </p:txBody>
+        </p:sp>
+        <p:sp>
+          <p:nvSpPr>
+            <p:cNvPr id="31" name="文本框 9">
+              <a:extLst>
+                <a:ext uri="{FF2B5EF4-FFF2-40B4-BE49-F238E27FC236}">
+                  <a16:creationId xmlns:a16="http://schemas.microsoft.com/office/drawing/2014/main" id="{1E754B2C-0832-A0B2-39A3-8BA0AFDCDC48}"/>
+                </a:ext>
+              </a:extLst>
+            </p:cNvPr>
+            <p:cNvSpPr txBox="1"/>
+            <p:nvPr/>
+          </p:nvSpPr>
+          <p:spPr>
+            <a:xfrm>
+              <a:off x="4557743" y="43546"/>
+              <a:ext cx="393056" cy="338554"/>
+            </a:xfrm>
+            <a:prstGeom prst="rect">
+              <a:avLst/>
+            </a:prstGeom>
+            <a:noFill/>
+          </p:spPr>
+          <p:txBody>
+            <a:bodyPr wrap="square" rtlCol="0">
+              <a:spAutoFit/>
+            </a:bodyPr>
+            <a:lstStyle/>
+            <a:p>
+              <a:r>
+                <a:rPr lang="en-US" altLang="zh-CN" sz="1600" b="1" dirty="0">
+                  <a:cs typeface="Times New Roman" panose="02020603050405020304" pitchFamily="18" charset="0"/>
+                </a:rPr>
+                <a:t>(b)</a:t>
+              </a:r>
+              <a:endParaRPr lang="zh-CN" altLang="en-US" sz="1600" b="1" dirty="0">
+                <a:cs typeface="Times New Roman" panose="02020603050405020304" pitchFamily="18" charset="0"/>
+              </a:endParaRPr>
+            </a:p>
+          </p:txBody>
+        </p:sp>
+        <p:sp>
+          <p:nvSpPr>
+            <p:cNvPr id="38" name="文本框 37">
+              <a:extLst>
+                <a:ext uri="{FF2B5EF4-FFF2-40B4-BE49-F238E27FC236}">
+                  <a16:creationId xmlns:a16="http://schemas.microsoft.com/office/drawing/2014/main" id="{5C78D5FC-FED0-F84C-A2DB-EDFE54999F78}"/>
+                </a:ext>
+              </a:extLst>
+            </p:cNvPr>
+            <p:cNvSpPr txBox="1"/>
+            <p:nvPr/>
+          </p:nvSpPr>
+          <p:spPr>
+            <a:xfrm>
+              <a:off x="4387622" y="2076484"/>
+              <a:ext cx="276038" cy="307777"/>
+            </a:xfrm>
+            <a:prstGeom prst="rect">
+              <a:avLst/>
+            </a:prstGeom>
+            <a:noFill/>
+          </p:spPr>
+          <p:txBody>
+            <a:bodyPr wrap="none" rtlCol="0">
+              <a:spAutoFit/>
+            </a:bodyPr>
+            <a:lstStyle/>
+            <a:p>
+              <a:r>
+                <a:rPr lang="en-US" altLang="zh-CN" sz="1400" dirty="0">
+                  <a:cs typeface="Times New Roman" panose="02020603050405020304" pitchFamily="18" charset="0"/>
+                </a:rPr>
+                <a:t>0</a:t>
+              </a:r>
+              <a:endParaRPr lang="zh-CN" altLang="en-US" sz="1400" dirty="0">
+                <a:cs typeface="Times New Roman" panose="02020603050405020304" pitchFamily="18" charset="0"/>
+              </a:endParaRPr>
+            </a:p>
+          </p:txBody>
+        </p:sp>
+        <p:sp>
+          <p:nvSpPr>
+            <p:cNvPr id="156" name="文本框 155">
+              <a:extLst>
+                <a:ext uri="{FF2B5EF4-FFF2-40B4-BE49-F238E27FC236}">
+                  <a16:creationId xmlns:a16="http://schemas.microsoft.com/office/drawing/2014/main" id="{F4622A1D-826C-7ED6-A3C1-AB8D3009EC06}"/>
+                </a:ext>
+              </a:extLst>
+            </p:cNvPr>
+            <p:cNvSpPr txBox="1"/>
+            <p:nvPr/>
+          </p:nvSpPr>
+          <p:spPr>
+            <a:xfrm rot="16200000">
+              <a:off x="3765728" y="3356051"/>
+              <a:ext cx="1026243" cy="338554"/>
+            </a:xfrm>
+            <a:prstGeom prst="rect">
+              <a:avLst/>
+            </a:prstGeom>
+            <a:noFill/>
+          </p:spPr>
+          <p:txBody>
+            <a:bodyPr wrap="none" rtlCol="0">
+              <a:spAutoFit/>
+            </a:bodyPr>
+            <a:lstStyle/>
+            <a:p>
+              <a:r>
+                <a:rPr lang="en-US" altLang="zh-CN" sz="1600" dirty="0">
+                  <a:cs typeface="Times New Roman" panose="02020603050405020304" pitchFamily="18" charset="0"/>
+                </a:rPr>
+                <a:t>a [mm/s</a:t>
+              </a:r>
+              <a:r>
+                <a:rPr lang="en-US" altLang="zh-CN" sz="1600" baseline="30000" dirty="0">
+                  <a:cs typeface="Times New Roman" panose="02020603050405020304" pitchFamily="18" charset="0"/>
+                </a:rPr>
+                <a:t>2</a:t>
+              </a:r>
+              <a:r>
+                <a:rPr lang="en-US" altLang="zh-CN" sz="1600" dirty="0">
+                  <a:cs typeface="Times New Roman" panose="02020603050405020304" pitchFamily="18" charset="0"/>
+                </a:rPr>
+                <a:t>]</a:t>
+              </a:r>
+              <a:endParaRPr lang="zh-CN" altLang="en-US" sz="1600" dirty="0">
+                <a:cs typeface="Times New Roman" panose="02020603050405020304" pitchFamily="18" charset="0"/>
+              </a:endParaRPr>
+            </a:p>
+          </p:txBody>
+        </p:sp>
+        <p:sp>
+          <p:nvSpPr>
+            <p:cNvPr id="157" name="文本框 156">
+              <a:extLst>
+                <a:ext uri="{FF2B5EF4-FFF2-40B4-BE49-F238E27FC236}">
+                  <a16:creationId xmlns:a16="http://schemas.microsoft.com/office/drawing/2014/main" id="{E868CED0-C093-FB7F-69A9-57F3DCCB7E3B}"/>
+                </a:ext>
+              </a:extLst>
+            </p:cNvPr>
+            <p:cNvSpPr txBox="1"/>
+            <p:nvPr/>
+          </p:nvSpPr>
+          <p:spPr>
+            <a:xfrm rot="16200000">
+              <a:off x="3793417" y="2147283"/>
+              <a:ext cx="957313" cy="338554"/>
+            </a:xfrm>
+            <a:prstGeom prst="rect">
+              <a:avLst/>
+            </a:prstGeom>
+            <a:noFill/>
+          </p:spPr>
+          <p:txBody>
+            <a:bodyPr wrap="none" rtlCol="0">
+              <a:spAutoFit/>
+            </a:bodyPr>
+            <a:lstStyle/>
+            <a:p>
+              <a:r>
+                <a:rPr lang="en-US" altLang="zh-CN" sz="1600" dirty="0">
+                  <a:cs typeface="Times New Roman" panose="02020603050405020304" pitchFamily="18" charset="0"/>
+                </a:rPr>
+                <a:t>v [mm/s]</a:t>
+              </a:r>
+              <a:endParaRPr lang="zh-CN" altLang="en-US" sz="1600" dirty="0">
+                <a:cs typeface="Times New Roman" panose="02020603050405020304" pitchFamily="18" charset="0"/>
+              </a:endParaRPr>
+            </a:p>
+          </p:txBody>
+        </p:sp>
+        <p:sp>
+          <p:nvSpPr>
+            <p:cNvPr id="158" name="文本框 157">
+              <a:extLst>
+                <a:ext uri="{FF2B5EF4-FFF2-40B4-BE49-F238E27FC236}">
+                  <a16:creationId xmlns:a16="http://schemas.microsoft.com/office/drawing/2014/main" id="{D213C4AA-5363-884D-5C6F-E757446FD54F}"/>
+                </a:ext>
+              </a:extLst>
+            </p:cNvPr>
+            <p:cNvSpPr txBox="1"/>
+            <p:nvPr/>
+          </p:nvSpPr>
+          <p:spPr>
+            <a:xfrm rot="16200000">
+              <a:off x="3874418" y="756733"/>
+              <a:ext cx="797013" cy="338554"/>
+            </a:xfrm>
+            <a:prstGeom prst="rect">
+              <a:avLst/>
+            </a:prstGeom>
+            <a:noFill/>
+          </p:spPr>
+          <p:txBody>
+            <a:bodyPr wrap="none" rtlCol="0">
+              <a:spAutoFit/>
+            </a:bodyPr>
+            <a:lstStyle/>
+            <a:p>
+              <a:r>
+                <a:rPr lang="en-US" altLang="zh-CN" sz="1600" dirty="0">
+                  <a:cs typeface="Times New Roman" panose="02020603050405020304" pitchFamily="18" charset="0"/>
+                </a:rPr>
+                <a:t>p [mm]</a:t>
+              </a:r>
+              <a:endParaRPr lang="zh-CN" altLang="en-US" sz="1600" dirty="0">
+                <a:cs typeface="Times New Roman" panose="02020603050405020304" pitchFamily="18" charset="0"/>
+              </a:endParaRPr>
+            </a:p>
+          </p:txBody>
+        </p:sp>
+        <p:sp>
+          <p:nvSpPr>
+            <p:cNvPr id="159" name="文本框 158">
+              <a:extLst>
+                <a:ext uri="{FF2B5EF4-FFF2-40B4-BE49-F238E27FC236}">
+                  <a16:creationId xmlns:a16="http://schemas.microsoft.com/office/drawing/2014/main" id="{DA1F76CB-B0D1-F3BE-65DB-F44319B64AF1}"/>
+                </a:ext>
+              </a:extLst>
+            </p:cNvPr>
+            <p:cNvSpPr txBox="1"/>
+            <p:nvPr/>
+          </p:nvSpPr>
+          <p:spPr>
+            <a:xfrm>
+              <a:off x="5857721" y="4014672"/>
+              <a:ext cx="522900" cy="338554"/>
+            </a:xfrm>
+            <a:prstGeom prst="rect">
+              <a:avLst/>
+            </a:prstGeom>
+            <a:noFill/>
+          </p:spPr>
+          <p:txBody>
+            <a:bodyPr wrap="none" rtlCol="0">
+              <a:spAutoFit/>
+            </a:bodyPr>
+            <a:lstStyle/>
+            <a:p>
+              <a:r>
+                <a:rPr lang="en-US" altLang="zh-CN" sz="1600" dirty="0">
+                  <a:cs typeface="Times New Roman" panose="02020603050405020304" pitchFamily="18" charset="0"/>
+                </a:rPr>
+                <a:t>t [s]</a:t>
+              </a:r>
+              <a:endParaRPr lang="zh-CN" altLang="en-US" sz="1600" dirty="0">
+                <a:cs typeface="Times New Roman" panose="02020603050405020304" pitchFamily="18" charset="0"/>
+              </a:endParaRPr>
+            </a:p>
+          </p:txBody>
+        </p:sp>
+        <mc:AlternateContent xmlns:mc="http://schemas.openxmlformats.org/markup-compatibility/2006">
+          <mc:Choice xmlns:a14="http://schemas.microsoft.com/office/drawing/2010/main" Requires="a14">
+            <p:sp>
+              <p:nvSpPr>
+                <p:cNvPr id="3" name="文本框 2">
+                  <a:extLst>
+                    <a:ext uri="{FF2B5EF4-FFF2-40B4-BE49-F238E27FC236}">
+                      <a16:creationId xmlns:a16="http://schemas.microsoft.com/office/drawing/2014/main" id="{B90B93FC-07BB-04B9-9049-73DA0911FA43}"/>
+                    </a:ext>
+                  </a:extLst>
+                </p:cNvPr>
+                <p:cNvSpPr txBox="1"/>
+                <p:nvPr/>
+              </p:nvSpPr>
+              <p:spPr>
+                <a:xfrm>
+                  <a:off x="5307716" y="954326"/>
+                  <a:ext cx="201787" cy="222369"/>
+                </a:xfrm>
+                <a:prstGeom prst="rect">
+                  <a:avLst/>
+                </a:prstGeom>
+                <a:noFill/>
+              </p:spPr>
+              <p:txBody>
+                <a:bodyPr wrap="none" lIns="0" tIns="0" rIns="0" bIns="0" rtlCol="0">
+                  <a:spAutoFit/>
+                </a:bodyPr>
+                <a:lstStyle/>
+                <a:p>
+                  <a:pPr/>
+                  <a14:m>
+                    <m:oMathPara xmlns:m="http://schemas.openxmlformats.org/officeDocument/2006/math">
+                      <m:oMathParaPr>
+                        <m:jc m:val="centerGroup"/>
+                      </m:oMathParaPr>
+                      <m:oMath xmlns:m="http://schemas.openxmlformats.org/officeDocument/2006/math">
+                        <m:sSup>
+                          <m:sSupPr>
+                            <m:ctrlPr>
+                              <a:rPr lang="en-US" altLang="zh-CN" sz="1400" i="1" smtClean="0">
+                                <a:latin typeface="Cambria Math" panose="02040503050406030204" pitchFamily="18" charset="0"/>
+                              </a:rPr>
+                            </m:ctrlPr>
+                          </m:sSupPr>
+                          <m:e>
+                            <m:r>
+                              <a:rPr lang="en-US" altLang="zh-CN" sz="1400" i="1">
+                                <a:latin typeface="Cambria Math" panose="02040503050406030204" pitchFamily="18" charset="0"/>
+                              </a:rPr>
+                              <m:t>𝑝</m:t>
+                            </m:r>
+                          </m:e>
+                          <m:sup>
+                            <m:r>
+                              <a:rPr lang="en-US" altLang="zh-CN" sz="1400" b="0" i="1" smtClean="0">
+                                <a:latin typeface="Cambria Math" panose="02040503050406030204" pitchFamily="18" charset="0"/>
+                              </a:rPr>
+                              <m:t>𝑖</m:t>
+                            </m:r>
+                          </m:sup>
+                        </m:sSup>
+                      </m:oMath>
+                    </m:oMathPara>
+                  </a14:m>
+                  <a:endParaRPr lang="zh-CN" altLang="en-US" sz="1400" dirty="0"/>
+                </a:p>
+              </p:txBody>
+            </p:sp>
+          </mc:Choice>
+          <mc:Fallback>
+            <p:sp>
+              <p:nvSpPr>
+                <p:cNvPr id="3" name="文本框 2">
+                  <a:extLst>
+                    <a:ext uri="{FF2B5EF4-FFF2-40B4-BE49-F238E27FC236}">
+                      <a16:creationId xmlns:a16="http://schemas.microsoft.com/office/drawing/2014/main" id="{B90B93FC-07BB-04B9-9049-73DA0911FA43}"/>
+                    </a:ext>
+                  </a:extLst>
+                </p:cNvPr>
+                <p:cNvSpPr txBox="1">
+                  <a:spLocks noRot="1" noChangeAspect="1" noMove="1" noResize="1" noEditPoints="1" noAdjustHandles="1" noChangeArrowheads="1" noChangeShapeType="1" noTextEdit="1"/>
+                </p:cNvSpPr>
+                <p:nvPr/>
+              </p:nvSpPr>
+              <p:spPr>
+                <a:xfrm>
+                  <a:off x="5307716" y="954326"/>
+                  <a:ext cx="201787" cy="222369"/>
+                </a:xfrm>
+                <a:prstGeom prst="rect">
+                  <a:avLst/>
+                </a:prstGeom>
+                <a:blipFill>
+                  <a:blip r:embed="rId3"/>
+                  <a:stretch>
+                    <a:fillRect l="-21212" r="-6061" b="-25000"/>
+                  </a:stretch>
+                </a:blipFill>
+              </p:spPr>
+              <p:txBody>
+                <a:bodyPr/>
+                <a:lstStyle/>
+                <a:p>
+                  <a:r>
+                    <a:rPr lang="zh-CN" altLang="en-US">
+                      <a:noFill/>
+                    </a:rPr>
+                    <a:t> </a:t>
+                  </a:r>
+                </a:p>
+              </p:txBody>
+            </p:sp>
+          </mc:Fallback>
+        </mc:AlternateContent>
+        <mc:AlternateContent xmlns:mc="http://schemas.openxmlformats.org/markup-compatibility/2006">
+          <mc:Choice xmlns:a14="http://schemas.microsoft.com/office/drawing/2010/main" Requires="a14">
+            <p:sp>
+              <p:nvSpPr>
+                <p:cNvPr id="10" name="文本框 9">
+                  <a:extLst>
+                    <a:ext uri="{FF2B5EF4-FFF2-40B4-BE49-F238E27FC236}">
+                      <a16:creationId xmlns:a16="http://schemas.microsoft.com/office/drawing/2014/main" id="{BD95B5DC-5FA4-A285-6442-492D7BAEB420}"/>
+                    </a:ext>
+                  </a:extLst>
+                </p:cNvPr>
+                <p:cNvSpPr txBox="1"/>
+                <p:nvPr/>
+              </p:nvSpPr>
+              <p:spPr>
+                <a:xfrm>
+                  <a:off x="6281799" y="454744"/>
+                  <a:ext cx="371705" cy="222369"/>
+                </a:xfrm>
+                <a:prstGeom prst="rect">
+                  <a:avLst/>
+                </a:prstGeom>
+                <a:noFill/>
+              </p:spPr>
+              <p:txBody>
+                <a:bodyPr wrap="none" lIns="0" tIns="0" rIns="0" bIns="0" rtlCol="0">
+                  <a:spAutoFit/>
+                </a:bodyPr>
+                <a:lstStyle/>
+                <a:p>
+                  <a:pPr/>
+                  <a14:m>
+                    <m:oMathPara xmlns:m="http://schemas.openxmlformats.org/officeDocument/2006/math">
+                      <m:oMathParaPr>
+                        <m:jc m:val="centerGroup"/>
+                      </m:oMathParaPr>
+                      <m:oMath xmlns:m="http://schemas.openxmlformats.org/officeDocument/2006/math">
+                        <m:sSup>
+                          <m:sSupPr>
+                            <m:ctrlPr>
+                              <a:rPr lang="en-US" altLang="zh-CN" sz="1400" i="1" smtClean="0">
+                                <a:latin typeface="Cambria Math" panose="02040503050406030204" pitchFamily="18" charset="0"/>
+                              </a:rPr>
+                            </m:ctrlPr>
+                          </m:sSupPr>
+                          <m:e>
+                            <m:r>
+                              <a:rPr lang="en-US" altLang="zh-CN" sz="1400" i="1">
+                                <a:latin typeface="Cambria Math" panose="02040503050406030204" pitchFamily="18" charset="0"/>
+                              </a:rPr>
+                              <m:t>𝑝</m:t>
+                            </m:r>
+                          </m:e>
+                          <m:sup>
+                            <m:r>
+                              <a:rPr lang="en-US" altLang="zh-CN" sz="1400" b="0" i="1" smtClean="0">
+                                <a:latin typeface="Cambria Math" panose="02040503050406030204" pitchFamily="18" charset="0"/>
+                              </a:rPr>
+                              <m:t>𝑖</m:t>
+                            </m:r>
+                            <m:r>
+                              <a:rPr lang="en-US" altLang="zh-CN" sz="1400" b="0" i="1" smtClean="0">
+                                <a:latin typeface="Cambria Math" panose="02040503050406030204" pitchFamily="18" charset="0"/>
+                              </a:rPr>
+                              <m:t>+1</m:t>
+                            </m:r>
+                          </m:sup>
+                        </m:sSup>
+                      </m:oMath>
+                    </m:oMathPara>
+                  </a14:m>
+                  <a:endParaRPr lang="zh-CN" altLang="en-US" sz="1400" dirty="0"/>
+                </a:p>
+              </p:txBody>
+            </p:sp>
+          </mc:Choice>
+          <mc:Fallback>
+            <p:sp>
+              <p:nvSpPr>
+                <p:cNvPr id="10" name="文本框 9">
+                  <a:extLst>
+                    <a:ext uri="{FF2B5EF4-FFF2-40B4-BE49-F238E27FC236}">
+                      <a16:creationId xmlns:a16="http://schemas.microsoft.com/office/drawing/2014/main" id="{BD95B5DC-5FA4-A285-6442-492D7BAEB420}"/>
+                    </a:ext>
+                  </a:extLst>
+                </p:cNvPr>
+                <p:cNvSpPr txBox="1">
+                  <a:spLocks noRot="1" noChangeAspect="1" noMove="1" noResize="1" noEditPoints="1" noAdjustHandles="1" noChangeArrowheads="1" noChangeShapeType="1" noTextEdit="1"/>
+                </p:cNvSpPr>
+                <p:nvPr/>
+              </p:nvSpPr>
+              <p:spPr>
+                <a:xfrm>
+                  <a:off x="6281799" y="454744"/>
+                  <a:ext cx="371705" cy="222369"/>
+                </a:xfrm>
+                <a:prstGeom prst="rect">
+                  <a:avLst/>
+                </a:prstGeom>
+                <a:blipFill>
+                  <a:blip r:embed="rId4"/>
+                  <a:stretch>
+                    <a:fillRect l="-11475" r="-3279" b="-25000"/>
+                  </a:stretch>
+                </a:blipFill>
+              </p:spPr>
+              <p:txBody>
+                <a:bodyPr/>
+                <a:lstStyle/>
+                <a:p>
+                  <a:r>
+                    <a:rPr lang="zh-CN" altLang="en-US">
+                      <a:noFill/>
+                    </a:rPr>
+                    <a:t> </a:t>
+                  </a:r>
+                </a:p>
+              </p:txBody>
+            </p:sp>
+          </mc:Fallback>
+        </mc:AlternateContent>
+        <mc:AlternateContent xmlns:mc="http://schemas.openxmlformats.org/markup-compatibility/2006">
+          <mc:Choice xmlns:a14="http://schemas.microsoft.com/office/drawing/2010/main" Requires="a14">
+            <p:sp>
+              <p:nvSpPr>
+                <p:cNvPr id="11" name="文本框 10">
+                  <a:extLst>
+                    <a:ext uri="{FF2B5EF4-FFF2-40B4-BE49-F238E27FC236}">
+                      <a16:creationId xmlns:a16="http://schemas.microsoft.com/office/drawing/2014/main" id="{49A9F9F9-B0D6-277D-47F2-43CE574A5265}"/>
+                    </a:ext>
+                  </a:extLst>
+                </p:cNvPr>
+                <p:cNvSpPr txBox="1"/>
+                <p:nvPr/>
+              </p:nvSpPr>
+              <p:spPr>
+                <a:xfrm>
+                  <a:off x="5267999" y="2958835"/>
+                  <a:ext cx="201787" cy="222369"/>
+                </a:xfrm>
+                <a:prstGeom prst="rect">
+                  <a:avLst/>
+                </a:prstGeom>
+                <a:noFill/>
+              </p:spPr>
+              <p:txBody>
+                <a:bodyPr wrap="none" lIns="0" tIns="0" rIns="0" bIns="0" rtlCol="0">
+                  <a:spAutoFit/>
+                </a:bodyPr>
+                <a:lstStyle/>
+                <a:p>
+                  <a:pPr/>
+                  <a14:m>
+                    <m:oMathPara xmlns:m="http://schemas.openxmlformats.org/officeDocument/2006/math">
+                      <m:oMathParaPr>
+                        <m:jc m:val="centerGroup"/>
+                      </m:oMathParaPr>
+                      <m:oMath xmlns:m="http://schemas.openxmlformats.org/officeDocument/2006/math">
+                        <m:sSup>
+                          <m:sSupPr>
+                            <m:ctrlPr>
+                              <a:rPr lang="en-US" altLang="zh-CN" sz="1400" i="1" smtClean="0">
+                                <a:latin typeface="Cambria Math" panose="02040503050406030204" pitchFamily="18" charset="0"/>
+                              </a:rPr>
+                            </m:ctrlPr>
+                          </m:sSupPr>
+                          <m:e>
+                            <m:r>
+                              <a:rPr lang="en-US" altLang="zh-CN" sz="1400" b="0" i="1" smtClean="0">
+                                <a:latin typeface="Cambria Math" panose="02040503050406030204" pitchFamily="18" charset="0"/>
+                              </a:rPr>
+                              <m:t>𝑎</m:t>
+                            </m:r>
+                          </m:e>
+                          <m:sup>
+                            <m:r>
+                              <a:rPr lang="en-US" altLang="zh-CN" sz="1400" b="0" i="1" smtClean="0">
+                                <a:latin typeface="Cambria Math" panose="02040503050406030204" pitchFamily="18" charset="0"/>
+                              </a:rPr>
+                              <m:t>𝑖</m:t>
+                            </m:r>
+                          </m:sup>
+                        </m:sSup>
+                      </m:oMath>
+                    </m:oMathPara>
+                  </a14:m>
+                  <a:endParaRPr lang="zh-CN" altLang="en-US" sz="1400" dirty="0"/>
+                </a:p>
+              </p:txBody>
+            </p:sp>
+          </mc:Choice>
+          <mc:Fallback>
+            <p:sp>
+              <p:nvSpPr>
+                <p:cNvPr id="11" name="文本框 10">
+                  <a:extLst>
+                    <a:ext uri="{FF2B5EF4-FFF2-40B4-BE49-F238E27FC236}">
+                      <a16:creationId xmlns:a16="http://schemas.microsoft.com/office/drawing/2014/main" id="{49A9F9F9-B0D6-277D-47F2-43CE574A5265}"/>
+                    </a:ext>
+                  </a:extLst>
+                </p:cNvPr>
+                <p:cNvSpPr txBox="1">
+                  <a:spLocks noRot="1" noChangeAspect="1" noMove="1" noResize="1" noEditPoints="1" noAdjustHandles="1" noChangeArrowheads="1" noChangeShapeType="1" noTextEdit="1"/>
+                </p:cNvSpPr>
+                <p:nvPr/>
+              </p:nvSpPr>
+              <p:spPr>
+                <a:xfrm>
+                  <a:off x="5267999" y="2958835"/>
+                  <a:ext cx="201787" cy="222369"/>
+                </a:xfrm>
+                <a:prstGeom prst="rect">
+                  <a:avLst/>
+                </a:prstGeom>
+                <a:blipFill>
+                  <a:blip r:embed="rId5"/>
+                  <a:stretch>
+                    <a:fillRect l="-11765" r="-2941"/>
+                  </a:stretch>
+                </a:blipFill>
+              </p:spPr>
+              <p:txBody>
+                <a:bodyPr/>
+                <a:lstStyle/>
+                <a:p>
+                  <a:r>
+                    <a:rPr lang="zh-CN" altLang="en-US">
+                      <a:noFill/>
+                    </a:rPr>
+                    <a:t> </a:t>
+                  </a:r>
+                </a:p>
+              </p:txBody>
+            </p:sp>
+          </mc:Fallback>
+        </mc:AlternateContent>
+        <mc:AlternateContent xmlns:mc="http://schemas.openxmlformats.org/markup-compatibility/2006">
+          <mc:Choice xmlns:a14="http://schemas.microsoft.com/office/drawing/2010/main" Requires="a14">
+            <p:sp>
+              <p:nvSpPr>
+                <p:cNvPr id="12" name="文本框 11">
+                  <a:extLst>
+                    <a:ext uri="{FF2B5EF4-FFF2-40B4-BE49-F238E27FC236}">
+                      <a16:creationId xmlns:a16="http://schemas.microsoft.com/office/drawing/2014/main" id="{3D245F93-8A7B-7297-422C-51580196EDCF}"/>
+                    </a:ext>
+                  </a:extLst>
+                </p:cNvPr>
+                <p:cNvSpPr txBox="1"/>
+                <p:nvPr/>
+              </p:nvSpPr>
+              <p:spPr>
+                <a:xfrm>
+                  <a:off x="6437463" y="3554760"/>
+                  <a:ext cx="372153" cy="222369"/>
+                </a:xfrm>
+                <a:prstGeom prst="rect">
+                  <a:avLst/>
+                </a:prstGeom>
+                <a:noFill/>
+              </p:spPr>
+              <p:txBody>
+                <a:bodyPr wrap="none" lIns="0" tIns="0" rIns="0" bIns="0" rtlCol="0">
+                  <a:spAutoFit/>
+                </a:bodyPr>
+                <a:lstStyle/>
+                <a:p>
+                  <a:pPr/>
+                  <a14:m>
+                    <m:oMathPara xmlns:m="http://schemas.openxmlformats.org/officeDocument/2006/math">
+                      <m:oMathParaPr>
+                        <m:jc m:val="centerGroup"/>
+                      </m:oMathParaPr>
+                      <m:oMath xmlns:m="http://schemas.openxmlformats.org/officeDocument/2006/math">
+                        <m:sSup>
+                          <m:sSupPr>
+                            <m:ctrlPr>
+                              <a:rPr lang="en-US" altLang="zh-CN" sz="1400" i="1" smtClean="0">
+                                <a:latin typeface="Cambria Math" panose="02040503050406030204" pitchFamily="18" charset="0"/>
+                              </a:rPr>
+                            </m:ctrlPr>
+                          </m:sSupPr>
+                          <m:e>
+                            <m:r>
+                              <a:rPr lang="en-US" altLang="zh-CN" sz="1400" b="0" i="1" smtClean="0">
+                                <a:latin typeface="Cambria Math" panose="02040503050406030204" pitchFamily="18" charset="0"/>
+                              </a:rPr>
+                              <m:t>𝑎</m:t>
+                            </m:r>
+                          </m:e>
+                          <m:sup>
+                            <m:r>
+                              <a:rPr lang="en-US" altLang="zh-CN" sz="1400" b="0" i="1" smtClean="0">
+                                <a:latin typeface="Cambria Math" panose="02040503050406030204" pitchFamily="18" charset="0"/>
+                              </a:rPr>
+                              <m:t>𝑖</m:t>
+                            </m:r>
+                            <m:r>
+                              <a:rPr lang="en-US" altLang="zh-CN" sz="1400" b="0" i="1" smtClean="0">
+                                <a:latin typeface="Cambria Math" panose="02040503050406030204" pitchFamily="18" charset="0"/>
+                              </a:rPr>
+                              <m:t>+1</m:t>
+                            </m:r>
+                          </m:sup>
+                        </m:sSup>
+                      </m:oMath>
+                    </m:oMathPara>
+                  </a14:m>
+                  <a:endParaRPr lang="zh-CN" altLang="en-US" sz="1400" dirty="0"/>
+                </a:p>
+              </p:txBody>
+            </p:sp>
+          </mc:Choice>
+          <mc:Fallback>
+            <p:sp>
+              <p:nvSpPr>
+                <p:cNvPr id="12" name="文本框 11">
+                  <a:extLst>
+                    <a:ext uri="{FF2B5EF4-FFF2-40B4-BE49-F238E27FC236}">
+                      <a16:creationId xmlns:a16="http://schemas.microsoft.com/office/drawing/2014/main" id="{3D245F93-8A7B-7297-422C-51580196EDCF}"/>
+                    </a:ext>
+                  </a:extLst>
+                </p:cNvPr>
+                <p:cNvSpPr txBox="1">
+                  <a:spLocks noRot="1" noChangeAspect="1" noMove="1" noResize="1" noEditPoints="1" noAdjustHandles="1" noChangeArrowheads="1" noChangeShapeType="1" noTextEdit="1"/>
+                </p:cNvSpPr>
+                <p:nvPr/>
+              </p:nvSpPr>
+              <p:spPr>
+                <a:xfrm>
+                  <a:off x="6437463" y="3554760"/>
+                  <a:ext cx="372153" cy="222369"/>
+                </a:xfrm>
+                <a:prstGeom prst="rect">
+                  <a:avLst/>
+                </a:prstGeom>
+                <a:blipFill>
+                  <a:blip r:embed="rId6"/>
+                  <a:stretch>
+                    <a:fillRect l="-6557" r="-3279"/>
+                  </a:stretch>
+                </a:blipFill>
+              </p:spPr>
+              <p:txBody>
+                <a:bodyPr/>
+                <a:lstStyle/>
+                <a:p>
+                  <a:r>
+                    <a:rPr lang="zh-CN" altLang="en-US">
+                      <a:noFill/>
+                    </a:rPr>
+                    <a:t> </a:t>
+                  </a:r>
+                </a:p>
+              </p:txBody>
+            </p:sp>
+          </mc:Fallback>
+        </mc:AlternateContent>
+        <mc:AlternateContent xmlns:mc="http://schemas.openxmlformats.org/markup-compatibility/2006">
+          <mc:Choice xmlns:a14="http://schemas.microsoft.com/office/drawing/2010/main" Requires="a14">
+            <p:sp>
+              <p:nvSpPr>
+                <p:cNvPr id="19" name="文本框 18">
+                  <a:extLst>
+                    <a:ext uri="{FF2B5EF4-FFF2-40B4-BE49-F238E27FC236}">
+                      <a16:creationId xmlns:a16="http://schemas.microsoft.com/office/drawing/2014/main" id="{3E3A4421-F61A-5277-A1FA-774EA6EAD571}"/>
+                    </a:ext>
+                  </a:extLst>
+                </p:cNvPr>
+                <p:cNvSpPr txBox="1"/>
+                <p:nvPr/>
+              </p:nvSpPr>
+              <p:spPr>
+                <a:xfrm>
+                  <a:off x="5271719" y="1850210"/>
+                  <a:ext cx="206787" cy="222369"/>
+                </a:xfrm>
+                <a:prstGeom prst="rect">
+                  <a:avLst/>
+                </a:prstGeom>
+                <a:noFill/>
+              </p:spPr>
+              <p:txBody>
+                <a:bodyPr wrap="none" lIns="0" tIns="0" rIns="0" bIns="0" rtlCol="0">
+                  <a:spAutoFit/>
+                </a:bodyPr>
+                <a:lstStyle/>
+                <a:p>
+                  <a:pPr/>
+                  <a14:m>
+                    <m:oMathPara xmlns:m="http://schemas.openxmlformats.org/officeDocument/2006/math">
+                      <m:oMathParaPr>
+                        <m:jc m:val="centerGroup"/>
+                      </m:oMathParaPr>
+                      <m:oMath xmlns:m="http://schemas.openxmlformats.org/officeDocument/2006/math">
+                        <m:sSup>
+                          <m:sSupPr>
+                            <m:ctrlPr>
+                              <a:rPr lang="en-US" altLang="zh-CN" sz="1400" i="1" smtClean="0">
+                                <a:latin typeface="Cambria Math" panose="02040503050406030204" pitchFamily="18" charset="0"/>
+                              </a:rPr>
+                            </m:ctrlPr>
+                          </m:sSupPr>
+                          <m:e>
+                            <m:r>
+                              <a:rPr lang="en-US" altLang="zh-CN" sz="1400" b="0" i="1" smtClean="0">
+                                <a:latin typeface="Cambria Math" panose="02040503050406030204" pitchFamily="18" charset="0"/>
+                              </a:rPr>
+                              <m:t>𝑣</m:t>
+                            </m:r>
+                          </m:e>
+                          <m:sup>
+                            <m:r>
+                              <a:rPr lang="en-US" altLang="zh-CN" sz="1400" b="0" i="1" smtClean="0">
+                                <a:latin typeface="Cambria Math" panose="02040503050406030204" pitchFamily="18" charset="0"/>
+                              </a:rPr>
+                              <m:t>𝑖</m:t>
+                            </m:r>
+                          </m:sup>
+                        </m:sSup>
+                      </m:oMath>
+                    </m:oMathPara>
+                  </a14:m>
+                  <a:endParaRPr lang="zh-CN" altLang="en-US" sz="1400" dirty="0"/>
+                </a:p>
+              </p:txBody>
+            </p:sp>
+          </mc:Choice>
+          <mc:Fallback>
+            <p:sp>
+              <p:nvSpPr>
+                <p:cNvPr id="19" name="文本框 18">
+                  <a:extLst>
+                    <a:ext uri="{FF2B5EF4-FFF2-40B4-BE49-F238E27FC236}">
+                      <a16:creationId xmlns:a16="http://schemas.microsoft.com/office/drawing/2014/main" id="{3E3A4421-F61A-5277-A1FA-774EA6EAD571}"/>
+                    </a:ext>
+                  </a:extLst>
+                </p:cNvPr>
+                <p:cNvSpPr txBox="1">
+                  <a:spLocks noRot="1" noChangeAspect="1" noMove="1" noResize="1" noEditPoints="1" noAdjustHandles="1" noChangeArrowheads="1" noChangeShapeType="1" noTextEdit="1"/>
+                </p:cNvSpPr>
+                <p:nvPr/>
+              </p:nvSpPr>
+              <p:spPr>
+                <a:xfrm>
+                  <a:off x="5271719" y="1850210"/>
+                  <a:ext cx="206787" cy="222369"/>
+                </a:xfrm>
+                <a:prstGeom prst="rect">
+                  <a:avLst/>
+                </a:prstGeom>
+                <a:blipFill>
+                  <a:blip r:embed="rId7"/>
+                  <a:stretch>
+                    <a:fillRect l="-11765" r="-5882"/>
+                  </a:stretch>
+                </a:blipFill>
+              </p:spPr>
+              <p:txBody>
+                <a:bodyPr/>
+                <a:lstStyle/>
+                <a:p>
+                  <a:r>
+                    <a:rPr lang="zh-CN" altLang="en-US">
+                      <a:noFill/>
+                    </a:rPr>
+                    <a:t> </a:t>
+                  </a:r>
+                </a:p>
+              </p:txBody>
+            </p:sp>
+          </mc:Fallback>
+        </mc:AlternateContent>
+        <mc:AlternateContent xmlns:mc="http://schemas.openxmlformats.org/markup-compatibility/2006">
+          <mc:Choice xmlns:a14="http://schemas.microsoft.com/office/drawing/2010/main" Requires="a14">
+            <p:sp>
+              <p:nvSpPr>
+                <p:cNvPr id="20" name="文本框 19">
+                  <a:extLst>
+                    <a:ext uri="{FF2B5EF4-FFF2-40B4-BE49-F238E27FC236}">
+                      <a16:creationId xmlns:a16="http://schemas.microsoft.com/office/drawing/2014/main" id="{5806D154-3F7A-87A0-C10A-AEE8EE3C14A9}"/>
+                    </a:ext>
+                  </a:extLst>
+                </p:cNvPr>
+                <p:cNvSpPr txBox="1"/>
+                <p:nvPr/>
+              </p:nvSpPr>
+              <p:spPr>
+                <a:xfrm>
+                  <a:off x="6534819" y="1868198"/>
+                  <a:ext cx="376706" cy="222369"/>
+                </a:xfrm>
+                <a:prstGeom prst="rect">
+                  <a:avLst/>
+                </a:prstGeom>
+                <a:noFill/>
+              </p:spPr>
+              <p:txBody>
+                <a:bodyPr wrap="none" lIns="0" tIns="0" rIns="0" bIns="0" rtlCol="0">
+                  <a:spAutoFit/>
+                </a:bodyPr>
+                <a:lstStyle/>
+                <a:p>
+                  <a:pPr/>
+                  <a14:m>
+                    <m:oMathPara xmlns:m="http://schemas.openxmlformats.org/officeDocument/2006/math">
+                      <m:oMathParaPr>
+                        <m:jc m:val="centerGroup"/>
+                      </m:oMathParaPr>
+                      <m:oMath xmlns:m="http://schemas.openxmlformats.org/officeDocument/2006/math">
+                        <m:sSup>
+                          <m:sSupPr>
+                            <m:ctrlPr>
+                              <a:rPr lang="en-US" altLang="zh-CN" sz="1400" i="1" smtClean="0">
+                                <a:latin typeface="Cambria Math" panose="02040503050406030204" pitchFamily="18" charset="0"/>
+                              </a:rPr>
+                            </m:ctrlPr>
+                          </m:sSupPr>
+                          <m:e>
+                            <m:r>
+                              <a:rPr lang="en-US" altLang="zh-CN" sz="1400" b="0" i="1" smtClean="0">
+                                <a:latin typeface="Cambria Math" panose="02040503050406030204" pitchFamily="18" charset="0"/>
+                              </a:rPr>
+                              <m:t>𝑣</m:t>
+                            </m:r>
+                          </m:e>
+                          <m:sup>
+                            <m:r>
+                              <a:rPr lang="en-US" altLang="zh-CN" sz="1400" b="0" i="1" smtClean="0">
+                                <a:latin typeface="Cambria Math" panose="02040503050406030204" pitchFamily="18" charset="0"/>
+                              </a:rPr>
+                              <m:t>𝑖</m:t>
+                            </m:r>
+                            <m:r>
+                              <a:rPr lang="en-US" altLang="zh-CN" sz="1400" b="0" i="1" smtClean="0">
+                                <a:latin typeface="Cambria Math" panose="02040503050406030204" pitchFamily="18" charset="0"/>
+                              </a:rPr>
+                              <m:t>+1</m:t>
+                            </m:r>
+                          </m:sup>
+                        </m:sSup>
+                      </m:oMath>
+                    </m:oMathPara>
+                  </a14:m>
+                  <a:endParaRPr lang="zh-CN" altLang="en-US" sz="1400" dirty="0"/>
+                </a:p>
+              </p:txBody>
+            </p:sp>
+          </mc:Choice>
+          <mc:Fallback>
+            <p:sp>
+              <p:nvSpPr>
+                <p:cNvPr id="20" name="文本框 19">
+                  <a:extLst>
+                    <a:ext uri="{FF2B5EF4-FFF2-40B4-BE49-F238E27FC236}">
+                      <a16:creationId xmlns:a16="http://schemas.microsoft.com/office/drawing/2014/main" id="{5806D154-3F7A-87A0-C10A-AEE8EE3C14A9}"/>
+                    </a:ext>
+                  </a:extLst>
+                </p:cNvPr>
+                <p:cNvSpPr txBox="1">
+                  <a:spLocks noRot="1" noChangeAspect="1" noMove="1" noResize="1" noEditPoints="1" noAdjustHandles="1" noChangeArrowheads="1" noChangeShapeType="1" noTextEdit="1"/>
+                </p:cNvSpPr>
+                <p:nvPr/>
+              </p:nvSpPr>
+              <p:spPr>
+                <a:xfrm>
+                  <a:off x="6534819" y="1868198"/>
+                  <a:ext cx="376706" cy="222369"/>
+                </a:xfrm>
+                <a:prstGeom prst="rect">
+                  <a:avLst/>
+                </a:prstGeom>
+                <a:blipFill>
+                  <a:blip r:embed="rId8"/>
+                  <a:stretch>
+                    <a:fillRect l="-4839" r="-3226"/>
+                  </a:stretch>
+                </a:blipFill>
+              </p:spPr>
+              <p:txBody>
+                <a:bodyPr/>
+                <a:lstStyle/>
+                <a:p>
+                  <a:r>
+                    <a:rPr lang="zh-CN" altLang="en-US">
+                      <a:noFill/>
+                    </a:rPr>
+                    <a:t> </a:t>
+                  </a:r>
+                </a:p>
+              </p:txBody>
+            </p:sp>
+          </mc:Fallback>
+        </mc:AlternateContent>
+        <p:sp>
+          <p:nvSpPr>
+            <p:cNvPr id="43" name="文本框 42">
+              <a:extLst>
+                <a:ext uri="{FF2B5EF4-FFF2-40B4-BE49-F238E27FC236}">
+                  <a16:creationId xmlns:a16="http://schemas.microsoft.com/office/drawing/2014/main" id="{33B432B8-F990-1C9B-7C4B-D2A1A241E6C8}"/>
+                </a:ext>
+              </a:extLst>
+            </p:cNvPr>
+            <p:cNvSpPr txBox="1"/>
+            <p:nvPr/>
+          </p:nvSpPr>
+          <p:spPr>
+            <a:xfrm>
+              <a:off x="4387622" y="3393295"/>
+              <a:ext cx="276038" cy="307777"/>
+            </a:xfrm>
+            <a:prstGeom prst="rect">
+              <a:avLst/>
+            </a:prstGeom>
+            <a:noFill/>
+          </p:spPr>
+          <p:txBody>
+            <a:bodyPr wrap="none" rtlCol="0">
+              <a:spAutoFit/>
+            </a:bodyPr>
+            <a:lstStyle/>
+            <a:p>
+              <a:r>
+                <a:rPr lang="en-US" altLang="zh-CN" sz="1400" dirty="0">
+                  <a:cs typeface="Times New Roman" panose="02020603050405020304" pitchFamily="18" charset="0"/>
+                </a:rPr>
+                <a:t>0</a:t>
+              </a:r>
+              <a:endParaRPr lang="zh-CN" altLang="en-US" sz="1400" dirty="0">
+                <a:cs typeface="Times New Roman" panose="02020603050405020304" pitchFamily="18" charset="0"/>
+              </a:endParaRPr>
+            </a:p>
+          </p:txBody>
+        </p:sp>
+        <p:sp>
+          <p:nvSpPr>
+            <p:cNvPr id="44" name="文本框 43">
+              <a:extLst>
+                <a:ext uri="{FF2B5EF4-FFF2-40B4-BE49-F238E27FC236}">
+                  <a16:creationId xmlns:a16="http://schemas.microsoft.com/office/drawing/2014/main" id="{3AFAFEB0-B0F2-5E19-D6A9-A85F295B62E6}"/>
+                </a:ext>
+              </a:extLst>
+            </p:cNvPr>
+            <p:cNvSpPr txBox="1"/>
+            <p:nvPr/>
+          </p:nvSpPr>
+          <p:spPr>
+            <a:xfrm>
+              <a:off x="4384040" y="1210100"/>
+              <a:ext cx="276038" cy="307777"/>
+            </a:xfrm>
+            <a:prstGeom prst="rect">
+              <a:avLst/>
+            </a:prstGeom>
+            <a:noFill/>
+          </p:spPr>
+          <p:txBody>
+            <a:bodyPr wrap="none" rtlCol="0">
+              <a:spAutoFit/>
+            </a:bodyPr>
+            <a:lstStyle/>
+            <a:p>
+              <a:r>
+                <a:rPr lang="en-US" altLang="zh-CN" sz="1400" dirty="0">
+                  <a:cs typeface="Times New Roman" panose="02020603050405020304" pitchFamily="18" charset="0"/>
+                </a:rPr>
+                <a:t>0</a:t>
+              </a:r>
+              <a:endParaRPr lang="zh-CN" altLang="en-US" sz="1400" dirty="0">
+                <a:cs typeface="Times New Roman" panose="02020603050405020304" pitchFamily="18" charset="0"/>
+              </a:endParaRPr>
+            </a:p>
+          </p:txBody>
+        </p:sp>
+      </p:grpSp>
+      <p:grpSp>
+        <p:nvGrpSpPr>
+          <p:cNvPr id="48" name="组合 47">
+            <a:extLst>
+              <a:ext uri="{FF2B5EF4-FFF2-40B4-BE49-F238E27FC236}">
+                <a16:creationId xmlns:a16="http://schemas.microsoft.com/office/drawing/2014/main" id="{FD999365-1D32-5D7D-EAE4-C1872569F7F9}"/>
+              </a:ext>
+            </a:extLst>
+          </p:cNvPr>
+          <p:cNvGrpSpPr/>
+          <p:nvPr/>
+        </p:nvGrpSpPr>
+        <p:grpSpPr>
+          <a:xfrm>
+            <a:off x="109994" y="89529"/>
+            <a:ext cx="3594478" cy="4302454"/>
+            <a:chOff x="78148" y="6565"/>
+            <a:chExt cx="3594478" cy="4302454"/>
+          </a:xfrm>
+        </p:grpSpPr>
+        <p:pic>
+          <p:nvPicPr>
+            <p:cNvPr id="13" name="图片 12">
+              <a:extLst>
+                <a:ext uri="{FF2B5EF4-FFF2-40B4-BE49-F238E27FC236}">
+                  <a16:creationId xmlns:a16="http://schemas.microsoft.com/office/drawing/2014/main" id="{A878A33E-5400-711B-8BEF-B76F02ABADE7}"/>
+                </a:ext>
+              </a:extLst>
+            </p:cNvPr>
+            <p:cNvPicPr>
+              <a:picLocks noChangeAspect="1"/>
+            </p:cNvPicPr>
+            <p:nvPr/>
+          </p:nvPicPr>
+          <p:blipFill rotWithShape="1">
+            <a:blip r:embed="rId9"/>
+            <a:srcRect l="11222" t="5389" r="7306" b="8959"/>
+            <a:stretch/>
+          </p:blipFill>
+          <p:spPr>
+            <a:xfrm>
+              <a:off x="568555" y="326147"/>
+              <a:ext cx="3104071" cy="3752794"/>
+            </a:xfrm>
+            <a:prstGeom prst="rect">
+              <a:avLst/>
+            </a:prstGeom>
+          </p:spPr>
+        </p:pic>
+        <p:cxnSp>
+          <p:nvCxnSpPr>
+            <p:cNvPr id="7" name="直接连接符 6">
+              <a:extLst>
+                <a:ext uri="{FF2B5EF4-FFF2-40B4-BE49-F238E27FC236}">
+                  <a16:creationId xmlns:a16="http://schemas.microsoft.com/office/drawing/2014/main" id="{1C3A3B7D-21FD-E1A8-E1DE-7F477C3BE64B}"/>
+                </a:ext>
+              </a:extLst>
+            </p:cNvPr>
+            <p:cNvCxnSpPr>
+              <a:cxnSpLocks/>
+            </p:cNvCxnSpPr>
+            <p:nvPr/>
+          </p:nvCxnSpPr>
+          <p:spPr>
+            <a:xfrm>
+              <a:off x="1246259" y="409967"/>
+              <a:ext cx="26428" cy="3567776"/>
+            </a:xfrm>
+            <a:prstGeom prst="line">
+              <a:avLst/>
+            </a:prstGeom>
+            <a:ln>
+              <a:prstDash val="lgDash"/>
+            </a:ln>
+          </p:spPr>
+          <p:style>
+            <a:lnRef idx="1">
+              <a:schemeClr val="accent1"/>
+            </a:lnRef>
+            <a:fillRef idx="0">
+              <a:schemeClr val="accent1"/>
+            </a:fillRef>
+            <a:effectRef idx="0">
+              <a:schemeClr val="accent1"/>
+            </a:effectRef>
+            <a:fontRef idx="minor">
+              <a:schemeClr val="tx1"/>
+            </a:fontRef>
+          </p:style>
+        </p:cxnSp>
+        <p:cxnSp>
+          <p:nvCxnSpPr>
+            <p:cNvPr id="8" name="直接连接符 7">
+              <a:extLst>
+                <a:ext uri="{FF2B5EF4-FFF2-40B4-BE49-F238E27FC236}">
+                  <a16:creationId xmlns:a16="http://schemas.microsoft.com/office/drawing/2014/main" id="{33DC7FF8-BF37-330E-DA7F-969A34D532E4}"/>
+                </a:ext>
+              </a:extLst>
+            </p:cNvPr>
+            <p:cNvCxnSpPr>
+              <a:cxnSpLocks/>
+            </p:cNvCxnSpPr>
+            <p:nvPr/>
+          </p:nvCxnSpPr>
+          <p:spPr>
+            <a:xfrm>
+              <a:off x="2517212" y="410603"/>
+              <a:ext cx="17518" cy="3567141"/>
+            </a:xfrm>
+            <a:prstGeom prst="line">
+              <a:avLst/>
+            </a:prstGeom>
+            <a:ln>
+              <a:prstDash val="lgDash"/>
+            </a:ln>
+          </p:spPr>
+          <p:style>
+            <a:lnRef idx="1">
+              <a:schemeClr val="accent1"/>
+            </a:lnRef>
+            <a:fillRef idx="0">
+              <a:schemeClr val="accent1"/>
+            </a:fillRef>
+            <a:effectRef idx="0">
+              <a:schemeClr val="accent1"/>
+            </a:effectRef>
+            <a:fontRef idx="minor">
+              <a:schemeClr val="tx1"/>
+            </a:fontRef>
+          </p:style>
+        </p:cxnSp>
+        <p:sp>
+          <p:nvSpPr>
+            <p:cNvPr id="26" name="文本框 25">
+              <a:extLst>
+                <a:ext uri="{FF2B5EF4-FFF2-40B4-BE49-F238E27FC236}">
+                  <a16:creationId xmlns:a16="http://schemas.microsoft.com/office/drawing/2014/main" id="{7225F53B-AA49-C740-8B1B-53AA596D782D}"/>
+                </a:ext>
+              </a:extLst>
+            </p:cNvPr>
+            <p:cNvSpPr txBox="1"/>
+            <p:nvPr/>
+          </p:nvSpPr>
+          <p:spPr>
+            <a:xfrm rot="16200000">
+              <a:off x="-264846" y="3386467"/>
+              <a:ext cx="1026243" cy="338554"/>
+            </a:xfrm>
+            <a:prstGeom prst="rect">
+              <a:avLst/>
+            </a:prstGeom>
+            <a:noFill/>
+          </p:spPr>
+          <p:txBody>
+            <a:bodyPr wrap="none" rtlCol="0">
+              <a:spAutoFit/>
+            </a:bodyPr>
+            <a:lstStyle/>
+            <a:p>
+              <a:r>
+                <a:rPr lang="en-US" altLang="zh-CN" sz="1600" dirty="0">
+                  <a:cs typeface="Times New Roman" panose="02020603050405020304" pitchFamily="18" charset="0"/>
+                </a:rPr>
+                <a:t>a [mm/s</a:t>
+              </a:r>
+              <a:r>
+                <a:rPr lang="en-US" altLang="zh-CN" sz="1600" baseline="30000" dirty="0">
+                  <a:cs typeface="Times New Roman" panose="02020603050405020304" pitchFamily="18" charset="0"/>
+                </a:rPr>
+                <a:t>2</a:t>
+              </a:r>
+              <a:r>
+                <a:rPr lang="en-US" altLang="zh-CN" sz="1600" dirty="0">
+                  <a:cs typeface="Times New Roman" panose="02020603050405020304" pitchFamily="18" charset="0"/>
+                </a:rPr>
+                <a:t>]</a:t>
+              </a:r>
+              <a:endParaRPr lang="zh-CN" altLang="en-US" sz="1600" dirty="0">
+                <a:cs typeface="Times New Roman" panose="02020603050405020304" pitchFamily="18" charset="0"/>
+              </a:endParaRPr>
+            </a:p>
+          </p:txBody>
+        </p:sp>
+        <p:sp>
+          <p:nvSpPr>
+            <p:cNvPr id="27" name="文本框 26">
+              <a:extLst>
+                <a:ext uri="{FF2B5EF4-FFF2-40B4-BE49-F238E27FC236}">
+                  <a16:creationId xmlns:a16="http://schemas.microsoft.com/office/drawing/2014/main" id="{18A2DC0F-231C-2180-4EA9-6F69E09F4C61}"/>
+                </a:ext>
+              </a:extLst>
+            </p:cNvPr>
+            <p:cNvSpPr txBox="1"/>
+            <p:nvPr/>
+          </p:nvSpPr>
+          <p:spPr>
+            <a:xfrm rot="16200000">
+              <a:off x="-231232" y="2135850"/>
+              <a:ext cx="957313" cy="338554"/>
+            </a:xfrm>
+            <a:prstGeom prst="rect">
+              <a:avLst/>
+            </a:prstGeom>
+            <a:noFill/>
+          </p:spPr>
+          <p:txBody>
+            <a:bodyPr wrap="none" rtlCol="0">
+              <a:spAutoFit/>
+            </a:bodyPr>
+            <a:lstStyle/>
+            <a:p>
+              <a:r>
+                <a:rPr lang="en-US" altLang="zh-CN" sz="1600" dirty="0">
+                  <a:cs typeface="Times New Roman" panose="02020603050405020304" pitchFamily="18" charset="0"/>
+                </a:rPr>
+                <a:t>v [mm/s]</a:t>
+              </a:r>
+              <a:endParaRPr lang="zh-CN" altLang="en-US" sz="1600" dirty="0">
+                <a:cs typeface="Times New Roman" panose="02020603050405020304" pitchFamily="18" charset="0"/>
+              </a:endParaRPr>
+            </a:p>
+          </p:txBody>
+        </p:sp>
+        <p:sp>
+          <p:nvSpPr>
+            <p:cNvPr id="28" name="文本框 27">
+              <a:extLst>
+                <a:ext uri="{FF2B5EF4-FFF2-40B4-BE49-F238E27FC236}">
+                  <a16:creationId xmlns:a16="http://schemas.microsoft.com/office/drawing/2014/main" id="{38DE6F59-5DFE-671C-AD51-05B26993EFEB}"/>
+                </a:ext>
+              </a:extLst>
+            </p:cNvPr>
+            <p:cNvSpPr txBox="1"/>
+            <p:nvPr/>
+          </p:nvSpPr>
+          <p:spPr>
+            <a:xfrm rot="16200000">
+              <a:off x="-150231" y="745301"/>
+              <a:ext cx="797013" cy="338554"/>
+            </a:xfrm>
+            <a:prstGeom prst="rect">
+              <a:avLst/>
+            </a:prstGeom>
+            <a:noFill/>
+          </p:spPr>
+          <p:txBody>
+            <a:bodyPr wrap="none" rtlCol="0">
+              <a:spAutoFit/>
+            </a:bodyPr>
+            <a:lstStyle/>
+            <a:p>
+              <a:r>
+                <a:rPr lang="en-US" altLang="zh-CN" sz="1600" dirty="0">
+                  <a:cs typeface="Times New Roman" panose="02020603050405020304" pitchFamily="18" charset="0"/>
+                </a:rPr>
+                <a:t>p [mm]</a:t>
+              </a:r>
+              <a:endParaRPr lang="zh-CN" altLang="en-US" sz="1600" dirty="0">
+                <a:cs typeface="Times New Roman" panose="02020603050405020304" pitchFamily="18" charset="0"/>
+              </a:endParaRPr>
+            </a:p>
+          </p:txBody>
+        </p:sp>
+        <p:sp>
+          <p:nvSpPr>
+            <p:cNvPr id="30" name="文本框 9">
+              <a:extLst>
+                <a:ext uri="{FF2B5EF4-FFF2-40B4-BE49-F238E27FC236}">
+                  <a16:creationId xmlns:a16="http://schemas.microsoft.com/office/drawing/2014/main" id="{B43545C6-D76A-A3B1-C6EB-1FDDEF107FF1}"/>
+                </a:ext>
+              </a:extLst>
+            </p:cNvPr>
+            <p:cNvSpPr txBox="1"/>
+            <p:nvPr/>
+          </p:nvSpPr>
+          <p:spPr>
+            <a:xfrm>
+              <a:off x="963645" y="6565"/>
+              <a:ext cx="2566665" cy="338554"/>
+            </a:xfrm>
+            <a:prstGeom prst="rect">
+              <a:avLst/>
+            </a:prstGeom>
+            <a:noFill/>
+            <a:ln>
+              <a:noFill/>
+            </a:ln>
+          </p:spPr>
+          <p:txBody>
+            <a:bodyPr wrap="none" rtlCol="0">
+              <a:spAutoFit/>
+            </a:bodyPr>
+            <a:lstStyle/>
+            <a:p>
+              <a:r>
+                <a:rPr lang="en-US" altLang="zh-CN" sz="1600" dirty="0">
+                  <a:cs typeface="Times New Roman" panose="02020603050405020304" pitchFamily="18" charset="0"/>
+                </a:rPr>
+                <a:t>Constant-acceleration model</a:t>
+              </a:r>
+              <a:endParaRPr lang="zh-CN" altLang="en-US" sz="1600" dirty="0">
+                <a:cs typeface="Times New Roman" panose="02020603050405020304" pitchFamily="18" charset="0"/>
+              </a:endParaRPr>
+            </a:p>
+          </p:txBody>
+        </p:sp>
+        <p:sp>
+          <p:nvSpPr>
+            <p:cNvPr id="32" name="文本框 9">
+              <a:extLst>
+                <a:ext uri="{FF2B5EF4-FFF2-40B4-BE49-F238E27FC236}">
+                  <a16:creationId xmlns:a16="http://schemas.microsoft.com/office/drawing/2014/main" id="{8B697C78-E872-5662-DB30-6E88E42872EE}"/>
+                </a:ext>
+              </a:extLst>
+            </p:cNvPr>
+            <p:cNvSpPr txBox="1"/>
+            <p:nvPr/>
+          </p:nvSpPr>
+          <p:spPr>
+            <a:xfrm>
+              <a:off x="523234" y="6565"/>
+              <a:ext cx="402674" cy="338554"/>
+            </a:xfrm>
+            <a:prstGeom prst="rect">
+              <a:avLst/>
+            </a:prstGeom>
+            <a:noFill/>
+          </p:spPr>
+          <p:txBody>
+            <a:bodyPr wrap="square" rtlCol="0">
+              <a:spAutoFit/>
+            </a:bodyPr>
+            <a:lstStyle>
+              <a:defPPr>
+                <a:defRPr lang="en-US"/>
+              </a:defPPr>
+              <a:lvl1pPr marL="0" algn="l" defTabSz="457200" rtl="0" eaLnBrk="1" latinLnBrk="0" hangingPunct="1">
+                <a:defRPr sz="1800" kern="1200">
+                  <a:solidFill>
+                    <a:schemeClr val="tx1"/>
+                  </a:solidFill>
+                  <a:latin typeface="+mn-lt"/>
+                  <a:ea typeface="+mn-ea"/>
+                  <a:cs typeface="+mn-cs"/>
+                </a:defRPr>
+              </a:lvl1pPr>
+              <a:lvl2pPr marL="457200" algn="l" defTabSz="457200" rtl="0" eaLnBrk="1" latinLnBrk="0" hangingPunct="1">
+                <a:defRPr sz="1800" kern="1200">
+                  <a:solidFill>
+                    <a:schemeClr val="tx1"/>
+                  </a:solidFill>
+                  <a:latin typeface="+mn-lt"/>
+                  <a:ea typeface="+mn-ea"/>
+                  <a:cs typeface="+mn-cs"/>
+                </a:defRPr>
+              </a:lvl2pPr>
+              <a:lvl3pPr marL="914400" algn="l" defTabSz="457200" rtl="0" eaLnBrk="1" latinLnBrk="0" hangingPunct="1">
+                <a:defRPr sz="1800" kern="1200">
+                  <a:solidFill>
+                    <a:schemeClr val="tx1"/>
+                  </a:solidFill>
+                  <a:latin typeface="+mn-lt"/>
+                  <a:ea typeface="+mn-ea"/>
+                  <a:cs typeface="+mn-cs"/>
+                </a:defRPr>
+              </a:lvl3pPr>
+              <a:lvl4pPr marL="1371600" algn="l" defTabSz="457200" rtl="0" eaLnBrk="1" latinLnBrk="0" hangingPunct="1">
+                <a:defRPr sz="1800" kern="1200">
+                  <a:solidFill>
+                    <a:schemeClr val="tx1"/>
+                  </a:solidFill>
+                  <a:latin typeface="+mn-lt"/>
+                  <a:ea typeface="+mn-ea"/>
+                  <a:cs typeface="+mn-cs"/>
+                </a:defRPr>
+              </a:lvl4pPr>
+              <a:lvl5pPr marL="1828800" algn="l" defTabSz="457200" rtl="0" eaLnBrk="1" latinLnBrk="0" hangingPunct="1">
+                <a:defRPr sz="1800" kern="1200">
+                  <a:solidFill>
+                    <a:schemeClr val="tx1"/>
+                  </a:solidFill>
+                  <a:latin typeface="+mn-lt"/>
+                  <a:ea typeface="+mn-ea"/>
+                  <a:cs typeface="+mn-cs"/>
+                </a:defRPr>
+              </a:lvl5pPr>
+              <a:lvl6pPr marL="2286000" algn="l" defTabSz="457200" rtl="0" eaLnBrk="1" latinLnBrk="0" hangingPunct="1">
+                <a:defRPr sz="1800" kern="1200">
+                  <a:solidFill>
+                    <a:schemeClr val="tx1"/>
+                  </a:solidFill>
+                  <a:latin typeface="+mn-lt"/>
+                  <a:ea typeface="+mn-ea"/>
+                  <a:cs typeface="+mn-cs"/>
+                </a:defRPr>
+              </a:lvl6pPr>
+              <a:lvl7pPr marL="2743200" algn="l" defTabSz="457200" rtl="0" eaLnBrk="1" latinLnBrk="0" hangingPunct="1">
+                <a:defRPr sz="1800" kern="1200">
+                  <a:solidFill>
+                    <a:schemeClr val="tx1"/>
+                  </a:solidFill>
+                  <a:latin typeface="+mn-lt"/>
+                  <a:ea typeface="+mn-ea"/>
+                  <a:cs typeface="+mn-cs"/>
+                </a:defRPr>
+              </a:lvl7pPr>
+              <a:lvl8pPr marL="3200400" algn="l" defTabSz="457200" rtl="0" eaLnBrk="1" latinLnBrk="0" hangingPunct="1">
+                <a:defRPr sz="1800" kern="1200">
+                  <a:solidFill>
+                    <a:schemeClr val="tx1"/>
+                  </a:solidFill>
+                  <a:latin typeface="+mn-lt"/>
+                  <a:ea typeface="+mn-ea"/>
+                  <a:cs typeface="+mn-cs"/>
+                </a:defRPr>
+              </a:lvl8pPr>
+              <a:lvl9pPr marL="3657600" algn="l" defTabSz="457200" rtl="0" eaLnBrk="1" latinLnBrk="0" hangingPunct="1">
+                <a:defRPr sz="1800" kern="1200">
+                  <a:solidFill>
+                    <a:schemeClr val="tx1"/>
+                  </a:solidFill>
+                  <a:latin typeface="+mn-lt"/>
+                  <a:ea typeface="+mn-ea"/>
+                  <a:cs typeface="+mn-cs"/>
+                </a:defRPr>
+              </a:lvl9pPr>
+            </a:lstStyle>
+            <a:p>
+              <a:r>
+                <a:rPr lang="en-US" altLang="zh-CN" sz="1600" b="1" dirty="0">
+                  <a:cs typeface="Times New Roman" panose="02020603050405020304" pitchFamily="18" charset="0"/>
+                </a:rPr>
+                <a:t>(a)</a:t>
+              </a:r>
+              <a:endParaRPr lang="zh-CN" altLang="en-US" sz="1600" b="1" dirty="0">
+                <a:cs typeface="Times New Roman" panose="02020603050405020304" pitchFamily="18" charset="0"/>
+              </a:endParaRPr>
+            </a:p>
+          </p:txBody>
+        </p:sp>
+        <p:sp>
+          <p:nvSpPr>
+            <p:cNvPr id="36" name="文本框 35">
+              <a:extLst>
+                <a:ext uri="{FF2B5EF4-FFF2-40B4-BE49-F238E27FC236}">
+                  <a16:creationId xmlns:a16="http://schemas.microsoft.com/office/drawing/2014/main" id="{7697FFCD-8604-4E4A-A9EE-18D70FE3E98D}"/>
+                </a:ext>
+              </a:extLst>
+            </p:cNvPr>
+            <p:cNvSpPr txBox="1"/>
+            <p:nvPr/>
+          </p:nvSpPr>
+          <p:spPr>
+            <a:xfrm>
+              <a:off x="377837" y="2048655"/>
+              <a:ext cx="276038" cy="307777"/>
+            </a:xfrm>
+            <a:prstGeom prst="rect">
+              <a:avLst/>
+            </a:prstGeom>
+            <a:noFill/>
+          </p:spPr>
+          <p:txBody>
+            <a:bodyPr wrap="none" rtlCol="0">
+              <a:spAutoFit/>
+            </a:bodyPr>
+            <a:lstStyle/>
+            <a:p>
+              <a:r>
+                <a:rPr lang="en-US" altLang="zh-CN" sz="1400" dirty="0">
+                  <a:cs typeface="Times New Roman" panose="02020603050405020304" pitchFamily="18" charset="0"/>
+                </a:rPr>
+                <a:t>0</a:t>
+              </a:r>
+              <a:endParaRPr lang="zh-CN" altLang="en-US" sz="1400" dirty="0">
+                <a:cs typeface="Times New Roman" panose="02020603050405020304" pitchFamily="18" charset="0"/>
+              </a:endParaRPr>
+            </a:p>
+          </p:txBody>
+        </p:sp>
+        <mc:AlternateContent xmlns:mc="http://schemas.openxmlformats.org/markup-compatibility/2006">
+          <mc:Choice xmlns:a14="http://schemas.microsoft.com/office/drawing/2010/main" Requires="a14">
+            <p:sp>
+              <p:nvSpPr>
+                <p:cNvPr id="46" name="文本框 45">
+                  <a:extLst>
+                    <a:ext uri="{FF2B5EF4-FFF2-40B4-BE49-F238E27FC236}">
+                      <a16:creationId xmlns:a16="http://schemas.microsoft.com/office/drawing/2014/main" id="{B564E61A-17F9-FD47-ACF5-19EE87D5836D}"/>
+                    </a:ext>
+                  </a:extLst>
+                </p:cNvPr>
+                <p:cNvSpPr txBox="1"/>
+                <p:nvPr/>
+              </p:nvSpPr>
+              <p:spPr>
+                <a:xfrm>
+                  <a:off x="1293046" y="942260"/>
+                  <a:ext cx="201787" cy="222369"/>
+                </a:xfrm>
+                <a:prstGeom prst="rect">
+                  <a:avLst/>
+                </a:prstGeom>
+                <a:noFill/>
+              </p:spPr>
+              <p:txBody>
+                <a:bodyPr wrap="none" lIns="0" tIns="0" rIns="0" bIns="0" rtlCol="0">
+                  <a:spAutoFit/>
+                </a:bodyPr>
+                <a:lstStyle/>
+                <a:p>
+                  <a:pPr/>
+                  <a14:m>
+                    <m:oMathPara xmlns:m="http://schemas.openxmlformats.org/officeDocument/2006/math">
+                      <m:oMathParaPr>
+                        <m:jc m:val="centerGroup"/>
+                      </m:oMathParaPr>
+                      <m:oMath xmlns:m="http://schemas.openxmlformats.org/officeDocument/2006/math">
+                        <m:sSup>
+                          <m:sSupPr>
+                            <m:ctrlPr>
+                              <a:rPr lang="en-US" altLang="zh-CN" sz="1400" i="1" smtClean="0">
+                                <a:latin typeface="Cambria Math" panose="02040503050406030204" pitchFamily="18" charset="0"/>
+                              </a:rPr>
+                            </m:ctrlPr>
+                          </m:sSupPr>
+                          <m:e>
+                            <m:r>
+                              <a:rPr lang="en-US" altLang="zh-CN" sz="1400" i="1">
+                                <a:latin typeface="Cambria Math" panose="02040503050406030204" pitchFamily="18" charset="0"/>
+                              </a:rPr>
+                              <m:t>𝑝</m:t>
+                            </m:r>
+                          </m:e>
+                          <m:sup>
+                            <m:r>
+                              <a:rPr lang="en-US" altLang="zh-CN" sz="1400" b="0" i="1" smtClean="0">
+                                <a:latin typeface="Cambria Math" panose="02040503050406030204" pitchFamily="18" charset="0"/>
+                              </a:rPr>
+                              <m:t>𝑖</m:t>
+                            </m:r>
+                          </m:sup>
+                        </m:sSup>
+                      </m:oMath>
+                    </m:oMathPara>
+                  </a14:m>
+                  <a:endParaRPr lang="zh-CN" altLang="en-US" sz="1400" dirty="0"/>
+                </a:p>
+              </p:txBody>
+            </p:sp>
+          </mc:Choice>
+          <mc:Fallback>
+            <p:sp>
+              <p:nvSpPr>
+                <p:cNvPr id="46" name="文本框 45">
+                  <a:extLst>
+                    <a:ext uri="{FF2B5EF4-FFF2-40B4-BE49-F238E27FC236}">
+                      <a16:creationId xmlns:a16="http://schemas.microsoft.com/office/drawing/2014/main" id="{B564E61A-17F9-FD47-ACF5-19EE87D5836D}"/>
+                    </a:ext>
+                  </a:extLst>
+                </p:cNvPr>
+                <p:cNvSpPr txBox="1">
+                  <a:spLocks noRot="1" noChangeAspect="1" noMove="1" noResize="1" noEditPoints="1" noAdjustHandles="1" noChangeArrowheads="1" noChangeShapeType="1" noTextEdit="1"/>
+                </p:cNvSpPr>
+                <p:nvPr/>
+              </p:nvSpPr>
+              <p:spPr>
+                <a:xfrm>
+                  <a:off x="1293046" y="942260"/>
+                  <a:ext cx="201787" cy="222369"/>
+                </a:xfrm>
+                <a:prstGeom prst="rect">
+                  <a:avLst/>
+                </a:prstGeom>
+                <a:blipFill>
+                  <a:blip r:embed="rId10"/>
+                  <a:stretch>
+                    <a:fillRect l="-21212" r="-6061" b="-24324"/>
+                  </a:stretch>
+                </a:blipFill>
+              </p:spPr>
+              <p:txBody>
+                <a:bodyPr/>
+                <a:lstStyle/>
+                <a:p>
+                  <a:r>
+                    <a:rPr lang="zh-CN" altLang="en-US">
+                      <a:noFill/>
+                    </a:rPr>
+                    <a:t> </a:t>
+                  </a:r>
+                </a:p>
+              </p:txBody>
+            </p:sp>
+          </mc:Fallback>
+        </mc:AlternateContent>
+        <p:cxnSp>
+          <p:nvCxnSpPr>
+            <p:cNvPr id="53" name="直接连接符 52">
+              <a:extLst>
+                <a:ext uri="{FF2B5EF4-FFF2-40B4-BE49-F238E27FC236}">
+                  <a16:creationId xmlns:a16="http://schemas.microsoft.com/office/drawing/2014/main" id="{6D1B6BDD-EC63-0B90-1DC4-EA6A2DEF38EA}"/>
+                </a:ext>
+              </a:extLst>
+            </p:cNvPr>
+            <p:cNvCxnSpPr>
+              <a:cxnSpLocks/>
+            </p:cNvCxnSpPr>
+            <p:nvPr/>
+          </p:nvCxnSpPr>
+          <p:spPr>
+            <a:xfrm flipH="1">
+              <a:off x="3483821" y="2213127"/>
+              <a:ext cx="91434" cy="107730"/>
+            </a:xfrm>
+            <a:prstGeom prst="line">
+              <a:avLst/>
+            </a:prstGeom>
+            <a:ln>
+              <a:solidFill>
+                <a:srgbClr val="FF5757"/>
+              </a:solidFill>
+            </a:ln>
+          </p:spPr>
+          <p:style>
+            <a:lnRef idx="1">
+              <a:schemeClr val="accent1"/>
+            </a:lnRef>
+            <a:fillRef idx="0">
+              <a:schemeClr val="accent1"/>
+            </a:fillRef>
+            <a:effectRef idx="0">
+              <a:schemeClr val="accent1"/>
+            </a:effectRef>
+            <a:fontRef idx="minor">
+              <a:schemeClr val="tx1"/>
+            </a:fontRef>
+          </p:style>
+        </p:cxnSp>
+        <p:cxnSp>
+          <p:nvCxnSpPr>
+            <p:cNvPr id="56" name="直接连接符 55">
+              <a:extLst>
+                <a:ext uri="{FF2B5EF4-FFF2-40B4-BE49-F238E27FC236}">
+                  <a16:creationId xmlns:a16="http://schemas.microsoft.com/office/drawing/2014/main" id="{B2F6BD54-46FB-23E3-2E3F-380E3BA3A44D}"/>
+                </a:ext>
+              </a:extLst>
+            </p:cNvPr>
+            <p:cNvCxnSpPr>
+              <a:cxnSpLocks/>
+            </p:cNvCxnSpPr>
+            <p:nvPr/>
+          </p:nvCxnSpPr>
+          <p:spPr>
+            <a:xfrm flipH="1">
+              <a:off x="3425218" y="2206152"/>
+              <a:ext cx="86985" cy="100491"/>
+            </a:xfrm>
+            <a:prstGeom prst="line">
+              <a:avLst/>
+            </a:prstGeom>
+            <a:ln>
+              <a:solidFill>
+                <a:srgbClr val="FF5757"/>
+              </a:solidFill>
+            </a:ln>
+          </p:spPr>
+          <p:style>
+            <a:lnRef idx="1">
+              <a:schemeClr val="accent1"/>
+            </a:lnRef>
+            <a:fillRef idx="0">
+              <a:schemeClr val="accent1"/>
+            </a:fillRef>
+            <a:effectRef idx="0">
+              <a:schemeClr val="accent1"/>
+            </a:effectRef>
+            <a:fontRef idx="minor">
+              <a:schemeClr val="tx1"/>
+            </a:fontRef>
+          </p:style>
+        </p:cxnSp>
+        <p:cxnSp>
+          <p:nvCxnSpPr>
+            <p:cNvPr id="60" name="直接连接符 59">
+              <a:extLst>
+                <a:ext uri="{FF2B5EF4-FFF2-40B4-BE49-F238E27FC236}">
+                  <a16:creationId xmlns:a16="http://schemas.microsoft.com/office/drawing/2014/main" id="{C0EFC571-254E-46A4-AFF6-2F6CC0F15A21}"/>
+                </a:ext>
+              </a:extLst>
+            </p:cNvPr>
+            <p:cNvCxnSpPr>
+              <a:cxnSpLocks/>
+            </p:cNvCxnSpPr>
+            <p:nvPr/>
+          </p:nvCxnSpPr>
+          <p:spPr>
+            <a:xfrm flipH="1">
+              <a:off x="3355342" y="2213128"/>
+              <a:ext cx="73925" cy="93515"/>
+            </a:xfrm>
+            <a:prstGeom prst="line">
+              <a:avLst/>
+            </a:prstGeom>
+            <a:ln>
+              <a:solidFill>
+                <a:srgbClr val="FF5757"/>
+              </a:solidFill>
+            </a:ln>
+          </p:spPr>
+          <p:style>
+            <a:lnRef idx="1">
+              <a:schemeClr val="accent1"/>
+            </a:lnRef>
+            <a:fillRef idx="0">
+              <a:schemeClr val="accent1"/>
+            </a:fillRef>
+            <a:effectRef idx="0">
+              <a:schemeClr val="accent1"/>
+            </a:effectRef>
+            <a:fontRef idx="minor">
+              <a:schemeClr val="tx1"/>
+            </a:fontRef>
+          </p:style>
+        </p:cxnSp>
+        <p:cxnSp>
+          <p:nvCxnSpPr>
+            <p:cNvPr id="64" name="直接连接符 63">
+              <a:extLst>
+                <a:ext uri="{FF2B5EF4-FFF2-40B4-BE49-F238E27FC236}">
+                  <a16:creationId xmlns:a16="http://schemas.microsoft.com/office/drawing/2014/main" id="{A32C375F-A339-2805-BCF3-F66BD6D9D482}"/>
+                </a:ext>
+              </a:extLst>
+            </p:cNvPr>
+            <p:cNvCxnSpPr>
+              <a:cxnSpLocks/>
+            </p:cNvCxnSpPr>
+            <p:nvPr/>
+          </p:nvCxnSpPr>
+          <p:spPr>
+            <a:xfrm flipH="1">
+              <a:off x="3289515" y="2206151"/>
+              <a:ext cx="75893" cy="81284"/>
+            </a:xfrm>
+            <a:prstGeom prst="line">
+              <a:avLst/>
+            </a:prstGeom>
+            <a:ln>
+              <a:solidFill>
+                <a:srgbClr val="FF5757"/>
+              </a:solidFill>
+            </a:ln>
+          </p:spPr>
+          <p:style>
+            <a:lnRef idx="1">
+              <a:schemeClr val="accent1"/>
+            </a:lnRef>
+            <a:fillRef idx="0">
+              <a:schemeClr val="accent1"/>
+            </a:fillRef>
+            <a:effectRef idx="0">
+              <a:schemeClr val="accent1"/>
+            </a:effectRef>
+            <a:fontRef idx="minor">
+              <a:schemeClr val="tx1"/>
+            </a:fontRef>
+          </p:style>
+        </p:cxnSp>
+        <p:cxnSp>
+          <p:nvCxnSpPr>
+            <p:cNvPr id="66" name="直接连接符 65">
+              <a:extLst>
+                <a:ext uri="{FF2B5EF4-FFF2-40B4-BE49-F238E27FC236}">
+                  <a16:creationId xmlns:a16="http://schemas.microsoft.com/office/drawing/2014/main" id="{D38EF4EC-C63F-2EAF-8EB1-0DD371465F0B}"/>
+                </a:ext>
+              </a:extLst>
+            </p:cNvPr>
+            <p:cNvCxnSpPr>
+              <a:cxnSpLocks/>
+            </p:cNvCxnSpPr>
+            <p:nvPr/>
+          </p:nvCxnSpPr>
+          <p:spPr>
+            <a:xfrm flipH="1">
+              <a:off x="3242360" y="2213128"/>
+              <a:ext cx="36961" cy="53865"/>
+            </a:xfrm>
+            <a:prstGeom prst="line">
+              <a:avLst/>
+            </a:prstGeom>
+            <a:ln>
+              <a:solidFill>
+                <a:srgbClr val="FF5757"/>
+              </a:solidFill>
+            </a:ln>
+          </p:spPr>
+          <p:style>
+            <a:lnRef idx="1">
+              <a:schemeClr val="accent1"/>
+            </a:lnRef>
+            <a:fillRef idx="0">
+              <a:schemeClr val="accent1"/>
+            </a:fillRef>
+            <a:effectRef idx="0">
+              <a:schemeClr val="accent1"/>
+            </a:effectRef>
+            <a:fontRef idx="minor">
+              <a:schemeClr val="tx1"/>
+            </a:fontRef>
+          </p:style>
+        </p:cxnSp>
+        <p:cxnSp>
+          <p:nvCxnSpPr>
+            <p:cNvPr id="73" name="直接连接符 72">
+              <a:extLst>
+                <a:ext uri="{FF2B5EF4-FFF2-40B4-BE49-F238E27FC236}">
+                  <a16:creationId xmlns:a16="http://schemas.microsoft.com/office/drawing/2014/main" id="{ADF2D282-E2EC-03DA-ADA1-CDFB2165D717}"/>
+                </a:ext>
+              </a:extLst>
+            </p:cNvPr>
+            <p:cNvCxnSpPr>
+              <a:cxnSpLocks/>
+            </p:cNvCxnSpPr>
+            <p:nvPr/>
+          </p:nvCxnSpPr>
+          <p:spPr>
+            <a:xfrm flipH="1">
+              <a:off x="3173630" y="2207229"/>
+              <a:ext cx="34453" cy="34525"/>
+            </a:xfrm>
+            <a:prstGeom prst="line">
+              <a:avLst/>
+            </a:prstGeom>
+            <a:ln>
+              <a:solidFill>
+                <a:srgbClr val="FF5757"/>
+              </a:solidFill>
+            </a:ln>
+          </p:spPr>
+          <p:style>
+            <a:lnRef idx="1">
+              <a:schemeClr val="accent1"/>
+            </a:lnRef>
+            <a:fillRef idx="0">
+              <a:schemeClr val="accent1"/>
+            </a:fillRef>
+            <a:effectRef idx="0">
+              <a:schemeClr val="accent1"/>
+            </a:effectRef>
+            <a:fontRef idx="minor">
+              <a:schemeClr val="tx1"/>
+            </a:fontRef>
+          </p:style>
+        </p:cxnSp>
+        <p:cxnSp>
+          <p:nvCxnSpPr>
+            <p:cNvPr id="90" name="直接连接符 89">
+              <a:extLst>
+                <a:ext uri="{FF2B5EF4-FFF2-40B4-BE49-F238E27FC236}">
+                  <a16:creationId xmlns:a16="http://schemas.microsoft.com/office/drawing/2014/main" id="{43FAF1F0-5948-3449-CAE2-89C034C3F98F}"/>
+                </a:ext>
+              </a:extLst>
+            </p:cNvPr>
+            <p:cNvCxnSpPr>
+              <a:cxnSpLocks/>
+            </p:cNvCxnSpPr>
+            <p:nvPr/>
+          </p:nvCxnSpPr>
+          <p:spPr>
+            <a:xfrm flipH="1">
+              <a:off x="2615421" y="2057021"/>
+              <a:ext cx="146924" cy="153069"/>
+            </a:xfrm>
+            <a:prstGeom prst="line">
+              <a:avLst/>
+            </a:prstGeom>
+          </p:spPr>
+          <p:style>
+            <a:lnRef idx="1">
+              <a:schemeClr val="accent1"/>
+            </a:lnRef>
+            <a:fillRef idx="0">
+              <a:schemeClr val="accent1"/>
+            </a:fillRef>
+            <a:effectRef idx="0">
+              <a:schemeClr val="accent1"/>
+            </a:effectRef>
+            <a:fontRef idx="minor">
+              <a:schemeClr val="tx1"/>
+            </a:fontRef>
+          </p:style>
+        </p:cxnSp>
+        <p:cxnSp>
+          <p:nvCxnSpPr>
+            <p:cNvPr id="98" name="直接连接符 97">
+              <a:extLst>
+                <a:ext uri="{FF2B5EF4-FFF2-40B4-BE49-F238E27FC236}">
+                  <a16:creationId xmlns:a16="http://schemas.microsoft.com/office/drawing/2014/main" id="{B9E629FB-51D8-8B5F-0AE8-4394A942F887}"/>
+                </a:ext>
+              </a:extLst>
+            </p:cNvPr>
+            <p:cNvCxnSpPr>
+              <a:cxnSpLocks/>
+            </p:cNvCxnSpPr>
+            <p:nvPr/>
+          </p:nvCxnSpPr>
+          <p:spPr>
+            <a:xfrm flipH="1">
+              <a:off x="2918338" y="2162385"/>
+              <a:ext cx="40624" cy="45143"/>
+            </a:xfrm>
+            <a:prstGeom prst="line">
+              <a:avLst/>
+            </a:prstGeom>
+          </p:spPr>
+          <p:style>
+            <a:lnRef idx="1">
+              <a:schemeClr val="accent1"/>
+            </a:lnRef>
+            <a:fillRef idx="0">
+              <a:schemeClr val="accent1"/>
+            </a:fillRef>
+            <a:effectRef idx="0">
+              <a:schemeClr val="accent1"/>
+            </a:effectRef>
+            <a:fontRef idx="minor">
+              <a:schemeClr val="tx1"/>
+            </a:fontRef>
+          </p:style>
+        </p:cxnSp>
+        <p:cxnSp>
+          <p:nvCxnSpPr>
+            <p:cNvPr id="109" name="直接连接符 108">
+              <a:extLst>
+                <a:ext uri="{FF2B5EF4-FFF2-40B4-BE49-F238E27FC236}">
+                  <a16:creationId xmlns:a16="http://schemas.microsoft.com/office/drawing/2014/main" id="{C29CEE2A-0AEB-81E3-4C6E-6ACF824375CA}"/>
+                </a:ext>
+              </a:extLst>
+            </p:cNvPr>
+            <p:cNvCxnSpPr>
+              <a:cxnSpLocks/>
+            </p:cNvCxnSpPr>
+            <p:nvPr/>
+          </p:nvCxnSpPr>
+          <p:spPr>
+            <a:xfrm flipH="1">
+              <a:off x="2858002" y="2125207"/>
+              <a:ext cx="71429" cy="74308"/>
+            </a:xfrm>
+            <a:prstGeom prst="line">
+              <a:avLst/>
+            </a:prstGeom>
+          </p:spPr>
+          <p:style>
+            <a:lnRef idx="1">
+              <a:schemeClr val="accent1"/>
+            </a:lnRef>
+            <a:fillRef idx="0">
+              <a:schemeClr val="accent1"/>
+            </a:fillRef>
+            <a:effectRef idx="0">
+              <a:schemeClr val="accent1"/>
+            </a:effectRef>
+            <a:fontRef idx="minor">
+              <a:schemeClr val="tx1"/>
+            </a:fontRef>
+          </p:style>
+        </p:cxnSp>
+        <p:cxnSp>
+          <p:nvCxnSpPr>
+            <p:cNvPr id="116" name="直接连接符 115">
+              <a:extLst>
+                <a:ext uri="{FF2B5EF4-FFF2-40B4-BE49-F238E27FC236}">
+                  <a16:creationId xmlns:a16="http://schemas.microsoft.com/office/drawing/2014/main" id="{31385BC9-1527-861F-E5C2-FB000D48F78E}"/>
+                </a:ext>
+              </a:extLst>
+            </p:cNvPr>
+            <p:cNvCxnSpPr>
+              <a:cxnSpLocks/>
+            </p:cNvCxnSpPr>
+            <p:nvPr/>
+          </p:nvCxnSpPr>
+          <p:spPr>
+            <a:xfrm flipH="1">
+              <a:off x="2787948" y="2105941"/>
+              <a:ext cx="87220" cy="92162"/>
+            </a:xfrm>
+            <a:prstGeom prst="line">
+              <a:avLst/>
+            </a:prstGeom>
+          </p:spPr>
+          <p:style>
+            <a:lnRef idx="1">
+              <a:schemeClr val="accent1"/>
+            </a:lnRef>
+            <a:fillRef idx="0">
+              <a:schemeClr val="accent1"/>
+            </a:fillRef>
+            <a:effectRef idx="0">
+              <a:schemeClr val="accent1"/>
+            </a:effectRef>
+            <a:fontRef idx="minor">
+              <a:schemeClr val="tx1"/>
+            </a:fontRef>
+          </p:style>
+        </p:cxnSp>
+        <p:cxnSp>
+          <p:nvCxnSpPr>
+            <p:cNvPr id="118" name="直接连接符 117">
+              <a:extLst>
+                <a:ext uri="{FF2B5EF4-FFF2-40B4-BE49-F238E27FC236}">
+                  <a16:creationId xmlns:a16="http://schemas.microsoft.com/office/drawing/2014/main" id="{005DD819-E5FB-90B8-42C7-C747DC2E01B3}"/>
+                </a:ext>
+              </a:extLst>
+            </p:cNvPr>
+            <p:cNvCxnSpPr>
+              <a:cxnSpLocks/>
+            </p:cNvCxnSpPr>
+            <p:nvPr/>
+          </p:nvCxnSpPr>
+          <p:spPr>
+            <a:xfrm flipH="1">
+              <a:off x="2712215" y="2087256"/>
+              <a:ext cx="106187" cy="107703"/>
+            </a:xfrm>
+            <a:prstGeom prst="line">
+              <a:avLst/>
+            </a:prstGeom>
+          </p:spPr>
+          <p:style>
+            <a:lnRef idx="1">
+              <a:schemeClr val="accent1"/>
+            </a:lnRef>
+            <a:fillRef idx="0">
+              <a:schemeClr val="accent1"/>
+            </a:fillRef>
+            <a:effectRef idx="0">
+              <a:schemeClr val="accent1"/>
+            </a:effectRef>
+            <a:fontRef idx="minor">
+              <a:schemeClr val="tx1"/>
+            </a:fontRef>
+          </p:style>
+        </p:cxnSp>
+        <p:sp>
+          <p:nvSpPr>
+            <p:cNvPr id="152" name="文本框 9">
+              <a:extLst>
+                <a:ext uri="{FF2B5EF4-FFF2-40B4-BE49-F238E27FC236}">
+                  <a16:creationId xmlns:a16="http://schemas.microsoft.com/office/drawing/2014/main" id="{C59EB463-58EA-9032-7E0B-7E801894CD08}"/>
+                </a:ext>
+              </a:extLst>
+            </p:cNvPr>
+            <p:cNvSpPr txBox="1"/>
+            <p:nvPr/>
+          </p:nvSpPr>
+          <p:spPr>
+            <a:xfrm>
+              <a:off x="2611641" y="2366130"/>
+              <a:ext cx="934871" cy="276999"/>
+            </a:xfrm>
+            <a:prstGeom prst="rect">
+              <a:avLst/>
+            </a:prstGeom>
+            <a:noFill/>
+          </p:spPr>
+          <p:txBody>
+            <a:bodyPr wrap="none" rtlCol="0">
+              <a:spAutoFit/>
+            </a:bodyPr>
+            <a:lstStyle/>
+            <a:p>
+              <a:r>
+                <a:rPr lang="en-US" altLang="zh-CN" sz="1200" dirty="0">
+                  <a:cs typeface="Times New Roman" panose="02020603050405020304" pitchFamily="18" charset="0"/>
+                </a:rPr>
+                <a:t>Negative (-)</a:t>
+              </a:r>
+              <a:endParaRPr lang="zh-CN" altLang="en-US" sz="1200" baseline="-25000" dirty="0">
+                <a:cs typeface="Times New Roman" panose="02020603050405020304" pitchFamily="18" charset="0"/>
+              </a:endParaRPr>
+            </a:p>
+          </p:txBody>
+        </p:sp>
+        <p:cxnSp>
+          <p:nvCxnSpPr>
+            <p:cNvPr id="153" name="直接箭头连接符 152">
+              <a:extLst>
+                <a:ext uri="{FF2B5EF4-FFF2-40B4-BE49-F238E27FC236}">
+                  <a16:creationId xmlns:a16="http://schemas.microsoft.com/office/drawing/2014/main" id="{5C7A4089-950A-0732-EB86-A071A3A945C2}"/>
+                </a:ext>
+              </a:extLst>
+            </p:cNvPr>
+            <p:cNvCxnSpPr>
+              <a:cxnSpLocks/>
+            </p:cNvCxnSpPr>
+            <p:nvPr/>
+          </p:nvCxnSpPr>
+          <p:spPr>
+            <a:xfrm flipV="1">
+              <a:off x="3158517" y="2243830"/>
+              <a:ext cx="271356" cy="216681"/>
+            </a:xfrm>
+            <a:prstGeom prst="straightConnector1">
+              <a:avLst/>
+            </a:prstGeom>
+            <a:ln w="12700">
+              <a:solidFill>
+                <a:schemeClr val="tx1"/>
+              </a:solidFill>
+              <a:prstDash val="lgDash"/>
+              <a:tailEnd type="triangle"/>
+            </a:ln>
+          </p:spPr>
+          <p:style>
+            <a:lnRef idx="1">
+              <a:schemeClr val="accent1"/>
+            </a:lnRef>
+            <a:fillRef idx="0">
+              <a:schemeClr val="accent1"/>
+            </a:fillRef>
+            <a:effectRef idx="0">
+              <a:schemeClr val="accent1"/>
+            </a:effectRef>
+            <a:fontRef idx="minor">
+              <a:schemeClr val="tx1"/>
+            </a:fontRef>
+          </p:style>
+        </p:cxnSp>
+        <p:sp>
+          <p:nvSpPr>
+            <p:cNvPr id="154" name="文本框 9">
+              <a:extLst>
+                <a:ext uri="{FF2B5EF4-FFF2-40B4-BE49-F238E27FC236}">
+                  <a16:creationId xmlns:a16="http://schemas.microsoft.com/office/drawing/2014/main" id="{0D308A44-2558-F0D1-9F8B-E88B3804A501}"/>
+                </a:ext>
+              </a:extLst>
+            </p:cNvPr>
+            <p:cNvSpPr txBox="1"/>
+            <p:nvPr/>
+          </p:nvSpPr>
+          <p:spPr>
+            <a:xfrm>
+              <a:off x="2756887" y="1784823"/>
+              <a:ext cx="909223" cy="276999"/>
+            </a:xfrm>
+            <a:prstGeom prst="rect">
+              <a:avLst/>
+            </a:prstGeom>
+            <a:noFill/>
+          </p:spPr>
+          <p:txBody>
+            <a:bodyPr wrap="none" rtlCol="0">
+              <a:spAutoFit/>
+            </a:bodyPr>
+            <a:lstStyle/>
+            <a:p>
+              <a:r>
+                <a:rPr lang="en-US" altLang="zh-CN" sz="1200" dirty="0">
+                  <a:cs typeface="Times New Roman" panose="02020603050405020304" pitchFamily="18" charset="0"/>
+                </a:rPr>
+                <a:t>Positive (+)</a:t>
+              </a:r>
+              <a:endParaRPr lang="zh-CN" altLang="en-US" sz="1200" baseline="-25000" dirty="0">
+                <a:cs typeface="Times New Roman" panose="02020603050405020304" pitchFamily="18" charset="0"/>
+              </a:endParaRPr>
+            </a:p>
+          </p:txBody>
+        </p:sp>
+        <p:cxnSp>
+          <p:nvCxnSpPr>
+            <p:cNvPr id="155" name="直接箭头连接符 154">
+              <a:extLst>
+                <a:ext uri="{FF2B5EF4-FFF2-40B4-BE49-F238E27FC236}">
+                  <a16:creationId xmlns:a16="http://schemas.microsoft.com/office/drawing/2014/main" id="{C061DE33-60D1-5645-D4E3-7279BE959608}"/>
+                </a:ext>
+              </a:extLst>
+            </p:cNvPr>
+            <p:cNvCxnSpPr>
+              <a:cxnSpLocks/>
+            </p:cNvCxnSpPr>
+            <p:nvPr/>
+          </p:nvCxnSpPr>
+          <p:spPr>
+            <a:xfrm flipH="1">
+              <a:off x="2765047" y="2029933"/>
+              <a:ext cx="224523" cy="131674"/>
+            </a:xfrm>
+            <a:prstGeom prst="straightConnector1">
+              <a:avLst/>
+            </a:prstGeom>
+            <a:ln w="12700">
+              <a:solidFill>
+                <a:schemeClr val="tx1"/>
+              </a:solidFill>
+              <a:prstDash val="lgDash"/>
+              <a:tailEnd type="triangle"/>
+            </a:ln>
+          </p:spPr>
+          <p:style>
+            <a:lnRef idx="1">
+              <a:schemeClr val="accent1"/>
+            </a:lnRef>
+            <a:fillRef idx="0">
+              <a:schemeClr val="accent1"/>
+            </a:fillRef>
+            <a:effectRef idx="0">
+              <a:schemeClr val="accent1"/>
+            </a:effectRef>
+            <a:fontRef idx="minor">
+              <a:schemeClr val="tx1"/>
+            </a:fontRef>
+          </p:style>
+        </p:cxnSp>
+        <p:sp>
+          <p:nvSpPr>
+            <p:cNvPr id="160" name="文本框 159">
+              <a:extLst>
+                <a:ext uri="{FF2B5EF4-FFF2-40B4-BE49-F238E27FC236}">
+                  <a16:creationId xmlns:a16="http://schemas.microsoft.com/office/drawing/2014/main" id="{5EFE072F-A6F5-FAD4-231E-B0E79B915055}"/>
+                </a:ext>
+              </a:extLst>
+            </p:cNvPr>
+            <p:cNvSpPr txBox="1"/>
+            <p:nvPr/>
+          </p:nvSpPr>
+          <p:spPr>
+            <a:xfrm>
+              <a:off x="1859139" y="3970465"/>
+              <a:ext cx="522900" cy="338554"/>
+            </a:xfrm>
+            <a:prstGeom prst="rect">
+              <a:avLst/>
+            </a:prstGeom>
+            <a:noFill/>
+          </p:spPr>
+          <p:txBody>
+            <a:bodyPr wrap="none" rtlCol="0">
+              <a:spAutoFit/>
+            </a:bodyPr>
+            <a:lstStyle/>
+            <a:p>
+              <a:r>
+                <a:rPr lang="en-US" altLang="zh-CN" sz="1600" dirty="0">
+                  <a:cs typeface="Times New Roman" panose="02020603050405020304" pitchFamily="18" charset="0"/>
+                </a:rPr>
+                <a:t>t [s]</a:t>
+              </a:r>
+              <a:endParaRPr lang="zh-CN" altLang="en-US" sz="1600" dirty="0">
+                <a:cs typeface="Times New Roman" panose="02020603050405020304" pitchFamily="18" charset="0"/>
+              </a:endParaRPr>
+            </a:p>
+          </p:txBody>
+        </p:sp>
+        <mc:AlternateContent xmlns:mc="http://schemas.openxmlformats.org/markup-compatibility/2006">
+          <mc:Choice xmlns:a14="http://schemas.microsoft.com/office/drawing/2010/main" Requires="a14">
+            <p:sp>
+              <p:nvSpPr>
+                <p:cNvPr id="2" name="文本框 1">
+                  <a:extLst>
+                    <a:ext uri="{FF2B5EF4-FFF2-40B4-BE49-F238E27FC236}">
+                      <a16:creationId xmlns:a16="http://schemas.microsoft.com/office/drawing/2014/main" id="{DEE695CA-3BA0-2BA9-349A-F58C5C2C7377}"/>
+                    </a:ext>
+                  </a:extLst>
+                </p:cNvPr>
+                <p:cNvSpPr txBox="1"/>
+                <p:nvPr/>
+              </p:nvSpPr>
+              <p:spPr>
+                <a:xfrm>
+                  <a:off x="2267129" y="442678"/>
+                  <a:ext cx="371705" cy="222369"/>
+                </a:xfrm>
+                <a:prstGeom prst="rect">
+                  <a:avLst/>
+                </a:prstGeom>
+                <a:noFill/>
+              </p:spPr>
+              <p:txBody>
+                <a:bodyPr wrap="none" lIns="0" tIns="0" rIns="0" bIns="0" rtlCol="0">
+                  <a:spAutoFit/>
+                </a:bodyPr>
+                <a:lstStyle/>
+                <a:p>
+                  <a:pPr/>
+                  <a14:m>
+                    <m:oMathPara xmlns:m="http://schemas.openxmlformats.org/officeDocument/2006/math">
+                      <m:oMathParaPr>
+                        <m:jc m:val="centerGroup"/>
+                      </m:oMathParaPr>
+                      <m:oMath xmlns:m="http://schemas.openxmlformats.org/officeDocument/2006/math">
+                        <m:sSup>
+                          <m:sSupPr>
+                            <m:ctrlPr>
+                              <a:rPr lang="en-US" altLang="zh-CN" sz="1400" i="1" smtClean="0">
+                                <a:latin typeface="Cambria Math" panose="02040503050406030204" pitchFamily="18" charset="0"/>
+                              </a:rPr>
+                            </m:ctrlPr>
+                          </m:sSupPr>
+                          <m:e>
+                            <m:r>
+                              <a:rPr lang="en-US" altLang="zh-CN" sz="1400" i="1">
+                                <a:latin typeface="Cambria Math" panose="02040503050406030204" pitchFamily="18" charset="0"/>
+                              </a:rPr>
+                              <m:t>𝑝</m:t>
+                            </m:r>
+                          </m:e>
+                          <m:sup>
+                            <m:r>
+                              <a:rPr lang="en-US" altLang="zh-CN" sz="1400" b="0" i="1" smtClean="0">
+                                <a:latin typeface="Cambria Math" panose="02040503050406030204" pitchFamily="18" charset="0"/>
+                              </a:rPr>
+                              <m:t>𝑖</m:t>
+                            </m:r>
+                            <m:r>
+                              <a:rPr lang="en-US" altLang="zh-CN" sz="1400" b="0" i="1" smtClean="0">
+                                <a:latin typeface="Cambria Math" panose="02040503050406030204" pitchFamily="18" charset="0"/>
+                              </a:rPr>
+                              <m:t>+1</m:t>
+                            </m:r>
+                          </m:sup>
+                        </m:sSup>
+                      </m:oMath>
+                    </m:oMathPara>
+                  </a14:m>
+                  <a:endParaRPr lang="zh-CN" altLang="en-US" sz="1400" dirty="0"/>
+                </a:p>
+              </p:txBody>
+            </p:sp>
+          </mc:Choice>
+          <mc:Fallback>
+            <p:sp>
+              <p:nvSpPr>
+                <p:cNvPr id="2" name="文本框 1">
+                  <a:extLst>
+                    <a:ext uri="{FF2B5EF4-FFF2-40B4-BE49-F238E27FC236}">
+                      <a16:creationId xmlns:a16="http://schemas.microsoft.com/office/drawing/2014/main" id="{DEE695CA-3BA0-2BA9-349A-F58C5C2C7377}"/>
+                    </a:ext>
+                  </a:extLst>
+                </p:cNvPr>
+                <p:cNvSpPr txBox="1">
+                  <a:spLocks noRot="1" noChangeAspect="1" noMove="1" noResize="1" noEditPoints="1" noAdjustHandles="1" noChangeArrowheads="1" noChangeShapeType="1" noTextEdit="1"/>
+                </p:cNvSpPr>
+                <p:nvPr/>
+              </p:nvSpPr>
+              <p:spPr>
+                <a:xfrm>
+                  <a:off x="2267129" y="442678"/>
+                  <a:ext cx="371705" cy="222369"/>
+                </a:xfrm>
+                <a:prstGeom prst="rect">
+                  <a:avLst/>
+                </a:prstGeom>
+                <a:blipFill>
+                  <a:blip r:embed="rId11"/>
+                  <a:stretch>
+                    <a:fillRect l="-9836" r="-3279" b="-24324"/>
+                  </a:stretch>
+                </a:blipFill>
+              </p:spPr>
+              <p:txBody>
+                <a:bodyPr/>
+                <a:lstStyle/>
+                <a:p>
+                  <a:r>
+                    <a:rPr lang="zh-CN" altLang="en-US">
+                      <a:noFill/>
+                    </a:rPr>
+                    <a:t> </a:t>
+                  </a:r>
+                </a:p>
+              </p:txBody>
+            </p:sp>
+          </mc:Fallback>
+        </mc:AlternateContent>
+        <mc:AlternateContent xmlns:mc="http://schemas.openxmlformats.org/markup-compatibility/2006">
+          <mc:Choice xmlns:a14="http://schemas.microsoft.com/office/drawing/2010/main" Requires="a14">
+            <p:sp>
+              <p:nvSpPr>
+                <p:cNvPr id="14" name="文本框 13">
+                  <a:extLst>
+                    <a:ext uri="{FF2B5EF4-FFF2-40B4-BE49-F238E27FC236}">
+                      <a16:creationId xmlns:a16="http://schemas.microsoft.com/office/drawing/2014/main" id="{0BAE1BE4-E3E4-C7D9-19B3-63239521C791}"/>
+                    </a:ext>
+                  </a:extLst>
+                </p:cNvPr>
+                <p:cNvSpPr txBox="1"/>
+                <p:nvPr/>
+              </p:nvSpPr>
+              <p:spPr>
+                <a:xfrm>
+                  <a:off x="2572599" y="3653768"/>
+                  <a:ext cx="372153" cy="222369"/>
+                </a:xfrm>
+                <a:prstGeom prst="rect">
+                  <a:avLst/>
+                </a:prstGeom>
+                <a:noFill/>
+              </p:spPr>
+              <p:txBody>
+                <a:bodyPr wrap="none" lIns="0" tIns="0" rIns="0" bIns="0" rtlCol="0">
+                  <a:spAutoFit/>
+                </a:bodyPr>
+                <a:lstStyle/>
+                <a:p>
+                  <a:pPr/>
+                  <a14:m>
+                    <m:oMathPara xmlns:m="http://schemas.openxmlformats.org/officeDocument/2006/math">
+                      <m:oMathParaPr>
+                        <m:jc m:val="centerGroup"/>
+                      </m:oMathParaPr>
+                      <m:oMath xmlns:m="http://schemas.openxmlformats.org/officeDocument/2006/math">
+                        <m:sSup>
+                          <m:sSupPr>
+                            <m:ctrlPr>
+                              <a:rPr lang="en-US" altLang="zh-CN" sz="1400" i="1" smtClean="0">
+                                <a:latin typeface="Cambria Math" panose="02040503050406030204" pitchFamily="18" charset="0"/>
+                              </a:rPr>
+                            </m:ctrlPr>
+                          </m:sSupPr>
+                          <m:e>
+                            <m:r>
+                              <a:rPr lang="en-US" altLang="zh-CN" sz="1400" b="0" i="1" smtClean="0">
+                                <a:latin typeface="Cambria Math" panose="02040503050406030204" pitchFamily="18" charset="0"/>
+                              </a:rPr>
+                              <m:t>𝑎</m:t>
+                            </m:r>
+                          </m:e>
+                          <m:sup>
+                            <m:r>
+                              <a:rPr lang="en-US" altLang="zh-CN" sz="1400" b="0" i="1" smtClean="0">
+                                <a:latin typeface="Cambria Math" panose="02040503050406030204" pitchFamily="18" charset="0"/>
+                              </a:rPr>
+                              <m:t>𝑖</m:t>
+                            </m:r>
+                            <m:r>
+                              <a:rPr lang="en-US" altLang="zh-CN" sz="1400" b="0" i="1" smtClean="0">
+                                <a:latin typeface="Cambria Math" panose="02040503050406030204" pitchFamily="18" charset="0"/>
+                              </a:rPr>
+                              <m:t>+1</m:t>
+                            </m:r>
+                          </m:sup>
+                        </m:sSup>
+                      </m:oMath>
+                    </m:oMathPara>
+                  </a14:m>
+                  <a:endParaRPr lang="zh-CN" altLang="en-US" sz="1400" dirty="0"/>
+                </a:p>
+              </p:txBody>
+            </p:sp>
+          </mc:Choice>
+          <mc:Fallback>
+            <p:sp>
+              <p:nvSpPr>
+                <p:cNvPr id="14" name="文本框 13">
+                  <a:extLst>
+                    <a:ext uri="{FF2B5EF4-FFF2-40B4-BE49-F238E27FC236}">
+                      <a16:creationId xmlns:a16="http://schemas.microsoft.com/office/drawing/2014/main" id="{0BAE1BE4-E3E4-C7D9-19B3-63239521C791}"/>
+                    </a:ext>
+                  </a:extLst>
+                </p:cNvPr>
+                <p:cNvSpPr txBox="1">
+                  <a:spLocks noRot="1" noChangeAspect="1" noMove="1" noResize="1" noEditPoints="1" noAdjustHandles="1" noChangeArrowheads="1" noChangeShapeType="1" noTextEdit="1"/>
+                </p:cNvSpPr>
+                <p:nvPr/>
+              </p:nvSpPr>
+              <p:spPr>
+                <a:xfrm>
+                  <a:off x="2572599" y="3653768"/>
+                  <a:ext cx="372153" cy="222369"/>
+                </a:xfrm>
+                <a:prstGeom prst="rect">
+                  <a:avLst/>
+                </a:prstGeom>
+                <a:blipFill>
+                  <a:blip r:embed="rId12"/>
+                  <a:stretch>
+                    <a:fillRect l="-6557" r="-3279"/>
+                  </a:stretch>
+                </a:blipFill>
+              </p:spPr>
+              <p:txBody>
+                <a:bodyPr/>
+                <a:lstStyle/>
+                <a:p>
+                  <a:r>
+                    <a:rPr lang="zh-CN" altLang="en-US">
+                      <a:noFill/>
+                    </a:rPr>
+                    <a:t> </a:t>
+                  </a:r>
+                </a:p>
+              </p:txBody>
+            </p:sp>
+          </mc:Fallback>
+        </mc:AlternateContent>
+        <mc:AlternateContent xmlns:mc="http://schemas.openxmlformats.org/markup-compatibility/2006">
+          <mc:Choice xmlns:a14="http://schemas.microsoft.com/office/drawing/2010/main" Requires="a14">
+            <p:sp>
+              <p:nvSpPr>
+                <p:cNvPr id="16" name="文本框 15">
+                  <a:extLst>
+                    <a:ext uri="{FF2B5EF4-FFF2-40B4-BE49-F238E27FC236}">
+                      <a16:creationId xmlns:a16="http://schemas.microsoft.com/office/drawing/2014/main" id="{C277190D-E46E-5E89-66C6-72E83CDF7217}"/>
+                    </a:ext>
+                  </a:extLst>
+                </p:cNvPr>
+                <p:cNvSpPr txBox="1"/>
+                <p:nvPr/>
+              </p:nvSpPr>
+              <p:spPr>
+                <a:xfrm>
+                  <a:off x="1271398" y="2887365"/>
+                  <a:ext cx="201787" cy="222369"/>
+                </a:xfrm>
+                <a:prstGeom prst="rect">
+                  <a:avLst/>
+                </a:prstGeom>
+                <a:noFill/>
+              </p:spPr>
+              <p:txBody>
+                <a:bodyPr wrap="none" lIns="0" tIns="0" rIns="0" bIns="0" rtlCol="0">
+                  <a:spAutoFit/>
+                </a:bodyPr>
+                <a:lstStyle/>
+                <a:p>
+                  <a:pPr/>
+                  <a14:m>
+                    <m:oMathPara xmlns:m="http://schemas.openxmlformats.org/officeDocument/2006/math">
+                      <m:oMathParaPr>
+                        <m:jc m:val="centerGroup"/>
+                      </m:oMathParaPr>
+                      <m:oMath xmlns:m="http://schemas.openxmlformats.org/officeDocument/2006/math">
+                        <m:sSup>
+                          <m:sSupPr>
+                            <m:ctrlPr>
+                              <a:rPr lang="en-US" altLang="zh-CN" sz="1400" i="1" smtClean="0">
+                                <a:latin typeface="Cambria Math" panose="02040503050406030204" pitchFamily="18" charset="0"/>
+                              </a:rPr>
+                            </m:ctrlPr>
+                          </m:sSupPr>
+                          <m:e>
+                            <m:r>
+                              <a:rPr lang="en-US" altLang="zh-CN" sz="1400" b="0" i="1" smtClean="0">
+                                <a:latin typeface="Cambria Math" panose="02040503050406030204" pitchFamily="18" charset="0"/>
+                              </a:rPr>
+                              <m:t>𝑎</m:t>
+                            </m:r>
+                          </m:e>
+                          <m:sup>
+                            <m:r>
+                              <a:rPr lang="en-US" altLang="zh-CN" sz="1400" b="0" i="1" smtClean="0">
+                                <a:latin typeface="Cambria Math" panose="02040503050406030204" pitchFamily="18" charset="0"/>
+                              </a:rPr>
+                              <m:t>𝑖</m:t>
+                            </m:r>
+                          </m:sup>
+                        </m:sSup>
+                      </m:oMath>
+                    </m:oMathPara>
+                  </a14:m>
+                  <a:endParaRPr lang="zh-CN" altLang="en-US" sz="1400" dirty="0"/>
+                </a:p>
+              </p:txBody>
+            </p:sp>
+          </mc:Choice>
+          <mc:Fallback>
+            <p:sp>
+              <p:nvSpPr>
+                <p:cNvPr id="16" name="文本框 15">
+                  <a:extLst>
+                    <a:ext uri="{FF2B5EF4-FFF2-40B4-BE49-F238E27FC236}">
+                      <a16:creationId xmlns:a16="http://schemas.microsoft.com/office/drawing/2014/main" id="{C277190D-E46E-5E89-66C6-72E83CDF7217}"/>
+                    </a:ext>
+                  </a:extLst>
+                </p:cNvPr>
+                <p:cNvSpPr txBox="1">
+                  <a:spLocks noRot="1" noChangeAspect="1" noMove="1" noResize="1" noEditPoints="1" noAdjustHandles="1" noChangeArrowheads="1" noChangeShapeType="1" noTextEdit="1"/>
+                </p:cNvSpPr>
+                <p:nvPr/>
+              </p:nvSpPr>
+              <p:spPr>
+                <a:xfrm>
+                  <a:off x="1271398" y="2887365"/>
+                  <a:ext cx="201787" cy="222369"/>
+                </a:xfrm>
+                <a:prstGeom prst="rect">
+                  <a:avLst/>
+                </a:prstGeom>
+                <a:blipFill>
+                  <a:blip r:embed="rId13"/>
+                  <a:stretch>
+                    <a:fillRect l="-15152" r="-3030"/>
+                  </a:stretch>
+                </a:blipFill>
+              </p:spPr>
+              <p:txBody>
+                <a:bodyPr/>
+                <a:lstStyle/>
+                <a:p>
+                  <a:r>
+                    <a:rPr lang="zh-CN" altLang="en-US">
+                      <a:noFill/>
+                    </a:rPr>
+                    <a:t> </a:t>
+                  </a:r>
+                </a:p>
+              </p:txBody>
+            </p:sp>
+          </mc:Fallback>
+        </mc:AlternateContent>
+        <mc:AlternateContent xmlns:mc="http://schemas.openxmlformats.org/markup-compatibility/2006">
+          <mc:Choice xmlns:a14="http://schemas.microsoft.com/office/drawing/2010/main" Requires="a14">
+            <p:sp>
+              <p:nvSpPr>
+                <p:cNvPr id="17" name="文本框 16">
+                  <a:extLst>
+                    <a:ext uri="{FF2B5EF4-FFF2-40B4-BE49-F238E27FC236}">
+                      <a16:creationId xmlns:a16="http://schemas.microsoft.com/office/drawing/2014/main" id="{4F98AA88-8F9C-EFA1-8492-2F002C288AD9}"/>
+                    </a:ext>
+                  </a:extLst>
+                </p:cNvPr>
+                <p:cNvSpPr txBox="1"/>
+                <p:nvPr/>
+              </p:nvSpPr>
+              <p:spPr>
+                <a:xfrm>
+                  <a:off x="1251830" y="1900900"/>
+                  <a:ext cx="206787" cy="222369"/>
+                </a:xfrm>
+                <a:prstGeom prst="rect">
+                  <a:avLst/>
+                </a:prstGeom>
+                <a:noFill/>
+              </p:spPr>
+              <p:txBody>
+                <a:bodyPr wrap="none" lIns="0" tIns="0" rIns="0" bIns="0" rtlCol="0">
+                  <a:spAutoFit/>
+                </a:bodyPr>
+                <a:lstStyle/>
+                <a:p>
+                  <a:pPr/>
+                  <a14:m>
+                    <m:oMathPara xmlns:m="http://schemas.openxmlformats.org/officeDocument/2006/math">
+                      <m:oMathParaPr>
+                        <m:jc m:val="centerGroup"/>
+                      </m:oMathParaPr>
+                      <m:oMath xmlns:m="http://schemas.openxmlformats.org/officeDocument/2006/math">
+                        <m:sSup>
+                          <m:sSupPr>
+                            <m:ctrlPr>
+                              <a:rPr lang="en-US" altLang="zh-CN" sz="1400" i="1" smtClean="0">
+                                <a:latin typeface="Cambria Math" panose="02040503050406030204" pitchFamily="18" charset="0"/>
+                              </a:rPr>
+                            </m:ctrlPr>
+                          </m:sSupPr>
+                          <m:e>
+                            <m:r>
+                              <a:rPr lang="en-US" altLang="zh-CN" sz="1400" b="0" i="1" smtClean="0">
+                                <a:latin typeface="Cambria Math" panose="02040503050406030204" pitchFamily="18" charset="0"/>
+                              </a:rPr>
+                              <m:t>𝑣</m:t>
+                            </m:r>
+                          </m:e>
+                          <m:sup>
+                            <m:r>
+                              <a:rPr lang="en-US" altLang="zh-CN" sz="1400" b="0" i="1" smtClean="0">
+                                <a:latin typeface="Cambria Math" panose="02040503050406030204" pitchFamily="18" charset="0"/>
+                              </a:rPr>
+                              <m:t>𝑖</m:t>
+                            </m:r>
+                          </m:sup>
+                        </m:sSup>
+                      </m:oMath>
+                    </m:oMathPara>
+                  </a14:m>
+                  <a:endParaRPr lang="zh-CN" altLang="en-US" sz="1400" dirty="0"/>
+                </a:p>
+              </p:txBody>
+            </p:sp>
+          </mc:Choice>
+          <mc:Fallback>
+            <p:sp>
+              <p:nvSpPr>
+                <p:cNvPr id="17" name="文本框 16">
+                  <a:extLst>
+                    <a:ext uri="{FF2B5EF4-FFF2-40B4-BE49-F238E27FC236}">
+                      <a16:creationId xmlns:a16="http://schemas.microsoft.com/office/drawing/2014/main" id="{4F98AA88-8F9C-EFA1-8492-2F002C288AD9}"/>
+                    </a:ext>
+                  </a:extLst>
+                </p:cNvPr>
+                <p:cNvSpPr txBox="1">
+                  <a:spLocks noRot="1" noChangeAspect="1" noMove="1" noResize="1" noEditPoints="1" noAdjustHandles="1" noChangeArrowheads="1" noChangeShapeType="1" noTextEdit="1"/>
+                </p:cNvSpPr>
+                <p:nvPr/>
+              </p:nvSpPr>
+              <p:spPr>
+                <a:xfrm>
+                  <a:off x="1251830" y="1900900"/>
+                  <a:ext cx="206787" cy="222369"/>
+                </a:xfrm>
+                <a:prstGeom prst="rect">
+                  <a:avLst/>
+                </a:prstGeom>
+                <a:blipFill>
+                  <a:blip r:embed="rId14"/>
+                  <a:stretch>
+                    <a:fillRect l="-15152" r="-6061"/>
+                  </a:stretch>
+                </a:blipFill>
+              </p:spPr>
+              <p:txBody>
+                <a:bodyPr/>
+                <a:lstStyle/>
+                <a:p>
+                  <a:r>
+                    <a:rPr lang="zh-CN" altLang="en-US">
+                      <a:noFill/>
+                    </a:rPr>
+                    <a:t> </a:t>
+                  </a:r>
+                </a:p>
+              </p:txBody>
+            </p:sp>
+          </mc:Fallback>
+        </mc:AlternateContent>
+        <mc:AlternateContent xmlns:mc="http://schemas.openxmlformats.org/markup-compatibility/2006">
+          <mc:Choice xmlns:a14="http://schemas.microsoft.com/office/drawing/2010/main" Requires="a14">
+            <p:sp>
+              <p:nvSpPr>
+                <p:cNvPr id="18" name="文本框 17">
+                  <a:extLst>
+                    <a:ext uri="{FF2B5EF4-FFF2-40B4-BE49-F238E27FC236}">
+                      <a16:creationId xmlns:a16="http://schemas.microsoft.com/office/drawing/2014/main" id="{CAB23823-E35B-C694-6F95-6B7297293574}"/>
+                    </a:ext>
+                  </a:extLst>
+                </p:cNvPr>
+                <p:cNvSpPr txBox="1"/>
+                <p:nvPr/>
+              </p:nvSpPr>
+              <p:spPr>
+                <a:xfrm>
+                  <a:off x="2257869" y="1754160"/>
+                  <a:ext cx="376706" cy="222369"/>
+                </a:xfrm>
+                <a:prstGeom prst="rect">
+                  <a:avLst/>
+                </a:prstGeom>
+                <a:noFill/>
+              </p:spPr>
+              <p:txBody>
+                <a:bodyPr wrap="none" lIns="0" tIns="0" rIns="0" bIns="0" rtlCol="0">
+                  <a:spAutoFit/>
+                </a:bodyPr>
+                <a:lstStyle/>
+                <a:p>
+                  <a:pPr/>
+                  <a14:m>
+                    <m:oMathPara xmlns:m="http://schemas.openxmlformats.org/officeDocument/2006/math">
+                      <m:oMathParaPr>
+                        <m:jc m:val="centerGroup"/>
+                      </m:oMathParaPr>
+                      <m:oMath xmlns:m="http://schemas.openxmlformats.org/officeDocument/2006/math">
+                        <m:sSup>
+                          <m:sSupPr>
+                            <m:ctrlPr>
+                              <a:rPr lang="en-US" altLang="zh-CN" sz="1400" i="1" smtClean="0">
+                                <a:latin typeface="Cambria Math" panose="02040503050406030204" pitchFamily="18" charset="0"/>
+                              </a:rPr>
+                            </m:ctrlPr>
+                          </m:sSupPr>
+                          <m:e>
+                            <m:r>
+                              <a:rPr lang="en-US" altLang="zh-CN" sz="1400" b="0" i="1" smtClean="0">
+                                <a:latin typeface="Cambria Math" panose="02040503050406030204" pitchFamily="18" charset="0"/>
+                              </a:rPr>
+                              <m:t>𝑣</m:t>
+                            </m:r>
+                          </m:e>
+                          <m:sup>
+                            <m:r>
+                              <a:rPr lang="en-US" altLang="zh-CN" sz="1400" b="0" i="1" smtClean="0">
+                                <a:latin typeface="Cambria Math" panose="02040503050406030204" pitchFamily="18" charset="0"/>
+                              </a:rPr>
+                              <m:t>𝑖</m:t>
+                            </m:r>
+                            <m:r>
+                              <a:rPr lang="en-US" altLang="zh-CN" sz="1400" b="0" i="1" smtClean="0">
+                                <a:latin typeface="Cambria Math" panose="02040503050406030204" pitchFamily="18" charset="0"/>
+                              </a:rPr>
+                              <m:t>+1</m:t>
+                            </m:r>
+                          </m:sup>
+                        </m:sSup>
+                      </m:oMath>
+                    </m:oMathPara>
+                  </a14:m>
+                  <a:endParaRPr lang="zh-CN" altLang="en-US" sz="1400" dirty="0"/>
+                </a:p>
+              </p:txBody>
+            </p:sp>
+          </mc:Choice>
+          <mc:Fallback>
+            <p:sp>
+              <p:nvSpPr>
+                <p:cNvPr id="18" name="文本框 17">
+                  <a:extLst>
+                    <a:ext uri="{FF2B5EF4-FFF2-40B4-BE49-F238E27FC236}">
+                      <a16:creationId xmlns:a16="http://schemas.microsoft.com/office/drawing/2014/main" id="{CAB23823-E35B-C694-6F95-6B7297293574}"/>
+                    </a:ext>
+                  </a:extLst>
+                </p:cNvPr>
+                <p:cNvSpPr txBox="1">
+                  <a:spLocks noRot="1" noChangeAspect="1" noMove="1" noResize="1" noEditPoints="1" noAdjustHandles="1" noChangeArrowheads="1" noChangeShapeType="1" noTextEdit="1"/>
+                </p:cNvSpPr>
+                <p:nvPr/>
+              </p:nvSpPr>
+              <p:spPr>
+                <a:xfrm>
+                  <a:off x="2257869" y="1754160"/>
+                  <a:ext cx="376706" cy="222369"/>
+                </a:xfrm>
+                <a:prstGeom prst="rect">
+                  <a:avLst/>
+                </a:prstGeom>
+                <a:blipFill>
+                  <a:blip r:embed="rId15"/>
+                  <a:stretch>
+                    <a:fillRect l="-6557" r="-4918"/>
+                  </a:stretch>
+                </a:blipFill>
+              </p:spPr>
+              <p:txBody>
+                <a:bodyPr/>
+                <a:lstStyle/>
+                <a:p>
+                  <a:r>
+                    <a:rPr lang="zh-CN" altLang="en-US">
+                      <a:noFill/>
+                    </a:rPr>
+                    <a:t> </a:t>
+                  </a:r>
+                </a:p>
+              </p:txBody>
+            </p:sp>
+          </mc:Fallback>
+        </mc:AlternateContent>
+        <p:sp>
+          <p:nvSpPr>
+            <p:cNvPr id="23" name="矩形 22">
+              <a:extLst>
+                <a:ext uri="{FF2B5EF4-FFF2-40B4-BE49-F238E27FC236}">
+                  <a16:creationId xmlns:a16="http://schemas.microsoft.com/office/drawing/2014/main" id="{C3470C91-7E42-01A1-9F20-168C1B205950}"/>
+                </a:ext>
+              </a:extLst>
+            </p:cNvPr>
+            <p:cNvSpPr/>
+            <p:nvPr/>
+          </p:nvSpPr>
+          <p:spPr>
+            <a:xfrm>
+              <a:off x="2527212" y="398428"/>
+              <a:ext cx="1065383" cy="970544"/>
+            </a:xfrm>
+            <a:prstGeom prst="rect">
+              <a:avLst/>
+            </a:prstGeom>
+            <a:solidFill>
+              <a:schemeClr val="accent1">
+                <a:alpha val="10000"/>
+              </a:schemeClr>
+            </a:solidFill>
+            <a:ln>
+              <a:noFill/>
+            </a:ln>
+          </p:spPr>
+          <p:style>
+            <a:lnRef idx="2">
+              <a:schemeClr val="accent1">
+                <a:shade val="50000"/>
+              </a:schemeClr>
+            </a:lnRef>
+            <a:fillRef idx="1">
+              <a:schemeClr val="accent1"/>
+            </a:fillRef>
+            <a:effectRef idx="0">
+              <a:schemeClr val="accent1"/>
+            </a:effectRef>
+            <a:fontRef idx="minor">
+              <a:schemeClr val="lt1"/>
+            </a:fontRef>
+          </p:style>
+          <p:txBody>
+            <a:bodyPr rtlCol="0" anchor="ctr"/>
+            <a:lstStyle/>
+            <a:p>
+              <a:pPr algn="ctr"/>
+              <a:endParaRPr lang="zh-CN" altLang="en-US"/>
+            </a:p>
+          </p:txBody>
+        </p:sp>
+        <mc:AlternateContent xmlns:mc="http://schemas.openxmlformats.org/markup-compatibility/2006">
+          <mc:Choice xmlns:a14="http://schemas.microsoft.com/office/drawing/2010/main" Requires="a14">
+            <p:sp>
+              <p:nvSpPr>
+                <p:cNvPr id="49" name="文本框 48">
+                  <a:extLst>
+                    <a:ext uri="{FF2B5EF4-FFF2-40B4-BE49-F238E27FC236}">
+                      <a16:creationId xmlns:a16="http://schemas.microsoft.com/office/drawing/2014/main" id="{E7F329D0-A4A7-98E6-7CB2-FC147A10A204}"/>
+                    </a:ext>
+                  </a:extLst>
+                </p:cNvPr>
+                <p:cNvSpPr txBox="1"/>
+                <p:nvPr/>
+              </p:nvSpPr>
+              <p:spPr>
+                <a:xfrm>
+                  <a:off x="1504762" y="1969286"/>
+                  <a:ext cx="197683" cy="215444"/>
+                </a:xfrm>
+                <a:prstGeom prst="rect">
+                  <a:avLst/>
+                </a:prstGeom>
+                <a:noFill/>
+              </p:spPr>
+              <p:txBody>
+                <a:bodyPr wrap="none" lIns="0" tIns="0" rIns="0" bIns="0" rtlCol="0">
+                  <a:spAutoFit/>
+                </a:bodyPr>
+                <a:lstStyle/>
+                <a:p>
+                  <a14:m>
+                    <m:oMathPara xmlns:m="http://schemas.openxmlformats.org/officeDocument/2006/math">
+                      <m:oMathParaPr>
+                        <m:jc m:val="centerGroup"/>
+                      </m:oMathParaPr>
+                      <m:oMath xmlns:m="http://schemas.openxmlformats.org/officeDocument/2006/math">
+                        <m:sSub>
+                          <m:sSubPr>
+                            <m:ctrlPr>
+                              <a:rPr lang="en-US" altLang="zh-CN" sz="1400" b="0" i="1" smtClean="0">
+                                <a:latin typeface="Cambria Math" panose="02040503050406030204" pitchFamily="18" charset="0"/>
+                              </a:rPr>
+                            </m:ctrlPr>
+                          </m:sSubPr>
+                          <m:e>
+                            <m:r>
+                              <a:rPr lang="en-US" altLang="zh-CN" sz="1400" b="0" i="1" smtClean="0">
+                                <a:latin typeface="Cambria Math" panose="02040503050406030204" pitchFamily="18" charset="0"/>
+                              </a:rPr>
+                              <m:t>𝑠</m:t>
+                            </m:r>
+                          </m:e>
+                          <m:sub>
+                            <m:r>
+                              <a:rPr lang="en-US" altLang="zh-CN" sz="1400" b="0" i="1" smtClean="0">
+                                <a:latin typeface="Cambria Math" panose="02040503050406030204" pitchFamily="18" charset="0"/>
+                              </a:rPr>
+                              <m:t>1</m:t>
+                            </m:r>
+                          </m:sub>
+                        </m:sSub>
+                      </m:oMath>
+                    </m:oMathPara>
+                  </a14:m>
+                  <a:endParaRPr lang="zh-CN" altLang="en-US" sz="1400" dirty="0"/>
+                </a:p>
+              </p:txBody>
+            </p:sp>
+          </mc:Choice>
+          <mc:Fallback>
+            <p:sp>
+              <p:nvSpPr>
+                <p:cNvPr id="49" name="文本框 48">
+                  <a:extLst>
+                    <a:ext uri="{FF2B5EF4-FFF2-40B4-BE49-F238E27FC236}">
+                      <a16:creationId xmlns:a16="http://schemas.microsoft.com/office/drawing/2014/main" id="{E7F329D0-A4A7-98E6-7CB2-FC147A10A204}"/>
+                    </a:ext>
+                  </a:extLst>
+                </p:cNvPr>
+                <p:cNvSpPr txBox="1">
+                  <a:spLocks noRot="1" noChangeAspect="1" noMove="1" noResize="1" noEditPoints="1" noAdjustHandles="1" noChangeArrowheads="1" noChangeShapeType="1" noTextEdit="1"/>
+                </p:cNvSpPr>
+                <p:nvPr/>
+              </p:nvSpPr>
+              <p:spPr>
+                <a:xfrm>
+                  <a:off x="1504762" y="1969286"/>
+                  <a:ext cx="197683" cy="215444"/>
+                </a:xfrm>
+                <a:prstGeom prst="rect">
+                  <a:avLst/>
+                </a:prstGeom>
+                <a:blipFill>
+                  <a:blip r:embed="rId16"/>
+                  <a:stretch>
+                    <a:fillRect l="-12500" r="-6250" b="-14286"/>
+                  </a:stretch>
+                </a:blipFill>
+              </p:spPr>
+              <p:txBody>
+                <a:bodyPr/>
+                <a:lstStyle/>
+                <a:p>
+                  <a:r>
+                    <a:rPr lang="zh-CN" altLang="en-US">
+                      <a:noFill/>
+                    </a:rPr>
+                    <a:t> </a:t>
+                  </a:r>
+                </a:p>
+              </p:txBody>
+            </p:sp>
+          </mc:Fallback>
+        </mc:AlternateContent>
+        <mc:AlternateContent xmlns:mc="http://schemas.openxmlformats.org/markup-compatibility/2006">
+          <mc:Choice xmlns:a14="http://schemas.microsoft.com/office/drawing/2010/main" Requires="a14">
+            <p:sp>
+              <p:nvSpPr>
+                <p:cNvPr id="50" name="文本框 49">
+                  <a:extLst>
+                    <a:ext uri="{FF2B5EF4-FFF2-40B4-BE49-F238E27FC236}">
+                      <a16:creationId xmlns:a16="http://schemas.microsoft.com/office/drawing/2014/main" id="{7660F16C-AA89-14FB-6948-43D69D10A668}"/>
+                    </a:ext>
+                  </a:extLst>
+                </p:cNvPr>
+                <p:cNvSpPr txBox="1"/>
+                <p:nvPr/>
+              </p:nvSpPr>
+              <p:spPr>
+                <a:xfrm>
+                  <a:off x="1996432" y="1954258"/>
+                  <a:ext cx="201850" cy="215444"/>
+                </a:xfrm>
+                <a:prstGeom prst="rect">
+                  <a:avLst/>
+                </a:prstGeom>
+                <a:noFill/>
+              </p:spPr>
+              <p:txBody>
+                <a:bodyPr wrap="none" lIns="0" tIns="0" rIns="0" bIns="0" rtlCol="0">
+                  <a:spAutoFit/>
+                </a:bodyPr>
+                <a:lstStyle/>
+                <a:p>
+                  <a14:m>
+                    <m:oMathPara xmlns:m="http://schemas.openxmlformats.org/officeDocument/2006/math">
+                      <m:oMathParaPr>
+                        <m:jc m:val="centerGroup"/>
+                      </m:oMathParaPr>
+                      <m:oMath xmlns:m="http://schemas.openxmlformats.org/officeDocument/2006/math">
+                        <m:sSub>
+                          <m:sSubPr>
+                            <m:ctrlPr>
+                              <a:rPr lang="en-US" altLang="zh-CN" sz="1400" b="0" i="1" smtClean="0">
+                                <a:latin typeface="Cambria Math" panose="02040503050406030204" pitchFamily="18" charset="0"/>
+                              </a:rPr>
+                            </m:ctrlPr>
+                          </m:sSubPr>
+                          <m:e>
+                            <m:r>
+                              <a:rPr lang="en-US" altLang="zh-CN" sz="1400" b="0" i="1" smtClean="0">
+                                <a:latin typeface="Cambria Math" panose="02040503050406030204" pitchFamily="18" charset="0"/>
+                              </a:rPr>
+                              <m:t>𝑠</m:t>
+                            </m:r>
+                          </m:e>
+                          <m:sub>
+                            <m:r>
+                              <a:rPr lang="en-US" altLang="zh-CN" sz="1400" b="0" i="1" smtClean="0">
+                                <a:latin typeface="Cambria Math" panose="02040503050406030204" pitchFamily="18" charset="0"/>
+                              </a:rPr>
+                              <m:t>2</m:t>
+                            </m:r>
+                          </m:sub>
+                        </m:sSub>
+                      </m:oMath>
+                    </m:oMathPara>
+                  </a14:m>
+                  <a:endParaRPr lang="zh-CN" altLang="en-US" sz="1400" dirty="0"/>
+                </a:p>
+              </p:txBody>
+            </p:sp>
+          </mc:Choice>
+          <mc:Fallback>
+            <p:sp>
+              <p:nvSpPr>
+                <p:cNvPr id="50" name="文本框 49">
+                  <a:extLst>
+                    <a:ext uri="{FF2B5EF4-FFF2-40B4-BE49-F238E27FC236}">
+                      <a16:creationId xmlns:a16="http://schemas.microsoft.com/office/drawing/2014/main" id="{7660F16C-AA89-14FB-6948-43D69D10A668}"/>
+                    </a:ext>
+                  </a:extLst>
+                </p:cNvPr>
+                <p:cNvSpPr txBox="1">
+                  <a:spLocks noRot="1" noChangeAspect="1" noMove="1" noResize="1" noEditPoints="1" noAdjustHandles="1" noChangeArrowheads="1" noChangeShapeType="1" noTextEdit="1"/>
+                </p:cNvSpPr>
+                <p:nvPr/>
+              </p:nvSpPr>
+              <p:spPr>
+                <a:xfrm>
+                  <a:off x="1996432" y="1954258"/>
+                  <a:ext cx="201850" cy="215444"/>
+                </a:xfrm>
+                <a:prstGeom prst="rect">
+                  <a:avLst/>
+                </a:prstGeom>
+                <a:blipFill>
+                  <a:blip r:embed="rId17"/>
+                  <a:stretch>
+                    <a:fillRect l="-15152" r="-3030" b="-11111"/>
+                  </a:stretch>
+                </a:blipFill>
+              </p:spPr>
+              <p:txBody>
+                <a:bodyPr/>
+                <a:lstStyle/>
+                <a:p>
+                  <a:r>
+                    <a:rPr lang="zh-CN" altLang="en-US">
+                      <a:noFill/>
+                    </a:rPr>
+                    <a:t> </a:t>
+                  </a:r>
+                </a:p>
+              </p:txBody>
+            </p:sp>
+          </mc:Fallback>
+        </mc:AlternateContent>
+        <p:cxnSp>
+          <p:nvCxnSpPr>
+            <p:cNvPr id="5" name="直接连接符 4">
+              <a:extLst>
+                <a:ext uri="{FF2B5EF4-FFF2-40B4-BE49-F238E27FC236}">
+                  <a16:creationId xmlns:a16="http://schemas.microsoft.com/office/drawing/2014/main" id="{468C5AC4-FB7F-336A-6501-AB1928B0710E}"/>
+                </a:ext>
+              </a:extLst>
+            </p:cNvPr>
+            <p:cNvCxnSpPr>
+              <a:cxnSpLocks/>
+            </p:cNvCxnSpPr>
+            <p:nvPr/>
+          </p:nvCxnSpPr>
+          <p:spPr>
+            <a:xfrm>
+              <a:off x="1720369" y="1936090"/>
+              <a:ext cx="0" cy="270061"/>
+            </a:xfrm>
+            <a:prstGeom prst="line">
+              <a:avLst/>
+            </a:prstGeom>
+            <a:ln w="12700">
+              <a:solidFill>
+                <a:schemeClr val="tx1"/>
+              </a:solidFill>
+              <a:prstDash val="sysDash"/>
+            </a:ln>
+          </p:spPr>
+          <p:style>
+            <a:lnRef idx="1">
+              <a:schemeClr val="accent1"/>
+            </a:lnRef>
+            <a:fillRef idx="0">
+              <a:schemeClr val="accent1"/>
+            </a:fillRef>
+            <a:effectRef idx="0">
+              <a:schemeClr val="accent1"/>
+            </a:effectRef>
+            <a:fontRef idx="minor">
+              <a:schemeClr val="tx1"/>
+            </a:fontRef>
+          </p:style>
+        </p:cxnSp>
+        <p:sp>
+          <p:nvSpPr>
+            <p:cNvPr id="9" name="矩形 8">
+              <a:extLst>
+                <a:ext uri="{FF2B5EF4-FFF2-40B4-BE49-F238E27FC236}">
+                  <a16:creationId xmlns:a16="http://schemas.microsoft.com/office/drawing/2014/main" id="{1B18CD97-88FF-A27B-6A88-07C30F86FACC}"/>
+                </a:ext>
+              </a:extLst>
+            </p:cNvPr>
+            <p:cNvSpPr/>
+            <p:nvPr/>
+          </p:nvSpPr>
+          <p:spPr>
+            <a:xfrm>
+              <a:off x="2537846" y="1729106"/>
+              <a:ext cx="1065383" cy="970544"/>
+            </a:xfrm>
+            <a:prstGeom prst="rect">
+              <a:avLst/>
+            </a:prstGeom>
+            <a:solidFill>
+              <a:schemeClr val="accent1">
+                <a:alpha val="10000"/>
+              </a:schemeClr>
+            </a:solidFill>
+            <a:ln>
+              <a:noFill/>
+            </a:ln>
+          </p:spPr>
+          <p:style>
+            <a:lnRef idx="2">
+              <a:schemeClr val="accent1">
+                <a:shade val="50000"/>
+              </a:schemeClr>
+            </a:lnRef>
+            <a:fillRef idx="1">
+              <a:schemeClr val="accent1"/>
+            </a:fillRef>
+            <a:effectRef idx="0">
+              <a:schemeClr val="accent1"/>
+            </a:effectRef>
+            <a:fontRef idx="minor">
+              <a:schemeClr val="lt1"/>
+            </a:fontRef>
+          </p:style>
+          <p:txBody>
+            <a:bodyPr rtlCol="0" anchor="ctr"/>
+            <a:lstStyle/>
+            <a:p>
+              <a:pPr algn="ctr"/>
+              <a:endParaRPr lang="zh-CN" altLang="en-US"/>
+            </a:p>
+          </p:txBody>
+        </p:sp>
+        <p:sp>
+          <p:nvSpPr>
+            <p:cNvPr id="15" name="矩形 14">
+              <a:extLst>
+                <a:ext uri="{FF2B5EF4-FFF2-40B4-BE49-F238E27FC236}">
+                  <a16:creationId xmlns:a16="http://schemas.microsoft.com/office/drawing/2014/main" id="{13D94758-368E-0912-A160-6CCF4835FA87}"/>
+                </a:ext>
+              </a:extLst>
+            </p:cNvPr>
+            <p:cNvSpPr/>
+            <p:nvPr/>
+          </p:nvSpPr>
+          <p:spPr>
+            <a:xfrm>
+              <a:off x="2527212" y="3042931"/>
+              <a:ext cx="1073400" cy="970544"/>
+            </a:xfrm>
+            <a:prstGeom prst="rect">
+              <a:avLst/>
+            </a:prstGeom>
+            <a:solidFill>
+              <a:schemeClr val="accent1">
+                <a:alpha val="10000"/>
+              </a:schemeClr>
+            </a:solidFill>
+            <a:ln>
+              <a:noFill/>
+            </a:ln>
+          </p:spPr>
+          <p:style>
+            <a:lnRef idx="2">
+              <a:schemeClr val="accent1">
+                <a:shade val="50000"/>
+              </a:schemeClr>
+            </a:lnRef>
+            <a:fillRef idx="1">
+              <a:schemeClr val="accent1"/>
+            </a:fillRef>
+            <a:effectRef idx="0">
+              <a:schemeClr val="accent1"/>
+            </a:effectRef>
+            <a:fontRef idx="minor">
+              <a:schemeClr val="lt1"/>
+            </a:fontRef>
+          </p:style>
+          <p:txBody>
+            <a:bodyPr rtlCol="0" anchor="ctr"/>
+            <a:lstStyle/>
+            <a:p>
+              <a:pPr algn="ctr"/>
+              <a:endParaRPr lang="zh-CN" altLang="en-US"/>
+            </a:p>
+          </p:txBody>
+        </p:sp>
+        <p:cxnSp>
+          <p:nvCxnSpPr>
+            <p:cNvPr id="22" name="直接连接符 21">
+              <a:extLst>
+                <a:ext uri="{FF2B5EF4-FFF2-40B4-BE49-F238E27FC236}">
+                  <a16:creationId xmlns:a16="http://schemas.microsoft.com/office/drawing/2014/main" id="{05BE37AA-8798-E7AC-17F0-5F2A5582F82C}"/>
+                </a:ext>
+              </a:extLst>
+            </p:cNvPr>
+            <p:cNvCxnSpPr>
+              <a:cxnSpLocks/>
+            </p:cNvCxnSpPr>
+            <p:nvPr/>
+          </p:nvCxnSpPr>
+          <p:spPr>
+            <a:xfrm flipH="1">
+              <a:off x="2542830" y="2027776"/>
+              <a:ext cx="162273" cy="167183"/>
+            </a:xfrm>
+            <a:prstGeom prst="line">
+              <a:avLst/>
+            </a:prstGeom>
+          </p:spPr>
+          <p:style>
+            <a:lnRef idx="1">
+              <a:schemeClr val="accent1"/>
+            </a:lnRef>
+            <a:fillRef idx="0">
+              <a:schemeClr val="accent1"/>
+            </a:fillRef>
+            <a:effectRef idx="0">
+              <a:schemeClr val="accent1"/>
+            </a:effectRef>
+            <a:fontRef idx="minor">
+              <a:schemeClr val="tx1"/>
+            </a:fontRef>
+          </p:style>
+        </p:cxnSp>
+        <p:cxnSp>
+          <p:nvCxnSpPr>
+            <p:cNvPr id="33" name="直接连接符 32">
+              <a:extLst>
+                <a:ext uri="{FF2B5EF4-FFF2-40B4-BE49-F238E27FC236}">
+                  <a16:creationId xmlns:a16="http://schemas.microsoft.com/office/drawing/2014/main" id="{67393BD9-DD5B-22B9-8856-542CED5D5132}"/>
+                </a:ext>
+              </a:extLst>
+            </p:cNvPr>
+            <p:cNvCxnSpPr>
+              <a:cxnSpLocks/>
+            </p:cNvCxnSpPr>
+            <p:nvPr/>
+          </p:nvCxnSpPr>
+          <p:spPr>
+            <a:xfrm flipH="1">
+              <a:off x="2523450" y="1994585"/>
+              <a:ext cx="127991" cy="135220"/>
+            </a:xfrm>
+            <a:prstGeom prst="line">
+              <a:avLst/>
+            </a:prstGeom>
+          </p:spPr>
+          <p:style>
+            <a:lnRef idx="1">
+              <a:schemeClr val="accent1"/>
+            </a:lnRef>
+            <a:fillRef idx="0">
+              <a:schemeClr val="accent1"/>
+            </a:fillRef>
+            <a:effectRef idx="0">
+              <a:schemeClr val="accent1"/>
+            </a:effectRef>
+            <a:fontRef idx="minor">
+              <a:schemeClr val="tx1"/>
+            </a:fontRef>
+          </p:style>
+        </p:cxnSp>
+        <p:cxnSp>
+          <p:nvCxnSpPr>
+            <p:cNvPr id="37" name="直接连接符 36">
+              <a:extLst>
+                <a:ext uri="{FF2B5EF4-FFF2-40B4-BE49-F238E27FC236}">
+                  <a16:creationId xmlns:a16="http://schemas.microsoft.com/office/drawing/2014/main" id="{F472596A-36BC-FE07-3995-83AF0F77F086}"/>
+                </a:ext>
+              </a:extLst>
+            </p:cNvPr>
+            <p:cNvCxnSpPr>
+              <a:cxnSpLocks/>
+            </p:cNvCxnSpPr>
+            <p:nvPr/>
+          </p:nvCxnSpPr>
+          <p:spPr>
+            <a:xfrm flipH="1">
+              <a:off x="2523450" y="1969666"/>
+              <a:ext cx="68785" cy="72347"/>
+            </a:xfrm>
+            <a:prstGeom prst="line">
+              <a:avLst/>
+            </a:prstGeom>
+          </p:spPr>
+          <p:style>
+            <a:lnRef idx="1">
+              <a:schemeClr val="accent1"/>
+            </a:lnRef>
+            <a:fillRef idx="0">
+              <a:schemeClr val="accent1"/>
+            </a:fillRef>
+            <a:effectRef idx="0">
+              <a:schemeClr val="accent1"/>
+            </a:effectRef>
+            <a:fontRef idx="minor">
+              <a:schemeClr val="tx1"/>
+            </a:fontRef>
+          </p:style>
+        </p:cxnSp>
+        <p:sp>
+          <p:nvSpPr>
+            <p:cNvPr id="42" name="文本框 41">
+              <a:extLst>
+                <a:ext uri="{FF2B5EF4-FFF2-40B4-BE49-F238E27FC236}">
+                  <a16:creationId xmlns:a16="http://schemas.microsoft.com/office/drawing/2014/main" id="{0D307155-B59A-8DD3-DAF6-51EC2E05DE20}"/>
+                </a:ext>
+              </a:extLst>
+            </p:cNvPr>
+            <p:cNvSpPr txBox="1"/>
+            <p:nvPr/>
+          </p:nvSpPr>
+          <p:spPr>
+            <a:xfrm>
+              <a:off x="377027" y="3337261"/>
+              <a:ext cx="276038" cy="307777"/>
+            </a:xfrm>
+            <a:prstGeom prst="rect">
+              <a:avLst/>
+            </a:prstGeom>
+            <a:noFill/>
+          </p:spPr>
+          <p:txBody>
+            <a:bodyPr wrap="none" rtlCol="0">
+              <a:spAutoFit/>
+            </a:bodyPr>
+            <a:lstStyle/>
+            <a:p>
+              <a:r>
+                <a:rPr lang="en-US" altLang="zh-CN" sz="1400" dirty="0">
+                  <a:cs typeface="Times New Roman" panose="02020603050405020304" pitchFamily="18" charset="0"/>
+                </a:rPr>
+                <a:t>0</a:t>
+              </a:r>
+              <a:endParaRPr lang="zh-CN" altLang="en-US" sz="1400" dirty="0">
+                <a:cs typeface="Times New Roman" panose="02020603050405020304" pitchFamily="18" charset="0"/>
+              </a:endParaRPr>
+            </a:p>
+          </p:txBody>
+        </p:sp>
+        <p:sp>
+          <p:nvSpPr>
+            <p:cNvPr id="45" name="文本框 44">
+              <a:extLst>
+                <a:ext uri="{FF2B5EF4-FFF2-40B4-BE49-F238E27FC236}">
+                  <a16:creationId xmlns:a16="http://schemas.microsoft.com/office/drawing/2014/main" id="{F1E6530B-286E-614A-32DA-4C6DD5AE2053}"/>
+                </a:ext>
+              </a:extLst>
+            </p:cNvPr>
+            <p:cNvSpPr txBox="1"/>
+            <p:nvPr/>
+          </p:nvSpPr>
+          <p:spPr>
+            <a:xfrm>
+              <a:off x="377027" y="1191080"/>
+              <a:ext cx="276038" cy="307777"/>
+            </a:xfrm>
+            <a:prstGeom prst="rect">
+              <a:avLst/>
+            </a:prstGeom>
+            <a:noFill/>
+          </p:spPr>
+          <p:txBody>
+            <a:bodyPr wrap="none" rtlCol="0">
+              <a:spAutoFit/>
+            </a:bodyPr>
+            <a:lstStyle/>
+            <a:p>
+              <a:r>
+                <a:rPr lang="en-US" altLang="zh-CN" sz="1400" dirty="0">
+                  <a:cs typeface="Times New Roman" panose="02020603050405020304" pitchFamily="18" charset="0"/>
+                </a:rPr>
+                <a:t>0</a:t>
+              </a:r>
+              <a:endParaRPr lang="zh-CN" altLang="en-US" sz="1400" dirty="0">
+                <a:cs typeface="Times New Roman" panose="02020603050405020304" pitchFamily="18" charset="0"/>
+              </a:endParaRPr>
+            </a:p>
+          </p:txBody>
+        </p:sp>
+      </p:grpSp>
+    </p:spTree>
+    <p:extLst>
+      <p:ext uri="{BB962C8B-B14F-4D97-AF65-F5344CB8AC3E}">
+        <p14:creationId xmlns:p14="http://schemas.microsoft.com/office/powerpoint/2010/main" val="1380150781"/>
+      </p:ext>
+    </p:extLst>
+  </p:cSld>
+  <p:clrMapOvr>
+    <a:masterClrMapping/>
+  </p:clrMapOvr>
+</p:sld>
+</file>
+
+<file path=ppt/slides/slide2.xml><?xml version="1.0" encoding="utf-8"?>
 <p:sld xmlns:a="http://schemas.openxmlformats.org/drawingml/2006/main" xmlns:r="http://schemas.openxmlformats.org/officeDocument/2006/relationships" xmlns:p="http://schemas.openxmlformats.org/presentationml/2006/main">
   <p:cSld>
     <p:spTree>
@@ -6226,7 +9944,7 @@
     </p:spTree>
     <p:extLst>
       <p:ext uri="{BB962C8B-B14F-4D97-AF65-F5344CB8AC3E}">
-        <p14:creationId xmlns:p14="http://schemas.microsoft.com/office/powerpoint/2010/main" val="42274949"/>
+        <p14:creationId xmlns:p14="http://schemas.microsoft.com/office/powerpoint/2010/main" val="3075689593"/>
       </p:ext>
     </p:extLst>
   </p:cSld>
@@ -6236,7 +9954,7 @@
 </p:sld>
 </file>
 
-<file path=ppt/slides/slide2.xml><?xml version="1.0" encoding="utf-8"?>
+<file path=ppt/slides/slide3.xml><?xml version="1.0" encoding="utf-8"?>
 <p:sld xmlns:a="http://schemas.openxmlformats.org/drawingml/2006/main" xmlns:r="http://schemas.openxmlformats.org/officeDocument/2006/relationships" xmlns:p="http://schemas.openxmlformats.org/presentationml/2006/main">
   <p:cSld>
     <p:spTree>
@@ -9669,7 +13387,7 @@
 </p:sld>
 </file>
 
-<file path=ppt/slides/slide3.xml><?xml version="1.0" encoding="utf-8"?>
+<file path=ppt/slides/slide4.xml><?xml version="1.0" encoding="utf-8"?>
 <p:sld xmlns:a="http://schemas.openxmlformats.org/drawingml/2006/main" xmlns:r="http://schemas.openxmlformats.org/officeDocument/2006/relationships" xmlns:p="http://schemas.openxmlformats.org/presentationml/2006/main">
   <p:cSld>
     <p:spTree>
@@ -13050,7 +16768,7 @@
 </p:sld>
 </file>
 
-<file path=ppt/slides/slide4.xml><?xml version="1.0" encoding="utf-8"?>
+<file path=ppt/slides/slide5.xml><?xml version="1.0" encoding="utf-8"?>
 <p:sld xmlns:a="http://schemas.openxmlformats.org/drawingml/2006/main" xmlns:r="http://schemas.openxmlformats.org/officeDocument/2006/relationships" xmlns:p="http://schemas.openxmlformats.org/presentationml/2006/main">
   <p:cSld>
     <p:spTree>

--- a/paper/fig-ppt/comparison_const_acc_with_pvt.pptx
+++ b/paper/fig-ppt/comparison_const_acc_with_pvt.pptx
@@ -2,8 +2,11 @@
 <file path=ppt/presentation.xml><?xml version="1.0" encoding="utf-8"?>
 <p:presentation xmlns:a="http://schemas.openxmlformats.org/drawingml/2006/main" xmlns:r="http://schemas.openxmlformats.org/officeDocument/2006/relationships" xmlns:p="http://schemas.openxmlformats.org/presentationml/2006/main" saveSubsetFonts="1">
   <p:sldMasterIdLst>
-    <p:sldMasterId id="2147483720" r:id="rId1"/>
+    <p:sldMasterId id="2147483744" r:id="rId1"/>
   </p:sldMasterIdLst>
+  <p:notesMasterIdLst>
+    <p:notesMasterId r:id="rId7"/>
+  </p:notesMasterIdLst>
   <p:sldIdLst>
     <p:sldId id="269" r:id="rId2"/>
     <p:sldId id="266" r:id="rId3"/>
@@ -11,7 +14,7 @@
     <p:sldId id="264" r:id="rId5"/>
     <p:sldId id="262" r:id="rId6"/>
   </p:sldIdLst>
-  <p:sldSz cx="7815263" cy="4481513"/>
+  <p:sldSz cx="7315200" cy="4206875"/>
   <p:notesSz cx="6858000" cy="9144000"/>
   <p:defaultTextStyle>
     <a:defPPr>
@@ -116,9 +119,447 @@
 </p:presentation>
 </file>
 
+<file path=ppt/notesMasters/notesMaster1.xml><?xml version="1.0" encoding="utf-8"?>
+<p:notesMaster xmlns:a="http://schemas.openxmlformats.org/drawingml/2006/main" xmlns:r="http://schemas.openxmlformats.org/officeDocument/2006/relationships" xmlns:p="http://schemas.openxmlformats.org/presentationml/2006/main">
+  <p:cSld>
+    <p:bg>
+      <p:bgRef idx="1001">
+        <a:schemeClr val="bg1"/>
+      </p:bgRef>
+    </p:bg>
+    <p:spTree>
+      <p:nvGrpSpPr>
+        <p:cNvPr id="1" name=""/>
+        <p:cNvGrpSpPr/>
+        <p:nvPr/>
+      </p:nvGrpSpPr>
+      <p:grpSpPr>
+        <a:xfrm>
+          <a:off x="0" y="0"/>
+          <a:ext cx="0" cy="0"/>
+          <a:chOff x="0" y="0"/>
+          <a:chExt cx="0" cy="0"/>
+        </a:xfrm>
+      </p:grpSpPr>
+      <p:sp>
+        <p:nvSpPr>
+          <p:cNvPr id="2" name="Header Placeholder 1"/>
+          <p:cNvSpPr>
+            <a:spLocks noGrp="1"/>
+          </p:cNvSpPr>
+          <p:nvPr>
+            <p:ph type="hdr" sz="quarter"/>
+          </p:nvPr>
+        </p:nvSpPr>
+        <p:spPr>
+          <a:xfrm>
+            <a:off x="0" y="0"/>
+            <a:ext cx="2971800" cy="458788"/>
+          </a:xfrm>
+          <a:prstGeom prst="rect">
+            <a:avLst/>
+          </a:prstGeom>
+        </p:spPr>
+        <p:txBody>
+          <a:bodyPr vert="horz" lIns="91440" tIns="45720" rIns="91440" bIns="45720" rtlCol="0"/>
+          <a:lstStyle>
+            <a:lvl1pPr algn="l">
+              <a:defRPr sz="1200"/>
+            </a:lvl1pPr>
+          </a:lstStyle>
+          <a:p>
+            <a:endParaRPr lang="en-US"/>
+          </a:p>
+        </p:txBody>
+      </p:sp>
+      <p:sp>
+        <p:nvSpPr>
+          <p:cNvPr id="3" name="Date Placeholder 2"/>
+          <p:cNvSpPr>
+            <a:spLocks noGrp="1"/>
+          </p:cNvSpPr>
+          <p:nvPr>
+            <p:ph type="dt" idx="1"/>
+          </p:nvPr>
+        </p:nvSpPr>
+        <p:spPr>
+          <a:xfrm>
+            <a:off x="3884613" y="0"/>
+            <a:ext cx="2971800" cy="458788"/>
+          </a:xfrm>
+          <a:prstGeom prst="rect">
+            <a:avLst/>
+          </a:prstGeom>
+        </p:spPr>
+        <p:txBody>
+          <a:bodyPr vert="horz" lIns="91440" tIns="45720" rIns="91440" bIns="45720" rtlCol="0"/>
+          <a:lstStyle>
+            <a:lvl1pPr algn="r">
+              <a:defRPr sz="1200"/>
+            </a:lvl1pPr>
+          </a:lstStyle>
+          <a:p>
+            <a:fld id="{48096C6B-37AA-4A19-8F43-BC692954C09B}" type="datetimeFigureOut">
+              <a:rPr lang="en-US" smtClean="0"/>
+              <a:t>8/26/2022</a:t>
+            </a:fld>
+            <a:endParaRPr lang="en-US"/>
+          </a:p>
+        </p:txBody>
+      </p:sp>
+      <p:sp>
+        <p:nvSpPr>
+          <p:cNvPr id="4" name="Slide Image Placeholder 3"/>
+          <p:cNvSpPr>
+            <a:spLocks noGrp="1" noRot="1" noChangeAspect="1"/>
+          </p:cNvSpPr>
+          <p:nvPr>
+            <p:ph type="sldImg" idx="2"/>
+          </p:nvPr>
+        </p:nvSpPr>
+        <p:spPr>
+          <a:xfrm>
+            <a:off x="746125" y="1143000"/>
+            <a:ext cx="5365750" cy="3086100"/>
+          </a:xfrm>
+          <a:prstGeom prst="rect">
+            <a:avLst/>
+          </a:prstGeom>
+          <a:noFill/>
+          <a:ln w="12700">
+            <a:solidFill>
+              <a:prstClr val="black"/>
+            </a:solidFill>
+          </a:ln>
+        </p:spPr>
+        <p:txBody>
+          <a:bodyPr vert="horz" lIns="91440" tIns="45720" rIns="91440" bIns="45720" rtlCol="0" anchor="ctr"/>
+          <a:lstStyle/>
+          <a:p>
+            <a:endParaRPr lang="en-US"/>
+          </a:p>
+        </p:txBody>
+      </p:sp>
+      <p:sp>
+        <p:nvSpPr>
+          <p:cNvPr id="5" name="Notes Placeholder 4"/>
+          <p:cNvSpPr>
+            <a:spLocks noGrp="1"/>
+          </p:cNvSpPr>
+          <p:nvPr>
+            <p:ph type="body" sz="quarter" idx="3"/>
+          </p:nvPr>
+        </p:nvSpPr>
+        <p:spPr>
+          <a:xfrm>
+            <a:off x="685800" y="4400550"/>
+            <a:ext cx="5486400" cy="3600450"/>
+          </a:xfrm>
+          <a:prstGeom prst="rect">
+            <a:avLst/>
+          </a:prstGeom>
+        </p:spPr>
+        <p:txBody>
+          <a:bodyPr vert="horz" lIns="91440" tIns="45720" rIns="91440" bIns="45720" rtlCol="0"/>
+          <a:lstStyle/>
+          <a:p>
+            <a:pPr lvl="0"/>
+            <a:r>
+              <a:rPr lang="en-US"/>
+              <a:t>Click to edit Master text styles</a:t>
+            </a:r>
+          </a:p>
+          <a:p>
+            <a:pPr lvl="1"/>
+            <a:r>
+              <a:rPr lang="en-US"/>
+              <a:t>Second level</a:t>
+            </a:r>
+          </a:p>
+          <a:p>
+            <a:pPr lvl="2"/>
+            <a:r>
+              <a:rPr lang="en-US"/>
+              <a:t>Third level</a:t>
+            </a:r>
+          </a:p>
+          <a:p>
+            <a:pPr lvl="3"/>
+            <a:r>
+              <a:rPr lang="en-US"/>
+              <a:t>Fourth level</a:t>
+            </a:r>
+          </a:p>
+          <a:p>
+            <a:pPr lvl="4"/>
+            <a:r>
+              <a:rPr lang="en-US"/>
+              <a:t>Fifth level</a:t>
+            </a:r>
+          </a:p>
+        </p:txBody>
+      </p:sp>
+      <p:sp>
+        <p:nvSpPr>
+          <p:cNvPr id="6" name="Footer Placeholder 5"/>
+          <p:cNvSpPr>
+            <a:spLocks noGrp="1"/>
+          </p:cNvSpPr>
+          <p:nvPr>
+            <p:ph type="ftr" sz="quarter" idx="4"/>
+          </p:nvPr>
+        </p:nvSpPr>
+        <p:spPr>
+          <a:xfrm>
+            <a:off x="0" y="8685213"/>
+            <a:ext cx="2971800" cy="458787"/>
+          </a:xfrm>
+          <a:prstGeom prst="rect">
+            <a:avLst/>
+          </a:prstGeom>
+        </p:spPr>
+        <p:txBody>
+          <a:bodyPr vert="horz" lIns="91440" tIns="45720" rIns="91440" bIns="45720" rtlCol="0" anchor="b"/>
+          <a:lstStyle>
+            <a:lvl1pPr algn="l">
+              <a:defRPr sz="1200"/>
+            </a:lvl1pPr>
+          </a:lstStyle>
+          <a:p>
+            <a:endParaRPr lang="en-US"/>
+          </a:p>
+        </p:txBody>
+      </p:sp>
+      <p:sp>
+        <p:nvSpPr>
+          <p:cNvPr id="7" name="Slide Number Placeholder 6"/>
+          <p:cNvSpPr>
+            <a:spLocks noGrp="1"/>
+          </p:cNvSpPr>
+          <p:nvPr>
+            <p:ph type="sldNum" sz="quarter" idx="5"/>
+          </p:nvPr>
+        </p:nvSpPr>
+        <p:spPr>
+          <a:xfrm>
+            <a:off x="3884613" y="8685213"/>
+            <a:ext cx="2971800" cy="458787"/>
+          </a:xfrm>
+          <a:prstGeom prst="rect">
+            <a:avLst/>
+          </a:prstGeom>
+        </p:spPr>
+        <p:txBody>
+          <a:bodyPr vert="horz" lIns="91440" tIns="45720" rIns="91440" bIns="45720" rtlCol="0" anchor="b"/>
+          <a:lstStyle>
+            <a:lvl1pPr algn="r">
+              <a:defRPr sz="1200"/>
+            </a:lvl1pPr>
+          </a:lstStyle>
+          <a:p>
+            <a:fld id="{0456FA51-D998-462E-A396-8DD0F2EBA80B}" type="slidenum">
+              <a:rPr lang="en-US" smtClean="0"/>
+              <a:t>‹#›</a:t>
+            </a:fld>
+            <a:endParaRPr lang="en-US"/>
+          </a:p>
+        </p:txBody>
+      </p:sp>
+    </p:spTree>
+    <p:extLst>
+      <p:ext uri="{BB962C8B-B14F-4D97-AF65-F5344CB8AC3E}">
+        <p14:creationId xmlns:p14="http://schemas.microsoft.com/office/powerpoint/2010/main" val="1809955530"/>
+      </p:ext>
+    </p:extLst>
+  </p:cSld>
+  <p:clrMap bg1="lt1" tx1="dk1" bg2="lt2" tx2="dk2" accent1="accent1" accent2="accent2" accent3="accent3" accent4="accent4" accent5="accent5" accent6="accent6" hlink="hlink" folHlink="folHlink"/>
+  <p:notesStyle>
+    <a:lvl1pPr marL="0" algn="l" defTabSz="870288" rtl="0" eaLnBrk="1" latinLnBrk="0" hangingPunct="1">
+      <a:defRPr sz="1142" kern="1200">
+        <a:solidFill>
+          <a:schemeClr val="tx1"/>
+        </a:solidFill>
+        <a:latin typeface="+mn-lt"/>
+        <a:ea typeface="+mn-ea"/>
+        <a:cs typeface="+mn-cs"/>
+      </a:defRPr>
+    </a:lvl1pPr>
+    <a:lvl2pPr marL="435143" algn="l" defTabSz="870288" rtl="0" eaLnBrk="1" latinLnBrk="0" hangingPunct="1">
+      <a:defRPr sz="1142" kern="1200">
+        <a:solidFill>
+          <a:schemeClr val="tx1"/>
+        </a:solidFill>
+        <a:latin typeface="+mn-lt"/>
+        <a:ea typeface="+mn-ea"/>
+        <a:cs typeface="+mn-cs"/>
+      </a:defRPr>
+    </a:lvl2pPr>
+    <a:lvl3pPr marL="870288" algn="l" defTabSz="870288" rtl="0" eaLnBrk="1" latinLnBrk="0" hangingPunct="1">
+      <a:defRPr sz="1142" kern="1200">
+        <a:solidFill>
+          <a:schemeClr val="tx1"/>
+        </a:solidFill>
+        <a:latin typeface="+mn-lt"/>
+        <a:ea typeface="+mn-ea"/>
+        <a:cs typeface="+mn-cs"/>
+      </a:defRPr>
+    </a:lvl3pPr>
+    <a:lvl4pPr marL="1305432" algn="l" defTabSz="870288" rtl="0" eaLnBrk="1" latinLnBrk="0" hangingPunct="1">
+      <a:defRPr sz="1142" kern="1200">
+        <a:solidFill>
+          <a:schemeClr val="tx1"/>
+        </a:solidFill>
+        <a:latin typeface="+mn-lt"/>
+        <a:ea typeface="+mn-ea"/>
+        <a:cs typeface="+mn-cs"/>
+      </a:defRPr>
+    </a:lvl4pPr>
+    <a:lvl5pPr marL="1740576" algn="l" defTabSz="870288" rtl="0" eaLnBrk="1" latinLnBrk="0" hangingPunct="1">
+      <a:defRPr sz="1142" kern="1200">
+        <a:solidFill>
+          <a:schemeClr val="tx1"/>
+        </a:solidFill>
+        <a:latin typeface="+mn-lt"/>
+        <a:ea typeface="+mn-ea"/>
+        <a:cs typeface="+mn-cs"/>
+      </a:defRPr>
+    </a:lvl5pPr>
+    <a:lvl6pPr marL="2175720" algn="l" defTabSz="870288" rtl="0" eaLnBrk="1" latinLnBrk="0" hangingPunct="1">
+      <a:defRPr sz="1142" kern="1200">
+        <a:solidFill>
+          <a:schemeClr val="tx1"/>
+        </a:solidFill>
+        <a:latin typeface="+mn-lt"/>
+        <a:ea typeface="+mn-ea"/>
+        <a:cs typeface="+mn-cs"/>
+      </a:defRPr>
+    </a:lvl6pPr>
+    <a:lvl7pPr marL="2610863" algn="l" defTabSz="870288" rtl="0" eaLnBrk="1" latinLnBrk="0" hangingPunct="1">
+      <a:defRPr sz="1142" kern="1200">
+        <a:solidFill>
+          <a:schemeClr val="tx1"/>
+        </a:solidFill>
+        <a:latin typeface="+mn-lt"/>
+        <a:ea typeface="+mn-ea"/>
+        <a:cs typeface="+mn-cs"/>
+      </a:defRPr>
+    </a:lvl7pPr>
+    <a:lvl8pPr marL="3046007" algn="l" defTabSz="870288" rtl="0" eaLnBrk="1" latinLnBrk="0" hangingPunct="1">
+      <a:defRPr sz="1142" kern="1200">
+        <a:solidFill>
+          <a:schemeClr val="tx1"/>
+        </a:solidFill>
+        <a:latin typeface="+mn-lt"/>
+        <a:ea typeface="+mn-ea"/>
+        <a:cs typeface="+mn-cs"/>
+      </a:defRPr>
+    </a:lvl8pPr>
+    <a:lvl9pPr marL="3481150" algn="l" defTabSz="870288" rtl="0" eaLnBrk="1" latinLnBrk="0" hangingPunct="1">
+      <a:defRPr sz="1142" kern="1200">
+        <a:solidFill>
+          <a:schemeClr val="tx1"/>
+        </a:solidFill>
+        <a:latin typeface="+mn-lt"/>
+        <a:ea typeface="+mn-ea"/>
+        <a:cs typeface="+mn-cs"/>
+      </a:defRPr>
+    </a:lvl9pPr>
+  </p:notesStyle>
+</p:notesMaster>
+</file>
+
+<file path=ppt/notesSlides/notesSlide1.xml><?xml version="1.0" encoding="utf-8"?>
+<p:notes xmlns:a="http://schemas.openxmlformats.org/drawingml/2006/main" xmlns:r="http://schemas.openxmlformats.org/officeDocument/2006/relationships" xmlns:p="http://schemas.openxmlformats.org/presentationml/2006/main">
+  <p:cSld>
+    <p:spTree>
+      <p:nvGrpSpPr>
+        <p:cNvPr id="1" name=""/>
+        <p:cNvGrpSpPr/>
+        <p:nvPr/>
+      </p:nvGrpSpPr>
+      <p:grpSpPr>
+        <a:xfrm>
+          <a:off x="0" y="0"/>
+          <a:ext cx="0" cy="0"/>
+          <a:chOff x="0" y="0"/>
+          <a:chExt cx="0" cy="0"/>
+        </a:xfrm>
+      </p:grpSpPr>
+      <p:sp>
+        <p:nvSpPr>
+          <p:cNvPr id="2" name="Slide Image Placeholder 1"/>
+          <p:cNvSpPr>
+            <a:spLocks noGrp="1" noRot="1" noChangeAspect="1"/>
+          </p:cNvSpPr>
+          <p:nvPr>
+            <p:ph type="sldImg"/>
+          </p:nvPr>
+        </p:nvSpPr>
+        <p:spPr>
+          <a:xfrm>
+            <a:off x="746125" y="1143000"/>
+            <a:ext cx="5365750" cy="3086100"/>
+          </a:xfrm>
+        </p:spPr>
+      </p:sp>
+      <p:sp>
+        <p:nvSpPr>
+          <p:cNvPr id="3" name="Notes Placeholder 2"/>
+          <p:cNvSpPr>
+            <a:spLocks noGrp="1"/>
+          </p:cNvSpPr>
+          <p:nvPr>
+            <p:ph type="body" idx="1"/>
+          </p:nvPr>
+        </p:nvSpPr>
+        <p:spPr/>
+        <p:txBody>
+          <a:bodyPr/>
+          <a:lstStyle/>
+          <a:p>
+            <a:endParaRPr lang="en-US" dirty="0"/>
+          </a:p>
+        </p:txBody>
+      </p:sp>
+      <p:sp>
+        <p:nvSpPr>
+          <p:cNvPr id="4" name="Slide Number Placeholder 3"/>
+          <p:cNvSpPr>
+            <a:spLocks noGrp="1"/>
+          </p:cNvSpPr>
+          <p:nvPr>
+            <p:ph type="sldNum" sz="quarter" idx="5"/>
+          </p:nvPr>
+        </p:nvSpPr>
+        <p:spPr/>
+        <p:txBody>
+          <a:bodyPr/>
+          <a:lstStyle/>
+          <a:p>
+            <a:fld id="{0456FA51-D998-462E-A396-8DD0F2EBA80B}" type="slidenum">
+              <a:rPr lang="en-US" smtClean="0"/>
+              <a:t>1</a:t>
+            </a:fld>
+            <a:endParaRPr lang="en-US"/>
+          </a:p>
+        </p:txBody>
+      </p:sp>
+    </p:spTree>
+    <p:extLst>
+      <p:ext uri="{BB962C8B-B14F-4D97-AF65-F5344CB8AC3E}">
+        <p14:creationId xmlns:p14="http://schemas.microsoft.com/office/powerpoint/2010/main" val="1836760258"/>
+      </p:ext>
+    </p:extLst>
+  </p:cSld>
+  <p:clrMapOvr>
+    <a:masterClrMapping/>
+  </p:clrMapOvr>
+</p:notes>
+</file>
+
 <file path=ppt/slideLayouts/slideLayout1.xml><?xml version="1.0" encoding="utf-8"?>
 <p:sldLayout xmlns:a="http://schemas.openxmlformats.org/drawingml/2006/main" xmlns:r="http://schemas.openxmlformats.org/officeDocument/2006/relationships" xmlns:p="http://schemas.openxmlformats.org/presentationml/2006/main" type="title" preserve="1">
-  <p:cSld name="标题幻灯片">
+  <p:cSld name="Title Slide">
     <p:spTree>
       <p:nvGrpSpPr>
         <p:cNvPr id="1" name=""/>
@@ -145,21 +586,21 @@
         </p:nvSpPr>
         <p:spPr>
           <a:xfrm>
-            <a:off x="976908" y="733433"/>
-            <a:ext cx="5861447" cy="1560230"/>
+            <a:off x="914400" y="688486"/>
+            <a:ext cx="5486400" cy="1464616"/>
           </a:xfrm>
         </p:spPr>
         <p:txBody>
           <a:bodyPr anchor="b"/>
           <a:lstStyle>
             <a:lvl1pPr algn="ctr">
-              <a:defRPr sz="3846"/>
+              <a:defRPr sz="3600"/>
             </a:lvl1pPr>
           </a:lstStyle>
           <a:p>
             <a:r>
-              <a:rPr lang="zh-CN" altLang="en-US"/>
-              <a:t>单击此处编辑母版标题样式</a:t>
+              <a:rPr lang="en-US"/>
+              <a:t>Click to edit Master title style</a:t>
             </a:r>
             <a:endParaRPr lang="en-US" dirty="0"/>
           </a:p>
@@ -177,8 +618,8 @@
         </p:nvSpPr>
         <p:spPr>
           <a:xfrm>
-            <a:off x="976908" y="2353832"/>
-            <a:ext cx="5861447" cy="1081995"/>
+            <a:off x="914400" y="2209584"/>
+            <a:ext cx="5486400" cy="1015687"/>
           </a:xfrm>
         </p:spPr>
         <p:txBody>
@@ -186,45 +627,45 @@
           <a:lstStyle>
             <a:lvl1pPr marL="0" indent="0" algn="ctr">
               <a:buNone/>
-              <a:defRPr sz="1538"/>
+              <a:defRPr sz="1440"/>
             </a:lvl1pPr>
-            <a:lvl2pPr marL="293065" indent="0" algn="ctr">
+            <a:lvl2pPr marL="274320" indent="0" algn="ctr">
               <a:buNone/>
-              <a:defRPr sz="1282"/>
+              <a:defRPr sz="1200"/>
             </a:lvl2pPr>
-            <a:lvl3pPr marL="586130" indent="0" algn="ctr">
+            <a:lvl3pPr marL="548640" indent="0" algn="ctr">
               <a:buNone/>
-              <a:defRPr sz="1154"/>
+              <a:defRPr sz="1080"/>
             </a:lvl3pPr>
-            <a:lvl4pPr marL="879196" indent="0" algn="ctr">
+            <a:lvl4pPr marL="822960" indent="0" algn="ctr">
               <a:buNone/>
-              <a:defRPr sz="1026"/>
+              <a:defRPr sz="960"/>
             </a:lvl4pPr>
-            <a:lvl5pPr marL="1172261" indent="0" algn="ctr">
+            <a:lvl5pPr marL="1097280" indent="0" algn="ctr">
               <a:buNone/>
-              <a:defRPr sz="1026"/>
+              <a:defRPr sz="960"/>
             </a:lvl5pPr>
-            <a:lvl6pPr marL="1465326" indent="0" algn="ctr">
+            <a:lvl6pPr marL="1371600" indent="0" algn="ctr">
               <a:buNone/>
-              <a:defRPr sz="1026"/>
+              <a:defRPr sz="960"/>
             </a:lvl6pPr>
-            <a:lvl7pPr marL="1758391" indent="0" algn="ctr">
+            <a:lvl7pPr marL="1645920" indent="0" algn="ctr">
               <a:buNone/>
-              <a:defRPr sz="1026"/>
+              <a:defRPr sz="960"/>
             </a:lvl7pPr>
-            <a:lvl8pPr marL="2051456" indent="0" algn="ctr">
+            <a:lvl8pPr marL="1920240" indent="0" algn="ctr">
               <a:buNone/>
-              <a:defRPr sz="1026"/>
+              <a:defRPr sz="960"/>
             </a:lvl8pPr>
-            <a:lvl9pPr marL="2344522" indent="0" algn="ctr">
+            <a:lvl9pPr marL="2194560" indent="0" algn="ctr">
               <a:buNone/>
-              <a:defRPr sz="1026"/>
+              <a:defRPr sz="960"/>
             </a:lvl9pPr>
           </a:lstStyle>
           <a:p>
             <a:r>
-              <a:rPr lang="zh-CN" altLang="en-US"/>
-              <a:t>单击此处编辑母版副标题样式</a:t>
+              <a:rPr lang="en-US"/>
+              <a:t>Click to edit Master subtitle style</a:t>
             </a:r>
             <a:endParaRPr lang="en-US" dirty="0"/>
           </a:p>
@@ -298,7 +739,7 @@
     </p:spTree>
     <p:extLst>
       <p:ext uri="{BB962C8B-B14F-4D97-AF65-F5344CB8AC3E}">
-        <p14:creationId xmlns:p14="http://schemas.microsoft.com/office/powerpoint/2010/main" val="1955187165"/>
+        <p14:creationId xmlns:p14="http://schemas.microsoft.com/office/powerpoint/2010/main" val="1181182584"/>
       </p:ext>
     </p:extLst>
   </p:cSld>
@@ -310,7 +751,7 @@
 
 <file path=ppt/slideLayouts/slideLayout10.xml><?xml version="1.0" encoding="utf-8"?>
 <p:sldLayout xmlns:a="http://schemas.openxmlformats.org/drawingml/2006/main" xmlns:r="http://schemas.openxmlformats.org/officeDocument/2006/relationships" xmlns:p="http://schemas.openxmlformats.org/presentationml/2006/main" type="vertTx" preserve="1">
-  <p:cSld name="标题和竖排文字">
+  <p:cSld name="Title and Vertical Text">
     <p:spTree>
       <p:nvGrpSpPr>
         <p:cNvPr id="1" name=""/>
@@ -341,8 +782,8 @@
           <a:lstStyle/>
           <a:p>
             <a:r>
-              <a:rPr lang="zh-CN" altLang="en-US"/>
-              <a:t>单击此处编辑母版标题样式</a:t>
+              <a:rPr lang="en-US"/>
+              <a:t>Click to edit Master title style</a:t>
             </a:r>
             <a:endParaRPr lang="en-US" dirty="0"/>
           </a:p>
@@ -365,36 +806,36 @@
           <a:p>
             <a:pPr lvl="0"/>
             <a:r>
-              <a:rPr lang="zh-CN" altLang="en-US"/>
-              <a:t>单击此处编辑母版文本样式</a:t>
+              <a:rPr lang="en-US"/>
+              <a:t>Click to edit Master text styles</a:t>
             </a:r>
           </a:p>
           <a:p>
             <a:pPr lvl="1"/>
             <a:r>
-              <a:rPr lang="zh-CN" altLang="en-US"/>
-              <a:t>二级</a:t>
+              <a:rPr lang="en-US"/>
+              <a:t>Second level</a:t>
             </a:r>
           </a:p>
           <a:p>
             <a:pPr lvl="2"/>
             <a:r>
-              <a:rPr lang="zh-CN" altLang="en-US"/>
-              <a:t>三级</a:t>
+              <a:rPr lang="en-US"/>
+              <a:t>Third level</a:t>
             </a:r>
           </a:p>
           <a:p>
             <a:pPr lvl="3"/>
             <a:r>
-              <a:rPr lang="zh-CN" altLang="en-US"/>
-              <a:t>四级</a:t>
+              <a:rPr lang="en-US"/>
+              <a:t>Fourth level</a:t>
             </a:r>
           </a:p>
           <a:p>
             <a:pPr lvl="4"/>
             <a:r>
-              <a:rPr lang="zh-CN" altLang="en-US"/>
-              <a:t>五级</a:t>
+              <a:rPr lang="en-US"/>
+              <a:t>Fifth level</a:t>
             </a:r>
             <a:endParaRPr lang="en-US" dirty="0"/>
           </a:p>
@@ -468,7 +909,7 @@
     </p:spTree>
     <p:extLst>
       <p:ext uri="{BB962C8B-B14F-4D97-AF65-F5344CB8AC3E}">
-        <p14:creationId xmlns:p14="http://schemas.microsoft.com/office/powerpoint/2010/main" val="2386211257"/>
+        <p14:creationId xmlns:p14="http://schemas.microsoft.com/office/powerpoint/2010/main" val="2401621787"/>
       </p:ext>
     </p:extLst>
   </p:cSld>
@@ -480,7 +921,7 @@
 
 <file path=ppt/slideLayouts/slideLayout11.xml><?xml version="1.0" encoding="utf-8"?>
 <p:sldLayout xmlns:a="http://schemas.openxmlformats.org/drawingml/2006/main" xmlns:r="http://schemas.openxmlformats.org/officeDocument/2006/relationships" xmlns:p="http://schemas.openxmlformats.org/presentationml/2006/main" type="vertTitleAndTx" preserve="1">
-  <p:cSld name="竖排标题与文本">
+  <p:cSld name="Vertical Title and Text">
     <p:spTree>
       <p:nvGrpSpPr>
         <p:cNvPr id="1" name=""/>
@@ -507,8 +948,8 @@
         </p:nvSpPr>
         <p:spPr>
           <a:xfrm>
-            <a:off x="5592798" y="238599"/>
-            <a:ext cx="1685166" cy="3797875"/>
+            <a:off x="5234940" y="223977"/>
+            <a:ext cx="1577340" cy="3565132"/>
           </a:xfrm>
         </p:spPr>
         <p:txBody>
@@ -516,8 +957,8 @@
           <a:lstStyle/>
           <a:p>
             <a:r>
-              <a:rPr lang="zh-CN" altLang="en-US"/>
-              <a:t>单击此处编辑母版标题样式</a:t>
+              <a:rPr lang="en-US"/>
+              <a:t>Click to edit Master title style</a:t>
             </a:r>
             <a:endParaRPr lang="en-US" dirty="0"/>
           </a:p>
@@ -535,8 +976,8 @@
         </p:nvSpPr>
         <p:spPr>
           <a:xfrm>
-            <a:off x="537300" y="238599"/>
-            <a:ext cx="4957807" cy="3797875"/>
+            <a:off x="502920" y="223977"/>
+            <a:ext cx="4640580" cy="3565132"/>
           </a:xfrm>
         </p:spPr>
         <p:txBody>
@@ -545,36 +986,36 @@
           <a:p>
             <a:pPr lvl="0"/>
             <a:r>
-              <a:rPr lang="zh-CN" altLang="en-US"/>
-              <a:t>单击此处编辑母版文本样式</a:t>
+              <a:rPr lang="en-US"/>
+              <a:t>Click to edit Master text styles</a:t>
             </a:r>
           </a:p>
           <a:p>
             <a:pPr lvl="1"/>
             <a:r>
-              <a:rPr lang="zh-CN" altLang="en-US"/>
-              <a:t>二级</a:t>
+              <a:rPr lang="en-US"/>
+              <a:t>Second level</a:t>
             </a:r>
           </a:p>
           <a:p>
             <a:pPr lvl="2"/>
             <a:r>
-              <a:rPr lang="zh-CN" altLang="en-US"/>
-              <a:t>三级</a:t>
+              <a:rPr lang="en-US"/>
+              <a:t>Third level</a:t>
             </a:r>
           </a:p>
           <a:p>
             <a:pPr lvl="3"/>
             <a:r>
-              <a:rPr lang="zh-CN" altLang="en-US"/>
-              <a:t>四级</a:t>
+              <a:rPr lang="en-US"/>
+              <a:t>Fourth level</a:t>
             </a:r>
           </a:p>
           <a:p>
             <a:pPr lvl="4"/>
             <a:r>
-              <a:rPr lang="zh-CN" altLang="en-US"/>
-              <a:t>五级</a:t>
+              <a:rPr lang="en-US"/>
+              <a:t>Fifth level</a:t>
             </a:r>
             <a:endParaRPr lang="en-US" dirty="0"/>
           </a:p>
@@ -648,7 +1089,7 @@
     </p:spTree>
     <p:extLst>
       <p:ext uri="{BB962C8B-B14F-4D97-AF65-F5344CB8AC3E}">
-        <p14:creationId xmlns:p14="http://schemas.microsoft.com/office/powerpoint/2010/main" val="2988783373"/>
+        <p14:creationId xmlns:p14="http://schemas.microsoft.com/office/powerpoint/2010/main" val="3768442552"/>
       </p:ext>
     </p:extLst>
   </p:cSld>
@@ -660,7 +1101,7 @@
 
 <file path=ppt/slideLayouts/slideLayout2.xml><?xml version="1.0" encoding="utf-8"?>
 <p:sldLayout xmlns:a="http://schemas.openxmlformats.org/drawingml/2006/main" xmlns:r="http://schemas.openxmlformats.org/officeDocument/2006/relationships" xmlns:p="http://schemas.openxmlformats.org/presentationml/2006/main" type="obj" preserve="1">
-  <p:cSld name="标题和内容">
+  <p:cSld name="Title and Content">
     <p:spTree>
       <p:nvGrpSpPr>
         <p:cNvPr id="1" name=""/>
@@ -691,8 +1132,8 @@
           <a:lstStyle/>
           <a:p>
             <a:r>
-              <a:rPr lang="zh-CN" altLang="en-US"/>
-              <a:t>单击此处编辑母版标题样式</a:t>
+              <a:rPr lang="en-US"/>
+              <a:t>Click to edit Master title style</a:t>
             </a:r>
             <a:endParaRPr lang="en-US" dirty="0"/>
           </a:p>
@@ -715,36 +1156,36 @@
           <a:p>
             <a:pPr lvl="0"/>
             <a:r>
-              <a:rPr lang="zh-CN" altLang="en-US"/>
-              <a:t>单击此处编辑母版文本样式</a:t>
+              <a:rPr lang="en-US"/>
+              <a:t>Click to edit Master text styles</a:t>
             </a:r>
           </a:p>
           <a:p>
             <a:pPr lvl="1"/>
             <a:r>
-              <a:rPr lang="zh-CN" altLang="en-US"/>
-              <a:t>二级</a:t>
+              <a:rPr lang="en-US"/>
+              <a:t>Second level</a:t>
             </a:r>
           </a:p>
           <a:p>
             <a:pPr lvl="2"/>
             <a:r>
-              <a:rPr lang="zh-CN" altLang="en-US"/>
-              <a:t>三级</a:t>
+              <a:rPr lang="en-US"/>
+              <a:t>Third level</a:t>
             </a:r>
           </a:p>
           <a:p>
             <a:pPr lvl="3"/>
             <a:r>
-              <a:rPr lang="zh-CN" altLang="en-US"/>
-              <a:t>四级</a:t>
+              <a:rPr lang="en-US"/>
+              <a:t>Fourth level</a:t>
             </a:r>
           </a:p>
           <a:p>
             <a:pPr lvl="4"/>
             <a:r>
-              <a:rPr lang="zh-CN" altLang="en-US"/>
-              <a:t>五级</a:t>
+              <a:rPr lang="en-US"/>
+              <a:t>Fifth level</a:t>
             </a:r>
             <a:endParaRPr lang="en-US" dirty="0"/>
           </a:p>
@@ -818,7 +1259,7 @@
     </p:spTree>
     <p:extLst>
       <p:ext uri="{BB962C8B-B14F-4D97-AF65-F5344CB8AC3E}">
-        <p14:creationId xmlns:p14="http://schemas.microsoft.com/office/powerpoint/2010/main" val="2408832216"/>
+        <p14:creationId xmlns:p14="http://schemas.microsoft.com/office/powerpoint/2010/main" val="3086946099"/>
       </p:ext>
     </p:extLst>
   </p:cSld>
@@ -830,7 +1271,7 @@
 
 <file path=ppt/slideLayouts/slideLayout3.xml><?xml version="1.0" encoding="utf-8"?>
 <p:sldLayout xmlns:a="http://schemas.openxmlformats.org/drawingml/2006/main" xmlns:r="http://schemas.openxmlformats.org/officeDocument/2006/relationships" xmlns:p="http://schemas.openxmlformats.org/presentationml/2006/main" type="secHead" preserve="1">
-  <p:cSld name="节标题">
+  <p:cSld name="Section Header">
     <p:spTree>
       <p:nvGrpSpPr>
         <p:cNvPr id="1" name=""/>
@@ -857,21 +1298,21 @@
         </p:nvSpPr>
         <p:spPr>
           <a:xfrm>
-            <a:off x="533229" y="1117267"/>
-            <a:ext cx="6740664" cy="1864185"/>
+            <a:off x="499110" y="1048798"/>
+            <a:ext cx="6309360" cy="1749943"/>
           </a:xfrm>
         </p:spPr>
         <p:txBody>
           <a:bodyPr anchor="b"/>
           <a:lstStyle>
             <a:lvl1pPr>
-              <a:defRPr sz="3846"/>
+              <a:defRPr sz="3600"/>
             </a:lvl1pPr>
           </a:lstStyle>
           <a:p>
             <a:r>
-              <a:rPr lang="zh-CN" altLang="en-US"/>
-              <a:t>单击此处编辑母版标题样式</a:t>
+              <a:rPr lang="en-US"/>
+              <a:t>Click to edit Master title style</a:t>
             </a:r>
             <a:endParaRPr lang="en-US" dirty="0"/>
           </a:p>
@@ -889,8 +1330,8 @@
         </p:nvSpPr>
         <p:spPr>
           <a:xfrm>
-            <a:off x="533229" y="2999087"/>
-            <a:ext cx="6740664" cy="980331"/>
+            <a:off x="499110" y="2815296"/>
+            <a:ext cx="6309360" cy="920254"/>
           </a:xfrm>
         </p:spPr>
         <p:txBody>
@@ -898,7 +1339,7 @@
           <a:lstStyle>
             <a:lvl1pPr marL="0" indent="0">
               <a:buNone/>
-              <a:defRPr sz="1538">
+              <a:defRPr sz="1440">
                 <a:solidFill>
                   <a:schemeClr val="tx1">
                     <a:tint val="75000"/>
@@ -906,9 +1347,9 @@
                 </a:solidFill>
               </a:defRPr>
             </a:lvl1pPr>
-            <a:lvl2pPr marL="293065" indent="0">
+            <a:lvl2pPr marL="274320" indent="0">
               <a:buNone/>
-              <a:defRPr sz="1282">
+              <a:defRPr sz="1200">
                 <a:solidFill>
                   <a:schemeClr val="tx1">
                     <a:tint val="75000"/>
@@ -916,9 +1357,9 @@
                 </a:solidFill>
               </a:defRPr>
             </a:lvl2pPr>
-            <a:lvl3pPr marL="586130" indent="0">
+            <a:lvl3pPr marL="548640" indent="0">
               <a:buNone/>
-              <a:defRPr sz="1154">
+              <a:defRPr sz="1080">
                 <a:solidFill>
                   <a:schemeClr val="tx1">
                     <a:tint val="75000"/>
@@ -926,9 +1367,9 @@
                 </a:solidFill>
               </a:defRPr>
             </a:lvl3pPr>
-            <a:lvl4pPr marL="879196" indent="0">
+            <a:lvl4pPr marL="822960" indent="0">
               <a:buNone/>
-              <a:defRPr sz="1026">
+              <a:defRPr sz="960">
                 <a:solidFill>
                   <a:schemeClr val="tx1">
                     <a:tint val="75000"/>
@@ -936,9 +1377,9 @@
                 </a:solidFill>
               </a:defRPr>
             </a:lvl4pPr>
-            <a:lvl5pPr marL="1172261" indent="0">
+            <a:lvl5pPr marL="1097280" indent="0">
               <a:buNone/>
-              <a:defRPr sz="1026">
+              <a:defRPr sz="960">
                 <a:solidFill>
                   <a:schemeClr val="tx1">
                     <a:tint val="75000"/>
@@ -946,9 +1387,9 @@
                 </a:solidFill>
               </a:defRPr>
             </a:lvl5pPr>
-            <a:lvl6pPr marL="1465326" indent="0">
+            <a:lvl6pPr marL="1371600" indent="0">
               <a:buNone/>
-              <a:defRPr sz="1026">
+              <a:defRPr sz="960">
                 <a:solidFill>
                   <a:schemeClr val="tx1">
                     <a:tint val="75000"/>
@@ -956,9 +1397,9 @@
                 </a:solidFill>
               </a:defRPr>
             </a:lvl6pPr>
-            <a:lvl7pPr marL="1758391" indent="0">
+            <a:lvl7pPr marL="1645920" indent="0">
               <a:buNone/>
-              <a:defRPr sz="1026">
+              <a:defRPr sz="960">
                 <a:solidFill>
                   <a:schemeClr val="tx1">
                     <a:tint val="75000"/>
@@ -966,9 +1407,9 @@
                 </a:solidFill>
               </a:defRPr>
             </a:lvl7pPr>
-            <a:lvl8pPr marL="2051456" indent="0">
+            <a:lvl8pPr marL="1920240" indent="0">
               <a:buNone/>
-              <a:defRPr sz="1026">
+              <a:defRPr sz="960">
                 <a:solidFill>
                   <a:schemeClr val="tx1">
                     <a:tint val="75000"/>
@@ -976,9 +1417,9 @@
                 </a:solidFill>
               </a:defRPr>
             </a:lvl8pPr>
-            <a:lvl9pPr marL="2344522" indent="0">
+            <a:lvl9pPr marL="2194560" indent="0">
               <a:buNone/>
-              <a:defRPr sz="1026">
+              <a:defRPr sz="960">
                 <a:solidFill>
                   <a:schemeClr val="tx1">
                     <a:tint val="75000"/>
@@ -990,8 +1431,8 @@
           <a:p>
             <a:pPr lvl="0"/>
             <a:r>
-              <a:rPr lang="zh-CN" altLang="en-US"/>
-              <a:t>单击此处编辑母版文本样式</a:t>
+              <a:rPr lang="en-US"/>
+              <a:t>Click to edit Master text styles</a:t>
             </a:r>
           </a:p>
         </p:txBody>
@@ -1064,7 +1505,7 @@
     </p:spTree>
     <p:extLst>
       <p:ext uri="{BB962C8B-B14F-4D97-AF65-F5344CB8AC3E}">
-        <p14:creationId xmlns:p14="http://schemas.microsoft.com/office/powerpoint/2010/main" val="3228405118"/>
+        <p14:creationId xmlns:p14="http://schemas.microsoft.com/office/powerpoint/2010/main" val="1811599653"/>
       </p:ext>
     </p:extLst>
   </p:cSld>
@@ -1076,7 +1517,7 @@
 
 <file path=ppt/slideLayouts/slideLayout4.xml><?xml version="1.0" encoding="utf-8"?>
 <p:sldLayout xmlns:a="http://schemas.openxmlformats.org/drawingml/2006/main" xmlns:r="http://schemas.openxmlformats.org/officeDocument/2006/relationships" xmlns:p="http://schemas.openxmlformats.org/presentationml/2006/main" type="twoObj" preserve="1">
-  <p:cSld name="两栏内容">
+  <p:cSld name="Two Content">
     <p:spTree>
       <p:nvGrpSpPr>
         <p:cNvPr id="1" name=""/>
@@ -1107,8 +1548,8 @@
           <a:lstStyle/>
           <a:p>
             <a:r>
-              <a:rPr lang="zh-CN" altLang="en-US"/>
-              <a:t>单击此处编辑母版标题样式</a:t>
+              <a:rPr lang="en-US"/>
+              <a:t>Click to edit Master title style</a:t>
             </a:r>
             <a:endParaRPr lang="en-US" dirty="0"/>
           </a:p>
@@ -1126,8 +1567,8 @@
         </p:nvSpPr>
         <p:spPr>
           <a:xfrm>
-            <a:off x="537299" y="1192995"/>
-            <a:ext cx="3321487" cy="2843479"/>
+            <a:off x="502920" y="1119885"/>
+            <a:ext cx="3108960" cy="2669224"/>
           </a:xfrm>
         </p:spPr>
         <p:txBody>
@@ -1136,36 +1577,36 @@
           <a:p>
             <a:pPr lvl="0"/>
             <a:r>
-              <a:rPr lang="zh-CN" altLang="en-US"/>
-              <a:t>单击此处编辑母版文本样式</a:t>
+              <a:rPr lang="en-US"/>
+              <a:t>Click to edit Master text styles</a:t>
             </a:r>
           </a:p>
           <a:p>
             <a:pPr lvl="1"/>
             <a:r>
-              <a:rPr lang="zh-CN" altLang="en-US"/>
-              <a:t>二级</a:t>
+              <a:rPr lang="en-US"/>
+              <a:t>Second level</a:t>
             </a:r>
           </a:p>
           <a:p>
             <a:pPr lvl="2"/>
             <a:r>
-              <a:rPr lang="zh-CN" altLang="en-US"/>
-              <a:t>三级</a:t>
+              <a:rPr lang="en-US"/>
+              <a:t>Third level</a:t>
             </a:r>
           </a:p>
           <a:p>
             <a:pPr lvl="3"/>
             <a:r>
-              <a:rPr lang="zh-CN" altLang="en-US"/>
-              <a:t>四级</a:t>
+              <a:rPr lang="en-US"/>
+              <a:t>Fourth level</a:t>
             </a:r>
           </a:p>
           <a:p>
             <a:pPr lvl="4"/>
             <a:r>
-              <a:rPr lang="zh-CN" altLang="en-US"/>
-              <a:t>五级</a:t>
+              <a:rPr lang="en-US"/>
+              <a:t>Fifth level</a:t>
             </a:r>
             <a:endParaRPr lang="en-US" dirty="0"/>
           </a:p>
@@ -1183,8 +1624,8 @@
         </p:nvSpPr>
         <p:spPr>
           <a:xfrm>
-            <a:off x="3956477" y="1192995"/>
-            <a:ext cx="3321487" cy="2843479"/>
+            <a:off x="3703320" y="1119885"/>
+            <a:ext cx="3108960" cy="2669224"/>
           </a:xfrm>
         </p:spPr>
         <p:txBody>
@@ -1193,36 +1634,36 @@
           <a:p>
             <a:pPr lvl="0"/>
             <a:r>
-              <a:rPr lang="zh-CN" altLang="en-US"/>
-              <a:t>单击此处编辑母版文本样式</a:t>
+              <a:rPr lang="en-US"/>
+              <a:t>Click to edit Master text styles</a:t>
             </a:r>
           </a:p>
           <a:p>
             <a:pPr lvl="1"/>
             <a:r>
-              <a:rPr lang="zh-CN" altLang="en-US"/>
-              <a:t>二级</a:t>
+              <a:rPr lang="en-US"/>
+              <a:t>Second level</a:t>
             </a:r>
           </a:p>
           <a:p>
             <a:pPr lvl="2"/>
             <a:r>
-              <a:rPr lang="zh-CN" altLang="en-US"/>
-              <a:t>三级</a:t>
+              <a:rPr lang="en-US"/>
+              <a:t>Third level</a:t>
             </a:r>
           </a:p>
           <a:p>
             <a:pPr lvl="3"/>
             <a:r>
-              <a:rPr lang="zh-CN" altLang="en-US"/>
-              <a:t>四级</a:t>
+              <a:rPr lang="en-US"/>
+              <a:t>Fourth level</a:t>
             </a:r>
           </a:p>
           <a:p>
             <a:pPr lvl="4"/>
             <a:r>
-              <a:rPr lang="zh-CN" altLang="en-US"/>
-              <a:t>五级</a:t>
+              <a:rPr lang="en-US"/>
+              <a:t>Fifth level</a:t>
             </a:r>
             <a:endParaRPr lang="en-US" dirty="0"/>
           </a:p>
@@ -1296,7 +1737,7 @@
     </p:spTree>
     <p:extLst>
       <p:ext uri="{BB962C8B-B14F-4D97-AF65-F5344CB8AC3E}">
-        <p14:creationId xmlns:p14="http://schemas.microsoft.com/office/powerpoint/2010/main" val="3476627342"/>
+        <p14:creationId xmlns:p14="http://schemas.microsoft.com/office/powerpoint/2010/main" val="3549379051"/>
       </p:ext>
     </p:extLst>
   </p:cSld>
@@ -1308,7 +1749,7 @@
 
 <file path=ppt/slideLayouts/slideLayout5.xml><?xml version="1.0" encoding="utf-8"?>
 <p:sldLayout xmlns:a="http://schemas.openxmlformats.org/drawingml/2006/main" xmlns:r="http://schemas.openxmlformats.org/officeDocument/2006/relationships" xmlns:p="http://schemas.openxmlformats.org/presentationml/2006/main" type="twoTxTwoObj" preserve="1">
-  <p:cSld name="比较">
+  <p:cSld name="Comparison">
     <p:spTree>
       <p:nvGrpSpPr>
         <p:cNvPr id="1" name=""/>
@@ -1335,8 +1776,8 @@
         </p:nvSpPr>
         <p:spPr>
           <a:xfrm>
-            <a:off x="538317" y="238599"/>
-            <a:ext cx="6740664" cy="866219"/>
+            <a:off x="503873" y="223977"/>
+            <a:ext cx="6309360" cy="813135"/>
           </a:xfrm>
         </p:spPr>
         <p:txBody>
@@ -1344,8 +1785,8 @@
           <a:lstStyle/>
           <a:p>
             <a:r>
-              <a:rPr lang="zh-CN" altLang="en-US"/>
-              <a:t>单击此处编辑母版标题样式</a:t>
+              <a:rPr lang="en-US"/>
+              <a:t>Click to edit Master title style</a:t>
             </a:r>
             <a:endParaRPr lang="en-US" dirty="0"/>
           </a:p>
@@ -1363,8 +1804,8 @@
         </p:nvSpPr>
         <p:spPr>
           <a:xfrm>
-            <a:off x="538318" y="1098593"/>
-            <a:ext cx="3306222" cy="538404"/>
+            <a:off x="503873" y="1031269"/>
+            <a:ext cx="3094672" cy="505409"/>
           </a:xfrm>
         </p:spPr>
         <p:txBody>
@@ -1372,46 +1813,46 @@
           <a:lstStyle>
             <a:lvl1pPr marL="0" indent="0">
               <a:buNone/>
-              <a:defRPr sz="1538" b="1"/>
+              <a:defRPr sz="1440" b="1"/>
             </a:lvl1pPr>
-            <a:lvl2pPr marL="293065" indent="0">
+            <a:lvl2pPr marL="274320" indent="0">
               <a:buNone/>
-              <a:defRPr sz="1282" b="1"/>
+              <a:defRPr sz="1200" b="1"/>
             </a:lvl2pPr>
-            <a:lvl3pPr marL="586130" indent="0">
+            <a:lvl3pPr marL="548640" indent="0">
               <a:buNone/>
-              <a:defRPr sz="1154" b="1"/>
+              <a:defRPr sz="1080" b="1"/>
             </a:lvl3pPr>
-            <a:lvl4pPr marL="879196" indent="0">
+            <a:lvl4pPr marL="822960" indent="0">
               <a:buNone/>
-              <a:defRPr sz="1026" b="1"/>
+              <a:defRPr sz="960" b="1"/>
             </a:lvl4pPr>
-            <a:lvl5pPr marL="1172261" indent="0">
+            <a:lvl5pPr marL="1097280" indent="0">
               <a:buNone/>
-              <a:defRPr sz="1026" b="1"/>
+              <a:defRPr sz="960" b="1"/>
             </a:lvl5pPr>
-            <a:lvl6pPr marL="1465326" indent="0">
+            <a:lvl6pPr marL="1371600" indent="0">
               <a:buNone/>
-              <a:defRPr sz="1026" b="1"/>
+              <a:defRPr sz="960" b="1"/>
             </a:lvl6pPr>
-            <a:lvl7pPr marL="1758391" indent="0">
+            <a:lvl7pPr marL="1645920" indent="0">
               <a:buNone/>
-              <a:defRPr sz="1026" b="1"/>
+              <a:defRPr sz="960" b="1"/>
             </a:lvl7pPr>
-            <a:lvl8pPr marL="2051456" indent="0">
+            <a:lvl8pPr marL="1920240" indent="0">
               <a:buNone/>
-              <a:defRPr sz="1026" b="1"/>
+              <a:defRPr sz="960" b="1"/>
             </a:lvl8pPr>
-            <a:lvl9pPr marL="2344522" indent="0">
+            <a:lvl9pPr marL="2194560" indent="0">
               <a:buNone/>
-              <a:defRPr sz="1026" b="1"/>
+              <a:defRPr sz="960" b="1"/>
             </a:lvl9pPr>
           </a:lstStyle>
           <a:p>
             <a:pPr lvl="0"/>
             <a:r>
-              <a:rPr lang="zh-CN" altLang="en-US"/>
-              <a:t>单击此处编辑母版文本样式</a:t>
+              <a:rPr lang="en-US"/>
+              <a:t>Click to edit Master text styles</a:t>
             </a:r>
           </a:p>
         </p:txBody>
@@ -1428,8 +1869,8 @@
         </p:nvSpPr>
         <p:spPr>
           <a:xfrm>
-            <a:off x="538318" y="1636997"/>
-            <a:ext cx="3306222" cy="2407776"/>
+            <a:off x="503873" y="1536678"/>
+            <a:ext cx="3094672" cy="2260222"/>
           </a:xfrm>
         </p:spPr>
         <p:txBody>
@@ -1438,36 +1879,36 @@
           <a:p>
             <a:pPr lvl="0"/>
             <a:r>
-              <a:rPr lang="zh-CN" altLang="en-US"/>
-              <a:t>单击此处编辑母版文本样式</a:t>
+              <a:rPr lang="en-US"/>
+              <a:t>Click to edit Master text styles</a:t>
             </a:r>
           </a:p>
           <a:p>
             <a:pPr lvl="1"/>
             <a:r>
-              <a:rPr lang="zh-CN" altLang="en-US"/>
-              <a:t>二级</a:t>
+              <a:rPr lang="en-US"/>
+              <a:t>Second level</a:t>
             </a:r>
           </a:p>
           <a:p>
             <a:pPr lvl="2"/>
             <a:r>
-              <a:rPr lang="zh-CN" altLang="en-US"/>
-              <a:t>三级</a:t>
+              <a:rPr lang="en-US"/>
+              <a:t>Third level</a:t>
             </a:r>
           </a:p>
           <a:p>
             <a:pPr lvl="3"/>
             <a:r>
-              <a:rPr lang="zh-CN" altLang="en-US"/>
-              <a:t>四级</a:t>
+              <a:rPr lang="en-US"/>
+              <a:t>Fourth level</a:t>
             </a:r>
           </a:p>
           <a:p>
             <a:pPr lvl="4"/>
             <a:r>
-              <a:rPr lang="zh-CN" altLang="en-US"/>
-              <a:t>五级</a:t>
+              <a:rPr lang="en-US"/>
+              <a:t>Fifth level</a:t>
             </a:r>
             <a:endParaRPr lang="en-US" dirty="0"/>
           </a:p>
@@ -1485,8 +1926,8 @@
         </p:nvSpPr>
         <p:spPr>
           <a:xfrm>
-            <a:off x="3956477" y="1098593"/>
-            <a:ext cx="3322505" cy="538404"/>
+            <a:off x="3703320" y="1031269"/>
+            <a:ext cx="3109913" cy="505409"/>
           </a:xfrm>
         </p:spPr>
         <p:txBody>
@@ -1494,46 +1935,46 @@
           <a:lstStyle>
             <a:lvl1pPr marL="0" indent="0">
               <a:buNone/>
-              <a:defRPr sz="1538" b="1"/>
+              <a:defRPr sz="1440" b="1"/>
             </a:lvl1pPr>
-            <a:lvl2pPr marL="293065" indent="0">
+            <a:lvl2pPr marL="274320" indent="0">
               <a:buNone/>
-              <a:defRPr sz="1282" b="1"/>
+              <a:defRPr sz="1200" b="1"/>
             </a:lvl2pPr>
-            <a:lvl3pPr marL="586130" indent="0">
+            <a:lvl3pPr marL="548640" indent="0">
               <a:buNone/>
-              <a:defRPr sz="1154" b="1"/>
+              <a:defRPr sz="1080" b="1"/>
             </a:lvl3pPr>
-            <a:lvl4pPr marL="879196" indent="0">
+            <a:lvl4pPr marL="822960" indent="0">
               <a:buNone/>
-              <a:defRPr sz="1026" b="1"/>
+              <a:defRPr sz="960" b="1"/>
             </a:lvl4pPr>
-            <a:lvl5pPr marL="1172261" indent="0">
+            <a:lvl5pPr marL="1097280" indent="0">
               <a:buNone/>
-              <a:defRPr sz="1026" b="1"/>
+              <a:defRPr sz="960" b="1"/>
             </a:lvl5pPr>
-            <a:lvl6pPr marL="1465326" indent="0">
+            <a:lvl6pPr marL="1371600" indent="0">
               <a:buNone/>
-              <a:defRPr sz="1026" b="1"/>
+              <a:defRPr sz="960" b="1"/>
             </a:lvl6pPr>
-            <a:lvl7pPr marL="1758391" indent="0">
+            <a:lvl7pPr marL="1645920" indent="0">
               <a:buNone/>
-              <a:defRPr sz="1026" b="1"/>
+              <a:defRPr sz="960" b="1"/>
             </a:lvl7pPr>
-            <a:lvl8pPr marL="2051456" indent="0">
+            <a:lvl8pPr marL="1920240" indent="0">
               <a:buNone/>
-              <a:defRPr sz="1026" b="1"/>
+              <a:defRPr sz="960" b="1"/>
             </a:lvl8pPr>
-            <a:lvl9pPr marL="2344522" indent="0">
+            <a:lvl9pPr marL="2194560" indent="0">
               <a:buNone/>
-              <a:defRPr sz="1026" b="1"/>
+              <a:defRPr sz="960" b="1"/>
             </a:lvl9pPr>
           </a:lstStyle>
           <a:p>
             <a:pPr lvl="0"/>
             <a:r>
-              <a:rPr lang="zh-CN" altLang="en-US"/>
-              <a:t>单击此处编辑母版文本样式</a:t>
+              <a:rPr lang="en-US"/>
+              <a:t>Click to edit Master text styles</a:t>
             </a:r>
           </a:p>
         </p:txBody>
@@ -1550,8 +1991,8 @@
         </p:nvSpPr>
         <p:spPr>
           <a:xfrm>
-            <a:off x="3956477" y="1636997"/>
-            <a:ext cx="3322505" cy="2407776"/>
+            <a:off x="3703320" y="1536678"/>
+            <a:ext cx="3109913" cy="2260222"/>
           </a:xfrm>
         </p:spPr>
         <p:txBody>
@@ -1560,36 +2001,36 @@
           <a:p>
             <a:pPr lvl="0"/>
             <a:r>
-              <a:rPr lang="zh-CN" altLang="en-US"/>
-              <a:t>单击此处编辑母版文本样式</a:t>
+              <a:rPr lang="en-US"/>
+              <a:t>Click to edit Master text styles</a:t>
             </a:r>
           </a:p>
           <a:p>
             <a:pPr lvl="1"/>
             <a:r>
-              <a:rPr lang="zh-CN" altLang="en-US"/>
-              <a:t>二级</a:t>
+              <a:rPr lang="en-US"/>
+              <a:t>Second level</a:t>
             </a:r>
           </a:p>
           <a:p>
             <a:pPr lvl="2"/>
             <a:r>
-              <a:rPr lang="zh-CN" altLang="en-US"/>
-              <a:t>三级</a:t>
+              <a:rPr lang="en-US"/>
+              <a:t>Third level</a:t>
             </a:r>
           </a:p>
           <a:p>
             <a:pPr lvl="3"/>
             <a:r>
-              <a:rPr lang="zh-CN" altLang="en-US"/>
-              <a:t>四级</a:t>
+              <a:rPr lang="en-US"/>
+              <a:t>Fourth level</a:t>
             </a:r>
           </a:p>
           <a:p>
             <a:pPr lvl="4"/>
             <a:r>
-              <a:rPr lang="zh-CN" altLang="en-US"/>
-              <a:t>五级</a:t>
+              <a:rPr lang="en-US"/>
+              <a:t>Fifth level</a:t>
             </a:r>
             <a:endParaRPr lang="en-US" dirty="0"/>
           </a:p>
@@ -1663,7 +2104,7 @@
     </p:spTree>
     <p:extLst>
       <p:ext uri="{BB962C8B-B14F-4D97-AF65-F5344CB8AC3E}">
-        <p14:creationId xmlns:p14="http://schemas.microsoft.com/office/powerpoint/2010/main" val="908889254"/>
+        <p14:creationId xmlns:p14="http://schemas.microsoft.com/office/powerpoint/2010/main" val="4076193347"/>
       </p:ext>
     </p:extLst>
   </p:cSld>
@@ -1675,7 +2116,7 @@
 
 <file path=ppt/slideLayouts/slideLayout6.xml><?xml version="1.0" encoding="utf-8"?>
 <p:sldLayout xmlns:a="http://schemas.openxmlformats.org/drawingml/2006/main" xmlns:r="http://schemas.openxmlformats.org/officeDocument/2006/relationships" xmlns:p="http://schemas.openxmlformats.org/presentationml/2006/main" type="titleOnly" preserve="1">
-  <p:cSld name="仅标题">
+  <p:cSld name="Title Only">
     <p:spTree>
       <p:nvGrpSpPr>
         <p:cNvPr id="1" name=""/>
@@ -1706,8 +2147,8 @@
           <a:lstStyle/>
           <a:p>
             <a:r>
-              <a:rPr lang="zh-CN" altLang="en-US"/>
-              <a:t>单击此处编辑母版标题样式</a:t>
+              <a:rPr lang="en-US"/>
+              <a:t>Click to edit Master title style</a:t>
             </a:r>
             <a:endParaRPr lang="en-US" dirty="0"/>
           </a:p>
@@ -1781,7 +2222,7 @@
     </p:spTree>
     <p:extLst>
       <p:ext uri="{BB962C8B-B14F-4D97-AF65-F5344CB8AC3E}">
-        <p14:creationId xmlns:p14="http://schemas.microsoft.com/office/powerpoint/2010/main" val="104250475"/>
+        <p14:creationId xmlns:p14="http://schemas.microsoft.com/office/powerpoint/2010/main" val="4049528227"/>
       </p:ext>
     </p:extLst>
   </p:cSld>
@@ -1793,7 +2234,7 @@
 
 <file path=ppt/slideLayouts/slideLayout7.xml><?xml version="1.0" encoding="utf-8"?>
 <p:sldLayout xmlns:a="http://schemas.openxmlformats.org/drawingml/2006/main" xmlns:r="http://schemas.openxmlformats.org/officeDocument/2006/relationships" xmlns:p="http://schemas.openxmlformats.org/presentationml/2006/main" type="blank" preserve="1">
-  <p:cSld name="空白">
+  <p:cSld name="Blank">
     <p:spTree>
       <p:nvGrpSpPr>
         <p:cNvPr id="1" name=""/>
@@ -1876,7 +2317,7 @@
     </p:spTree>
     <p:extLst>
       <p:ext uri="{BB962C8B-B14F-4D97-AF65-F5344CB8AC3E}">
-        <p14:creationId xmlns:p14="http://schemas.microsoft.com/office/powerpoint/2010/main" val="3367854371"/>
+        <p14:creationId xmlns:p14="http://schemas.microsoft.com/office/powerpoint/2010/main" val="1235197476"/>
       </p:ext>
     </p:extLst>
   </p:cSld>
@@ -1888,7 +2329,7 @@
 
 <file path=ppt/slideLayouts/slideLayout8.xml><?xml version="1.0" encoding="utf-8"?>
 <p:sldLayout xmlns:a="http://schemas.openxmlformats.org/drawingml/2006/main" xmlns:r="http://schemas.openxmlformats.org/officeDocument/2006/relationships" xmlns:p="http://schemas.openxmlformats.org/presentationml/2006/main" type="objTx" preserve="1">
-  <p:cSld name="内容与标题">
+  <p:cSld name="Content with Caption">
     <p:spTree>
       <p:nvGrpSpPr>
         <p:cNvPr id="1" name=""/>
@@ -1915,21 +2356,21 @@
         </p:nvSpPr>
         <p:spPr>
           <a:xfrm>
-            <a:off x="538317" y="298768"/>
-            <a:ext cx="2520626" cy="1045686"/>
+            <a:off x="503873" y="280458"/>
+            <a:ext cx="2359342" cy="981604"/>
           </a:xfrm>
         </p:spPr>
         <p:txBody>
           <a:bodyPr anchor="b"/>
           <a:lstStyle>
             <a:lvl1pPr>
-              <a:defRPr sz="2051"/>
+              <a:defRPr sz="1920"/>
             </a:lvl1pPr>
           </a:lstStyle>
           <a:p>
             <a:r>
-              <a:rPr lang="zh-CN" altLang="en-US"/>
-              <a:t>单击此处编辑母版标题样式</a:t>
+              <a:rPr lang="en-US"/>
+              <a:t>Click to edit Master title style</a:t>
             </a:r>
             <a:endParaRPr lang="en-US" dirty="0"/>
           </a:p>
@@ -1947,74 +2388,74 @@
         </p:nvSpPr>
         <p:spPr>
           <a:xfrm>
-            <a:off x="3322505" y="645255"/>
-            <a:ext cx="3956477" cy="3184779"/>
+            <a:off x="3109913" y="605712"/>
+            <a:ext cx="3703320" cy="2989608"/>
           </a:xfrm>
         </p:spPr>
         <p:txBody>
           <a:bodyPr/>
           <a:lstStyle>
             <a:lvl1pPr>
-              <a:defRPr sz="2051"/>
+              <a:defRPr sz="1920"/>
             </a:lvl1pPr>
             <a:lvl2pPr>
-              <a:defRPr sz="1795"/>
+              <a:defRPr sz="1680"/>
             </a:lvl2pPr>
             <a:lvl3pPr>
-              <a:defRPr sz="1538"/>
+              <a:defRPr sz="1440"/>
             </a:lvl3pPr>
             <a:lvl4pPr>
-              <a:defRPr sz="1282"/>
+              <a:defRPr sz="1200"/>
             </a:lvl4pPr>
             <a:lvl5pPr>
-              <a:defRPr sz="1282"/>
+              <a:defRPr sz="1200"/>
             </a:lvl5pPr>
             <a:lvl6pPr>
-              <a:defRPr sz="1282"/>
+              <a:defRPr sz="1200"/>
             </a:lvl6pPr>
             <a:lvl7pPr>
-              <a:defRPr sz="1282"/>
+              <a:defRPr sz="1200"/>
             </a:lvl7pPr>
             <a:lvl8pPr>
-              <a:defRPr sz="1282"/>
+              <a:defRPr sz="1200"/>
             </a:lvl8pPr>
             <a:lvl9pPr>
-              <a:defRPr sz="1282"/>
+              <a:defRPr sz="1200"/>
             </a:lvl9pPr>
           </a:lstStyle>
           <a:p>
             <a:pPr lvl="0"/>
             <a:r>
-              <a:rPr lang="zh-CN" altLang="en-US"/>
-              <a:t>单击此处编辑母版文本样式</a:t>
+              <a:rPr lang="en-US"/>
+              <a:t>Click to edit Master text styles</a:t>
             </a:r>
           </a:p>
           <a:p>
             <a:pPr lvl="1"/>
             <a:r>
-              <a:rPr lang="zh-CN" altLang="en-US"/>
-              <a:t>二级</a:t>
+              <a:rPr lang="en-US"/>
+              <a:t>Second level</a:t>
             </a:r>
           </a:p>
           <a:p>
             <a:pPr lvl="2"/>
             <a:r>
-              <a:rPr lang="zh-CN" altLang="en-US"/>
-              <a:t>三级</a:t>
+              <a:rPr lang="en-US"/>
+              <a:t>Third level</a:t>
             </a:r>
           </a:p>
           <a:p>
             <a:pPr lvl="3"/>
             <a:r>
-              <a:rPr lang="zh-CN" altLang="en-US"/>
-              <a:t>四级</a:t>
+              <a:rPr lang="en-US"/>
+              <a:t>Fourth level</a:t>
             </a:r>
           </a:p>
           <a:p>
             <a:pPr lvl="4"/>
             <a:r>
-              <a:rPr lang="zh-CN" altLang="en-US"/>
-              <a:t>五级</a:t>
+              <a:rPr lang="en-US"/>
+              <a:t>Fifth level</a:t>
             </a:r>
             <a:endParaRPr lang="en-US" dirty="0"/>
           </a:p>
@@ -2032,8 +2473,8 @@
         </p:nvSpPr>
         <p:spPr>
           <a:xfrm>
-            <a:off x="538317" y="1344454"/>
-            <a:ext cx="2520626" cy="2490767"/>
+            <a:off x="503873" y="1262062"/>
+            <a:ext cx="2359342" cy="2338127"/>
           </a:xfrm>
         </p:spPr>
         <p:txBody>
@@ -2041,46 +2482,46 @@
           <a:lstStyle>
             <a:lvl1pPr marL="0" indent="0">
               <a:buNone/>
-              <a:defRPr sz="1026"/>
+              <a:defRPr sz="960"/>
             </a:lvl1pPr>
-            <a:lvl2pPr marL="293065" indent="0">
+            <a:lvl2pPr marL="274320" indent="0">
               <a:buNone/>
-              <a:defRPr sz="897"/>
+              <a:defRPr sz="840"/>
             </a:lvl2pPr>
-            <a:lvl3pPr marL="586130" indent="0">
+            <a:lvl3pPr marL="548640" indent="0">
               <a:buNone/>
-              <a:defRPr sz="769"/>
+              <a:defRPr sz="720"/>
             </a:lvl3pPr>
-            <a:lvl4pPr marL="879196" indent="0">
+            <a:lvl4pPr marL="822960" indent="0">
               <a:buNone/>
-              <a:defRPr sz="641"/>
+              <a:defRPr sz="600"/>
             </a:lvl4pPr>
-            <a:lvl5pPr marL="1172261" indent="0">
+            <a:lvl5pPr marL="1097280" indent="0">
               <a:buNone/>
-              <a:defRPr sz="641"/>
+              <a:defRPr sz="600"/>
             </a:lvl5pPr>
-            <a:lvl6pPr marL="1465326" indent="0">
+            <a:lvl6pPr marL="1371600" indent="0">
               <a:buNone/>
-              <a:defRPr sz="641"/>
+              <a:defRPr sz="600"/>
             </a:lvl6pPr>
-            <a:lvl7pPr marL="1758391" indent="0">
+            <a:lvl7pPr marL="1645920" indent="0">
               <a:buNone/>
-              <a:defRPr sz="641"/>
+              <a:defRPr sz="600"/>
             </a:lvl7pPr>
-            <a:lvl8pPr marL="2051456" indent="0">
+            <a:lvl8pPr marL="1920240" indent="0">
               <a:buNone/>
-              <a:defRPr sz="641"/>
+              <a:defRPr sz="600"/>
             </a:lvl8pPr>
-            <a:lvl9pPr marL="2344522" indent="0">
+            <a:lvl9pPr marL="2194560" indent="0">
               <a:buNone/>
-              <a:defRPr sz="641"/>
+              <a:defRPr sz="600"/>
             </a:lvl9pPr>
           </a:lstStyle>
           <a:p>
             <a:pPr lvl="0"/>
             <a:r>
-              <a:rPr lang="zh-CN" altLang="en-US"/>
-              <a:t>单击此处编辑母版文本样式</a:t>
+              <a:rPr lang="en-US"/>
+              <a:t>Click to edit Master text styles</a:t>
             </a:r>
           </a:p>
         </p:txBody>
@@ -2153,7 +2594,7 @@
     </p:spTree>
     <p:extLst>
       <p:ext uri="{BB962C8B-B14F-4D97-AF65-F5344CB8AC3E}">
-        <p14:creationId xmlns:p14="http://schemas.microsoft.com/office/powerpoint/2010/main" val="297680922"/>
+        <p14:creationId xmlns:p14="http://schemas.microsoft.com/office/powerpoint/2010/main" val="1684691101"/>
       </p:ext>
     </p:extLst>
   </p:cSld>
@@ -2165,7 +2606,7 @@
 
 <file path=ppt/slideLayouts/slideLayout9.xml><?xml version="1.0" encoding="utf-8"?>
 <p:sldLayout xmlns:a="http://schemas.openxmlformats.org/drawingml/2006/main" xmlns:r="http://schemas.openxmlformats.org/officeDocument/2006/relationships" xmlns:p="http://schemas.openxmlformats.org/presentationml/2006/main" type="picTx" preserve="1">
-  <p:cSld name="图片与标题">
+  <p:cSld name="Picture with Caption">
     <p:spTree>
       <p:nvGrpSpPr>
         <p:cNvPr id="1" name=""/>
@@ -2192,21 +2633,21 @@
         </p:nvSpPr>
         <p:spPr>
           <a:xfrm>
-            <a:off x="538317" y="298768"/>
-            <a:ext cx="2520626" cy="1045686"/>
+            <a:off x="503873" y="280458"/>
+            <a:ext cx="2359342" cy="981604"/>
           </a:xfrm>
         </p:spPr>
         <p:txBody>
           <a:bodyPr anchor="b"/>
           <a:lstStyle>
             <a:lvl1pPr>
-              <a:defRPr sz="2051"/>
+              <a:defRPr sz="1920"/>
             </a:lvl1pPr>
           </a:lstStyle>
           <a:p>
             <a:r>
-              <a:rPr lang="zh-CN" altLang="en-US"/>
-              <a:t>单击此处编辑母版标题样式</a:t>
+              <a:rPr lang="en-US"/>
+              <a:t>Click to edit Master title style</a:t>
             </a:r>
             <a:endParaRPr lang="en-US" dirty="0"/>
           </a:p>
@@ -2224,8 +2665,8 @@
         </p:nvSpPr>
         <p:spPr>
           <a:xfrm>
-            <a:off x="3322505" y="645255"/>
-            <a:ext cx="3956477" cy="3184779"/>
+            <a:off x="3109913" y="605712"/>
+            <a:ext cx="3703320" cy="2989608"/>
           </a:xfrm>
         </p:spPr>
         <p:txBody>
@@ -2233,45 +2674,45 @@
           <a:lstStyle>
             <a:lvl1pPr marL="0" indent="0">
               <a:buNone/>
-              <a:defRPr sz="2051"/>
+              <a:defRPr sz="1920"/>
             </a:lvl1pPr>
-            <a:lvl2pPr marL="293065" indent="0">
+            <a:lvl2pPr marL="274320" indent="0">
               <a:buNone/>
-              <a:defRPr sz="1795"/>
+              <a:defRPr sz="1680"/>
             </a:lvl2pPr>
-            <a:lvl3pPr marL="586130" indent="0">
+            <a:lvl3pPr marL="548640" indent="0">
               <a:buNone/>
-              <a:defRPr sz="1538"/>
+              <a:defRPr sz="1440"/>
             </a:lvl3pPr>
-            <a:lvl4pPr marL="879196" indent="0">
+            <a:lvl4pPr marL="822960" indent="0">
               <a:buNone/>
-              <a:defRPr sz="1282"/>
+              <a:defRPr sz="1200"/>
             </a:lvl4pPr>
-            <a:lvl5pPr marL="1172261" indent="0">
+            <a:lvl5pPr marL="1097280" indent="0">
               <a:buNone/>
-              <a:defRPr sz="1282"/>
+              <a:defRPr sz="1200"/>
             </a:lvl5pPr>
-            <a:lvl6pPr marL="1465326" indent="0">
+            <a:lvl6pPr marL="1371600" indent="0">
               <a:buNone/>
-              <a:defRPr sz="1282"/>
+              <a:defRPr sz="1200"/>
             </a:lvl6pPr>
-            <a:lvl7pPr marL="1758391" indent="0">
+            <a:lvl7pPr marL="1645920" indent="0">
               <a:buNone/>
-              <a:defRPr sz="1282"/>
+              <a:defRPr sz="1200"/>
             </a:lvl7pPr>
-            <a:lvl8pPr marL="2051456" indent="0">
+            <a:lvl8pPr marL="1920240" indent="0">
               <a:buNone/>
-              <a:defRPr sz="1282"/>
+              <a:defRPr sz="1200"/>
             </a:lvl8pPr>
-            <a:lvl9pPr marL="2344522" indent="0">
+            <a:lvl9pPr marL="2194560" indent="0">
               <a:buNone/>
-              <a:defRPr sz="1282"/>
+              <a:defRPr sz="1200"/>
             </a:lvl9pPr>
           </a:lstStyle>
           <a:p>
             <a:r>
-              <a:rPr lang="zh-CN" altLang="en-US"/>
-              <a:t>单击图标添加图片</a:t>
+              <a:rPr lang="en-US"/>
+              <a:t>Click icon to add picture</a:t>
             </a:r>
             <a:endParaRPr lang="en-US" dirty="0"/>
           </a:p>
@@ -2289,8 +2730,8 @@
         </p:nvSpPr>
         <p:spPr>
           <a:xfrm>
-            <a:off x="538317" y="1344454"/>
-            <a:ext cx="2520626" cy="2490767"/>
+            <a:off x="503873" y="1262062"/>
+            <a:ext cx="2359342" cy="2338127"/>
           </a:xfrm>
         </p:spPr>
         <p:txBody>
@@ -2298,46 +2739,46 @@
           <a:lstStyle>
             <a:lvl1pPr marL="0" indent="0">
               <a:buNone/>
-              <a:defRPr sz="1026"/>
+              <a:defRPr sz="960"/>
             </a:lvl1pPr>
-            <a:lvl2pPr marL="293065" indent="0">
+            <a:lvl2pPr marL="274320" indent="0">
               <a:buNone/>
-              <a:defRPr sz="897"/>
+              <a:defRPr sz="840"/>
             </a:lvl2pPr>
-            <a:lvl3pPr marL="586130" indent="0">
+            <a:lvl3pPr marL="548640" indent="0">
               <a:buNone/>
-              <a:defRPr sz="769"/>
+              <a:defRPr sz="720"/>
             </a:lvl3pPr>
-            <a:lvl4pPr marL="879196" indent="0">
+            <a:lvl4pPr marL="822960" indent="0">
               <a:buNone/>
-              <a:defRPr sz="641"/>
+              <a:defRPr sz="600"/>
             </a:lvl4pPr>
-            <a:lvl5pPr marL="1172261" indent="0">
+            <a:lvl5pPr marL="1097280" indent="0">
               <a:buNone/>
-              <a:defRPr sz="641"/>
+              <a:defRPr sz="600"/>
             </a:lvl5pPr>
-            <a:lvl6pPr marL="1465326" indent="0">
+            <a:lvl6pPr marL="1371600" indent="0">
               <a:buNone/>
-              <a:defRPr sz="641"/>
+              <a:defRPr sz="600"/>
             </a:lvl6pPr>
-            <a:lvl7pPr marL="1758391" indent="0">
+            <a:lvl7pPr marL="1645920" indent="0">
               <a:buNone/>
-              <a:defRPr sz="641"/>
+              <a:defRPr sz="600"/>
             </a:lvl7pPr>
-            <a:lvl8pPr marL="2051456" indent="0">
+            <a:lvl8pPr marL="1920240" indent="0">
               <a:buNone/>
-              <a:defRPr sz="641"/>
+              <a:defRPr sz="600"/>
             </a:lvl8pPr>
-            <a:lvl9pPr marL="2344522" indent="0">
+            <a:lvl9pPr marL="2194560" indent="0">
               <a:buNone/>
-              <a:defRPr sz="641"/>
+              <a:defRPr sz="600"/>
             </a:lvl9pPr>
           </a:lstStyle>
           <a:p>
             <a:pPr lvl="0"/>
             <a:r>
-              <a:rPr lang="zh-CN" altLang="en-US"/>
-              <a:t>单击此处编辑母版文本样式</a:t>
+              <a:rPr lang="en-US"/>
+              <a:t>Click to edit Master text styles</a:t>
             </a:r>
           </a:p>
         </p:txBody>
@@ -2410,7 +2851,7 @@
     </p:spTree>
     <p:extLst>
       <p:ext uri="{BB962C8B-B14F-4D97-AF65-F5344CB8AC3E}">
-        <p14:creationId xmlns:p14="http://schemas.microsoft.com/office/powerpoint/2010/main" val="1965052794"/>
+        <p14:creationId xmlns:p14="http://schemas.microsoft.com/office/powerpoint/2010/main" val="638815093"/>
       </p:ext>
     </p:extLst>
   </p:cSld>
@@ -2454,8 +2895,8 @@
         </p:nvSpPr>
         <p:spPr>
           <a:xfrm>
-            <a:off x="537300" y="238599"/>
-            <a:ext cx="6740664" cy="866219"/>
+            <a:off x="502920" y="223977"/>
+            <a:ext cx="6309360" cy="813135"/>
           </a:xfrm>
           <a:prstGeom prst="rect">
             <a:avLst/>
@@ -2468,8 +2909,8 @@
           <a:lstStyle/>
           <a:p>
             <a:r>
-              <a:rPr lang="zh-CN" altLang="en-US"/>
-              <a:t>单击此处编辑母版标题样式</a:t>
+              <a:rPr lang="en-US"/>
+              <a:t>Click to edit Master title style</a:t>
             </a:r>
             <a:endParaRPr lang="en-US" dirty="0"/>
           </a:p>
@@ -2487,8 +2928,8 @@
         </p:nvSpPr>
         <p:spPr>
           <a:xfrm>
-            <a:off x="537300" y="1192995"/>
-            <a:ext cx="6740664" cy="2843479"/>
+            <a:off x="502920" y="1119885"/>
+            <a:ext cx="6309360" cy="2669224"/>
           </a:xfrm>
           <a:prstGeom prst="rect">
             <a:avLst/>
@@ -2502,36 +2943,36 @@
           <a:p>
             <a:pPr lvl="0"/>
             <a:r>
-              <a:rPr lang="zh-CN" altLang="en-US"/>
-              <a:t>单击此处编辑母版文本样式</a:t>
+              <a:rPr lang="en-US"/>
+              <a:t>Click to edit Master text styles</a:t>
             </a:r>
           </a:p>
           <a:p>
             <a:pPr lvl="1"/>
             <a:r>
-              <a:rPr lang="zh-CN" altLang="en-US"/>
-              <a:t>二级</a:t>
+              <a:rPr lang="en-US"/>
+              <a:t>Second level</a:t>
             </a:r>
           </a:p>
           <a:p>
             <a:pPr lvl="2"/>
             <a:r>
-              <a:rPr lang="zh-CN" altLang="en-US"/>
-              <a:t>三级</a:t>
+              <a:rPr lang="en-US"/>
+              <a:t>Third level</a:t>
             </a:r>
           </a:p>
           <a:p>
             <a:pPr lvl="3"/>
             <a:r>
-              <a:rPr lang="zh-CN" altLang="en-US"/>
-              <a:t>四级</a:t>
+              <a:rPr lang="en-US"/>
+              <a:t>Fourth level</a:t>
             </a:r>
           </a:p>
           <a:p>
             <a:pPr lvl="4"/>
             <a:r>
-              <a:rPr lang="zh-CN" altLang="en-US"/>
-              <a:t>五级</a:t>
+              <a:rPr lang="en-US"/>
+              <a:t>Fifth level</a:t>
             </a:r>
             <a:endParaRPr lang="en-US" dirty="0"/>
           </a:p>
@@ -2549,8 +2990,8 @@
         </p:nvSpPr>
         <p:spPr>
           <a:xfrm>
-            <a:off x="537299" y="4153699"/>
-            <a:ext cx="1758434" cy="238599"/>
+            <a:off x="502920" y="3899150"/>
+            <a:ext cx="1645920" cy="223977"/>
           </a:xfrm>
           <a:prstGeom prst="rect">
             <a:avLst/>
@@ -2560,7 +3001,7 @@
           <a:bodyPr vert="horz" lIns="91440" tIns="45720" rIns="91440" bIns="45720" rtlCol="0" anchor="ctr"/>
           <a:lstStyle>
             <a:lvl1pPr algn="l">
-              <a:defRPr sz="769">
+              <a:defRPr sz="720">
                 <a:solidFill>
                   <a:schemeClr val="tx1">
                     <a:tint val="75000"/>
@@ -2590,8 +3031,8 @@
         </p:nvSpPr>
         <p:spPr>
           <a:xfrm>
-            <a:off x="2588806" y="4153699"/>
-            <a:ext cx="2637651" cy="238599"/>
+            <a:off x="2423160" y="3899150"/>
+            <a:ext cx="2468880" cy="223977"/>
           </a:xfrm>
           <a:prstGeom prst="rect">
             <a:avLst/>
@@ -2601,7 +3042,7 @@
           <a:bodyPr vert="horz" lIns="91440" tIns="45720" rIns="91440" bIns="45720" rtlCol="0" anchor="ctr"/>
           <a:lstStyle>
             <a:lvl1pPr algn="ctr">
-              <a:defRPr sz="769">
+              <a:defRPr sz="720">
                 <a:solidFill>
                   <a:schemeClr val="tx1">
                     <a:tint val="75000"/>
@@ -2627,8 +3068,8 @@
         </p:nvSpPr>
         <p:spPr>
           <a:xfrm>
-            <a:off x="5519530" y="4153699"/>
-            <a:ext cx="1758434" cy="238599"/>
+            <a:off x="5166360" y="3899150"/>
+            <a:ext cx="1645920" cy="223977"/>
           </a:xfrm>
           <a:prstGeom prst="rect">
             <a:avLst/>
@@ -2638,7 +3079,7 @@
           <a:bodyPr vert="horz" lIns="91440" tIns="45720" rIns="91440" bIns="45720" rtlCol="0" anchor="ctr"/>
           <a:lstStyle>
             <a:lvl1pPr algn="r">
-              <a:defRPr sz="769">
+              <a:defRPr sz="720">
                 <a:solidFill>
                   <a:schemeClr val="tx1">
                     <a:tint val="75000"/>
@@ -2659,27 +3100,27 @@
     </p:spTree>
     <p:extLst>
       <p:ext uri="{BB962C8B-B14F-4D97-AF65-F5344CB8AC3E}">
-        <p14:creationId xmlns:p14="http://schemas.microsoft.com/office/powerpoint/2010/main" val="2391867321"/>
+        <p14:creationId xmlns:p14="http://schemas.microsoft.com/office/powerpoint/2010/main" val="4121141124"/>
       </p:ext>
     </p:extLst>
   </p:cSld>
   <p:clrMap bg1="lt1" tx1="dk1" bg2="lt2" tx2="dk2" accent1="accent1" accent2="accent2" accent3="accent3" accent4="accent4" accent5="accent5" accent6="accent6" hlink="hlink" folHlink="folHlink"/>
   <p:sldLayoutIdLst>
-    <p:sldLayoutId id="2147483721" r:id="rId1"/>
-    <p:sldLayoutId id="2147483722" r:id="rId2"/>
-    <p:sldLayoutId id="2147483723" r:id="rId3"/>
-    <p:sldLayoutId id="2147483724" r:id="rId4"/>
-    <p:sldLayoutId id="2147483725" r:id="rId5"/>
-    <p:sldLayoutId id="2147483726" r:id="rId6"/>
-    <p:sldLayoutId id="2147483727" r:id="rId7"/>
-    <p:sldLayoutId id="2147483728" r:id="rId8"/>
-    <p:sldLayoutId id="2147483729" r:id="rId9"/>
-    <p:sldLayoutId id="2147483730" r:id="rId10"/>
-    <p:sldLayoutId id="2147483731" r:id="rId11"/>
+    <p:sldLayoutId id="2147483745" r:id="rId1"/>
+    <p:sldLayoutId id="2147483746" r:id="rId2"/>
+    <p:sldLayoutId id="2147483747" r:id="rId3"/>
+    <p:sldLayoutId id="2147483748" r:id="rId4"/>
+    <p:sldLayoutId id="2147483749" r:id="rId5"/>
+    <p:sldLayoutId id="2147483750" r:id="rId6"/>
+    <p:sldLayoutId id="2147483751" r:id="rId7"/>
+    <p:sldLayoutId id="2147483752" r:id="rId8"/>
+    <p:sldLayoutId id="2147483753" r:id="rId9"/>
+    <p:sldLayoutId id="2147483754" r:id="rId10"/>
+    <p:sldLayoutId id="2147483755" r:id="rId11"/>
   </p:sldLayoutIdLst>
   <p:txStyles>
     <p:titleStyle>
-      <a:lvl1pPr algn="l" defTabSz="586130" rtl="0" eaLnBrk="1" latinLnBrk="0" hangingPunct="1">
+      <a:lvl1pPr algn="l" defTabSz="548640" rtl="0" eaLnBrk="1" latinLnBrk="0" hangingPunct="1">
         <a:lnSpc>
           <a:spcPct val="90000"/>
         </a:lnSpc>
@@ -2687,7 +3128,7 @@
           <a:spcPct val="0"/>
         </a:spcBef>
         <a:buNone/>
-        <a:defRPr sz="2820" kern="1200">
+        <a:defRPr sz="2640" kern="1200">
           <a:solidFill>
             <a:schemeClr val="tx1"/>
           </a:solidFill>
@@ -2698,16 +3139,16 @@
       </a:lvl1pPr>
     </p:titleStyle>
     <p:bodyStyle>
-      <a:lvl1pPr marL="146533" indent="-146533" algn="l" defTabSz="586130" rtl="0" eaLnBrk="1" latinLnBrk="0" hangingPunct="1">
+      <a:lvl1pPr marL="137160" indent="-137160" algn="l" defTabSz="548640" rtl="0" eaLnBrk="1" latinLnBrk="0" hangingPunct="1">
         <a:lnSpc>
           <a:spcPct val="90000"/>
         </a:lnSpc>
         <a:spcBef>
-          <a:spcPts val="641"/>
+          <a:spcPts val="600"/>
         </a:spcBef>
         <a:buFont typeface="Arial" panose="020B0604020202020204" pitchFamily="34" charset="0"/>
         <a:buChar char="•"/>
-        <a:defRPr sz="1795" kern="1200">
+        <a:defRPr sz="1680" kern="1200">
           <a:solidFill>
             <a:schemeClr val="tx1"/>
           </a:solidFill>
@@ -2716,16 +3157,16 @@
           <a:cs typeface="+mn-cs"/>
         </a:defRPr>
       </a:lvl1pPr>
-      <a:lvl2pPr marL="439598" indent="-146533" algn="l" defTabSz="586130" rtl="0" eaLnBrk="1" latinLnBrk="0" hangingPunct="1">
+      <a:lvl2pPr marL="411480" indent="-137160" algn="l" defTabSz="548640" rtl="0" eaLnBrk="1" latinLnBrk="0" hangingPunct="1">
         <a:lnSpc>
           <a:spcPct val="90000"/>
         </a:lnSpc>
         <a:spcBef>
-          <a:spcPts val="321"/>
+          <a:spcPts val="300"/>
         </a:spcBef>
         <a:buFont typeface="Arial" panose="020B0604020202020204" pitchFamily="34" charset="0"/>
         <a:buChar char="•"/>
-        <a:defRPr sz="1538" kern="1200">
+        <a:defRPr sz="1440" kern="1200">
           <a:solidFill>
             <a:schemeClr val="tx1"/>
           </a:solidFill>
@@ -2734,16 +3175,16 @@
           <a:cs typeface="+mn-cs"/>
         </a:defRPr>
       </a:lvl2pPr>
-      <a:lvl3pPr marL="732663" indent="-146533" algn="l" defTabSz="586130" rtl="0" eaLnBrk="1" latinLnBrk="0" hangingPunct="1">
+      <a:lvl3pPr marL="685800" indent="-137160" algn="l" defTabSz="548640" rtl="0" eaLnBrk="1" latinLnBrk="0" hangingPunct="1">
         <a:lnSpc>
           <a:spcPct val="90000"/>
         </a:lnSpc>
         <a:spcBef>
-          <a:spcPts val="321"/>
+          <a:spcPts val="300"/>
         </a:spcBef>
         <a:buFont typeface="Arial" panose="020B0604020202020204" pitchFamily="34" charset="0"/>
         <a:buChar char="•"/>
-        <a:defRPr sz="1282" kern="1200">
+        <a:defRPr sz="1200" kern="1200">
           <a:solidFill>
             <a:schemeClr val="tx1"/>
           </a:solidFill>
@@ -2752,16 +3193,16 @@
           <a:cs typeface="+mn-cs"/>
         </a:defRPr>
       </a:lvl3pPr>
-      <a:lvl4pPr marL="1025728" indent="-146533" algn="l" defTabSz="586130" rtl="0" eaLnBrk="1" latinLnBrk="0" hangingPunct="1">
+      <a:lvl4pPr marL="960120" indent="-137160" algn="l" defTabSz="548640" rtl="0" eaLnBrk="1" latinLnBrk="0" hangingPunct="1">
         <a:lnSpc>
           <a:spcPct val="90000"/>
         </a:lnSpc>
         <a:spcBef>
-          <a:spcPts val="321"/>
+          <a:spcPts val="300"/>
         </a:spcBef>
         <a:buFont typeface="Arial" panose="020B0604020202020204" pitchFamily="34" charset="0"/>
         <a:buChar char="•"/>
-        <a:defRPr sz="1154" kern="1200">
+        <a:defRPr sz="1080" kern="1200">
           <a:solidFill>
             <a:schemeClr val="tx1"/>
           </a:solidFill>
@@ -2770,16 +3211,16 @@
           <a:cs typeface="+mn-cs"/>
         </a:defRPr>
       </a:lvl4pPr>
-      <a:lvl5pPr marL="1318793" indent="-146533" algn="l" defTabSz="586130" rtl="0" eaLnBrk="1" latinLnBrk="0" hangingPunct="1">
+      <a:lvl5pPr marL="1234440" indent="-137160" algn="l" defTabSz="548640" rtl="0" eaLnBrk="1" latinLnBrk="0" hangingPunct="1">
         <a:lnSpc>
           <a:spcPct val="90000"/>
         </a:lnSpc>
         <a:spcBef>
-          <a:spcPts val="321"/>
+          <a:spcPts val="300"/>
         </a:spcBef>
         <a:buFont typeface="Arial" panose="020B0604020202020204" pitchFamily="34" charset="0"/>
         <a:buChar char="•"/>
-        <a:defRPr sz="1154" kern="1200">
+        <a:defRPr sz="1080" kern="1200">
           <a:solidFill>
             <a:schemeClr val="tx1"/>
           </a:solidFill>
@@ -2788,16 +3229,16 @@
           <a:cs typeface="+mn-cs"/>
         </a:defRPr>
       </a:lvl5pPr>
-      <a:lvl6pPr marL="1611859" indent="-146533" algn="l" defTabSz="586130" rtl="0" eaLnBrk="1" latinLnBrk="0" hangingPunct="1">
+      <a:lvl6pPr marL="1508760" indent="-137160" algn="l" defTabSz="548640" rtl="0" eaLnBrk="1" latinLnBrk="0" hangingPunct="1">
         <a:lnSpc>
           <a:spcPct val="90000"/>
         </a:lnSpc>
         <a:spcBef>
-          <a:spcPts val="321"/>
+          <a:spcPts val="300"/>
         </a:spcBef>
         <a:buFont typeface="Arial" panose="020B0604020202020204" pitchFamily="34" charset="0"/>
         <a:buChar char="•"/>
-        <a:defRPr sz="1154" kern="1200">
+        <a:defRPr sz="1080" kern="1200">
           <a:solidFill>
             <a:schemeClr val="tx1"/>
           </a:solidFill>
@@ -2806,16 +3247,16 @@
           <a:cs typeface="+mn-cs"/>
         </a:defRPr>
       </a:lvl6pPr>
-      <a:lvl7pPr marL="1904924" indent="-146533" algn="l" defTabSz="586130" rtl="0" eaLnBrk="1" latinLnBrk="0" hangingPunct="1">
+      <a:lvl7pPr marL="1783080" indent="-137160" algn="l" defTabSz="548640" rtl="0" eaLnBrk="1" latinLnBrk="0" hangingPunct="1">
         <a:lnSpc>
           <a:spcPct val="90000"/>
         </a:lnSpc>
         <a:spcBef>
-          <a:spcPts val="321"/>
+          <a:spcPts val="300"/>
         </a:spcBef>
         <a:buFont typeface="Arial" panose="020B0604020202020204" pitchFamily="34" charset="0"/>
         <a:buChar char="•"/>
-        <a:defRPr sz="1154" kern="1200">
+        <a:defRPr sz="1080" kern="1200">
           <a:solidFill>
             <a:schemeClr val="tx1"/>
           </a:solidFill>
@@ -2824,16 +3265,16 @@
           <a:cs typeface="+mn-cs"/>
         </a:defRPr>
       </a:lvl7pPr>
-      <a:lvl8pPr marL="2197989" indent="-146533" algn="l" defTabSz="586130" rtl="0" eaLnBrk="1" latinLnBrk="0" hangingPunct="1">
+      <a:lvl8pPr marL="2057400" indent="-137160" algn="l" defTabSz="548640" rtl="0" eaLnBrk="1" latinLnBrk="0" hangingPunct="1">
         <a:lnSpc>
           <a:spcPct val="90000"/>
         </a:lnSpc>
         <a:spcBef>
-          <a:spcPts val="321"/>
+          <a:spcPts val="300"/>
         </a:spcBef>
         <a:buFont typeface="Arial" panose="020B0604020202020204" pitchFamily="34" charset="0"/>
         <a:buChar char="•"/>
-        <a:defRPr sz="1154" kern="1200">
+        <a:defRPr sz="1080" kern="1200">
           <a:solidFill>
             <a:schemeClr val="tx1"/>
           </a:solidFill>
@@ -2842,16 +3283,16 @@
           <a:cs typeface="+mn-cs"/>
         </a:defRPr>
       </a:lvl8pPr>
-      <a:lvl9pPr marL="2491054" indent="-146533" algn="l" defTabSz="586130" rtl="0" eaLnBrk="1" latinLnBrk="0" hangingPunct="1">
+      <a:lvl9pPr marL="2331720" indent="-137160" algn="l" defTabSz="548640" rtl="0" eaLnBrk="1" latinLnBrk="0" hangingPunct="1">
         <a:lnSpc>
           <a:spcPct val="90000"/>
         </a:lnSpc>
         <a:spcBef>
-          <a:spcPts val="321"/>
+          <a:spcPts val="300"/>
         </a:spcBef>
         <a:buFont typeface="Arial" panose="020B0604020202020204" pitchFamily="34" charset="0"/>
         <a:buChar char="•"/>
-        <a:defRPr sz="1154" kern="1200">
+        <a:defRPr sz="1080" kern="1200">
           <a:solidFill>
             <a:schemeClr val="tx1"/>
           </a:solidFill>
@@ -2865,8 +3306,8 @@
       <a:defPPr>
         <a:defRPr lang="en-US"/>
       </a:defPPr>
-      <a:lvl1pPr marL="0" algn="l" defTabSz="586130" rtl="0" eaLnBrk="1" latinLnBrk="0" hangingPunct="1">
-        <a:defRPr sz="1154" kern="1200">
+      <a:lvl1pPr marL="0" algn="l" defTabSz="548640" rtl="0" eaLnBrk="1" latinLnBrk="0" hangingPunct="1">
+        <a:defRPr sz="1080" kern="1200">
           <a:solidFill>
             <a:schemeClr val="tx1"/>
           </a:solidFill>
@@ -2875,8 +3316,8 @@
           <a:cs typeface="+mn-cs"/>
         </a:defRPr>
       </a:lvl1pPr>
-      <a:lvl2pPr marL="293065" algn="l" defTabSz="586130" rtl="0" eaLnBrk="1" latinLnBrk="0" hangingPunct="1">
-        <a:defRPr sz="1154" kern="1200">
+      <a:lvl2pPr marL="274320" algn="l" defTabSz="548640" rtl="0" eaLnBrk="1" latinLnBrk="0" hangingPunct="1">
+        <a:defRPr sz="1080" kern="1200">
           <a:solidFill>
             <a:schemeClr val="tx1"/>
           </a:solidFill>
@@ -2885,8 +3326,8 @@
           <a:cs typeface="+mn-cs"/>
         </a:defRPr>
       </a:lvl2pPr>
-      <a:lvl3pPr marL="586130" algn="l" defTabSz="586130" rtl="0" eaLnBrk="1" latinLnBrk="0" hangingPunct="1">
-        <a:defRPr sz="1154" kern="1200">
+      <a:lvl3pPr marL="548640" algn="l" defTabSz="548640" rtl="0" eaLnBrk="1" latinLnBrk="0" hangingPunct="1">
+        <a:defRPr sz="1080" kern="1200">
           <a:solidFill>
             <a:schemeClr val="tx1"/>
           </a:solidFill>
@@ -2895,8 +3336,8 @@
           <a:cs typeface="+mn-cs"/>
         </a:defRPr>
       </a:lvl3pPr>
-      <a:lvl4pPr marL="879196" algn="l" defTabSz="586130" rtl="0" eaLnBrk="1" latinLnBrk="0" hangingPunct="1">
-        <a:defRPr sz="1154" kern="1200">
+      <a:lvl4pPr marL="822960" algn="l" defTabSz="548640" rtl="0" eaLnBrk="1" latinLnBrk="0" hangingPunct="1">
+        <a:defRPr sz="1080" kern="1200">
           <a:solidFill>
             <a:schemeClr val="tx1"/>
           </a:solidFill>
@@ -2905,8 +3346,8 @@
           <a:cs typeface="+mn-cs"/>
         </a:defRPr>
       </a:lvl4pPr>
-      <a:lvl5pPr marL="1172261" algn="l" defTabSz="586130" rtl="0" eaLnBrk="1" latinLnBrk="0" hangingPunct="1">
-        <a:defRPr sz="1154" kern="1200">
+      <a:lvl5pPr marL="1097280" algn="l" defTabSz="548640" rtl="0" eaLnBrk="1" latinLnBrk="0" hangingPunct="1">
+        <a:defRPr sz="1080" kern="1200">
           <a:solidFill>
             <a:schemeClr val="tx1"/>
           </a:solidFill>
@@ -2915,8 +3356,8 @@
           <a:cs typeface="+mn-cs"/>
         </a:defRPr>
       </a:lvl5pPr>
-      <a:lvl6pPr marL="1465326" algn="l" defTabSz="586130" rtl="0" eaLnBrk="1" latinLnBrk="0" hangingPunct="1">
-        <a:defRPr sz="1154" kern="1200">
+      <a:lvl6pPr marL="1371600" algn="l" defTabSz="548640" rtl="0" eaLnBrk="1" latinLnBrk="0" hangingPunct="1">
+        <a:defRPr sz="1080" kern="1200">
           <a:solidFill>
             <a:schemeClr val="tx1"/>
           </a:solidFill>
@@ -2925,8 +3366,8 @@
           <a:cs typeface="+mn-cs"/>
         </a:defRPr>
       </a:lvl6pPr>
-      <a:lvl7pPr marL="1758391" algn="l" defTabSz="586130" rtl="0" eaLnBrk="1" latinLnBrk="0" hangingPunct="1">
-        <a:defRPr sz="1154" kern="1200">
+      <a:lvl7pPr marL="1645920" algn="l" defTabSz="548640" rtl="0" eaLnBrk="1" latinLnBrk="0" hangingPunct="1">
+        <a:defRPr sz="1080" kern="1200">
           <a:solidFill>
             <a:schemeClr val="tx1"/>
           </a:solidFill>
@@ -2935,8 +3376,8 @@
           <a:cs typeface="+mn-cs"/>
         </a:defRPr>
       </a:lvl7pPr>
-      <a:lvl8pPr marL="2051456" algn="l" defTabSz="586130" rtl="0" eaLnBrk="1" latinLnBrk="0" hangingPunct="1">
-        <a:defRPr sz="1154" kern="1200">
+      <a:lvl8pPr marL="1920240" algn="l" defTabSz="548640" rtl="0" eaLnBrk="1" latinLnBrk="0" hangingPunct="1">
+        <a:defRPr sz="1080" kern="1200">
           <a:solidFill>
             <a:schemeClr val="tx1"/>
           </a:solidFill>
@@ -2945,8 +3386,8 @@
           <a:cs typeface="+mn-cs"/>
         </a:defRPr>
       </a:lvl8pPr>
-      <a:lvl9pPr marL="2344522" algn="l" defTabSz="586130" rtl="0" eaLnBrk="1" latinLnBrk="0" hangingPunct="1">
-        <a:defRPr sz="1154" kern="1200">
+      <a:lvl9pPr marL="2194560" algn="l" defTabSz="548640" rtl="0" eaLnBrk="1" latinLnBrk="0" hangingPunct="1">
+        <a:defRPr sz="1080" kern="1200">
           <a:solidFill>
             <a:schemeClr val="tx1"/>
           </a:solidFill>
@@ -2979,10 +3420,10 @@
       </p:grpSpPr>
       <p:grpSp>
         <p:nvGrpSpPr>
-          <p:cNvPr id="47" name="组合 46">
+          <p:cNvPr id="238" name="Group 237">
             <a:extLst>
               <a:ext uri="{FF2B5EF4-FFF2-40B4-BE49-F238E27FC236}">
-                <a16:creationId xmlns:a16="http://schemas.microsoft.com/office/drawing/2014/main" id="{C8D21F92-0C0C-9442-C030-56E1FE7F5221}"/>
+                <a16:creationId xmlns:a16="http://schemas.microsoft.com/office/drawing/2014/main" id="{4B66E575-8518-5359-EC21-6ED2FB510F67}"/>
               </a:ext>
             </a:extLst>
           </p:cNvPr>
@@ -2991,18 +3432,18 @@
         </p:nvGrpSpPr>
         <p:grpSpPr>
           <a:xfrm>
-            <a:off x="4043743" y="82303"/>
-            <a:ext cx="3591217" cy="4309680"/>
-            <a:chOff x="4102797" y="43546"/>
-            <a:chExt cx="3591217" cy="4309680"/>
+            <a:off x="-125944" y="-29851"/>
+            <a:ext cx="7554767" cy="4241858"/>
+            <a:chOff x="361736" y="76829"/>
+            <a:chExt cx="7554767" cy="4241858"/>
           </a:xfrm>
         </p:grpSpPr>
         <p:pic>
           <p:nvPicPr>
-            <p:cNvPr id="34" name="图片 33">
+            <p:cNvPr id="239" name="图片 12">
               <a:extLst>
                 <a:ext uri="{FF2B5EF4-FFF2-40B4-BE49-F238E27FC236}">
-                  <a16:creationId xmlns:a16="http://schemas.microsoft.com/office/drawing/2014/main" id="{9B96FE5E-F04A-664A-D3B6-31FFB86C2869}"/>
+                  <a16:creationId xmlns:a16="http://schemas.microsoft.com/office/drawing/2014/main" id="{0D5E4CDA-1188-03B9-0DDF-1AA78DDD53C2}"/>
                 </a:ext>
               </a:extLst>
             </p:cNvPr>
@@ -3012,14 +3453,14 @@
             <p:nvPr/>
           </p:nvPicPr>
           <p:blipFill rotWithShape="1">
-            <a:blip r:embed="rId2"/>
-            <a:srcRect l="10470" t="5406" r="6895" b="9173"/>
+            <a:blip r:embed="rId3"/>
+            <a:srcRect l="11222" t="5389" r="7306" b="8959"/>
             <a:stretch/>
           </p:blipFill>
           <p:spPr>
             <a:xfrm>
-              <a:off x="4545620" y="345119"/>
-              <a:ext cx="3148394" cy="3742674"/>
+              <a:off x="600401" y="409111"/>
+              <a:ext cx="3104071" cy="3752794"/>
             </a:xfrm>
             <a:prstGeom prst="rect">
               <a:avLst/>
@@ -3028,51 +3469,10 @@
         </p:pic>
         <p:cxnSp>
           <p:nvCxnSpPr>
-            <p:cNvPr id="4" name="直接连接符 3">
+            <p:cNvPr id="240" name="直接连接符 6">
               <a:extLst>
                 <a:ext uri="{FF2B5EF4-FFF2-40B4-BE49-F238E27FC236}">
-                  <a16:creationId xmlns:a16="http://schemas.microsoft.com/office/drawing/2014/main" id="{EC565A78-4ED1-FCC5-EA39-D1D368B839C3}"/>
-                </a:ext>
-              </a:extLst>
-            </p:cNvPr>
-            <p:cNvCxnSpPr>
-              <a:cxnSpLocks/>
-            </p:cNvCxnSpPr>
-            <p:nvPr/>
-          </p:nvCxnSpPr>
-          <p:spPr>
-            <a:xfrm flipH="1">
-              <a:off x="5279819" y="448115"/>
-              <a:ext cx="1" cy="3567776"/>
-            </a:xfrm>
-            <a:prstGeom prst="line">
-              <a:avLst/>
-            </a:prstGeom>
-            <a:ln>
-              <a:prstDash val="lgDash"/>
-            </a:ln>
-          </p:spPr>
-          <p:style>
-            <a:lnRef idx="1">
-              <a:schemeClr val="accent1"/>
-            </a:lnRef>
-            <a:fillRef idx="0">
-              <a:schemeClr val="accent1"/>
-            </a:fillRef>
-            <a:effectRef idx="0">
-              <a:schemeClr val="accent1"/>
-            </a:effectRef>
-            <a:fontRef idx="minor">
-              <a:schemeClr val="tx1"/>
-            </a:fontRef>
-          </p:style>
-        </p:cxnSp>
-        <p:cxnSp>
-          <p:nvCxnSpPr>
-            <p:cNvPr id="6" name="直接连接符 5">
-              <a:extLst>
-                <a:ext uri="{FF2B5EF4-FFF2-40B4-BE49-F238E27FC236}">
-                  <a16:creationId xmlns:a16="http://schemas.microsoft.com/office/drawing/2014/main" id="{039509C6-E277-78C6-259C-6B4CBDBC74CF}"/>
+                  <a16:creationId xmlns:a16="http://schemas.microsoft.com/office/drawing/2014/main" id="{79ABAD52-2D0A-ACA5-D921-D4A611B50268}"/>
                 </a:ext>
               </a:extLst>
             </p:cNvPr>
@@ -3083,1178 +3483,7 @@
           </p:nvCxnSpPr>
           <p:spPr>
             <a:xfrm>
-              <a:off x="6541882" y="448115"/>
-              <a:ext cx="0" cy="3567776"/>
-            </a:xfrm>
-            <a:prstGeom prst="line">
-              <a:avLst/>
-            </a:prstGeom>
-            <a:ln>
-              <a:prstDash val="lgDash"/>
-            </a:ln>
-          </p:spPr>
-          <p:style>
-            <a:lnRef idx="1">
-              <a:schemeClr val="accent1"/>
-            </a:lnRef>
-            <a:fillRef idx="0">
-              <a:schemeClr val="accent1"/>
-            </a:fillRef>
-            <a:effectRef idx="0">
-              <a:schemeClr val="accent1"/>
-            </a:effectRef>
-            <a:fontRef idx="minor">
-              <a:schemeClr val="tx1"/>
-            </a:fontRef>
-          </p:style>
-        </p:cxnSp>
-        <p:sp>
-          <p:nvSpPr>
-            <p:cNvPr id="29" name="文本框 9">
-              <a:extLst>
-                <a:ext uri="{FF2B5EF4-FFF2-40B4-BE49-F238E27FC236}">
-                  <a16:creationId xmlns:a16="http://schemas.microsoft.com/office/drawing/2014/main" id="{D8282914-EA22-9580-8907-2293E7676346}"/>
-                </a:ext>
-              </a:extLst>
-            </p:cNvPr>
-            <p:cNvSpPr txBox="1"/>
-            <p:nvPr/>
-          </p:nvSpPr>
-          <p:spPr>
-            <a:xfrm>
-              <a:off x="5683084" y="43546"/>
-              <a:ext cx="1081322" cy="338554"/>
-            </a:xfrm>
-            <a:prstGeom prst="rect">
-              <a:avLst/>
-            </a:prstGeom>
-            <a:noFill/>
-          </p:spPr>
-          <p:txBody>
-            <a:bodyPr wrap="none" rtlCol="0">
-              <a:spAutoFit/>
-            </a:bodyPr>
-            <a:lstStyle/>
-            <a:p>
-              <a:r>
-                <a:rPr lang="en-US" altLang="zh-CN" sz="1600" dirty="0">
-                  <a:cs typeface="Times New Roman" panose="02020603050405020304" pitchFamily="18" charset="0"/>
-                </a:rPr>
-                <a:t>PVT model</a:t>
-              </a:r>
-              <a:endParaRPr lang="zh-CN" altLang="en-US" sz="1600" dirty="0">
-                <a:cs typeface="Times New Roman" panose="02020603050405020304" pitchFamily="18" charset="0"/>
-              </a:endParaRPr>
-            </a:p>
-          </p:txBody>
-        </p:sp>
-        <p:sp>
-          <p:nvSpPr>
-            <p:cNvPr id="31" name="文本框 9">
-              <a:extLst>
-                <a:ext uri="{FF2B5EF4-FFF2-40B4-BE49-F238E27FC236}">
-                  <a16:creationId xmlns:a16="http://schemas.microsoft.com/office/drawing/2014/main" id="{1E754B2C-0832-A0B2-39A3-8BA0AFDCDC48}"/>
-                </a:ext>
-              </a:extLst>
-            </p:cNvPr>
-            <p:cNvSpPr txBox="1"/>
-            <p:nvPr/>
-          </p:nvSpPr>
-          <p:spPr>
-            <a:xfrm>
-              <a:off x="4557743" y="43546"/>
-              <a:ext cx="393056" cy="338554"/>
-            </a:xfrm>
-            <a:prstGeom prst="rect">
-              <a:avLst/>
-            </a:prstGeom>
-            <a:noFill/>
-          </p:spPr>
-          <p:txBody>
-            <a:bodyPr wrap="square" rtlCol="0">
-              <a:spAutoFit/>
-            </a:bodyPr>
-            <a:lstStyle/>
-            <a:p>
-              <a:r>
-                <a:rPr lang="en-US" altLang="zh-CN" sz="1600" b="1" dirty="0">
-                  <a:cs typeface="Times New Roman" panose="02020603050405020304" pitchFamily="18" charset="0"/>
-                </a:rPr>
-                <a:t>(b)</a:t>
-              </a:r>
-              <a:endParaRPr lang="zh-CN" altLang="en-US" sz="1600" b="1" dirty="0">
-                <a:cs typeface="Times New Roman" panose="02020603050405020304" pitchFamily="18" charset="0"/>
-              </a:endParaRPr>
-            </a:p>
-          </p:txBody>
-        </p:sp>
-        <p:sp>
-          <p:nvSpPr>
-            <p:cNvPr id="38" name="文本框 37">
-              <a:extLst>
-                <a:ext uri="{FF2B5EF4-FFF2-40B4-BE49-F238E27FC236}">
-                  <a16:creationId xmlns:a16="http://schemas.microsoft.com/office/drawing/2014/main" id="{5C78D5FC-FED0-F84C-A2DB-EDFE54999F78}"/>
-                </a:ext>
-              </a:extLst>
-            </p:cNvPr>
-            <p:cNvSpPr txBox="1"/>
-            <p:nvPr/>
-          </p:nvSpPr>
-          <p:spPr>
-            <a:xfrm>
-              <a:off x="4387622" y="2076484"/>
-              <a:ext cx="276038" cy="307777"/>
-            </a:xfrm>
-            <a:prstGeom prst="rect">
-              <a:avLst/>
-            </a:prstGeom>
-            <a:noFill/>
-          </p:spPr>
-          <p:txBody>
-            <a:bodyPr wrap="none" rtlCol="0">
-              <a:spAutoFit/>
-            </a:bodyPr>
-            <a:lstStyle/>
-            <a:p>
-              <a:r>
-                <a:rPr lang="en-US" altLang="zh-CN" sz="1400" dirty="0">
-                  <a:cs typeface="Times New Roman" panose="02020603050405020304" pitchFamily="18" charset="0"/>
-                </a:rPr>
-                <a:t>0</a:t>
-              </a:r>
-              <a:endParaRPr lang="zh-CN" altLang="en-US" sz="1400" dirty="0">
-                <a:cs typeface="Times New Roman" panose="02020603050405020304" pitchFamily="18" charset="0"/>
-              </a:endParaRPr>
-            </a:p>
-          </p:txBody>
-        </p:sp>
-        <p:sp>
-          <p:nvSpPr>
-            <p:cNvPr id="156" name="文本框 155">
-              <a:extLst>
-                <a:ext uri="{FF2B5EF4-FFF2-40B4-BE49-F238E27FC236}">
-                  <a16:creationId xmlns:a16="http://schemas.microsoft.com/office/drawing/2014/main" id="{F4622A1D-826C-7ED6-A3C1-AB8D3009EC06}"/>
-                </a:ext>
-              </a:extLst>
-            </p:cNvPr>
-            <p:cNvSpPr txBox="1"/>
-            <p:nvPr/>
-          </p:nvSpPr>
-          <p:spPr>
-            <a:xfrm rot="16200000">
-              <a:off x="3765728" y="3356051"/>
-              <a:ext cx="1026243" cy="338554"/>
-            </a:xfrm>
-            <a:prstGeom prst="rect">
-              <a:avLst/>
-            </a:prstGeom>
-            <a:noFill/>
-          </p:spPr>
-          <p:txBody>
-            <a:bodyPr wrap="none" rtlCol="0">
-              <a:spAutoFit/>
-            </a:bodyPr>
-            <a:lstStyle/>
-            <a:p>
-              <a:r>
-                <a:rPr lang="en-US" altLang="zh-CN" sz="1600" dirty="0">
-                  <a:cs typeface="Times New Roman" panose="02020603050405020304" pitchFamily="18" charset="0"/>
-                </a:rPr>
-                <a:t>a [mm/s</a:t>
-              </a:r>
-              <a:r>
-                <a:rPr lang="en-US" altLang="zh-CN" sz="1600" baseline="30000" dirty="0">
-                  <a:cs typeface="Times New Roman" panose="02020603050405020304" pitchFamily="18" charset="0"/>
-                </a:rPr>
-                <a:t>2</a:t>
-              </a:r>
-              <a:r>
-                <a:rPr lang="en-US" altLang="zh-CN" sz="1600" dirty="0">
-                  <a:cs typeface="Times New Roman" panose="02020603050405020304" pitchFamily="18" charset="0"/>
-                </a:rPr>
-                <a:t>]</a:t>
-              </a:r>
-              <a:endParaRPr lang="zh-CN" altLang="en-US" sz="1600" dirty="0">
-                <a:cs typeface="Times New Roman" panose="02020603050405020304" pitchFamily="18" charset="0"/>
-              </a:endParaRPr>
-            </a:p>
-          </p:txBody>
-        </p:sp>
-        <p:sp>
-          <p:nvSpPr>
-            <p:cNvPr id="157" name="文本框 156">
-              <a:extLst>
-                <a:ext uri="{FF2B5EF4-FFF2-40B4-BE49-F238E27FC236}">
-                  <a16:creationId xmlns:a16="http://schemas.microsoft.com/office/drawing/2014/main" id="{E868CED0-C093-FB7F-69A9-57F3DCCB7E3B}"/>
-                </a:ext>
-              </a:extLst>
-            </p:cNvPr>
-            <p:cNvSpPr txBox="1"/>
-            <p:nvPr/>
-          </p:nvSpPr>
-          <p:spPr>
-            <a:xfrm rot="16200000">
-              <a:off x="3793417" y="2147283"/>
-              <a:ext cx="957313" cy="338554"/>
-            </a:xfrm>
-            <a:prstGeom prst="rect">
-              <a:avLst/>
-            </a:prstGeom>
-            <a:noFill/>
-          </p:spPr>
-          <p:txBody>
-            <a:bodyPr wrap="none" rtlCol="0">
-              <a:spAutoFit/>
-            </a:bodyPr>
-            <a:lstStyle/>
-            <a:p>
-              <a:r>
-                <a:rPr lang="en-US" altLang="zh-CN" sz="1600" dirty="0">
-                  <a:cs typeface="Times New Roman" panose="02020603050405020304" pitchFamily="18" charset="0"/>
-                </a:rPr>
-                <a:t>v [mm/s]</a:t>
-              </a:r>
-              <a:endParaRPr lang="zh-CN" altLang="en-US" sz="1600" dirty="0">
-                <a:cs typeface="Times New Roman" panose="02020603050405020304" pitchFamily="18" charset="0"/>
-              </a:endParaRPr>
-            </a:p>
-          </p:txBody>
-        </p:sp>
-        <p:sp>
-          <p:nvSpPr>
-            <p:cNvPr id="158" name="文本框 157">
-              <a:extLst>
-                <a:ext uri="{FF2B5EF4-FFF2-40B4-BE49-F238E27FC236}">
-                  <a16:creationId xmlns:a16="http://schemas.microsoft.com/office/drawing/2014/main" id="{D213C4AA-5363-884D-5C6F-E757446FD54F}"/>
-                </a:ext>
-              </a:extLst>
-            </p:cNvPr>
-            <p:cNvSpPr txBox="1"/>
-            <p:nvPr/>
-          </p:nvSpPr>
-          <p:spPr>
-            <a:xfrm rot="16200000">
-              <a:off x="3874418" y="756733"/>
-              <a:ext cx="797013" cy="338554"/>
-            </a:xfrm>
-            <a:prstGeom prst="rect">
-              <a:avLst/>
-            </a:prstGeom>
-            <a:noFill/>
-          </p:spPr>
-          <p:txBody>
-            <a:bodyPr wrap="none" rtlCol="0">
-              <a:spAutoFit/>
-            </a:bodyPr>
-            <a:lstStyle/>
-            <a:p>
-              <a:r>
-                <a:rPr lang="en-US" altLang="zh-CN" sz="1600" dirty="0">
-                  <a:cs typeface="Times New Roman" panose="02020603050405020304" pitchFamily="18" charset="0"/>
-                </a:rPr>
-                <a:t>p [mm]</a:t>
-              </a:r>
-              <a:endParaRPr lang="zh-CN" altLang="en-US" sz="1600" dirty="0">
-                <a:cs typeface="Times New Roman" panose="02020603050405020304" pitchFamily="18" charset="0"/>
-              </a:endParaRPr>
-            </a:p>
-          </p:txBody>
-        </p:sp>
-        <p:sp>
-          <p:nvSpPr>
-            <p:cNvPr id="159" name="文本框 158">
-              <a:extLst>
-                <a:ext uri="{FF2B5EF4-FFF2-40B4-BE49-F238E27FC236}">
-                  <a16:creationId xmlns:a16="http://schemas.microsoft.com/office/drawing/2014/main" id="{DA1F76CB-B0D1-F3BE-65DB-F44319B64AF1}"/>
-                </a:ext>
-              </a:extLst>
-            </p:cNvPr>
-            <p:cNvSpPr txBox="1"/>
-            <p:nvPr/>
-          </p:nvSpPr>
-          <p:spPr>
-            <a:xfrm>
-              <a:off x="5857721" y="4014672"/>
-              <a:ext cx="522900" cy="338554"/>
-            </a:xfrm>
-            <a:prstGeom prst="rect">
-              <a:avLst/>
-            </a:prstGeom>
-            <a:noFill/>
-          </p:spPr>
-          <p:txBody>
-            <a:bodyPr wrap="none" rtlCol="0">
-              <a:spAutoFit/>
-            </a:bodyPr>
-            <a:lstStyle/>
-            <a:p>
-              <a:r>
-                <a:rPr lang="en-US" altLang="zh-CN" sz="1600" dirty="0">
-                  <a:cs typeface="Times New Roman" panose="02020603050405020304" pitchFamily="18" charset="0"/>
-                </a:rPr>
-                <a:t>t [s]</a:t>
-              </a:r>
-              <a:endParaRPr lang="zh-CN" altLang="en-US" sz="1600" dirty="0">
-                <a:cs typeface="Times New Roman" panose="02020603050405020304" pitchFamily="18" charset="0"/>
-              </a:endParaRPr>
-            </a:p>
-          </p:txBody>
-        </p:sp>
-        <mc:AlternateContent xmlns:mc="http://schemas.openxmlformats.org/markup-compatibility/2006">
-          <mc:Choice xmlns:a14="http://schemas.microsoft.com/office/drawing/2010/main" Requires="a14">
-            <p:sp>
-              <p:nvSpPr>
-                <p:cNvPr id="3" name="文本框 2">
-                  <a:extLst>
-                    <a:ext uri="{FF2B5EF4-FFF2-40B4-BE49-F238E27FC236}">
-                      <a16:creationId xmlns:a16="http://schemas.microsoft.com/office/drawing/2014/main" id="{B90B93FC-07BB-04B9-9049-73DA0911FA43}"/>
-                    </a:ext>
-                  </a:extLst>
-                </p:cNvPr>
-                <p:cNvSpPr txBox="1"/>
-                <p:nvPr/>
-              </p:nvSpPr>
-              <p:spPr>
-                <a:xfrm>
-                  <a:off x="5307716" y="954326"/>
-                  <a:ext cx="201787" cy="222369"/>
-                </a:xfrm>
-                <a:prstGeom prst="rect">
-                  <a:avLst/>
-                </a:prstGeom>
-                <a:noFill/>
-              </p:spPr>
-              <p:txBody>
-                <a:bodyPr wrap="none" lIns="0" tIns="0" rIns="0" bIns="0" rtlCol="0">
-                  <a:spAutoFit/>
-                </a:bodyPr>
-                <a:lstStyle/>
-                <a:p>
-                  <a:pPr/>
-                  <a14:m>
-                    <m:oMathPara xmlns:m="http://schemas.openxmlformats.org/officeDocument/2006/math">
-                      <m:oMathParaPr>
-                        <m:jc m:val="centerGroup"/>
-                      </m:oMathParaPr>
-                      <m:oMath xmlns:m="http://schemas.openxmlformats.org/officeDocument/2006/math">
-                        <m:sSup>
-                          <m:sSupPr>
-                            <m:ctrlPr>
-                              <a:rPr lang="en-US" altLang="zh-CN" sz="1400" i="1" smtClean="0">
-                                <a:latin typeface="Cambria Math" panose="02040503050406030204" pitchFamily="18" charset="0"/>
-                              </a:rPr>
-                            </m:ctrlPr>
-                          </m:sSupPr>
-                          <m:e>
-                            <m:r>
-                              <a:rPr lang="en-US" altLang="zh-CN" sz="1400" i="1">
-                                <a:latin typeface="Cambria Math" panose="02040503050406030204" pitchFamily="18" charset="0"/>
-                              </a:rPr>
-                              <m:t>𝑝</m:t>
-                            </m:r>
-                          </m:e>
-                          <m:sup>
-                            <m:r>
-                              <a:rPr lang="en-US" altLang="zh-CN" sz="1400" b="0" i="1" smtClean="0">
-                                <a:latin typeface="Cambria Math" panose="02040503050406030204" pitchFamily="18" charset="0"/>
-                              </a:rPr>
-                              <m:t>𝑖</m:t>
-                            </m:r>
-                          </m:sup>
-                        </m:sSup>
-                      </m:oMath>
-                    </m:oMathPara>
-                  </a14:m>
-                  <a:endParaRPr lang="zh-CN" altLang="en-US" sz="1400" dirty="0"/>
-                </a:p>
-              </p:txBody>
-            </p:sp>
-          </mc:Choice>
-          <mc:Fallback>
-            <p:sp>
-              <p:nvSpPr>
-                <p:cNvPr id="3" name="文本框 2">
-                  <a:extLst>
-                    <a:ext uri="{FF2B5EF4-FFF2-40B4-BE49-F238E27FC236}">
-                      <a16:creationId xmlns:a16="http://schemas.microsoft.com/office/drawing/2014/main" id="{B90B93FC-07BB-04B9-9049-73DA0911FA43}"/>
-                    </a:ext>
-                  </a:extLst>
-                </p:cNvPr>
-                <p:cNvSpPr txBox="1">
-                  <a:spLocks noRot="1" noChangeAspect="1" noMove="1" noResize="1" noEditPoints="1" noAdjustHandles="1" noChangeArrowheads="1" noChangeShapeType="1" noTextEdit="1"/>
-                </p:cNvSpPr>
-                <p:nvPr/>
-              </p:nvSpPr>
-              <p:spPr>
-                <a:xfrm>
-                  <a:off x="5307716" y="954326"/>
-                  <a:ext cx="201787" cy="222369"/>
-                </a:xfrm>
-                <a:prstGeom prst="rect">
-                  <a:avLst/>
-                </a:prstGeom>
-                <a:blipFill>
-                  <a:blip r:embed="rId3"/>
-                  <a:stretch>
-                    <a:fillRect l="-21212" r="-6061" b="-25000"/>
-                  </a:stretch>
-                </a:blipFill>
-              </p:spPr>
-              <p:txBody>
-                <a:bodyPr/>
-                <a:lstStyle/>
-                <a:p>
-                  <a:r>
-                    <a:rPr lang="zh-CN" altLang="en-US">
-                      <a:noFill/>
-                    </a:rPr>
-                    <a:t> </a:t>
-                  </a:r>
-                </a:p>
-              </p:txBody>
-            </p:sp>
-          </mc:Fallback>
-        </mc:AlternateContent>
-        <mc:AlternateContent xmlns:mc="http://schemas.openxmlformats.org/markup-compatibility/2006">
-          <mc:Choice xmlns:a14="http://schemas.microsoft.com/office/drawing/2010/main" Requires="a14">
-            <p:sp>
-              <p:nvSpPr>
-                <p:cNvPr id="10" name="文本框 9">
-                  <a:extLst>
-                    <a:ext uri="{FF2B5EF4-FFF2-40B4-BE49-F238E27FC236}">
-                      <a16:creationId xmlns:a16="http://schemas.microsoft.com/office/drawing/2014/main" id="{BD95B5DC-5FA4-A285-6442-492D7BAEB420}"/>
-                    </a:ext>
-                  </a:extLst>
-                </p:cNvPr>
-                <p:cNvSpPr txBox="1"/>
-                <p:nvPr/>
-              </p:nvSpPr>
-              <p:spPr>
-                <a:xfrm>
-                  <a:off x="6281799" y="454744"/>
-                  <a:ext cx="371705" cy="222369"/>
-                </a:xfrm>
-                <a:prstGeom prst="rect">
-                  <a:avLst/>
-                </a:prstGeom>
-                <a:noFill/>
-              </p:spPr>
-              <p:txBody>
-                <a:bodyPr wrap="none" lIns="0" tIns="0" rIns="0" bIns="0" rtlCol="0">
-                  <a:spAutoFit/>
-                </a:bodyPr>
-                <a:lstStyle/>
-                <a:p>
-                  <a:pPr/>
-                  <a14:m>
-                    <m:oMathPara xmlns:m="http://schemas.openxmlformats.org/officeDocument/2006/math">
-                      <m:oMathParaPr>
-                        <m:jc m:val="centerGroup"/>
-                      </m:oMathParaPr>
-                      <m:oMath xmlns:m="http://schemas.openxmlformats.org/officeDocument/2006/math">
-                        <m:sSup>
-                          <m:sSupPr>
-                            <m:ctrlPr>
-                              <a:rPr lang="en-US" altLang="zh-CN" sz="1400" i="1" smtClean="0">
-                                <a:latin typeface="Cambria Math" panose="02040503050406030204" pitchFamily="18" charset="0"/>
-                              </a:rPr>
-                            </m:ctrlPr>
-                          </m:sSupPr>
-                          <m:e>
-                            <m:r>
-                              <a:rPr lang="en-US" altLang="zh-CN" sz="1400" i="1">
-                                <a:latin typeface="Cambria Math" panose="02040503050406030204" pitchFamily="18" charset="0"/>
-                              </a:rPr>
-                              <m:t>𝑝</m:t>
-                            </m:r>
-                          </m:e>
-                          <m:sup>
-                            <m:r>
-                              <a:rPr lang="en-US" altLang="zh-CN" sz="1400" b="0" i="1" smtClean="0">
-                                <a:latin typeface="Cambria Math" panose="02040503050406030204" pitchFamily="18" charset="0"/>
-                              </a:rPr>
-                              <m:t>𝑖</m:t>
-                            </m:r>
-                            <m:r>
-                              <a:rPr lang="en-US" altLang="zh-CN" sz="1400" b="0" i="1" smtClean="0">
-                                <a:latin typeface="Cambria Math" panose="02040503050406030204" pitchFamily="18" charset="0"/>
-                              </a:rPr>
-                              <m:t>+1</m:t>
-                            </m:r>
-                          </m:sup>
-                        </m:sSup>
-                      </m:oMath>
-                    </m:oMathPara>
-                  </a14:m>
-                  <a:endParaRPr lang="zh-CN" altLang="en-US" sz="1400" dirty="0"/>
-                </a:p>
-              </p:txBody>
-            </p:sp>
-          </mc:Choice>
-          <mc:Fallback>
-            <p:sp>
-              <p:nvSpPr>
-                <p:cNvPr id="10" name="文本框 9">
-                  <a:extLst>
-                    <a:ext uri="{FF2B5EF4-FFF2-40B4-BE49-F238E27FC236}">
-                      <a16:creationId xmlns:a16="http://schemas.microsoft.com/office/drawing/2014/main" id="{BD95B5DC-5FA4-A285-6442-492D7BAEB420}"/>
-                    </a:ext>
-                  </a:extLst>
-                </p:cNvPr>
-                <p:cNvSpPr txBox="1">
-                  <a:spLocks noRot="1" noChangeAspect="1" noMove="1" noResize="1" noEditPoints="1" noAdjustHandles="1" noChangeArrowheads="1" noChangeShapeType="1" noTextEdit="1"/>
-                </p:cNvSpPr>
-                <p:nvPr/>
-              </p:nvSpPr>
-              <p:spPr>
-                <a:xfrm>
-                  <a:off x="6281799" y="454744"/>
-                  <a:ext cx="371705" cy="222369"/>
-                </a:xfrm>
-                <a:prstGeom prst="rect">
-                  <a:avLst/>
-                </a:prstGeom>
-                <a:blipFill>
-                  <a:blip r:embed="rId4"/>
-                  <a:stretch>
-                    <a:fillRect l="-11475" r="-3279" b="-25000"/>
-                  </a:stretch>
-                </a:blipFill>
-              </p:spPr>
-              <p:txBody>
-                <a:bodyPr/>
-                <a:lstStyle/>
-                <a:p>
-                  <a:r>
-                    <a:rPr lang="zh-CN" altLang="en-US">
-                      <a:noFill/>
-                    </a:rPr>
-                    <a:t> </a:t>
-                  </a:r>
-                </a:p>
-              </p:txBody>
-            </p:sp>
-          </mc:Fallback>
-        </mc:AlternateContent>
-        <mc:AlternateContent xmlns:mc="http://schemas.openxmlformats.org/markup-compatibility/2006">
-          <mc:Choice xmlns:a14="http://schemas.microsoft.com/office/drawing/2010/main" Requires="a14">
-            <p:sp>
-              <p:nvSpPr>
-                <p:cNvPr id="11" name="文本框 10">
-                  <a:extLst>
-                    <a:ext uri="{FF2B5EF4-FFF2-40B4-BE49-F238E27FC236}">
-                      <a16:creationId xmlns:a16="http://schemas.microsoft.com/office/drawing/2014/main" id="{49A9F9F9-B0D6-277D-47F2-43CE574A5265}"/>
-                    </a:ext>
-                  </a:extLst>
-                </p:cNvPr>
-                <p:cNvSpPr txBox="1"/>
-                <p:nvPr/>
-              </p:nvSpPr>
-              <p:spPr>
-                <a:xfrm>
-                  <a:off x="5267999" y="2958835"/>
-                  <a:ext cx="201787" cy="222369"/>
-                </a:xfrm>
-                <a:prstGeom prst="rect">
-                  <a:avLst/>
-                </a:prstGeom>
-                <a:noFill/>
-              </p:spPr>
-              <p:txBody>
-                <a:bodyPr wrap="none" lIns="0" tIns="0" rIns="0" bIns="0" rtlCol="0">
-                  <a:spAutoFit/>
-                </a:bodyPr>
-                <a:lstStyle/>
-                <a:p>
-                  <a:pPr/>
-                  <a14:m>
-                    <m:oMathPara xmlns:m="http://schemas.openxmlformats.org/officeDocument/2006/math">
-                      <m:oMathParaPr>
-                        <m:jc m:val="centerGroup"/>
-                      </m:oMathParaPr>
-                      <m:oMath xmlns:m="http://schemas.openxmlformats.org/officeDocument/2006/math">
-                        <m:sSup>
-                          <m:sSupPr>
-                            <m:ctrlPr>
-                              <a:rPr lang="en-US" altLang="zh-CN" sz="1400" i="1" smtClean="0">
-                                <a:latin typeface="Cambria Math" panose="02040503050406030204" pitchFamily="18" charset="0"/>
-                              </a:rPr>
-                            </m:ctrlPr>
-                          </m:sSupPr>
-                          <m:e>
-                            <m:r>
-                              <a:rPr lang="en-US" altLang="zh-CN" sz="1400" b="0" i="1" smtClean="0">
-                                <a:latin typeface="Cambria Math" panose="02040503050406030204" pitchFamily="18" charset="0"/>
-                              </a:rPr>
-                              <m:t>𝑎</m:t>
-                            </m:r>
-                          </m:e>
-                          <m:sup>
-                            <m:r>
-                              <a:rPr lang="en-US" altLang="zh-CN" sz="1400" b="0" i="1" smtClean="0">
-                                <a:latin typeface="Cambria Math" panose="02040503050406030204" pitchFamily="18" charset="0"/>
-                              </a:rPr>
-                              <m:t>𝑖</m:t>
-                            </m:r>
-                          </m:sup>
-                        </m:sSup>
-                      </m:oMath>
-                    </m:oMathPara>
-                  </a14:m>
-                  <a:endParaRPr lang="zh-CN" altLang="en-US" sz="1400" dirty="0"/>
-                </a:p>
-              </p:txBody>
-            </p:sp>
-          </mc:Choice>
-          <mc:Fallback>
-            <p:sp>
-              <p:nvSpPr>
-                <p:cNvPr id="11" name="文本框 10">
-                  <a:extLst>
-                    <a:ext uri="{FF2B5EF4-FFF2-40B4-BE49-F238E27FC236}">
-                      <a16:creationId xmlns:a16="http://schemas.microsoft.com/office/drawing/2014/main" id="{49A9F9F9-B0D6-277D-47F2-43CE574A5265}"/>
-                    </a:ext>
-                  </a:extLst>
-                </p:cNvPr>
-                <p:cNvSpPr txBox="1">
-                  <a:spLocks noRot="1" noChangeAspect="1" noMove="1" noResize="1" noEditPoints="1" noAdjustHandles="1" noChangeArrowheads="1" noChangeShapeType="1" noTextEdit="1"/>
-                </p:cNvSpPr>
-                <p:nvPr/>
-              </p:nvSpPr>
-              <p:spPr>
-                <a:xfrm>
-                  <a:off x="5267999" y="2958835"/>
-                  <a:ext cx="201787" cy="222369"/>
-                </a:xfrm>
-                <a:prstGeom prst="rect">
-                  <a:avLst/>
-                </a:prstGeom>
-                <a:blipFill>
-                  <a:blip r:embed="rId5"/>
-                  <a:stretch>
-                    <a:fillRect l="-11765" r="-2941"/>
-                  </a:stretch>
-                </a:blipFill>
-              </p:spPr>
-              <p:txBody>
-                <a:bodyPr/>
-                <a:lstStyle/>
-                <a:p>
-                  <a:r>
-                    <a:rPr lang="zh-CN" altLang="en-US">
-                      <a:noFill/>
-                    </a:rPr>
-                    <a:t> </a:t>
-                  </a:r>
-                </a:p>
-              </p:txBody>
-            </p:sp>
-          </mc:Fallback>
-        </mc:AlternateContent>
-        <mc:AlternateContent xmlns:mc="http://schemas.openxmlformats.org/markup-compatibility/2006">
-          <mc:Choice xmlns:a14="http://schemas.microsoft.com/office/drawing/2010/main" Requires="a14">
-            <p:sp>
-              <p:nvSpPr>
-                <p:cNvPr id="12" name="文本框 11">
-                  <a:extLst>
-                    <a:ext uri="{FF2B5EF4-FFF2-40B4-BE49-F238E27FC236}">
-                      <a16:creationId xmlns:a16="http://schemas.microsoft.com/office/drawing/2014/main" id="{3D245F93-8A7B-7297-422C-51580196EDCF}"/>
-                    </a:ext>
-                  </a:extLst>
-                </p:cNvPr>
-                <p:cNvSpPr txBox="1"/>
-                <p:nvPr/>
-              </p:nvSpPr>
-              <p:spPr>
-                <a:xfrm>
-                  <a:off x="6437463" y="3554760"/>
-                  <a:ext cx="372153" cy="222369"/>
-                </a:xfrm>
-                <a:prstGeom prst="rect">
-                  <a:avLst/>
-                </a:prstGeom>
-                <a:noFill/>
-              </p:spPr>
-              <p:txBody>
-                <a:bodyPr wrap="none" lIns="0" tIns="0" rIns="0" bIns="0" rtlCol="0">
-                  <a:spAutoFit/>
-                </a:bodyPr>
-                <a:lstStyle/>
-                <a:p>
-                  <a:pPr/>
-                  <a14:m>
-                    <m:oMathPara xmlns:m="http://schemas.openxmlformats.org/officeDocument/2006/math">
-                      <m:oMathParaPr>
-                        <m:jc m:val="centerGroup"/>
-                      </m:oMathParaPr>
-                      <m:oMath xmlns:m="http://schemas.openxmlformats.org/officeDocument/2006/math">
-                        <m:sSup>
-                          <m:sSupPr>
-                            <m:ctrlPr>
-                              <a:rPr lang="en-US" altLang="zh-CN" sz="1400" i="1" smtClean="0">
-                                <a:latin typeface="Cambria Math" panose="02040503050406030204" pitchFamily="18" charset="0"/>
-                              </a:rPr>
-                            </m:ctrlPr>
-                          </m:sSupPr>
-                          <m:e>
-                            <m:r>
-                              <a:rPr lang="en-US" altLang="zh-CN" sz="1400" b="0" i="1" smtClean="0">
-                                <a:latin typeface="Cambria Math" panose="02040503050406030204" pitchFamily="18" charset="0"/>
-                              </a:rPr>
-                              <m:t>𝑎</m:t>
-                            </m:r>
-                          </m:e>
-                          <m:sup>
-                            <m:r>
-                              <a:rPr lang="en-US" altLang="zh-CN" sz="1400" b="0" i="1" smtClean="0">
-                                <a:latin typeface="Cambria Math" panose="02040503050406030204" pitchFamily="18" charset="0"/>
-                              </a:rPr>
-                              <m:t>𝑖</m:t>
-                            </m:r>
-                            <m:r>
-                              <a:rPr lang="en-US" altLang="zh-CN" sz="1400" b="0" i="1" smtClean="0">
-                                <a:latin typeface="Cambria Math" panose="02040503050406030204" pitchFamily="18" charset="0"/>
-                              </a:rPr>
-                              <m:t>+1</m:t>
-                            </m:r>
-                          </m:sup>
-                        </m:sSup>
-                      </m:oMath>
-                    </m:oMathPara>
-                  </a14:m>
-                  <a:endParaRPr lang="zh-CN" altLang="en-US" sz="1400" dirty="0"/>
-                </a:p>
-              </p:txBody>
-            </p:sp>
-          </mc:Choice>
-          <mc:Fallback>
-            <p:sp>
-              <p:nvSpPr>
-                <p:cNvPr id="12" name="文本框 11">
-                  <a:extLst>
-                    <a:ext uri="{FF2B5EF4-FFF2-40B4-BE49-F238E27FC236}">
-                      <a16:creationId xmlns:a16="http://schemas.microsoft.com/office/drawing/2014/main" id="{3D245F93-8A7B-7297-422C-51580196EDCF}"/>
-                    </a:ext>
-                  </a:extLst>
-                </p:cNvPr>
-                <p:cNvSpPr txBox="1">
-                  <a:spLocks noRot="1" noChangeAspect="1" noMove="1" noResize="1" noEditPoints="1" noAdjustHandles="1" noChangeArrowheads="1" noChangeShapeType="1" noTextEdit="1"/>
-                </p:cNvSpPr>
-                <p:nvPr/>
-              </p:nvSpPr>
-              <p:spPr>
-                <a:xfrm>
-                  <a:off x="6437463" y="3554760"/>
-                  <a:ext cx="372153" cy="222369"/>
-                </a:xfrm>
-                <a:prstGeom prst="rect">
-                  <a:avLst/>
-                </a:prstGeom>
-                <a:blipFill>
-                  <a:blip r:embed="rId6"/>
-                  <a:stretch>
-                    <a:fillRect l="-6557" r="-3279"/>
-                  </a:stretch>
-                </a:blipFill>
-              </p:spPr>
-              <p:txBody>
-                <a:bodyPr/>
-                <a:lstStyle/>
-                <a:p>
-                  <a:r>
-                    <a:rPr lang="zh-CN" altLang="en-US">
-                      <a:noFill/>
-                    </a:rPr>
-                    <a:t> </a:t>
-                  </a:r>
-                </a:p>
-              </p:txBody>
-            </p:sp>
-          </mc:Fallback>
-        </mc:AlternateContent>
-        <mc:AlternateContent xmlns:mc="http://schemas.openxmlformats.org/markup-compatibility/2006">
-          <mc:Choice xmlns:a14="http://schemas.microsoft.com/office/drawing/2010/main" Requires="a14">
-            <p:sp>
-              <p:nvSpPr>
-                <p:cNvPr id="19" name="文本框 18">
-                  <a:extLst>
-                    <a:ext uri="{FF2B5EF4-FFF2-40B4-BE49-F238E27FC236}">
-                      <a16:creationId xmlns:a16="http://schemas.microsoft.com/office/drawing/2014/main" id="{3E3A4421-F61A-5277-A1FA-774EA6EAD571}"/>
-                    </a:ext>
-                  </a:extLst>
-                </p:cNvPr>
-                <p:cNvSpPr txBox="1"/>
-                <p:nvPr/>
-              </p:nvSpPr>
-              <p:spPr>
-                <a:xfrm>
-                  <a:off x="5271719" y="1850210"/>
-                  <a:ext cx="206787" cy="222369"/>
-                </a:xfrm>
-                <a:prstGeom prst="rect">
-                  <a:avLst/>
-                </a:prstGeom>
-                <a:noFill/>
-              </p:spPr>
-              <p:txBody>
-                <a:bodyPr wrap="none" lIns="0" tIns="0" rIns="0" bIns="0" rtlCol="0">
-                  <a:spAutoFit/>
-                </a:bodyPr>
-                <a:lstStyle/>
-                <a:p>
-                  <a:pPr/>
-                  <a14:m>
-                    <m:oMathPara xmlns:m="http://schemas.openxmlformats.org/officeDocument/2006/math">
-                      <m:oMathParaPr>
-                        <m:jc m:val="centerGroup"/>
-                      </m:oMathParaPr>
-                      <m:oMath xmlns:m="http://schemas.openxmlformats.org/officeDocument/2006/math">
-                        <m:sSup>
-                          <m:sSupPr>
-                            <m:ctrlPr>
-                              <a:rPr lang="en-US" altLang="zh-CN" sz="1400" i="1" smtClean="0">
-                                <a:latin typeface="Cambria Math" panose="02040503050406030204" pitchFamily="18" charset="0"/>
-                              </a:rPr>
-                            </m:ctrlPr>
-                          </m:sSupPr>
-                          <m:e>
-                            <m:r>
-                              <a:rPr lang="en-US" altLang="zh-CN" sz="1400" b="0" i="1" smtClean="0">
-                                <a:latin typeface="Cambria Math" panose="02040503050406030204" pitchFamily="18" charset="0"/>
-                              </a:rPr>
-                              <m:t>𝑣</m:t>
-                            </m:r>
-                          </m:e>
-                          <m:sup>
-                            <m:r>
-                              <a:rPr lang="en-US" altLang="zh-CN" sz="1400" b="0" i="1" smtClean="0">
-                                <a:latin typeface="Cambria Math" panose="02040503050406030204" pitchFamily="18" charset="0"/>
-                              </a:rPr>
-                              <m:t>𝑖</m:t>
-                            </m:r>
-                          </m:sup>
-                        </m:sSup>
-                      </m:oMath>
-                    </m:oMathPara>
-                  </a14:m>
-                  <a:endParaRPr lang="zh-CN" altLang="en-US" sz="1400" dirty="0"/>
-                </a:p>
-              </p:txBody>
-            </p:sp>
-          </mc:Choice>
-          <mc:Fallback>
-            <p:sp>
-              <p:nvSpPr>
-                <p:cNvPr id="19" name="文本框 18">
-                  <a:extLst>
-                    <a:ext uri="{FF2B5EF4-FFF2-40B4-BE49-F238E27FC236}">
-                      <a16:creationId xmlns:a16="http://schemas.microsoft.com/office/drawing/2014/main" id="{3E3A4421-F61A-5277-A1FA-774EA6EAD571}"/>
-                    </a:ext>
-                  </a:extLst>
-                </p:cNvPr>
-                <p:cNvSpPr txBox="1">
-                  <a:spLocks noRot="1" noChangeAspect="1" noMove="1" noResize="1" noEditPoints="1" noAdjustHandles="1" noChangeArrowheads="1" noChangeShapeType="1" noTextEdit="1"/>
-                </p:cNvSpPr>
-                <p:nvPr/>
-              </p:nvSpPr>
-              <p:spPr>
-                <a:xfrm>
-                  <a:off x="5271719" y="1850210"/>
-                  <a:ext cx="206787" cy="222369"/>
-                </a:xfrm>
-                <a:prstGeom prst="rect">
-                  <a:avLst/>
-                </a:prstGeom>
-                <a:blipFill>
-                  <a:blip r:embed="rId7"/>
-                  <a:stretch>
-                    <a:fillRect l="-11765" r="-5882"/>
-                  </a:stretch>
-                </a:blipFill>
-              </p:spPr>
-              <p:txBody>
-                <a:bodyPr/>
-                <a:lstStyle/>
-                <a:p>
-                  <a:r>
-                    <a:rPr lang="zh-CN" altLang="en-US">
-                      <a:noFill/>
-                    </a:rPr>
-                    <a:t> </a:t>
-                  </a:r>
-                </a:p>
-              </p:txBody>
-            </p:sp>
-          </mc:Fallback>
-        </mc:AlternateContent>
-        <mc:AlternateContent xmlns:mc="http://schemas.openxmlformats.org/markup-compatibility/2006">
-          <mc:Choice xmlns:a14="http://schemas.microsoft.com/office/drawing/2010/main" Requires="a14">
-            <p:sp>
-              <p:nvSpPr>
-                <p:cNvPr id="20" name="文本框 19">
-                  <a:extLst>
-                    <a:ext uri="{FF2B5EF4-FFF2-40B4-BE49-F238E27FC236}">
-                      <a16:creationId xmlns:a16="http://schemas.microsoft.com/office/drawing/2014/main" id="{5806D154-3F7A-87A0-C10A-AEE8EE3C14A9}"/>
-                    </a:ext>
-                  </a:extLst>
-                </p:cNvPr>
-                <p:cNvSpPr txBox="1"/>
-                <p:nvPr/>
-              </p:nvSpPr>
-              <p:spPr>
-                <a:xfrm>
-                  <a:off x="6534819" y="1868198"/>
-                  <a:ext cx="376706" cy="222369"/>
-                </a:xfrm>
-                <a:prstGeom prst="rect">
-                  <a:avLst/>
-                </a:prstGeom>
-                <a:noFill/>
-              </p:spPr>
-              <p:txBody>
-                <a:bodyPr wrap="none" lIns="0" tIns="0" rIns="0" bIns="0" rtlCol="0">
-                  <a:spAutoFit/>
-                </a:bodyPr>
-                <a:lstStyle/>
-                <a:p>
-                  <a:pPr/>
-                  <a14:m>
-                    <m:oMathPara xmlns:m="http://schemas.openxmlformats.org/officeDocument/2006/math">
-                      <m:oMathParaPr>
-                        <m:jc m:val="centerGroup"/>
-                      </m:oMathParaPr>
-                      <m:oMath xmlns:m="http://schemas.openxmlformats.org/officeDocument/2006/math">
-                        <m:sSup>
-                          <m:sSupPr>
-                            <m:ctrlPr>
-                              <a:rPr lang="en-US" altLang="zh-CN" sz="1400" i="1" smtClean="0">
-                                <a:latin typeface="Cambria Math" panose="02040503050406030204" pitchFamily="18" charset="0"/>
-                              </a:rPr>
-                            </m:ctrlPr>
-                          </m:sSupPr>
-                          <m:e>
-                            <m:r>
-                              <a:rPr lang="en-US" altLang="zh-CN" sz="1400" b="0" i="1" smtClean="0">
-                                <a:latin typeface="Cambria Math" panose="02040503050406030204" pitchFamily="18" charset="0"/>
-                              </a:rPr>
-                              <m:t>𝑣</m:t>
-                            </m:r>
-                          </m:e>
-                          <m:sup>
-                            <m:r>
-                              <a:rPr lang="en-US" altLang="zh-CN" sz="1400" b="0" i="1" smtClean="0">
-                                <a:latin typeface="Cambria Math" panose="02040503050406030204" pitchFamily="18" charset="0"/>
-                              </a:rPr>
-                              <m:t>𝑖</m:t>
-                            </m:r>
-                            <m:r>
-                              <a:rPr lang="en-US" altLang="zh-CN" sz="1400" b="0" i="1" smtClean="0">
-                                <a:latin typeface="Cambria Math" panose="02040503050406030204" pitchFamily="18" charset="0"/>
-                              </a:rPr>
-                              <m:t>+1</m:t>
-                            </m:r>
-                          </m:sup>
-                        </m:sSup>
-                      </m:oMath>
-                    </m:oMathPara>
-                  </a14:m>
-                  <a:endParaRPr lang="zh-CN" altLang="en-US" sz="1400" dirty="0"/>
-                </a:p>
-              </p:txBody>
-            </p:sp>
-          </mc:Choice>
-          <mc:Fallback>
-            <p:sp>
-              <p:nvSpPr>
-                <p:cNvPr id="20" name="文本框 19">
-                  <a:extLst>
-                    <a:ext uri="{FF2B5EF4-FFF2-40B4-BE49-F238E27FC236}">
-                      <a16:creationId xmlns:a16="http://schemas.microsoft.com/office/drawing/2014/main" id="{5806D154-3F7A-87A0-C10A-AEE8EE3C14A9}"/>
-                    </a:ext>
-                  </a:extLst>
-                </p:cNvPr>
-                <p:cNvSpPr txBox="1">
-                  <a:spLocks noRot="1" noChangeAspect="1" noMove="1" noResize="1" noEditPoints="1" noAdjustHandles="1" noChangeArrowheads="1" noChangeShapeType="1" noTextEdit="1"/>
-                </p:cNvSpPr>
-                <p:nvPr/>
-              </p:nvSpPr>
-              <p:spPr>
-                <a:xfrm>
-                  <a:off x="6534819" y="1868198"/>
-                  <a:ext cx="376706" cy="222369"/>
-                </a:xfrm>
-                <a:prstGeom prst="rect">
-                  <a:avLst/>
-                </a:prstGeom>
-                <a:blipFill>
-                  <a:blip r:embed="rId8"/>
-                  <a:stretch>
-                    <a:fillRect l="-4839" r="-3226"/>
-                  </a:stretch>
-                </a:blipFill>
-              </p:spPr>
-              <p:txBody>
-                <a:bodyPr/>
-                <a:lstStyle/>
-                <a:p>
-                  <a:r>
-                    <a:rPr lang="zh-CN" altLang="en-US">
-                      <a:noFill/>
-                    </a:rPr>
-                    <a:t> </a:t>
-                  </a:r>
-                </a:p>
-              </p:txBody>
-            </p:sp>
-          </mc:Fallback>
-        </mc:AlternateContent>
-        <p:sp>
-          <p:nvSpPr>
-            <p:cNvPr id="43" name="文本框 42">
-              <a:extLst>
-                <a:ext uri="{FF2B5EF4-FFF2-40B4-BE49-F238E27FC236}">
-                  <a16:creationId xmlns:a16="http://schemas.microsoft.com/office/drawing/2014/main" id="{33B432B8-F990-1C9B-7C4B-D2A1A241E6C8}"/>
-                </a:ext>
-              </a:extLst>
-            </p:cNvPr>
-            <p:cNvSpPr txBox="1"/>
-            <p:nvPr/>
-          </p:nvSpPr>
-          <p:spPr>
-            <a:xfrm>
-              <a:off x="4387622" y="3393295"/>
-              <a:ext cx="276038" cy="307777"/>
-            </a:xfrm>
-            <a:prstGeom prst="rect">
-              <a:avLst/>
-            </a:prstGeom>
-            <a:noFill/>
-          </p:spPr>
-          <p:txBody>
-            <a:bodyPr wrap="none" rtlCol="0">
-              <a:spAutoFit/>
-            </a:bodyPr>
-            <a:lstStyle/>
-            <a:p>
-              <a:r>
-                <a:rPr lang="en-US" altLang="zh-CN" sz="1400" dirty="0">
-                  <a:cs typeface="Times New Roman" panose="02020603050405020304" pitchFamily="18" charset="0"/>
-                </a:rPr>
-                <a:t>0</a:t>
-              </a:r>
-              <a:endParaRPr lang="zh-CN" altLang="en-US" sz="1400" dirty="0">
-                <a:cs typeface="Times New Roman" panose="02020603050405020304" pitchFamily="18" charset="0"/>
-              </a:endParaRPr>
-            </a:p>
-          </p:txBody>
-        </p:sp>
-        <p:sp>
-          <p:nvSpPr>
-            <p:cNvPr id="44" name="文本框 43">
-              <a:extLst>
-                <a:ext uri="{FF2B5EF4-FFF2-40B4-BE49-F238E27FC236}">
-                  <a16:creationId xmlns:a16="http://schemas.microsoft.com/office/drawing/2014/main" id="{3AFAFEB0-B0F2-5E19-D6A9-A85F295B62E6}"/>
-                </a:ext>
-              </a:extLst>
-            </p:cNvPr>
-            <p:cNvSpPr txBox="1"/>
-            <p:nvPr/>
-          </p:nvSpPr>
-          <p:spPr>
-            <a:xfrm>
-              <a:off x="4384040" y="1210100"/>
-              <a:ext cx="276038" cy="307777"/>
-            </a:xfrm>
-            <a:prstGeom prst="rect">
-              <a:avLst/>
-            </a:prstGeom>
-            <a:noFill/>
-          </p:spPr>
-          <p:txBody>
-            <a:bodyPr wrap="none" rtlCol="0">
-              <a:spAutoFit/>
-            </a:bodyPr>
-            <a:lstStyle/>
-            <a:p>
-              <a:r>
-                <a:rPr lang="en-US" altLang="zh-CN" sz="1400" dirty="0">
-                  <a:cs typeface="Times New Roman" panose="02020603050405020304" pitchFamily="18" charset="0"/>
-                </a:rPr>
-                <a:t>0</a:t>
-              </a:r>
-              <a:endParaRPr lang="zh-CN" altLang="en-US" sz="1400" dirty="0">
-                <a:cs typeface="Times New Roman" panose="02020603050405020304" pitchFamily="18" charset="0"/>
-              </a:endParaRPr>
-            </a:p>
-          </p:txBody>
-        </p:sp>
-      </p:grpSp>
-      <p:grpSp>
-        <p:nvGrpSpPr>
-          <p:cNvPr id="48" name="组合 47">
-            <a:extLst>
-              <a:ext uri="{FF2B5EF4-FFF2-40B4-BE49-F238E27FC236}">
-                <a16:creationId xmlns:a16="http://schemas.microsoft.com/office/drawing/2014/main" id="{FD999365-1D32-5D7D-EAE4-C1872569F7F9}"/>
-              </a:ext>
-            </a:extLst>
-          </p:cNvPr>
-          <p:cNvGrpSpPr/>
-          <p:nvPr/>
-        </p:nvGrpSpPr>
-        <p:grpSpPr>
-          <a:xfrm>
-            <a:off x="109994" y="89529"/>
-            <a:ext cx="3594478" cy="4302454"/>
-            <a:chOff x="78148" y="6565"/>
-            <a:chExt cx="3594478" cy="4302454"/>
-          </a:xfrm>
-        </p:grpSpPr>
-        <p:pic>
-          <p:nvPicPr>
-            <p:cNvPr id="13" name="图片 12">
-              <a:extLst>
-                <a:ext uri="{FF2B5EF4-FFF2-40B4-BE49-F238E27FC236}">
-                  <a16:creationId xmlns:a16="http://schemas.microsoft.com/office/drawing/2014/main" id="{A878A33E-5400-711B-8BEF-B76F02ABADE7}"/>
-                </a:ext>
-              </a:extLst>
-            </p:cNvPr>
-            <p:cNvPicPr>
-              <a:picLocks noChangeAspect="1"/>
-            </p:cNvPicPr>
-            <p:nvPr/>
-          </p:nvPicPr>
-          <p:blipFill rotWithShape="1">
-            <a:blip r:embed="rId9"/>
-            <a:srcRect l="11222" t="5389" r="7306" b="8959"/>
-            <a:stretch/>
-          </p:blipFill>
-          <p:spPr>
-            <a:xfrm>
-              <a:off x="568555" y="326147"/>
-              <a:ext cx="3104071" cy="3752794"/>
-            </a:xfrm>
-            <a:prstGeom prst="rect">
-              <a:avLst/>
-            </a:prstGeom>
-          </p:spPr>
-        </p:pic>
-        <p:cxnSp>
-          <p:nvCxnSpPr>
-            <p:cNvPr id="7" name="直接连接符 6">
-              <a:extLst>
-                <a:ext uri="{FF2B5EF4-FFF2-40B4-BE49-F238E27FC236}">
-                  <a16:creationId xmlns:a16="http://schemas.microsoft.com/office/drawing/2014/main" id="{1C3A3B7D-21FD-E1A8-E1DE-7F477C3BE64B}"/>
-                </a:ext>
-              </a:extLst>
-            </p:cNvPr>
-            <p:cNvCxnSpPr>
-              <a:cxnSpLocks/>
-            </p:cNvCxnSpPr>
-            <p:nvPr/>
-          </p:nvCxnSpPr>
-          <p:spPr>
-            <a:xfrm>
-              <a:off x="1246259" y="409967"/>
+              <a:off x="1278105" y="492931"/>
               <a:ext cx="26428" cy="3567776"/>
             </a:xfrm>
             <a:prstGeom prst="line">
@@ -4281,10 +3510,10 @@
         </p:cxnSp>
         <p:cxnSp>
           <p:nvCxnSpPr>
-            <p:cNvPr id="8" name="直接连接符 7">
+            <p:cNvPr id="241" name="直接连接符 7">
               <a:extLst>
                 <a:ext uri="{FF2B5EF4-FFF2-40B4-BE49-F238E27FC236}">
-                  <a16:creationId xmlns:a16="http://schemas.microsoft.com/office/drawing/2014/main" id="{33DC7FF8-BF37-330E-DA7F-969A34D532E4}"/>
+                  <a16:creationId xmlns:a16="http://schemas.microsoft.com/office/drawing/2014/main" id="{AA4613DC-F19D-F43C-6086-54941E33021A}"/>
                 </a:ext>
               </a:extLst>
             </p:cNvPr>
@@ -4295,7 +3524,7 @@
           </p:nvCxnSpPr>
           <p:spPr>
             <a:xfrm>
-              <a:off x="2517212" y="410603"/>
+              <a:off x="2549058" y="493567"/>
               <a:ext cx="17518" cy="3567141"/>
             </a:xfrm>
             <a:prstGeom prst="line">
@@ -4322,142 +3551,10 @@
         </p:cxnSp>
         <p:sp>
           <p:nvSpPr>
-            <p:cNvPr id="26" name="文本框 25">
+            <p:cNvPr id="242" name="文本框 9">
               <a:extLst>
                 <a:ext uri="{FF2B5EF4-FFF2-40B4-BE49-F238E27FC236}">
-                  <a16:creationId xmlns:a16="http://schemas.microsoft.com/office/drawing/2014/main" id="{7225F53B-AA49-C740-8B1B-53AA596D782D}"/>
-                </a:ext>
-              </a:extLst>
-            </p:cNvPr>
-            <p:cNvSpPr txBox="1"/>
-            <p:nvPr/>
-          </p:nvSpPr>
-          <p:spPr>
-            <a:xfrm rot="16200000">
-              <a:off x="-264846" y="3386467"/>
-              <a:ext cx="1026243" cy="338554"/>
-            </a:xfrm>
-            <a:prstGeom prst="rect">
-              <a:avLst/>
-            </a:prstGeom>
-            <a:noFill/>
-          </p:spPr>
-          <p:txBody>
-            <a:bodyPr wrap="none" rtlCol="0">
-              <a:spAutoFit/>
-            </a:bodyPr>
-            <a:lstStyle/>
-            <a:p>
-              <a:r>
-                <a:rPr lang="en-US" altLang="zh-CN" sz="1600" dirty="0">
-                  <a:cs typeface="Times New Roman" panose="02020603050405020304" pitchFamily="18" charset="0"/>
-                </a:rPr>
-                <a:t>a [mm/s</a:t>
-              </a:r>
-              <a:r>
-                <a:rPr lang="en-US" altLang="zh-CN" sz="1600" baseline="30000" dirty="0">
-                  <a:cs typeface="Times New Roman" panose="02020603050405020304" pitchFamily="18" charset="0"/>
-                </a:rPr>
-                <a:t>2</a:t>
-              </a:r>
-              <a:r>
-                <a:rPr lang="en-US" altLang="zh-CN" sz="1600" dirty="0">
-                  <a:cs typeface="Times New Roman" panose="02020603050405020304" pitchFamily="18" charset="0"/>
-                </a:rPr>
-                <a:t>]</a:t>
-              </a:r>
-              <a:endParaRPr lang="zh-CN" altLang="en-US" sz="1600" dirty="0">
-                <a:cs typeface="Times New Roman" panose="02020603050405020304" pitchFamily="18" charset="0"/>
-              </a:endParaRPr>
-            </a:p>
-          </p:txBody>
-        </p:sp>
-        <p:sp>
-          <p:nvSpPr>
-            <p:cNvPr id="27" name="文本框 26">
-              <a:extLst>
-                <a:ext uri="{FF2B5EF4-FFF2-40B4-BE49-F238E27FC236}">
-                  <a16:creationId xmlns:a16="http://schemas.microsoft.com/office/drawing/2014/main" id="{18A2DC0F-231C-2180-4EA9-6F69E09F4C61}"/>
-                </a:ext>
-              </a:extLst>
-            </p:cNvPr>
-            <p:cNvSpPr txBox="1"/>
-            <p:nvPr/>
-          </p:nvSpPr>
-          <p:spPr>
-            <a:xfrm rot="16200000">
-              <a:off x="-231232" y="2135850"/>
-              <a:ext cx="957313" cy="338554"/>
-            </a:xfrm>
-            <a:prstGeom prst="rect">
-              <a:avLst/>
-            </a:prstGeom>
-            <a:noFill/>
-          </p:spPr>
-          <p:txBody>
-            <a:bodyPr wrap="none" rtlCol="0">
-              <a:spAutoFit/>
-            </a:bodyPr>
-            <a:lstStyle/>
-            <a:p>
-              <a:r>
-                <a:rPr lang="en-US" altLang="zh-CN" sz="1600" dirty="0">
-                  <a:cs typeface="Times New Roman" panose="02020603050405020304" pitchFamily="18" charset="0"/>
-                </a:rPr>
-                <a:t>v [mm/s]</a:t>
-              </a:r>
-              <a:endParaRPr lang="zh-CN" altLang="en-US" sz="1600" dirty="0">
-                <a:cs typeface="Times New Roman" panose="02020603050405020304" pitchFamily="18" charset="0"/>
-              </a:endParaRPr>
-            </a:p>
-          </p:txBody>
-        </p:sp>
-        <p:sp>
-          <p:nvSpPr>
-            <p:cNvPr id="28" name="文本框 27">
-              <a:extLst>
-                <a:ext uri="{FF2B5EF4-FFF2-40B4-BE49-F238E27FC236}">
-                  <a16:creationId xmlns:a16="http://schemas.microsoft.com/office/drawing/2014/main" id="{38DE6F59-5DFE-671C-AD51-05B26993EFEB}"/>
-                </a:ext>
-              </a:extLst>
-            </p:cNvPr>
-            <p:cNvSpPr txBox="1"/>
-            <p:nvPr/>
-          </p:nvSpPr>
-          <p:spPr>
-            <a:xfrm rot="16200000">
-              <a:off x="-150231" y="745301"/>
-              <a:ext cx="797013" cy="338554"/>
-            </a:xfrm>
-            <a:prstGeom prst="rect">
-              <a:avLst/>
-            </a:prstGeom>
-            <a:noFill/>
-          </p:spPr>
-          <p:txBody>
-            <a:bodyPr wrap="none" rtlCol="0">
-              <a:spAutoFit/>
-            </a:bodyPr>
-            <a:lstStyle/>
-            <a:p>
-              <a:r>
-                <a:rPr lang="en-US" altLang="zh-CN" sz="1600" dirty="0">
-                  <a:cs typeface="Times New Roman" panose="02020603050405020304" pitchFamily="18" charset="0"/>
-                </a:rPr>
-                <a:t>p [mm]</a:t>
-              </a:r>
-              <a:endParaRPr lang="zh-CN" altLang="en-US" sz="1600" dirty="0">
-                <a:cs typeface="Times New Roman" panose="02020603050405020304" pitchFamily="18" charset="0"/>
-              </a:endParaRPr>
-            </a:p>
-          </p:txBody>
-        </p:sp>
-        <p:sp>
-          <p:nvSpPr>
-            <p:cNvPr id="30" name="文本框 9">
-              <a:extLst>
-                <a:ext uri="{FF2B5EF4-FFF2-40B4-BE49-F238E27FC236}">
-                  <a16:creationId xmlns:a16="http://schemas.microsoft.com/office/drawing/2014/main" id="{B43545C6-D76A-A3B1-C6EB-1FDDEF107FF1}"/>
+                  <a16:creationId xmlns:a16="http://schemas.microsoft.com/office/drawing/2014/main" id="{1E86AFC7-C194-2B7C-00D8-F47C5A5B44F3}"/>
                 </a:ext>
               </a:extLst>
             </p:cNvPr>
@@ -4466,7 +3563,7 @@
           </p:nvSpPr>
           <p:spPr>
             <a:xfrm>
-              <a:off x="963645" y="6565"/>
+              <a:off x="995491" y="89529"/>
               <a:ext cx="2566665" cy="338554"/>
             </a:xfrm>
             <a:prstGeom prst="rect">
@@ -4495,12 +3592,322 @@
             </a:p>
           </p:txBody>
         </p:sp>
+        <mc:AlternateContent xmlns:mc="http://schemas.openxmlformats.org/markup-compatibility/2006">
+          <mc:Choice xmlns:a14="http://schemas.microsoft.com/office/drawing/2010/main" Requires="a14">
+            <p:sp>
+              <p:nvSpPr>
+                <p:cNvPr id="243" name="文本框 25">
+                  <a:extLst>
+                    <a:ext uri="{FF2B5EF4-FFF2-40B4-BE49-F238E27FC236}">
+                      <a16:creationId xmlns:a16="http://schemas.microsoft.com/office/drawing/2014/main" id="{368558EC-A571-B3AC-4E84-0A5EA152ED4F}"/>
+                    </a:ext>
+                  </a:extLst>
+                </p:cNvPr>
+                <p:cNvSpPr txBox="1"/>
+                <p:nvPr/>
+              </p:nvSpPr>
+              <p:spPr>
+                <a:xfrm>
+                  <a:off x="367064" y="2782614"/>
+                  <a:ext cx="394852" cy="338554"/>
+                </a:xfrm>
+                <a:prstGeom prst="rect">
+                  <a:avLst/>
+                </a:prstGeom>
+                <a:noFill/>
+              </p:spPr>
+              <p:txBody>
+                <a:bodyPr wrap="none" rtlCol="0">
+                  <a:spAutoFit/>
+                </a:bodyPr>
+                <a:lstStyle/>
+                <a:p>
+                  <a14:m>
+                    <m:oMathPara xmlns:m="http://schemas.openxmlformats.org/officeDocument/2006/math">
+                      <m:oMathParaPr>
+                        <m:jc m:val="centerGroup"/>
+                      </m:oMathParaPr>
+                      <m:oMath xmlns:m="http://schemas.openxmlformats.org/officeDocument/2006/math">
+                        <m:r>
+                          <a:rPr lang="en-US" altLang="zh-CN" sz="1600" i="1" dirty="0" smtClean="0">
+                            <a:latin typeface="Cambria Math" panose="02040503050406030204" pitchFamily="18" charset="0"/>
+                            <a:cs typeface="Times New Roman" panose="02020603050405020304" pitchFamily="18" charset="0"/>
+                          </a:rPr>
+                          <m:t>𝑎</m:t>
+                        </m:r>
+                        <m:r>
+                          <a:rPr lang="en-US" altLang="zh-CN" sz="1600" i="1" dirty="0" smtClean="0">
+                            <a:latin typeface="Cambria Math" panose="02040503050406030204" pitchFamily="18" charset="0"/>
+                            <a:cs typeface="Times New Roman" panose="02020603050405020304" pitchFamily="18" charset="0"/>
+                          </a:rPr>
+                          <m:t> </m:t>
+                        </m:r>
+                      </m:oMath>
+                    </m:oMathPara>
+                  </a14:m>
+                  <a:endParaRPr lang="zh-CN" altLang="en-US" sz="1600" dirty="0">
+                    <a:cs typeface="Times New Roman" panose="02020603050405020304" pitchFamily="18" charset="0"/>
+                  </a:endParaRPr>
+                </a:p>
+              </p:txBody>
+            </p:sp>
+          </mc:Choice>
+          <mc:Fallback>
+            <p:sp>
+              <p:nvSpPr>
+                <p:cNvPr id="243" name="文本框 25">
+                  <a:extLst>
+                    <a:ext uri="{FF2B5EF4-FFF2-40B4-BE49-F238E27FC236}">
+                      <a16:creationId xmlns:a16="http://schemas.microsoft.com/office/drawing/2014/main" id="{368558EC-A571-B3AC-4E84-0A5EA152ED4F}"/>
+                    </a:ext>
+                  </a:extLst>
+                </p:cNvPr>
+                <p:cNvSpPr txBox="1">
+                  <a:spLocks noRot="1" noChangeAspect="1" noMove="1" noResize="1" noEditPoints="1" noAdjustHandles="1" noChangeArrowheads="1" noChangeShapeType="1" noTextEdit="1"/>
+                </p:cNvSpPr>
+                <p:nvPr/>
+              </p:nvSpPr>
+              <p:spPr>
+                <a:xfrm>
+                  <a:off x="367064" y="2782614"/>
+                  <a:ext cx="394852" cy="338554"/>
+                </a:xfrm>
+                <a:prstGeom prst="rect">
+                  <a:avLst/>
+                </a:prstGeom>
+                <a:blipFill>
+                  <a:blip r:embed="rId4"/>
+                  <a:stretch>
+                    <a:fillRect/>
+                  </a:stretch>
+                </a:blipFill>
+              </p:spPr>
+              <p:txBody>
+                <a:bodyPr/>
+                <a:lstStyle/>
+                <a:p>
+                  <a:r>
+                    <a:rPr lang="en-US">
+                      <a:noFill/>
+                    </a:rPr>
+                    <a:t> </a:t>
+                  </a:r>
+                </a:p>
+              </p:txBody>
+            </p:sp>
+          </mc:Fallback>
+        </mc:AlternateContent>
+        <mc:AlternateContent xmlns:mc="http://schemas.openxmlformats.org/markup-compatibility/2006">
+          <mc:Choice xmlns:a14="http://schemas.microsoft.com/office/drawing/2010/main" Requires="a14">
+            <p:sp>
+              <p:nvSpPr>
+                <p:cNvPr id="244" name="文本框 26">
+                  <a:extLst>
+                    <a:ext uri="{FF2B5EF4-FFF2-40B4-BE49-F238E27FC236}">
+                      <a16:creationId xmlns:a16="http://schemas.microsoft.com/office/drawing/2014/main" id="{EAD71121-5D47-4CD0-940F-96354C47CE8A}"/>
+                    </a:ext>
+                  </a:extLst>
+                </p:cNvPr>
+                <p:cNvSpPr txBox="1"/>
+                <p:nvPr/>
+              </p:nvSpPr>
+              <p:spPr>
+                <a:xfrm>
+                  <a:off x="361736" y="1543225"/>
+                  <a:ext cx="394275" cy="338554"/>
+                </a:xfrm>
+                <a:prstGeom prst="rect">
+                  <a:avLst/>
+                </a:prstGeom>
+                <a:noFill/>
+              </p:spPr>
+              <p:txBody>
+                <a:bodyPr wrap="none" rtlCol="0">
+                  <a:spAutoFit/>
+                </a:bodyPr>
+                <a:lstStyle/>
+                <a:p>
+                  <a:pPr/>
+                  <a14:m>
+                    <m:oMathPara xmlns:m="http://schemas.openxmlformats.org/officeDocument/2006/math">
+                      <m:oMathParaPr>
+                        <m:jc m:val="center"/>
+                      </m:oMathParaPr>
+                      <m:oMath xmlns:m="http://schemas.openxmlformats.org/officeDocument/2006/math">
+                        <m:r>
+                          <a:rPr lang="en-US" altLang="zh-CN" sz="1600" i="1" dirty="0" smtClean="0">
+                            <a:latin typeface="Cambria Math" panose="02040503050406030204" pitchFamily="18" charset="0"/>
+                            <a:cs typeface="Times New Roman" panose="02020603050405020304" pitchFamily="18" charset="0"/>
+                          </a:rPr>
+                          <m:t>𝑣</m:t>
+                        </m:r>
+                        <m:r>
+                          <a:rPr lang="en-US" altLang="zh-CN" sz="1600" i="1" dirty="0" smtClean="0">
+                            <a:latin typeface="Cambria Math" panose="02040503050406030204" pitchFamily="18" charset="0"/>
+                            <a:cs typeface="Times New Roman" panose="02020603050405020304" pitchFamily="18" charset="0"/>
+                          </a:rPr>
+                          <m:t> </m:t>
+                        </m:r>
+                      </m:oMath>
+                    </m:oMathPara>
+                  </a14:m>
+                  <a:endParaRPr lang="zh-CN" altLang="en-US" sz="1600" dirty="0">
+                    <a:cs typeface="Times New Roman" panose="02020603050405020304" pitchFamily="18" charset="0"/>
+                  </a:endParaRPr>
+                </a:p>
+              </p:txBody>
+            </p:sp>
+          </mc:Choice>
+          <mc:Fallback>
+            <p:sp>
+              <p:nvSpPr>
+                <p:cNvPr id="244" name="文本框 26">
+                  <a:extLst>
+                    <a:ext uri="{FF2B5EF4-FFF2-40B4-BE49-F238E27FC236}">
+                      <a16:creationId xmlns:a16="http://schemas.microsoft.com/office/drawing/2014/main" id="{EAD71121-5D47-4CD0-940F-96354C47CE8A}"/>
+                    </a:ext>
+                  </a:extLst>
+                </p:cNvPr>
+                <p:cNvSpPr txBox="1">
+                  <a:spLocks noRot="1" noChangeAspect="1" noMove="1" noResize="1" noEditPoints="1" noAdjustHandles="1" noChangeArrowheads="1" noChangeShapeType="1" noTextEdit="1"/>
+                </p:cNvSpPr>
+                <p:nvPr/>
+              </p:nvSpPr>
+              <p:spPr>
+                <a:xfrm>
+                  <a:off x="361736" y="1543225"/>
+                  <a:ext cx="394275" cy="338554"/>
+                </a:xfrm>
+                <a:prstGeom prst="rect">
+                  <a:avLst/>
+                </a:prstGeom>
+                <a:blipFill>
+                  <a:blip r:embed="rId5"/>
+                  <a:stretch>
+                    <a:fillRect/>
+                  </a:stretch>
+                </a:blipFill>
+              </p:spPr>
+              <p:txBody>
+                <a:bodyPr/>
+                <a:lstStyle/>
+                <a:p>
+                  <a:r>
+                    <a:rPr lang="en-US">
+                      <a:noFill/>
+                    </a:rPr>
+                    <a:t> </a:t>
+                  </a:r>
+                </a:p>
+              </p:txBody>
+            </p:sp>
+          </mc:Fallback>
+        </mc:AlternateContent>
+        <mc:AlternateContent xmlns:mc="http://schemas.openxmlformats.org/markup-compatibility/2006">
+          <mc:Choice xmlns:a14="http://schemas.microsoft.com/office/drawing/2010/main" Requires="a14">
+            <p:sp>
+              <p:nvSpPr>
+                <p:cNvPr id="245" name="文本框 27">
+                  <a:extLst>
+                    <a:ext uri="{FF2B5EF4-FFF2-40B4-BE49-F238E27FC236}">
+                      <a16:creationId xmlns:a16="http://schemas.microsoft.com/office/drawing/2014/main" id="{841C131B-A892-0348-1D56-CE8B258A836E}"/>
+                    </a:ext>
+                  </a:extLst>
+                </p:cNvPr>
+                <p:cNvSpPr txBox="1"/>
+                <p:nvPr/>
+              </p:nvSpPr>
+              <p:spPr>
+                <a:xfrm>
+                  <a:off x="408873" y="276241"/>
+                  <a:ext cx="347466" cy="338554"/>
+                </a:xfrm>
+                <a:prstGeom prst="rect">
+                  <a:avLst/>
+                </a:prstGeom>
+                <a:noFill/>
+              </p:spPr>
+              <p:txBody>
+                <a:bodyPr wrap="none" rtlCol="0">
+                  <a:spAutoFit/>
+                </a:bodyPr>
+                <a:lstStyle/>
+                <a:p>
+                  <a:pPr algn="ctr"/>
+                  <a14:m>
+                    <m:oMathPara xmlns:m="http://schemas.openxmlformats.org/officeDocument/2006/math">
+                      <m:oMathParaPr>
+                        <m:jc m:val="center"/>
+                      </m:oMathParaPr>
+                      <m:oMath xmlns:m="http://schemas.openxmlformats.org/officeDocument/2006/math">
+                        <m:r>
+                          <a:rPr lang="en-US" altLang="zh-CN" sz="1600" b="0" i="1" smtClean="0">
+                            <a:latin typeface="Cambria Math" panose="02040503050406030204" pitchFamily="18" charset="0"/>
+                            <a:cs typeface="Times New Roman" panose="02020603050405020304" pitchFamily="18" charset="0"/>
+                          </a:rPr>
+                          <m:t>𝑝</m:t>
+                        </m:r>
+                      </m:oMath>
+                    </m:oMathPara>
+                  </a14:m>
+                  <a:endParaRPr lang="zh-CN" altLang="en-US" sz="1600" dirty="0">
+                    <a:cs typeface="Times New Roman" panose="02020603050405020304" pitchFamily="18" charset="0"/>
+                  </a:endParaRPr>
+                </a:p>
+              </p:txBody>
+            </p:sp>
+          </mc:Choice>
+          <mc:Fallback>
+            <p:sp>
+              <p:nvSpPr>
+                <p:cNvPr id="245" name="文本框 27">
+                  <a:extLst>
+                    <a:ext uri="{FF2B5EF4-FFF2-40B4-BE49-F238E27FC236}">
+                      <a16:creationId xmlns:a16="http://schemas.microsoft.com/office/drawing/2014/main" id="{841C131B-A892-0348-1D56-CE8B258A836E}"/>
+                    </a:ext>
+                  </a:extLst>
+                </p:cNvPr>
+                <p:cNvSpPr txBox="1">
+                  <a:spLocks noRot="1" noChangeAspect="1" noMove="1" noResize="1" noEditPoints="1" noAdjustHandles="1" noChangeArrowheads="1" noChangeShapeType="1" noTextEdit="1"/>
+                </p:cNvSpPr>
+                <p:nvPr/>
+              </p:nvSpPr>
+              <p:spPr>
+                <a:xfrm>
+                  <a:off x="408873" y="276241"/>
+                  <a:ext cx="347466" cy="338554"/>
+                </a:xfrm>
+                <a:prstGeom prst="rect">
+                  <a:avLst/>
+                </a:prstGeom>
+                <a:blipFill>
+                  <a:blip r:embed="rId6"/>
+                  <a:stretch>
+                    <a:fillRect b="-3636"/>
+                  </a:stretch>
+                </a:blipFill>
+              </p:spPr>
+              <p:txBody>
+                <a:bodyPr/>
+                <a:lstStyle/>
+                <a:p>
+                  <a:r>
+                    <a:rPr lang="en-US">
+                      <a:noFill/>
+                    </a:rPr>
+                    <a:t> </a:t>
+                  </a:r>
+                </a:p>
+              </p:txBody>
+            </p:sp>
+          </mc:Fallback>
+        </mc:AlternateContent>
         <p:sp>
           <p:nvSpPr>
-            <p:cNvPr id="32" name="文本框 9">
+            <p:cNvPr id="246" name="文本框 9">
               <a:extLst>
                 <a:ext uri="{FF2B5EF4-FFF2-40B4-BE49-F238E27FC236}">
-                  <a16:creationId xmlns:a16="http://schemas.microsoft.com/office/drawing/2014/main" id="{8B697C78-E872-5662-DB30-6E88E42872EE}"/>
+                  <a16:creationId xmlns:a16="http://schemas.microsoft.com/office/drawing/2014/main" id="{B58684F3-8E69-42E9-AD2D-2CD5A6D9EDB0}"/>
                 </a:ext>
               </a:extLst>
             </p:cNvPr>
@@ -4509,7 +3916,7 @@
           </p:nvSpPr>
           <p:spPr>
             <a:xfrm>
-              <a:off x="523234" y="6565"/>
+              <a:off x="612230" y="76829"/>
               <a:ext cx="402674" cy="338554"/>
             </a:xfrm>
             <a:prstGeom prst="rect">
@@ -4631,10 +4038,10 @@
         </p:sp>
         <p:sp>
           <p:nvSpPr>
-            <p:cNvPr id="36" name="文本框 35">
+            <p:cNvPr id="247" name="文本框 35">
               <a:extLst>
                 <a:ext uri="{FF2B5EF4-FFF2-40B4-BE49-F238E27FC236}">
-                  <a16:creationId xmlns:a16="http://schemas.microsoft.com/office/drawing/2014/main" id="{7697FFCD-8604-4E4A-A9EE-18D70FE3E98D}"/>
+                  <a16:creationId xmlns:a16="http://schemas.microsoft.com/office/drawing/2014/main" id="{4A5D23A4-DCFD-97DE-84CB-0DEFAEF78AC0}"/>
                 </a:ext>
               </a:extLst>
             </p:cNvPr>
@@ -4643,7 +4050,7 @@
           </p:nvSpPr>
           <p:spPr>
             <a:xfrm>
-              <a:off x="377837" y="2048655"/>
+              <a:off x="409683" y="2131619"/>
               <a:ext cx="276038" cy="307777"/>
             </a:xfrm>
             <a:prstGeom prst="rect">
@@ -4673,10 +4080,10 @@
           <mc:Choice xmlns:a14="http://schemas.microsoft.com/office/drawing/2010/main" Requires="a14">
             <p:sp>
               <p:nvSpPr>
-                <p:cNvPr id="46" name="文本框 45">
+                <p:cNvPr id="248" name="文本框 45">
                   <a:extLst>
                     <a:ext uri="{FF2B5EF4-FFF2-40B4-BE49-F238E27FC236}">
-                      <a16:creationId xmlns:a16="http://schemas.microsoft.com/office/drawing/2014/main" id="{B564E61A-17F9-FD47-ACF5-19EE87D5836D}"/>
+                      <a16:creationId xmlns:a16="http://schemas.microsoft.com/office/drawing/2014/main" id="{5EB5FCB7-90C3-27FF-9843-28A4E7FEC728}"/>
                     </a:ext>
                   </a:extLst>
                 </p:cNvPr>
@@ -4685,7 +4092,7 @@
               </p:nvSpPr>
               <p:spPr>
                 <a:xfrm>
-                  <a:off x="1293046" y="942260"/>
+                  <a:off x="1324892" y="1025224"/>
                   <a:ext cx="201787" cy="222369"/>
                 </a:xfrm>
                 <a:prstGeom prst="rect">
@@ -4742,10 +4149,10 @@
           <mc:Fallback>
             <p:sp>
               <p:nvSpPr>
-                <p:cNvPr id="46" name="文本框 45">
+                <p:cNvPr id="248" name="文本框 45">
                   <a:extLst>
                     <a:ext uri="{FF2B5EF4-FFF2-40B4-BE49-F238E27FC236}">
-                      <a16:creationId xmlns:a16="http://schemas.microsoft.com/office/drawing/2014/main" id="{B564E61A-17F9-FD47-ACF5-19EE87D5836D}"/>
+                      <a16:creationId xmlns:a16="http://schemas.microsoft.com/office/drawing/2014/main" id="{5EB5FCB7-90C3-27FF-9843-28A4E7FEC728}"/>
                     </a:ext>
                   </a:extLst>
                 </p:cNvPr>
@@ -4756,16 +4163,16 @@
               </p:nvSpPr>
               <p:spPr>
                 <a:xfrm>
-                  <a:off x="1293046" y="942260"/>
+                  <a:off x="1324892" y="1025224"/>
                   <a:ext cx="201787" cy="222369"/>
                 </a:xfrm>
                 <a:prstGeom prst="rect">
                   <a:avLst/>
                 </a:prstGeom>
                 <a:blipFill>
-                  <a:blip r:embed="rId10"/>
+                  <a:blip r:embed="rId7"/>
                   <a:stretch>
-                    <a:fillRect l="-21212" r="-6061" b="-24324"/>
+                    <a:fillRect l="-21212" r="-6061" b="-25000"/>
                   </a:stretch>
                 </a:blipFill>
               </p:spPr>
@@ -4774,7 +4181,7 @@
                 <a:lstStyle/>
                 <a:p>
                   <a:r>
-                    <a:rPr lang="zh-CN" altLang="en-US">
+                    <a:rPr lang="en-US">
                       <a:noFill/>
                     </a:rPr>
                     <a:t> </a:t>
@@ -4784,672 +4191,14 @@
             </p:sp>
           </mc:Fallback>
         </mc:AlternateContent>
-        <p:cxnSp>
-          <p:nvCxnSpPr>
-            <p:cNvPr id="53" name="直接连接符 52">
-              <a:extLst>
-                <a:ext uri="{FF2B5EF4-FFF2-40B4-BE49-F238E27FC236}">
-                  <a16:creationId xmlns:a16="http://schemas.microsoft.com/office/drawing/2014/main" id="{6D1B6BDD-EC63-0B90-1DC4-EA6A2DEF38EA}"/>
-                </a:ext>
-              </a:extLst>
-            </p:cNvPr>
-            <p:cNvCxnSpPr>
-              <a:cxnSpLocks/>
-            </p:cNvCxnSpPr>
-            <p:nvPr/>
-          </p:nvCxnSpPr>
-          <p:spPr>
-            <a:xfrm flipH="1">
-              <a:off x="3483821" y="2213127"/>
-              <a:ext cx="91434" cy="107730"/>
-            </a:xfrm>
-            <a:prstGeom prst="line">
-              <a:avLst/>
-            </a:prstGeom>
-            <a:ln>
-              <a:solidFill>
-                <a:srgbClr val="FF5757"/>
-              </a:solidFill>
-            </a:ln>
-          </p:spPr>
-          <p:style>
-            <a:lnRef idx="1">
-              <a:schemeClr val="accent1"/>
-            </a:lnRef>
-            <a:fillRef idx="0">
-              <a:schemeClr val="accent1"/>
-            </a:fillRef>
-            <a:effectRef idx="0">
-              <a:schemeClr val="accent1"/>
-            </a:effectRef>
-            <a:fontRef idx="minor">
-              <a:schemeClr val="tx1"/>
-            </a:fontRef>
-          </p:style>
-        </p:cxnSp>
-        <p:cxnSp>
-          <p:nvCxnSpPr>
-            <p:cNvPr id="56" name="直接连接符 55">
-              <a:extLst>
-                <a:ext uri="{FF2B5EF4-FFF2-40B4-BE49-F238E27FC236}">
-                  <a16:creationId xmlns:a16="http://schemas.microsoft.com/office/drawing/2014/main" id="{B2F6BD54-46FB-23E3-2E3F-380E3BA3A44D}"/>
-                </a:ext>
-              </a:extLst>
-            </p:cNvPr>
-            <p:cNvCxnSpPr>
-              <a:cxnSpLocks/>
-            </p:cNvCxnSpPr>
-            <p:nvPr/>
-          </p:nvCxnSpPr>
-          <p:spPr>
-            <a:xfrm flipH="1">
-              <a:off x="3425218" y="2206152"/>
-              <a:ext cx="86985" cy="100491"/>
-            </a:xfrm>
-            <a:prstGeom prst="line">
-              <a:avLst/>
-            </a:prstGeom>
-            <a:ln>
-              <a:solidFill>
-                <a:srgbClr val="FF5757"/>
-              </a:solidFill>
-            </a:ln>
-          </p:spPr>
-          <p:style>
-            <a:lnRef idx="1">
-              <a:schemeClr val="accent1"/>
-            </a:lnRef>
-            <a:fillRef idx="0">
-              <a:schemeClr val="accent1"/>
-            </a:fillRef>
-            <a:effectRef idx="0">
-              <a:schemeClr val="accent1"/>
-            </a:effectRef>
-            <a:fontRef idx="minor">
-              <a:schemeClr val="tx1"/>
-            </a:fontRef>
-          </p:style>
-        </p:cxnSp>
-        <p:cxnSp>
-          <p:nvCxnSpPr>
-            <p:cNvPr id="60" name="直接连接符 59">
-              <a:extLst>
-                <a:ext uri="{FF2B5EF4-FFF2-40B4-BE49-F238E27FC236}">
-                  <a16:creationId xmlns:a16="http://schemas.microsoft.com/office/drawing/2014/main" id="{C0EFC571-254E-46A4-AFF6-2F6CC0F15A21}"/>
-                </a:ext>
-              </a:extLst>
-            </p:cNvPr>
-            <p:cNvCxnSpPr>
-              <a:cxnSpLocks/>
-            </p:cNvCxnSpPr>
-            <p:nvPr/>
-          </p:nvCxnSpPr>
-          <p:spPr>
-            <a:xfrm flipH="1">
-              <a:off x="3355342" y="2213128"/>
-              <a:ext cx="73925" cy="93515"/>
-            </a:xfrm>
-            <a:prstGeom prst="line">
-              <a:avLst/>
-            </a:prstGeom>
-            <a:ln>
-              <a:solidFill>
-                <a:srgbClr val="FF5757"/>
-              </a:solidFill>
-            </a:ln>
-          </p:spPr>
-          <p:style>
-            <a:lnRef idx="1">
-              <a:schemeClr val="accent1"/>
-            </a:lnRef>
-            <a:fillRef idx="0">
-              <a:schemeClr val="accent1"/>
-            </a:fillRef>
-            <a:effectRef idx="0">
-              <a:schemeClr val="accent1"/>
-            </a:effectRef>
-            <a:fontRef idx="minor">
-              <a:schemeClr val="tx1"/>
-            </a:fontRef>
-          </p:style>
-        </p:cxnSp>
-        <p:cxnSp>
-          <p:nvCxnSpPr>
-            <p:cNvPr id="64" name="直接连接符 63">
-              <a:extLst>
-                <a:ext uri="{FF2B5EF4-FFF2-40B4-BE49-F238E27FC236}">
-                  <a16:creationId xmlns:a16="http://schemas.microsoft.com/office/drawing/2014/main" id="{A32C375F-A339-2805-BCF3-F66BD6D9D482}"/>
-                </a:ext>
-              </a:extLst>
-            </p:cNvPr>
-            <p:cNvCxnSpPr>
-              <a:cxnSpLocks/>
-            </p:cNvCxnSpPr>
-            <p:nvPr/>
-          </p:nvCxnSpPr>
-          <p:spPr>
-            <a:xfrm flipH="1">
-              <a:off x="3289515" y="2206151"/>
-              <a:ext cx="75893" cy="81284"/>
-            </a:xfrm>
-            <a:prstGeom prst="line">
-              <a:avLst/>
-            </a:prstGeom>
-            <a:ln>
-              <a:solidFill>
-                <a:srgbClr val="FF5757"/>
-              </a:solidFill>
-            </a:ln>
-          </p:spPr>
-          <p:style>
-            <a:lnRef idx="1">
-              <a:schemeClr val="accent1"/>
-            </a:lnRef>
-            <a:fillRef idx="0">
-              <a:schemeClr val="accent1"/>
-            </a:fillRef>
-            <a:effectRef idx="0">
-              <a:schemeClr val="accent1"/>
-            </a:effectRef>
-            <a:fontRef idx="minor">
-              <a:schemeClr val="tx1"/>
-            </a:fontRef>
-          </p:style>
-        </p:cxnSp>
-        <p:cxnSp>
-          <p:nvCxnSpPr>
-            <p:cNvPr id="66" name="直接连接符 65">
-              <a:extLst>
-                <a:ext uri="{FF2B5EF4-FFF2-40B4-BE49-F238E27FC236}">
-                  <a16:creationId xmlns:a16="http://schemas.microsoft.com/office/drawing/2014/main" id="{D38EF4EC-C63F-2EAF-8EB1-0DD371465F0B}"/>
-                </a:ext>
-              </a:extLst>
-            </p:cNvPr>
-            <p:cNvCxnSpPr>
-              <a:cxnSpLocks/>
-            </p:cNvCxnSpPr>
-            <p:nvPr/>
-          </p:nvCxnSpPr>
-          <p:spPr>
-            <a:xfrm flipH="1">
-              <a:off x="3242360" y="2213128"/>
-              <a:ext cx="36961" cy="53865"/>
-            </a:xfrm>
-            <a:prstGeom prst="line">
-              <a:avLst/>
-            </a:prstGeom>
-            <a:ln>
-              <a:solidFill>
-                <a:srgbClr val="FF5757"/>
-              </a:solidFill>
-            </a:ln>
-          </p:spPr>
-          <p:style>
-            <a:lnRef idx="1">
-              <a:schemeClr val="accent1"/>
-            </a:lnRef>
-            <a:fillRef idx="0">
-              <a:schemeClr val="accent1"/>
-            </a:fillRef>
-            <a:effectRef idx="0">
-              <a:schemeClr val="accent1"/>
-            </a:effectRef>
-            <a:fontRef idx="minor">
-              <a:schemeClr val="tx1"/>
-            </a:fontRef>
-          </p:style>
-        </p:cxnSp>
-        <p:cxnSp>
-          <p:nvCxnSpPr>
-            <p:cNvPr id="73" name="直接连接符 72">
-              <a:extLst>
-                <a:ext uri="{FF2B5EF4-FFF2-40B4-BE49-F238E27FC236}">
-                  <a16:creationId xmlns:a16="http://schemas.microsoft.com/office/drawing/2014/main" id="{ADF2D282-E2EC-03DA-ADA1-CDFB2165D717}"/>
-                </a:ext>
-              </a:extLst>
-            </p:cNvPr>
-            <p:cNvCxnSpPr>
-              <a:cxnSpLocks/>
-            </p:cNvCxnSpPr>
-            <p:nvPr/>
-          </p:nvCxnSpPr>
-          <p:spPr>
-            <a:xfrm flipH="1">
-              <a:off x="3173630" y="2207229"/>
-              <a:ext cx="34453" cy="34525"/>
-            </a:xfrm>
-            <a:prstGeom prst="line">
-              <a:avLst/>
-            </a:prstGeom>
-            <a:ln>
-              <a:solidFill>
-                <a:srgbClr val="FF5757"/>
-              </a:solidFill>
-            </a:ln>
-          </p:spPr>
-          <p:style>
-            <a:lnRef idx="1">
-              <a:schemeClr val="accent1"/>
-            </a:lnRef>
-            <a:fillRef idx="0">
-              <a:schemeClr val="accent1"/>
-            </a:fillRef>
-            <a:effectRef idx="0">
-              <a:schemeClr val="accent1"/>
-            </a:effectRef>
-            <a:fontRef idx="minor">
-              <a:schemeClr val="tx1"/>
-            </a:fontRef>
-          </p:style>
-        </p:cxnSp>
-        <p:cxnSp>
-          <p:nvCxnSpPr>
-            <p:cNvPr id="90" name="直接连接符 89">
-              <a:extLst>
-                <a:ext uri="{FF2B5EF4-FFF2-40B4-BE49-F238E27FC236}">
-                  <a16:creationId xmlns:a16="http://schemas.microsoft.com/office/drawing/2014/main" id="{43FAF1F0-5948-3449-CAE2-89C034C3F98F}"/>
-                </a:ext>
-              </a:extLst>
-            </p:cNvPr>
-            <p:cNvCxnSpPr>
-              <a:cxnSpLocks/>
-            </p:cNvCxnSpPr>
-            <p:nvPr/>
-          </p:nvCxnSpPr>
-          <p:spPr>
-            <a:xfrm flipH="1">
-              <a:off x="2615421" y="2057021"/>
-              <a:ext cx="146924" cy="153069"/>
-            </a:xfrm>
-            <a:prstGeom prst="line">
-              <a:avLst/>
-            </a:prstGeom>
-          </p:spPr>
-          <p:style>
-            <a:lnRef idx="1">
-              <a:schemeClr val="accent1"/>
-            </a:lnRef>
-            <a:fillRef idx="0">
-              <a:schemeClr val="accent1"/>
-            </a:fillRef>
-            <a:effectRef idx="0">
-              <a:schemeClr val="accent1"/>
-            </a:effectRef>
-            <a:fontRef idx="minor">
-              <a:schemeClr val="tx1"/>
-            </a:fontRef>
-          </p:style>
-        </p:cxnSp>
-        <p:cxnSp>
-          <p:nvCxnSpPr>
-            <p:cNvPr id="98" name="直接连接符 97">
-              <a:extLst>
-                <a:ext uri="{FF2B5EF4-FFF2-40B4-BE49-F238E27FC236}">
-                  <a16:creationId xmlns:a16="http://schemas.microsoft.com/office/drawing/2014/main" id="{B9E629FB-51D8-8B5F-0AE8-4394A942F887}"/>
-                </a:ext>
-              </a:extLst>
-            </p:cNvPr>
-            <p:cNvCxnSpPr>
-              <a:cxnSpLocks/>
-            </p:cNvCxnSpPr>
-            <p:nvPr/>
-          </p:nvCxnSpPr>
-          <p:spPr>
-            <a:xfrm flipH="1">
-              <a:off x="2918338" y="2162385"/>
-              <a:ext cx="40624" cy="45143"/>
-            </a:xfrm>
-            <a:prstGeom prst="line">
-              <a:avLst/>
-            </a:prstGeom>
-          </p:spPr>
-          <p:style>
-            <a:lnRef idx="1">
-              <a:schemeClr val="accent1"/>
-            </a:lnRef>
-            <a:fillRef idx="0">
-              <a:schemeClr val="accent1"/>
-            </a:fillRef>
-            <a:effectRef idx="0">
-              <a:schemeClr val="accent1"/>
-            </a:effectRef>
-            <a:fontRef idx="minor">
-              <a:schemeClr val="tx1"/>
-            </a:fontRef>
-          </p:style>
-        </p:cxnSp>
-        <p:cxnSp>
-          <p:nvCxnSpPr>
-            <p:cNvPr id="109" name="直接连接符 108">
-              <a:extLst>
-                <a:ext uri="{FF2B5EF4-FFF2-40B4-BE49-F238E27FC236}">
-                  <a16:creationId xmlns:a16="http://schemas.microsoft.com/office/drawing/2014/main" id="{C29CEE2A-0AEB-81E3-4C6E-6ACF824375CA}"/>
-                </a:ext>
-              </a:extLst>
-            </p:cNvPr>
-            <p:cNvCxnSpPr>
-              <a:cxnSpLocks/>
-            </p:cNvCxnSpPr>
-            <p:nvPr/>
-          </p:nvCxnSpPr>
-          <p:spPr>
-            <a:xfrm flipH="1">
-              <a:off x="2858002" y="2125207"/>
-              <a:ext cx="71429" cy="74308"/>
-            </a:xfrm>
-            <a:prstGeom prst="line">
-              <a:avLst/>
-            </a:prstGeom>
-          </p:spPr>
-          <p:style>
-            <a:lnRef idx="1">
-              <a:schemeClr val="accent1"/>
-            </a:lnRef>
-            <a:fillRef idx="0">
-              <a:schemeClr val="accent1"/>
-            </a:fillRef>
-            <a:effectRef idx="0">
-              <a:schemeClr val="accent1"/>
-            </a:effectRef>
-            <a:fontRef idx="minor">
-              <a:schemeClr val="tx1"/>
-            </a:fontRef>
-          </p:style>
-        </p:cxnSp>
-        <p:cxnSp>
-          <p:nvCxnSpPr>
-            <p:cNvPr id="116" name="直接连接符 115">
-              <a:extLst>
-                <a:ext uri="{FF2B5EF4-FFF2-40B4-BE49-F238E27FC236}">
-                  <a16:creationId xmlns:a16="http://schemas.microsoft.com/office/drawing/2014/main" id="{31385BC9-1527-861F-E5C2-FB000D48F78E}"/>
-                </a:ext>
-              </a:extLst>
-            </p:cNvPr>
-            <p:cNvCxnSpPr>
-              <a:cxnSpLocks/>
-            </p:cNvCxnSpPr>
-            <p:nvPr/>
-          </p:nvCxnSpPr>
-          <p:spPr>
-            <a:xfrm flipH="1">
-              <a:off x="2787948" y="2105941"/>
-              <a:ext cx="87220" cy="92162"/>
-            </a:xfrm>
-            <a:prstGeom prst="line">
-              <a:avLst/>
-            </a:prstGeom>
-          </p:spPr>
-          <p:style>
-            <a:lnRef idx="1">
-              <a:schemeClr val="accent1"/>
-            </a:lnRef>
-            <a:fillRef idx="0">
-              <a:schemeClr val="accent1"/>
-            </a:fillRef>
-            <a:effectRef idx="0">
-              <a:schemeClr val="accent1"/>
-            </a:effectRef>
-            <a:fontRef idx="minor">
-              <a:schemeClr val="tx1"/>
-            </a:fontRef>
-          </p:style>
-        </p:cxnSp>
-        <p:cxnSp>
-          <p:nvCxnSpPr>
-            <p:cNvPr id="118" name="直接连接符 117">
-              <a:extLst>
-                <a:ext uri="{FF2B5EF4-FFF2-40B4-BE49-F238E27FC236}">
-                  <a16:creationId xmlns:a16="http://schemas.microsoft.com/office/drawing/2014/main" id="{005DD819-E5FB-90B8-42C7-C747DC2E01B3}"/>
-                </a:ext>
-              </a:extLst>
-            </p:cNvPr>
-            <p:cNvCxnSpPr>
-              <a:cxnSpLocks/>
-            </p:cNvCxnSpPr>
-            <p:nvPr/>
-          </p:nvCxnSpPr>
-          <p:spPr>
-            <a:xfrm flipH="1">
-              <a:off x="2712215" y="2087256"/>
-              <a:ext cx="106187" cy="107703"/>
-            </a:xfrm>
-            <a:prstGeom prst="line">
-              <a:avLst/>
-            </a:prstGeom>
-          </p:spPr>
-          <p:style>
-            <a:lnRef idx="1">
-              <a:schemeClr val="accent1"/>
-            </a:lnRef>
-            <a:fillRef idx="0">
-              <a:schemeClr val="accent1"/>
-            </a:fillRef>
-            <a:effectRef idx="0">
-              <a:schemeClr val="accent1"/>
-            </a:effectRef>
-            <a:fontRef idx="minor">
-              <a:schemeClr val="tx1"/>
-            </a:fontRef>
-          </p:style>
-        </p:cxnSp>
-        <p:sp>
-          <p:nvSpPr>
-            <p:cNvPr id="152" name="文本框 9">
-              <a:extLst>
-                <a:ext uri="{FF2B5EF4-FFF2-40B4-BE49-F238E27FC236}">
-                  <a16:creationId xmlns:a16="http://schemas.microsoft.com/office/drawing/2014/main" id="{C59EB463-58EA-9032-7E0B-7E801894CD08}"/>
-                </a:ext>
-              </a:extLst>
-            </p:cNvPr>
-            <p:cNvSpPr txBox="1"/>
-            <p:nvPr/>
-          </p:nvSpPr>
-          <p:spPr>
-            <a:xfrm>
-              <a:off x="2611641" y="2366130"/>
-              <a:ext cx="934871" cy="276999"/>
-            </a:xfrm>
-            <a:prstGeom prst="rect">
-              <a:avLst/>
-            </a:prstGeom>
-            <a:noFill/>
-          </p:spPr>
-          <p:txBody>
-            <a:bodyPr wrap="none" rtlCol="0">
-              <a:spAutoFit/>
-            </a:bodyPr>
-            <a:lstStyle/>
-            <a:p>
-              <a:r>
-                <a:rPr lang="en-US" altLang="zh-CN" sz="1200" dirty="0">
-                  <a:cs typeface="Times New Roman" panose="02020603050405020304" pitchFamily="18" charset="0"/>
-                </a:rPr>
-                <a:t>Negative (-)</a:t>
-              </a:r>
-              <a:endParaRPr lang="zh-CN" altLang="en-US" sz="1200" baseline="-25000" dirty="0">
-                <a:cs typeface="Times New Roman" panose="02020603050405020304" pitchFamily="18" charset="0"/>
-              </a:endParaRPr>
-            </a:p>
-          </p:txBody>
-        </p:sp>
-        <p:cxnSp>
-          <p:nvCxnSpPr>
-            <p:cNvPr id="153" name="直接箭头连接符 152">
-              <a:extLst>
-                <a:ext uri="{FF2B5EF4-FFF2-40B4-BE49-F238E27FC236}">
-                  <a16:creationId xmlns:a16="http://schemas.microsoft.com/office/drawing/2014/main" id="{5C7A4089-950A-0732-EB86-A071A3A945C2}"/>
-                </a:ext>
-              </a:extLst>
-            </p:cNvPr>
-            <p:cNvCxnSpPr>
-              <a:cxnSpLocks/>
-            </p:cNvCxnSpPr>
-            <p:nvPr/>
-          </p:nvCxnSpPr>
-          <p:spPr>
-            <a:xfrm flipV="1">
-              <a:off x="3158517" y="2243830"/>
-              <a:ext cx="271356" cy="216681"/>
-            </a:xfrm>
-            <a:prstGeom prst="straightConnector1">
-              <a:avLst/>
-            </a:prstGeom>
-            <a:ln w="12700">
-              <a:solidFill>
-                <a:schemeClr val="tx1"/>
-              </a:solidFill>
-              <a:prstDash val="lgDash"/>
-              <a:tailEnd type="triangle"/>
-            </a:ln>
-          </p:spPr>
-          <p:style>
-            <a:lnRef idx="1">
-              <a:schemeClr val="accent1"/>
-            </a:lnRef>
-            <a:fillRef idx="0">
-              <a:schemeClr val="accent1"/>
-            </a:fillRef>
-            <a:effectRef idx="0">
-              <a:schemeClr val="accent1"/>
-            </a:effectRef>
-            <a:fontRef idx="minor">
-              <a:schemeClr val="tx1"/>
-            </a:fontRef>
-          </p:style>
-        </p:cxnSp>
-        <p:sp>
-          <p:nvSpPr>
-            <p:cNvPr id="154" name="文本框 9">
-              <a:extLst>
-                <a:ext uri="{FF2B5EF4-FFF2-40B4-BE49-F238E27FC236}">
-                  <a16:creationId xmlns:a16="http://schemas.microsoft.com/office/drawing/2014/main" id="{0D308A44-2558-F0D1-9F8B-E88B3804A501}"/>
-                </a:ext>
-              </a:extLst>
-            </p:cNvPr>
-            <p:cNvSpPr txBox="1"/>
-            <p:nvPr/>
-          </p:nvSpPr>
-          <p:spPr>
-            <a:xfrm>
-              <a:off x="2756887" y="1784823"/>
-              <a:ext cx="909223" cy="276999"/>
-            </a:xfrm>
-            <a:prstGeom prst="rect">
-              <a:avLst/>
-            </a:prstGeom>
-            <a:noFill/>
-          </p:spPr>
-          <p:txBody>
-            <a:bodyPr wrap="none" rtlCol="0">
-              <a:spAutoFit/>
-            </a:bodyPr>
-            <a:lstStyle/>
-            <a:p>
-              <a:r>
-                <a:rPr lang="en-US" altLang="zh-CN" sz="1200" dirty="0">
-                  <a:cs typeface="Times New Roman" panose="02020603050405020304" pitchFamily="18" charset="0"/>
-                </a:rPr>
-                <a:t>Positive (+)</a:t>
-              </a:r>
-              <a:endParaRPr lang="zh-CN" altLang="en-US" sz="1200" baseline="-25000" dirty="0">
-                <a:cs typeface="Times New Roman" panose="02020603050405020304" pitchFamily="18" charset="0"/>
-              </a:endParaRPr>
-            </a:p>
-          </p:txBody>
-        </p:sp>
-        <p:cxnSp>
-          <p:nvCxnSpPr>
-            <p:cNvPr id="155" name="直接箭头连接符 154">
-              <a:extLst>
-                <a:ext uri="{FF2B5EF4-FFF2-40B4-BE49-F238E27FC236}">
-                  <a16:creationId xmlns:a16="http://schemas.microsoft.com/office/drawing/2014/main" id="{C061DE33-60D1-5645-D4E3-7279BE959608}"/>
-                </a:ext>
-              </a:extLst>
-            </p:cNvPr>
-            <p:cNvCxnSpPr>
-              <a:cxnSpLocks/>
-            </p:cNvCxnSpPr>
-            <p:nvPr/>
-          </p:nvCxnSpPr>
-          <p:spPr>
-            <a:xfrm flipH="1">
-              <a:off x="2765047" y="2029933"/>
-              <a:ext cx="224523" cy="131674"/>
-            </a:xfrm>
-            <a:prstGeom prst="straightConnector1">
-              <a:avLst/>
-            </a:prstGeom>
-            <a:ln w="12700">
-              <a:solidFill>
-                <a:schemeClr val="tx1"/>
-              </a:solidFill>
-              <a:prstDash val="lgDash"/>
-              <a:tailEnd type="triangle"/>
-            </a:ln>
-          </p:spPr>
-          <p:style>
-            <a:lnRef idx="1">
-              <a:schemeClr val="accent1"/>
-            </a:lnRef>
-            <a:fillRef idx="0">
-              <a:schemeClr val="accent1"/>
-            </a:fillRef>
-            <a:effectRef idx="0">
-              <a:schemeClr val="accent1"/>
-            </a:effectRef>
-            <a:fontRef idx="minor">
-              <a:schemeClr val="tx1"/>
-            </a:fontRef>
-          </p:style>
-        </p:cxnSp>
-        <p:sp>
-          <p:nvSpPr>
-            <p:cNvPr id="160" name="文本框 159">
-              <a:extLst>
-                <a:ext uri="{FF2B5EF4-FFF2-40B4-BE49-F238E27FC236}">
-                  <a16:creationId xmlns:a16="http://schemas.microsoft.com/office/drawing/2014/main" id="{5EFE072F-A6F5-FAD4-231E-B0E79B915055}"/>
-                </a:ext>
-              </a:extLst>
-            </p:cNvPr>
-            <p:cNvSpPr txBox="1"/>
-            <p:nvPr/>
-          </p:nvSpPr>
-          <p:spPr>
-            <a:xfrm>
-              <a:off x="1859139" y="3970465"/>
-              <a:ext cx="522900" cy="338554"/>
-            </a:xfrm>
-            <a:prstGeom prst="rect">
-              <a:avLst/>
-            </a:prstGeom>
-            <a:noFill/>
-          </p:spPr>
-          <p:txBody>
-            <a:bodyPr wrap="none" rtlCol="0">
-              <a:spAutoFit/>
-            </a:bodyPr>
-            <a:lstStyle/>
-            <a:p>
-              <a:r>
-                <a:rPr lang="en-US" altLang="zh-CN" sz="1600" dirty="0">
-                  <a:cs typeface="Times New Roman" panose="02020603050405020304" pitchFamily="18" charset="0"/>
-                </a:rPr>
-                <a:t>t [s]</a:t>
-              </a:r>
-              <a:endParaRPr lang="zh-CN" altLang="en-US" sz="1600" dirty="0">
-                <a:cs typeface="Times New Roman" panose="02020603050405020304" pitchFamily="18" charset="0"/>
-              </a:endParaRPr>
-            </a:p>
-          </p:txBody>
-        </p:sp>
         <mc:AlternateContent xmlns:mc="http://schemas.openxmlformats.org/markup-compatibility/2006">
           <mc:Choice xmlns:a14="http://schemas.microsoft.com/office/drawing/2010/main" Requires="a14">
             <p:sp>
               <p:nvSpPr>
-                <p:cNvPr id="2" name="文本框 1">
+                <p:cNvPr id="249" name="文本框 159">
                   <a:extLst>
                     <a:ext uri="{FF2B5EF4-FFF2-40B4-BE49-F238E27FC236}">
-                      <a16:creationId xmlns:a16="http://schemas.microsoft.com/office/drawing/2014/main" id="{DEE695CA-3BA0-2BA9-349A-F58C5C2C7377}"/>
+                      <a16:creationId xmlns:a16="http://schemas.microsoft.com/office/drawing/2014/main" id="{93FA342B-9848-4D15-1EB4-491B2238C9A0}"/>
                     </a:ext>
                   </a:extLst>
                 </p:cNvPr>
@@ -5458,7 +4207,105 @@
               </p:nvSpPr>
               <p:spPr>
                 <a:xfrm>
-                  <a:off x="2267129" y="442678"/>
+                  <a:off x="3684691" y="3892939"/>
+                  <a:ext cx="317908" cy="338554"/>
+                </a:xfrm>
+                <a:prstGeom prst="rect">
+                  <a:avLst/>
+                </a:prstGeom>
+                <a:noFill/>
+              </p:spPr>
+              <p:txBody>
+                <a:bodyPr wrap="none" rtlCol="0">
+                  <a:spAutoFit/>
+                </a:bodyPr>
+                <a:lstStyle/>
+                <a:p>
+                  <a14:m>
+                    <m:oMathPara xmlns:m="http://schemas.openxmlformats.org/officeDocument/2006/math">
+                      <m:oMathParaPr>
+                        <m:jc m:val="centerGroup"/>
+                      </m:oMathParaPr>
+                      <m:oMath xmlns:m="http://schemas.openxmlformats.org/officeDocument/2006/math">
+                        <m:r>
+                          <a:rPr lang="en-US" altLang="zh-CN" sz="1600" b="0" i="1" smtClean="0">
+                            <a:latin typeface="Cambria Math" panose="02040503050406030204" pitchFamily="18" charset="0"/>
+                            <a:cs typeface="Times New Roman" panose="02020603050405020304" pitchFamily="18" charset="0"/>
+                          </a:rPr>
+                          <m:t>𝑡</m:t>
+                        </m:r>
+                      </m:oMath>
+                    </m:oMathPara>
+                  </a14:m>
+                  <a:endParaRPr lang="zh-CN" altLang="en-US" sz="1600" i="1" dirty="0">
+                    <a:cs typeface="Times New Roman" panose="02020603050405020304" pitchFamily="18" charset="0"/>
+                  </a:endParaRPr>
+                </a:p>
+              </p:txBody>
+            </p:sp>
+          </mc:Choice>
+          <mc:Fallback>
+            <p:sp>
+              <p:nvSpPr>
+                <p:cNvPr id="249" name="文本框 159">
+                  <a:extLst>
+                    <a:ext uri="{FF2B5EF4-FFF2-40B4-BE49-F238E27FC236}">
+                      <a16:creationId xmlns:a16="http://schemas.microsoft.com/office/drawing/2014/main" id="{93FA342B-9848-4D15-1EB4-491B2238C9A0}"/>
+                    </a:ext>
+                  </a:extLst>
+                </p:cNvPr>
+                <p:cNvSpPr txBox="1">
+                  <a:spLocks noRot="1" noChangeAspect="1" noMove="1" noResize="1" noEditPoints="1" noAdjustHandles="1" noChangeArrowheads="1" noChangeShapeType="1" noTextEdit="1"/>
+                </p:cNvSpPr>
+                <p:nvPr/>
+              </p:nvSpPr>
+              <p:spPr>
+                <a:xfrm>
+                  <a:off x="3684691" y="3892939"/>
+                  <a:ext cx="317908" cy="338554"/>
+                </a:xfrm>
+                <a:prstGeom prst="rect">
+                  <a:avLst/>
+                </a:prstGeom>
+                <a:blipFill>
+                  <a:blip r:embed="rId8"/>
+                  <a:stretch>
+                    <a:fillRect/>
+                  </a:stretch>
+                </a:blipFill>
+              </p:spPr>
+              <p:txBody>
+                <a:bodyPr/>
+                <a:lstStyle/>
+                <a:p>
+                  <a:r>
+                    <a:rPr lang="en-US">
+                      <a:noFill/>
+                    </a:rPr>
+                    <a:t> </a:t>
+                  </a:r>
+                </a:p>
+              </p:txBody>
+            </p:sp>
+          </mc:Fallback>
+        </mc:AlternateContent>
+        <mc:AlternateContent xmlns:mc="http://schemas.openxmlformats.org/markup-compatibility/2006">
+          <mc:Choice xmlns:a14="http://schemas.microsoft.com/office/drawing/2010/main" Requires="a14">
+            <p:sp>
+              <p:nvSpPr>
+                <p:cNvPr id="250" name="文本框 1">
+                  <a:extLst>
+                    <a:ext uri="{FF2B5EF4-FFF2-40B4-BE49-F238E27FC236}">
+                      <a16:creationId xmlns:a16="http://schemas.microsoft.com/office/drawing/2014/main" id="{E2F7250B-62CF-52C5-DA7B-02F1BCFA49D0}"/>
+                    </a:ext>
+                  </a:extLst>
+                </p:cNvPr>
+                <p:cNvSpPr txBox="1"/>
+                <p:nvPr/>
+              </p:nvSpPr>
+              <p:spPr>
+                <a:xfrm>
+                  <a:off x="2298975" y="525642"/>
                   <a:ext cx="371705" cy="222369"/>
                 </a:xfrm>
                 <a:prstGeom prst="rect">
@@ -5521,10 +4368,10 @@
           <mc:Fallback>
             <p:sp>
               <p:nvSpPr>
-                <p:cNvPr id="2" name="文本框 1">
+                <p:cNvPr id="250" name="文本框 1">
                   <a:extLst>
                     <a:ext uri="{FF2B5EF4-FFF2-40B4-BE49-F238E27FC236}">
-                      <a16:creationId xmlns:a16="http://schemas.microsoft.com/office/drawing/2014/main" id="{DEE695CA-3BA0-2BA9-349A-F58C5C2C7377}"/>
+                      <a16:creationId xmlns:a16="http://schemas.microsoft.com/office/drawing/2014/main" id="{E2F7250B-62CF-52C5-DA7B-02F1BCFA49D0}"/>
                     </a:ext>
                   </a:extLst>
                 </p:cNvPr>
@@ -5535,16 +4382,16 @@
               </p:nvSpPr>
               <p:spPr>
                 <a:xfrm>
-                  <a:off x="2267129" y="442678"/>
+                  <a:off x="2298975" y="525642"/>
                   <a:ext cx="371705" cy="222369"/>
                 </a:xfrm>
                 <a:prstGeom prst="rect">
                   <a:avLst/>
                 </a:prstGeom>
                 <a:blipFill>
-                  <a:blip r:embed="rId11"/>
+                  <a:blip r:embed="rId9"/>
                   <a:stretch>
-                    <a:fillRect l="-9836" r="-3279" b="-24324"/>
+                    <a:fillRect l="-9836" r="-3279" b="-25000"/>
                   </a:stretch>
                 </a:blipFill>
               </p:spPr>
@@ -5553,7 +4400,7 @@
                 <a:lstStyle/>
                 <a:p>
                   <a:r>
-                    <a:rPr lang="zh-CN" altLang="en-US">
+                    <a:rPr lang="en-US">
                       <a:noFill/>
                     </a:rPr>
                     <a:t> </a:t>
@@ -5567,10 +4414,10 @@
           <mc:Choice xmlns:a14="http://schemas.microsoft.com/office/drawing/2010/main" Requires="a14">
             <p:sp>
               <p:nvSpPr>
-                <p:cNvPr id="14" name="文本框 13">
+                <p:cNvPr id="251" name="文本框 13">
                   <a:extLst>
                     <a:ext uri="{FF2B5EF4-FFF2-40B4-BE49-F238E27FC236}">
-                      <a16:creationId xmlns:a16="http://schemas.microsoft.com/office/drawing/2014/main" id="{0BAE1BE4-E3E4-C7D9-19B3-63239521C791}"/>
+                      <a16:creationId xmlns:a16="http://schemas.microsoft.com/office/drawing/2014/main" id="{2C3A8BAE-100C-014E-8618-141BFDD1A4A8}"/>
                     </a:ext>
                   </a:extLst>
                 </p:cNvPr>
@@ -5579,7 +4426,7 @@
               </p:nvSpPr>
               <p:spPr>
                 <a:xfrm>
-                  <a:off x="2572599" y="3653768"/>
+                  <a:off x="2604445" y="3736732"/>
                   <a:ext cx="372153" cy="222369"/>
                 </a:xfrm>
                 <a:prstGeom prst="rect">
@@ -5642,10 +4489,10 @@
           <mc:Fallback>
             <p:sp>
               <p:nvSpPr>
-                <p:cNvPr id="14" name="文本框 13">
+                <p:cNvPr id="251" name="文本框 13">
                   <a:extLst>
                     <a:ext uri="{FF2B5EF4-FFF2-40B4-BE49-F238E27FC236}">
-                      <a16:creationId xmlns:a16="http://schemas.microsoft.com/office/drawing/2014/main" id="{0BAE1BE4-E3E4-C7D9-19B3-63239521C791}"/>
+                      <a16:creationId xmlns:a16="http://schemas.microsoft.com/office/drawing/2014/main" id="{2C3A8BAE-100C-014E-8618-141BFDD1A4A8}"/>
                     </a:ext>
                   </a:extLst>
                 </p:cNvPr>
@@ -5656,14 +4503,14 @@
               </p:nvSpPr>
               <p:spPr>
                 <a:xfrm>
-                  <a:off x="2572599" y="3653768"/>
+                  <a:off x="2604445" y="3736732"/>
                   <a:ext cx="372153" cy="222369"/>
                 </a:xfrm>
                 <a:prstGeom prst="rect">
                   <a:avLst/>
                 </a:prstGeom>
                 <a:blipFill>
-                  <a:blip r:embed="rId12"/>
+                  <a:blip r:embed="rId10"/>
                   <a:stretch>
                     <a:fillRect l="-6557" r="-3279"/>
                   </a:stretch>
@@ -5674,7 +4521,7 @@
                 <a:lstStyle/>
                 <a:p>
                   <a:r>
-                    <a:rPr lang="zh-CN" altLang="en-US">
+                    <a:rPr lang="en-US">
                       <a:noFill/>
                     </a:rPr>
                     <a:t> </a:t>
@@ -5688,10 +4535,10 @@
           <mc:Choice xmlns:a14="http://schemas.microsoft.com/office/drawing/2010/main" Requires="a14">
             <p:sp>
               <p:nvSpPr>
-                <p:cNvPr id="16" name="文本框 15">
+                <p:cNvPr id="252" name="文本框 15">
                   <a:extLst>
                     <a:ext uri="{FF2B5EF4-FFF2-40B4-BE49-F238E27FC236}">
-                      <a16:creationId xmlns:a16="http://schemas.microsoft.com/office/drawing/2014/main" id="{C277190D-E46E-5E89-66C6-72E83CDF7217}"/>
+                      <a16:creationId xmlns:a16="http://schemas.microsoft.com/office/drawing/2014/main" id="{5788C2CB-9270-37A1-16E3-002015E38C3D}"/>
                     </a:ext>
                   </a:extLst>
                 </p:cNvPr>
@@ -5700,7 +4547,7 @@
               </p:nvSpPr>
               <p:spPr>
                 <a:xfrm>
-                  <a:off x="1271398" y="2887365"/>
+                  <a:off x="1290544" y="2932229"/>
                   <a:ext cx="201787" cy="222369"/>
                 </a:xfrm>
                 <a:prstGeom prst="rect">
@@ -5757,10 +4604,10 @@
           <mc:Fallback>
             <p:sp>
               <p:nvSpPr>
-                <p:cNvPr id="16" name="文本框 15">
+                <p:cNvPr id="252" name="文本框 15">
                   <a:extLst>
                     <a:ext uri="{FF2B5EF4-FFF2-40B4-BE49-F238E27FC236}">
-                      <a16:creationId xmlns:a16="http://schemas.microsoft.com/office/drawing/2014/main" id="{C277190D-E46E-5E89-66C6-72E83CDF7217}"/>
+                      <a16:creationId xmlns:a16="http://schemas.microsoft.com/office/drawing/2014/main" id="{5788C2CB-9270-37A1-16E3-002015E38C3D}"/>
                     </a:ext>
                   </a:extLst>
                 </p:cNvPr>
@@ -5771,14 +4618,14 @@
               </p:nvSpPr>
               <p:spPr>
                 <a:xfrm>
-                  <a:off x="1271398" y="2887365"/>
+                  <a:off x="1290544" y="2932229"/>
                   <a:ext cx="201787" cy="222369"/>
                 </a:xfrm>
                 <a:prstGeom prst="rect">
                   <a:avLst/>
                 </a:prstGeom>
                 <a:blipFill>
-                  <a:blip r:embed="rId13"/>
+                  <a:blip r:embed="rId11"/>
                   <a:stretch>
                     <a:fillRect l="-15152" r="-3030"/>
                   </a:stretch>
@@ -5789,7 +4636,7 @@
                 <a:lstStyle/>
                 <a:p>
                   <a:r>
-                    <a:rPr lang="zh-CN" altLang="en-US">
+                    <a:rPr lang="en-US">
                       <a:noFill/>
                     </a:rPr>
                     <a:t> </a:t>
@@ -5803,10 +4650,10 @@
           <mc:Choice xmlns:a14="http://schemas.microsoft.com/office/drawing/2010/main" Requires="a14">
             <p:sp>
               <p:nvSpPr>
-                <p:cNvPr id="17" name="文本框 16">
+                <p:cNvPr id="253" name="文本框 16">
                   <a:extLst>
                     <a:ext uri="{FF2B5EF4-FFF2-40B4-BE49-F238E27FC236}">
-                      <a16:creationId xmlns:a16="http://schemas.microsoft.com/office/drawing/2014/main" id="{4F98AA88-8F9C-EFA1-8492-2F002C288AD9}"/>
+                      <a16:creationId xmlns:a16="http://schemas.microsoft.com/office/drawing/2014/main" id="{0EC5AFB7-2D2E-8B86-0F29-A05499030446}"/>
                     </a:ext>
                   </a:extLst>
                 </p:cNvPr>
@@ -5815,7 +4662,7 @@
               </p:nvSpPr>
               <p:spPr>
                 <a:xfrm>
-                  <a:off x="1251830" y="1900900"/>
+                  <a:off x="1283676" y="1983864"/>
                   <a:ext cx="206787" cy="222369"/>
                 </a:xfrm>
                 <a:prstGeom prst="rect">
@@ -5872,10 +4719,10 @@
           <mc:Fallback>
             <p:sp>
               <p:nvSpPr>
-                <p:cNvPr id="17" name="文本框 16">
+                <p:cNvPr id="253" name="文本框 16">
                   <a:extLst>
                     <a:ext uri="{FF2B5EF4-FFF2-40B4-BE49-F238E27FC236}">
-                      <a16:creationId xmlns:a16="http://schemas.microsoft.com/office/drawing/2014/main" id="{4F98AA88-8F9C-EFA1-8492-2F002C288AD9}"/>
+                      <a16:creationId xmlns:a16="http://schemas.microsoft.com/office/drawing/2014/main" id="{0EC5AFB7-2D2E-8B86-0F29-A05499030446}"/>
                     </a:ext>
                   </a:extLst>
                 </p:cNvPr>
@@ -5886,14 +4733,14 @@
               </p:nvSpPr>
               <p:spPr>
                 <a:xfrm>
-                  <a:off x="1251830" y="1900900"/>
+                  <a:off x="1283676" y="1983864"/>
                   <a:ext cx="206787" cy="222369"/>
                 </a:xfrm>
                 <a:prstGeom prst="rect">
                   <a:avLst/>
                 </a:prstGeom>
                 <a:blipFill>
-                  <a:blip r:embed="rId14"/>
+                  <a:blip r:embed="rId12"/>
                   <a:stretch>
                     <a:fillRect l="-15152" r="-6061"/>
                   </a:stretch>
@@ -5904,7 +4751,7 @@
                 <a:lstStyle/>
                 <a:p>
                   <a:r>
-                    <a:rPr lang="zh-CN" altLang="en-US">
+                    <a:rPr lang="en-US">
                       <a:noFill/>
                     </a:rPr>
                     <a:t> </a:t>
@@ -5918,10 +4765,10 @@
           <mc:Choice xmlns:a14="http://schemas.microsoft.com/office/drawing/2010/main" Requires="a14">
             <p:sp>
               <p:nvSpPr>
-                <p:cNvPr id="18" name="文本框 17">
+                <p:cNvPr id="254" name="文本框 17">
                   <a:extLst>
                     <a:ext uri="{FF2B5EF4-FFF2-40B4-BE49-F238E27FC236}">
-                      <a16:creationId xmlns:a16="http://schemas.microsoft.com/office/drawing/2014/main" id="{CAB23823-E35B-C694-6F95-6B7297293574}"/>
+                      <a16:creationId xmlns:a16="http://schemas.microsoft.com/office/drawing/2014/main" id="{AF6FB51F-85B0-BE85-0353-C205B7365B90}"/>
                     </a:ext>
                   </a:extLst>
                 </p:cNvPr>
@@ -5930,7 +4777,7 @@
               </p:nvSpPr>
               <p:spPr>
                 <a:xfrm>
-                  <a:off x="2257869" y="1754160"/>
+                  <a:off x="2289715" y="1830774"/>
                   <a:ext cx="376706" cy="222369"/>
                 </a:xfrm>
                 <a:prstGeom prst="rect">
@@ -5993,10 +4840,10 @@
           <mc:Fallback>
             <p:sp>
               <p:nvSpPr>
-                <p:cNvPr id="18" name="文本框 17">
+                <p:cNvPr id="254" name="文本框 17">
                   <a:extLst>
                     <a:ext uri="{FF2B5EF4-FFF2-40B4-BE49-F238E27FC236}">
-                      <a16:creationId xmlns:a16="http://schemas.microsoft.com/office/drawing/2014/main" id="{CAB23823-E35B-C694-6F95-6B7297293574}"/>
+                      <a16:creationId xmlns:a16="http://schemas.microsoft.com/office/drawing/2014/main" id="{AF6FB51F-85B0-BE85-0353-C205B7365B90}"/>
                     </a:ext>
                   </a:extLst>
                 </p:cNvPr>
@@ -6007,14 +4854,14 @@
               </p:nvSpPr>
               <p:spPr>
                 <a:xfrm>
-                  <a:off x="2257869" y="1754160"/>
+                  <a:off x="2289715" y="1830774"/>
                   <a:ext cx="376706" cy="222369"/>
                 </a:xfrm>
                 <a:prstGeom prst="rect">
                   <a:avLst/>
                 </a:prstGeom>
                 <a:blipFill>
-                  <a:blip r:embed="rId15"/>
+                  <a:blip r:embed="rId13"/>
                   <a:stretch>
                     <a:fillRect l="-6557" r="-4918"/>
                   </a:stretch>
@@ -6025,7 +4872,7 @@
                 <a:lstStyle/>
                 <a:p>
                   <a:r>
-                    <a:rPr lang="zh-CN" altLang="en-US">
+                    <a:rPr lang="en-US">
                       <a:noFill/>
                     </a:rPr>
                     <a:t> </a:t>
@@ -6037,10 +4884,10 @@
         </mc:AlternateContent>
         <p:sp>
           <p:nvSpPr>
-            <p:cNvPr id="23" name="矩形 22">
+            <p:cNvPr id="255" name="矩形 22">
               <a:extLst>
                 <a:ext uri="{FF2B5EF4-FFF2-40B4-BE49-F238E27FC236}">
-                  <a16:creationId xmlns:a16="http://schemas.microsoft.com/office/drawing/2014/main" id="{C3470C91-7E42-01A1-9F20-168C1B205950}"/>
+                  <a16:creationId xmlns:a16="http://schemas.microsoft.com/office/drawing/2014/main" id="{A7699400-CD54-EC72-35E8-F8D1EAA1E478}"/>
                 </a:ext>
               </a:extLst>
             </p:cNvPr>
@@ -6049,14 +4896,14 @@
           </p:nvSpPr>
           <p:spPr>
             <a:xfrm>
-              <a:off x="2527212" y="398428"/>
-              <a:ext cx="1065383" cy="970544"/>
+              <a:off x="2556842" y="498646"/>
+              <a:ext cx="1065383" cy="3591010"/>
             </a:xfrm>
             <a:prstGeom prst="rect">
               <a:avLst/>
             </a:prstGeom>
             <a:solidFill>
-              <a:schemeClr val="accent1">
+              <a:schemeClr val="accent4">
                 <a:alpha val="10000"/>
               </a:schemeClr>
             </a:solidFill>
@@ -6085,7 +4932,198 @@
             <a:lstStyle/>
             <a:p>
               <a:pPr algn="ctr"/>
-              <a:endParaRPr lang="zh-CN" altLang="en-US"/>
+              <a:r>
+                <a:rPr lang="en-US" altLang="zh-CN" sz="1400" dirty="0">
+                  <a:solidFill>
+                    <a:schemeClr val="accent2"/>
+                  </a:solidFill>
+                </a:rPr>
+                <a:t>Overshoot</a:t>
+              </a:r>
+            </a:p>
+            <a:p>
+              <a:pPr algn="ctr"/>
+              <a:endParaRPr lang="en-US" altLang="zh-CN" sz="1400" dirty="0">
+                <a:solidFill>
+                  <a:schemeClr val="accent2"/>
+                </a:solidFill>
+              </a:endParaRPr>
+            </a:p>
+            <a:p>
+              <a:pPr algn="ctr"/>
+              <a:endParaRPr lang="en-US" altLang="zh-CN" sz="1400" dirty="0">
+                <a:solidFill>
+                  <a:schemeClr val="accent2"/>
+                </a:solidFill>
+              </a:endParaRPr>
+            </a:p>
+            <a:p>
+              <a:pPr algn="ctr"/>
+              <a:endParaRPr lang="en-US" altLang="zh-CN" sz="1400" dirty="0">
+                <a:solidFill>
+                  <a:schemeClr val="accent2"/>
+                </a:solidFill>
+              </a:endParaRPr>
+            </a:p>
+            <a:p>
+              <a:pPr algn="ctr"/>
+              <a:endParaRPr lang="en-US" altLang="zh-CN" sz="1400" dirty="0">
+                <a:solidFill>
+                  <a:schemeClr val="accent2"/>
+                </a:solidFill>
+              </a:endParaRPr>
+            </a:p>
+            <a:p>
+              <a:pPr algn="ctr"/>
+              <a:endParaRPr lang="en-US" altLang="zh-CN" sz="1400" dirty="0">
+                <a:solidFill>
+                  <a:schemeClr val="accent2"/>
+                </a:solidFill>
+              </a:endParaRPr>
+            </a:p>
+            <a:p>
+              <a:pPr algn="ctr"/>
+              <a:endParaRPr lang="en-US" altLang="zh-CN" sz="1400" dirty="0">
+                <a:solidFill>
+                  <a:schemeClr val="accent2"/>
+                </a:solidFill>
+              </a:endParaRPr>
+            </a:p>
+            <a:p>
+              <a:pPr algn="ctr"/>
+              <a:endParaRPr lang="en-US" altLang="zh-CN" sz="1400" dirty="0">
+                <a:solidFill>
+                  <a:schemeClr val="accent2"/>
+                </a:solidFill>
+              </a:endParaRPr>
+            </a:p>
+            <a:p>
+              <a:pPr algn="ctr"/>
+              <a:endParaRPr lang="en-US" altLang="zh-CN" sz="1400" dirty="0">
+                <a:solidFill>
+                  <a:schemeClr val="accent2"/>
+                </a:solidFill>
+              </a:endParaRPr>
+            </a:p>
+            <a:p>
+              <a:pPr algn="ctr"/>
+              <a:endParaRPr lang="en-US" altLang="zh-CN" sz="1000" dirty="0">
+                <a:solidFill>
+                  <a:schemeClr val="accent2"/>
+                </a:solidFill>
+              </a:endParaRPr>
+            </a:p>
+            <a:p>
+              <a:pPr algn="ctr"/>
+              <a:endParaRPr lang="en-US" altLang="zh-CN" sz="1600" dirty="0">
+                <a:solidFill>
+                  <a:schemeClr val="accent2"/>
+                </a:solidFill>
+              </a:endParaRPr>
+            </a:p>
+            <a:p>
+              <a:pPr algn="ctr"/>
+              <a:endParaRPr lang="en-US" altLang="zh-CN" sz="1600" dirty="0">
+                <a:solidFill>
+                  <a:schemeClr val="accent2"/>
+                </a:solidFill>
+              </a:endParaRPr>
+            </a:p>
+            <a:p>
+              <a:pPr algn="ctr"/>
+              <a:endParaRPr lang="en-US" altLang="zh-CN" sz="1600" dirty="0">
+                <a:solidFill>
+                  <a:schemeClr val="accent2"/>
+                </a:solidFill>
+              </a:endParaRPr>
+            </a:p>
+            <a:p>
+              <a:pPr algn="ctr"/>
+              <a:endParaRPr lang="zh-CN" altLang="en-US" sz="1600" dirty="0">
+                <a:solidFill>
+                  <a:schemeClr val="accent2"/>
+                </a:solidFill>
+              </a:endParaRPr>
+            </a:p>
+          </p:txBody>
+        </p:sp>
+        <p:sp>
+          <p:nvSpPr>
+            <p:cNvPr id="256" name="文本框 41">
+              <a:extLst>
+                <a:ext uri="{FF2B5EF4-FFF2-40B4-BE49-F238E27FC236}">
+                  <a16:creationId xmlns:a16="http://schemas.microsoft.com/office/drawing/2014/main" id="{225AF72A-1C0B-3CBD-7292-07AC6C2CD65D}"/>
+                </a:ext>
+              </a:extLst>
+            </p:cNvPr>
+            <p:cNvSpPr txBox="1"/>
+            <p:nvPr/>
+          </p:nvSpPr>
+          <p:spPr>
+            <a:xfrm>
+              <a:off x="408873" y="3420225"/>
+              <a:ext cx="276038" cy="307777"/>
+            </a:xfrm>
+            <a:prstGeom prst="rect">
+              <a:avLst/>
+            </a:prstGeom>
+            <a:noFill/>
+          </p:spPr>
+          <p:txBody>
+            <a:bodyPr wrap="none" rtlCol="0">
+              <a:spAutoFit/>
+            </a:bodyPr>
+            <a:lstStyle/>
+            <a:p>
+              <a:r>
+                <a:rPr lang="en-US" altLang="zh-CN" sz="1400" dirty="0">
+                  <a:cs typeface="Times New Roman" panose="02020603050405020304" pitchFamily="18" charset="0"/>
+                </a:rPr>
+                <a:t>0</a:t>
+              </a:r>
+              <a:endParaRPr lang="zh-CN" altLang="en-US" sz="1400" dirty="0">
+                <a:cs typeface="Times New Roman" panose="02020603050405020304" pitchFamily="18" charset="0"/>
+              </a:endParaRPr>
+            </a:p>
+          </p:txBody>
+        </p:sp>
+        <p:sp>
+          <p:nvSpPr>
+            <p:cNvPr id="257" name="文本框 44">
+              <a:extLst>
+                <a:ext uri="{FF2B5EF4-FFF2-40B4-BE49-F238E27FC236}">
+                  <a16:creationId xmlns:a16="http://schemas.microsoft.com/office/drawing/2014/main" id="{A17C5D59-BC99-F4FA-837F-8A69255B79FD}"/>
+                </a:ext>
+              </a:extLst>
+            </p:cNvPr>
+            <p:cNvSpPr txBox="1"/>
+            <p:nvPr/>
+          </p:nvSpPr>
+          <p:spPr>
+            <a:xfrm>
+              <a:off x="400400" y="1304821"/>
+              <a:ext cx="276038" cy="307777"/>
+            </a:xfrm>
+            <a:prstGeom prst="rect">
+              <a:avLst/>
+            </a:prstGeom>
+            <a:noFill/>
+          </p:spPr>
+          <p:txBody>
+            <a:bodyPr wrap="none" rtlCol="0">
+              <a:spAutoFit/>
+            </a:bodyPr>
+            <a:lstStyle/>
+            <a:p>
+              <a:r>
+                <a:rPr lang="en-US" altLang="zh-CN" sz="1400" dirty="0">
+                  <a:cs typeface="Times New Roman" panose="02020603050405020304" pitchFamily="18" charset="0"/>
+                </a:rPr>
+                <a:t>0</a:t>
+              </a:r>
+              <a:endParaRPr lang="zh-CN" altLang="en-US" sz="1400" dirty="0">
+                <a:cs typeface="Times New Roman" panose="02020603050405020304" pitchFamily="18" charset="0"/>
+              </a:endParaRPr>
             </a:p>
           </p:txBody>
         </p:sp>
@@ -6093,10 +5131,10 @@
           <mc:Choice xmlns:a14="http://schemas.microsoft.com/office/drawing/2010/main" Requires="a14">
             <p:sp>
               <p:nvSpPr>
-                <p:cNvPr id="49" name="文本框 48">
+                <p:cNvPr id="258" name="文本框 15">
                   <a:extLst>
                     <a:ext uri="{FF2B5EF4-FFF2-40B4-BE49-F238E27FC236}">
-                      <a16:creationId xmlns:a16="http://schemas.microsoft.com/office/drawing/2014/main" id="{E7F329D0-A4A7-98E6-7CB2-FC147A10A204}"/>
+                      <a16:creationId xmlns:a16="http://schemas.microsoft.com/office/drawing/2014/main" id="{0DB3FC8A-7FFD-9F22-6DAD-A32CC33FFC7A}"/>
                     </a:ext>
                   </a:extLst>
                 </p:cNvPr>
@@ -6105,8 +5143,8 @@
               </p:nvSpPr>
               <p:spPr>
                 <a:xfrm>
-                  <a:off x="1504762" y="1969286"/>
-                  <a:ext cx="197683" cy="215444"/>
+                  <a:off x="1221205" y="4096318"/>
+                  <a:ext cx="179087" cy="222369"/>
                 </a:xfrm>
                 <a:prstGeom prst="rect">
                   <a:avLst/>
@@ -6119,6 +5157,2597 @@
                 </a:bodyPr>
                 <a:lstStyle/>
                 <a:p>
+                  <a:pPr/>
+                  <a14:m>
+                    <m:oMathPara xmlns:m="http://schemas.openxmlformats.org/officeDocument/2006/math">
+                      <m:oMathParaPr>
+                        <m:jc m:val="centerGroup"/>
+                      </m:oMathParaPr>
+                      <m:oMath xmlns:m="http://schemas.openxmlformats.org/officeDocument/2006/math">
+                        <m:sSup>
+                          <m:sSupPr>
+                            <m:ctrlPr>
+                              <a:rPr lang="en-US" altLang="zh-CN" sz="1400" i="1" smtClean="0">
+                                <a:latin typeface="Cambria Math" panose="02040503050406030204" pitchFamily="18" charset="0"/>
+                              </a:rPr>
+                            </m:ctrlPr>
+                          </m:sSupPr>
+                          <m:e>
+                            <m:r>
+                              <a:rPr lang="en-US" altLang="zh-CN" sz="1400" b="0" i="1" smtClean="0">
+                                <a:latin typeface="Cambria Math" panose="02040503050406030204" pitchFamily="18" charset="0"/>
+                              </a:rPr>
+                              <m:t>𝑡</m:t>
+                            </m:r>
+                          </m:e>
+                          <m:sup>
+                            <m:r>
+                              <a:rPr lang="en-US" altLang="zh-CN" sz="1400" b="0" i="1" smtClean="0">
+                                <a:latin typeface="Cambria Math" panose="02040503050406030204" pitchFamily="18" charset="0"/>
+                              </a:rPr>
+                              <m:t>𝑖</m:t>
+                            </m:r>
+                          </m:sup>
+                        </m:sSup>
+                      </m:oMath>
+                    </m:oMathPara>
+                  </a14:m>
+                  <a:endParaRPr lang="zh-CN" altLang="en-US" sz="1400" dirty="0"/>
+                </a:p>
+              </p:txBody>
+            </p:sp>
+          </mc:Choice>
+          <mc:Fallback>
+            <p:sp>
+              <p:nvSpPr>
+                <p:cNvPr id="258" name="文本框 15">
+                  <a:extLst>
+                    <a:ext uri="{FF2B5EF4-FFF2-40B4-BE49-F238E27FC236}">
+                      <a16:creationId xmlns:a16="http://schemas.microsoft.com/office/drawing/2014/main" id="{0DB3FC8A-7FFD-9F22-6DAD-A32CC33FFC7A}"/>
+                    </a:ext>
+                  </a:extLst>
+                </p:cNvPr>
+                <p:cNvSpPr txBox="1">
+                  <a:spLocks noRot="1" noChangeAspect="1" noMove="1" noResize="1" noEditPoints="1" noAdjustHandles="1" noChangeArrowheads="1" noChangeShapeType="1" noTextEdit="1"/>
+                </p:cNvSpPr>
+                <p:nvPr/>
+              </p:nvSpPr>
+              <p:spPr>
+                <a:xfrm>
+                  <a:off x="1221205" y="4096318"/>
+                  <a:ext cx="179087" cy="222369"/>
+                </a:xfrm>
+                <a:prstGeom prst="rect">
+                  <a:avLst/>
+                </a:prstGeom>
+                <a:blipFill>
+                  <a:blip r:embed="rId14"/>
+                  <a:stretch>
+                    <a:fillRect l="-20000" r="-3333" b="-5405"/>
+                  </a:stretch>
+                </a:blipFill>
+              </p:spPr>
+              <p:txBody>
+                <a:bodyPr/>
+                <a:lstStyle/>
+                <a:p>
+                  <a:r>
+                    <a:rPr lang="en-US">
+                      <a:noFill/>
+                    </a:rPr>
+                    <a:t> </a:t>
+                  </a:r>
+                </a:p>
+              </p:txBody>
+            </p:sp>
+          </mc:Fallback>
+        </mc:AlternateContent>
+        <mc:AlternateContent xmlns:mc="http://schemas.openxmlformats.org/markup-compatibility/2006">
+          <mc:Choice xmlns:a14="http://schemas.microsoft.com/office/drawing/2010/main" Requires="a14">
+            <p:sp>
+              <p:nvSpPr>
+                <p:cNvPr id="259" name="文本框 15">
+                  <a:extLst>
+                    <a:ext uri="{FF2B5EF4-FFF2-40B4-BE49-F238E27FC236}">
+                      <a16:creationId xmlns:a16="http://schemas.microsoft.com/office/drawing/2014/main" id="{948EAB84-4EFF-64EC-9363-4BCA1E472DA2}"/>
+                    </a:ext>
+                  </a:extLst>
+                </p:cNvPr>
+                <p:cNvSpPr txBox="1"/>
+                <p:nvPr/>
+              </p:nvSpPr>
+              <p:spPr>
+                <a:xfrm>
+                  <a:off x="2452668" y="4096318"/>
+                  <a:ext cx="349006" cy="222369"/>
+                </a:xfrm>
+                <a:prstGeom prst="rect">
+                  <a:avLst/>
+                </a:prstGeom>
+                <a:noFill/>
+              </p:spPr>
+              <p:txBody>
+                <a:bodyPr wrap="none" lIns="0" tIns="0" rIns="0" bIns="0" rtlCol="0">
+                  <a:spAutoFit/>
+                </a:bodyPr>
+                <a:lstStyle/>
+                <a:p>
+                  <a:pPr/>
+                  <a14:m>
+                    <m:oMathPara xmlns:m="http://schemas.openxmlformats.org/officeDocument/2006/math">
+                      <m:oMathParaPr>
+                        <m:jc m:val="centerGroup"/>
+                      </m:oMathParaPr>
+                      <m:oMath xmlns:m="http://schemas.openxmlformats.org/officeDocument/2006/math">
+                        <m:sSup>
+                          <m:sSupPr>
+                            <m:ctrlPr>
+                              <a:rPr lang="en-US" altLang="zh-CN" sz="1400" i="1" smtClean="0">
+                                <a:latin typeface="Cambria Math" panose="02040503050406030204" pitchFamily="18" charset="0"/>
+                              </a:rPr>
+                            </m:ctrlPr>
+                          </m:sSupPr>
+                          <m:e>
+                            <m:r>
+                              <a:rPr lang="en-US" altLang="zh-CN" sz="1400" b="0" i="1" smtClean="0">
+                                <a:latin typeface="Cambria Math" panose="02040503050406030204" pitchFamily="18" charset="0"/>
+                              </a:rPr>
+                              <m:t>𝑡</m:t>
+                            </m:r>
+                          </m:e>
+                          <m:sup>
+                            <m:r>
+                              <a:rPr lang="en-US" altLang="zh-CN" sz="1400" b="0" i="1" smtClean="0">
+                                <a:latin typeface="Cambria Math" panose="02040503050406030204" pitchFamily="18" charset="0"/>
+                              </a:rPr>
+                              <m:t>𝑖</m:t>
+                            </m:r>
+                            <m:r>
+                              <a:rPr lang="en-US" altLang="zh-CN" sz="1400" b="0" i="1" smtClean="0">
+                                <a:latin typeface="Cambria Math" panose="02040503050406030204" pitchFamily="18" charset="0"/>
+                              </a:rPr>
+                              <m:t>+1</m:t>
+                            </m:r>
+                          </m:sup>
+                        </m:sSup>
+                      </m:oMath>
+                    </m:oMathPara>
+                  </a14:m>
+                  <a:endParaRPr lang="zh-CN" altLang="en-US" sz="1400" dirty="0"/>
+                </a:p>
+              </p:txBody>
+            </p:sp>
+          </mc:Choice>
+          <mc:Fallback>
+            <p:sp>
+              <p:nvSpPr>
+                <p:cNvPr id="259" name="文本框 15">
+                  <a:extLst>
+                    <a:ext uri="{FF2B5EF4-FFF2-40B4-BE49-F238E27FC236}">
+                      <a16:creationId xmlns:a16="http://schemas.microsoft.com/office/drawing/2014/main" id="{948EAB84-4EFF-64EC-9363-4BCA1E472DA2}"/>
+                    </a:ext>
+                  </a:extLst>
+                </p:cNvPr>
+                <p:cNvSpPr txBox="1">
+                  <a:spLocks noRot="1" noChangeAspect="1" noMove="1" noResize="1" noEditPoints="1" noAdjustHandles="1" noChangeArrowheads="1" noChangeShapeType="1" noTextEdit="1"/>
+                </p:cNvSpPr>
+                <p:nvPr/>
+              </p:nvSpPr>
+              <p:spPr>
+                <a:xfrm>
+                  <a:off x="2452668" y="4096318"/>
+                  <a:ext cx="349006" cy="222369"/>
+                </a:xfrm>
+                <a:prstGeom prst="rect">
+                  <a:avLst/>
+                </a:prstGeom>
+                <a:blipFill>
+                  <a:blip r:embed="rId15"/>
+                  <a:stretch>
+                    <a:fillRect l="-10345" r="-1724" b="-5405"/>
+                  </a:stretch>
+                </a:blipFill>
+              </p:spPr>
+              <p:txBody>
+                <a:bodyPr/>
+                <a:lstStyle/>
+                <a:p>
+                  <a:r>
+                    <a:rPr lang="en-US">
+                      <a:noFill/>
+                    </a:rPr>
+                    <a:t> </a:t>
+                  </a:r>
+                </a:p>
+              </p:txBody>
+            </p:sp>
+          </mc:Fallback>
+        </mc:AlternateContent>
+        <p:cxnSp>
+          <p:nvCxnSpPr>
+            <p:cNvPr id="260" name="Straight Arrow Connector 259">
+              <a:extLst>
+                <a:ext uri="{FF2B5EF4-FFF2-40B4-BE49-F238E27FC236}">
+                  <a16:creationId xmlns:a16="http://schemas.microsoft.com/office/drawing/2014/main" id="{F51BC677-2373-4ED4-F0B7-81393F84B324}"/>
+                </a:ext>
+              </a:extLst>
+            </p:cNvPr>
+            <p:cNvCxnSpPr>
+              <a:cxnSpLocks/>
+            </p:cNvCxnSpPr>
+            <p:nvPr/>
+          </p:nvCxnSpPr>
+          <p:spPr>
+            <a:xfrm>
+              <a:off x="660847" y="4075774"/>
+              <a:ext cx="3117069" cy="0"/>
+            </a:xfrm>
+            <a:prstGeom prst="straightConnector1">
+              <a:avLst/>
+            </a:prstGeom>
+            <a:ln w="19050">
+              <a:solidFill>
+                <a:schemeClr val="tx1"/>
+              </a:solidFill>
+              <a:tailEnd type="triangle"/>
+            </a:ln>
+          </p:spPr>
+          <p:style>
+            <a:lnRef idx="1">
+              <a:schemeClr val="accent1"/>
+            </a:lnRef>
+            <a:fillRef idx="0">
+              <a:schemeClr val="accent1"/>
+            </a:fillRef>
+            <a:effectRef idx="0">
+              <a:schemeClr val="accent1"/>
+            </a:effectRef>
+            <a:fontRef idx="minor">
+              <a:schemeClr val="tx1"/>
+            </a:fontRef>
+          </p:style>
+        </p:cxnSp>
+        <p:cxnSp>
+          <p:nvCxnSpPr>
+            <p:cNvPr id="261" name="Straight Arrow Connector 260">
+              <a:extLst>
+                <a:ext uri="{FF2B5EF4-FFF2-40B4-BE49-F238E27FC236}">
+                  <a16:creationId xmlns:a16="http://schemas.microsoft.com/office/drawing/2014/main" id="{4008C384-3AD8-DEF1-5F01-2629423DED3E}"/>
+                </a:ext>
+              </a:extLst>
+            </p:cNvPr>
+            <p:cNvCxnSpPr>
+              <a:cxnSpLocks/>
+            </p:cNvCxnSpPr>
+            <p:nvPr/>
+          </p:nvCxnSpPr>
+          <p:spPr>
+            <a:xfrm flipV="1">
+              <a:off x="668818" y="1645336"/>
+              <a:ext cx="0" cy="1119295"/>
+            </a:xfrm>
+            <a:prstGeom prst="straightConnector1">
+              <a:avLst/>
+            </a:prstGeom>
+            <a:ln w="19050">
+              <a:solidFill>
+                <a:schemeClr val="tx1"/>
+              </a:solidFill>
+              <a:tailEnd type="triangle"/>
+            </a:ln>
+          </p:spPr>
+          <p:style>
+            <a:lnRef idx="1">
+              <a:schemeClr val="accent1"/>
+            </a:lnRef>
+            <a:fillRef idx="0">
+              <a:schemeClr val="accent1"/>
+            </a:fillRef>
+            <a:effectRef idx="0">
+              <a:schemeClr val="accent1"/>
+            </a:effectRef>
+            <a:fontRef idx="minor">
+              <a:schemeClr val="tx1"/>
+            </a:fontRef>
+          </p:style>
+        </p:cxnSp>
+        <p:cxnSp>
+          <p:nvCxnSpPr>
+            <p:cNvPr id="262" name="Straight Arrow Connector 261">
+              <a:extLst>
+                <a:ext uri="{FF2B5EF4-FFF2-40B4-BE49-F238E27FC236}">
+                  <a16:creationId xmlns:a16="http://schemas.microsoft.com/office/drawing/2014/main" id="{DE5F6933-2E37-0071-C35E-9B3F0CCCE8A9}"/>
+                </a:ext>
+              </a:extLst>
+            </p:cNvPr>
+            <p:cNvCxnSpPr>
+              <a:cxnSpLocks/>
+            </p:cNvCxnSpPr>
+            <p:nvPr/>
+          </p:nvCxnSpPr>
+          <p:spPr>
+            <a:xfrm flipV="1">
+              <a:off x="666863" y="2970329"/>
+              <a:ext cx="0" cy="1106063"/>
+            </a:xfrm>
+            <a:prstGeom prst="straightConnector1">
+              <a:avLst/>
+            </a:prstGeom>
+            <a:ln w="19050">
+              <a:solidFill>
+                <a:schemeClr val="tx1"/>
+              </a:solidFill>
+              <a:tailEnd type="triangle"/>
+            </a:ln>
+          </p:spPr>
+          <p:style>
+            <a:lnRef idx="1">
+              <a:schemeClr val="accent1"/>
+            </a:lnRef>
+            <a:fillRef idx="0">
+              <a:schemeClr val="accent1"/>
+            </a:fillRef>
+            <a:effectRef idx="0">
+              <a:schemeClr val="accent1"/>
+            </a:effectRef>
+            <a:fontRef idx="minor">
+              <a:schemeClr val="tx1"/>
+            </a:fontRef>
+          </p:style>
+        </p:cxnSp>
+        <p:cxnSp>
+          <p:nvCxnSpPr>
+            <p:cNvPr id="263" name="Straight Arrow Connector 262">
+              <a:extLst>
+                <a:ext uri="{FF2B5EF4-FFF2-40B4-BE49-F238E27FC236}">
+                  <a16:creationId xmlns:a16="http://schemas.microsoft.com/office/drawing/2014/main" id="{4E956BE1-8BFC-370A-AD00-0A2EDEBEB623}"/>
+                </a:ext>
+              </a:extLst>
+            </p:cNvPr>
+            <p:cNvCxnSpPr>
+              <a:cxnSpLocks/>
+            </p:cNvCxnSpPr>
+            <p:nvPr/>
+          </p:nvCxnSpPr>
+          <p:spPr>
+            <a:xfrm flipV="1">
+              <a:off x="668818" y="339523"/>
+              <a:ext cx="0" cy="1106063"/>
+            </a:xfrm>
+            <a:prstGeom prst="straightConnector1">
+              <a:avLst/>
+            </a:prstGeom>
+            <a:ln w="19050">
+              <a:solidFill>
+                <a:schemeClr val="tx1"/>
+              </a:solidFill>
+              <a:tailEnd type="triangle"/>
+            </a:ln>
+          </p:spPr>
+          <p:style>
+            <a:lnRef idx="1">
+              <a:schemeClr val="accent1"/>
+            </a:lnRef>
+            <a:fillRef idx="0">
+              <a:schemeClr val="accent1"/>
+            </a:fillRef>
+            <a:effectRef idx="0">
+              <a:schemeClr val="accent1"/>
+            </a:effectRef>
+            <a:fontRef idx="minor">
+              <a:schemeClr val="tx1"/>
+            </a:fontRef>
+          </p:style>
+        </p:cxnSp>
+        <p:pic>
+          <p:nvPicPr>
+            <p:cNvPr id="264" name="图片 33">
+              <a:extLst>
+                <a:ext uri="{FF2B5EF4-FFF2-40B4-BE49-F238E27FC236}">
+                  <a16:creationId xmlns:a16="http://schemas.microsoft.com/office/drawing/2014/main" id="{C2C4126C-B0D1-4C25-4509-818FF9F456EC}"/>
+                </a:ext>
+              </a:extLst>
+            </p:cNvPr>
+            <p:cNvPicPr>
+              <a:picLocks noChangeAspect="1"/>
+            </p:cNvPicPr>
+            <p:nvPr/>
+          </p:nvPicPr>
+          <p:blipFill rotWithShape="1">
+            <a:blip r:embed="rId16"/>
+            <a:srcRect l="10470" t="5406" r="6895" b="9173"/>
+            <a:stretch/>
+          </p:blipFill>
+          <p:spPr>
+            <a:xfrm>
+              <a:off x="4486564" y="409111"/>
+              <a:ext cx="3139783" cy="3752794"/>
+            </a:xfrm>
+            <a:prstGeom prst="rect">
+              <a:avLst/>
+            </a:prstGeom>
+          </p:spPr>
+        </p:pic>
+        <p:cxnSp>
+          <p:nvCxnSpPr>
+            <p:cNvPr id="265" name="直接连接符 3">
+              <a:extLst>
+                <a:ext uri="{FF2B5EF4-FFF2-40B4-BE49-F238E27FC236}">
+                  <a16:creationId xmlns:a16="http://schemas.microsoft.com/office/drawing/2014/main" id="{1EE0E5C4-9D9B-0AC9-65F9-C6B022EDEB28}"/>
+                </a:ext>
+              </a:extLst>
+            </p:cNvPr>
+            <p:cNvCxnSpPr>
+              <a:cxnSpLocks/>
+            </p:cNvCxnSpPr>
+            <p:nvPr/>
+          </p:nvCxnSpPr>
+          <p:spPr>
+            <a:xfrm flipH="1">
+              <a:off x="5220765" y="486872"/>
+              <a:ext cx="1" cy="3567776"/>
+            </a:xfrm>
+            <a:prstGeom prst="line">
+              <a:avLst/>
+            </a:prstGeom>
+            <a:ln>
+              <a:prstDash val="lgDash"/>
+            </a:ln>
+          </p:spPr>
+          <p:style>
+            <a:lnRef idx="1">
+              <a:schemeClr val="accent1"/>
+            </a:lnRef>
+            <a:fillRef idx="0">
+              <a:schemeClr val="accent1"/>
+            </a:fillRef>
+            <a:effectRef idx="0">
+              <a:schemeClr val="accent1"/>
+            </a:effectRef>
+            <a:fontRef idx="minor">
+              <a:schemeClr val="tx1"/>
+            </a:fontRef>
+          </p:style>
+        </p:cxnSp>
+        <p:cxnSp>
+          <p:nvCxnSpPr>
+            <p:cNvPr id="266" name="直接连接符 5">
+              <a:extLst>
+                <a:ext uri="{FF2B5EF4-FFF2-40B4-BE49-F238E27FC236}">
+                  <a16:creationId xmlns:a16="http://schemas.microsoft.com/office/drawing/2014/main" id="{FCF30E9A-F736-F6F0-E13C-2B35490703A6}"/>
+                </a:ext>
+              </a:extLst>
+            </p:cNvPr>
+            <p:cNvCxnSpPr>
+              <a:cxnSpLocks/>
+            </p:cNvCxnSpPr>
+            <p:nvPr/>
+          </p:nvCxnSpPr>
+          <p:spPr>
+            <a:xfrm>
+              <a:off x="6482828" y="486872"/>
+              <a:ext cx="0" cy="3567776"/>
+            </a:xfrm>
+            <a:prstGeom prst="line">
+              <a:avLst/>
+            </a:prstGeom>
+            <a:ln>
+              <a:prstDash val="lgDash"/>
+            </a:ln>
+          </p:spPr>
+          <p:style>
+            <a:lnRef idx="1">
+              <a:schemeClr val="accent1"/>
+            </a:lnRef>
+            <a:fillRef idx="0">
+              <a:schemeClr val="accent1"/>
+            </a:fillRef>
+            <a:effectRef idx="0">
+              <a:schemeClr val="accent1"/>
+            </a:effectRef>
+            <a:fontRef idx="minor">
+              <a:schemeClr val="tx1"/>
+            </a:fontRef>
+          </p:style>
+        </p:cxnSp>
+        <p:sp>
+          <p:nvSpPr>
+            <p:cNvPr id="267" name="文本框 9">
+              <a:extLst>
+                <a:ext uri="{FF2B5EF4-FFF2-40B4-BE49-F238E27FC236}">
+                  <a16:creationId xmlns:a16="http://schemas.microsoft.com/office/drawing/2014/main" id="{E6B7A0B6-A596-BE37-B867-95795CAC8154}"/>
+                </a:ext>
+              </a:extLst>
+            </p:cNvPr>
+            <p:cNvSpPr txBox="1"/>
+            <p:nvPr/>
+          </p:nvSpPr>
+          <p:spPr>
+            <a:xfrm>
+              <a:off x="5624030" y="82303"/>
+              <a:ext cx="1081322" cy="338554"/>
+            </a:xfrm>
+            <a:prstGeom prst="rect">
+              <a:avLst/>
+            </a:prstGeom>
+            <a:noFill/>
+          </p:spPr>
+          <p:txBody>
+            <a:bodyPr wrap="none" rtlCol="0">
+              <a:spAutoFit/>
+            </a:bodyPr>
+            <a:lstStyle/>
+            <a:p>
+              <a:r>
+                <a:rPr lang="en-US" altLang="zh-CN" sz="1600" dirty="0">
+                  <a:cs typeface="Times New Roman" panose="02020603050405020304" pitchFamily="18" charset="0"/>
+                </a:rPr>
+                <a:t>PVT model</a:t>
+              </a:r>
+              <a:endParaRPr lang="zh-CN" altLang="en-US" sz="1600" dirty="0">
+                <a:cs typeface="Times New Roman" panose="02020603050405020304" pitchFamily="18" charset="0"/>
+              </a:endParaRPr>
+            </a:p>
+          </p:txBody>
+        </p:sp>
+        <p:sp>
+          <p:nvSpPr>
+            <p:cNvPr id="268" name="文本框 9">
+              <a:extLst>
+                <a:ext uri="{FF2B5EF4-FFF2-40B4-BE49-F238E27FC236}">
+                  <a16:creationId xmlns:a16="http://schemas.microsoft.com/office/drawing/2014/main" id="{DB9934D9-CC6D-42CC-5545-6AA7B9634E5A}"/>
+                </a:ext>
+              </a:extLst>
+            </p:cNvPr>
+            <p:cNvSpPr txBox="1"/>
+            <p:nvPr/>
+          </p:nvSpPr>
+          <p:spPr>
+            <a:xfrm>
+              <a:off x="4498689" y="82303"/>
+              <a:ext cx="393056" cy="338554"/>
+            </a:xfrm>
+            <a:prstGeom prst="rect">
+              <a:avLst/>
+            </a:prstGeom>
+            <a:noFill/>
+          </p:spPr>
+          <p:txBody>
+            <a:bodyPr wrap="square" rtlCol="0">
+              <a:spAutoFit/>
+            </a:bodyPr>
+            <a:lstStyle/>
+            <a:p>
+              <a:r>
+                <a:rPr lang="en-US" altLang="zh-CN" sz="1600" b="1" dirty="0">
+                  <a:cs typeface="Times New Roman" panose="02020603050405020304" pitchFamily="18" charset="0"/>
+                </a:rPr>
+                <a:t>(b)</a:t>
+              </a:r>
+              <a:endParaRPr lang="zh-CN" altLang="en-US" sz="1600" b="1" dirty="0">
+                <a:cs typeface="Times New Roman" panose="02020603050405020304" pitchFamily="18" charset="0"/>
+              </a:endParaRPr>
+            </a:p>
+          </p:txBody>
+        </p:sp>
+        <p:sp>
+          <p:nvSpPr>
+            <p:cNvPr id="269" name="文本框 37">
+              <a:extLst>
+                <a:ext uri="{FF2B5EF4-FFF2-40B4-BE49-F238E27FC236}">
+                  <a16:creationId xmlns:a16="http://schemas.microsoft.com/office/drawing/2014/main" id="{9CB1B814-2797-FE11-1C1B-8309A8D8371A}"/>
+                </a:ext>
+              </a:extLst>
+            </p:cNvPr>
+            <p:cNvSpPr txBox="1"/>
+            <p:nvPr/>
+          </p:nvSpPr>
+          <p:spPr>
+            <a:xfrm>
+              <a:off x="4328568" y="2115241"/>
+              <a:ext cx="276038" cy="307777"/>
+            </a:xfrm>
+            <a:prstGeom prst="rect">
+              <a:avLst/>
+            </a:prstGeom>
+            <a:noFill/>
+          </p:spPr>
+          <p:txBody>
+            <a:bodyPr wrap="none" rtlCol="0">
+              <a:spAutoFit/>
+            </a:bodyPr>
+            <a:lstStyle/>
+            <a:p>
+              <a:r>
+                <a:rPr lang="en-US" altLang="zh-CN" sz="1400" dirty="0">
+                  <a:cs typeface="Times New Roman" panose="02020603050405020304" pitchFamily="18" charset="0"/>
+                </a:rPr>
+                <a:t>0</a:t>
+              </a:r>
+              <a:endParaRPr lang="zh-CN" altLang="en-US" sz="1400" dirty="0">
+                <a:cs typeface="Times New Roman" panose="02020603050405020304" pitchFamily="18" charset="0"/>
+              </a:endParaRPr>
+            </a:p>
+          </p:txBody>
+        </p:sp>
+        <mc:AlternateContent xmlns:mc="http://schemas.openxmlformats.org/markup-compatibility/2006">
+          <mc:Choice xmlns:a14="http://schemas.microsoft.com/office/drawing/2010/main" Requires="a14">
+            <p:sp>
+              <p:nvSpPr>
+                <p:cNvPr id="270" name="文本框 2">
+                  <a:extLst>
+                    <a:ext uri="{FF2B5EF4-FFF2-40B4-BE49-F238E27FC236}">
+                      <a16:creationId xmlns:a16="http://schemas.microsoft.com/office/drawing/2014/main" id="{CF459F8C-34A2-9B69-E25C-C1797D6D4478}"/>
+                    </a:ext>
+                  </a:extLst>
+                </p:cNvPr>
+                <p:cNvSpPr txBox="1"/>
+                <p:nvPr/>
+              </p:nvSpPr>
+              <p:spPr>
+                <a:xfrm>
+                  <a:off x="5248662" y="993083"/>
+                  <a:ext cx="201787" cy="222369"/>
+                </a:xfrm>
+                <a:prstGeom prst="rect">
+                  <a:avLst/>
+                </a:prstGeom>
+                <a:noFill/>
+              </p:spPr>
+              <p:txBody>
+                <a:bodyPr wrap="none" lIns="0" tIns="0" rIns="0" bIns="0" rtlCol="0">
+                  <a:spAutoFit/>
+                </a:bodyPr>
+                <a:lstStyle/>
+                <a:p>
+                  <a:pPr/>
+                  <a14:m>
+                    <m:oMathPara xmlns:m="http://schemas.openxmlformats.org/officeDocument/2006/math">
+                      <m:oMathParaPr>
+                        <m:jc m:val="centerGroup"/>
+                      </m:oMathParaPr>
+                      <m:oMath xmlns:m="http://schemas.openxmlformats.org/officeDocument/2006/math">
+                        <m:sSup>
+                          <m:sSupPr>
+                            <m:ctrlPr>
+                              <a:rPr lang="en-US" altLang="zh-CN" sz="1400" i="1" smtClean="0">
+                                <a:latin typeface="Cambria Math" panose="02040503050406030204" pitchFamily="18" charset="0"/>
+                              </a:rPr>
+                            </m:ctrlPr>
+                          </m:sSupPr>
+                          <m:e>
+                            <m:r>
+                              <a:rPr lang="en-US" altLang="zh-CN" sz="1400" i="1">
+                                <a:latin typeface="Cambria Math" panose="02040503050406030204" pitchFamily="18" charset="0"/>
+                              </a:rPr>
+                              <m:t>𝑝</m:t>
+                            </m:r>
+                          </m:e>
+                          <m:sup>
+                            <m:r>
+                              <a:rPr lang="en-US" altLang="zh-CN" sz="1400" b="0" i="1" smtClean="0">
+                                <a:latin typeface="Cambria Math" panose="02040503050406030204" pitchFamily="18" charset="0"/>
+                              </a:rPr>
+                              <m:t>𝑖</m:t>
+                            </m:r>
+                          </m:sup>
+                        </m:sSup>
+                      </m:oMath>
+                    </m:oMathPara>
+                  </a14:m>
+                  <a:endParaRPr lang="zh-CN" altLang="en-US" sz="1400" dirty="0"/>
+                </a:p>
+              </p:txBody>
+            </p:sp>
+          </mc:Choice>
+          <mc:Fallback>
+            <p:sp>
+              <p:nvSpPr>
+                <p:cNvPr id="270" name="文本框 2">
+                  <a:extLst>
+                    <a:ext uri="{FF2B5EF4-FFF2-40B4-BE49-F238E27FC236}">
+                      <a16:creationId xmlns:a16="http://schemas.microsoft.com/office/drawing/2014/main" id="{CF459F8C-34A2-9B69-E25C-C1797D6D4478}"/>
+                    </a:ext>
+                  </a:extLst>
+                </p:cNvPr>
+                <p:cNvSpPr txBox="1">
+                  <a:spLocks noRot="1" noChangeAspect="1" noMove="1" noResize="1" noEditPoints="1" noAdjustHandles="1" noChangeArrowheads="1" noChangeShapeType="1" noTextEdit="1"/>
+                </p:cNvSpPr>
+                <p:nvPr/>
+              </p:nvSpPr>
+              <p:spPr>
+                <a:xfrm>
+                  <a:off x="5248662" y="993083"/>
+                  <a:ext cx="201787" cy="222369"/>
+                </a:xfrm>
+                <a:prstGeom prst="rect">
+                  <a:avLst/>
+                </a:prstGeom>
+                <a:blipFill>
+                  <a:blip r:embed="rId17"/>
+                  <a:stretch>
+                    <a:fillRect l="-21212" r="-6061" b="-24324"/>
+                  </a:stretch>
+                </a:blipFill>
+              </p:spPr>
+              <p:txBody>
+                <a:bodyPr/>
+                <a:lstStyle/>
+                <a:p>
+                  <a:r>
+                    <a:rPr lang="en-US">
+                      <a:noFill/>
+                    </a:rPr>
+                    <a:t> </a:t>
+                  </a:r>
+                </a:p>
+              </p:txBody>
+            </p:sp>
+          </mc:Fallback>
+        </mc:AlternateContent>
+        <mc:AlternateContent xmlns:mc="http://schemas.openxmlformats.org/markup-compatibility/2006">
+          <mc:Choice xmlns:a14="http://schemas.microsoft.com/office/drawing/2010/main" Requires="a14">
+            <p:sp>
+              <p:nvSpPr>
+                <p:cNvPr id="271" name="文本框 9">
+                  <a:extLst>
+                    <a:ext uri="{FF2B5EF4-FFF2-40B4-BE49-F238E27FC236}">
+                      <a16:creationId xmlns:a16="http://schemas.microsoft.com/office/drawing/2014/main" id="{AEA95399-9B37-EBB9-8875-B0D013DB77BE}"/>
+                    </a:ext>
+                  </a:extLst>
+                </p:cNvPr>
+                <p:cNvSpPr txBox="1"/>
+                <p:nvPr/>
+              </p:nvSpPr>
+              <p:spPr>
+                <a:xfrm>
+                  <a:off x="6222745" y="493501"/>
+                  <a:ext cx="371705" cy="222369"/>
+                </a:xfrm>
+                <a:prstGeom prst="rect">
+                  <a:avLst/>
+                </a:prstGeom>
+                <a:noFill/>
+              </p:spPr>
+              <p:txBody>
+                <a:bodyPr wrap="none" lIns="0" tIns="0" rIns="0" bIns="0" rtlCol="0">
+                  <a:spAutoFit/>
+                </a:bodyPr>
+                <a:lstStyle/>
+                <a:p>
+                  <a:pPr/>
+                  <a14:m>
+                    <m:oMathPara xmlns:m="http://schemas.openxmlformats.org/officeDocument/2006/math">
+                      <m:oMathParaPr>
+                        <m:jc m:val="centerGroup"/>
+                      </m:oMathParaPr>
+                      <m:oMath xmlns:m="http://schemas.openxmlformats.org/officeDocument/2006/math">
+                        <m:sSup>
+                          <m:sSupPr>
+                            <m:ctrlPr>
+                              <a:rPr lang="en-US" altLang="zh-CN" sz="1400" i="1" smtClean="0">
+                                <a:latin typeface="Cambria Math" panose="02040503050406030204" pitchFamily="18" charset="0"/>
+                              </a:rPr>
+                            </m:ctrlPr>
+                          </m:sSupPr>
+                          <m:e>
+                            <m:r>
+                              <a:rPr lang="en-US" altLang="zh-CN" sz="1400" i="1">
+                                <a:latin typeface="Cambria Math" panose="02040503050406030204" pitchFamily="18" charset="0"/>
+                              </a:rPr>
+                              <m:t>𝑝</m:t>
+                            </m:r>
+                          </m:e>
+                          <m:sup>
+                            <m:r>
+                              <a:rPr lang="en-US" altLang="zh-CN" sz="1400" b="0" i="1" smtClean="0">
+                                <a:latin typeface="Cambria Math" panose="02040503050406030204" pitchFamily="18" charset="0"/>
+                              </a:rPr>
+                              <m:t>𝑖</m:t>
+                            </m:r>
+                            <m:r>
+                              <a:rPr lang="en-US" altLang="zh-CN" sz="1400" b="0" i="1" smtClean="0">
+                                <a:latin typeface="Cambria Math" panose="02040503050406030204" pitchFamily="18" charset="0"/>
+                              </a:rPr>
+                              <m:t>+1</m:t>
+                            </m:r>
+                          </m:sup>
+                        </m:sSup>
+                      </m:oMath>
+                    </m:oMathPara>
+                  </a14:m>
+                  <a:endParaRPr lang="zh-CN" altLang="en-US" sz="1400" dirty="0"/>
+                </a:p>
+              </p:txBody>
+            </p:sp>
+          </mc:Choice>
+          <mc:Fallback>
+            <p:sp>
+              <p:nvSpPr>
+                <p:cNvPr id="271" name="文本框 9">
+                  <a:extLst>
+                    <a:ext uri="{FF2B5EF4-FFF2-40B4-BE49-F238E27FC236}">
+                      <a16:creationId xmlns:a16="http://schemas.microsoft.com/office/drawing/2014/main" id="{AEA95399-9B37-EBB9-8875-B0D013DB77BE}"/>
+                    </a:ext>
+                  </a:extLst>
+                </p:cNvPr>
+                <p:cNvSpPr txBox="1">
+                  <a:spLocks noRot="1" noChangeAspect="1" noMove="1" noResize="1" noEditPoints="1" noAdjustHandles="1" noChangeArrowheads="1" noChangeShapeType="1" noTextEdit="1"/>
+                </p:cNvSpPr>
+                <p:nvPr/>
+              </p:nvSpPr>
+              <p:spPr>
+                <a:xfrm>
+                  <a:off x="6222745" y="493501"/>
+                  <a:ext cx="371705" cy="222369"/>
+                </a:xfrm>
+                <a:prstGeom prst="rect">
+                  <a:avLst/>
+                </a:prstGeom>
+                <a:blipFill>
+                  <a:blip r:embed="rId18"/>
+                  <a:stretch>
+                    <a:fillRect l="-11475" r="-3279" b="-24324"/>
+                  </a:stretch>
+                </a:blipFill>
+              </p:spPr>
+              <p:txBody>
+                <a:bodyPr/>
+                <a:lstStyle/>
+                <a:p>
+                  <a:r>
+                    <a:rPr lang="en-US">
+                      <a:noFill/>
+                    </a:rPr>
+                    <a:t> </a:t>
+                  </a:r>
+                </a:p>
+              </p:txBody>
+            </p:sp>
+          </mc:Fallback>
+        </mc:AlternateContent>
+        <mc:AlternateContent xmlns:mc="http://schemas.openxmlformats.org/markup-compatibility/2006">
+          <mc:Choice xmlns:a14="http://schemas.microsoft.com/office/drawing/2010/main" Requires="a14">
+            <p:sp>
+              <p:nvSpPr>
+                <p:cNvPr id="272" name="文本框 10">
+                  <a:extLst>
+                    <a:ext uri="{FF2B5EF4-FFF2-40B4-BE49-F238E27FC236}">
+                      <a16:creationId xmlns:a16="http://schemas.microsoft.com/office/drawing/2014/main" id="{E1675C22-E8BB-C465-7B4F-3B18C02A1268}"/>
+                    </a:ext>
+                  </a:extLst>
+                </p:cNvPr>
+                <p:cNvSpPr txBox="1"/>
+                <p:nvPr/>
+              </p:nvSpPr>
+              <p:spPr>
+                <a:xfrm>
+                  <a:off x="5208945" y="2946792"/>
+                  <a:ext cx="201787" cy="222369"/>
+                </a:xfrm>
+                <a:prstGeom prst="rect">
+                  <a:avLst/>
+                </a:prstGeom>
+                <a:noFill/>
+              </p:spPr>
+              <p:txBody>
+                <a:bodyPr wrap="none" lIns="0" tIns="0" rIns="0" bIns="0" rtlCol="0">
+                  <a:spAutoFit/>
+                </a:bodyPr>
+                <a:lstStyle/>
+                <a:p>
+                  <a:pPr/>
+                  <a14:m>
+                    <m:oMathPara xmlns:m="http://schemas.openxmlformats.org/officeDocument/2006/math">
+                      <m:oMathParaPr>
+                        <m:jc m:val="centerGroup"/>
+                      </m:oMathParaPr>
+                      <m:oMath xmlns:m="http://schemas.openxmlformats.org/officeDocument/2006/math">
+                        <m:sSup>
+                          <m:sSupPr>
+                            <m:ctrlPr>
+                              <a:rPr lang="en-US" altLang="zh-CN" sz="1400" i="1" smtClean="0">
+                                <a:latin typeface="Cambria Math" panose="02040503050406030204" pitchFamily="18" charset="0"/>
+                              </a:rPr>
+                            </m:ctrlPr>
+                          </m:sSupPr>
+                          <m:e>
+                            <m:r>
+                              <a:rPr lang="en-US" altLang="zh-CN" sz="1400" b="0" i="1" smtClean="0">
+                                <a:latin typeface="Cambria Math" panose="02040503050406030204" pitchFamily="18" charset="0"/>
+                              </a:rPr>
+                              <m:t>𝑎</m:t>
+                            </m:r>
+                          </m:e>
+                          <m:sup>
+                            <m:r>
+                              <a:rPr lang="en-US" altLang="zh-CN" sz="1400" b="0" i="1" smtClean="0">
+                                <a:latin typeface="Cambria Math" panose="02040503050406030204" pitchFamily="18" charset="0"/>
+                              </a:rPr>
+                              <m:t>𝑖</m:t>
+                            </m:r>
+                          </m:sup>
+                        </m:sSup>
+                      </m:oMath>
+                    </m:oMathPara>
+                  </a14:m>
+                  <a:endParaRPr lang="zh-CN" altLang="en-US" sz="1400" dirty="0"/>
+                </a:p>
+              </p:txBody>
+            </p:sp>
+          </mc:Choice>
+          <mc:Fallback>
+            <p:sp>
+              <p:nvSpPr>
+                <p:cNvPr id="272" name="文本框 10">
+                  <a:extLst>
+                    <a:ext uri="{FF2B5EF4-FFF2-40B4-BE49-F238E27FC236}">
+                      <a16:creationId xmlns:a16="http://schemas.microsoft.com/office/drawing/2014/main" id="{E1675C22-E8BB-C465-7B4F-3B18C02A1268}"/>
+                    </a:ext>
+                  </a:extLst>
+                </p:cNvPr>
+                <p:cNvSpPr txBox="1">
+                  <a:spLocks noRot="1" noChangeAspect="1" noMove="1" noResize="1" noEditPoints="1" noAdjustHandles="1" noChangeArrowheads="1" noChangeShapeType="1" noTextEdit="1"/>
+                </p:cNvSpPr>
+                <p:nvPr/>
+              </p:nvSpPr>
+              <p:spPr>
+                <a:xfrm>
+                  <a:off x="5208945" y="2946792"/>
+                  <a:ext cx="201787" cy="222369"/>
+                </a:xfrm>
+                <a:prstGeom prst="rect">
+                  <a:avLst/>
+                </a:prstGeom>
+                <a:blipFill>
+                  <a:blip r:embed="rId11"/>
+                  <a:stretch>
+                    <a:fillRect l="-11765" r="-2941"/>
+                  </a:stretch>
+                </a:blipFill>
+              </p:spPr>
+              <p:txBody>
+                <a:bodyPr/>
+                <a:lstStyle/>
+                <a:p>
+                  <a:r>
+                    <a:rPr lang="en-US">
+                      <a:noFill/>
+                    </a:rPr>
+                    <a:t> </a:t>
+                  </a:r>
+                </a:p>
+              </p:txBody>
+            </p:sp>
+          </mc:Fallback>
+        </mc:AlternateContent>
+        <mc:AlternateContent xmlns:mc="http://schemas.openxmlformats.org/markup-compatibility/2006">
+          <mc:Choice xmlns:a14="http://schemas.microsoft.com/office/drawing/2010/main" Requires="a14">
+            <p:sp>
+              <p:nvSpPr>
+                <p:cNvPr id="273" name="文本框 11">
+                  <a:extLst>
+                    <a:ext uri="{FF2B5EF4-FFF2-40B4-BE49-F238E27FC236}">
+                      <a16:creationId xmlns:a16="http://schemas.microsoft.com/office/drawing/2014/main" id="{3FD96FB1-0F73-4C5A-AFF3-812BDAD14710}"/>
+                    </a:ext>
+                  </a:extLst>
+                </p:cNvPr>
+                <p:cNvSpPr txBox="1"/>
+                <p:nvPr/>
+              </p:nvSpPr>
+              <p:spPr>
+                <a:xfrm>
+                  <a:off x="6378409" y="3593517"/>
+                  <a:ext cx="372153" cy="222369"/>
+                </a:xfrm>
+                <a:prstGeom prst="rect">
+                  <a:avLst/>
+                </a:prstGeom>
+                <a:noFill/>
+              </p:spPr>
+              <p:txBody>
+                <a:bodyPr wrap="none" lIns="0" tIns="0" rIns="0" bIns="0" rtlCol="0">
+                  <a:spAutoFit/>
+                </a:bodyPr>
+                <a:lstStyle/>
+                <a:p>
+                  <a:pPr/>
+                  <a14:m>
+                    <m:oMathPara xmlns:m="http://schemas.openxmlformats.org/officeDocument/2006/math">
+                      <m:oMathParaPr>
+                        <m:jc m:val="centerGroup"/>
+                      </m:oMathParaPr>
+                      <m:oMath xmlns:m="http://schemas.openxmlformats.org/officeDocument/2006/math">
+                        <m:sSup>
+                          <m:sSupPr>
+                            <m:ctrlPr>
+                              <a:rPr lang="en-US" altLang="zh-CN" sz="1400" i="1" smtClean="0">
+                                <a:latin typeface="Cambria Math" panose="02040503050406030204" pitchFamily="18" charset="0"/>
+                              </a:rPr>
+                            </m:ctrlPr>
+                          </m:sSupPr>
+                          <m:e>
+                            <m:r>
+                              <a:rPr lang="en-US" altLang="zh-CN" sz="1400" b="0" i="1" smtClean="0">
+                                <a:latin typeface="Cambria Math" panose="02040503050406030204" pitchFamily="18" charset="0"/>
+                              </a:rPr>
+                              <m:t>𝑎</m:t>
+                            </m:r>
+                          </m:e>
+                          <m:sup>
+                            <m:r>
+                              <a:rPr lang="en-US" altLang="zh-CN" sz="1400" b="0" i="1" smtClean="0">
+                                <a:latin typeface="Cambria Math" panose="02040503050406030204" pitchFamily="18" charset="0"/>
+                              </a:rPr>
+                              <m:t>𝑖</m:t>
+                            </m:r>
+                            <m:r>
+                              <a:rPr lang="en-US" altLang="zh-CN" sz="1400" b="0" i="1" smtClean="0">
+                                <a:latin typeface="Cambria Math" panose="02040503050406030204" pitchFamily="18" charset="0"/>
+                              </a:rPr>
+                              <m:t>+1</m:t>
+                            </m:r>
+                          </m:sup>
+                        </m:sSup>
+                      </m:oMath>
+                    </m:oMathPara>
+                  </a14:m>
+                  <a:endParaRPr lang="zh-CN" altLang="en-US" sz="1400" dirty="0"/>
+                </a:p>
+              </p:txBody>
+            </p:sp>
+          </mc:Choice>
+          <mc:Fallback>
+            <p:sp>
+              <p:nvSpPr>
+                <p:cNvPr id="273" name="文本框 11">
+                  <a:extLst>
+                    <a:ext uri="{FF2B5EF4-FFF2-40B4-BE49-F238E27FC236}">
+                      <a16:creationId xmlns:a16="http://schemas.microsoft.com/office/drawing/2014/main" id="{3FD96FB1-0F73-4C5A-AFF3-812BDAD14710}"/>
+                    </a:ext>
+                  </a:extLst>
+                </p:cNvPr>
+                <p:cNvSpPr txBox="1">
+                  <a:spLocks noRot="1" noChangeAspect="1" noMove="1" noResize="1" noEditPoints="1" noAdjustHandles="1" noChangeArrowheads="1" noChangeShapeType="1" noTextEdit="1"/>
+                </p:cNvSpPr>
+                <p:nvPr/>
+              </p:nvSpPr>
+              <p:spPr>
+                <a:xfrm>
+                  <a:off x="6378409" y="3593517"/>
+                  <a:ext cx="372153" cy="222369"/>
+                </a:xfrm>
+                <a:prstGeom prst="rect">
+                  <a:avLst/>
+                </a:prstGeom>
+                <a:blipFill>
+                  <a:blip r:embed="rId19"/>
+                  <a:stretch>
+                    <a:fillRect l="-6557" r="-3279"/>
+                  </a:stretch>
+                </a:blipFill>
+              </p:spPr>
+              <p:txBody>
+                <a:bodyPr/>
+                <a:lstStyle/>
+                <a:p>
+                  <a:r>
+                    <a:rPr lang="en-US">
+                      <a:noFill/>
+                    </a:rPr>
+                    <a:t> </a:t>
+                  </a:r>
+                </a:p>
+              </p:txBody>
+            </p:sp>
+          </mc:Fallback>
+        </mc:AlternateContent>
+        <mc:AlternateContent xmlns:mc="http://schemas.openxmlformats.org/markup-compatibility/2006">
+          <mc:Choice xmlns:a14="http://schemas.microsoft.com/office/drawing/2010/main" Requires="a14">
+            <p:sp>
+              <p:nvSpPr>
+                <p:cNvPr id="274" name="文本框 18">
+                  <a:extLst>
+                    <a:ext uri="{FF2B5EF4-FFF2-40B4-BE49-F238E27FC236}">
+                      <a16:creationId xmlns:a16="http://schemas.microsoft.com/office/drawing/2014/main" id="{83933026-CD92-22DE-941A-744255C87B82}"/>
+                    </a:ext>
+                  </a:extLst>
+                </p:cNvPr>
+                <p:cNvSpPr txBox="1"/>
+                <p:nvPr/>
+              </p:nvSpPr>
+              <p:spPr>
+                <a:xfrm>
+                  <a:off x="5212665" y="1888967"/>
+                  <a:ext cx="206787" cy="222369"/>
+                </a:xfrm>
+                <a:prstGeom prst="rect">
+                  <a:avLst/>
+                </a:prstGeom>
+                <a:noFill/>
+              </p:spPr>
+              <p:txBody>
+                <a:bodyPr wrap="none" lIns="0" tIns="0" rIns="0" bIns="0" rtlCol="0">
+                  <a:spAutoFit/>
+                </a:bodyPr>
+                <a:lstStyle/>
+                <a:p>
+                  <a:pPr/>
+                  <a14:m>
+                    <m:oMathPara xmlns:m="http://schemas.openxmlformats.org/officeDocument/2006/math">
+                      <m:oMathParaPr>
+                        <m:jc m:val="centerGroup"/>
+                      </m:oMathParaPr>
+                      <m:oMath xmlns:m="http://schemas.openxmlformats.org/officeDocument/2006/math">
+                        <m:sSup>
+                          <m:sSupPr>
+                            <m:ctrlPr>
+                              <a:rPr lang="en-US" altLang="zh-CN" sz="1400" i="1" smtClean="0">
+                                <a:latin typeface="Cambria Math" panose="02040503050406030204" pitchFamily="18" charset="0"/>
+                              </a:rPr>
+                            </m:ctrlPr>
+                          </m:sSupPr>
+                          <m:e>
+                            <m:r>
+                              <a:rPr lang="en-US" altLang="zh-CN" sz="1400" b="0" i="1" smtClean="0">
+                                <a:latin typeface="Cambria Math" panose="02040503050406030204" pitchFamily="18" charset="0"/>
+                              </a:rPr>
+                              <m:t>𝑣</m:t>
+                            </m:r>
+                          </m:e>
+                          <m:sup>
+                            <m:r>
+                              <a:rPr lang="en-US" altLang="zh-CN" sz="1400" b="0" i="1" smtClean="0">
+                                <a:latin typeface="Cambria Math" panose="02040503050406030204" pitchFamily="18" charset="0"/>
+                              </a:rPr>
+                              <m:t>𝑖</m:t>
+                            </m:r>
+                          </m:sup>
+                        </m:sSup>
+                      </m:oMath>
+                    </m:oMathPara>
+                  </a14:m>
+                  <a:endParaRPr lang="zh-CN" altLang="en-US" sz="1400" dirty="0"/>
+                </a:p>
+              </p:txBody>
+            </p:sp>
+          </mc:Choice>
+          <mc:Fallback>
+            <p:sp>
+              <p:nvSpPr>
+                <p:cNvPr id="274" name="文本框 18">
+                  <a:extLst>
+                    <a:ext uri="{FF2B5EF4-FFF2-40B4-BE49-F238E27FC236}">
+                      <a16:creationId xmlns:a16="http://schemas.microsoft.com/office/drawing/2014/main" id="{83933026-CD92-22DE-941A-744255C87B82}"/>
+                    </a:ext>
+                  </a:extLst>
+                </p:cNvPr>
+                <p:cNvSpPr txBox="1">
+                  <a:spLocks noRot="1" noChangeAspect="1" noMove="1" noResize="1" noEditPoints="1" noAdjustHandles="1" noChangeArrowheads="1" noChangeShapeType="1" noTextEdit="1"/>
+                </p:cNvSpPr>
+                <p:nvPr/>
+              </p:nvSpPr>
+              <p:spPr>
+                <a:xfrm>
+                  <a:off x="5212665" y="1888967"/>
+                  <a:ext cx="206787" cy="222369"/>
+                </a:xfrm>
+                <a:prstGeom prst="rect">
+                  <a:avLst/>
+                </a:prstGeom>
+                <a:blipFill>
+                  <a:blip r:embed="rId20"/>
+                  <a:stretch>
+                    <a:fillRect l="-11765" r="-5882"/>
+                  </a:stretch>
+                </a:blipFill>
+              </p:spPr>
+              <p:txBody>
+                <a:bodyPr/>
+                <a:lstStyle/>
+                <a:p>
+                  <a:r>
+                    <a:rPr lang="en-US">
+                      <a:noFill/>
+                    </a:rPr>
+                    <a:t> </a:t>
+                  </a:r>
+                </a:p>
+              </p:txBody>
+            </p:sp>
+          </mc:Fallback>
+        </mc:AlternateContent>
+        <mc:AlternateContent xmlns:mc="http://schemas.openxmlformats.org/markup-compatibility/2006">
+          <mc:Choice xmlns:a14="http://schemas.microsoft.com/office/drawing/2010/main" Requires="a14">
+            <p:sp>
+              <p:nvSpPr>
+                <p:cNvPr id="275" name="文本框 19">
+                  <a:extLst>
+                    <a:ext uri="{FF2B5EF4-FFF2-40B4-BE49-F238E27FC236}">
+                      <a16:creationId xmlns:a16="http://schemas.microsoft.com/office/drawing/2014/main" id="{CBB0EAC4-B513-F2FF-3C54-8C407142E238}"/>
+                    </a:ext>
+                  </a:extLst>
+                </p:cNvPr>
+                <p:cNvSpPr txBox="1"/>
+                <p:nvPr/>
+              </p:nvSpPr>
+              <p:spPr>
+                <a:xfrm>
+                  <a:off x="6475765" y="1906955"/>
+                  <a:ext cx="376706" cy="222369"/>
+                </a:xfrm>
+                <a:prstGeom prst="rect">
+                  <a:avLst/>
+                </a:prstGeom>
+                <a:noFill/>
+              </p:spPr>
+              <p:txBody>
+                <a:bodyPr wrap="none" lIns="0" tIns="0" rIns="0" bIns="0" rtlCol="0">
+                  <a:spAutoFit/>
+                </a:bodyPr>
+                <a:lstStyle/>
+                <a:p>
+                  <a:pPr/>
+                  <a14:m>
+                    <m:oMathPara xmlns:m="http://schemas.openxmlformats.org/officeDocument/2006/math">
+                      <m:oMathParaPr>
+                        <m:jc m:val="centerGroup"/>
+                      </m:oMathParaPr>
+                      <m:oMath xmlns:m="http://schemas.openxmlformats.org/officeDocument/2006/math">
+                        <m:sSup>
+                          <m:sSupPr>
+                            <m:ctrlPr>
+                              <a:rPr lang="en-US" altLang="zh-CN" sz="1400" i="1" smtClean="0">
+                                <a:latin typeface="Cambria Math" panose="02040503050406030204" pitchFamily="18" charset="0"/>
+                              </a:rPr>
+                            </m:ctrlPr>
+                          </m:sSupPr>
+                          <m:e>
+                            <m:r>
+                              <a:rPr lang="en-US" altLang="zh-CN" sz="1400" b="0" i="1" smtClean="0">
+                                <a:latin typeface="Cambria Math" panose="02040503050406030204" pitchFamily="18" charset="0"/>
+                              </a:rPr>
+                              <m:t>𝑣</m:t>
+                            </m:r>
+                          </m:e>
+                          <m:sup>
+                            <m:r>
+                              <a:rPr lang="en-US" altLang="zh-CN" sz="1400" b="0" i="1" smtClean="0">
+                                <a:latin typeface="Cambria Math" panose="02040503050406030204" pitchFamily="18" charset="0"/>
+                              </a:rPr>
+                              <m:t>𝑖</m:t>
+                            </m:r>
+                            <m:r>
+                              <a:rPr lang="en-US" altLang="zh-CN" sz="1400" b="0" i="1" smtClean="0">
+                                <a:latin typeface="Cambria Math" panose="02040503050406030204" pitchFamily="18" charset="0"/>
+                              </a:rPr>
+                              <m:t>+1</m:t>
+                            </m:r>
+                          </m:sup>
+                        </m:sSup>
+                      </m:oMath>
+                    </m:oMathPara>
+                  </a14:m>
+                  <a:endParaRPr lang="zh-CN" altLang="en-US" sz="1400" dirty="0"/>
+                </a:p>
+              </p:txBody>
+            </p:sp>
+          </mc:Choice>
+          <mc:Fallback>
+            <p:sp>
+              <p:nvSpPr>
+                <p:cNvPr id="275" name="文本框 19">
+                  <a:extLst>
+                    <a:ext uri="{FF2B5EF4-FFF2-40B4-BE49-F238E27FC236}">
+                      <a16:creationId xmlns:a16="http://schemas.microsoft.com/office/drawing/2014/main" id="{CBB0EAC4-B513-F2FF-3C54-8C407142E238}"/>
+                    </a:ext>
+                  </a:extLst>
+                </p:cNvPr>
+                <p:cNvSpPr txBox="1">
+                  <a:spLocks noRot="1" noChangeAspect="1" noMove="1" noResize="1" noEditPoints="1" noAdjustHandles="1" noChangeArrowheads="1" noChangeShapeType="1" noTextEdit="1"/>
+                </p:cNvSpPr>
+                <p:nvPr/>
+              </p:nvSpPr>
+              <p:spPr>
+                <a:xfrm>
+                  <a:off x="6475765" y="1906955"/>
+                  <a:ext cx="376706" cy="222369"/>
+                </a:xfrm>
+                <a:prstGeom prst="rect">
+                  <a:avLst/>
+                </a:prstGeom>
+                <a:blipFill>
+                  <a:blip r:embed="rId21"/>
+                  <a:stretch>
+                    <a:fillRect l="-4839" r="-3226"/>
+                  </a:stretch>
+                </a:blipFill>
+              </p:spPr>
+              <p:txBody>
+                <a:bodyPr/>
+                <a:lstStyle/>
+                <a:p>
+                  <a:r>
+                    <a:rPr lang="en-US">
+                      <a:noFill/>
+                    </a:rPr>
+                    <a:t> </a:t>
+                  </a:r>
+                </a:p>
+              </p:txBody>
+            </p:sp>
+          </mc:Fallback>
+        </mc:AlternateContent>
+        <p:sp>
+          <p:nvSpPr>
+            <p:cNvPr id="276" name="文本框 42">
+              <a:extLst>
+                <a:ext uri="{FF2B5EF4-FFF2-40B4-BE49-F238E27FC236}">
+                  <a16:creationId xmlns:a16="http://schemas.microsoft.com/office/drawing/2014/main" id="{289BE367-8447-94D4-1E01-9096152B3B56}"/>
+                </a:ext>
+              </a:extLst>
+            </p:cNvPr>
+            <p:cNvSpPr txBox="1"/>
+            <p:nvPr/>
+          </p:nvSpPr>
+          <p:spPr>
+            <a:xfrm>
+              <a:off x="4328568" y="3432052"/>
+              <a:ext cx="276038" cy="307777"/>
+            </a:xfrm>
+            <a:prstGeom prst="rect">
+              <a:avLst/>
+            </a:prstGeom>
+            <a:noFill/>
+          </p:spPr>
+          <p:txBody>
+            <a:bodyPr wrap="none" rtlCol="0">
+              <a:spAutoFit/>
+            </a:bodyPr>
+            <a:lstStyle/>
+            <a:p>
+              <a:r>
+                <a:rPr lang="en-US" altLang="zh-CN" sz="1400" dirty="0">
+                  <a:cs typeface="Times New Roman" panose="02020603050405020304" pitchFamily="18" charset="0"/>
+                </a:rPr>
+                <a:t>0</a:t>
+              </a:r>
+              <a:endParaRPr lang="zh-CN" altLang="en-US" sz="1400" dirty="0">
+                <a:cs typeface="Times New Roman" panose="02020603050405020304" pitchFamily="18" charset="0"/>
+              </a:endParaRPr>
+            </a:p>
+          </p:txBody>
+        </p:sp>
+        <p:sp>
+          <p:nvSpPr>
+            <p:cNvPr id="277" name="文本框 43">
+              <a:extLst>
+                <a:ext uri="{FF2B5EF4-FFF2-40B4-BE49-F238E27FC236}">
+                  <a16:creationId xmlns:a16="http://schemas.microsoft.com/office/drawing/2014/main" id="{157E9335-7AC2-6924-4B66-1DC5936737FB}"/>
+                </a:ext>
+              </a:extLst>
+            </p:cNvPr>
+            <p:cNvSpPr txBox="1"/>
+            <p:nvPr/>
+          </p:nvSpPr>
+          <p:spPr>
+            <a:xfrm>
+              <a:off x="4324986" y="1248857"/>
+              <a:ext cx="276038" cy="307777"/>
+            </a:xfrm>
+            <a:prstGeom prst="rect">
+              <a:avLst/>
+            </a:prstGeom>
+            <a:noFill/>
+          </p:spPr>
+          <p:txBody>
+            <a:bodyPr wrap="none" rtlCol="0">
+              <a:spAutoFit/>
+            </a:bodyPr>
+            <a:lstStyle/>
+            <a:p>
+              <a:r>
+                <a:rPr lang="en-US" altLang="zh-CN" sz="1400" dirty="0">
+                  <a:cs typeface="Times New Roman" panose="02020603050405020304" pitchFamily="18" charset="0"/>
+                </a:rPr>
+                <a:t>0</a:t>
+              </a:r>
+              <a:endParaRPr lang="zh-CN" altLang="en-US" sz="1400" dirty="0">
+                <a:cs typeface="Times New Roman" panose="02020603050405020304" pitchFamily="18" charset="0"/>
+              </a:endParaRPr>
+            </a:p>
+          </p:txBody>
+        </p:sp>
+        <p:cxnSp>
+          <p:nvCxnSpPr>
+            <p:cNvPr id="278" name="Straight Arrow Connector 277">
+              <a:extLst>
+                <a:ext uri="{FF2B5EF4-FFF2-40B4-BE49-F238E27FC236}">
+                  <a16:creationId xmlns:a16="http://schemas.microsoft.com/office/drawing/2014/main" id="{F5FAA34F-F8C3-3460-0FC6-46D61E4CE99C}"/>
+                </a:ext>
+              </a:extLst>
+            </p:cNvPr>
+            <p:cNvCxnSpPr>
+              <a:cxnSpLocks/>
+            </p:cNvCxnSpPr>
+            <p:nvPr/>
+          </p:nvCxnSpPr>
+          <p:spPr>
+            <a:xfrm>
+              <a:off x="4578549" y="4074848"/>
+              <a:ext cx="3117069" cy="0"/>
+            </a:xfrm>
+            <a:prstGeom prst="straightConnector1">
+              <a:avLst/>
+            </a:prstGeom>
+            <a:ln w="19050">
+              <a:solidFill>
+                <a:schemeClr val="tx1"/>
+              </a:solidFill>
+              <a:tailEnd type="triangle"/>
+            </a:ln>
+          </p:spPr>
+          <p:style>
+            <a:lnRef idx="1">
+              <a:schemeClr val="accent1"/>
+            </a:lnRef>
+            <a:fillRef idx="0">
+              <a:schemeClr val="accent1"/>
+            </a:fillRef>
+            <a:effectRef idx="0">
+              <a:schemeClr val="accent1"/>
+            </a:effectRef>
+            <a:fontRef idx="minor">
+              <a:schemeClr val="tx1"/>
+            </a:fontRef>
+          </p:style>
+        </p:cxnSp>
+        <p:cxnSp>
+          <p:nvCxnSpPr>
+            <p:cNvPr id="279" name="Straight Arrow Connector 278">
+              <a:extLst>
+                <a:ext uri="{FF2B5EF4-FFF2-40B4-BE49-F238E27FC236}">
+                  <a16:creationId xmlns:a16="http://schemas.microsoft.com/office/drawing/2014/main" id="{DFC80D4E-0AC6-0BCA-846F-9333741D84C2}"/>
+                </a:ext>
+              </a:extLst>
+            </p:cNvPr>
+            <p:cNvCxnSpPr>
+              <a:cxnSpLocks/>
+            </p:cNvCxnSpPr>
+            <p:nvPr/>
+          </p:nvCxnSpPr>
+          <p:spPr>
+            <a:xfrm flipV="1">
+              <a:off x="4586520" y="1644410"/>
+              <a:ext cx="0" cy="1119295"/>
+            </a:xfrm>
+            <a:prstGeom prst="straightConnector1">
+              <a:avLst/>
+            </a:prstGeom>
+            <a:ln w="19050">
+              <a:solidFill>
+                <a:schemeClr val="tx1"/>
+              </a:solidFill>
+              <a:tailEnd type="triangle"/>
+            </a:ln>
+          </p:spPr>
+          <p:style>
+            <a:lnRef idx="1">
+              <a:schemeClr val="accent1"/>
+            </a:lnRef>
+            <a:fillRef idx="0">
+              <a:schemeClr val="accent1"/>
+            </a:fillRef>
+            <a:effectRef idx="0">
+              <a:schemeClr val="accent1"/>
+            </a:effectRef>
+            <a:fontRef idx="minor">
+              <a:schemeClr val="tx1"/>
+            </a:fontRef>
+          </p:style>
+        </p:cxnSp>
+        <p:cxnSp>
+          <p:nvCxnSpPr>
+            <p:cNvPr id="280" name="Straight Arrow Connector 279">
+              <a:extLst>
+                <a:ext uri="{FF2B5EF4-FFF2-40B4-BE49-F238E27FC236}">
+                  <a16:creationId xmlns:a16="http://schemas.microsoft.com/office/drawing/2014/main" id="{AF5FA8E4-0DC2-8CF3-8D33-FD18DCFA7543}"/>
+                </a:ext>
+              </a:extLst>
+            </p:cNvPr>
+            <p:cNvCxnSpPr>
+              <a:cxnSpLocks/>
+            </p:cNvCxnSpPr>
+            <p:nvPr/>
+          </p:nvCxnSpPr>
+          <p:spPr>
+            <a:xfrm flipV="1">
+              <a:off x="4584565" y="2969403"/>
+              <a:ext cx="0" cy="1106063"/>
+            </a:xfrm>
+            <a:prstGeom prst="straightConnector1">
+              <a:avLst/>
+            </a:prstGeom>
+            <a:ln w="19050">
+              <a:solidFill>
+                <a:schemeClr val="tx1"/>
+              </a:solidFill>
+              <a:tailEnd type="triangle"/>
+            </a:ln>
+          </p:spPr>
+          <p:style>
+            <a:lnRef idx="1">
+              <a:schemeClr val="accent1"/>
+            </a:lnRef>
+            <a:fillRef idx="0">
+              <a:schemeClr val="accent1"/>
+            </a:fillRef>
+            <a:effectRef idx="0">
+              <a:schemeClr val="accent1"/>
+            </a:effectRef>
+            <a:fontRef idx="minor">
+              <a:schemeClr val="tx1"/>
+            </a:fontRef>
+          </p:style>
+        </p:cxnSp>
+        <p:cxnSp>
+          <p:nvCxnSpPr>
+            <p:cNvPr id="281" name="Straight Arrow Connector 280">
+              <a:extLst>
+                <a:ext uri="{FF2B5EF4-FFF2-40B4-BE49-F238E27FC236}">
+                  <a16:creationId xmlns:a16="http://schemas.microsoft.com/office/drawing/2014/main" id="{5B4CB0EF-A295-F1B1-3237-F35BDA9766DB}"/>
+                </a:ext>
+              </a:extLst>
+            </p:cNvPr>
+            <p:cNvCxnSpPr>
+              <a:cxnSpLocks/>
+            </p:cNvCxnSpPr>
+            <p:nvPr/>
+          </p:nvCxnSpPr>
+          <p:spPr>
+            <a:xfrm flipV="1">
+              <a:off x="4586520" y="338597"/>
+              <a:ext cx="0" cy="1106063"/>
+            </a:xfrm>
+            <a:prstGeom prst="straightConnector1">
+              <a:avLst/>
+            </a:prstGeom>
+            <a:ln w="19050">
+              <a:solidFill>
+                <a:schemeClr val="tx1"/>
+              </a:solidFill>
+              <a:tailEnd type="triangle"/>
+            </a:ln>
+          </p:spPr>
+          <p:style>
+            <a:lnRef idx="1">
+              <a:schemeClr val="accent1"/>
+            </a:lnRef>
+            <a:fillRef idx="0">
+              <a:schemeClr val="accent1"/>
+            </a:fillRef>
+            <a:effectRef idx="0">
+              <a:schemeClr val="accent1"/>
+            </a:effectRef>
+            <a:fontRef idx="minor">
+              <a:schemeClr val="tx1"/>
+            </a:fontRef>
+          </p:style>
+        </p:cxnSp>
+        <mc:AlternateContent xmlns:mc="http://schemas.openxmlformats.org/markup-compatibility/2006">
+          <mc:Choice xmlns:a14="http://schemas.microsoft.com/office/drawing/2010/main" Requires="a14">
+            <p:sp>
+              <p:nvSpPr>
+                <p:cNvPr id="282" name="文本框 159">
+                  <a:extLst>
+                    <a:ext uri="{FF2B5EF4-FFF2-40B4-BE49-F238E27FC236}">
+                      <a16:creationId xmlns:a16="http://schemas.microsoft.com/office/drawing/2014/main" id="{320F18E7-2688-E5AE-F9D2-335C5FAE39F3}"/>
+                    </a:ext>
+                  </a:extLst>
+                </p:cNvPr>
+                <p:cNvSpPr txBox="1"/>
+                <p:nvPr/>
+              </p:nvSpPr>
+              <p:spPr>
+                <a:xfrm>
+                  <a:off x="7598595" y="3903125"/>
+                  <a:ext cx="317908" cy="338554"/>
+                </a:xfrm>
+                <a:prstGeom prst="rect">
+                  <a:avLst/>
+                </a:prstGeom>
+                <a:noFill/>
+              </p:spPr>
+              <p:txBody>
+                <a:bodyPr wrap="none" rtlCol="0">
+                  <a:spAutoFit/>
+                </a:bodyPr>
+                <a:lstStyle/>
+                <a:p>
+                  <a14:m>
+                    <m:oMathPara xmlns:m="http://schemas.openxmlformats.org/officeDocument/2006/math">
+                      <m:oMathParaPr>
+                        <m:jc m:val="centerGroup"/>
+                      </m:oMathParaPr>
+                      <m:oMath xmlns:m="http://schemas.openxmlformats.org/officeDocument/2006/math">
+                        <m:r>
+                          <a:rPr lang="en-US" altLang="zh-CN" sz="1600" b="0" i="1" smtClean="0">
+                            <a:latin typeface="Cambria Math" panose="02040503050406030204" pitchFamily="18" charset="0"/>
+                            <a:cs typeface="Times New Roman" panose="02020603050405020304" pitchFamily="18" charset="0"/>
+                          </a:rPr>
+                          <m:t>𝑡</m:t>
+                        </m:r>
+                      </m:oMath>
+                    </m:oMathPara>
+                  </a14:m>
+                  <a:endParaRPr lang="zh-CN" altLang="en-US" sz="1600" i="1" dirty="0">
+                    <a:cs typeface="Times New Roman" panose="02020603050405020304" pitchFamily="18" charset="0"/>
+                  </a:endParaRPr>
+                </a:p>
+              </p:txBody>
+            </p:sp>
+          </mc:Choice>
+          <mc:Fallback>
+            <p:sp>
+              <p:nvSpPr>
+                <p:cNvPr id="282" name="文本框 159">
+                  <a:extLst>
+                    <a:ext uri="{FF2B5EF4-FFF2-40B4-BE49-F238E27FC236}">
+                      <a16:creationId xmlns:a16="http://schemas.microsoft.com/office/drawing/2014/main" id="{320F18E7-2688-E5AE-F9D2-335C5FAE39F3}"/>
+                    </a:ext>
+                  </a:extLst>
+                </p:cNvPr>
+                <p:cNvSpPr txBox="1">
+                  <a:spLocks noRot="1" noChangeAspect="1" noMove="1" noResize="1" noEditPoints="1" noAdjustHandles="1" noChangeArrowheads="1" noChangeShapeType="1" noTextEdit="1"/>
+                </p:cNvSpPr>
+                <p:nvPr/>
+              </p:nvSpPr>
+              <p:spPr>
+                <a:xfrm>
+                  <a:off x="7598595" y="3903125"/>
+                  <a:ext cx="317908" cy="338554"/>
+                </a:xfrm>
+                <a:prstGeom prst="rect">
+                  <a:avLst/>
+                </a:prstGeom>
+                <a:blipFill>
+                  <a:blip r:embed="rId22"/>
+                  <a:stretch>
+                    <a:fillRect/>
+                  </a:stretch>
+                </a:blipFill>
+              </p:spPr>
+              <p:txBody>
+                <a:bodyPr/>
+                <a:lstStyle/>
+                <a:p>
+                  <a:r>
+                    <a:rPr lang="en-US">
+                      <a:noFill/>
+                    </a:rPr>
+                    <a:t> </a:t>
+                  </a:r>
+                </a:p>
+              </p:txBody>
+            </p:sp>
+          </mc:Fallback>
+        </mc:AlternateContent>
+        <mc:AlternateContent xmlns:mc="http://schemas.openxmlformats.org/markup-compatibility/2006">
+          <mc:Choice xmlns:a14="http://schemas.microsoft.com/office/drawing/2010/main" Requires="a14">
+            <p:sp>
+              <p:nvSpPr>
+                <p:cNvPr id="283" name="文本框 15">
+                  <a:extLst>
+                    <a:ext uri="{FF2B5EF4-FFF2-40B4-BE49-F238E27FC236}">
+                      <a16:creationId xmlns:a16="http://schemas.microsoft.com/office/drawing/2014/main" id="{2F9294D4-8C50-06B4-E8B2-0041712A26B5}"/>
+                    </a:ext>
+                  </a:extLst>
+                </p:cNvPr>
+                <p:cNvSpPr txBox="1"/>
+                <p:nvPr/>
+              </p:nvSpPr>
+              <p:spPr>
+                <a:xfrm>
+                  <a:off x="5132893" y="4096318"/>
+                  <a:ext cx="179087" cy="222369"/>
+                </a:xfrm>
+                <a:prstGeom prst="rect">
+                  <a:avLst/>
+                </a:prstGeom>
+                <a:noFill/>
+              </p:spPr>
+              <p:txBody>
+                <a:bodyPr wrap="none" lIns="0" tIns="0" rIns="0" bIns="0" rtlCol="0">
+                  <a:spAutoFit/>
+                </a:bodyPr>
+                <a:lstStyle/>
+                <a:p>
+                  <a:pPr/>
+                  <a14:m>
+                    <m:oMathPara xmlns:m="http://schemas.openxmlformats.org/officeDocument/2006/math">
+                      <m:oMathParaPr>
+                        <m:jc m:val="centerGroup"/>
+                      </m:oMathParaPr>
+                      <m:oMath xmlns:m="http://schemas.openxmlformats.org/officeDocument/2006/math">
+                        <m:sSup>
+                          <m:sSupPr>
+                            <m:ctrlPr>
+                              <a:rPr lang="en-US" altLang="zh-CN" sz="1400" i="1" smtClean="0">
+                                <a:latin typeface="Cambria Math" panose="02040503050406030204" pitchFamily="18" charset="0"/>
+                              </a:rPr>
+                            </m:ctrlPr>
+                          </m:sSupPr>
+                          <m:e>
+                            <m:r>
+                              <a:rPr lang="en-US" altLang="zh-CN" sz="1400" b="0" i="1" smtClean="0">
+                                <a:latin typeface="Cambria Math" panose="02040503050406030204" pitchFamily="18" charset="0"/>
+                              </a:rPr>
+                              <m:t>𝑡</m:t>
+                            </m:r>
+                          </m:e>
+                          <m:sup>
+                            <m:r>
+                              <a:rPr lang="en-US" altLang="zh-CN" sz="1400" b="0" i="1" smtClean="0">
+                                <a:latin typeface="Cambria Math" panose="02040503050406030204" pitchFamily="18" charset="0"/>
+                              </a:rPr>
+                              <m:t>𝑖</m:t>
+                            </m:r>
+                          </m:sup>
+                        </m:sSup>
+                      </m:oMath>
+                    </m:oMathPara>
+                  </a14:m>
+                  <a:endParaRPr lang="zh-CN" altLang="en-US" sz="1400" dirty="0"/>
+                </a:p>
+              </p:txBody>
+            </p:sp>
+          </mc:Choice>
+          <mc:Fallback>
+            <p:sp>
+              <p:nvSpPr>
+                <p:cNvPr id="283" name="文本框 15">
+                  <a:extLst>
+                    <a:ext uri="{FF2B5EF4-FFF2-40B4-BE49-F238E27FC236}">
+                      <a16:creationId xmlns:a16="http://schemas.microsoft.com/office/drawing/2014/main" id="{2F9294D4-8C50-06B4-E8B2-0041712A26B5}"/>
+                    </a:ext>
+                  </a:extLst>
+                </p:cNvPr>
+                <p:cNvSpPr txBox="1">
+                  <a:spLocks noRot="1" noChangeAspect="1" noMove="1" noResize="1" noEditPoints="1" noAdjustHandles="1" noChangeArrowheads="1" noChangeShapeType="1" noTextEdit="1"/>
+                </p:cNvSpPr>
+                <p:nvPr/>
+              </p:nvSpPr>
+              <p:spPr>
+                <a:xfrm>
+                  <a:off x="5132893" y="4096318"/>
+                  <a:ext cx="179087" cy="222369"/>
+                </a:xfrm>
+                <a:prstGeom prst="rect">
+                  <a:avLst/>
+                </a:prstGeom>
+                <a:blipFill>
+                  <a:blip r:embed="rId14"/>
+                  <a:stretch>
+                    <a:fillRect l="-20690" r="-6897" b="-5405"/>
+                  </a:stretch>
+                </a:blipFill>
+              </p:spPr>
+              <p:txBody>
+                <a:bodyPr/>
+                <a:lstStyle/>
+                <a:p>
+                  <a:r>
+                    <a:rPr lang="en-US">
+                      <a:noFill/>
+                    </a:rPr>
+                    <a:t> </a:t>
+                  </a:r>
+                </a:p>
+              </p:txBody>
+            </p:sp>
+          </mc:Fallback>
+        </mc:AlternateContent>
+        <mc:AlternateContent xmlns:mc="http://schemas.openxmlformats.org/markup-compatibility/2006">
+          <mc:Choice xmlns:a14="http://schemas.microsoft.com/office/drawing/2010/main" Requires="a14">
+            <p:sp>
+              <p:nvSpPr>
+                <p:cNvPr id="284" name="文本框 15">
+                  <a:extLst>
+                    <a:ext uri="{FF2B5EF4-FFF2-40B4-BE49-F238E27FC236}">
+                      <a16:creationId xmlns:a16="http://schemas.microsoft.com/office/drawing/2014/main" id="{1FB39888-950E-BF9C-1E71-130EEBA55B64}"/>
+                    </a:ext>
+                  </a:extLst>
+                </p:cNvPr>
+                <p:cNvSpPr txBox="1"/>
+                <p:nvPr/>
+              </p:nvSpPr>
+              <p:spPr>
+                <a:xfrm>
+                  <a:off x="6358006" y="4096318"/>
+                  <a:ext cx="349006" cy="222369"/>
+                </a:xfrm>
+                <a:prstGeom prst="rect">
+                  <a:avLst/>
+                </a:prstGeom>
+                <a:noFill/>
+              </p:spPr>
+              <p:txBody>
+                <a:bodyPr wrap="none" lIns="0" tIns="0" rIns="0" bIns="0" rtlCol="0">
+                  <a:spAutoFit/>
+                </a:bodyPr>
+                <a:lstStyle/>
+                <a:p>
+                  <a:pPr/>
+                  <a14:m>
+                    <m:oMathPara xmlns:m="http://schemas.openxmlformats.org/officeDocument/2006/math">
+                      <m:oMathParaPr>
+                        <m:jc m:val="centerGroup"/>
+                      </m:oMathParaPr>
+                      <m:oMath xmlns:m="http://schemas.openxmlformats.org/officeDocument/2006/math">
+                        <m:sSup>
+                          <m:sSupPr>
+                            <m:ctrlPr>
+                              <a:rPr lang="en-US" altLang="zh-CN" sz="1400" i="1" smtClean="0">
+                                <a:latin typeface="Cambria Math" panose="02040503050406030204" pitchFamily="18" charset="0"/>
+                              </a:rPr>
+                            </m:ctrlPr>
+                          </m:sSupPr>
+                          <m:e>
+                            <m:r>
+                              <a:rPr lang="en-US" altLang="zh-CN" sz="1400" b="0" i="1" smtClean="0">
+                                <a:latin typeface="Cambria Math" panose="02040503050406030204" pitchFamily="18" charset="0"/>
+                              </a:rPr>
+                              <m:t>𝑡</m:t>
+                            </m:r>
+                          </m:e>
+                          <m:sup>
+                            <m:r>
+                              <a:rPr lang="en-US" altLang="zh-CN" sz="1400" b="0" i="1" smtClean="0">
+                                <a:latin typeface="Cambria Math" panose="02040503050406030204" pitchFamily="18" charset="0"/>
+                              </a:rPr>
+                              <m:t>𝑖</m:t>
+                            </m:r>
+                            <m:r>
+                              <a:rPr lang="en-US" altLang="zh-CN" sz="1400" b="0" i="1" smtClean="0">
+                                <a:latin typeface="Cambria Math" panose="02040503050406030204" pitchFamily="18" charset="0"/>
+                              </a:rPr>
+                              <m:t>+1</m:t>
+                            </m:r>
+                          </m:sup>
+                        </m:sSup>
+                      </m:oMath>
+                    </m:oMathPara>
+                  </a14:m>
+                  <a:endParaRPr lang="zh-CN" altLang="en-US" sz="1400" dirty="0"/>
+                </a:p>
+              </p:txBody>
+            </p:sp>
+          </mc:Choice>
+          <mc:Fallback>
+            <p:sp>
+              <p:nvSpPr>
+                <p:cNvPr id="284" name="文本框 15">
+                  <a:extLst>
+                    <a:ext uri="{FF2B5EF4-FFF2-40B4-BE49-F238E27FC236}">
+                      <a16:creationId xmlns:a16="http://schemas.microsoft.com/office/drawing/2014/main" id="{1FB39888-950E-BF9C-1E71-130EEBA55B64}"/>
+                    </a:ext>
+                  </a:extLst>
+                </p:cNvPr>
+                <p:cNvSpPr txBox="1">
+                  <a:spLocks noRot="1" noChangeAspect="1" noMove="1" noResize="1" noEditPoints="1" noAdjustHandles="1" noChangeArrowheads="1" noChangeShapeType="1" noTextEdit="1"/>
+                </p:cNvSpPr>
+                <p:nvPr/>
+              </p:nvSpPr>
+              <p:spPr>
+                <a:xfrm>
+                  <a:off x="6358006" y="4096318"/>
+                  <a:ext cx="349006" cy="222369"/>
+                </a:xfrm>
+                <a:prstGeom prst="rect">
+                  <a:avLst/>
+                </a:prstGeom>
+                <a:blipFill>
+                  <a:blip r:embed="rId23"/>
+                  <a:stretch>
+                    <a:fillRect l="-12281" r="-3509" b="-5405"/>
+                  </a:stretch>
+                </a:blipFill>
+              </p:spPr>
+              <p:txBody>
+                <a:bodyPr/>
+                <a:lstStyle/>
+                <a:p>
+                  <a:r>
+                    <a:rPr lang="en-US">
+                      <a:noFill/>
+                    </a:rPr>
+                    <a:t> </a:t>
+                  </a:r>
+                </a:p>
+              </p:txBody>
+            </p:sp>
+          </mc:Fallback>
+        </mc:AlternateContent>
+        <mc:AlternateContent xmlns:mc="http://schemas.openxmlformats.org/markup-compatibility/2006">
+          <mc:Choice xmlns:a14="http://schemas.microsoft.com/office/drawing/2010/main" Requires="a14">
+            <p:sp>
+              <p:nvSpPr>
+                <p:cNvPr id="285" name="文本框 25">
+                  <a:extLst>
+                    <a:ext uri="{FF2B5EF4-FFF2-40B4-BE49-F238E27FC236}">
+                      <a16:creationId xmlns:a16="http://schemas.microsoft.com/office/drawing/2014/main" id="{86AA9D5F-E2B6-B870-E0BA-501BA5B76D21}"/>
+                    </a:ext>
+                  </a:extLst>
+                </p:cNvPr>
+                <p:cNvSpPr txBox="1"/>
+                <p:nvPr/>
+              </p:nvSpPr>
+              <p:spPr>
+                <a:xfrm>
+                  <a:off x="4221293" y="2768376"/>
+                  <a:ext cx="394852" cy="338554"/>
+                </a:xfrm>
+                <a:prstGeom prst="rect">
+                  <a:avLst/>
+                </a:prstGeom>
+                <a:noFill/>
+              </p:spPr>
+              <p:txBody>
+                <a:bodyPr wrap="none" rtlCol="0">
+                  <a:spAutoFit/>
+                </a:bodyPr>
+                <a:lstStyle/>
+                <a:p>
+                  <a14:m>
+                    <m:oMathPara xmlns:m="http://schemas.openxmlformats.org/officeDocument/2006/math">
+                      <m:oMathParaPr>
+                        <m:jc m:val="centerGroup"/>
+                      </m:oMathParaPr>
+                      <m:oMath xmlns:m="http://schemas.openxmlformats.org/officeDocument/2006/math">
+                        <m:r>
+                          <a:rPr lang="en-US" altLang="zh-CN" sz="1600" i="1" dirty="0" smtClean="0">
+                            <a:latin typeface="Cambria Math" panose="02040503050406030204" pitchFamily="18" charset="0"/>
+                            <a:cs typeface="Times New Roman" panose="02020603050405020304" pitchFamily="18" charset="0"/>
+                          </a:rPr>
+                          <m:t>𝑎</m:t>
+                        </m:r>
+                        <m:r>
+                          <a:rPr lang="en-US" altLang="zh-CN" sz="1600" i="1" dirty="0" smtClean="0">
+                            <a:latin typeface="Cambria Math" panose="02040503050406030204" pitchFamily="18" charset="0"/>
+                            <a:cs typeface="Times New Roman" panose="02020603050405020304" pitchFamily="18" charset="0"/>
+                          </a:rPr>
+                          <m:t> </m:t>
+                        </m:r>
+                      </m:oMath>
+                    </m:oMathPara>
+                  </a14:m>
+                  <a:endParaRPr lang="zh-CN" altLang="en-US" sz="1600" dirty="0">
+                    <a:cs typeface="Times New Roman" panose="02020603050405020304" pitchFamily="18" charset="0"/>
+                  </a:endParaRPr>
+                </a:p>
+              </p:txBody>
+            </p:sp>
+          </mc:Choice>
+          <mc:Fallback>
+            <p:sp>
+              <p:nvSpPr>
+                <p:cNvPr id="285" name="文本框 25">
+                  <a:extLst>
+                    <a:ext uri="{FF2B5EF4-FFF2-40B4-BE49-F238E27FC236}">
+                      <a16:creationId xmlns:a16="http://schemas.microsoft.com/office/drawing/2014/main" id="{86AA9D5F-E2B6-B870-E0BA-501BA5B76D21}"/>
+                    </a:ext>
+                  </a:extLst>
+                </p:cNvPr>
+                <p:cNvSpPr txBox="1">
+                  <a:spLocks noRot="1" noChangeAspect="1" noMove="1" noResize="1" noEditPoints="1" noAdjustHandles="1" noChangeArrowheads="1" noChangeShapeType="1" noTextEdit="1"/>
+                </p:cNvSpPr>
+                <p:nvPr/>
+              </p:nvSpPr>
+              <p:spPr>
+                <a:xfrm>
+                  <a:off x="4221293" y="2768376"/>
+                  <a:ext cx="394852" cy="338554"/>
+                </a:xfrm>
+                <a:prstGeom prst="rect">
+                  <a:avLst/>
+                </a:prstGeom>
+                <a:blipFill>
+                  <a:blip r:embed="rId24"/>
+                  <a:stretch>
+                    <a:fillRect/>
+                  </a:stretch>
+                </a:blipFill>
+              </p:spPr>
+              <p:txBody>
+                <a:bodyPr/>
+                <a:lstStyle/>
+                <a:p>
+                  <a:r>
+                    <a:rPr lang="en-US">
+                      <a:noFill/>
+                    </a:rPr>
+                    <a:t> </a:t>
+                  </a:r>
+                </a:p>
+              </p:txBody>
+            </p:sp>
+          </mc:Fallback>
+        </mc:AlternateContent>
+        <mc:AlternateContent xmlns:mc="http://schemas.openxmlformats.org/markup-compatibility/2006">
+          <mc:Choice xmlns:a14="http://schemas.microsoft.com/office/drawing/2010/main" Requires="a14">
+            <p:sp>
+              <p:nvSpPr>
+                <p:cNvPr id="286" name="文本框 26">
+                  <a:extLst>
+                    <a:ext uri="{FF2B5EF4-FFF2-40B4-BE49-F238E27FC236}">
+                      <a16:creationId xmlns:a16="http://schemas.microsoft.com/office/drawing/2014/main" id="{F71CD7E2-E8C5-E76F-3FDB-B8C81D89A1A3}"/>
+                    </a:ext>
+                  </a:extLst>
+                </p:cNvPr>
+                <p:cNvSpPr txBox="1"/>
+                <p:nvPr/>
+              </p:nvSpPr>
+              <p:spPr>
+                <a:xfrm>
+                  <a:off x="4215965" y="1528987"/>
+                  <a:ext cx="394275" cy="338554"/>
+                </a:xfrm>
+                <a:prstGeom prst="rect">
+                  <a:avLst/>
+                </a:prstGeom>
+                <a:noFill/>
+              </p:spPr>
+              <p:txBody>
+                <a:bodyPr wrap="none" rtlCol="0">
+                  <a:spAutoFit/>
+                </a:bodyPr>
+                <a:lstStyle/>
+                <a:p>
+                  <a:pPr/>
+                  <a14:m>
+                    <m:oMathPara xmlns:m="http://schemas.openxmlformats.org/officeDocument/2006/math">
+                      <m:oMathParaPr>
+                        <m:jc m:val="center"/>
+                      </m:oMathParaPr>
+                      <m:oMath xmlns:m="http://schemas.openxmlformats.org/officeDocument/2006/math">
+                        <m:r>
+                          <a:rPr lang="en-US" altLang="zh-CN" sz="1600" i="1" dirty="0" smtClean="0">
+                            <a:latin typeface="Cambria Math" panose="02040503050406030204" pitchFamily="18" charset="0"/>
+                            <a:cs typeface="Times New Roman" panose="02020603050405020304" pitchFamily="18" charset="0"/>
+                          </a:rPr>
+                          <m:t>𝑣</m:t>
+                        </m:r>
+                        <m:r>
+                          <a:rPr lang="en-US" altLang="zh-CN" sz="1600" i="1" dirty="0" smtClean="0">
+                            <a:latin typeface="Cambria Math" panose="02040503050406030204" pitchFamily="18" charset="0"/>
+                            <a:cs typeface="Times New Roman" panose="02020603050405020304" pitchFamily="18" charset="0"/>
+                          </a:rPr>
+                          <m:t> </m:t>
+                        </m:r>
+                      </m:oMath>
+                    </m:oMathPara>
+                  </a14:m>
+                  <a:endParaRPr lang="zh-CN" altLang="en-US" sz="1600" dirty="0">
+                    <a:cs typeface="Times New Roman" panose="02020603050405020304" pitchFamily="18" charset="0"/>
+                  </a:endParaRPr>
+                </a:p>
+              </p:txBody>
+            </p:sp>
+          </mc:Choice>
+          <mc:Fallback>
+            <p:sp>
+              <p:nvSpPr>
+                <p:cNvPr id="286" name="文本框 26">
+                  <a:extLst>
+                    <a:ext uri="{FF2B5EF4-FFF2-40B4-BE49-F238E27FC236}">
+                      <a16:creationId xmlns:a16="http://schemas.microsoft.com/office/drawing/2014/main" id="{F71CD7E2-E8C5-E76F-3FDB-B8C81D89A1A3}"/>
+                    </a:ext>
+                  </a:extLst>
+                </p:cNvPr>
+                <p:cNvSpPr txBox="1">
+                  <a:spLocks noRot="1" noChangeAspect="1" noMove="1" noResize="1" noEditPoints="1" noAdjustHandles="1" noChangeArrowheads="1" noChangeShapeType="1" noTextEdit="1"/>
+                </p:cNvSpPr>
+                <p:nvPr/>
+              </p:nvSpPr>
+              <p:spPr>
+                <a:xfrm>
+                  <a:off x="4215965" y="1528987"/>
+                  <a:ext cx="394275" cy="338554"/>
+                </a:xfrm>
+                <a:prstGeom prst="rect">
+                  <a:avLst/>
+                </a:prstGeom>
+                <a:blipFill>
+                  <a:blip r:embed="rId25"/>
+                  <a:stretch>
+                    <a:fillRect/>
+                  </a:stretch>
+                </a:blipFill>
+              </p:spPr>
+              <p:txBody>
+                <a:bodyPr/>
+                <a:lstStyle/>
+                <a:p>
+                  <a:r>
+                    <a:rPr lang="en-US">
+                      <a:noFill/>
+                    </a:rPr>
+                    <a:t> </a:t>
+                  </a:r>
+                </a:p>
+              </p:txBody>
+            </p:sp>
+          </mc:Fallback>
+        </mc:AlternateContent>
+        <mc:AlternateContent xmlns:mc="http://schemas.openxmlformats.org/markup-compatibility/2006">
+          <mc:Choice xmlns:a14="http://schemas.microsoft.com/office/drawing/2010/main" Requires="a14">
+            <p:sp>
+              <p:nvSpPr>
+                <p:cNvPr id="287" name="文本框 27">
+                  <a:extLst>
+                    <a:ext uri="{FF2B5EF4-FFF2-40B4-BE49-F238E27FC236}">
+                      <a16:creationId xmlns:a16="http://schemas.microsoft.com/office/drawing/2014/main" id="{5FD8E2D8-1543-EF44-B444-09A16C447134}"/>
+                    </a:ext>
+                  </a:extLst>
+                </p:cNvPr>
+                <p:cNvSpPr txBox="1"/>
+                <p:nvPr/>
+              </p:nvSpPr>
+              <p:spPr>
+                <a:xfrm>
+                  <a:off x="4263102" y="262003"/>
+                  <a:ext cx="347466" cy="338554"/>
+                </a:xfrm>
+                <a:prstGeom prst="rect">
+                  <a:avLst/>
+                </a:prstGeom>
+                <a:noFill/>
+              </p:spPr>
+              <p:txBody>
+                <a:bodyPr wrap="none" rtlCol="0">
+                  <a:spAutoFit/>
+                </a:bodyPr>
+                <a:lstStyle/>
+                <a:p>
+                  <a:pPr algn="ctr"/>
+                  <a14:m>
+                    <m:oMathPara xmlns:m="http://schemas.openxmlformats.org/officeDocument/2006/math">
+                      <m:oMathParaPr>
+                        <m:jc m:val="center"/>
+                      </m:oMathParaPr>
+                      <m:oMath xmlns:m="http://schemas.openxmlformats.org/officeDocument/2006/math">
+                        <m:r>
+                          <a:rPr lang="en-US" altLang="zh-CN" sz="1600" b="0" i="1" smtClean="0">
+                            <a:latin typeface="Cambria Math" panose="02040503050406030204" pitchFamily="18" charset="0"/>
+                            <a:cs typeface="Times New Roman" panose="02020603050405020304" pitchFamily="18" charset="0"/>
+                          </a:rPr>
+                          <m:t>𝑝</m:t>
+                        </m:r>
+                      </m:oMath>
+                    </m:oMathPara>
+                  </a14:m>
+                  <a:endParaRPr lang="zh-CN" altLang="en-US" sz="1600" dirty="0">
+                    <a:cs typeface="Times New Roman" panose="02020603050405020304" pitchFamily="18" charset="0"/>
+                  </a:endParaRPr>
+                </a:p>
+              </p:txBody>
+            </p:sp>
+          </mc:Choice>
+          <mc:Fallback>
+            <p:sp>
+              <p:nvSpPr>
+                <p:cNvPr id="287" name="文本框 27">
+                  <a:extLst>
+                    <a:ext uri="{FF2B5EF4-FFF2-40B4-BE49-F238E27FC236}">
+                      <a16:creationId xmlns:a16="http://schemas.microsoft.com/office/drawing/2014/main" id="{5FD8E2D8-1543-EF44-B444-09A16C447134}"/>
+                    </a:ext>
+                  </a:extLst>
+                </p:cNvPr>
+                <p:cNvSpPr txBox="1">
+                  <a:spLocks noRot="1" noChangeAspect="1" noMove="1" noResize="1" noEditPoints="1" noAdjustHandles="1" noChangeArrowheads="1" noChangeShapeType="1" noTextEdit="1"/>
+                </p:cNvSpPr>
+                <p:nvPr/>
+              </p:nvSpPr>
+              <p:spPr>
+                <a:xfrm>
+                  <a:off x="4263102" y="262003"/>
+                  <a:ext cx="347466" cy="338554"/>
+                </a:xfrm>
+                <a:prstGeom prst="rect">
+                  <a:avLst/>
+                </a:prstGeom>
+                <a:blipFill>
+                  <a:blip r:embed="rId26"/>
+                  <a:stretch>
+                    <a:fillRect b="-3571"/>
+                  </a:stretch>
+                </a:blipFill>
+              </p:spPr>
+              <p:txBody>
+                <a:bodyPr/>
+                <a:lstStyle/>
+                <a:p>
+                  <a:r>
+                    <a:rPr lang="en-US">
+                      <a:noFill/>
+                    </a:rPr>
+                    <a:t> </a:t>
+                  </a:r>
+                </a:p>
+              </p:txBody>
+            </p:sp>
+          </mc:Fallback>
+        </mc:AlternateContent>
+        <p:sp>
+          <p:nvSpPr>
+            <p:cNvPr id="288" name="矩形 22">
+              <a:extLst>
+                <a:ext uri="{FF2B5EF4-FFF2-40B4-BE49-F238E27FC236}">
+                  <a16:creationId xmlns:a16="http://schemas.microsoft.com/office/drawing/2014/main" id="{7E7F9966-629A-148C-785F-9F9C862DD5DA}"/>
+                </a:ext>
+              </a:extLst>
+            </p:cNvPr>
+            <p:cNvSpPr/>
+            <p:nvPr/>
+          </p:nvSpPr>
+          <p:spPr>
+            <a:xfrm>
+              <a:off x="6490371" y="497549"/>
+              <a:ext cx="1038953" cy="3591010"/>
+            </a:xfrm>
+            <a:prstGeom prst="rect">
+              <a:avLst/>
+            </a:prstGeom>
+            <a:solidFill>
+              <a:srgbClr val="2ABA16">
+                <a:alpha val="10000"/>
+              </a:srgbClr>
+            </a:solidFill>
+            <a:ln>
+              <a:noFill/>
+            </a:ln>
+          </p:spPr>
+          <p:style>
+            <a:lnRef idx="2">
+              <a:schemeClr val="accent1">
+                <a:shade val="50000"/>
+              </a:schemeClr>
+            </a:lnRef>
+            <a:fillRef idx="1">
+              <a:schemeClr val="accent1"/>
+            </a:fillRef>
+            <a:effectRef idx="0">
+              <a:schemeClr val="accent1"/>
+            </a:effectRef>
+            <a:fontRef idx="minor">
+              <a:schemeClr val="lt1"/>
+            </a:fontRef>
+          </p:style>
+          <p:txBody>
+            <a:bodyPr rtlCol="0" anchor="ctr"/>
+            <a:lstStyle/>
+            <a:p>
+              <a:pPr algn="ctr"/>
+              <a:r>
+                <a:rPr lang="en-US" altLang="zh-CN" sz="1200" dirty="0">
+                  <a:solidFill>
+                    <a:srgbClr val="2ABA16"/>
+                  </a:solidFill>
+                </a:rPr>
+                <a:t>No overshoot</a:t>
+              </a:r>
+            </a:p>
+            <a:p>
+              <a:pPr algn="ctr"/>
+              <a:endParaRPr lang="en-US" altLang="zh-CN" sz="1200" dirty="0">
+                <a:solidFill>
+                  <a:srgbClr val="2ABA16"/>
+                </a:solidFill>
+              </a:endParaRPr>
+            </a:p>
+            <a:p>
+              <a:pPr algn="ctr"/>
+              <a:endParaRPr lang="en-US" altLang="zh-CN" sz="1200" dirty="0">
+                <a:solidFill>
+                  <a:srgbClr val="2ABA16"/>
+                </a:solidFill>
+              </a:endParaRPr>
+            </a:p>
+            <a:p>
+              <a:pPr algn="ctr"/>
+              <a:endParaRPr lang="en-US" altLang="zh-CN" sz="1200" dirty="0">
+                <a:solidFill>
+                  <a:srgbClr val="2ABA16"/>
+                </a:solidFill>
+              </a:endParaRPr>
+            </a:p>
+            <a:p>
+              <a:pPr algn="ctr"/>
+              <a:endParaRPr lang="en-US" altLang="zh-CN" sz="1200" dirty="0">
+                <a:solidFill>
+                  <a:srgbClr val="2ABA16"/>
+                </a:solidFill>
+              </a:endParaRPr>
+            </a:p>
+            <a:p>
+              <a:pPr algn="ctr"/>
+              <a:endParaRPr lang="en-US" altLang="zh-CN" sz="1200" dirty="0">
+                <a:solidFill>
+                  <a:srgbClr val="2ABA16"/>
+                </a:solidFill>
+              </a:endParaRPr>
+            </a:p>
+            <a:p>
+              <a:pPr algn="ctr"/>
+              <a:endParaRPr lang="en-US" altLang="zh-CN" sz="1200" dirty="0">
+                <a:solidFill>
+                  <a:srgbClr val="2ABA16"/>
+                </a:solidFill>
+              </a:endParaRPr>
+            </a:p>
+            <a:p>
+              <a:pPr algn="ctr"/>
+              <a:endParaRPr lang="en-US" altLang="zh-CN" sz="1200" dirty="0">
+                <a:solidFill>
+                  <a:srgbClr val="2ABA16"/>
+                </a:solidFill>
+              </a:endParaRPr>
+            </a:p>
+            <a:p>
+              <a:pPr algn="ctr"/>
+              <a:endParaRPr lang="en-US" altLang="zh-CN" sz="1200" dirty="0">
+                <a:solidFill>
+                  <a:srgbClr val="2ABA16"/>
+                </a:solidFill>
+              </a:endParaRPr>
+            </a:p>
+            <a:p>
+              <a:pPr algn="ctr"/>
+              <a:endParaRPr lang="en-US" altLang="zh-CN" sz="1400" dirty="0">
+                <a:solidFill>
+                  <a:srgbClr val="2ABA16"/>
+                </a:solidFill>
+              </a:endParaRPr>
+            </a:p>
+            <a:p>
+              <a:pPr algn="ctr"/>
+              <a:endParaRPr lang="en-US" altLang="zh-CN" sz="600" dirty="0">
+                <a:solidFill>
+                  <a:srgbClr val="2ABA16"/>
+                </a:solidFill>
+              </a:endParaRPr>
+            </a:p>
+            <a:p>
+              <a:pPr algn="ctr"/>
+              <a:endParaRPr lang="en-US" altLang="zh-CN" sz="1400" dirty="0">
+                <a:solidFill>
+                  <a:srgbClr val="2ABA16"/>
+                </a:solidFill>
+              </a:endParaRPr>
+            </a:p>
+            <a:p>
+              <a:pPr algn="ctr"/>
+              <a:endParaRPr lang="en-US" altLang="zh-CN" sz="1400" dirty="0">
+                <a:solidFill>
+                  <a:srgbClr val="2ABA16"/>
+                </a:solidFill>
+              </a:endParaRPr>
+            </a:p>
+            <a:p>
+              <a:pPr algn="ctr"/>
+              <a:endParaRPr lang="en-US" altLang="zh-CN" sz="1400" dirty="0">
+                <a:solidFill>
+                  <a:srgbClr val="2ABA16"/>
+                </a:solidFill>
+              </a:endParaRPr>
+            </a:p>
+            <a:p>
+              <a:pPr algn="ctr"/>
+              <a:endParaRPr lang="en-US" altLang="zh-CN" sz="1400" dirty="0">
+                <a:solidFill>
+                  <a:srgbClr val="2ABA16"/>
+                </a:solidFill>
+              </a:endParaRPr>
+            </a:p>
+            <a:p>
+              <a:pPr algn="ctr"/>
+              <a:endParaRPr lang="zh-CN" altLang="en-US" sz="1200" dirty="0">
+                <a:solidFill>
+                  <a:srgbClr val="2ABA16"/>
+                </a:solidFill>
+              </a:endParaRPr>
+            </a:p>
+          </p:txBody>
+        </p:sp>
+        <p:cxnSp>
+          <p:nvCxnSpPr>
+            <p:cNvPr id="289" name="直接连接符 4">
+              <a:extLst>
+                <a:ext uri="{FF2B5EF4-FFF2-40B4-BE49-F238E27FC236}">
+                  <a16:creationId xmlns:a16="http://schemas.microsoft.com/office/drawing/2014/main" id="{4D4CD326-C382-FAFE-B214-4ACF0A18612B}"/>
+                </a:ext>
+              </a:extLst>
+            </p:cNvPr>
+            <p:cNvCxnSpPr>
+              <a:cxnSpLocks/>
+            </p:cNvCxnSpPr>
+            <p:nvPr/>
+          </p:nvCxnSpPr>
+          <p:spPr>
+            <a:xfrm>
+              <a:off x="1290544" y="2235368"/>
+              <a:ext cx="0" cy="60723"/>
+            </a:xfrm>
+            <a:prstGeom prst="line">
+              <a:avLst/>
+            </a:prstGeom>
+            <a:ln w="12700">
+              <a:solidFill>
+                <a:schemeClr val="tx1"/>
+              </a:solidFill>
+              <a:prstDash val="sysDash"/>
+            </a:ln>
+          </p:spPr>
+          <p:style>
+            <a:lnRef idx="1">
+              <a:schemeClr val="accent1"/>
+            </a:lnRef>
+            <a:fillRef idx="0">
+              <a:schemeClr val="accent1"/>
+            </a:fillRef>
+            <a:effectRef idx="0">
+              <a:schemeClr val="accent1"/>
+            </a:effectRef>
+            <a:fontRef idx="minor">
+              <a:schemeClr val="tx1"/>
+            </a:fontRef>
+          </p:style>
+        </p:cxnSp>
+        <p:sp>
+          <p:nvSpPr>
+            <p:cNvPr id="290" name="Freeform: Shape 289">
+              <a:extLst>
+                <a:ext uri="{FF2B5EF4-FFF2-40B4-BE49-F238E27FC236}">
+                  <a16:creationId xmlns:a16="http://schemas.microsoft.com/office/drawing/2014/main" id="{C997A21B-7B6D-2E64-2530-E26DCAF246FE}"/>
+                </a:ext>
+              </a:extLst>
+            </p:cNvPr>
+            <p:cNvSpPr/>
+            <p:nvPr/>
+          </p:nvSpPr>
+          <p:spPr>
+            <a:xfrm>
+              <a:off x="1300278" y="2031206"/>
+              <a:ext cx="459465" cy="257908"/>
+            </a:xfrm>
+            <a:custGeom>
+              <a:avLst/>
+              <a:gdLst>
+                <a:gd name="connsiteX0" fmla="*/ 450057 w 453086"/>
+                <a:gd name="connsiteY0" fmla="*/ 0 h 250032"/>
+                <a:gd name="connsiteX1" fmla="*/ 0 w 453086"/>
+                <a:gd name="connsiteY1" fmla="*/ 221457 h 250032"/>
+                <a:gd name="connsiteX2" fmla="*/ 0 w 453086"/>
+                <a:gd name="connsiteY2" fmla="*/ 250032 h 250032"/>
+                <a:gd name="connsiteX3" fmla="*/ 452438 w 453086"/>
+                <a:gd name="connsiteY3" fmla="*/ 250032 h 250032"/>
+                <a:gd name="connsiteX4" fmla="*/ 450057 w 453086"/>
+                <a:gd name="connsiteY4" fmla="*/ 0 h 250032"/>
+              </a:gdLst>
+              <a:ahLst/>
+              <a:cxnLst>
+                <a:cxn ang="0">
+                  <a:pos x="connsiteX0" y="connsiteY0"/>
+                </a:cxn>
+                <a:cxn ang="0">
+                  <a:pos x="connsiteX1" y="connsiteY1"/>
+                </a:cxn>
+                <a:cxn ang="0">
+                  <a:pos x="connsiteX2" y="connsiteY2"/>
+                </a:cxn>
+                <a:cxn ang="0">
+                  <a:pos x="connsiteX3" y="connsiteY3"/>
+                </a:cxn>
+                <a:cxn ang="0">
+                  <a:pos x="connsiteX4" y="connsiteY4"/>
+                </a:cxn>
+              </a:cxnLst>
+              <a:rect l="l" t="t" r="r" b="b"/>
+              <a:pathLst>
+                <a:path w="453086" h="250032">
+                  <a:moveTo>
+                    <a:pt x="450057" y="0"/>
+                  </a:moveTo>
+                  <a:lnTo>
+                    <a:pt x="0" y="221457"/>
+                  </a:lnTo>
+                  <a:lnTo>
+                    <a:pt x="0" y="250032"/>
+                  </a:lnTo>
+                  <a:lnTo>
+                    <a:pt x="452438" y="250032"/>
+                  </a:lnTo>
+                  <a:cubicBezTo>
+                    <a:pt x="453232" y="168276"/>
+                    <a:pt x="454025" y="86519"/>
+                    <a:pt x="450057" y="0"/>
+                  </a:cubicBezTo>
+                  <a:close/>
+                </a:path>
+              </a:pathLst>
+            </a:custGeom>
+            <a:pattFill prst="pct20">
+              <a:fgClr>
+                <a:schemeClr val="accent1"/>
+              </a:fgClr>
+              <a:bgClr>
+                <a:schemeClr val="bg1"/>
+              </a:bgClr>
+            </a:pattFill>
+            <a:ln>
+              <a:noFill/>
+            </a:ln>
+          </p:spPr>
+          <p:style>
+            <a:lnRef idx="2">
+              <a:schemeClr val="accent1">
+                <a:shade val="50000"/>
+              </a:schemeClr>
+            </a:lnRef>
+            <a:fillRef idx="1">
+              <a:schemeClr val="accent1"/>
+            </a:fillRef>
+            <a:effectRef idx="0">
+              <a:schemeClr val="accent1"/>
+            </a:effectRef>
+            <a:fontRef idx="minor">
+              <a:schemeClr val="lt1"/>
+            </a:fontRef>
+          </p:style>
+          <p:txBody>
+            <a:bodyPr rtlCol="0" anchor="ctr"/>
+            <a:lstStyle/>
+            <a:p>
+              <a:pPr algn="ctr"/>
+              <a:endParaRPr lang="en-US" sz="1050" dirty="0">
+                <a:solidFill>
+                  <a:sysClr val="windowText" lastClr="000000"/>
+                </a:solidFill>
+              </a:endParaRPr>
+            </a:p>
+          </p:txBody>
+        </p:sp>
+        <mc:AlternateContent xmlns:mc="http://schemas.openxmlformats.org/markup-compatibility/2006">
+          <mc:Choice xmlns:a14="http://schemas.microsoft.com/office/drawing/2010/main" Requires="a14">
+            <p:sp>
+              <p:nvSpPr>
+                <p:cNvPr id="291" name="文本框 48">
+                  <a:extLst>
+                    <a:ext uri="{FF2B5EF4-FFF2-40B4-BE49-F238E27FC236}">
+                      <a16:creationId xmlns:a16="http://schemas.microsoft.com/office/drawing/2014/main" id="{D3E63DD5-FB55-2308-383E-0E9F0361336D}"/>
+                    </a:ext>
+                  </a:extLst>
+                </p:cNvPr>
+                <p:cNvSpPr txBox="1"/>
+                <p:nvPr/>
+              </p:nvSpPr>
+              <p:spPr>
+                <a:xfrm>
+                  <a:off x="1557249" y="2052630"/>
+                  <a:ext cx="150851" cy="215444"/>
+                </a:xfrm>
+                <a:prstGeom prst="rect">
+                  <a:avLst/>
+                </a:prstGeom>
+                <a:noFill/>
+              </p:spPr>
+              <p:txBody>
+                <a:bodyPr wrap="square" lIns="0" tIns="0" rIns="0" bIns="0" rtlCol="0">
+                  <a:spAutoFit/>
+                </a:bodyPr>
+                <a:lstStyle/>
+                <a:p>
+                  <a:pPr/>
                   <a14:m>
                     <m:oMathPara xmlns:m="http://schemas.openxmlformats.org/officeDocument/2006/math">
                       <m:oMathParaPr>
@@ -6161,10 +7790,10 @@
           <mc:Fallback>
             <p:sp>
               <p:nvSpPr>
-                <p:cNvPr id="49" name="文本框 48">
+                <p:cNvPr id="291" name="文本框 48">
                   <a:extLst>
                     <a:ext uri="{FF2B5EF4-FFF2-40B4-BE49-F238E27FC236}">
-                      <a16:creationId xmlns:a16="http://schemas.microsoft.com/office/drawing/2014/main" id="{E7F329D0-A4A7-98E6-7CB2-FC147A10A204}"/>
+                      <a16:creationId xmlns:a16="http://schemas.microsoft.com/office/drawing/2014/main" id="{D3E63DD5-FB55-2308-383E-0E9F0361336D}"/>
                     </a:ext>
                   </a:extLst>
                 </p:cNvPr>
@@ -6175,16 +7804,16 @@
               </p:nvSpPr>
               <p:spPr>
                 <a:xfrm>
-                  <a:off x="1504762" y="1969286"/>
-                  <a:ext cx="197683" cy="215444"/>
+                  <a:off x="1557249" y="2052630"/>
+                  <a:ext cx="150851" cy="215444"/>
                 </a:xfrm>
                 <a:prstGeom prst="rect">
                   <a:avLst/>
                 </a:prstGeom>
                 <a:blipFill>
-                  <a:blip r:embed="rId16"/>
+                  <a:blip r:embed="rId27"/>
                   <a:stretch>
-                    <a:fillRect l="-12500" r="-6250" b="-14286"/>
+                    <a:fillRect l="-28000" r="-20000" b="-11111"/>
                   </a:stretch>
                 </a:blipFill>
               </p:spPr>
@@ -6193,7 +7822,7 @@
                 <a:lstStyle/>
                 <a:p>
                   <a:r>
-                    <a:rPr lang="zh-CN" altLang="en-US">
+                    <a:rPr lang="en-US">
                       <a:noFill/>
                     </a:rPr>
                     <a:t> </a:t>
@@ -6203,14 +7832,71 @@
             </p:sp>
           </mc:Fallback>
         </mc:AlternateContent>
+        <p:sp>
+          <p:nvSpPr>
+            <p:cNvPr id="292" name="Rectangle 291">
+              <a:extLst>
+                <a:ext uri="{FF2B5EF4-FFF2-40B4-BE49-F238E27FC236}">
+                  <a16:creationId xmlns:a16="http://schemas.microsoft.com/office/drawing/2014/main" id="{B8A7B0C1-A4E6-CE3F-5915-7DC8B1CAC162}"/>
+                </a:ext>
+              </a:extLst>
+            </p:cNvPr>
+            <p:cNvSpPr/>
+            <p:nvPr/>
+          </p:nvSpPr>
+          <p:spPr>
+            <a:xfrm>
+              <a:off x="1757817" y="2030065"/>
+              <a:ext cx="792425" cy="255935"/>
+            </a:xfrm>
+            <a:prstGeom prst="rect">
+              <a:avLst/>
+            </a:prstGeom>
+            <a:pattFill prst="pct10">
+              <a:fgClr>
+                <a:schemeClr val="accent1"/>
+              </a:fgClr>
+              <a:bgClr>
+                <a:schemeClr val="bg1"/>
+              </a:bgClr>
+            </a:pattFill>
+            <a:ln>
+              <a:noFill/>
+            </a:ln>
+          </p:spPr>
+          <p:style>
+            <a:lnRef idx="2">
+              <a:schemeClr val="accent1">
+                <a:shade val="50000"/>
+              </a:schemeClr>
+            </a:lnRef>
+            <a:fillRef idx="1">
+              <a:schemeClr val="accent1"/>
+            </a:fillRef>
+            <a:effectRef idx="0">
+              <a:schemeClr val="accent1"/>
+            </a:effectRef>
+            <a:fontRef idx="minor">
+              <a:schemeClr val="lt1"/>
+            </a:fontRef>
+          </p:style>
+          <p:txBody>
+            <a:bodyPr rtlCol="0" anchor="ctr"/>
+            <a:lstStyle/>
+            <a:p>
+              <a:pPr algn="ctr"/>
+              <a:endParaRPr lang="en-US"/>
+            </a:p>
+          </p:txBody>
+        </p:sp>
         <mc:AlternateContent xmlns:mc="http://schemas.openxmlformats.org/markup-compatibility/2006">
           <mc:Choice xmlns:a14="http://schemas.microsoft.com/office/drawing/2010/main" Requires="a14">
             <p:sp>
               <p:nvSpPr>
-                <p:cNvPr id="50" name="文本框 49">
+                <p:cNvPr id="293" name="文本框 49">
                   <a:extLst>
                     <a:ext uri="{FF2B5EF4-FFF2-40B4-BE49-F238E27FC236}">
-                      <a16:creationId xmlns:a16="http://schemas.microsoft.com/office/drawing/2014/main" id="{7660F16C-AA89-14FB-6948-43D69D10A668}"/>
+                      <a16:creationId xmlns:a16="http://schemas.microsoft.com/office/drawing/2014/main" id="{C5D4E29D-59DB-E62D-FF46-31E40FDBE6A1}"/>
                     </a:ext>
                   </a:extLst>
                 </p:cNvPr>
@@ -6219,7 +7905,7 @@
               </p:nvSpPr>
               <p:spPr>
                 <a:xfrm>
-                  <a:off x="1996432" y="1954258"/>
+                  <a:off x="2058826" y="2044810"/>
                   <a:ext cx="201850" cy="215444"/>
                 </a:xfrm>
                 <a:prstGeom prst="rect">
@@ -6233,6 +7919,7 @@
                 </a:bodyPr>
                 <a:lstStyle/>
                 <a:p>
+                  <a:pPr/>
                   <a14:m>
                     <m:oMathPara xmlns:m="http://schemas.openxmlformats.org/officeDocument/2006/math">
                       <m:oMathParaPr>
@@ -6275,10 +7962,10 @@
           <mc:Fallback>
             <p:sp>
               <p:nvSpPr>
-                <p:cNvPr id="50" name="文本框 49">
+                <p:cNvPr id="293" name="文本框 49">
                   <a:extLst>
                     <a:ext uri="{FF2B5EF4-FFF2-40B4-BE49-F238E27FC236}">
-                      <a16:creationId xmlns:a16="http://schemas.microsoft.com/office/drawing/2014/main" id="{7660F16C-AA89-14FB-6948-43D69D10A668}"/>
+                      <a16:creationId xmlns:a16="http://schemas.microsoft.com/office/drawing/2014/main" id="{C5D4E29D-59DB-E62D-FF46-31E40FDBE6A1}"/>
                     </a:ext>
                   </a:extLst>
                 </p:cNvPr>
@@ -6289,16 +7976,16 @@
               </p:nvSpPr>
               <p:spPr>
                 <a:xfrm>
-                  <a:off x="1996432" y="1954258"/>
+                  <a:off x="2058826" y="2044810"/>
                   <a:ext cx="201850" cy="215444"/>
                 </a:xfrm>
                 <a:prstGeom prst="rect">
                   <a:avLst/>
                 </a:prstGeom>
                 <a:blipFill>
-                  <a:blip r:embed="rId17"/>
+                  <a:blip r:embed="rId28"/>
                   <a:stretch>
-                    <a:fillRect l="-15152" r="-3030" b="-11111"/>
+                    <a:fillRect l="-15152" r="-3030" b="-14286"/>
                   </a:stretch>
                 </a:blipFill>
               </p:spPr>
@@ -6307,7 +7994,7 @@
                 <a:lstStyle/>
                 <a:p>
                   <a:r>
-                    <a:rPr lang="zh-CN" altLang="en-US">
+                    <a:rPr lang="en-US">
                       <a:noFill/>
                     </a:rPr>
                     <a:t> </a:t>
@@ -6317,56 +8004,12 @@
             </p:sp>
           </mc:Fallback>
         </mc:AlternateContent>
-        <p:cxnSp>
-          <p:nvCxnSpPr>
-            <p:cNvPr id="5" name="直接连接符 4">
+        <p:sp>
+          <p:nvSpPr>
+            <p:cNvPr id="294" name="Freeform: Shape 293">
               <a:extLst>
                 <a:ext uri="{FF2B5EF4-FFF2-40B4-BE49-F238E27FC236}">
-                  <a16:creationId xmlns:a16="http://schemas.microsoft.com/office/drawing/2014/main" id="{468C5AC4-FB7F-336A-6501-AB1928B0710E}"/>
-                </a:ext>
-              </a:extLst>
-            </p:cNvPr>
-            <p:cNvCxnSpPr>
-              <a:cxnSpLocks/>
-            </p:cNvCxnSpPr>
-            <p:nvPr/>
-          </p:nvCxnSpPr>
-          <p:spPr>
-            <a:xfrm>
-              <a:off x="1720369" y="1936090"/>
-              <a:ext cx="0" cy="270061"/>
-            </a:xfrm>
-            <a:prstGeom prst="line">
-              <a:avLst/>
-            </a:prstGeom>
-            <a:ln w="12700">
-              <a:solidFill>
-                <a:schemeClr val="tx1"/>
-              </a:solidFill>
-              <a:prstDash val="sysDash"/>
-            </a:ln>
-          </p:spPr>
-          <p:style>
-            <a:lnRef idx="1">
-              <a:schemeClr val="accent1"/>
-            </a:lnRef>
-            <a:fillRef idx="0">
-              <a:schemeClr val="accent1"/>
-            </a:fillRef>
-            <a:effectRef idx="0">
-              <a:schemeClr val="accent1"/>
-            </a:effectRef>
-            <a:fontRef idx="minor">
-              <a:schemeClr val="tx1"/>
-            </a:fontRef>
-          </p:style>
-        </p:cxnSp>
-        <p:sp>
-          <p:nvSpPr>
-            <p:cNvPr id="9" name="矩形 8">
-              <a:extLst>
-                <a:ext uri="{FF2B5EF4-FFF2-40B4-BE49-F238E27FC236}">
-                  <a16:creationId xmlns:a16="http://schemas.microsoft.com/office/drawing/2014/main" id="{1B18CD97-88FF-A27B-6A88-07C30F86FACC}"/>
+                  <a16:creationId xmlns:a16="http://schemas.microsoft.com/office/drawing/2014/main" id="{087EBFC6-FBB8-463E-FB49-220508238684}"/>
                 </a:ext>
               </a:extLst>
             </p:cNvPr>
@@ -6375,17 +8018,63 @@
           </p:nvSpPr>
           <p:spPr>
             <a:xfrm>
-              <a:off x="2537846" y="1729106"/>
-              <a:ext cx="1065383" cy="970544"/>
+              <a:off x="2566576" y="2043113"/>
+              <a:ext cx="502854" cy="235744"/>
             </a:xfrm>
-            <a:prstGeom prst="rect">
+            <a:custGeom>
               <a:avLst/>
-            </a:prstGeom>
-            <a:solidFill>
-              <a:schemeClr val="accent1">
-                <a:alpha val="10000"/>
-              </a:schemeClr>
-            </a:solidFill>
+              <a:gdLst>
+                <a:gd name="connsiteX0" fmla="*/ 0 w 504825"/>
+                <a:gd name="connsiteY0" fmla="*/ 0 h 235744"/>
+                <a:gd name="connsiteX1" fmla="*/ 0 w 504825"/>
+                <a:gd name="connsiteY1" fmla="*/ 235744 h 235744"/>
+                <a:gd name="connsiteX2" fmla="*/ 504825 w 504825"/>
+                <a:gd name="connsiteY2" fmla="*/ 235744 h 235744"/>
+                <a:gd name="connsiteX3" fmla="*/ 0 w 504825"/>
+                <a:gd name="connsiteY3" fmla="*/ 0 h 235744"/>
+              </a:gdLst>
+              <a:ahLst/>
+              <a:cxnLst>
+                <a:cxn ang="0">
+                  <a:pos x="connsiteX0" y="connsiteY0"/>
+                </a:cxn>
+                <a:cxn ang="0">
+                  <a:pos x="connsiteX1" y="connsiteY1"/>
+                </a:cxn>
+                <a:cxn ang="0">
+                  <a:pos x="connsiteX2" y="connsiteY2"/>
+                </a:cxn>
+                <a:cxn ang="0">
+                  <a:pos x="connsiteX3" y="connsiteY3"/>
+                </a:cxn>
+              </a:cxnLst>
+              <a:rect l="l" t="t" r="r" b="b"/>
+              <a:pathLst>
+                <a:path w="504825" h="235744">
+                  <a:moveTo>
+                    <a:pt x="0" y="0"/>
+                  </a:moveTo>
+                  <a:lnTo>
+                    <a:pt x="0" y="235744"/>
+                  </a:lnTo>
+                  <a:lnTo>
+                    <a:pt x="504825" y="235744"/>
+                  </a:lnTo>
+                  <a:lnTo>
+                    <a:pt x="0" y="0"/>
+                  </a:lnTo>
+                  <a:close/>
+                </a:path>
+              </a:pathLst>
+            </a:custGeom>
+            <a:pattFill prst="pct10">
+              <a:fgClr>
+                <a:schemeClr val="accent1"/>
+              </a:fgClr>
+              <a:bgClr>
+                <a:schemeClr val="bg1"/>
+              </a:bgClr>
+            </a:pattFill>
             <a:ln>
               <a:noFill/>
             </a:ln>
@@ -6411,16 +8100,16 @@
             <a:lstStyle/>
             <a:p>
               <a:pPr algn="ctr"/>
-              <a:endParaRPr lang="zh-CN" altLang="en-US"/>
+              <a:endParaRPr lang="en-US"/>
             </a:p>
           </p:txBody>
         </p:sp>
         <p:sp>
           <p:nvSpPr>
-            <p:cNvPr id="15" name="矩形 14">
+            <p:cNvPr id="295" name="Freeform: Shape 294">
               <a:extLst>
                 <a:ext uri="{FF2B5EF4-FFF2-40B4-BE49-F238E27FC236}">
-                  <a16:creationId xmlns:a16="http://schemas.microsoft.com/office/drawing/2014/main" id="{13D94758-368E-0912-A160-6CCF4835FA87}"/>
+                  <a16:creationId xmlns:a16="http://schemas.microsoft.com/office/drawing/2014/main" id="{2542B03E-84D7-8118-5E31-E314458C5B52}"/>
                 </a:ext>
               </a:extLst>
             </p:cNvPr>
@@ -6429,17 +8118,71 @@
           </p:nvSpPr>
           <p:spPr>
             <a:xfrm>
-              <a:off x="2527212" y="3042931"/>
-              <a:ext cx="1073400" cy="970544"/>
+              <a:off x="3178969" y="2300288"/>
+              <a:ext cx="443256" cy="94585"/>
             </a:xfrm>
-            <a:prstGeom prst="rect">
+            <a:custGeom>
               <a:avLst/>
-            </a:prstGeom>
-            <a:solidFill>
-              <a:schemeClr val="accent1">
-                <a:alpha val="10000"/>
-              </a:schemeClr>
-            </a:solidFill>
+              <a:gdLst>
+                <a:gd name="connsiteX0" fmla="*/ 0 w 428625"/>
+                <a:gd name="connsiteY0" fmla="*/ 0 h 78581"/>
+                <a:gd name="connsiteX1" fmla="*/ 428625 w 428625"/>
+                <a:gd name="connsiteY1" fmla="*/ 0 h 78581"/>
+                <a:gd name="connsiteX2" fmla="*/ 428625 w 428625"/>
+                <a:gd name="connsiteY2" fmla="*/ 78581 h 78581"/>
+                <a:gd name="connsiteX3" fmla="*/ 173831 w 428625"/>
+                <a:gd name="connsiteY3" fmla="*/ 78581 h 78581"/>
+                <a:gd name="connsiteX4" fmla="*/ 0 w 428625"/>
+                <a:gd name="connsiteY4" fmla="*/ 0 h 78581"/>
+              </a:gdLst>
+              <a:ahLst/>
+              <a:cxnLst>
+                <a:cxn ang="0">
+                  <a:pos x="connsiteX0" y="connsiteY0"/>
+                </a:cxn>
+                <a:cxn ang="0">
+                  <a:pos x="connsiteX1" y="connsiteY1"/>
+                </a:cxn>
+                <a:cxn ang="0">
+                  <a:pos x="connsiteX2" y="connsiteY2"/>
+                </a:cxn>
+                <a:cxn ang="0">
+                  <a:pos x="connsiteX3" y="connsiteY3"/>
+                </a:cxn>
+                <a:cxn ang="0">
+                  <a:pos x="connsiteX4" y="connsiteY4"/>
+                </a:cxn>
+              </a:cxnLst>
+              <a:rect l="l" t="t" r="r" b="b"/>
+              <a:pathLst>
+                <a:path w="428625" h="78581">
+                  <a:moveTo>
+                    <a:pt x="0" y="0"/>
+                  </a:moveTo>
+                  <a:lnTo>
+                    <a:pt x="428625" y="0"/>
+                  </a:lnTo>
+                  <a:lnTo>
+                    <a:pt x="428625" y="78581"/>
+                  </a:lnTo>
+                  <a:lnTo>
+                    <a:pt x="173831" y="78581"/>
+                  </a:lnTo>
+                  <a:lnTo>
+                    <a:pt x="0" y="0"/>
+                  </a:lnTo>
+                  <a:close/>
+                </a:path>
+              </a:pathLst>
+            </a:custGeom>
+            <a:pattFill prst="pct20">
+              <a:fgClr>
+                <a:srgbClr val="FF0000"/>
+              </a:fgClr>
+              <a:bgClr>
+                <a:schemeClr val="bg1"/>
+              </a:bgClr>
+            </a:pattFill>
             <a:ln>
               <a:noFill/>
             </a:ln>
@@ -6465,130 +8208,16 @@
             <a:lstStyle/>
             <a:p>
               <a:pPr algn="ctr"/>
-              <a:endParaRPr lang="zh-CN" altLang="en-US"/>
+              <a:endParaRPr lang="en-US"/>
             </a:p>
           </p:txBody>
         </p:sp>
-        <p:cxnSp>
-          <p:nvCxnSpPr>
-            <p:cNvPr id="22" name="直接连接符 21">
+        <p:sp>
+          <p:nvSpPr>
+            <p:cNvPr id="296" name="文本框 9">
               <a:extLst>
                 <a:ext uri="{FF2B5EF4-FFF2-40B4-BE49-F238E27FC236}">
-                  <a16:creationId xmlns:a16="http://schemas.microsoft.com/office/drawing/2014/main" id="{05BE37AA-8798-E7AC-17F0-5F2A5582F82C}"/>
-                </a:ext>
-              </a:extLst>
-            </p:cNvPr>
-            <p:cNvCxnSpPr>
-              <a:cxnSpLocks/>
-            </p:cNvCxnSpPr>
-            <p:nvPr/>
-          </p:nvCxnSpPr>
-          <p:spPr>
-            <a:xfrm flipH="1">
-              <a:off x="2542830" y="2027776"/>
-              <a:ext cx="162273" cy="167183"/>
-            </a:xfrm>
-            <a:prstGeom prst="line">
-              <a:avLst/>
-            </a:prstGeom>
-          </p:spPr>
-          <p:style>
-            <a:lnRef idx="1">
-              <a:schemeClr val="accent1"/>
-            </a:lnRef>
-            <a:fillRef idx="0">
-              <a:schemeClr val="accent1"/>
-            </a:fillRef>
-            <a:effectRef idx="0">
-              <a:schemeClr val="accent1"/>
-            </a:effectRef>
-            <a:fontRef idx="minor">
-              <a:schemeClr val="tx1"/>
-            </a:fontRef>
-          </p:style>
-        </p:cxnSp>
-        <p:cxnSp>
-          <p:nvCxnSpPr>
-            <p:cNvPr id="33" name="直接连接符 32">
-              <a:extLst>
-                <a:ext uri="{FF2B5EF4-FFF2-40B4-BE49-F238E27FC236}">
-                  <a16:creationId xmlns:a16="http://schemas.microsoft.com/office/drawing/2014/main" id="{67393BD9-DD5B-22B9-8856-542CED5D5132}"/>
-                </a:ext>
-              </a:extLst>
-            </p:cNvPr>
-            <p:cNvCxnSpPr>
-              <a:cxnSpLocks/>
-            </p:cNvCxnSpPr>
-            <p:nvPr/>
-          </p:nvCxnSpPr>
-          <p:spPr>
-            <a:xfrm flipH="1">
-              <a:off x="2523450" y="1994585"/>
-              <a:ext cx="127991" cy="135220"/>
-            </a:xfrm>
-            <a:prstGeom prst="line">
-              <a:avLst/>
-            </a:prstGeom>
-          </p:spPr>
-          <p:style>
-            <a:lnRef idx="1">
-              <a:schemeClr val="accent1"/>
-            </a:lnRef>
-            <a:fillRef idx="0">
-              <a:schemeClr val="accent1"/>
-            </a:fillRef>
-            <a:effectRef idx="0">
-              <a:schemeClr val="accent1"/>
-            </a:effectRef>
-            <a:fontRef idx="minor">
-              <a:schemeClr val="tx1"/>
-            </a:fontRef>
-          </p:style>
-        </p:cxnSp>
-        <p:cxnSp>
-          <p:nvCxnSpPr>
-            <p:cNvPr id="37" name="直接连接符 36">
-              <a:extLst>
-                <a:ext uri="{FF2B5EF4-FFF2-40B4-BE49-F238E27FC236}">
-                  <a16:creationId xmlns:a16="http://schemas.microsoft.com/office/drawing/2014/main" id="{F472596A-36BC-FE07-3995-83AF0F77F086}"/>
-                </a:ext>
-              </a:extLst>
-            </p:cNvPr>
-            <p:cNvCxnSpPr>
-              <a:cxnSpLocks/>
-            </p:cNvCxnSpPr>
-            <p:nvPr/>
-          </p:nvCxnSpPr>
-          <p:spPr>
-            <a:xfrm flipH="1">
-              <a:off x="2523450" y="1969666"/>
-              <a:ext cx="68785" cy="72347"/>
-            </a:xfrm>
-            <a:prstGeom prst="line">
-              <a:avLst/>
-            </a:prstGeom>
-          </p:spPr>
-          <p:style>
-            <a:lnRef idx="1">
-              <a:schemeClr val="accent1"/>
-            </a:lnRef>
-            <a:fillRef idx="0">
-              <a:schemeClr val="accent1"/>
-            </a:fillRef>
-            <a:effectRef idx="0">
-              <a:schemeClr val="accent1"/>
-            </a:effectRef>
-            <a:fontRef idx="minor">
-              <a:schemeClr val="tx1"/>
-            </a:fontRef>
-          </p:style>
-        </p:cxnSp>
-        <p:sp>
-          <p:nvSpPr>
-            <p:cNvPr id="42" name="文本框 41">
-              <a:extLst>
-                <a:ext uri="{FF2B5EF4-FFF2-40B4-BE49-F238E27FC236}">
-                  <a16:creationId xmlns:a16="http://schemas.microsoft.com/office/drawing/2014/main" id="{0D307155-B59A-8DD3-DAF6-51EC2E05DE20}"/>
+                  <a16:creationId xmlns:a16="http://schemas.microsoft.com/office/drawing/2014/main" id="{63994B91-5935-4AC1-550D-078A0D056224}"/>
                 </a:ext>
               </a:extLst>
             </p:cNvPr>
@@ -6597,8 +8226,8 @@
           </p:nvSpPr>
           <p:spPr>
             <a:xfrm>
-              <a:off x="377027" y="3337261"/>
-              <a:ext cx="276038" cy="307777"/>
+              <a:off x="2746079" y="1914130"/>
+              <a:ext cx="354584" cy="276999"/>
             </a:xfrm>
             <a:prstGeom prst="rect">
               <a:avLst/>
@@ -6611,13 +8240,20 @@
             </a:bodyPr>
             <a:lstStyle/>
             <a:p>
+              <a:pPr algn="ctr"/>
               <a:r>
-                <a:rPr lang="en-US" altLang="zh-CN" sz="1400" dirty="0">
+                <a:rPr lang="en-US" altLang="zh-CN" sz="1200" b="1" dirty="0">
+                  <a:solidFill>
+                    <a:schemeClr val="tx2"/>
+                  </a:solidFill>
                   <a:cs typeface="Times New Roman" panose="02020603050405020304" pitchFamily="18" charset="0"/>
                 </a:rPr>
-                <a:t>0</a:t>
+                <a:t>(+)</a:t>
               </a:r>
-              <a:endParaRPr lang="zh-CN" altLang="en-US" sz="1400" dirty="0">
+              <a:endParaRPr lang="zh-CN" altLang="en-US" sz="1200" b="1" baseline="-25000" dirty="0">
+                <a:solidFill>
+                  <a:schemeClr val="tx2"/>
+                </a:solidFill>
                 <a:cs typeface="Times New Roman" panose="02020603050405020304" pitchFamily="18" charset="0"/>
               </a:endParaRPr>
             </a:p>
@@ -6625,10 +8261,10 @@
         </p:sp>
         <p:sp>
           <p:nvSpPr>
-            <p:cNvPr id="45" name="文本框 44">
+            <p:cNvPr id="297" name="文本框 9">
               <a:extLst>
                 <a:ext uri="{FF2B5EF4-FFF2-40B4-BE49-F238E27FC236}">
-                  <a16:creationId xmlns:a16="http://schemas.microsoft.com/office/drawing/2014/main" id="{F1E6530B-286E-614A-32DA-4C6DD5AE2053}"/>
+                  <a16:creationId xmlns:a16="http://schemas.microsoft.com/office/drawing/2014/main" id="{3056CEB5-391A-B5ED-15D6-CC7262618B29}"/>
                 </a:ext>
               </a:extLst>
             </p:cNvPr>
@@ -6637,8 +8273,8 @@
           </p:nvSpPr>
           <p:spPr>
             <a:xfrm>
-              <a:off x="377027" y="1191080"/>
-              <a:ext cx="276038" cy="307777"/>
+              <a:off x="3319108" y="2361782"/>
+              <a:ext cx="314510" cy="276999"/>
             </a:xfrm>
             <a:prstGeom prst="rect">
               <a:avLst/>
@@ -6646,23 +8282,73 @@
             <a:noFill/>
           </p:spPr>
           <p:txBody>
-            <a:bodyPr wrap="none" rtlCol="0">
+            <a:bodyPr wrap="square" rtlCol="0">
               <a:spAutoFit/>
             </a:bodyPr>
             <a:lstStyle/>
             <a:p>
               <a:r>
-                <a:rPr lang="en-US" altLang="zh-CN" sz="1400" dirty="0">
+                <a:rPr lang="en-US" altLang="zh-CN" sz="1200" b="1" dirty="0">
+                  <a:solidFill>
+                    <a:srgbClr val="FF0000"/>
+                  </a:solidFill>
                   <a:cs typeface="Times New Roman" panose="02020603050405020304" pitchFamily="18" charset="0"/>
                 </a:rPr>
-                <a:t>0</a:t>
+                <a:t>(-)</a:t>
               </a:r>
-              <a:endParaRPr lang="zh-CN" altLang="en-US" sz="1400" dirty="0">
+              <a:endParaRPr lang="zh-CN" altLang="en-US" sz="1200" b="1" baseline="-25000" dirty="0">
+                <a:solidFill>
+                  <a:srgbClr val="FF0000"/>
+                </a:solidFill>
                 <a:cs typeface="Times New Roman" panose="02020603050405020304" pitchFamily="18" charset="0"/>
               </a:endParaRPr>
             </a:p>
           </p:txBody>
         </p:sp>
+        <p:cxnSp>
+          <p:nvCxnSpPr>
+            <p:cNvPr id="298" name="直接连接符 4">
+              <a:extLst>
+                <a:ext uri="{FF2B5EF4-FFF2-40B4-BE49-F238E27FC236}">
+                  <a16:creationId xmlns:a16="http://schemas.microsoft.com/office/drawing/2014/main" id="{745D38FB-142C-5660-5BDA-388CF41B551F}"/>
+                </a:ext>
+              </a:extLst>
+            </p:cNvPr>
+            <p:cNvCxnSpPr>
+              <a:cxnSpLocks/>
+            </p:cNvCxnSpPr>
+            <p:nvPr/>
+          </p:nvCxnSpPr>
+          <p:spPr>
+            <a:xfrm>
+              <a:off x="1752215" y="2019054"/>
+              <a:ext cx="0" cy="270061"/>
+            </a:xfrm>
+            <a:prstGeom prst="line">
+              <a:avLst/>
+            </a:prstGeom>
+            <a:ln w="19050">
+              <a:solidFill>
+                <a:schemeClr val="tx1"/>
+              </a:solidFill>
+              <a:prstDash val="sysDash"/>
+            </a:ln>
+          </p:spPr>
+          <p:style>
+            <a:lnRef idx="1">
+              <a:schemeClr val="accent1"/>
+            </a:lnRef>
+            <a:fillRef idx="0">
+              <a:schemeClr val="accent1"/>
+            </a:fillRef>
+            <a:effectRef idx="0">
+              <a:schemeClr val="accent1"/>
+            </a:effectRef>
+            <a:fontRef idx="minor">
+              <a:schemeClr val="tx1"/>
+            </a:fontRef>
+          </p:style>
+        </p:cxnSp>
       </p:grpSp>
     </p:spTree>
     <p:extLst>
@@ -6708,7 +8394,7 @@
         </p:nvGrpSpPr>
         <p:grpSpPr>
           <a:xfrm>
-            <a:off x="3892060" y="-2097"/>
+            <a:off x="3642033" y="-139416"/>
             <a:ext cx="3940189" cy="4503405"/>
             <a:chOff x="3892060" y="20388"/>
             <a:chExt cx="3940189" cy="4503405"/>
@@ -7592,7 +9278,7 @@
         </p:nvGrpSpPr>
         <p:grpSpPr>
           <a:xfrm>
-            <a:off x="39258" y="6565"/>
+            <a:off x="-210773" y="-130754"/>
             <a:ext cx="3856455" cy="4496179"/>
             <a:chOff x="39258" y="29050"/>
             <a:chExt cx="3856455" cy="4496179"/>
@@ -9985,7 +11671,7 @@
         </p:nvSpPr>
         <p:spPr>
           <a:xfrm>
-            <a:off x="0" y="2926031"/>
+            <a:off x="-250031" y="2788716"/>
             <a:ext cx="7823754" cy="1103489"/>
           </a:xfrm>
           <a:prstGeom prst="rect">
@@ -10037,7 +11723,7 @@
         </p:nvSpPr>
         <p:spPr>
           <a:xfrm>
-            <a:off x="-8492" y="1598456"/>
+            <a:off x="-258523" y="1461141"/>
             <a:ext cx="7832245" cy="1215271"/>
           </a:xfrm>
           <a:prstGeom prst="rect">
@@ -10089,7 +11775,7 @@
         </p:nvSpPr>
         <p:spPr>
           <a:xfrm>
-            <a:off x="0" y="326147"/>
+            <a:off x="-250030" y="188828"/>
             <a:ext cx="7832245" cy="1145210"/>
           </a:xfrm>
           <a:prstGeom prst="rect">
@@ -10141,7 +11827,7 @@
         </p:nvGrpSpPr>
         <p:grpSpPr>
           <a:xfrm>
-            <a:off x="3892060" y="-2097"/>
+            <a:off x="3642033" y="-139416"/>
             <a:ext cx="3940189" cy="4503405"/>
             <a:chOff x="3892060" y="20388"/>
             <a:chExt cx="3940189" cy="4503405"/>
@@ -11025,7 +12711,7 @@
         </p:nvGrpSpPr>
         <p:grpSpPr>
           <a:xfrm>
-            <a:off x="39258" y="6565"/>
+            <a:off x="-210773" y="-130754"/>
             <a:ext cx="3856455" cy="4496179"/>
             <a:chOff x="39258" y="29050"/>
             <a:chExt cx="3856455" cy="4496179"/>
@@ -13418,7 +15104,7 @@
         </p:nvSpPr>
         <p:spPr>
           <a:xfrm>
-            <a:off x="3902619" y="0"/>
+            <a:off x="3652588" y="-137319"/>
             <a:ext cx="3912644" cy="4468383"/>
           </a:xfrm>
           <a:prstGeom prst="rect">
@@ -13470,7 +15156,7 @@
         </p:nvSpPr>
         <p:spPr>
           <a:xfrm>
-            <a:off x="0" y="-930"/>
+            <a:off x="-250031" y="-138249"/>
             <a:ext cx="3898803" cy="4468383"/>
           </a:xfrm>
           <a:prstGeom prst="rect">
@@ -13522,7 +15208,7 @@
         </p:nvGrpSpPr>
         <p:grpSpPr>
           <a:xfrm>
-            <a:off x="3892060" y="-2097"/>
+            <a:off x="3642033" y="-139416"/>
             <a:ext cx="3940189" cy="4503405"/>
             <a:chOff x="3892060" y="20388"/>
             <a:chExt cx="3940189" cy="4503405"/>
@@ -14406,7 +16092,7 @@
         </p:nvGrpSpPr>
         <p:grpSpPr>
           <a:xfrm>
-            <a:off x="39258" y="6565"/>
+            <a:off x="-210773" y="-130754"/>
             <a:ext cx="3856455" cy="4496179"/>
             <a:chOff x="39258" y="29050"/>
             <a:chExt cx="3856455" cy="4496179"/>
@@ -16806,7 +18492,7 @@
         </p:blipFill>
         <p:spPr>
           <a:xfrm>
-            <a:off x="-1837170" y="-283874"/>
+            <a:off x="-2087201" y="-421193"/>
             <a:ext cx="3149600" cy="2997200"/>
           </a:xfrm>
           <a:prstGeom prst="rect">
@@ -16835,7 +18521,7 @@
         </p:blipFill>
         <p:spPr>
           <a:xfrm>
-            <a:off x="1983944" y="-283874"/>
+            <a:off x="1733913" y="-421193"/>
             <a:ext cx="3149600" cy="2997200"/>
           </a:xfrm>
           <a:prstGeom prst="rect">
@@ -16859,7 +18545,7 @@
         </p:nvCxnSpPr>
         <p:spPr>
           <a:xfrm>
-            <a:off x="-759304" y="-200054"/>
+            <a:off x="-759304" y="-337373"/>
             <a:ext cx="0" cy="2809240"/>
           </a:xfrm>
           <a:prstGeom prst="line">
@@ -16900,7 +18586,7 @@
         </p:nvCxnSpPr>
         <p:spPr>
           <a:xfrm>
-            <a:off x="142396" y="-200054"/>
+            <a:off x="-16354" y="-337373"/>
             <a:ext cx="0" cy="2809240"/>
           </a:xfrm>
           <a:prstGeom prst="line">
@@ -16941,7 +18627,7 @@
         </p:nvCxnSpPr>
         <p:spPr>
           <a:xfrm>
-            <a:off x="2710335" y="-200054"/>
+            <a:off x="2460304" y="-337373"/>
             <a:ext cx="0" cy="2809240"/>
           </a:xfrm>
           <a:prstGeom prst="line">
@@ -16982,7 +18668,7 @@
         </p:nvCxnSpPr>
         <p:spPr>
           <a:xfrm>
-            <a:off x="3968588" y="-199419"/>
+            <a:off x="3718557" y="-336738"/>
             <a:ext cx="0" cy="2809240"/>
           </a:xfrm>
           <a:prstGeom prst="line">
@@ -17021,7 +18707,7 @@
         </p:nvSpPr>
         <p:spPr>
           <a:xfrm>
-            <a:off x="-1555953" y="2630551"/>
+            <a:off x="-1555953" y="2493234"/>
             <a:ext cx="352982" cy="307777"/>
           </a:xfrm>
           <a:prstGeom prst="rect">
@@ -17070,7 +18756,7 @@
         </p:nvSpPr>
         <p:spPr>
           <a:xfrm>
-            <a:off x="-630420" y="2900228"/>
+            <a:off x="-630420" y="2762911"/>
             <a:ext cx="478016" cy="307777"/>
           </a:xfrm>
           <a:prstGeom prst="rect">
@@ -17112,7 +18798,7 @@
         </p:nvSpPr>
         <p:spPr>
           <a:xfrm>
-            <a:off x="-935795" y="2630551"/>
+            <a:off x="-935795" y="2493234"/>
             <a:ext cx="352982" cy="307777"/>
           </a:xfrm>
           <a:prstGeom prst="rect">
@@ -17161,7 +18847,7 @@
         </p:nvSpPr>
         <p:spPr>
           <a:xfrm>
-            <a:off x="-9089" y="2630551"/>
+            <a:off x="-259120" y="2493234"/>
             <a:ext cx="352982" cy="307777"/>
           </a:xfrm>
           <a:prstGeom prst="rect">
@@ -17210,7 +18896,7 @@
         </p:nvSpPr>
         <p:spPr>
           <a:xfrm>
-            <a:off x="997548" y="2624643"/>
+            <a:off x="747517" y="2487328"/>
             <a:ext cx="352982" cy="307777"/>
           </a:xfrm>
           <a:prstGeom prst="rect">
@@ -17259,7 +18945,7 @@
         </p:nvSpPr>
         <p:spPr>
           <a:xfrm>
-            <a:off x="1929369" y="2618732"/>
+            <a:off x="1679338" y="2481417"/>
             <a:ext cx="352982" cy="307777"/>
           </a:xfrm>
           <a:prstGeom prst="rect">
@@ -17308,7 +18994,7 @@
         </p:nvSpPr>
         <p:spPr>
           <a:xfrm>
-            <a:off x="2556315" y="2624643"/>
+            <a:off x="2306284" y="2487328"/>
             <a:ext cx="352982" cy="307777"/>
           </a:xfrm>
           <a:prstGeom prst="rect">
@@ -17357,7 +19043,7 @@
         </p:nvSpPr>
         <p:spPr>
           <a:xfrm>
-            <a:off x="3843384" y="2624643"/>
+            <a:off x="3593353" y="2487328"/>
             <a:ext cx="352982" cy="307777"/>
           </a:xfrm>
           <a:prstGeom prst="rect">
@@ -17406,7 +19092,7 @@
         </p:nvSpPr>
         <p:spPr>
           <a:xfrm>
-            <a:off x="4850021" y="2618733"/>
+            <a:off x="4599990" y="2481418"/>
             <a:ext cx="352982" cy="307777"/>
           </a:xfrm>
           <a:prstGeom prst="rect">
@@ -17455,7 +19141,7 @@
         </p:nvSpPr>
         <p:spPr>
           <a:xfrm>
-            <a:off x="3097041" y="2900230"/>
+            <a:off x="2847010" y="2762915"/>
             <a:ext cx="478016" cy="307777"/>
           </a:xfrm>
           <a:prstGeom prst="rect">
@@ -17497,7 +19183,7 @@
         </p:nvSpPr>
         <p:spPr>
           <a:xfrm rot="16200000">
-            <a:off x="-2127634" y="2086394"/>
+            <a:off x="-2127632" y="1949077"/>
             <a:ext cx="946093" cy="307777"/>
           </a:xfrm>
           <a:prstGeom prst="rect">
@@ -17553,7 +19239,7 @@
         </p:nvSpPr>
         <p:spPr>
           <a:xfrm rot="16200000">
-            <a:off x="-2082750" y="1060840"/>
+            <a:off x="-2082748" y="923523"/>
             <a:ext cx="856325" cy="307777"/>
           </a:xfrm>
           <a:prstGeom prst="rect">
@@ -17595,7 +19281,7 @@
         </p:nvSpPr>
         <p:spPr>
           <a:xfrm rot="16200000">
-            <a:off x="-2027446" y="57511"/>
+            <a:off x="-2027444" y="-79808"/>
             <a:ext cx="745717" cy="307777"/>
           </a:xfrm>
           <a:prstGeom prst="rect">
@@ -17637,7 +19323,7 @@
         </p:nvSpPr>
         <p:spPr>
           <a:xfrm rot="16200000">
-            <a:off x="1302686" y="2086396"/>
+            <a:off x="1052659" y="1949081"/>
             <a:ext cx="946093" cy="307777"/>
           </a:xfrm>
           <a:prstGeom prst="rect">
@@ -17693,7 +19379,7 @@
         </p:nvSpPr>
         <p:spPr>
           <a:xfrm rot="16200000">
-            <a:off x="1347570" y="1060842"/>
+            <a:off x="1097543" y="923527"/>
             <a:ext cx="856325" cy="307777"/>
           </a:xfrm>
           <a:prstGeom prst="rect">
@@ -17735,7 +19421,7 @@
         </p:nvSpPr>
         <p:spPr>
           <a:xfrm rot="16200000">
-            <a:off x="1402874" y="57513"/>
+            <a:off x="1152845" y="-79806"/>
             <a:ext cx="745717" cy="307777"/>
           </a:xfrm>
           <a:prstGeom prst="rect">
@@ -17777,7 +19463,7 @@
         </p:nvSpPr>
         <p:spPr>
           <a:xfrm>
-            <a:off x="-822525" y="-528696"/>
+            <a:off x="-1072556" y="-528696"/>
             <a:ext cx="1120307" cy="338554"/>
           </a:xfrm>
           <a:prstGeom prst="rect">
@@ -17819,7 +19505,7 @@
         </p:nvSpPr>
         <p:spPr>
           <a:xfrm>
-            <a:off x="2222379" y="-528696"/>
+            <a:off x="1972348" y="-528696"/>
             <a:ext cx="2627642" cy="338554"/>
           </a:xfrm>
           <a:prstGeom prst="rect">
@@ -17906,7 +19592,7 @@
         </p:nvSpPr>
         <p:spPr>
           <a:xfrm>
-            <a:off x="1621839" y="-528696"/>
+            <a:off x="1371808" y="-528696"/>
             <a:ext cx="402674" cy="338554"/>
           </a:xfrm>
           <a:prstGeom prst="rect">
@@ -18044,7 +19730,7 @@
         </p:nvCxnSpPr>
         <p:spPr>
           <a:xfrm flipV="1">
-            <a:off x="4892658" y="1006650"/>
+            <a:off x="4642631" y="869331"/>
             <a:ext cx="263281" cy="197916"/>
           </a:xfrm>
           <a:prstGeom prst="straightConnector1">
@@ -18087,7 +19773,7 @@
         </p:nvSpPr>
         <p:spPr>
           <a:xfrm>
-            <a:off x="5133549" y="772923"/>
+            <a:off x="4883522" y="635608"/>
             <a:ext cx="556563" cy="307777"/>
           </a:xfrm>
           <a:prstGeom prst="rect">
@@ -18131,7 +19817,7 @@
         </p:nvCxnSpPr>
         <p:spPr>
           <a:xfrm flipV="1">
-            <a:off x="188075" y="1074856"/>
+            <a:off x="-61955" y="937539"/>
             <a:ext cx="360973" cy="128771"/>
           </a:xfrm>
           <a:prstGeom prst="straightConnector1">
@@ -18174,7 +19860,7 @@
         </p:nvSpPr>
         <p:spPr>
           <a:xfrm>
-            <a:off x="533338" y="862291"/>
+            <a:off x="283311" y="724976"/>
             <a:ext cx="556563" cy="307777"/>
           </a:xfrm>
           <a:prstGeom prst="rect">
@@ -18223,7 +19909,7 @@
         </p:blipFill>
         <p:spPr>
           <a:xfrm>
-            <a:off x="6672362" y="631121"/>
+            <a:off x="6422331" y="493802"/>
             <a:ext cx="2870490" cy="1851654"/>
           </a:xfrm>
           <a:prstGeom prst="rect">
@@ -18247,7 +19933,7 @@
         </p:nvCxnSpPr>
         <p:spPr>
           <a:xfrm flipV="1">
-            <a:off x="6672362" y="325134"/>
+            <a:off x="6422331" y="187819"/>
             <a:ext cx="0" cy="2180325"/>
           </a:xfrm>
           <a:prstGeom prst="straightConnector1">
@@ -18291,7 +19977,7 @@
         </p:nvCxnSpPr>
         <p:spPr>
           <a:xfrm>
-            <a:off x="6672362" y="1490273"/>
+            <a:off x="6422331" y="1352954"/>
             <a:ext cx="3088792" cy="0"/>
           </a:xfrm>
           <a:prstGeom prst="straightConnector1">
@@ -18333,7 +20019,7 @@
         </p:nvSpPr>
         <p:spPr>
           <a:xfrm>
-            <a:off x="9161784" y="1556951"/>
+            <a:off x="8661721" y="1419634"/>
             <a:ext cx="478016" cy="307777"/>
           </a:xfrm>
           <a:prstGeom prst="rect">
@@ -18375,7 +20061,7 @@
         </p:nvSpPr>
         <p:spPr>
           <a:xfrm>
-            <a:off x="6350468" y="-47726"/>
+            <a:off x="6100439" y="-185045"/>
             <a:ext cx="856325" cy="307777"/>
           </a:xfrm>
           <a:prstGeom prst="rect">
@@ -18417,7 +20103,7 @@
         </p:nvSpPr>
         <p:spPr>
           <a:xfrm>
-            <a:off x="6093414" y="1336389"/>
+            <a:off x="5843387" y="1199074"/>
             <a:ext cx="556563" cy="307777"/>
           </a:xfrm>
           <a:prstGeom prst="rect">
@@ -18459,7 +20145,7 @@
         </p:nvSpPr>
         <p:spPr>
           <a:xfrm>
-            <a:off x="6646886" y="1542738"/>
+            <a:off x="6396859" y="1405423"/>
             <a:ext cx="1027845" cy="307777"/>
           </a:xfrm>
           <a:prstGeom prst="rect">
@@ -18501,7 +20187,7 @@
         </p:nvSpPr>
         <p:spPr>
           <a:xfrm>
-            <a:off x="7863077" y="1698824"/>
+            <a:off x="7363014" y="1561507"/>
             <a:ext cx="1098378" cy="307777"/>
           </a:xfrm>
           <a:prstGeom prst="rect">
@@ -18545,7 +20231,7 @@
         </p:nvCxnSpPr>
         <p:spPr>
           <a:xfrm flipH="1">
-            <a:off x="8469088" y="1490332"/>
+            <a:off x="7969025" y="1353015"/>
             <a:ext cx="235387" cy="178779"/>
           </a:xfrm>
           <a:prstGeom prst="line">
@@ -18588,7 +20274,7 @@
         </p:nvCxnSpPr>
         <p:spPr>
           <a:xfrm flipH="1">
-            <a:off x="8590402" y="1498638"/>
+            <a:off x="8090339" y="1361321"/>
             <a:ext cx="235387" cy="178779"/>
           </a:xfrm>
           <a:prstGeom prst="line">
@@ -18631,7 +20317,7 @@
         </p:nvCxnSpPr>
         <p:spPr>
           <a:xfrm flipH="1">
-            <a:off x="8752793" y="1490332"/>
+            <a:off x="8252730" y="1353015"/>
             <a:ext cx="235387" cy="178779"/>
           </a:xfrm>
           <a:prstGeom prst="line">
@@ -18674,7 +20360,7 @@
         </p:nvCxnSpPr>
         <p:spPr>
           <a:xfrm flipH="1">
-            <a:off x="8372100" y="1498638"/>
+            <a:off x="7872037" y="1361321"/>
             <a:ext cx="162391" cy="133097"/>
           </a:xfrm>
           <a:prstGeom prst="line">
@@ -18717,7 +20403,7 @@
         </p:nvCxnSpPr>
         <p:spPr>
           <a:xfrm flipH="1">
-            <a:off x="8274776" y="1496426"/>
+            <a:off x="7774713" y="1359109"/>
             <a:ext cx="110796" cy="91601"/>
           </a:xfrm>
           <a:prstGeom prst="line">
@@ -18760,7 +20446,7 @@
         </p:nvCxnSpPr>
         <p:spPr>
           <a:xfrm flipH="1">
-            <a:off x="8133092" y="1490332"/>
+            <a:off x="7633029" y="1353015"/>
             <a:ext cx="99927" cy="81515"/>
           </a:xfrm>
           <a:prstGeom prst="line">
@@ -18803,7 +20489,7 @@
         </p:nvCxnSpPr>
         <p:spPr>
           <a:xfrm flipH="1">
-            <a:off x="6672365" y="1113879"/>
+            <a:off x="6422338" y="976564"/>
             <a:ext cx="235387" cy="178779"/>
           </a:xfrm>
           <a:prstGeom prst="line">
@@ -18841,7 +20527,7 @@
         </p:nvCxnSpPr>
         <p:spPr>
           <a:xfrm flipH="1">
-            <a:off x="6672359" y="1113824"/>
+            <a:off x="6422328" y="976509"/>
             <a:ext cx="388458" cy="320403"/>
           </a:xfrm>
           <a:prstGeom prst="line">
@@ -18879,7 +20565,7 @@
         </p:nvCxnSpPr>
         <p:spPr>
           <a:xfrm flipH="1">
-            <a:off x="6790053" y="1103995"/>
+            <a:off x="6540022" y="966680"/>
             <a:ext cx="437386" cy="376175"/>
           </a:xfrm>
           <a:prstGeom prst="line">
@@ -18917,7 +20603,7 @@
         </p:nvCxnSpPr>
         <p:spPr>
           <a:xfrm flipH="1">
-            <a:off x="6975737" y="1141844"/>
+            <a:off x="6725706" y="1004525"/>
             <a:ext cx="388454" cy="335858"/>
           </a:xfrm>
           <a:prstGeom prst="line">
@@ -18955,7 +20641,7 @@
         </p:nvCxnSpPr>
         <p:spPr>
           <a:xfrm flipH="1">
-            <a:off x="7128812" y="1173175"/>
+            <a:off x="6878785" y="1035860"/>
             <a:ext cx="367213" cy="322505"/>
           </a:xfrm>
           <a:prstGeom prst="line">
@@ -18993,7 +20679,7 @@
         </p:nvCxnSpPr>
         <p:spPr>
           <a:xfrm flipH="1">
-            <a:off x="7320736" y="1232623"/>
+            <a:off x="7070705" y="1095308"/>
             <a:ext cx="317508" cy="273109"/>
           </a:xfrm>
           <a:prstGeom prst="line">
@@ -19031,7 +20717,7 @@
         </p:nvCxnSpPr>
         <p:spPr>
           <a:xfrm flipH="1">
-            <a:off x="7513561" y="1300555"/>
+            <a:off x="7263534" y="1163240"/>
             <a:ext cx="252533" cy="195125"/>
           </a:xfrm>
           <a:prstGeom prst="line">
@@ -19069,7 +20755,7 @@
         </p:nvCxnSpPr>
         <p:spPr>
           <a:xfrm flipH="1">
-            <a:off x="7679035" y="1311601"/>
+            <a:off x="7337722" y="1174284"/>
             <a:ext cx="254280" cy="184079"/>
           </a:xfrm>
           <a:prstGeom prst="line">
@@ -19107,7 +20793,7 @@
         </p:nvCxnSpPr>
         <p:spPr>
           <a:xfrm flipH="1">
-            <a:off x="7863077" y="1366787"/>
+            <a:off x="7363014" y="1229468"/>
             <a:ext cx="170938" cy="128888"/>
           </a:xfrm>
           <a:prstGeom prst="line">
@@ -19145,7 +20831,7 @@
         </p:nvCxnSpPr>
         <p:spPr>
           <a:xfrm flipH="1">
-            <a:off x="8038960" y="1413594"/>
+            <a:off x="7538897" y="1276275"/>
             <a:ext cx="102876" cy="76678"/>
           </a:xfrm>
           <a:prstGeom prst="line">
@@ -19183,7 +20869,7 @@
         </p:nvCxnSpPr>
         <p:spPr>
           <a:xfrm flipV="1">
-            <a:off x="7045297" y="1314636"/>
+            <a:off x="6795270" y="1177317"/>
             <a:ext cx="54675" cy="265082"/>
           </a:xfrm>
           <a:prstGeom prst="straightConnector1">
@@ -19228,7 +20914,7 @@
         </p:nvCxnSpPr>
         <p:spPr>
           <a:xfrm flipV="1">
-            <a:off x="8218865" y="1557977"/>
+            <a:off x="7718802" y="1420660"/>
             <a:ext cx="271356" cy="216681"/>
           </a:xfrm>
           <a:prstGeom prst="straightConnector1">
@@ -19271,7 +20957,7 @@
         </p:nvSpPr>
         <p:spPr>
           <a:xfrm>
-            <a:off x="6067631" y="-283873"/>
+            <a:off x="5817600" y="-421192"/>
             <a:ext cx="402674" cy="338554"/>
           </a:xfrm>
           <a:prstGeom prst="rect">
@@ -19407,7 +21093,7 @@
         </p:nvSpPr>
         <p:spPr>
           <a:xfrm>
-            <a:off x="4121823" y="584260"/>
+            <a:off x="3871792" y="446945"/>
             <a:ext cx="1649844" cy="1088465"/>
           </a:xfrm>
           <a:prstGeom prst="ellipse">
@@ -19454,7 +21140,7 @@
         </p:nvSpPr>
         <p:spPr>
           <a:xfrm>
-            <a:off x="6082562" y="-283872"/>
+            <a:off x="5832533" y="-421191"/>
             <a:ext cx="3917605" cy="3044065"/>
           </a:xfrm>
           <a:prstGeom prst="rect">
@@ -19503,7 +21189,7 @@
         </p:nvCxnSpPr>
         <p:spPr>
           <a:xfrm flipV="1">
-            <a:off x="5145972" y="16992"/>
+            <a:off x="4895943" y="-120327"/>
             <a:ext cx="936025" cy="581865"/>
           </a:xfrm>
           <a:prstGeom prst="straightConnector1">
@@ -19544,7 +21230,7 @@
 <file path=ppt/theme/theme1.xml><?xml version="1.0" encoding="utf-8"?>
 <a:theme xmlns:a="http://schemas.openxmlformats.org/drawingml/2006/main" name="Office 主题​​">
   <a:themeElements>
-    <a:clrScheme name="Office 主题​​">
+    <a:clrScheme name="Office Theme">
       <a:dk1>
         <a:sysClr val="windowText" lastClr="000000"/>
       </a:dk1>
@@ -19582,7 +21268,7 @@
         <a:srgbClr val="954F72"/>
       </a:folHlink>
     </a:clrScheme>
-    <a:fontScheme name="Office 主题​​">
+    <a:fontScheme name="Office Theme">
       <a:majorFont>
         <a:latin typeface="Calibri Light" panose="020F0302020204030204"/>
         <a:ea typeface=""/>
@@ -19654,7 +21340,302 @@
         <a:font script="Geor" typeface="Sylfaen"/>
       </a:minorFont>
     </a:fontScheme>
-    <a:fmtScheme name="Office 主题​​">
+    <a:fmtScheme name="Office Theme">
+      <a:fillStyleLst>
+        <a:solidFill>
+          <a:schemeClr val="phClr"/>
+        </a:solidFill>
+        <a:gradFill rotWithShape="1">
+          <a:gsLst>
+            <a:gs pos="0">
+              <a:schemeClr val="phClr">
+                <a:lumMod val="110000"/>
+                <a:satMod val="105000"/>
+                <a:tint val="67000"/>
+              </a:schemeClr>
+            </a:gs>
+            <a:gs pos="50000">
+              <a:schemeClr val="phClr">
+                <a:lumMod val="105000"/>
+                <a:satMod val="103000"/>
+                <a:tint val="73000"/>
+              </a:schemeClr>
+            </a:gs>
+            <a:gs pos="100000">
+              <a:schemeClr val="phClr">
+                <a:lumMod val="105000"/>
+                <a:satMod val="109000"/>
+                <a:tint val="81000"/>
+              </a:schemeClr>
+            </a:gs>
+          </a:gsLst>
+          <a:lin ang="5400000" scaled="0"/>
+        </a:gradFill>
+        <a:gradFill rotWithShape="1">
+          <a:gsLst>
+            <a:gs pos="0">
+              <a:schemeClr val="phClr">
+                <a:satMod val="103000"/>
+                <a:lumMod val="102000"/>
+                <a:tint val="94000"/>
+              </a:schemeClr>
+            </a:gs>
+            <a:gs pos="50000">
+              <a:schemeClr val="phClr">
+                <a:satMod val="110000"/>
+                <a:lumMod val="100000"/>
+                <a:shade val="100000"/>
+              </a:schemeClr>
+            </a:gs>
+            <a:gs pos="100000">
+              <a:schemeClr val="phClr">
+                <a:lumMod val="99000"/>
+                <a:satMod val="120000"/>
+                <a:shade val="78000"/>
+              </a:schemeClr>
+            </a:gs>
+          </a:gsLst>
+          <a:lin ang="5400000" scaled="0"/>
+        </a:gradFill>
+      </a:fillStyleLst>
+      <a:lnStyleLst>
+        <a:ln w="6350" cap="flat" cmpd="sng" algn="ctr">
+          <a:solidFill>
+            <a:schemeClr val="phClr"/>
+          </a:solidFill>
+          <a:prstDash val="solid"/>
+          <a:miter lim="800000"/>
+        </a:ln>
+        <a:ln w="12700" cap="flat" cmpd="sng" algn="ctr">
+          <a:solidFill>
+            <a:schemeClr val="phClr"/>
+          </a:solidFill>
+          <a:prstDash val="solid"/>
+          <a:miter lim="800000"/>
+        </a:ln>
+        <a:ln w="19050" cap="flat" cmpd="sng" algn="ctr">
+          <a:solidFill>
+            <a:schemeClr val="phClr"/>
+          </a:solidFill>
+          <a:prstDash val="solid"/>
+          <a:miter lim="800000"/>
+        </a:ln>
+      </a:lnStyleLst>
+      <a:effectStyleLst>
+        <a:effectStyle>
+          <a:effectLst/>
+        </a:effectStyle>
+        <a:effectStyle>
+          <a:effectLst/>
+        </a:effectStyle>
+        <a:effectStyle>
+          <a:effectLst>
+            <a:outerShdw blurRad="57150" dist="19050" dir="5400000" algn="ctr" rotWithShape="0">
+              <a:srgbClr val="000000">
+                <a:alpha val="63000"/>
+              </a:srgbClr>
+            </a:outerShdw>
+          </a:effectLst>
+        </a:effectStyle>
+      </a:effectStyleLst>
+      <a:bgFillStyleLst>
+        <a:solidFill>
+          <a:schemeClr val="phClr"/>
+        </a:solidFill>
+        <a:solidFill>
+          <a:schemeClr val="phClr">
+            <a:tint val="95000"/>
+            <a:satMod val="170000"/>
+          </a:schemeClr>
+        </a:solidFill>
+        <a:gradFill rotWithShape="1">
+          <a:gsLst>
+            <a:gs pos="0">
+              <a:schemeClr val="phClr">
+                <a:tint val="93000"/>
+                <a:satMod val="150000"/>
+                <a:shade val="98000"/>
+                <a:lumMod val="102000"/>
+              </a:schemeClr>
+            </a:gs>
+            <a:gs pos="50000">
+              <a:schemeClr val="phClr">
+                <a:tint val="98000"/>
+                <a:satMod val="130000"/>
+                <a:shade val="90000"/>
+                <a:lumMod val="103000"/>
+              </a:schemeClr>
+            </a:gs>
+            <a:gs pos="100000">
+              <a:schemeClr val="phClr">
+                <a:shade val="63000"/>
+                <a:satMod val="120000"/>
+              </a:schemeClr>
+            </a:gs>
+          </a:gsLst>
+          <a:lin ang="5400000" scaled="0"/>
+        </a:gradFill>
+      </a:bgFillStyleLst>
+    </a:fmtScheme>
+  </a:themeElements>
+  <a:objectDefaults/>
+  <a:extraClrSchemeLst/>
+  <a:extLst>
+    <a:ext uri="{05A4C25C-085E-4340-85A3-A5531E510DB2}">
+      <thm15:themeFamily xmlns:thm15="http://schemas.microsoft.com/office/thememl/2012/main" name="Office Theme" id="{62F939B6-93AF-4DB8-9C6B-D6C7DFDC589F}" vid="{4A3C46E8-61CC-4603-A589-7422A47A8E4A}"/>
+    </a:ext>
+  </a:extLst>
+</a:theme>
+</file>
+
+<file path=ppt/theme/theme2.xml><?xml version="1.0" encoding="utf-8"?>
+<a:theme xmlns:a="http://schemas.openxmlformats.org/drawingml/2006/main" name="Office Theme">
+  <a:themeElements>
+    <a:clrScheme name="Office">
+      <a:dk1>
+        <a:sysClr val="windowText" lastClr="000000"/>
+      </a:dk1>
+      <a:lt1>
+        <a:sysClr val="window" lastClr="FFFFFF"/>
+      </a:lt1>
+      <a:dk2>
+        <a:srgbClr val="44546A"/>
+      </a:dk2>
+      <a:lt2>
+        <a:srgbClr val="E7E6E6"/>
+      </a:lt2>
+      <a:accent1>
+        <a:srgbClr val="4472C4"/>
+      </a:accent1>
+      <a:accent2>
+        <a:srgbClr val="ED7D31"/>
+      </a:accent2>
+      <a:accent3>
+        <a:srgbClr val="A5A5A5"/>
+      </a:accent3>
+      <a:accent4>
+        <a:srgbClr val="FFC000"/>
+      </a:accent4>
+      <a:accent5>
+        <a:srgbClr val="5B9BD5"/>
+      </a:accent5>
+      <a:accent6>
+        <a:srgbClr val="70AD47"/>
+      </a:accent6>
+      <a:hlink>
+        <a:srgbClr val="0563C1"/>
+      </a:hlink>
+      <a:folHlink>
+        <a:srgbClr val="954F72"/>
+      </a:folHlink>
+    </a:clrScheme>
+    <a:fontScheme name="Office">
+      <a:majorFont>
+        <a:latin typeface="Calibri Light" panose="020F0302020204030204"/>
+        <a:ea typeface=""/>
+        <a:cs typeface=""/>
+        <a:font script="Jpan" typeface="游ゴシック Light"/>
+        <a:font script="Hang" typeface="맑은 고딕"/>
+        <a:font script="Hans" typeface="等线 Light"/>
+        <a:font script="Hant" typeface="新細明體"/>
+        <a:font script="Arab" typeface="Times New Roman"/>
+        <a:font script="Hebr" typeface="Times New Roman"/>
+        <a:font script="Thai" typeface="Angsana New"/>
+        <a:font script="Ethi" typeface="Nyala"/>
+        <a:font script="Beng" typeface="Vrinda"/>
+        <a:font script="Gujr" typeface="Shruti"/>
+        <a:font script="Khmr" typeface="MoolBoran"/>
+        <a:font script="Knda" typeface="Tunga"/>
+        <a:font script="Guru" typeface="Raavi"/>
+        <a:font script="Cans" typeface="Euphemia"/>
+        <a:font script="Cher" typeface="Plantagenet Cherokee"/>
+        <a:font script="Yiii" typeface="Microsoft Yi Baiti"/>
+        <a:font script="Tibt" typeface="Microsoft Himalaya"/>
+        <a:font script="Thaa" typeface="MV Boli"/>
+        <a:font script="Deva" typeface="Mangal"/>
+        <a:font script="Telu" typeface="Gautami"/>
+        <a:font script="Taml" typeface="Latha"/>
+        <a:font script="Syrc" typeface="Estrangelo Edessa"/>
+        <a:font script="Orya" typeface="Kalinga"/>
+        <a:font script="Mlym" typeface="Kartika"/>
+        <a:font script="Laoo" typeface="DokChampa"/>
+        <a:font script="Sinh" typeface="Iskoola Pota"/>
+        <a:font script="Mong" typeface="Mongolian Baiti"/>
+        <a:font script="Viet" typeface="Times New Roman"/>
+        <a:font script="Uigh" typeface="Microsoft Uighur"/>
+        <a:font script="Geor" typeface="Sylfaen"/>
+        <a:font script="Armn" typeface="Arial"/>
+        <a:font script="Bugi" typeface="Leelawadee UI"/>
+        <a:font script="Bopo" typeface="Microsoft JhengHei"/>
+        <a:font script="Java" typeface="Javanese Text"/>
+        <a:font script="Lisu" typeface="Segoe UI"/>
+        <a:font script="Mymr" typeface="Myanmar Text"/>
+        <a:font script="Nkoo" typeface="Ebrima"/>
+        <a:font script="Olck" typeface="Nirmala UI"/>
+        <a:font script="Osma" typeface="Ebrima"/>
+        <a:font script="Phag" typeface="Phagspa"/>
+        <a:font script="Syrn" typeface="Estrangelo Edessa"/>
+        <a:font script="Syrj" typeface="Estrangelo Edessa"/>
+        <a:font script="Syre" typeface="Estrangelo Edessa"/>
+        <a:font script="Sora" typeface="Nirmala UI"/>
+        <a:font script="Tale" typeface="Microsoft Tai Le"/>
+        <a:font script="Talu" typeface="Microsoft New Tai Lue"/>
+        <a:font script="Tfng" typeface="Ebrima"/>
+      </a:majorFont>
+      <a:minorFont>
+        <a:latin typeface="Calibri" panose="020F0502020204030204"/>
+        <a:ea typeface=""/>
+        <a:cs typeface=""/>
+        <a:font script="Jpan" typeface="游ゴシック"/>
+        <a:font script="Hang" typeface="맑은 고딕"/>
+        <a:font script="Hans" typeface="等线"/>
+        <a:font script="Hant" typeface="新細明體"/>
+        <a:font script="Arab" typeface="Arial"/>
+        <a:font script="Hebr" typeface="Arial"/>
+        <a:font script="Thai" typeface="Cordia New"/>
+        <a:font script="Ethi" typeface="Nyala"/>
+        <a:font script="Beng" typeface="Vrinda"/>
+        <a:font script="Gujr" typeface="Shruti"/>
+        <a:font script="Khmr" typeface="DaunPenh"/>
+        <a:font script="Knda" typeface="Tunga"/>
+        <a:font script="Guru" typeface="Raavi"/>
+        <a:font script="Cans" typeface="Euphemia"/>
+        <a:font script="Cher" typeface="Plantagenet Cherokee"/>
+        <a:font script="Yiii" typeface="Microsoft Yi Baiti"/>
+        <a:font script="Tibt" typeface="Microsoft Himalaya"/>
+        <a:font script="Thaa" typeface="MV Boli"/>
+        <a:font script="Deva" typeface="Mangal"/>
+        <a:font script="Telu" typeface="Gautami"/>
+        <a:font script="Taml" typeface="Latha"/>
+        <a:font script="Syrc" typeface="Estrangelo Edessa"/>
+        <a:font script="Orya" typeface="Kalinga"/>
+        <a:font script="Mlym" typeface="Kartika"/>
+        <a:font script="Laoo" typeface="DokChampa"/>
+        <a:font script="Sinh" typeface="Iskoola Pota"/>
+        <a:font script="Mong" typeface="Mongolian Baiti"/>
+        <a:font script="Viet" typeface="Arial"/>
+        <a:font script="Uigh" typeface="Microsoft Uighur"/>
+        <a:font script="Geor" typeface="Sylfaen"/>
+        <a:font script="Armn" typeface="Arial"/>
+        <a:font script="Bugi" typeface="Leelawadee UI"/>
+        <a:font script="Bopo" typeface="Microsoft JhengHei"/>
+        <a:font script="Java" typeface="Javanese Text"/>
+        <a:font script="Lisu" typeface="Segoe UI"/>
+        <a:font script="Mymr" typeface="Myanmar Text"/>
+        <a:font script="Nkoo" typeface="Ebrima"/>
+        <a:font script="Olck" typeface="Nirmala UI"/>
+        <a:font script="Osma" typeface="Ebrima"/>
+        <a:font script="Phag" typeface="Phagspa"/>
+        <a:font script="Syrn" typeface="Estrangelo Edessa"/>
+        <a:font script="Syrj" typeface="Estrangelo Edessa"/>
+        <a:font script="Syre" typeface="Estrangelo Edessa"/>
+        <a:font script="Sora" typeface="Nirmala UI"/>
+        <a:font script="Tale" typeface="Microsoft Tai Le"/>
+        <a:font script="Talu" typeface="Microsoft New Tai Lue"/>
+        <a:font script="Tfng" typeface="Ebrima"/>
+      </a:minorFont>
+    </a:fontScheme>
+    <a:fmtScheme name="Office">
       <a:fillStyleLst>
         <a:solidFill>
           <a:schemeClr val="phClr"/>
